--- a/slides/ppt/03_Bash Scripting.pptx
+++ b/slides/ppt/03_Bash Scripting.pptx
@@ -27,18 +27,18 @@
     <p:sldId id="440" r:id="rId18"/>
     <p:sldId id="428" r:id="rId19"/>
     <p:sldId id="431" r:id="rId20"/>
-    <p:sldId id="442" r:id="rId21"/>
-    <p:sldId id="443" r:id="rId22"/>
-    <p:sldId id="437" r:id="rId23"/>
-    <p:sldId id="438" r:id="rId24"/>
-    <p:sldId id="420" r:id="rId25"/>
-    <p:sldId id="423" r:id="rId26"/>
-    <p:sldId id="421" r:id="rId27"/>
-    <p:sldId id="422" r:id="rId28"/>
-    <p:sldId id="424" r:id="rId29"/>
-    <p:sldId id="426" r:id="rId30"/>
-    <p:sldId id="425" r:id="rId31"/>
-    <p:sldId id="427" r:id="rId32"/>
+    <p:sldId id="437" r:id="rId21"/>
+    <p:sldId id="438" r:id="rId22"/>
+    <p:sldId id="444" r:id="rId23"/>
+    <p:sldId id="442" r:id="rId24"/>
+    <p:sldId id="443" r:id="rId25"/>
+    <p:sldId id="420" r:id="rId26"/>
+    <p:sldId id="423" r:id="rId27"/>
+    <p:sldId id="421" r:id="rId28"/>
+    <p:sldId id="426" r:id="rId29"/>
+    <p:sldId id="424" r:id="rId30"/>
+    <p:sldId id="427" r:id="rId31"/>
+    <p:sldId id="425" r:id="rId32"/>
   </p:sldIdLst>
   <p:sldSz cx="9144000" cy="6858000" type="screen4x3"/>
   <p:notesSz cx="6858000" cy="9144000"/>
@@ -239,7 +239,7 @@
             <a:fld id="{BAEB7694-8561-4BE2-948D-EDF7A201F8BB}" type="datetimeFigureOut">
               <a:rPr lang="it-IT" smtClean="0"/>
               <a:pPr/>
-              <a:t>18/03/20</a:t>
+              <a:t>19/03/20</a:t>
             </a:fld>
             <a:endParaRPr lang="it-IT"/>
           </a:p>
@@ -7965,927 +7965,32 @@
       </p:grpSpPr>
       <p:sp>
         <p:nvSpPr>
-          <p:cNvPr id="6" name="Title 5">
-            <a:extLst>
-              <a:ext uri="{FF2B5EF4-FFF2-40B4-BE49-F238E27FC236}">
-                <a16:creationId xmlns:a16="http://schemas.microsoft.com/office/drawing/2014/main" id="{93B44130-F4F1-DA47-AB6D-67C33825DC3B}"/>
-              </a:ext>
-            </a:extLst>
-          </p:cNvPr>
+          <p:cNvPr id="2" name="Titolo 1"/>
           <p:cNvSpPr>
             <a:spLocks noGrp="1"/>
           </p:cNvSpPr>
           <p:nvPr>
-            <p:ph type="title"/>
-          </p:nvPr>
-        </p:nvSpPr>
-        <p:spPr/>
-        <p:txBody>
-          <a:bodyPr/>
-          <a:lstStyle/>
-          <a:p>
-            <a:r>
-              <a:rPr lang="en-GB" dirty="0" err="1"/>
-              <a:t>Struttura</a:t>
-            </a:r>
-            <a:r>
-              <a:rPr lang="en-GB" dirty="0"/>
-              <a:t> script</a:t>
-            </a:r>
-          </a:p>
-        </p:txBody>
-      </p:sp>
-      <p:sp>
-        <p:nvSpPr>
-          <p:cNvPr id="7" name="Content Placeholder 6">
-            <a:extLst>
-              <a:ext uri="{FF2B5EF4-FFF2-40B4-BE49-F238E27FC236}">
-                <a16:creationId xmlns:a16="http://schemas.microsoft.com/office/drawing/2014/main" id="{F3346B34-A549-C945-8B7B-3871E3018006}"/>
-              </a:ext>
-            </a:extLst>
-          </p:cNvPr>
-          <p:cNvSpPr>
-            <a:spLocks noGrp="1"/>
-          </p:cNvSpPr>
-          <p:nvPr>
-            <p:ph sz="half" idx="1"/>
+            <p:ph type="ctrTitle"/>
           </p:nvPr>
         </p:nvSpPr>
         <p:spPr/>
         <p:txBody>
           <a:bodyPr>
-            <a:normAutofit fontScale="47500" lnSpcReduction="20000"/>
+            <a:normAutofit/>
           </a:bodyPr>
           <a:lstStyle/>
           <a:p>
             <a:r>
-              <a:rPr lang="en-GB" sz="5100" dirty="0" err="1"/>
-              <a:t>Nello</a:t>
-            </a:r>
-            <a:r>
-              <a:rPr lang="en-GB" sz="5100" dirty="0"/>
-              <a:t> </a:t>
-            </a:r>
-            <a:r>
-              <a:rPr lang="en-GB" sz="5100" dirty="0" err="1"/>
-              <a:t>sviluppo</a:t>
-            </a:r>
-            <a:r>
-              <a:rPr lang="en-GB" sz="5100" dirty="0"/>
-              <a:t> di script </a:t>
-            </a:r>
-            <a:r>
-              <a:rPr lang="en-GB" sz="5100" dirty="0" err="1"/>
-              <a:t>è</a:t>
-            </a:r>
-            <a:r>
-              <a:rPr lang="en-GB" sz="5100" dirty="0"/>
-              <a:t> </a:t>
-            </a:r>
-            <a:r>
-              <a:rPr lang="en-GB" sz="5100" dirty="0" err="1"/>
-              <a:t>buona</a:t>
-            </a:r>
-            <a:r>
-              <a:rPr lang="en-GB" sz="5100" dirty="0"/>
-              <a:t> </a:t>
-            </a:r>
-            <a:r>
-              <a:rPr lang="en-GB" sz="5100" dirty="0" err="1"/>
-              <a:t>norma</a:t>
-            </a:r>
-            <a:r>
-              <a:rPr lang="en-GB" sz="5100" dirty="0"/>
-              <a:t> (</a:t>
-            </a:r>
-            <a:r>
-              <a:rPr lang="en-GB" sz="5100" i="1" dirty="0"/>
-              <a:t>best </a:t>
-            </a:r>
-            <a:r>
-              <a:rPr lang="en-GB" sz="5100" i="1" dirty="0" err="1"/>
-              <a:t>pratice</a:t>
-            </a:r>
-            <a:r>
-              <a:rPr lang="en-GB" sz="5100" dirty="0"/>
-              <a:t>) </a:t>
-            </a:r>
-            <a:r>
-              <a:rPr lang="en-GB" sz="5100" dirty="0" err="1"/>
-              <a:t>aderire</a:t>
-            </a:r>
-            <a:r>
-              <a:rPr lang="en-GB" sz="5100" dirty="0"/>
-              <a:t> ad un </a:t>
-            </a:r>
-            <a:r>
-              <a:rPr lang="en-GB" sz="5100" dirty="0" err="1"/>
-              <a:t>canovaccio</a:t>
-            </a:r>
-            <a:r>
-              <a:rPr lang="en-GB" sz="5100" dirty="0"/>
-              <a:t> </a:t>
-            </a:r>
-            <a:r>
-              <a:rPr lang="en-GB" sz="5100" dirty="0" err="1"/>
-              <a:t>noto</a:t>
-            </a:r>
-            <a:r>
-              <a:rPr lang="en-GB" sz="5100" dirty="0"/>
-              <a:t> e </a:t>
-            </a:r>
-            <a:r>
-              <a:rPr lang="en-GB" sz="5100" dirty="0" err="1"/>
-              <a:t>consolidato</a:t>
-            </a:r>
-            <a:endParaRPr lang="en-GB" sz="5100" dirty="0"/>
-          </a:p>
-          <a:p>
-            <a:endParaRPr lang="en-GB" sz="5100" dirty="0"/>
-          </a:p>
-          <a:p>
-            <a:r>
-              <a:rPr lang="en-GB" sz="5100" dirty="0" err="1">
-                <a:solidFill>
-                  <a:schemeClr val="accent6">
-                    <a:lumMod val="75000"/>
-                  </a:schemeClr>
-                </a:solidFill>
-              </a:rPr>
-              <a:t>Definizione</a:t>
-            </a:r>
-            <a:r>
-              <a:rPr lang="en-GB" sz="5100" dirty="0">
-                <a:solidFill>
-                  <a:schemeClr val="accent6">
-                    <a:lumMod val="75000"/>
-                  </a:schemeClr>
-                </a:solidFill>
-              </a:rPr>
-              <a:t> </a:t>
-            </a:r>
-            <a:r>
-              <a:rPr lang="en-GB" sz="5100" dirty="0" err="1">
-                <a:solidFill>
-                  <a:schemeClr val="accent6">
-                    <a:lumMod val="75000"/>
-                  </a:schemeClr>
-                </a:solidFill>
-              </a:rPr>
-              <a:t>interprete</a:t>
-            </a:r>
-            <a:r>
-              <a:rPr lang="en-GB" sz="5100" dirty="0">
-                <a:solidFill>
-                  <a:schemeClr val="accent6">
-                    <a:lumMod val="75000"/>
-                  </a:schemeClr>
-                </a:solidFill>
-              </a:rPr>
-              <a:t> (shebang)</a:t>
-            </a:r>
-          </a:p>
-          <a:p>
-            <a:r>
-              <a:rPr lang="en-GB" sz="5100" dirty="0" err="1">
-                <a:solidFill>
-                  <a:srgbClr val="7030A0"/>
-                </a:solidFill>
-              </a:rPr>
-              <a:t>Definizione</a:t>
-            </a:r>
-            <a:r>
-              <a:rPr lang="en-GB" sz="5100" dirty="0">
-                <a:solidFill>
-                  <a:srgbClr val="7030A0"/>
-                </a:solidFill>
-              </a:rPr>
-              <a:t> </a:t>
-            </a:r>
-            <a:r>
-              <a:rPr lang="en-GB" sz="5100" dirty="0" err="1">
-                <a:solidFill>
-                  <a:srgbClr val="7030A0"/>
-                </a:solidFill>
-              </a:rPr>
-              <a:t>variabili</a:t>
-            </a:r>
-            <a:r>
-              <a:rPr lang="en-GB" sz="5100" dirty="0">
-                <a:solidFill>
-                  <a:srgbClr val="7030A0"/>
-                </a:solidFill>
-              </a:rPr>
-              <a:t> </a:t>
-            </a:r>
-            <a:r>
-              <a:rPr lang="en-GB" sz="5100" dirty="0" err="1">
-                <a:solidFill>
-                  <a:srgbClr val="7030A0"/>
-                </a:solidFill>
-              </a:rPr>
-              <a:t>globali</a:t>
-            </a:r>
-            <a:endParaRPr lang="en-GB" sz="5100" dirty="0">
-              <a:solidFill>
-                <a:srgbClr val="7030A0"/>
-              </a:solidFill>
-            </a:endParaRPr>
-          </a:p>
-          <a:p>
-            <a:r>
-              <a:rPr lang="en-GB" sz="5100" dirty="0" err="1"/>
-              <a:t>Definizione</a:t>
-            </a:r>
-            <a:r>
-              <a:rPr lang="en-GB" sz="5100" dirty="0"/>
-              <a:t> </a:t>
-            </a:r>
-            <a:r>
-              <a:rPr lang="en-GB" sz="5100" dirty="0" err="1"/>
-              <a:t>funzioni</a:t>
-            </a:r>
-            <a:endParaRPr lang="en-GB" sz="5100" dirty="0"/>
-          </a:p>
-          <a:p>
-            <a:r>
-              <a:rPr lang="en-GB" sz="5100" dirty="0" err="1">
-                <a:solidFill>
-                  <a:srgbClr val="00B050"/>
-                </a:solidFill>
-              </a:rPr>
-              <a:t>Controllo</a:t>
-            </a:r>
-            <a:r>
-              <a:rPr lang="en-GB" sz="5100" dirty="0">
-                <a:solidFill>
-                  <a:srgbClr val="00B050"/>
-                </a:solidFill>
-              </a:rPr>
-              <a:t> </a:t>
-            </a:r>
-            <a:r>
-              <a:rPr lang="en-GB" sz="5100" dirty="0" err="1">
-                <a:solidFill>
-                  <a:srgbClr val="00B050"/>
-                </a:solidFill>
-              </a:rPr>
-              <a:t>parametri</a:t>
-            </a:r>
-            <a:endParaRPr lang="en-GB" sz="5100" dirty="0">
-              <a:solidFill>
-                <a:srgbClr val="00B050"/>
-              </a:solidFill>
-            </a:endParaRPr>
-          </a:p>
-          <a:p>
-            <a:r>
-              <a:rPr lang="en-GB" sz="5100" dirty="0" err="1">
-                <a:solidFill>
-                  <a:schemeClr val="accent5">
-                    <a:lumMod val="75000"/>
-                  </a:schemeClr>
-                </a:solidFill>
-              </a:rPr>
-              <a:t>Corpo</a:t>
-            </a:r>
-            <a:r>
-              <a:rPr lang="en-GB" sz="5100" dirty="0">
-                <a:solidFill>
-                  <a:schemeClr val="accent5">
-                    <a:lumMod val="75000"/>
-                  </a:schemeClr>
-                </a:solidFill>
-              </a:rPr>
-              <a:t> </a:t>
-            </a:r>
-            <a:r>
-              <a:rPr lang="en-GB" sz="5100" dirty="0" err="1">
-                <a:solidFill>
-                  <a:schemeClr val="accent5">
-                    <a:lumMod val="75000"/>
-                  </a:schemeClr>
-                </a:solidFill>
-              </a:rPr>
-              <a:t>principale</a:t>
-            </a:r>
-            <a:endParaRPr lang="en-GB" sz="5100" dirty="0">
-              <a:solidFill>
-                <a:schemeClr val="accent5">
-                  <a:lumMod val="75000"/>
-                </a:schemeClr>
-              </a:solidFill>
-            </a:endParaRPr>
-          </a:p>
-          <a:p>
-            <a:r>
-              <a:rPr lang="en-GB" sz="5100" dirty="0" err="1">
-                <a:solidFill>
-                  <a:srgbClr val="FF0000"/>
-                </a:solidFill>
-              </a:rPr>
-              <a:t>Terminazione</a:t>
-            </a:r>
-            <a:endParaRPr lang="en-GB" sz="5100" dirty="0">
-              <a:solidFill>
-                <a:srgbClr val="FF0000"/>
-              </a:solidFill>
-            </a:endParaRPr>
-          </a:p>
-          <a:p>
-            <a:endParaRPr lang="en-GB" sz="2000" dirty="0"/>
-          </a:p>
-        </p:txBody>
-      </p:sp>
-      <p:sp>
-        <p:nvSpPr>
-          <p:cNvPr id="8" name="Content Placeholder 7">
-            <a:extLst>
-              <a:ext uri="{FF2B5EF4-FFF2-40B4-BE49-F238E27FC236}">
-                <a16:creationId xmlns:a16="http://schemas.microsoft.com/office/drawing/2014/main" id="{6D431DC5-3861-0146-B5BD-1BF5B9298479}"/>
-              </a:ext>
-            </a:extLst>
-          </p:cNvPr>
-          <p:cNvSpPr>
-            <a:spLocks noGrp="1"/>
-          </p:cNvSpPr>
-          <p:nvPr>
-            <p:ph sz="half" idx="2"/>
-          </p:nvPr>
-        </p:nvSpPr>
-        <p:spPr>
-          <a:xfrm>
-            <a:off x="4648200" y="1600202"/>
-            <a:ext cx="4038600" cy="5127625"/>
-          </a:xfrm>
-        </p:spPr>
-        <p:txBody>
-          <a:bodyPr>
-            <a:noAutofit/>
-          </a:bodyPr>
-          <a:lstStyle/>
-          <a:p>
-            <a:pPr marL="0" indent="0">
-              <a:buNone/>
-            </a:pPr>
-            <a:r>
-              <a:rPr lang="en-GB" sz="1000" dirty="0">
-                <a:solidFill>
-                  <a:schemeClr val="accent6">
-                    <a:lumMod val="75000"/>
-                  </a:schemeClr>
-                </a:solidFill>
-                <a:latin typeface="Consolas" panose="020B0609020204030204" pitchFamily="49" charset="0"/>
-                <a:ea typeface="HGGothicE" panose="020B0909000000000000" pitchFamily="49" charset="-128"/>
-                <a:cs typeface="Consolas" panose="020B0609020204030204" pitchFamily="49" charset="0"/>
-              </a:rPr>
-              <a:t>#!/bin/bash</a:t>
-            </a:r>
-          </a:p>
-          <a:p>
-            <a:pPr marL="0" indent="0">
-              <a:buNone/>
-            </a:pPr>
-            <a:endParaRPr lang="en-GB" sz="1000" dirty="0">
-              <a:latin typeface="Consolas" panose="020B0609020204030204" pitchFamily="49" charset="0"/>
-              <a:ea typeface="HGGothicE" panose="020B0909000000000000" pitchFamily="49" charset="-128"/>
-              <a:cs typeface="Consolas" panose="020B0609020204030204" pitchFamily="49" charset="0"/>
-            </a:endParaRPr>
-          </a:p>
-          <a:p>
-            <a:pPr marL="0" indent="0">
-              <a:buNone/>
-            </a:pPr>
-            <a:r>
-              <a:rPr lang="en-GB" sz="1000" dirty="0">
-                <a:solidFill>
-                  <a:srgbClr val="7030A0"/>
-                </a:solidFill>
-                <a:latin typeface="Consolas" panose="020B0609020204030204" pitchFamily="49" charset="0"/>
-                <a:ea typeface="HGGothicE" panose="020B0909000000000000" pitchFamily="49" charset="-128"/>
-                <a:cs typeface="Consolas" panose="020B0609020204030204" pitchFamily="49" charset="0"/>
-              </a:rPr>
-              <a:t>USAGE="usage: $0 </a:t>
-            </a:r>
-            <a:r>
-              <a:rPr lang="en-GB" sz="1000" dirty="0" err="1">
-                <a:solidFill>
-                  <a:srgbClr val="7030A0"/>
-                </a:solidFill>
-                <a:latin typeface="Consolas" panose="020B0609020204030204" pitchFamily="49" charset="0"/>
-                <a:ea typeface="HGGothicE" panose="020B0909000000000000" pitchFamily="49" charset="-128"/>
-                <a:cs typeface="Consolas" panose="020B0609020204030204" pitchFamily="49" charset="0"/>
-              </a:rPr>
-              <a:t>dirname</a:t>
-            </a:r>
-            <a:r>
-              <a:rPr lang="en-GB" sz="1000" dirty="0">
-                <a:solidFill>
-                  <a:srgbClr val="7030A0"/>
-                </a:solidFill>
-                <a:latin typeface="Consolas" panose="020B0609020204030204" pitchFamily="49" charset="0"/>
-                <a:ea typeface="HGGothicE" panose="020B0909000000000000" pitchFamily="49" charset="-128"/>
-                <a:cs typeface="Consolas" panose="020B0609020204030204" pitchFamily="49" charset="0"/>
-              </a:rPr>
-              <a:t>”</a:t>
-            </a:r>
-          </a:p>
-          <a:p>
-            <a:pPr marL="0" indent="0">
-              <a:buNone/>
-            </a:pPr>
-            <a:endParaRPr lang="en-GB" sz="1000" dirty="0">
-              <a:latin typeface="Consolas" panose="020B0609020204030204" pitchFamily="49" charset="0"/>
-              <a:ea typeface="HGGothicE" panose="020B0909000000000000" pitchFamily="49" charset="-128"/>
-              <a:cs typeface="Consolas" panose="020B0609020204030204" pitchFamily="49" charset="0"/>
-            </a:endParaRPr>
-          </a:p>
-          <a:p>
-            <a:pPr marL="0" indent="0">
-              <a:buNone/>
-            </a:pPr>
-            <a:r>
-              <a:rPr lang="en-GB" sz="1000" dirty="0">
-                <a:solidFill>
-                  <a:srgbClr val="00B050"/>
-                </a:solidFill>
-                <a:latin typeface="Consolas" panose="020B0609020204030204" pitchFamily="49" charset="0"/>
-                <a:ea typeface="HGGothicE" panose="020B0909000000000000" pitchFamily="49" charset="-128"/>
-                <a:cs typeface="Consolas" panose="020B0609020204030204" pitchFamily="49" charset="0"/>
-              </a:rPr>
-              <a:t>if [ $# -ne 1 ]; then </a:t>
-            </a:r>
-          </a:p>
-          <a:p>
-            <a:pPr marL="0" indent="0">
-              <a:buNone/>
-            </a:pPr>
-            <a:r>
-              <a:rPr lang="en-GB" sz="1000" dirty="0">
-                <a:solidFill>
-                  <a:srgbClr val="00B050"/>
-                </a:solidFill>
-                <a:latin typeface="Consolas" panose="020B0609020204030204" pitchFamily="49" charset="0"/>
-                <a:ea typeface="HGGothicE" panose="020B0909000000000000" pitchFamily="49" charset="-128"/>
-                <a:cs typeface="Consolas" panose="020B0609020204030204" pitchFamily="49" charset="0"/>
-              </a:rPr>
-              <a:t>  echo “$USAGE”</a:t>
-            </a:r>
-          </a:p>
-          <a:p>
-            <a:pPr marL="0" indent="0">
-              <a:buNone/>
-            </a:pPr>
-            <a:r>
-              <a:rPr lang="en-GB" sz="1000" dirty="0">
-                <a:solidFill>
-                  <a:srgbClr val="00B050"/>
-                </a:solidFill>
-                <a:latin typeface="Consolas" panose="020B0609020204030204" pitchFamily="49" charset="0"/>
-                <a:ea typeface="HGGothicE" panose="020B0909000000000000" pitchFamily="49" charset="-128"/>
-                <a:cs typeface="Consolas" panose="020B0609020204030204" pitchFamily="49" charset="0"/>
-              </a:rPr>
-              <a:t>  exit 1</a:t>
-            </a:r>
-          </a:p>
-          <a:p>
-            <a:pPr marL="0" indent="0">
-              <a:buNone/>
-            </a:pPr>
-            <a:r>
-              <a:rPr lang="en-GB" sz="1000" dirty="0">
-                <a:solidFill>
-                  <a:srgbClr val="00B050"/>
-                </a:solidFill>
-                <a:latin typeface="Consolas" panose="020B0609020204030204" pitchFamily="49" charset="0"/>
-                <a:ea typeface="HGGothicE" panose="020B0909000000000000" pitchFamily="49" charset="-128"/>
-                <a:cs typeface="Consolas" panose="020B0609020204030204" pitchFamily="49" charset="0"/>
-              </a:rPr>
-              <a:t>fi</a:t>
-            </a:r>
-          </a:p>
-          <a:p>
-            <a:pPr marL="0" indent="0">
-              <a:buNone/>
-            </a:pPr>
-            <a:endParaRPr lang="en-GB" sz="1000" dirty="0">
-              <a:solidFill>
-                <a:srgbClr val="00B050"/>
-              </a:solidFill>
-              <a:latin typeface="Consolas" panose="020B0609020204030204" pitchFamily="49" charset="0"/>
-              <a:ea typeface="HGGothicE" panose="020B0909000000000000" pitchFamily="49" charset="-128"/>
-              <a:cs typeface="Consolas" panose="020B0609020204030204" pitchFamily="49" charset="0"/>
-            </a:endParaRPr>
-          </a:p>
-          <a:p>
-            <a:pPr marL="0" indent="0">
-              <a:buNone/>
-            </a:pPr>
-            <a:r>
-              <a:rPr lang="en-GB" sz="1000" dirty="0">
-                <a:solidFill>
-                  <a:srgbClr val="00B050"/>
-                </a:solidFill>
-                <a:latin typeface="Consolas" panose="020B0609020204030204" pitchFamily="49" charset="0"/>
-                <a:ea typeface="HGGothicE" panose="020B0909000000000000" pitchFamily="49" charset="-128"/>
-                <a:cs typeface="Consolas" panose="020B0609020204030204" pitchFamily="49" charset="0"/>
-              </a:rPr>
-              <a:t>if [ ! -d "$1" -o ! -x "$1" ]; then</a:t>
-            </a:r>
-          </a:p>
-          <a:p>
-            <a:pPr marL="0" indent="0">
-              <a:buNone/>
-            </a:pPr>
-            <a:r>
-              <a:rPr lang="en-GB" sz="1000" dirty="0">
-                <a:solidFill>
-                  <a:srgbClr val="00B050"/>
-                </a:solidFill>
-                <a:latin typeface="Consolas" panose="020B0609020204030204" pitchFamily="49" charset="0"/>
-                <a:ea typeface="HGGothicE" panose="020B0909000000000000" pitchFamily="49" charset="-128"/>
-                <a:cs typeface="Consolas" panose="020B0609020204030204" pitchFamily="49" charset="0"/>
-              </a:rPr>
-              <a:t>  echo “$USAGE”  </a:t>
-            </a:r>
-          </a:p>
-          <a:p>
-            <a:pPr marL="0" indent="0">
-              <a:buNone/>
-            </a:pPr>
-            <a:r>
-              <a:rPr lang="en-GB" sz="1000" dirty="0">
-                <a:solidFill>
-                  <a:srgbClr val="00B050"/>
-                </a:solidFill>
-                <a:latin typeface="Consolas" panose="020B0609020204030204" pitchFamily="49" charset="0"/>
-                <a:ea typeface="HGGothicE" panose="020B0909000000000000" pitchFamily="49" charset="-128"/>
-                <a:cs typeface="Consolas" panose="020B0609020204030204" pitchFamily="49" charset="0"/>
-              </a:rPr>
-              <a:t>  exit 1</a:t>
-            </a:r>
-          </a:p>
-          <a:p>
-            <a:pPr marL="0" indent="0">
-              <a:buNone/>
-            </a:pPr>
-            <a:r>
-              <a:rPr lang="en-GB" sz="1000" dirty="0">
-                <a:solidFill>
-                  <a:srgbClr val="00B050"/>
-                </a:solidFill>
-                <a:latin typeface="Consolas" panose="020B0609020204030204" pitchFamily="49" charset="0"/>
-                <a:ea typeface="HGGothicE" panose="020B0909000000000000" pitchFamily="49" charset="-128"/>
-                <a:cs typeface="Consolas" panose="020B0609020204030204" pitchFamily="49" charset="0"/>
-              </a:rPr>
-              <a:t>fi</a:t>
-            </a:r>
-          </a:p>
-          <a:p>
-            <a:pPr marL="0" indent="0">
-              <a:buNone/>
-            </a:pPr>
-            <a:endParaRPr lang="en-GB" sz="1000" dirty="0">
-              <a:latin typeface="Consolas" panose="020B0609020204030204" pitchFamily="49" charset="0"/>
-              <a:ea typeface="HGGothicE" panose="020B0909000000000000" pitchFamily="49" charset="-128"/>
-              <a:cs typeface="Consolas" panose="020B0609020204030204" pitchFamily="49" charset="0"/>
-            </a:endParaRPr>
-          </a:p>
-          <a:p>
-            <a:pPr marL="0" indent="0">
-              <a:buNone/>
-            </a:pPr>
-            <a:r>
-              <a:rPr lang="en-GB" sz="1000" dirty="0">
-                <a:solidFill>
-                  <a:schemeClr val="accent5">
-                    <a:lumMod val="75000"/>
-                  </a:schemeClr>
-                </a:solidFill>
-                <a:latin typeface="Consolas" panose="020B0609020204030204" pitchFamily="49" charset="0"/>
-                <a:ea typeface="HGGothicE" panose="020B0909000000000000" pitchFamily="49" charset="-128"/>
-                <a:cs typeface="Consolas" panose="020B0609020204030204" pitchFamily="49" charset="0"/>
-              </a:rPr>
-              <a:t>F=0; D=0</a:t>
-            </a:r>
-          </a:p>
-          <a:p>
-            <a:pPr marL="0" indent="0">
-              <a:buNone/>
-            </a:pPr>
-            <a:r>
-              <a:rPr lang="en-GB" sz="1000" dirty="0">
-                <a:solidFill>
-                  <a:schemeClr val="accent5">
-                    <a:lumMod val="75000"/>
-                  </a:schemeClr>
-                </a:solidFill>
-                <a:latin typeface="Consolas" panose="020B0609020204030204" pitchFamily="49" charset="0"/>
-                <a:ea typeface="HGGothicE" panose="020B0909000000000000" pitchFamily="49" charset="-128"/>
-                <a:cs typeface="Consolas" panose="020B0609020204030204" pitchFamily="49" charset="0"/>
-              </a:rPr>
-              <a:t>for </a:t>
-            </a:r>
-            <a:r>
-              <a:rPr lang="en-GB" sz="1000" dirty="0" err="1">
-                <a:solidFill>
-                  <a:schemeClr val="accent5">
-                    <a:lumMod val="75000"/>
-                  </a:schemeClr>
-                </a:solidFill>
-                <a:latin typeface="Consolas" panose="020B0609020204030204" pitchFamily="49" charset="0"/>
-                <a:ea typeface="HGGothicE" panose="020B0909000000000000" pitchFamily="49" charset="-128"/>
-                <a:cs typeface="Consolas" panose="020B0609020204030204" pitchFamily="49" charset="0"/>
-              </a:rPr>
-              <a:t>fname</a:t>
-            </a:r>
-            <a:r>
-              <a:rPr lang="en-GB" sz="1000" dirty="0">
-                <a:solidFill>
-                  <a:schemeClr val="accent5">
-                    <a:lumMod val="75000"/>
-                  </a:schemeClr>
-                </a:solidFill>
-                <a:latin typeface="Consolas" panose="020B0609020204030204" pitchFamily="49" charset="0"/>
-                <a:ea typeface="HGGothicE" panose="020B0909000000000000" pitchFamily="49" charset="-128"/>
-                <a:cs typeface="Consolas" panose="020B0609020204030204" pitchFamily="49" charset="0"/>
-              </a:rPr>
-              <a:t> in "$1"/*; do</a:t>
-            </a:r>
-          </a:p>
-          <a:p>
-            <a:pPr marL="0" indent="0">
-              <a:buNone/>
-            </a:pPr>
-            <a:r>
-              <a:rPr lang="en-GB" sz="1000" dirty="0">
-                <a:solidFill>
-                  <a:schemeClr val="accent5">
-                    <a:lumMod val="75000"/>
-                  </a:schemeClr>
-                </a:solidFill>
-                <a:latin typeface="Consolas" panose="020B0609020204030204" pitchFamily="49" charset="0"/>
-                <a:ea typeface="HGGothicE" panose="020B0909000000000000" pitchFamily="49" charset="-128"/>
-                <a:cs typeface="Consolas" panose="020B0609020204030204" pitchFamily="49" charset="0"/>
-              </a:rPr>
-              <a:t>  if [ -f "$</a:t>
-            </a:r>
-            <a:r>
-              <a:rPr lang="en-GB" sz="1000" dirty="0" err="1">
-                <a:solidFill>
-                  <a:schemeClr val="accent5">
-                    <a:lumMod val="75000"/>
-                  </a:schemeClr>
-                </a:solidFill>
-                <a:latin typeface="Consolas" panose="020B0609020204030204" pitchFamily="49" charset="0"/>
-                <a:ea typeface="HGGothicE" panose="020B0909000000000000" pitchFamily="49" charset="-128"/>
-                <a:cs typeface="Consolas" panose="020B0609020204030204" pitchFamily="49" charset="0"/>
-              </a:rPr>
-              <a:t>fname</a:t>
-            </a:r>
-            <a:r>
-              <a:rPr lang="en-GB" sz="1000" dirty="0">
-                <a:solidFill>
-                  <a:schemeClr val="accent5">
-                    <a:lumMod val="75000"/>
-                  </a:schemeClr>
-                </a:solidFill>
-                <a:latin typeface="Consolas" panose="020B0609020204030204" pitchFamily="49" charset="0"/>
-                <a:ea typeface="HGGothicE" panose="020B0909000000000000" pitchFamily="49" charset="-128"/>
-                <a:cs typeface="Consolas" panose="020B0609020204030204" pitchFamily="49" charset="0"/>
-              </a:rPr>
-              <a:t>" ]; then</a:t>
-            </a:r>
-          </a:p>
-          <a:p>
-            <a:pPr marL="0" indent="0">
-              <a:buNone/>
-            </a:pPr>
-            <a:r>
-              <a:rPr lang="en-GB" sz="1000" dirty="0">
-                <a:solidFill>
-                  <a:schemeClr val="accent5">
-                    <a:lumMod val="75000"/>
-                  </a:schemeClr>
-                </a:solidFill>
-                <a:latin typeface="Consolas" panose="020B0609020204030204" pitchFamily="49" charset="0"/>
-                <a:ea typeface="HGGothicE" panose="020B0909000000000000" pitchFamily="49" charset="-128"/>
-                <a:cs typeface="Consolas" panose="020B0609020204030204" pitchFamily="49" charset="0"/>
-              </a:rPr>
-              <a:t>      F=$(expr $F + 1)</a:t>
-            </a:r>
-          </a:p>
-          <a:p>
-            <a:pPr marL="0" indent="0">
-              <a:buNone/>
-            </a:pPr>
-            <a:r>
-              <a:rPr lang="en-GB" sz="1000" dirty="0">
-                <a:solidFill>
-                  <a:schemeClr val="accent5">
-                    <a:lumMod val="75000"/>
-                  </a:schemeClr>
-                </a:solidFill>
-                <a:latin typeface="Consolas" panose="020B0609020204030204" pitchFamily="49" charset="0"/>
-                <a:ea typeface="HGGothicE" panose="020B0909000000000000" pitchFamily="49" charset="-128"/>
-                <a:cs typeface="Consolas" panose="020B0609020204030204" pitchFamily="49" charset="0"/>
-              </a:rPr>
-              <a:t>  fi  </a:t>
-            </a:r>
-          </a:p>
-          <a:p>
-            <a:pPr marL="0" indent="0">
-              <a:buNone/>
-            </a:pPr>
-            <a:r>
-              <a:rPr lang="en-GB" sz="1000" dirty="0">
-                <a:solidFill>
-                  <a:schemeClr val="accent5">
-                    <a:lumMod val="75000"/>
-                  </a:schemeClr>
-                </a:solidFill>
-                <a:latin typeface="Consolas" panose="020B0609020204030204" pitchFamily="49" charset="0"/>
-                <a:ea typeface="HGGothicE" panose="020B0909000000000000" pitchFamily="49" charset="-128"/>
-                <a:cs typeface="Consolas" panose="020B0609020204030204" pitchFamily="49" charset="0"/>
-              </a:rPr>
-              <a:t>  if [ -d "$</a:t>
-            </a:r>
-            <a:r>
-              <a:rPr lang="en-GB" sz="1000" dirty="0" err="1">
-                <a:solidFill>
-                  <a:schemeClr val="accent5">
-                    <a:lumMod val="75000"/>
-                  </a:schemeClr>
-                </a:solidFill>
-                <a:latin typeface="Consolas" panose="020B0609020204030204" pitchFamily="49" charset="0"/>
-                <a:ea typeface="HGGothicE" panose="020B0909000000000000" pitchFamily="49" charset="-128"/>
-                <a:cs typeface="Consolas" panose="020B0609020204030204" pitchFamily="49" charset="0"/>
-              </a:rPr>
-              <a:t>fname</a:t>
-            </a:r>
-            <a:r>
-              <a:rPr lang="en-GB" sz="1000" dirty="0">
-                <a:solidFill>
-                  <a:schemeClr val="accent5">
-                    <a:lumMod val="75000"/>
-                  </a:schemeClr>
-                </a:solidFill>
-                <a:latin typeface="Consolas" panose="020B0609020204030204" pitchFamily="49" charset="0"/>
-                <a:ea typeface="HGGothicE" panose="020B0909000000000000" pitchFamily="49" charset="-128"/>
-                <a:cs typeface="Consolas" panose="020B0609020204030204" pitchFamily="49" charset="0"/>
-              </a:rPr>
-              <a:t>" ]; then</a:t>
-            </a:r>
-          </a:p>
-          <a:p>
-            <a:pPr marL="0" indent="0">
-              <a:buNone/>
-            </a:pPr>
-            <a:r>
-              <a:rPr lang="en-GB" sz="1000" dirty="0">
-                <a:solidFill>
-                  <a:schemeClr val="accent5">
-                    <a:lumMod val="75000"/>
-                  </a:schemeClr>
-                </a:solidFill>
-                <a:latin typeface="Consolas" panose="020B0609020204030204" pitchFamily="49" charset="0"/>
-                <a:ea typeface="HGGothicE" panose="020B0909000000000000" pitchFamily="49" charset="-128"/>
-                <a:cs typeface="Consolas" panose="020B0609020204030204" pitchFamily="49" charset="0"/>
-              </a:rPr>
-              <a:t>      D=$(expr $D + 1)</a:t>
-            </a:r>
-          </a:p>
-          <a:p>
-            <a:pPr marL="0" indent="0">
-              <a:buNone/>
-            </a:pPr>
-            <a:r>
-              <a:rPr lang="en-GB" sz="1000" dirty="0">
-                <a:solidFill>
-                  <a:schemeClr val="accent5">
-                    <a:lumMod val="75000"/>
-                  </a:schemeClr>
-                </a:solidFill>
-                <a:latin typeface="Consolas" panose="020B0609020204030204" pitchFamily="49" charset="0"/>
-                <a:ea typeface="HGGothicE" panose="020B0909000000000000" pitchFamily="49" charset="-128"/>
-                <a:cs typeface="Consolas" panose="020B0609020204030204" pitchFamily="49" charset="0"/>
-              </a:rPr>
-              <a:t>  fi</a:t>
-            </a:r>
-          </a:p>
-          <a:p>
-            <a:pPr marL="0" indent="0">
-              <a:buNone/>
-            </a:pPr>
-            <a:r>
-              <a:rPr lang="en-GB" sz="1000" dirty="0">
-                <a:solidFill>
-                  <a:schemeClr val="accent5">
-                    <a:lumMod val="75000"/>
-                  </a:schemeClr>
-                </a:solidFill>
-                <a:latin typeface="Consolas" panose="020B0609020204030204" pitchFamily="49" charset="0"/>
-                <a:ea typeface="HGGothicE" panose="020B0909000000000000" pitchFamily="49" charset="-128"/>
-                <a:cs typeface="Consolas" panose="020B0609020204030204" pitchFamily="49" charset="0"/>
-              </a:rPr>
-              <a:t>done</a:t>
-            </a:r>
-          </a:p>
-          <a:p>
-            <a:pPr marL="0" indent="0">
-              <a:buNone/>
-            </a:pPr>
-            <a:endParaRPr lang="en-GB" sz="1000" dirty="0">
-              <a:solidFill>
-                <a:schemeClr val="accent5">
-                  <a:lumMod val="75000"/>
-                </a:schemeClr>
-              </a:solidFill>
-              <a:latin typeface="Consolas" panose="020B0609020204030204" pitchFamily="49" charset="0"/>
-              <a:ea typeface="HGGothicE" panose="020B0909000000000000" pitchFamily="49" charset="-128"/>
-              <a:cs typeface="Consolas" panose="020B0609020204030204" pitchFamily="49" charset="0"/>
-            </a:endParaRPr>
-          </a:p>
-          <a:p>
-            <a:pPr marL="0" indent="0">
-              <a:buNone/>
-            </a:pPr>
-            <a:r>
-              <a:rPr lang="en-GB" sz="1000" dirty="0">
-                <a:solidFill>
-                  <a:schemeClr val="accent5">
-                    <a:lumMod val="75000"/>
-                  </a:schemeClr>
-                </a:solidFill>
-                <a:latin typeface="Consolas" panose="020B0609020204030204" pitchFamily="49" charset="0"/>
-                <a:ea typeface="HGGothicE" panose="020B0909000000000000" pitchFamily="49" charset="-128"/>
-                <a:cs typeface="Consolas" panose="020B0609020204030204" pitchFamily="49" charset="0"/>
-              </a:rPr>
-              <a:t>echo "#files=$F, #directories=$D" </a:t>
-            </a:r>
-          </a:p>
-          <a:p>
-            <a:pPr marL="0" indent="0">
-              <a:buNone/>
-            </a:pPr>
-            <a:r>
-              <a:rPr lang="en-GB" sz="1000" dirty="0">
-                <a:solidFill>
-                  <a:srgbClr val="FF0000"/>
-                </a:solidFill>
-                <a:latin typeface="Consolas" panose="020B0609020204030204" pitchFamily="49" charset="0"/>
-                <a:ea typeface="HGGothicE" panose="020B0909000000000000" pitchFamily="49" charset="-128"/>
-                <a:cs typeface="Consolas" panose="020B0609020204030204" pitchFamily="49" charset="0"/>
-              </a:rPr>
-              <a:t>exit 0</a:t>
-            </a:r>
-          </a:p>
-          <a:p>
-            <a:pPr marL="0" indent="0">
-              <a:buNone/>
-            </a:pPr>
-            <a:endParaRPr lang="en-GB" sz="1000" dirty="0">
-              <a:latin typeface="Consolas" panose="020B0609020204030204" pitchFamily="49" charset="0"/>
-              <a:ea typeface="HGGothicE" panose="020B0909000000000000" pitchFamily="49" charset="-128"/>
-              <a:cs typeface="Consolas" panose="020B0609020204030204" pitchFamily="49" charset="0"/>
-            </a:endParaRPr>
-          </a:p>
-        </p:txBody>
-      </p:sp>
-      <p:sp>
-        <p:nvSpPr>
-          <p:cNvPr id="5" name="Slide Number Placeholder 4">
-            <a:extLst>
-              <a:ext uri="{FF2B5EF4-FFF2-40B4-BE49-F238E27FC236}">
-                <a16:creationId xmlns:a16="http://schemas.microsoft.com/office/drawing/2014/main" id="{7AA3CCBD-F793-D049-86E6-3D5F0F8741F9}"/>
-              </a:ext>
-            </a:extLst>
-          </p:cNvPr>
-          <p:cNvSpPr>
-            <a:spLocks noGrp="1"/>
-          </p:cNvSpPr>
-          <p:nvPr>
-            <p:ph type="sldNum" sz="quarter" idx="12"/>
-          </p:nvPr>
-        </p:nvSpPr>
-        <p:spPr/>
-        <p:txBody>
-          <a:bodyPr/>
-          <a:lstStyle/>
-          <a:p>
-            <a:fld id="{D2040F39-7941-49A4-B48D-F201B18B6351}" type="slidenum">
-              <a:rPr lang="it-IT" smtClean="0"/>
-              <a:pPr/>
-              <a:t>20</a:t>
-            </a:fld>
-            <a:endParaRPr lang="it-IT" dirty="0"/>
+              <a:rPr lang="it-IT" dirty="0"/>
+              <a:t>Funzioni</a:t>
+            </a:r>
           </a:p>
         </p:txBody>
       </p:sp>
     </p:spTree>
     <p:extLst>
       <p:ext uri="{BB962C8B-B14F-4D97-AF65-F5344CB8AC3E}">
-        <p14:creationId xmlns:p14="http://schemas.microsoft.com/office/powerpoint/2010/main" val="105008260"/>
+        <p14:creationId xmlns:p14="http://schemas.microsoft.com/office/powerpoint/2010/main" val="4165282474"/>
       </p:ext>
     </p:extLst>
   </p:cSld>
@@ -8914,10 +8019,10 @@
       </p:grpSpPr>
       <p:sp>
         <p:nvSpPr>
-          <p:cNvPr id="6" name="Title 5">
+          <p:cNvPr id="2" name="Title 1">
             <a:extLst>
               <a:ext uri="{FF2B5EF4-FFF2-40B4-BE49-F238E27FC236}">
-                <a16:creationId xmlns:a16="http://schemas.microsoft.com/office/drawing/2014/main" id="{93B44130-F4F1-DA47-AB6D-67C33825DC3B}"/>
+                <a16:creationId xmlns:a16="http://schemas.microsoft.com/office/drawing/2014/main" id="{9147A8B0-AB78-C14F-82C5-CFD16811215F}"/>
               </a:ext>
             </a:extLst>
           </p:cNvPr>
@@ -8933,31 +8038,16 @@
           <a:bodyPr/>
           <a:lstStyle/>
           <a:p>
-            <a:r>
-              <a:rPr lang="en-GB" dirty="0" err="1"/>
-              <a:t>Struttura</a:t>
-            </a:r>
-            <a:r>
-              <a:rPr lang="en-GB" dirty="0"/>
-              <a:t> script (</a:t>
-            </a:r>
-            <a:r>
-              <a:rPr lang="en-GB" dirty="0" err="1"/>
-              <a:t>regole</a:t>
-            </a:r>
-            <a:r>
-              <a:rPr lang="en-GB" dirty="0"/>
-              <a:t> base)</a:t>
-            </a:r>
+            <a:endParaRPr lang="en-GB"/>
           </a:p>
         </p:txBody>
       </p:sp>
       <p:sp>
         <p:nvSpPr>
-          <p:cNvPr id="7" name="Content Placeholder 6">
+          <p:cNvPr id="3" name="Content Placeholder 2">
             <a:extLst>
               <a:ext uri="{FF2B5EF4-FFF2-40B4-BE49-F238E27FC236}">
-                <a16:creationId xmlns:a16="http://schemas.microsoft.com/office/drawing/2014/main" id="{F3346B34-A549-C945-8B7B-3871E3018006}"/>
+                <a16:creationId xmlns:a16="http://schemas.microsoft.com/office/drawing/2014/main" id="{E20A2855-1700-F44E-BE7B-DF268A2F87C6}"/>
               </a:ext>
             </a:extLst>
           </p:cNvPr>
@@ -8970,1235 +8060,19 @@
         </p:nvSpPr>
         <p:spPr/>
         <p:txBody>
-          <a:bodyPr>
-            <a:normAutofit fontScale="92500" lnSpcReduction="20000"/>
-          </a:bodyPr>
+          <a:bodyPr/>
           <a:lstStyle/>
           <a:p>
-            <a:r>
-              <a:rPr lang="en-GB" dirty="0" err="1">
-                <a:latin typeface="Calibri" panose="020F0502020204030204" pitchFamily="34" charset="0"/>
-                <a:cs typeface="Calibri" panose="020F0502020204030204" pitchFamily="34" charset="0"/>
-              </a:rPr>
-              <a:t>Trattandosi</a:t>
-            </a:r>
-            <a:r>
-              <a:rPr lang="en-GB" dirty="0">
-                <a:latin typeface="Calibri" panose="020F0502020204030204" pitchFamily="34" charset="0"/>
-                <a:cs typeface="Calibri" panose="020F0502020204030204" pitchFamily="34" charset="0"/>
-              </a:rPr>
-              <a:t> di un </a:t>
-            </a:r>
-            <a:r>
-              <a:rPr lang="en-GB" dirty="0" err="1">
-                <a:latin typeface="Calibri" panose="020F0502020204030204" pitchFamily="34" charset="0"/>
-                <a:cs typeface="Calibri" panose="020F0502020204030204" pitchFamily="34" charset="0"/>
-              </a:rPr>
-              <a:t>linguaggio</a:t>
-            </a:r>
-            <a:r>
-              <a:rPr lang="en-GB" dirty="0">
-                <a:latin typeface="Calibri" panose="020F0502020204030204" pitchFamily="34" charset="0"/>
-                <a:cs typeface="Calibri" panose="020F0502020204030204" pitchFamily="34" charset="0"/>
-              </a:rPr>
-              <a:t> antico, </a:t>
-            </a:r>
-            <a:r>
-              <a:rPr lang="en-GB" dirty="0" err="1">
-                <a:latin typeface="Calibri" panose="020F0502020204030204" pitchFamily="34" charset="0"/>
-                <a:cs typeface="Calibri" panose="020F0502020204030204" pitchFamily="34" charset="0"/>
-              </a:rPr>
-              <a:t>l’indentazione</a:t>
-            </a:r>
-            <a:r>
-              <a:rPr lang="en-GB" dirty="0">
-                <a:latin typeface="Calibri" panose="020F0502020204030204" pitchFamily="34" charset="0"/>
-                <a:cs typeface="Calibri" panose="020F0502020204030204" pitchFamily="34" charset="0"/>
-              </a:rPr>
-              <a:t> </a:t>
-            </a:r>
-            <a:r>
-              <a:rPr lang="en-GB" dirty="0" err="1">
-                <a:latin typeface="Calibri" panose="020F0502020204030204" pitchFamily="34" charset="0"/>
-                <a:cs typeface="Calibri" panose="020F0502020204030204" pitchFamily="34" charset="0"/>
-              </a:rPr>
-              <a:t>è</a:t>
-            </a:r>
-            <a:r>
-              <a:rPr lang="en-GB" dirty="0">
-                <a:latin typeface="Calibri" panose="020F0502020204030204" pitchFamily="34" charset="0"/>
-                <a:cs typeface="Calibri" panose="020F0502020204030204" pitchFamily="34" charset="0"/>
-              </a:rPr>
-              <a:t> </a:t>
-            </a:r>
-            <a:r>
-              <a:rPr lang="en-GB" dirty="0" err="1">
-                <a:latin typeface="Calibri" panose="020F0502020204030204" pitchFamily="34" charset="0"/>
-                <a:cs typeface="Calibri" panose="020F0502020204030204" pitchFamily="34" charset="0"/>
-              </a:rPr>
-              <a:t>ancora</a:t>
-            </a:r>
-            <a:r>
-              <a:rPr lang="en-GB" dirty="0">
-                <a:latin typeface="Calibri" panose="020F0502020204030204" pitchFamily="34" charset="0"/>
-                <a:cs typeface="Calibri" panose="020F0502020204030204" pitchFamily="34" charset="0"/>
-              </a:rPr>
-              <a:t> </a:t>
-            </a:r>
-            <a:r>
-              <a:rPr lang="en-GB" dirty="0" err="1">
-                <a:latin typeface="Calibri" panose="020F0502020204030204" pitchFamily="34" charset="0"/>
-                <a:cs typeface="Calibri" panose="020F0502020204030204" pitchFamily="34" charset="0"/>
-              </a:rPr>
-              <a:t>facoltativa</a:t>
-            </a:r>
-            <a:r>
-              <a:rPr lang="en-GB" dirty="0">
-                <a:latin typeface="Calibri" panose="020F0502020204030204" pitchFamily="34" charset="0"/>
-                <a:cs typeface="Calibri" panose="020F0502020204030204" pitchFamily="34" charset="0"/>
-              </a:rPr>
-              <a:t> (in Python, </a:t>
-            </a:r>
-            <a:r>
-              <a:rPr lang="en-GB" dirty="0" err="1">
-                <a:latin typeface="Calibri" panose="020F0502020204030204" pitchFamily="34" charset="0"/>
-                <a:cs typeface="Calibri" panose="020F0502020204030204" pitchFamily="34" charset="0"/>
-              </a:rPr>
-              <a:t>recente</a:t>
-            </a:r>
-            <a:r>
-              <a:rPr lang="en-GB" dirty="0">
-                <a:latin typeface="Calibri" panose="020F0502020204030204" pitchFamily="34" charset="0"/>
-                <a:cs typeface="Calibri" panose="020F0502020204030204" pitchFamily="34" charset="0"/>
-              </a:rPr>
-              <a:t>, </a:t>
-            </a:r>
-            <a:r>
-              <a:rPr lang="en-GB" dirty="0" err="1">
-                <a:latin typeface="Calibri" panose="020F0502020204030204" pitchFamily="34" charset="0"/>
-                <a:cs typeface="Calibri" panose="020F0502020204030204" pitchFamily="34" charset="0"/>
-              </a:rPr>
-              <a:t>è</a:t>
-            </a:r>
-            <a:r>
-              <a:rPr lang="en-GB" dirty="0">
-                <a:latin typeface="Calibri" panose="020F0502020204030204" pitchFamily="34" charset="0"/>
-                <a:cs typeface="Calibri" panose="020F0502020204030204" pitchFamily="34" charset="0"/>
-              </a:rPr>
-              <a:t> </a:t>
-            </a:r>
-            <a:r>
-              <a:rPr lang="en-GB" dirty="0" err="1">
-                <a:latin typeface="Calibri" panose="020F0502020204030204" pitchFamily="34" charset="0"/>
-                <a:cs typeface="Calibri" panose="020F0502020204030204" pitchFamily="34" charset="0"/>
-              </a:rPr>
-              <a:t>obbligatoria</a:t>
-            </a:r>
-            <a:r>
-              <a:rPr lang="en-GB" dirty="0">
-                <a:latin typeface="Calibri" panose="020F0502020204030204" pitchFamily="34" charset="0"/>
-                <a:cs typeface="Calibri" panose="020F0502020204030204" pitchFamily="34" charset="0"/>
-              </a:rPr>
-              <a:t>!). </a:t>
-            </a:r>
-            <a:r>
-              <a:rPr lang="en-GB" dirty="0" err="1">
-                <a:solidFill>
-                  <a:schemeClr val="accent6">
-                    <a:lumMod val="75000"/>
-                  </a:schemeClr>
-                </a:solidFill>
-                <a:latin typeface="Calibri" panose="020F0502020204030204" pitchFamily="34" charset="0"/>
-                <a:cs typeface="Calibri" panose="020F0502020204030204" pitchFamily="34" charset="0"/>
-              </a:rPr>
-              <a:t>Indentazione</a:t>
-            </a:r>
-            <a:r>
-              <a:rPr lang="en-GB" dirty="0">
-                <a:solidFill>
-                  <a:schemeClr val="accent6">
-                    <a:lumMod val="75000"/>
-                  </a:schemeClr>
-                </a:solidFill>
-                <a:latin typeface="Calibri" panose="020F0502020204030204" pitchFamily="34" charset="0"/>
-                <a:cs typeface="Calibri" panose="020F0502020204030204" pitchFamily="34" charset="0"/>
-              </a:rPr>
-              <a:t> </a:t>
-            </a:r>
-            <a:r>
-              <a:rPr lang="en-GB" dirty="0" err="1">
-                <a:solidFill>
-                  <a:schemeClr val="accent6">
-                    <a:lumMod val="75000"/>
-                  </a:schemeClr>
-                </a:solidFill>
-                <a:latin typeface="Calibri" panose="020F0502020204030204" pitchFamily="34" charset="0"/>
-                <a:cs typeface="Calibri" panose="020F0502020204030204" pitchFamily="34" charset="0"/>
-              </a:rPr>
-              <a:t>è</a:t>
-            </a:r>
-            <a:r>
-              <a:rPr lang="en-GB" dirty="0">
-                <a:solidFill>
-                  <a:schemeClr val="accent6">
-                    <a:lumMod val="75000"/>
-                  </a:schemeClr>
-                </a:solidFill>
-                <a:latin typeface="Calibri" panose="020F0502020204030204" pitchFamily="34" charset="0"/>
-                <a:cs typeface="Calibri" panose="020F0502020204030204" pitchFamily="34" charset="0"/>
-              </a:rPr>
-              <a:t> </a:t>
-            </a:r>
-            <a:r>
-              <a:rPr lang="en-GB" dirty="0" err="1">
-                <a:solidFill>
-                  <a:schemeClr val="accent6">
-                    <a:lumMod val="75000"/>
-                  </a:schemeClr>
-                </a:solidFill>
-                <a:latin typeface="Calibri" panose="020F0502020204030204" pitchFamily="34" charset="0"/>
-                <a:cs typeface="Calibri" panose="020F0502020204030204" pitchFamily="34" charset="0"/>
-              </a:rPr>
-              <a:t>comunque</a:t>
-            </a:r>
-            <a:r>
-              <a:rPr lang="en-GB" dirty="0">
-                <a:solidFill>
-                  <a:schemeClr val="accent6">
-                    <a:lumMod val="75000"/>
-                  </a:schemeClr>
-                </a:solidFill>
-                <a:latin typeface="Calibri" panose="020F0502020204030204" pitchFamily="34" charset="0"/>
-                <a:cs typeface="Calibri" panose="020F0502020204030204" pitchFamily="34" charset="0"/>
-              </a:rPr>
-              <a:t> di </a:t>
-            </a:r>
-            <a:r>
-              <a:rPr lang="en-GB" dirty="0" err="1">
-                <a:solidFill>
-                  <a:schemeClr val="accent6">
-                    <a:lumMod val="75000"/>
-                  </a:schemeClr>
-                </a:solidFill>
-                <a:latin typeface="Calibri" panose="020F0502020204030204" pitchFamily="34" charset="0"/>
-                <a:cs typeface="Calibri" panose="020F0502020204030204" pitchFamily="34" charset="0"/>
-              </a:rPr>
-              <a:t>fondamentale</a:t>
-            </a:r>
-            <a:r>
-              <a:rPr lang="en-GB" dirty="0">
-                <a:solidFill>
-                  <a:schemeClr val="accent6">
-                    <a:lumMod val="75000"/>
-                  </a:schemeClr>
-                </a:solidFill>
-                <a:latin typeface="Calibri" panose="020F0502020204030204" pitchFamily="34" charset="0"/>
-                <a:cs typeface="Calibri" panose="020F0502020204030204" pitchFamily="34" charset="0"/>
-              </a:rPr>
-              <a:t> </a:t>
-            </a:r>
-            <a:r>
-              <a:rPr lang="en-GB" dirty="0" err="1">
-                <a:solidFill>
-                  <a:schemeClr val="accent6">
-                    <a:lumMod val="75000"/>
-                  </a:schemeClr>
-                </a:solidFill>
-                <a:latin typeface="Calibri" panose="020F0502020204030204" pitchFamily="34" charset="0"/>
-                <a:cs typeface="Calibri" panose="020F0502020204030204" pitchFamily="34" charset="0"/>
-              </a:rPr>
-              <a:t>importanza</a:t>
-            </a:r>
-            <a:r>
-              <a:rPr lang="en-GB" dirty="0">
-                <a:solidFill>
-                  <a:schemeClr val="accent6">
-                    <a:lumMod val="75000"/>
-                  </a:schemeClr>
-                </a:solidFill>
-                <a:latin typeface="Calibri" panose="020F0502020204030204" pitchFamily="34" charset="0"/>
-                <a:cs typeface="Calibri" panose="020F0502020204030204" pitchFamily="34" charset="0"/>
-              </a:rPr>
-              <a:t>!</a:t>
-            </a:r>
-          </a:p>
-          <a:p>
-            <a:r>
-              <a:rPr lang="en-GB" dirty="0" err="1">
-                <a:solidFill>
-                  <a:schemeClr val="accent6">
-                    <a:lumMod val="75000"/>
-                  </a:schemeClr>
-                </a:solidFill>
-                <a:latin typeface="Calibri" panose="020F0502020204030204" pitchFamily="34" charset="0"/>
-                <a:cs typeface="Calibri" panose="020F0502020204030204" pitchFamily="34" charset="0"/>
-              </a:rPr>
-              <a:t>Variabili</a:t>
-            </a:r>
-            <a:r>
-              <a:rPr lang="en-GB" dirty="0">
-                <a:solidFill>
-                  <a:schemeClr val="accent6">
-                    <a:lumMod val="75000"/>
-                  </a:schemeClr>
-                </a:solidFill>
-                <a:latin typeface="Calibri" panose="020F0502020204030204" pitchFamily="34" charset="0"/>
-                <a:cs typeface="Calibri" panose="020F0502020204030204" pitchFamily="34" charset="0"/>
-              </a:rPr>
-              <a:t> </a:t>
-            </a:r>
-            <a:r>
-              <a:rPr lang="en-GB" dirty="0" err="1">
-                <a:solidFill>
-                  <a:schemeClr val="accent6">
-                    <a:lumMod val="75000"/>
-                  </a:schemeClr>
-                </a:solidFill>
-                <a:latin typeface="Calibri" panose="020F0502020204030204" pitchFamily="34" charset="0"/>
-                <a:cs typeface="Calibri" panose="020F0502020204030204" pitchFamily="34" charset="0"/>
-              </a:rPr>
-              <a:t>globali</a:t>
-            </a:r>
-            <a:r>
-              <a:rPr lang="en-GB" dirty="0">
-                <a:solidFill>
-                  <a:schemeClr val="accent6">
-                    <a:lumMod val="75000"/>
-                  </a:schemeClr>
-                </a:solidFill>
-                <a:latin typeface="Calibri" panose="020F0502020204030204" pitchFamily="34" charset="0"/>
-                <a:cs typeface="Calibri" panose="020F0502020204030204" pitchFamily="34" charset="0"/>
-              </a:rPr>
-              <a:t> </a:t>
-            </a:r>
-            <a:r>
-              <a:rPr lang="en-GB" dirty="0" err="1">
-                <a:solidFill>
-                  <a:schemeClr val="accent6">
-                    <a:lumMod val="75000"/>
-                  </a:schemeClr>
-                </a:solidFill>
-                <a:latin typeface="Calibri" panose="020F0502020204030204" pitchFamily="34" charset="0"/>
-                <a:cs typeface="Calibri" panose="020F0502020204030204" pitchFamily="34" charset="0"/>
-              </a:rPr>
-              <a:t>allo</a:t>
-            </a:r>
-            <a:r>
-              <a:rPr lang="en-GB" dirty="0">
-                <a:solidFill>
-                  <a:schemeClr val="accent6">
-                    <a:lumMod val="75000"/>
-                  </a:schemeClr>
-                </a:solidFill>
-                <a:latin typeface="Calibri" panose="020F0502020204030204" pitchFamily="34" charset="0"/>
-                <a:cs typeface="Calibri" panose="020F0502020204030204" pitchFamily="34" charset="0"/>
-              </a:rPr>
-              <a:t> script </a:t>
-            </a:r>
-            <a:r>
-              <a:rPr lang="en-GB" dirty="0" err="1">
-                <a:solidFill>
-                  <a:schemeClr val="accent6">
-                    <a:lumMod val="75000"/>
-                  </a:schemeClr>
-                </a:solidFill>
-                <a:latin typeface="Calibri" panose="020F0502020204030204" pitchFamily="34" charset="0"/>
-                <a:cs typeface="Calibri" panose="020F0502020204030204" pitchFamily="34" charset="0"/>
-              </a:rPr>
-              <a:t>sono</a:t>
-            </a:r>
-            <a:r>
-              <a:rPr lang="en-GB" dirty="0">
-                <a:solidFill>
-                  <a:schemeClr val="accent6">
-                    <a:lumMod val="75000"/>
-                  </a:schemeClr>
-                </a:solidFill>
-                <a:latin typeface="Calibri" panose="020F0502020204030204" pitchFamily="34" charset="0"/>
-                <a:cs typeface="Calibri" panose="020F0502020204030204" pitchFamily="34" charset="0"/>
-              </a:rPr>
-              <a:t> </a:t>
-            </a:r>
-            <a:r>
-              <a:rPr lang="en-GB" dirty="0" err="1">
-                <a:solidFill>
-                  <a:schemeClr val="accent6">
-                    <a:lumMod val="75000"/>
-                  </a:schemeClr>
-                </a:solidFill>
-                <a:latin typeface="Calibri" panose="020F0502020204030204" pitchFamily="34" charset="0"/>
-                <a:cs typeface="Calibri" panose="020F0502020204030204" pitchFamily="34" charset="0"/>
-              </a:rPr>
-              <a:t>maiuscole</a:t>
-            </a:r>
-            <a:r>
-              <a:rPr lang="en-GB" dirty="0">
-                <a:solidFill>
-                  <a:schemeClr val="accent6">
-                    <a:lumMod val="75000"/>
-                  </a:schemeClr>
-                </a:solidFill>
-                <a:latin typeface="Calibri" panose="020F0502020204030204" pitchFamily="34" charset="0"/>
-                <a:cs typeface="Calibri" panose="020F0502020204030204" pitchFamily="34" charset="0"/>
-              </a:rPr>
-              <a:t> </a:t>
-            </a:r>
-            <a:r>
-              <a:rPr lang="en-GB" dirty="0">
-                <a:latin typeface="Calibri" panose="020F0502020204030204" pitchFamily="34" charset="0"/>
-                <a:cs typeface="Calibri" panose="020F0502020204030204" pitchFamily="34" charset="0"/>
-              </a:rPr>
-              <a:t>(ad </a:t>
-            </a:r>
-            <a:r>
-              <a:rPr lang="en-GB" dirty="0" err="1">
-                <a:latin typeface="Calibri" panose="020F0502020204030204" pitchFamily="34" charset="0"/>
-                <a:cs typeface="Calibri" panose="020F0502020204030204" pitchFamily="34" charset="0"/>
-              </a:rPr>
-              <a:t>es</a:t>
-            </a:r>
-            <a:r>
-              <a:rPr lang="en-GB" dirty="0">
-                <a:latin typeface="Calibri" panose="020F0502020204030204" pitchFamily="34" charset="0"/>
-                <a:cs typeface="Calibri" panose="020F0502020204030204" pitchFamily="34" charset="0"/>
-              </a:rPr>
-              <a:t>. USAGE=“$0 usage: ...”)</a:t>
-            </a:r>
-          </a:p>
-          <a:p>
-            <a:r>
-              <a:rPr lang="en-GB" dirty="0" err="1">
-                <a:solidFill>
-                  <a:schemeClr val="accent6">
-                    <a:lumMod val="75000"/>
-                  </a:schemeClr>
-                </a:solidFill>
-                <a:latin typeface="Calibri" panose="020F0502020204030204" pitchFamily="34" charset="0"/>
-                <a:cs typeface="Calibri" panose="020F0502020204030204" pitchFamily="34" charset="0"/>
-              </a:rPr>
-              <a:t>Controllo</a:t>
-            </a:r>
-            <a:r>
-              <a:rPr lang="en-GB" dirty="0">
-                <a:solidFill>
-                  <a:schemeClr val="accent6">
-                    <a:lumMod val="75000"/>
-                  </a:schemeClr>
-                </a:solidFill>
-                <a:latin typeface="Calibri" panose="020F0502020204030204" pitchFamily="34" charset="0"/>
-                <a:cs typeface="Calibri" panose="020F0502020204030204" pitchFamily="34" charset="0"/>
-              </a:rPr>
-              <a:t> </a:t>
-            </a:r>
-            <a:r>
-              <a:rPr lang="en-GB" dirty="0" err="1">
-                <a:solidFill>
-                  <a:schemeClr val="accent6">
-                    <a:lumMod val="75000"/>
-                  </a:schemeClr>
-                </a:solidFill>
-                <a:latin typeface="Calibri" panose="020F0502020204030204" pitchFamily="34" charset="0"/>
-                <a:cs typeface="Calibri" panose="020F0502020204030204" pitchFamily="34" charset="0"/>
-              </a:rPr>
-              <a:t>dei</a:t>
-            </a:r>
-            <a:r>
-              <a:rPr lang="en-GB" dirty="0">
-                <a:solidFill>
-                  <a:schemeClr val="accent6">
-                    <a:lumMod val="75000"/>
-                  </a:schemeClr>
-                </a:solidFill>
-                <a:latin typeface="Calibri" panose="020F0502020204030204" pitchFamily="34" charset="0"/>
-                <a:cs typeface="Calibri" panose="020F0502020204030204" pitchFamily="34" charset="0"/>
-              </a:rPr>
-              <a:t> </a:t>
-            </a:r>
-            <a:r>
-              <a:rPr lang="en-GB" dirty="0" err="1">
-                <a:solidFill>
-                  <a:schemeClr val="accent6">
-                    <a:lumMod val="75000"/>
-                  </a:schemeClr>
-                </a:solidFill>
-                <a:latin typeface="Calibri" panose="020F0502020204030204" pitchFamily="34" charset="0"/>
-                <a:cs typeface="Calibri" panose="020F0502020204030204" pitchFamily="34" charset="0"/>
-              </a:rPr>
-              <a:t>parametri</a:t>
-            </a:r>
-            <a:r>
-              <a:rPr lang="en-GB" dirty="0">
-                <a:solidFill>
-                  <a:schemeClr val="accent6">
-                    <a:lumMod val="75000"/>
-                  </a:schemeClr>
-                </a:solidFill>
-                <a:latin typeface="Calibri" panose="020F0502020204030204" pitchFamily="34" charset="0"/>
-                <a:cs typeface="Calibri" panose="020F0502020204030204" pitchFamily="34" charset="0"/>
-              </a:rPr>
-              <a:t> </a:t>
-            </a:r>
-            <a:r>
-              <a:rPr lang="en-GB" dirty="0" err="1">
-                <a:solidFill>
-                  <a:schemeClr val="accent6">
-                    <a:lumMod val="75000"/>
-                  </a:schemeClr>
-                </a:solidFill>
-                <a:latin typeface="Calibri" panose="020F0502020204030204" pitchFamily="34" charset="0"/>
-                <a:cs typeface="Calibri" panose="020F0502020204030204" pitchFamily="34" charset="0"/>
-              </a:rPr>
-              <a:t>avviene</a:t>
-            </a:r>
-            <a:r>
-              <a:rPr lang="en-GB" dirty="0">
-                <a:solidFill>
-                  <a:schemeClr val="accent6">
-                    <a:lumMod val="75000"/>
-                  </a:schemeClr>
-                </a:solidFill>
-                <a:latin typeface="Calibri" panose="020F0502020204030204" pitchFamily="34" charset="0"/>
-                <a:cs typeface="Calibri" panose="020F0502020204030204" pitchFamily="34" charset="0"/>
-              </a:rPr>
-              <a:t> in via </a:t>
-            </a:r>
-            <a:r>
-              <a:rPr lang="en-GB" dirty="0" err="1">
-                <a:solidFill>
-                  <a:schemeClr val="accent6">
-                    <a:lumMod val="75000"/>
-                  </a:schemeClr>
-                </a:solidFill>
-                <a:latin typeface="Calibri" panose="020F0502020204030204" pitchFamily="34" charset="0"/>
-                <a:cs typeface="Calibri" panose="020F0502020204030204" pitchFamily="34" charset="0"/>
-              </a:rPr>
-              <a:t>negativa</a:t>
-            </a:r>
-            <a:r>
-              <a:rPr lang="en-GB" dirty="0">
-                <a:latin typeface="Calibri" panose="020F0502020204030204" pitchFamily="34" charset="0"/>
-                <a:cs typeface="Calibri" panose="020F0502020204030204" pitchFamily="34" charset="0"/>
-              </a:rPr>
-              <a:t>. Si </a:t>
-            </a:r>
-            <a:r>
-              <a:rPr lang="en-GB" dirty="0" err="1">
-                <a:latin typeface="Calibri" panose="020F0502020204030204" pitchFamily="34" charset="0"/>
-                <a:cs typeface="Calibri" panose="020F0502020204030204" pitchFamily="34" charset="0"/>
-              </a:rPr>
-              <a:t>controllano</a:t>
-            </a:r>
-            <a:r>
-              <a:rPr lang="en-GB" dirty="0">
-                <a:latin typeface="Calibri" panose="020F0502020204030204" pitchFamily="34" charset="0"/>
-                <a:cs typeface="Calibri" panose="020F0502020204030204" pitchFamily="34" charset="0"/>
-              </a:rPr>
-              <a:t> le </a:t>
-            </a:r>
-            <a:r>
-              <a:rPr lang="en-GB" dirty="0" err="1">
-                <a:latin typeface="Calibri" panose="020F0502020204030204" pitchFamily="34" charset="0"/>
-                <a:cs typeface="Calibri" panose="020F0502020204030204" pitchFamily="34" charset="0"/>
-              </a:rPr>
-              <a:t>condizioni</a:t>
-            </a:r>
-            <a:r>
-              <a:rPr lang="en-GB" dirty="0">
-                <a:latin typeface="Calibri" panose="020F0502020204030204" pitchFamily="34" charset="0"/>
-                <a:cs typeface="Calibri" panose="020F0502020204030204" pitchFamily="34" charset="0"/>
-              </a:rPr>
-              <a:t> di </a:t>
-            </a:r>
-            <a:r>
-              <a:rPr lang="en-GB" dirty="0" err="1">
-                <a:latin typeface="Calibri" panose="020F0502020204030204" pitchFamily="34" charset="0"/>
-                <a:cs typeface="Calibri" panose="020F0502020204030204" pitchFamily="34" charset="0"/>
-              </a:rPr>
-              <a:t>fallimento</a:t>
-            </a:r>
-            <a:r>
-              <a:rPr lang="en-GB" dirty="0">
-                <a:latin typeface="Calibri" panose="020F0502020204030204" pitchFamily="34" charset="0"/>
-                <a:cs typeface="Calibri" panose="020F0502020204030204" pitchFamily="34" charset="0"/>
-              </a:rPr>
-              <a:t> e, se </a:t>
-            </a:r>
-            <a:r>
-              <a:rPr lang="en-GB" dirty="0" err="1">
-                <a:latin typeface="Calibri" panose="020F0502020204030204" pitchFamily="34" charset="0"/>
-                <a:cs typeface="Calibri" panose="020F0502020204030204" pitchFamily="34" charset="0"/>
-              </a:rPr>
-              <a:t>verificate</a:t>
-            </a:r>
-            <a:r>
-              <a:rPr lang="en-GB" dirty="0">
-                <a:latin typeface="Calibri" panose="020F0502020204030204" pitchFamily="34" charset="0"/>
-                <a:cs typeface="Calibri" panose="020F0502020204030204" pitchFamily="34" charset="0"/>
-              </a:rPr>
-              <a:t>, </a:t>
-            </a:r>
-            <a:r>
-              <a:rPr lang="en-GB" dirty="0" err="1">
-                <a:latin typeface="Calibri" panose="020F0502020204030204" pitchFamily="34" charset="0"/>
-                <a:cs typeface="Calibri" panose="020F0502020204030204" pitchFamily="34" charset="0"/>
-              </a:rPr>
-              <a:t>si</a:t>
-            </a:r>
-            <a:r>
-              <a:rPr lang="en-GB" dirty="0">
-                <a:latin typeface="Calibri" panose="020F0502020204030204" pitchFamily="34" charset="0"/>
-                <a:cs typeface="Calibri" panose="020F0502020204030204" pitchFamily="34" charset="0"/>
-              </a:rPr>
-              <a:t> </a:t>
-            </a:r>
-            <a:r>
-              <a:rPr lang="en-GB" dirty="0" err="1">
-                <a:latin typeface="Calibri" panose="020F0502020204030204" pitchFamily="34" charset="0"/>
-                <a:cs typeface="Calibri" panose="020F0502020204030204" pitchFamily="34" charset="0"/>
-              </a:rPr>
-              <a:t>termina</a:t>
-            </a:r>
-            <a:r>
-              <a:rPr lang="en-GB" dirty="0">
-                <a:latin typeface="Calibri" panose="020F0502020204030204" pitchFamily="34" charset="0"/>
-                <a:cs typeface="Calibri" panose="020F0502020204030204" pitchFamily="34" charset="0"/>
-              </a:rPr>
-              <a:t> lo script </a:t>
-            </a:r>
-            <a:r>
-              <a:rPr lang="en-GB" dirty="0" err="1">
-                <a:latin typeface="Calibri" panose="020F0502020204030204" pitchFamily="34" charset="0"/>
-                <a:cs typeface="Calibri" panose="020F0502020204030204" pitchFamily="34" charset="0"/>
-              </a:rPr>
-              <a:t>ritornando</a:t>
-            </a:r>
-            <a:r>
-              <a:rPr lang="en-GB" dirty="0">
-                <a:latin typeface="Calibri" panose="020F0502020204030204" pitchFamily="34" charset="0"/>
-                <a:cs typeface="Calibri" panose="020F0502020204030204" pitchFamily="34" charset="0"/>
-              </a:rPr>
-              <a:t> un </a:t>
-            </a:r>
-            <a:r>
-              <a:rPr lang="en-GB" dirty="0" err="1">
-                <a:latin typeface="Calibri" panose="020F0502020204030204" pitchFamily="34" charset="0"/>
-                <a:cs typeface="Calibri" panose="020F0502020204030204" pitchFamily="34" charset="0"/>
-              </a:rPr>
-              <a:t>codice</a:t>
-            </a:r>
-            <a:r>
-              <a:rPr lang="en-GB" dirty="0">
-                <a:latin typeface="Calibri" panose="020F0502020204030204" pitchFamily="34" charset="0"/>
-                <a:cs typeface="Calibri" panose="020F0502020204030204" pitchFamily="34" charset="0"/>
-              </a:rPr>
-              <a:t> </a:t>
-            </a:r>
-            <a:r>
-              <a:rPr lang="en-GB" dirty="0" err="1">
-                <a:latin typeface="Calibri" panose="020F0502020204030204" pitchFamily="34" charset="0"/>
-                <a:cs typeface="Calibri" panose="020F0502020204030204" pitchFamily="34" charset="0"/>
-              </a:rPr>
-              <a:t>errore</a:t>
-            </a:r>
-            <a:r>
-              <a:rPr lang="en-GB" dirty="0">
-                <a:latin typeface="Calibri" panose="020F0502020204030204" pitchFamily="34" charset="0"/>
-                <a:cs typeface="Calibri" panose="020F0502020204030204" pitchFamily="34" charset="0"/>
-              </a:rPr>
-              <a:t> (exit 1). Questa </a:t>
-            </a:r>
-            <a:r>
-              <a:rPr lang="en-GB" dirty="0" err="1">
-                <a:latin typeface="Calibri" panose="020F0502020204030204" pitchFamily="34" charset="0"/>
-                <a:cs typeface="Calibri" panose="020F0502020204030204" pitchFamily="34" charset="0"/>
-              </a:rPr>
-              <a:t>pratica</a:t>
-            </a:r>
-            <a:r>
-              <a:rPr lang="en-GB" dirty="0">
-                <a:latin typeface="Calibri" panose="020F0502020204030204" pitchFamily="34" charset="0"/>
-                <a:cs typeface="Calibri" panose="020F0502020204030204" pitchFamily="34" charset="0"/>
-              </a:rPr>
-              <a:t> </a:t>
-            </a:r>
-            <a:r>
-              <a:rPr lang="en-GB" dirty="0" err="1">
-                <a:latin typeface="Calibri" panose="020F0502020204030204" pitchFamily="34" charset="0"/>
-                <a:cs typeface="Calibri" panose="020F0502020204030204" pitchFamily="34" charset="0"/>
-              </a:rPr>
-              <a:t>evita</a:t>
-            </a:r>
-            <a:r>
-              <a:rPr lang="en-GB" dirty="0">
-                <a:latin typeface="Calibri" panose="020F0502020204030204" pitchFamily="34" charset="0"/>
-                <a:cs typeface="Calibri" panose="020F0502020204030204" pitchFamily="34" charset="0"/>
-              </a:rPr>
-              <a:t> </a:t>
-            </a:r>
-            <a:r>
-              <a:rPr lang="en-GB" dirty="0" err="1">
-                <a:latin typeface="Calibri" panose="020F0502020204030204" pitchFamily="34" charset="0"/>
-                <a:cs typeface="Calibri" panose="020F0502020204030204" pitchFamily="34" charset="0"/>
-              </a:rPr>
-              <a:t>indentazione</a:t>
-            </a:r>
-            <a:r>
-              <a:rPr lang="en-GB" dirty="0">
-                <a:latin typeface="Calibri" panose="020F0502020204030204" pitchFamily="34" charset="0"/>
-                <a:cs typeface="Calibri" panose="020F0502020204030204" pitchFamily="34" charset="0"/>
-              </a:rPr>
-              <a:t> </a:t>
-            </a:r>
-            <a:r>
-              <a:rPr lang="en-GB" dirty="0" err="1">
-                <a:latin typeface="Calibri" panose="020F0502020204030204" pitchFamily="34" charset="0"/>
-                <a:cs typeface="Calibri" panose="020F0502020204030204" pitchFamily="34" charset="0"/>
-              </a:rPr>
-              <a:t>eccessiva</a:t>
-            </a:r>
-            <a:endParaRPr lang="en-GB" dirty="0">
-              <a:latin typeface="Calibri" panose="020F0502020204030204" pitchFamily="34" charset="0"/>
-              <a:cs typeface="Calibri" panose="020F0502020204030204" pitchFamily="34" charset="0"/>
-            </a:endParaRPr>
-          </a:p>
-          <a:p>
-            <a:r>
-              <a:rPr lang="en-GB" dirty="0">
-                <a:solidFill>
-                  <a:schemeClr val="accent6">
-                    <a:lumMod val="75000"/>
-                  </a:schemeClr>
-                </a:solidFill>
-                <a:latin typeface="Calibri" panose="020F0502020204030204" pitchFamily="34" charset="0"/>
-                <a:cs typeface="Calibri" panose="020F0502020204030204" pitchFamily="34" charset="0"/>
-              </a:rPr>
-              <a:t>I </a:t>
-            </a:r>
-            <a:r>
-              <a:rPr lang="en-GB" dirty="0" err="1">
-                <a:solidFill>
-                  <a:schemeClr val="accent6">
-                    <a:lumMod val="75000"/>
-                  </a:schemeClr>
-                </a:solidFill>
-                <a:latin typeface="Calibri" panose="020F0502020204030204" pitchFamily="34" charset="0"/>
-                <a:cs typeface="Calibri" panose="020F0502020204030204" pitchFamily="34" charset="0"/>
-              </a:rPr>
-              <a:t>valori</a:t>
-            </a:r>
-            <a:r>
-              <a:rPr lang="en-GB" dirty="0">
-                <a:solidFill>
-                  <a:schemeClr val="accent6">
-                    <a:lumMod val="75000"/>
-                  </a:schemeClr>
-                </a:solidFill>
-                <a:latin typeface="Calibri" panose="020F0502020204030204" pitchFamily="34" charset="0"/>
-                <a:cs typeface="Calibri" panose="020F0502020204030204" pitchFamily="34" charset="0"/>
-              </a:rPr>
-              <a:t> di </a:t>
-            </a:r>
-            <a:r>
-              <a:rPr lang="en-GB" dirty="0" err="1">
-                <a:solidFill>
-                  <a:schemeClr val="accent6">
-                    <a:lumMod val="75000"/>
-                  </a:schemeClr>
-                </a:solidFill>
-                <a:latin typeface="Calibri" panose="020F0502020204030204" pitchFamily="34" charset="0"/>
-                <a:cs typeface="Calibri" panose="020F0502020204030204" pitchFamily="34" charset="0"/>
-              </a:rPr>
-              <a:t>uscita</a:t>
-            </a:r>
-            <a:r>
-              <a:rPr lang="en-GB" dirty="0">
-                <a:solidFill>
-                  <a:schemeClr val="accent6">
-                    <a:lumMod val="75000"/>
-                  </a:schemeClr>
-                </a:solidFill>
-                <a:latin typeface="Calibri" panose="020F0502020204030204" pitchFamily="34" charset="0"/>
-                <a:cs typeface="Calibri" panose="020F0502020204030204" pitchFamily="34" charset="0"/>
-              </a:rPr>
-              <a:t> (exit) </a:t>
-            </a:r>
-            <a:r>
-              <a:rPr lang="en-GB" dirty="0" err="1">
-                <a:solidFill>
-                  <a:schemeClr val="accent6">
-                    <a:lumMod val="75000"/>
-                  </a:schemeClr>
-                </a:solidFill>
-                <a:latin typeface="Calibri" panose="020F0502020204030204" pitchFamily="34" charset="0"/>
-                <a:cs typeface="Calibri" panose="020F0502020204030204" pitchFamily="34" charset="0"/>
-              </a:rPr>
-              <a:t>utilizzano</a:t>
-            </a:r>
-            <a:r>
-              <a:rPr lang="en-GB" dirty="0">
-                <a:solidFill>
-                  <a:schemeClr val="accent6">
-                    <a:lumMod val="75000"/>
-                  </a:schemeClr>
-                </a:solidFill>
-                <a:latin typeface="Calibri" panose="020F0502020204030204" pitchFamily="34" charset="0"/>
-                <a:cs typeface="Calibri" panose="020F0502020204030204" pitchFamily="34" charset="0"/>
-              </a:rPr>
-              <a:t> </a:t>
-            </a:r>
-            <a:r>
-              <a:rPr lang="en-GB" dirty="0" err="1">
-                <a:solidFill>
-                  <a:schemeClr val="accent6">
-                    <a:lumMod val="75000"/>
-                  </a:schemeClr>
-                </a:solidFill>
-                <a:latin typeface="Calibri" panose="020F0502020204030204" pitchFamily="34" charset="0"/>
-                <a:cs typeface="Calibri" panose="020F0502020204030204" pitchFamily="34" charset="0"/>
-              </a:rPr>
-              <a:t>valori</a:t>
-            </a:r>
-            <a:r>
-              <a:rPr lang="en-GB" dirty="0">
-                <a:solidFill>
-                  <a:schemeClr val="accent6">
-                    <a:lumMod val="75000"/>
-                  </a:schemeClr>
-                </a:solidFill>
-                <a:latin typeface="Calibri" panose="020F0502020204030204" pitchFamily="34" charset="0"/>
-                <a:cs typeface="Calibri" panose="020F0502020204030204" pitchFamily="34" charset="0"/>
-              </a:rPr>
-              <a:t> </a:t>
-            </a:r>
-            <a:r>
-              <a:rPr lang="en-GB" dirty="0" err="1">
-                <a:solidFill>
-                  <a:schemeClr val="accent6">
-                    <a:lumMod val="75000"/>
-                  </a:schemeClr>
-                </a:solidFill>
-                <a:latin typeface="Calibri" panose="020F0502020204030204" pitchFamily="34" charset="0"/>
-                <a:cs typeface="Calibri" panose="020F0502020204030204" pitchFamily="34" charset="0"/>
-              </a:rPr>
-              <a:t>diversi</a:t>
-            </a:r>
-            <a:r>
-              <a:rPr lang="en-GB" dirty="0">
-                <a:solidFill>
-                  <a:schemeClr val="accent6">
-                    <a:lumMod val="75000"/>
-                  </a:schemeClr>
-                </a:solidFill>
-                <a:latin typeface="Calibri" panose="020F0502020204030204" pitchFamily="34" charset="0"/>
-                <a:cs typeface="Calibri" panose="020F0502020204030204" pitchFamily="34" charset="0"/>
-              </a:rPr>
-              <a:t> per </a:t>
-            </a:r>
-            <a:r>
-              <a:rPr lang="en-GB" dirty="0" err="1">
-                <a:solidFill>
-                  <a:schemeClr val="accent6">
-                    <a:lumMod val="75000"/>
-                  </a:schemeClr>
-                </a:solidFill>
-                <a:latin typeface="Calibri" panose="020F0502020204030204" pitchFamily="34" charset="0"/>
-                <a:cs typeface="Calibri" panose="020F0502020204030204" pitchFamily="34" charset="0"/>
-              </a:rPr>
-              <a:t>distinguere</a:t>
-            </a:r>
-            <a:r>
-              <a:rPr lang="en-GB" dirty="0">
-                <a:solidFill>
-                  <a:schemeClr val="accent6">
-                    <a:lumMod val="75000"/>
-                  </a:schemeClr>
-                </a:solidFill>
-                <a:latin typeface="Calibri" panose="020F0502020204030204" pitchFamily="34" charset="0"/>
-                <a:cs typeface="Calibri" panose="020F0502020204030204" pitchFamily="34" charset="0"/>
-              </a:rPr>
-              <a:t> </a:t>
-            </a:r>
-            <a:r>
-              <a:rPr lang="en-GB" dirty="0" err="1">
-                <a:solidFill>
-                  <a:schemeClr val="accent6">
-                    <a:lumMod val="75000"/>
-                  </a:schemeClr>
-                </a:solidFill>
-                <a:latin typeface="Calibri" panose="020F0502020204030204" pitchFamily="34" charset="0"/>
-                <a:cs typeface="Calibri" panose="020F0502020204030204" pitchFamily="34" charset="0"/>
-              </a:rPr>
-              <a:t>successo</a:t>
-            </a:r>
-            <a:r>
-              <a:rPr lang="en-GB" dirty="0">
-                <a:solidFill>
-                  <a:schemeClr val="accent6">
-                    <a:lumMod val="75000"/>
-                  </a:schemeClr>
-                </a:solidFill>
-                <a:latin typeface="Calibri" panose="020F0502020204030204" pitchFamily="34" charset="0"/>
-                <a:cs typeface="Calibri" panose="020F0502020204030204" pitchFamily="34" charset="0"/>
-              </a:rPr>
-              <a:t> (exit 0) da </a:t>
-            </a:r>
-            <a:r>
-              <a:rPr lang="en-GB" dirty="0" err="1">
-                <a:solidFill>
-                  <a:schemeClr val="accent6">
-                    <a:lumMod val="75000"/>
-                  </a:schemeClr>
-                </a:solidFill>
-                <a:latin typeface="Calibri" panose="020F0502020204030204" pitchFamily="34" charset="0"/>
-                <a:cs typeface="Calibri" panose="020F0502020204030204" pitchFamily="34" charset="0"/>
-              </a:rPr>
-              <a:t>fallimento</a:t>
-            </a:r>
-            <a:r>
-              <a:rPr lang="en-GB" dirty="0">
-                <a:solidFill>
-                  <a:schemeClr val="accent6">
-                    <a:lumMod val="75000"/>
-                  </a:schemeClr>
-                </a:solidFill>
-                <a:latin typeface="Calibri" panose="020F0502020204030204" pitchFamily="34" charset="0"/>
-                <a:cs typeface="Calibri" panose="020F0502020204030204" pitchFamily="34" charset="0"/>
-              </a:rPr>
-              <a:t> (exit 1). </a:t>
-            </a:r>
-            <a:r>
-              <a:rPr lang="en-GB" dirty="0">
-                <a:latin typeface="Calibri" panose="020F0502020204030204" pitchFamily="34" charset="0"/>
-                <a:cs typeface="Calibri" panose="020F0502020204030204" pitchFamily="34" charset="0"/>
-              </a:rPr>
-              <a:t>Per </a:t>
-            </a:r>
-            <a:r>
-              <a:rPr lang="en-GB" dirty="0" err="1">
-                <a:latin typeface="Calibri" panose="020F0502020204030204" pitchFamily="34" charset="0"/>
-                <a:cs typeface="Calibri" panose="020F0502020204030204" pitchFamily="34" charset="0"/>
-              </a:rPr>
-              <a:t>differenziare</a:t>
-            </a:r>
-            <a:r>
-              <a:rPr lang="en-GB" dirty="0">
-                <a:latin typeface="Calibri" panose="020F0502020204030204" pitchFamily="34" charset="0"/>
-                <a:cs typeface="Calibri" panose="020F0502020204030204" pitchFamily="34" charset="0"/>
-              </a:rPr>
-              <a:t> </a:t>
-            </a:r>
-            <a:r>
-              <a:rPr lang="en-GB" dirty="0" err="1">
-                <a:latin typeface="Calibri" panose="020F0502020204030204" pitchFamily="34" charset="0"/>
-                <a:cs typeface="Calibri" panose="020F0502020204030204" pitchFamily="34" charset="0"/>
-              </a:rPr>
-              <a:t>fra</a:t>
-            </a:r>
-            <a:r>
-              <a:rPr lang="en-GB" dirty="0">
-                <a:latin typeface="Calibri" panose="020F0502020204030204" pitchFamily="34" charset="0"/>
-                <a:cs typeface="Calibri" panose="020F0502020204030204" pitchFamily="34" charset="0"/>
-              </a:rPr>
-              <a:t> </a:t>
-            </a:r>
-            <a:r>
-              <a:rPr lang="en-GB" dirty="0" err="1">
-                <a:latin typeface="Calibri" panose="020F0502020204030204" pitchFamily="34" charset="0"/>
-                <a:cs typeface="Calibri" panose="020F0502020204030204" pitchFamily="34" charset="0"/>
-              </a:rPr>
-              <a:t>diversi</a:t>
-            </a:r>
-            <a:r>
-              <a:rPr lang="en-GB" dirty="0">
-                <a:latin typeface="Calibri" panose="020F0502020204030204" pitchFamily="34" charset="0"/>
-                <a:cs typeface="Calibri" panose="020F0502020204030204" pitchFamily="34" charset="0"/>
-              </a:rPr>
-              <a:t> tipi di </a:t>
-            </a:r>
-            <a:r>
-              <a:rPr lang="en-GB" dirty="0" err="1">
-                <a:latin typeface="Calibri" panose="020F0502020204030204" pitchFamily="34" charset="0"/>
-                <a:cs typeface="Calibri" panose="020F0502020204030204" pitchFamily="34" charset="0"/>
-              </a:rPr>
-              <a:t>fallimento</a:t>
-            </a:r>
-            <a:r>
-              <a:rPr lang="en-GB" dirty="0">
-                <a:latin typeface="Calibri" panose="020F0502020204030204" pitchFamily="34" charset="0"/>
-                <a:cs typeface="Calibri" panose="020F0502020204030204" pitchFamily="34" charset="0"/>
-              </a:rPr>
-              <a:t> di </a:t>
-            </a:r>
-            <a:r>
-              <a:rPr lang="en-GB" dirty="0" err="1">
-                <a:latin typeface="Calibri" panose="020F0502020204030204" pitchFamily="34" charset="0"/>
-                <a:cs typeface="Calibri" panose="020F0502020204030204" pitchFamily="34" charset="0"/>
-              </a:rPr>
-              <a:t>utilizzano</a:t>
-            </a:r>
-            <a:r>
-              <a:rPr lang="en-GB" dirty="0">
-                <a:latin typeface="Calibri" panose="020F0502020204030204" pitchFamily="34" charset="0"/>
-                <a:cs typeface="Calibri" panose="020F0502020204030204" pitchFamily="34" charset="0"/>
-              </a:rPr>
-              <a:t> numeri </a:t>
-            </a:r>
-            <a:r>
-              <a:rPr lang="en-GB" dirty="0" err="1">
-                <a:latin typeface="Calibri" panose="020F0502020204030204" pitchFamily="34" charset="0"/>
-                <a:cs typeface="Calibri" panose="020F0502020204030204" pitchFamily="34" charset="0"/>
-              </a:rPr>
-              <a:t>positivi</a:t>
-            </a:r>
-            <a:r>
-              <a:rPr lang="en-GB" dirty="0">
-                <a:latin typeface="Calibri" panose="020F0502020204030204" pitchFamily="34" charset="0"/>
-                <a:cs typeface="Calibri" panose="020F0502020204030204" pitchFamily="34" charset="0"/>
-              </a:rPr>
-              <a:t> (exit 2)</a:t>
-            </a:r>
-          </a:p>
-          <a:p>
-            <a:r>
-              <a:rPr lang="en-GB" dirty="0">
-                <a:latin typeface="Calibri" panose="020F0502020204030204" pitchFamily="34" charset="0"/>
-                <a:cs typeface="Calibri" panose="020F0502020204030204" pitchFamily="34" charset="0"/>
-              </a:rPr>
-              <a:t>I filesystem </a:t>
-            </a:r>
-            <a:r>
-              <a:rPr lang="en-GB" dirty="0" err="1">
-                <a:latin typeface="Calibri" panose="020F0502020204030204" pitchFamily="34" charset="0"/>
-                <a:cs typeface="Calibri" panose="020F0502020204030204" pitchFamily="34" charset="0"/>
-              </a:rPr>
-              <a:t>moderni</a:t>
-            </a:r>
-            <a:r>
-              <a:rPr lang="en-GB" dirty="0">
-                <a:latin typeface="Calibri" panose="020F0502020204030204" pitchFamily="34" charset="0"/>
-                <a:cs typeface="Calibri" panose="020F0502020204030204" pitchFamily="34" charset="0"/>
-              </a:rPr>
-              <a:t> </a:t>
-            </a:r>
-            <a:r>
-              <a:rPr lang="en-GB" dirty="0" err="1">
-                <a:latin typeface="Calibri" panose="020F0502020204030204" pitchFamily="34" charset="0"/>
-                <a:cs typeface="Calibri" panose="020F0502020204030204" pitchFamily="34" charset="0"/>
-              </a:rPr>
-              <a:t>supportano</a:t>
-            </a:r>
-            <a:r>
-              <a:rPr lang="en-GB" dirty="0">
-                <a:latin typeface="Calibri" panose="020F0502020204030204" pitchFamily="34" charset="0"/>
-                <a:cs typeface="Calibri" panose="020F0502020204030204" pitchFamily="34" charset="0"/>
-              </a:rPr>
-              <a:t> la </a:t>
-            </a:r>
-            <a:r>
-              <a:rPr lang="en-GB" dirty="0" err="1">
-                <a:latin typeface="Calibri" panose="020F0502020204030204" pitchFamily="34" charset="0"/>
-                <a:cs typeface="Calibri" panose="020F0502020204030204" pitchFamily="34" charset="0"/>
-              </a:rPr>
-              <a:t>presenza</a:t>
-            </a:r>
-            <a:r>
-              <a:rPr lang="en-GB" dirty="0">
-                <a:latin typeface="Calibri" panose="020F0502020204030204" pitchFamily="34" charset="0"/>
-                <a:cs typeface="Calibri" panose="020F0502020204030204" pitchFamily="34" charset="0"/>
-              </a:rPr>
-              <a:t> di </a:t>
-            </a:r>
-            <a:r>
-              <a:rPr lang="en-GB" dirty="0" err="1">
-                <a:latin typeface="Calibri" panose="020F0502020204030204" pitchFamily="34" charset="0"/>
-                <a:cs typeface="Calibri" panose="020F0502020204030204" pitchFamily="34" charset="0"/>
-              </a:rPr>
-              <a:t>spazi</a:t>
-            </a:r>
-            <a:r>
-              <a:rPr lang="en-GB" dirty="0">
-                <a:latin typeface="Calibri" panose="020F0502020204030204" pitchFamily="34" charset="0"/>
-                <a:cs typeface="Calibri" panose="020F0502020204030204" pitchFamily="34" charset="0"/>
-              </a:rPr>
-              <a:t>. </a:t>
-            </a:r>
-            <a:r>
-              <a:rPr lang="en-GB" dirty="0" err="1">
-                <a:latin typeface="Calibri" panose="020F0502020204030204" pitchFamily="34" charset="0"/>
-                <a:cs typeface="Calibri" panose="020F0502020204030204" pitchFamily="34" charset="0"/>
-              </a:rPr>
-              <a:t>Tutte</a:t>
-            </a:r>
-            <a:r>
-              <a:rPr lang="en-GB" dirty="0">
-                <a:latin typeface="Calibri" panose="020F0502020204030204" pitchFamily="34" charset="0"/>
-                <a:cs typeface="Calibri" panose="020F0502020204030204" pitchFamily="34" charset="0"/>
-              </a:rPr>
-              <a:t> le </a:t>
-            </a:r>
-            <a:r>
-              <a:rPr lang="en-GB" dirty="0" err="1">
-                <a:latin typeface="Calibri" panose="020F0502020204030204" pitchFamily="34" charset="0"/>
-                <a:cs typeface="Calibri" panose="020F0502020204030204" pitchFamily="34" charset="0"/>
-              </a:rPr>
-              <a:t>variabili</a:t>
-            </a:r>
-            <a:r>
-              <a:rPr lang="en-GB" dirty="0">
-                <a:latin typeface="Calibri" panose="020F0502020204030204" pitchFamily="34" charset="0"/>
-                <a:cs typeface="Calibri" panose="020F0502020204030204" pitchFamily="34" charset="0"/>
-              </a:rPr>
-              <a:t> </a:t>
-            </a:r>
-            <a:r>
-              <a:rPr lang="en-GB" dirty="0" err="1">
-                <a:latin typeface="Calibri" panose="020F0502020204030204" pitchFamily="34" charset="0"/>
-                <a:cs typeface="Calibri" panose="020F0502020204030204" pitchFamily="34" charset="0"/>
-              </a:rPr>
-              <a:t>fuori</a:t>
-            </a:r>
-            <a:r>
-              <a:rPr lang="en-GB" dirty="0">
-                <a:latin typeface="Calibri" panose="020F0502020204030204" pitchFamily="34" charset="0"/>
-                <a:cs typeface="Calibri" panose="020F0502020204030204" pitchFamily="34" charset="0"/>
-              </a:rPr>
-              <a:t> dal </a:t>
-            </a:r>
-            <a:r>
-              <a:rPr lang="en-GB" dirty="0" err="1">
-                <a:latin typeface="Calibri" panose="020F0502020204030204" pitchFamily="34" charset="0"/>
-                <a:cs typeface="Calibri" panose="020F0502020204030204" pitchFamily="34" charset="0"/>
-              </a:rPr>
-              <a:t>controllo</a:t>
-            </a:r>
-            <a:r>
-              <a:rPr lang="en-GB" dirty="0">
-                <a:latin typeface="Calibri" panose="020F0502020204030204" pitchFamily="34" charset="0"/>
-                <a:cs typeface="Calibri" panose="020F0502020204030204" pitchFamily="34" charset="0"/>
-              </a:rPr>
-              <a:t> del </a:t>
-            </a:r>
-            <a:r>
-              <a:rPr lang="en-GB" dirty="0" err="1">
-                <a:latin typeface="Calibri" panose="020F0502020204030204" pitchFamily="34" charset="0"/>
-                <a:cs typeface="Calibri" panose="020F0502020204030204" pitchFamily="34" charset="0"/>
-              </a:rPr>
-              <a:t>programmatore</a:t>
-            </a:r>
-            <a:r>
-              <a:rPr lang="en-GB" dirty="0">
-                <a:latin typeface="Calibri" panose="020F0502020204030204" pitchFamily="34" charset="0"/>
-                <a:cs typeface="Calibri" panose="020F0502020204030204" pitchFamily="34" charset="0"/>
-              </a:rPr>
-              <a:t> (ad </a:t>
-            </a:r>
-            <a:r>
-              <a:rPr lang="en-GB" dirty="0" err="1">
-                <a:latin typeface="Calibri" panose="020F0502020204030204" pitchFamily="34" charset="0"/>
-                <a:cs typeface="Calibri" panose="020F0502020204030204" pitchFamily="34" charset="0"/>
-              </a:rPr>
-              <a:t>es</a:t>
-            </a:r>
-            <a:r>
-              <a:rPr lang="en-GB" dirty="0">
-                <a:latin typeface="Calibri" panose="020F0502020204030204" pitchFamily="34" charset="0"/>
-                <a:cs typeface="Calibri" panose="020F0502020204030204" pitchFamily="34" charset="0"/>
-              </a:rPr>
-              <a:t>. </a:t>
-            </a:r>
-            <a:r>
-              <a:rPr lang="en-GB" dirty="0" err="1">
-                <a:latin typeface="Calibri" panose="020F0502020204030204" pitchFamily="34" charset="0"/>
-                <a:cs typeface="Calibri" panose="020F0502020204030204" pitchFamily="34" charset="0"/>
-              </a:rPr>
-              <a:t>nomi</a:t>
-            </a:r>
-            <a:r>
-              <a:rPr lang="en-GB" dirty="0">
-                <a:latin typeface="Calibri" panose="020F0502020204030204" pitchFamily="34" charset="0"/>
-                <a:cs typeface="Calibri" panose="020F0502020204030204" pitchFamily="34" charset="0"/>
-              </a:rPr>
-              <a:t> di file) </a:t>
-            </a:r>
-            <a:r>
-              <a:rPr lang="en-GB" dirty="0" err="1">
-                <a:latin typeface="Calibri" panose="020F0502020204030204" pitchFamily="34" charset="0"/>
-                <a:cs typeface="Calibri" panose="020F0502020204030204" pitchFamily="34" charset="0"/>
-              </a:rPr>
-              <a:t>vanno</a:t>
-            </a:r>
-            <a:r>
-              <a:rPr lang="en-GB" dirty="0">
-                <a:latin typeface="Calibri" panose="020F0502020204030204" pitchFamily="34" charset="0"/>
-                <a:cs typeface="Calibri" panose="020F0502020204030204" pitchFamily="34" charset="0"/>
-              </a:rPr>
-              <a:t> </a:t>
-            </a:r>
-            <a:r>
-              <a:rPr lang="en-GB" dirty="0" err="1">
-                <a:latin typeface="Calibri" panose="020F0502020204030204" pitchFamily="34" charset="0"/>
-                <a:cs typeface="Calibri" panose="020F0502020204030204" pitchFamily="34" charset="0"/>
-              </a:rPr>
-              <a:t>espanse</a:t>
-            </a:r>
-            <a:r>
-              <a:rPr lang="en-GB" dirty="0">
-                <a:latin typeface="Calibri" panose="020F0502020204030204" pitchFamily="34" charset="0"/>
-                <a:cs typeface="Calibri" panose="020F0502020204030204" pitchFamily="34" charset="0"/>
-              </a:rPr>
-              <a:t> </a:t>
-            </a:r>
-            <a:r>
-              <a:rPr lang="en-GB" dirty="0" err="1">
-                <a:latin typeface="Calibri" panose="020F0502020204030204" pitchFamily="34" charset="0"/>
-                <a:cs typeface="Calibri" panose="020F0502020204030204" pitchFamily="34" charset="0"/>
-              </a:rPr>
-              <a:t>fra</a:t>
-            </a:r>
-            <a:r>
-              <a:rPr lang="en-GB" dirty="0">
-                <a:latin typeface="Calibri" panose="020F0502020204030204" pitchFamily="34" charset="0"/>
-                <a:cs typeface="Calibri" panose="020F0502020204030204" pitchFamily="34" charset="0"/>
-              </a:rPr>
-              <a:t> </a:t>
-            </a:r>
-            <a:r>
-              <a:rPr lang="en-GB" dirty="0" err="1">
-                <a:latin typeface="Calibri" panose="020F0502020204030204" pitchFamily="34" charset="0"/>
-                <a:cs typeface="Calibri" panose="020F0502020204030204" pitchFamily="34" charset="0"/>
-              </a:rPr>
-              <a:t>virgolette</a:t>
-            </a:r>
-            <a:r>
-              <a:rPr lang="en-GB" dirty="0">
-                <a:latin typeface="Calibri" panose="020F0502020204030204" pitchFamily="34" charset="0"/>
-                <a:cs typeface="Calibri" panose="020F0502020204030204" pitchFamily="34" charset="0"/>
-              </a:rPr>
-              <a:t> (echo “$</a:t>
-            </a:r>
-            <a:r>
-              <a:rPr lang="en-GB" dirty="0" err="1">
-                <a:latin typeface="Calibri" panose="020F0502020204030204" pitchFamily="34" charset="0"/>
-                <a:cs typeface="Calibri" panose="020F0502020204030204" pitchFamily="34" charset="0"/>
-              </a:rPr>
-              <a:t>fname</a:t>
-            </a:r>
-            <a:r>
-              <a:rPr lang="en-GB" dirty="0">
-                <a:latin typeface="Calibri" panose="020F0502020204030204" pitchFamily="34" charset="0"/>
-                <a:cs typeface="Calibri" panose="020F0502020204030204" pitchFamily="34" charset="0"/>
-              </a:rPr>
-              <a:t>”)</a:t>
-            </a:r>
+            <a:endParaRPr lang="en-GB"/>
           </a:p>
         </p:txBody>
       </p:sp>
       <p:sp>
         <p:nvSpPr>
-          <p:cNvPr id="5" name="Slide Number Placeholder 4">
+          <p:cNvPr id="4" name="Slide Number Placeholder 3">
             <a:extLst>
               <a:ext uri="{FF2B5EF4-FFF2-40B4-BE49-F238E27FC236}">
-                <a16:creationId xmlns:a16="http://schemas.microsoft.com/office/drawing/2014/main" id="{7AA3CCBD-F793-D049-86E6-3D5F0F8741F9}"/>
+                <a16:creationId xmlns:a16="http://schemas.microsoft.com/office/drawing/2014/main" id="{C5FDE599-C886-144D-AC72-7D0A0EE41991}"/>
               </a:ext>
             </a:extLst>
           </p:cNvPr>
@@ -10226,7 +8100,7 @@
     </p:spTree>
     <p:extLst>
       <p:ext uri="{BB962C8B-B14F-4D97-AF65-F5344CB8AC3E}">
-        <p14:creationId xmlns:p14="http://schemas.microsoft.com/office/powerpoint/2010/main" val="2517799632"/>
+        <p14:creationId xmlns:p14="http://schemas.microsoft.com/office/powerpoint/2010/main" val="3388815891"/>
       </p:ext>
     </p:extLst>
   </p:cSld>
@@ -10272,15 +8146,20 @@
           <a:p>
             <a:r>
               <a:rPr lang="it-IT" dirty="0"/>
-              <a:t>Funzioni</a:t>
-            </a:r>
+              <a:t>Best </a:t>
+            </a:r>
+            <a:r>
+              <a:rPr lang="it-IT" dirty="0" err="1"/>
+              <a:t>Practices</a:t>
+            </a:r>
+            <a:endParaRPr lang="it-IT" dirty="0"/>
           </a:p>
         </p:txBody>
       </p:sp>
     </p:spTree>
     <p:extLst>
       <p:ext uri="{BB962C8B-B14F-4D97-AF65-F5344CB8AC3E}">
-        <p14:creationId xmlns:p14="http://schemas.microsoft.com/office/powerpoint/2010/main" val="4165282474"/>
+        <p14:creationId xmlns:p14="http://schemas.microsoft.com/office/powerpoint/2010/main" val="1467048716"/>
       </p:ext>
     </p:extLst>
   </p:cSld>
@@ -10309,10 +8188,10 @@
       </p:grpSpPr>
       <p:sp>
         <p:nvSpPr>
-          <p:cNvPr id="2" name="Title 1">
+          <p:cNvPr id="6" name="Title 5">
             <a:extLst>
               <a:ext uri="{FF2B5EF4-FFF2-40B4-BE49-F238E27FC236}">
-                <a16:creationId xmlns:a16="http://schemas.microsoft.com/office/drawing/2014/main" id="{9147A8B0-AB78-C14F-82C5-CFD16811215F}"/>
+                <a16:creationId xmlns:a16="http://schemas.microsoft.com/office/drawing/2014/main" id="{93B44130-F4F1-DA47-AB6D-67C33825DC3B}"/>
               </a:ext>
             </a:extLst>
           </p:cNvPr>
@@ -10328,16 +8207,23 @@
           <a:bodyPr/>
           <a:lstStyle/>
           <a:p>
-            <a:endParaRPr lang="en-GB"/>
+            <a:r>
+              <a:rPr lang="en-GB" dirty="0" err="1"/>
+              <a:t>Struttura</a:t>
+            </a:r>
+            <a:r>
+              <a:rPr lang="en-GB" dirty="0"/>
+              <a:t> script</a:t>
+            </a:r>
           </a:p>
         </p:txBody>
       </p:sp>
       <p:sp>
         <p:nvSpPr>
-          <p:cNvPr id="3" name="Content Placeholder 2">
+          <p:cNvPr id="7" name="Content Placeholder 6">
             <a:extLst>
               <a:ext uri="{FF2B5EF4-FFF2-40B4-BE49-F238E27FC236}">
-                <a16:creationId xmlns:a16="http://schemas.microsoft.com/office/drawing/2014/main" id="{E20A2855-1700-F44E-BE7B-DF268A2F87C6}"/>
+                <a16:creationId xmlns:a16="http://schemas.microsoft.com/office/drawing/2014/main" id="{F3346B34-A549-C945-8B7B-3871E3018006}"/>
               </a:ext>
             </a:extLst>
           </p:cNvPr>
@@ -10345,24 +8231,856 @@
             <a:spLocks noGrp="1"/>
           </p:cNvSpPr>
           <p:nvPr>
-            <p:ph idx="1"/>
+            <p:ph sz="half" idx="1"/>
           </p:nvPr>
         </p:nvSpPr>
         <p:spPr/>
         <p:txBody>
-          <a:bodyPr/>
+          <a:bodyPr>
+            <a:normAutofit fontScale="47500" lnSpcReduction="20000"/>
+          </a:bodyPr>
           <a:lstStyle/>
           <a:p>
-            <a:endParaRPr lang="en-GB"/>
+            <a:r>
+              <a:rPr lang="en-GB" sz="5100" dirty="0" err="1"/>
+              <a:t>Nello</a:t>
+            </a:r>
+            <a:r>
+              <a:rPr lang="en-GB" sz="5100" dirty="0"/>
+              <a:t> </a:t>
+            </a:r>
+            <a:r>
+              <a:rPr lang="en-GB" sz="5100" dirty="0" err="1"/>
+              <a:t>sviluppo</a:t>
+            </a:r>
+            <a:r>
+              <a:rPr lang="en-GB" sz="5100" dirty="0"/>
+              <a:t> di script </a:t>
+            </a:r>
+            <a:r>
+              <a:rPr lang="en-GB" sz="5100" dirty="0" err="1"/>
+              <a:t>è</a:t>
+            </a:r>
+            <a:r>
+              <a:rPr lang="en-GB" sz="5100" dirty="0"/>
+              <a:t> </a:t>
+            </a:r>
+            <a:r>
+              <a:rPr lang="en-GB" sz="5100" dirty="0" err="1"/>
+              <a:t>buona</a:t>
+            </a:r>
+            <a:r>
+              <a:rPr lang="en-GB" sz="5100" dirty="0"/>
+              <a:t> </a:t>
+            </a:r>
+            <a:r>
+              <a:rPr lang="en-GB" sz="5100" dirty="0" err="1"/>
+              <a:t>norma</a:t>
+            </a:r>
+            <a:r>
+              <a:rPr lang="en-GB" sz="5100" dirty="0"/>
+              <a:t> (</a:t>
+            </a:r>
+            <a:r>
+              <a:rPr lang="en-GB" sz="5100" i="1" dirty="0"/>
+              <a:t>best </a:t>
+            </a:r>
+            <a:r>
+              <a:rPr lang="en-GB" sz="5100" i="1" dirty="0" err="1"/>
+              <a:t>pratice</a:t>
+            </a:r>
+            <a:r>
+              <a:rPr lang="en-GB" sz="5100" dirty="0"/>
+              <a:t>) </a:t>
+            </a:r>
+            <a:r>
+              <a:rPr lang="en-GB" sz="5100" dirty="0" err="1"/>
+              <a:t>aderire</a:t>
+            </a:r>
+            <a:r>
+              <a:rPr lang="en-GB" sz="5100" dirty="0"/>
+              <a:t> ad un </a:t>
+            </a:r>
+            <a:r>
+              <a:rPr lang="en-GB" sz="5100" dirty="0" err="1"/>
+              <a:t>canovaccio</a:t>
+            </a:r>
+            <a:r>
+              <a:rPr lang="en-GB" sz="5100" dirty="0"/>
+              <a:t> </a:t>
+            </a:r>
+            <a:r>
+              <a:rPr lang="en-GB" sz="5100" dirty="0" err="1"/>
+              <a:t>noto</a:t>
+            </a:r>
+            <a:r>
+              <a:rPr lang="en-GB" sz="5100" dirty="0"/>
+              <a:t> e </a:t>
+            </a:r>
+            <a:r>
+              <a:rPr lang="en-GB" sz="5100" dirty="0" err="1"/>
+              <a:t>consolidato</a:t>
+            </a:r>
+            <a:endParaRPr lang="en-GB" sz="5100" dirty="0"/>
+          </a:p>
+          <a:p>
+            <a:endParaRPr lang="en-GB" sz="5100" dirty="0"/>
+          </a:p>
+          <a:p>
+            <a:r>
+              <a:rPr lang="en-GB" sz="5100" dirty="0" err="1">
+                <a:solidFill>
+                  <a:schemeClr val="accent6">
+                    <a:lumMod val="75000"/>
+                  </a:schemeClr>
+                </a:solidFill>
+              </a:rPr>
+              <a:t>Definizione</a:t>
+            </a:r>
+            <a:r>
+              <a:rPr lang="en-GB" sz="5100" dirty="0">
+                <a:solidFill>
+                  <a:schemeClr val="accent6">
+                    <a:lumMod val="75000"/>
+                  </a:schemeClr>
+                </a:solidFill>
+              </a:rPr>
+              <a:t> </a:t>
+            </a:r>
+            <a:r>
+              <a:rPr lang="en-GB" sz="5100" dirty="0" err="1">
+                <a:solidFill>
+                  <a:schemeClr val="accent6">
+                    <a:lumMod val="75000"/>
+                  </a:schemeClr>
+                </a:solidFill>
+              </a:rPr>
+              <a:t>interprete</a:t>
+            </a:r>
+            <a:r>
+              <a:rPr lang="en-GB" sz="5100" dirty="0">
+                <a:solidFill>
+                  <a:schemeClr val="accent6">
+                    <a:lumMod val="75000"/>
+                  </a:schemeClr>
+                </a:solidFill>
+              </a:rPr>
+              <a:t> (shebang)</a:t>
+            </a:r>
+          </a:p>
+          <a:p>
+            <a:r>
+              <a:rPr lang="en-GB" sz="5100" dirty="0" err="1">
+                <a:solidFill>
+                  <a:srgbClr val="7030A0"/>
+                </a:solidFill>
+              </a:rPr>
+              <a:t>Definizione</a:t>
+            </a:r>
+            <a:r>
+              <a:rPr lang="en-GB" sz="5100" dirty="0">
+                <a:solidFill>
+                  <a:srgbClr val="7030A0"/>
+                </a:solidFill>
+              </a:rPr>
+              <a:t> </a:t>
+            </a:r>
+            <a:r>
+              <a:rPr lang="en-GB" sz="5100" dirty="0" err="1">
+                <a:solidFill>
+                  <a:srgbClr val="7030A0"/>
+                </a:solidFill>
+              </a:rPr>
+              <a:t>variabili</a:t>
+            </a:r>
+            <a:r>
+              <a:rPr lang="en-GB" sz="5100" dirty="0">
+                <a:solidFill>
+                  <a:srgbClr val="7030A0"/>
+                </a:solidFill>
+              </a:rPr>
+              <a:t> </a:t>
+            </a:r>
+            <a:r>
+              <a:rPr lang="en-GB" sz="5100" dirty="0" err="1">
+                <a:solidFill>
+                  <a:srgbClr val="7030A0"/>
+                </a:solidFill>
+              </a:rPr>
+              <a:t>globali</a:t>
+            </a:r>
+            <a:endParaRPr lang="en-GB" sz="5100" dirty="0">
+              <a:solidFill>
+                <a:srgbClr val="7030A0"/>
+              </a:solidFill>
+            </a:endParaRPr>
+          </a:p>
+          <a:p>
+            <a:r>
+              <a:rPr lang="en-GB" sz="5100" dirty="0" err="1"/>
+              <a:t>Definizione</a:t>
+            </a:r>
+            <a:r>
+              <a:rPr lang="en-GB" sz="5100" dirty="0"/>
+              <a:t> </a:t>
+            </a:r>
+            <a:r>
+              <a:rPr lang="en-GB" sz="5100" dirty="0" err="1"/>
+              <a:t>funzioni</a:t>
+            </a:r>
+            <a:endParaRPr lang="en-GB" sz="5100" dirty="0"/>
+          </a:p>
+          <a:p>
+            <a:r>
+              <a:rPr lang="en-GB" sz="5100" dirty="0" err="1">
+                <a:solidFill>
+                  <a:srgbClr val="00B050"/>
+                </a:solidFill>
+              </a:rPr>
+              <a:t>Controllo</a:t>
+            </a:r>
+            <a:r>
+              <a:rPr lang="en-GB" sz="5100" dirty="0">
+                <a:solidFill>
+                  <a:srgbClr val="00B050"/>
+                </a:solidFill>
+              </a:rPr>
+              <a:t> </a:t>
+            </a:r>
+            <a:r>
+              <a:rPr lang="en-GB" sz="5100" dirty="0" err="1">
+                <a:solidFill>
+                  <a:srgbClr val="00B050"/>
+                </a:solidFill>
+              </a:rPr>
+              <a:t>parametri</a:t>
+            </a:r>
+            <a:endParaRPr lang="en-GB" sz="5100" dirty="0">
+              <a:solidFill>
+                <a:srgbClr val="00B050"/>
+              </a:solidFill>
+            </a:endParaRPr>
+          </a:p>
+          <a:p>
+            <a:r>
+              <a:rPr lang="en-GB" sz="5100" dirty="0" err="1">
+                <a:solidFill>
+                  <a:schemeClr val="accent5">
+                    <a:lumMod val="75000"/>
+                  </a:schemeClr>
+                </a:solidFill>
+              </a:rPr>
+              <a:t>Corpo</a:t>
+            </a:r>
+            <a:r>
+              <a:rPr lang="en-GB" sz="5100" dirty="0">
+                <a:solidFill>
+                  <a:schemeClr val="accent5">
+                    <a:lumMod val="75000"/>
+                  </a:schemeClr>
+                </a:solidFill>
+              </a:rPr>
+              <a:t> </a:t>
+            </a:r>
+            <a:r>
+              <a:rPr lang="en-GB" sz="5100" dirty="0" err="1">
+                <a:solidFill>
+                  <a:schemeClr val="accent5">
+                    <a:lumMod val="75000"/>
+                  </a:schemeClr>
+                </a:solidFill>
+              </a:rPr>
+              <a:t>principale</a:t>
+            </a:r>
+            <a:endParaRPr lang="en-GB" sz="5100" dirty="0">
+              <a:solidFill>
+                <a:schemeClr val="accent5">
+                  <a:lumMod val="75000"/>
+                </a:schemeClr>
+              </a:solidFill>
+            </a:endParaRPr>
+          </a:p>
+          <a:p>
+            <a:r>
+              <a:rPr lang="en-GB" sz="5100" dirty="0" err="1">
+                <a:solidFill>
+                  <a:srgbClr val="FF0000"/>
+                </a:solidFill>
+              </a:rPr>
+              <a:t>Terminazione</a:t>
+            </a:r>
+            <a:endParaRPr lang="en-GB" sz="5100" dirty="0">
+              <a:solidFill>
+                <a:srgbClr val="FF0000"/>
+              </a:solidFill>
+            </a:endParaRPr>
+          </a:p>
+          <a:p>
+            <a:endParaRPr lang="en-GB" sz="2000" dirty="0"/>
           </a:p>
         </p:txBody>
       </p:sp>
       <p:sp>
         <p:nvSpPr>
-          <p:cNvPr id="4" name="Slide Number Placeholder 3">
+          <p:cNvPr id="8" name="Content Placeholder 7">
             <a:extLst>
               <a:ext uri="{FF2B5EF4-FFF2-40B4-BE49-F238E27FC236}">
-                <a16:creationId xmlns:a16="http://schemas.microsoft.com/office/drawing/2014/main" id="{C5FDE599-C886-144D-AC72-7D0A0EE41991}"/>
+                <a16:creationId xmlns:a16="http://schemas.microsoft.com/office/drawing/2014/main" id="{6D431DC5-3861-0146-B5BD-1BF5B9298479}"/>
+              </a:ext>
+            </a:extLst>
+          </p:cNvPr>
+          <p:cNvSpPr>
+            <a:spLocks noGrp="1"/>
+          </p:cNvSpPr>
+          <p:nvPr>
+            <p:ph sz="half" idx="2"/>
+          </p:nvPr>
+        </p:nvSpPr>
+        <p:spPr>
+          <a:xfrm>
+            <a:off x="4648200" y="1600202"/>
+            <a:ext cx="4038600" cy="5127625"/>
+          </a:xfrm>
+        </p:spPr>
+        <p:txBody>
+          <a:bodyPr>
+            <a:noAutofit/>
+          </a:bodyPr>
+          <a:lstStyle/>
+          <a:p>
+            <a:pPr marL="0" indent="0">
+              <a:buNone/>
+            </a:pPr>
+            <a:r>
+              <a:rPr lang="en-GB" sz="1000" dirty="0">
+                <a:solidFill>
+                  <a:schemeClr val="accent6">
+                    <a:lumMod val="75000"/>
+                  </a:schemeClr>
+                </a:solidFill>
+                <a:latin typeface="Consolas" panose="020B0609020204030204" pitchFamily="49" charset="0"/>
+                <a:ea typeface="HGGothicE" panose="020B0909000000000000" pitchFamily="49" charset="-128"/>
+                <a:cs typeface="Consolas" panose="020B0609020204030204" pitchFamily="49" charset="0"/>
+              </a:rPr>
+              <a:t>#!/bin/bash</a:t>
+            </a:r>
+          </a:p>
+          <a:p>
+            <a:pPr marL="0" indent="0">
+              <a:buNone/>
+            </a:pPr>
+            <a:endParaRPr lang="en-GB" sz="1000" dirty="0">
+              <a:latin typeface="Consolas" panose="020B0609020204030204" pitchFamily="49" charset="0"/>
+              <a:ea typeface="HGGothicE" panose="020B0909000000000000" pitchFamily="49" charset="-128"/>
+              <a:cs typeface="Consolas" panose="020B0609020204030204" pitchFamily="49" charset="0"/>
+            </a:endParaRPr>
+          </a:p>
+          <a:p>
+            <a:pPr marL="0" indent="0">
+              <a:buNone/>
+            </a:pPr>
+            <a:r>
+              <a:rPr lang="en-GB" sz="1000" dirty="0">
+                <a:solidFill>
+                  <a:srgbClr val="7030A0"/>
+                </a:solidFill>
+                <a:latin typeface="Consolas" panose="020B0609020204030204" pitchFamily="49" charset="0"/>
+                <a:ea typeface="HGGothicE" panose="020B0909000000000000" pitchFamily="49" charset="-128"/>
+                <a:cs typeface="Consolas" panose="020B0609020204030204" pitchFamily="49" charset="0"/>
+              </a:rPr>
+              <a:t>USAGE="usage: $0 </a:t>
+            </a:r>
+            <a:r>
+              <a:rPr lang="en-GB" sz="1000" dirty="0" err="1">
+                <a:solidFill>
+                  <a:srgbClr val="7030A0"/>
+                </a:solidFill>
+                <a:latin typeface="Consolas" panose="020B0609020204030204" pitchFamily="49" charset="0"/>
+                <a:ea typeface="HGGothicE" panose="020B0909000000000000" pitchFamily="49" charset="-128"/>
+                <a:cs typeface="Consolas" panose="020B0609020204030204" pitchFamily="49" charset="0"/>
+              </a:rPr>
+              <a:t>dirname</a:t>
+            </a:r>
+            <a:r>
+              <a:rPr lang="en-GB" sz="1000" dirty="0">
+                <a:solidFill>
+                  <a:srgbClr val="7030A0"/>
+                </a:solidFill>
+                <a:latin typeface="Consolas" panose="020B0609020204030204" pitchFamily="49" charset="0"/>
+                <a:ea typeface="HGGothicE" panose="020B0909000000000000" pitchFamily="49" charset="-128"/>
+                <a:cs typeface="Consolas" panose="020B0609020204030204" pitchFamily="49" charset="0"/>
+              </a:rPr>
+              <a:t>”</a:t>
+            </a:r>
+          </a:p>
+          <a:p>
+            <a:pPr marL="0" indent="0">
+              <a:buNone/>
+            </a:pPr>
+            <a:endParaRPr lang="en-GB" sz="1000" dirty="0">
+              <a:latin typeface="Consolas" panose="020B0609020204030204" pitchFamily="49" charset="0"/>
+              <a:ea typeface="HGGothicE" panose="020B0909000000000000" pitchFamily="49" charset="-128"/>
+              <a:cs typeface="Consolas" panose="020B0609020204030204" pitchFamily="49" charset="0"/>
+            </a:endParaRPr>
+          </a:p>
+          <a:p>
+            <a:pPr marL="0" indent="0">
+              <a:buNone/>
+            </a:pPr>
+            <a:r>
+              <a:rPr lang="en-GB" sz="1000" dirty="0">
+                <a:solidFill>
+                  <a:srgbClr val="00B050"/>
+                </a:solidFill>
+                <a:latin typeface="Consolas" panose="020B0609020204030204" pitchFamily="49" charset="0"/>
+                <a:ea typeface="HGGothicE" panose="020B0909000000000000" pitchFamily="49" charset="-128"/>
+                <a:cs typeface="Consolas" panose="020B0609020204030204" pitchFamily="49" charset="0"/>
+              </a:rPr>
+              <a:t>if [ $# -ne 1 ]; then </a:t>
+            </a:r>
+          </a:p>
+          <a:p>
+            <a:pPr marL="0" indent="0">
+              <a:buNone/>
+            </a:pPr>
+            <a:r>
+              <a:rPr lang="en-GB" sz="1000" dirty="0">
+                <a:solidFill>
+                  <a:srgbClr val="00B050"/>
+                </a:solidFill>
+                <a:latin typeface="Consolas" panose="020B0609020204030204" pitchFamily="49" charset="0"/>
+                <a:ea typeface="HGGothicE" panose="020B0909000000000000" pitchFamily="49" charset="-128"/>
+                <a:cs typeface="Consolas" panose="020B0609020204030204" pitchFamily="49" charset="0"/>
+              </a:rPr>
+              <a:t>  echo “$USAGE”</a:t>
+            </a:r>
+          </a:p>
+          <a:p>
+            <a:pPr marL="0" indent="0">
+              <a:buNone/>
+            </a:pPr>
+            <a:r>
+              <a:rPr lang="en-GB" sz="1000" dirty="0">
+                <a:solidFill>
+                  <a:srgbClr val="00B050"/>
+                </a:solidFill>
+                <a:latin typeface="Consolas" panose="020B0609020204030204" pitchFamily="49" charset="0"/>
+                <a:ea typeface="HGGothicE" panose="020B0909000000000000" pitchFamily="49" charset="-128"/>
+                <a:cs typeface="Consolas" panose="020B0609020204030204" pitchFamily="49" charset="0"/>
+              </a:rPr>
+              <a:t>  exit 1</a:t>
+            </a:r>
+          </a:p>
+          <a:p>
+            <a:pPr marL="0" indent="0">
+              <a:buNone/>
+            </a:pPr>
+            <a:r>
+              <a:rPr lang="en-GB" sz="1000" dirty="0">
+                <a:solidFill>
+                  <a:srgbClr val="00B050"/>
+                </a:solidFill>
+                <a:latin typeface="Consolas" panose="020B0609020204030204" pitchFamily="49" charset="0"/>
+                <a:ea typeface="HGGothicE" panose="020B0909000000000000" pitchFamily="49" charset="-128"/>
+                <a:cs typeface="Consolas" panose="020B0609020204030204" pitchFamily="49" charset="0"/>
+              </a:rPr>
+              <a:t>fi</a:t>
+            </a:r>
+          </a:p>
+          <a:p>
+            <a:pPr marL="0" indent="0">
+              <a:buNone/>
+            </a:pPr>
+            <a:endParaRPr lang="en-GB" sz="1000" dirty="0">
+              <a:solidFill>
+                <a:srgbClr val="00B050"/>
+              </a:solidFill>
+              <a:latin typeface="Consolas" panose="020B0609020204030204" pitchFamily="49" charset="0"/>
+              <a:ea typeface="HGGothicE" panose="020B0909000000000000" pitchFamily="49" charset="-128"/>
+              <a:cs typeface="Consolas" panose="020B0609020204030204" pitchFamily="49" charset="0"/>
+            </a:endParaRPr>
+          </a:p>
+          <a:p>
+            <a:pPr marL="0" indent="0">
+              <a:buNone/>
+            </a:pPr>
+            <a:r>
+              <a:rPr lang="en-GB" sz="1000" dirty="0">
+                <a:solidFill>
+                  <a:srgbClr val="00B050"/>
+                </a:solidFill>
+                <a:latin typeface="Consolas" panose="020B0609020204030204" pitchFamily="49" charset="0"/>
+                <a:ea typeface="HGGothicE" panose="020B0909000000000000" pitchFamily="49" charset="-128"/>
+                <a:cs typeface="Consolas" panose="020B0609020204030204" pitchFamily="49" charset="0"/>
+              </a:rPr>
+              <a:t>if [ ! -d "$1" -o ! -x "$1" ]; then</a:t>
+            </a:r>
+          </a:p>
+          <a:p>
+            <a:pPr marL="0" indent="0">
+              <a:buNone/>
+            </a:pPr>
+            <a:r>
+              <a:rPr lang="en-GB" sz="1000" dirty="0">
+                <a:solidFill>
+                  <a:srgbClr val="00B050"/>
+                </a:solidFill>
+                <a:latin typeface="Consolas" panose="020B0609020204030204" pitchFamily="49" charset="0"/>
+                <a:ea typeface="HGGothicE" panose="020B0909000000000000" pitchFamily="49" charset="-128"/>
+                <a:cs typeface="Consolas" panose="020B0609020204030204" pitchFamily="49" charset="0"/>
+              </a:rPr>
+              <a:t>  echo “$USAGE”  </a:t>
+            </a:r>
+          </a:p>
+          <a:p>
+            <a:pPr marL="0" indent="0">
+              <a:buNone/>
+            </a:pPr>
+            <a:r>
+              <a:rPr lang="en-GB" sz="1000" dirty="0">
+                <a:solidFill>
+                  <a:srgbClr val="00B050"/>
+                </a:solidFill>
+                <a:latin typeface="Consolas" panose="020B0609020204030204" pitchFamily="49" charset="0"/>
+                <a:ea typeface="HGGothicE" panose="020B0909000000000000" pitchFamily="49" charset="-128"/>
+                <a:cs typeface="Consolas" panose="020B0609020204030204" pitchFamily="49" charset="0"/>
+              </a:rPr>
+              <a:t>  exit 1</a:t>
+            </a:r>
+          </a:p>
+          <a:p>
+            <a:pPr marL="0" indent="0">
+              <a:buNone/>
+            </a:pPr>
+            <a:r>
+              <a:rPr lang="en-GB" sz="1000" dirty="0">
+                <a:solidFill>
+                  <a:srgbClr val="00B050"/>
+                </a:solidFill>
+                <a:latin typeface="Consolas" panose="020B0609020204030204" pitchFamily="49" charset="0"/>
+                <a:ea typeface="HGGothicE" panose="020B0909000000000000" pitchFamily="49" charset="-128"/>
+                <a:cs typeface="Consolas" panose="020B0609020204030204" pitchFamily="49" charset="0"/>
+              </a:rPr>
+              <a:t>fi</a:t>
+            </a:r>
+          </a:p>
+          <a:p>
+            <a:pPr marL="0" indent="0">
+              <a:buNone/>
+            </a:pPr>
+            <a:endParaRPr lang="en-GB" sz="1000" dirty="0">
+              <a:latin typeface="Consolas" panose="020B0609020204030204" pitchFamily="49" charset="0"/>
+              <a:ea typeface="HGGothicE" panose="020B0909000000000000" pitchFamily="49" charset="-128"/>
+              <a:cs typeface="Consolas" panose="020B0609020204030204" pitchFamily="49" charset="0"/>
+            </a:endParaRPr>
+          </a:p>
+          <a:p>
+            <a:pPr marL="0" indent="0">
+              <a:buNone/>
+            </a:pPr>
+            <a:r>
+              <a:rPr lang="en-GB" sz="1000" dirty="0">
+                <a:solidFill>
+                  <a:schemeClr val="accent5">
+                    <a:lumMod val="75000"/>
+                  </a:schemeClr>
+                </a:solidFill>
+                <a:latin typeface="Consolas" panose="020B0609020204030204" pitchFamily="49" charset="0"/>
+                <a:ea typeface="HGGothicE" panose="020B0909000000000000" pitchFamily="49" charset="-128"/>
+                <a:cs typeface="Consolas" panose="020B0609020204030204" pitchFamily="49" charset="0"/>
+              </a:rPr>
+              <a:t>F=0; D=0</a:t>
+            </a:r>
+          </a:p>
+          <a:p>
+            <a:pPr marL="0" indent="0">
+              <a:buNone/>
+            </a:pPr>
+            <a:r>
+              <a:rPr lang="en-GB" sz="1000" dirty="0">
+                <a:solidFill>
+                  <a:schemeClr val="accent5">
+                    <a:lumMod val="75000"/>
+                  </a:schemeClr>
+                </a:solidFill>
+                <a:latin typeface="Consolas" panose="020B0609020204030204" pitchFamily="49" charset="0"/>
+                <a:ea typeface="HGGothicE" panose="020B0909000000000000" pitchFamily="49" charset="-128"/>
+                <a:cs typeface="Consolas" panose="020B0609020204030204" pitchFamily="49" charset="0"/>
+              </a:rPr>
+              <a:t>for </a:t>
+            </a:r>
+            <a:r>
+              <a:rPr lang="en-GB" sz="1000" dirty="0" err="1">
+                <a:solidFill>
+                  <a:schemeClr val="accent5">
+                    <a:lumMod val="75000"/>
+                  </a:schemeClr>
+                </a:solidFill>
+                <a:latin typeface="Consolas" panose="020B0609020204030204" pitchFamily="49" charset="0"/>
+                <a:ea typeface="HGGothicE" panose="020B0909000000000000" pitchFamily="49" charset="-128"/>
+                <a:cs typeface="Consolas" panose="020B0609020204030204" pitchFamily="49" charset="0"/>
+              </a:rPr>
+              <a:t>fname</a:t>
+            </a:r>
+            <a:r>
+              <a:rPr lang="en-GB" sz="1000" dirty="0">
+                <a:solidFill>
+                  <a:schemeClr val="accent5">
+                    <a:lumMod val="75000"/>
+                  </a:schemeClr>
+                </a:solidFill>
+                <a:latin typeface="Consolas" panose="020B0609020204030204" pitchFamily="49" charset="0"/>
+                <a:ea typeface="HGGothicE" panose="020B0909000000000000" pitchFamily="49" charset="-128"/>
+                <a:cs typeface="Consolas" panose="020B0609020204030204" pitchFamily="49" charset="0"/>
+              </a:rPr>
+              <a:t> in "$1"/*; do</a:t>
+            </a:r>
+          </a:p>
+          <a:p>
+            <a:pPr marL="0" indent="0">
+              <a:buNone/>
+            </a:pPr>
+            <a:r>
+              <a:rPr lang="en-GB" sz="1000" dirty="0">
+                <a:solidFill>
+                  <a:schemeClr val="accent5">
+                    <a:lumMod val="75000"/>
+                  </a:schemeClr>
+                </a:solidFill>
+                <a:latin typeface="Consolas" panose="020B0609020204030204" pitchFamily="49" charset="0"/>
+                <a:ea typeface="HGGothicE" panose="020B0909000000000000" pitchFamily="49" charset="-128"/>
+                <a:cs typeface="Consolas" panose="020B0609020204030204" pitchFamily="49" charset="0"/>
+              </a:rPr>
+              <a:t>  if [ -f "$</a:t>
+            </a:r>
+            <a:r>
+              <a:rPr lang="en-GB" sz="1000" dirty="0" err="1">
+                <a:solidFill>
+                  <a:schemeClr val="accent5">
+                    <a:lumMod val="75000"/>
+                  </a:schemeClr>
+                </a:solidFill>
+                <a:latin typeface="Consolas" panose="020B0609020204030204" pitchFamily="49" charset="0"/>
+                <a:ea typeface="HGGothicE" panose="020B0909000000000000" pitchFamily="49" charset="-128"/>
+                <a:cs typeface="Consolas" panose="020B0609020204030204" pitchFamily="49" charset="0"/>
+              </a:rPr>
+              <a:t>fname</a:t>
+            </a:r>
+            <a:r>
+              <a:rPr lang="en-GB" sz="1000" dirty="0">
+                <a:solidFill>
+                  <a:schemeClr val="accent5">
+                    <a:lumMod val="75000"/>
+                  </a:schemeClr>
+                </a:solidFill>
+                <a:latin typeface="Consolas" panose="020B0609020204030204" pitchFamily="49" charset="0"/>
+                <a:ea typeface="HGGothicE" panose="020B0909000000000000" pitchFamily="49" charset="-128"/>
+                <a:cs typeface="Consolas" panose="020B0609020204030204" pitchFamily="49" charset="0"/>
+              </a:rPr>
+              <a:t>" ]; then</a:t>
+            </a:r>
+          </a:p>
+          <a:p>
+            <a:pPr marL="0" indent="0">
+              <a:buNone/>
+            </a:pPr>
+            <a:r>
+              <a:rPr lang="en-GB" sz="1000" dirty="0">
+                <a:solidFill>
+                  <a:schemeClr val="accent5">
+                    <a:lumMod val="75000"/>
+                  </a:schemeClr>
+                </a:solidFill>
+                <a:latin typeface="Consolas" panose="020B0609020204030204" pitchFamily="49" charset="0"/>
+                <a:ea typeface="HGGothicE" panose="020B0909000000000000" pitchFamily="49" charset="-128"/>
+                <a:cs typeface="Consolas" panose="020B0609020204030204" pitchFamily="49" charset="0"/>
+              </a:rPr>
+              <a:t>      F=$(expr $F + 1)</a:t>
+            </a:r>
+          </a:p>
+          <a:p>
+            <a:pPr marL="0" indent="0">
+              <a:buNone/>
+            </a:pPr>
+            <a:r>
+              <a:rPr lang="en-GB" sz="1000" dirty="0">
+                <a:solidFill>
+                  <a:schemeClr val="accent5">
+                    <a:lumMod val="75000"/>
+                  </a:schemeClr>
+                </a:solidFill>
+                <a:latin typeface="Consolas" panose="020B0609020204030204" pitchFamily="49" charset="0"/>
+                <a:ea typeface="HGGothicE" panose="020B0909000000000000" pitchFamily="49" charset="-128"/>
+                <a:cs typeface="Consolas" panose="020B0609020204030204" pitchFamily="49" charset="0"/>
+              </a:rPr>
+              <a:t>  fi  </a:t>
+            </a:r>
+          </a:p>
+          <a:p>
+            <a:pPr marL="0" indent="0">
+              <a:buNone/>
+            </a:pPr>
+            <a:r>
+              <a:rPr lang="en-GB" sz="1000" dirty="0">
+                <a:solidFill>
+                  <a:schemeClr val="accent5">
+                    <a:lumMod val="75000"/>
+                  </a:schemeClr>
+                </a:solidFill>
+                <a:latin typeface="Consolas" panose="020B0609020204030204" pitchFamily="49" charset="0"/>
+                <a:ea typeface="HGGothicE" panose="020B0909000000000000" pitchFamily="49" charset="-128"/>
+                <a:cs typeface="Consolas" panose="020B0609020204030204" pitchFamily="49" charset="0"/>
+              </a:rPr>
+              <a:t>  if [ -d "$</a:t>
+            </a:r>
+            <a:r>
+              <a:rPr lang="en-GB" sz="1000" dirty="0" err="1">
+                <a:solidFill>
+                  <a:schemeClr val="accent5">
+                    <a:lumMod val="75000"/>
+                  </a:schemeClr>
+                </a:solidFill>
+                <a:latin typeface="Consolas" panose="020B0609020204030204" pitchFamily="49" charset="0"/>
+                <a:ea typeface="HGGothicE" panose="020B0909000000000000" pitchFamily="49" charset="-128"/>
+                <a:cs typeface="Consolas" panose="020B0609020204030204" pitchFamily="49" charset="0"/>
+              </a:rPr>
+              <a:t>fname</a:t>
+            </a:r>
+            <a:r>
+              <a:rPr lang="en-GB" sz="1000" dirty="0">
+                <a:solidFill>
+                  <a:schemeClr val="accent5">
+                    <a:lumMod val="75000"/>
+                  </a:schemeClr>
+                </a:solidFill>
+                <a:latin typeface="Consolas" panose="020B0609020204030204" pitchFamily="49" charset="0"/>
+                <a:ea typeface="HGGothicE" panose="020B0909000000000000" pitchFamily="49" charset="-128"/>
+                <a:cs typeface="Consolas" panose="020B0609020204030204" pitchFamily="49" charset="0"/>
+              </a:rPr>
+              <a:t>" ]; then</a:t>
+            </a:r>
+          </a:p>
+          <a:p>
+            <a:pPr marL="0" indent="0">
+              <a:buNone/>
+            </a:pPr>
+            <a:r>
+              <a:rPr lang="en-GB" sz="1000" dirty="0">
+                <a:solidFill>
+                  <a:schemeClr val="accent5">
+                    <a:lumMod val="75000"/>
+                  </a:schemeClr>
+                </a:solidFill>
+                <a:latin typeface="Consolas" panose="020B0609020204030204" pitchFamily="49" charset="0"/>
+                <a:ea typeface="HGGothicE" panose="020B0909000000000000" pitchFamily="49" charset="-128"/>
+                <a:cs typeface="Consolas" panose="020B0609020204030204" pitchFamily="49" charset="0"/>
+              </a:rPr>
+              <a:t>      D=$(expr $D + 1)</a:t>
+            </a:r>
+          </a:p>
+          <a:p>
+            <a:pPr marL="0" indent="0">
+              <a:buNone/>
+            </a:pPr>
+            <a:r>
+              <a:rPr lang="en-GB" sz="1000" dirty="0">
+                <a:solidFill>
+                  <a:schemeClr val="accent5">
+                    <a:lumMod val="75000"/>
+                  </a:schemeClr>
+                </a:solidFill>
+                <a:latin typeface="Consolas" panose="020B0609020204030204" pitchFamily="49" charset="0"/>
+                <a:ea typeface="HGGothicE" panose="020B0909000000000000" pitchFamily="49" charset="-128"/>
+                <a:cs typeface="Consolas" panose="020B0609020204030204" pitchFamily="49" charset="0"/>
+              </a:rPr>
+              <a:t>  fi</a:t>
+            </a:r>
+          </a:p>
+          <a:p>
+            <a:pPr marL="0" indent="0">
+              <a:buNone/>
+            </a:pPr>
+            <a:r>
+              <a:rPr lang="en-GB" sz="1000" dirty="0">
+                <a:solidFill>
+                  <a:schemeClr val="accent5">
+                    <a:lumMod val="75000"/>
+                  </a:schemeClr>
+                </a:solidFill>
+                <a:latin typeface="Consolas" panose="020B0609020204030204" pitchFamily="49" charset="0"/>
+                <a:ea typeface="HGGothicE" panose="020B0909000000000000" pitchFamily="49" charset="-128"/>
+                <a:cs typeface="Consolas" panose="020B0609020204030204" pitchFamily="49" charset="0"/>
+              </a:rPr>
+              <a:t>done</a:t>
+            </a:r>
+          </a:p>
+          <a:p>
+            <a:pPr marL="0" indent="0">
+              <a:buNone/>
+            </a:pPr>
+            <a:endParaRPr lang="en-GB" sz="1000" dirty="0">
+              <a:solidFill>
+                <a:schemeClr val="accent5">
+                  <a:lumMod val="75000"/>
+                </a:schemeClr>
+              </a:solidFill>
+              <a:latin typeface="Consolas" panose="020B0609020204030204" pitchFamily="49" charset="0"/>
+              <a:ea typeface="HGGothicE" panose="020B0909000000000000" pitchFamily="49" charset="-128"/>
+              <a:cs typeface="Consolas" panose="020B0609020204030204" pitchFamily="49" charset="0"/>
+            </a:endParaRPr>
+          </a:p>
+          <a:p>
+            <a:pPr marL="0" indent="0">
+              <a:buNone/>
+            </a:pPr>
+            <a:r>
+              <a:rPr lang="en-GB" sz="1000" dirty="0">
+                <a:solidFill>
+                  <a:schemeClr val="accent5">
+                    <a:lumMod val="75000"/>
+                  </a:schemeClr>
+                </a:solidFill>
+                <a:latin typeface="Consolas" panose="020B0609020204030204" pitchFamily="49" charset="0"/>
+                <a:ea typeface="HGGothicE" panose="020B0909000000000000" pitchFamily="49" charset="-128"/>
+                <a:cs typeface="Consolas" panose="020B0609020204030204" pitchFamily="49" charset="0"/>
+              </a:rPr>
+              <a:t>echo "#files=$F, #directories=$D" </a:t>
+            </a:r>
+          </a:p>
+          <a:p>
+            <a:pPr marL="0" indent="0">
+              <a:buNone/>
+            </a:pPr>
+            <a:r>
+              <a:rPr lang="en-GB" sz="1000" dirty="0">
+                <a:solidFill>
+                  <a:srgbClr val="FF0000"/>
+                </a:solidFill>
+                <a:latin typeface="Consolas" panose="020B0609020204030204" pitchFamily="49" charset="0"/>
+                <a:ea typeface="HGGothicE" panose="020B0909000000000000" pitchFamily="49" charset="-128"/>
+                <a:cs typeface="Consolas" panose="020B0609020204030204" pitchFamily="49" charset="0"/>
+              </a:rPr>
+              <a:t>exit 0</a:t>
+            </a:r>
+          </a:p>
+          <a:p>
+            <a:pPr marL="0" indent="0">
+              <a:buNone/>
+            </a:pPr>
+            <a:endParaRPr lang="en-GB" sz="1000" dirty="0">
+              <a:latin typeface="Consolas" panose="020B0609020204030204" pitchFamily="49" charset="0"/>
+              <a:ea typeface="HGGothicE" panose="020B0909000000000000" pitchFamily="49" charset="-128"/>
+              <a:cs typeface="Consolas" panose="020B0609020204030204" pitchFamily="49" charset="0"/>
+            </a:endParaRPr>
+          </a:p>
+        </p:txBody>
+      </p:sp>
+      <p:sp>
+        <p:nvSpPr>
+          <p:cNvPr id="5" name="Slide Number Placeholder 4">
+            <a:extLst>
+              <a:ext uri="{FF2B5EF4-FFF2-40B4-BE49-F238E27FC236}">
+                <a16:creationId xmlns:a16="http://schemas.microsoft.com/office/drawing/2014/main" id="{7AA3CCBD-F793-D049-86E6-3D5F0F8741F9}"/>
               </a:ext>
             </a:extLst>
           </p:cNvPr>
@@ -10390,7 +9108,7 @@
     </p:spTree>
     <p:extLst>
       <p:ext uri="{BB962C8B-B14F-4D97-AF65-F5344CB8AC3E}">
-        <p14:creationId xmlns:p14="http://schemas.microsoft.com/office/powerpoint/2010/main" val="3388815891"/>
+        <p14:creationId xmlns:p14="http://schemas.microsoft.com/office/powerpoint/2010/main" val="105008260"/>
       </p:ext>
     </p:extLst>
   </p:cSld>
@@ -10401,6 +9119,1347 @@
 </file>
 
 <file path=ppt/slides/slide24.xml><?xml version="1.0" encoding="utf-8"?>
+<p:sld xmlns:a="http://schemas.openxmlformats.org/drawingml/2006/main" xmlns:r="http://schemas.openxmlformats.org/officeDocument/2006/relationships" xmlns:p="http://schemas.openxmlformats.org/presentationml/2006/main">
+  <p:cSld>
+    <p:spTree>
+      <p:nvGrpSpPr>
+        <p:cNvPr id="1" name=""/>
+        <p:cNvGrpSpPr/>
+        <p:nvPr/>
+      </p:nvGrpSpPr>
+      <p:grpSpPr>
+        <a:xfrm>
+          <a:off x="0" y="0"/>
+          <a:ext cx="0" cy="0"/>
+          <a:chOff x="0" y="0"/>
+          <a:chExt cx="0" cy="0"/>
+        </a:xfrm>
+      </p:grpSpPr>
+      <p:sp>
+        <p:nvSpPr>
+          <p:cNvPr id="6" name="Title 5">
+            <a:extLst>
+              <a:ext uri="{FF2B5EF4-FFF2-40B4-BE49-F238E27FC236}">
+                <a16:creationId xmlns:a16="http://schemas.microsoft.com/office/drawing/2014/main" id="{93B44130-F4F1-DA47-AB6D-67C33825DC3B}"/>
+              </a:ext>
+            </a:extLst>
+          </p:cNvPr>
+          <p:cNvSpPr>
+            <a:spLocks noGrp="1"/>
+          </p:cNvSpPr>
+          <p:nvPr>
+            <p:ph type="title"/>
+          </p:nvPr>
+        </p:nvSpPr>
+        <p:spPr/>
+        <p:txBody>
+          <a:bodyPr/>
+          <a:lstStyle/>
+          <a:p>
+            <a:r>
+              <a:rPr lang="en-GB" dirty="0" err="1"/>
+              <a:t>Struttura</a:t>
+            </a:r>
+            <a:r>
+              <a:rPr lang="en-GB" dirty="0"/>
+              <a:t> script (Best Practices)</a:t>
+            </a:r>
+          </a:p>
+        </p:txBody>
+      </p:sp>
+      <p:sp>
+        <p:nvSpPr>
+          <p:cNvPr id="7" name="Content Placeholder 6">
+            <a:extLst>
+              <a:ext uri="{FF2B5EF4-FFF2-40B4-BE49-F238E27FC236}">
+                <a16:creationId xmlns:a16="http://schemas.microsoft.com/office/drawing/2014/main" id="{F3346B34-A549-C945-8B7B-3871E3018006}"/>
+              </a:ext>
+            </a:extLst>
+          </p:cNvPr>
+          <p:cNvSpPr>
+            <a:spLocks noGrp="1"/>
+          </p:cNvSpPr>
+          <p:nvPr>
+            <p:ph idx="1"/>
+          </p:nvPr>
+        </p:nvSpPr>
+        <p:spPr/>
+        <p:txBody>
+          <a:bodyPr>
+            <a:normAutofit fontScale="92500" lnSpcReduction="20000"/>
+          </a:bodyPr>
+          <a:lstStyle/>
+          <a:p>
+            <a:r>
+              <a:rPr lang="en-GB" dirty="0" err="1">
+                <a:latin typeface="Calibri" panose="020F0502020204030204" pitchFamily="34" charset="0"/>
+                <a:cs typeface="Calibri" panose="020F0502020204030204" pitchFamily="34" charset="0"/>
+              </a:rPr>
+              <a:t>Trattandosi</a:t>
+            </a:r>
+            <a:r>
+              <a:rPr lang="en-GB" dirty="0">
+                <a:latin typeface="Calibri" panose="020F0502020204030204" pitchFamily="34" charset="0"/>
+                <a:cs typeface="Calibri" panose="020F0502020204030204" pitchFamily="34" charset="0"/>
+              </a:rPr>
+              <a:t> di un </a:t>
+            </a:r>
+            <a:r>
+              <a:rPr lang="en-GB" dirty="0" err="1">
+                <a:latin typeface="Calibri" panose="020F0502020204030204" pitchFamily="34" charset="0"/>
+                <a:cs typeface="Calibri" panose="020F0502020204030204" pitchFamily="34" charset="0"/>
+              </a:rPr>
+              <a:t>linguaggio</a:t>
+            </a:r>
+            <a:r>
+              <a:rPr lang="en-GB" dirty="0">
+                <a:latin typeface="Calibri" panose="020F0502020204030204" pitchFamily="34" charset="0"/>
+                <a:cs typeface="Calibri" panose="020F0502020204030204" pitchFamily="34" charset="0"/>
+              </a:rPr>
+              <a:t> antico, </a:t>
+            </a:r>
+            <a:r>
+              <a:rPr lang="en-GB" dirty="0" err="1">
+                <a:latin typeface="Calibri" panose="020F0502020204030204" pitchFamily="34" charset="0"/>
+                <a:cs typeface="Calibri" panose="020F0502020204030204" pitchFamily="34" charset="0"/>
+              </a:rPr>
+              <a:t>l’indentazione</a:t>
+            </a:r>
+            <a:r>
+              <a:rPr lang="en-GB" dirty="0">
+                <a:latin typeface="Calibri" panose="020F0502020204030204" pitchFamily="34" charset="0"/>
+                <a:cs typeface="Calibri" panose="020F0502020204030204" pitchFamily="34" charset="0"/>
+              </a:rPr>
+              <a:t> </a:t>
+            </a:r>
+            <a:r>
+              <a:rPr lang="en-GB" dirty="0" err="1">
+                <a:latin typeface="Calibri" panose="020F0502020204030204" pitchFamily="34" charset="0"/>
+                <a:cs typeface="Calibri" panose="020F0502020204030204" pitchFamily="34" charset="0"/>
+              </a:rPr>
+              <a:t>è</a:t>
+            </a:r>
+            <a:r>
+              <a:rPr lang="en-GB" dirty="0">
+                <a:latin typeface="Calibri" panose="020F0502020204030204" pitchFamily="34" charset="0"/>
+                <a:cs typeface="Calibri" panose="020F0502020204030204" pitchFamily="34" charset="0"/>
+              </a:rPr>
+              <a:t> </a:t>
+            </a:r>
+            <a:r>
+              <a:rPr lang="en-GB" dirty="0" err="1">
+                <a:latin typeface="Calibri" panose="020F0502020204030204" pitchFamily="34" charset="0"/>
+                <a:cs typeface="Calibri" panose="020F0502020204030204" pitchFamily="34" charset="0"/>
+              </a:rPr>
+              <a:t>ancora</a:t>
+            </a:r>
+            <a:r>
+              <a:rPr lang="en-GB" dirty="0">
+                <a:latin typeface="Calibri" panose="020F0502020204030204" pitchFamily="34" charset="0"/>
+                <a:cs typeface="Calibri" panose="020F0502020204030204" pitchFamily="34" charset="0"/>
+              </a:rPr>
+              <a:t> </a:t>
+            </a:r>
+            <a:r>
+              <a:rPr lang="en-GB" dirty="0" err="1">
+                <a:latin typeface="Calibri" panose="020F0502020204030204" pitchFamily="34" charset="0"/>
+                <a:cs typeface="Calibri" panose="020F0502020204030204" pitchFamily="34" charset="0"/>
+              </a:rPr>
+              <a:t>facoltativa</a:t>
+            </a:r>
+            <a:r>
+              <a:rPr lang="en-GB" dirty="0">
+                <a:latin typeface="Calibri" panose="020F0502020204030204" pitchFamily="34" charset="0"/>
+                <a:cs typeface="Calibri" panose="020F0502020204030204" pitchFamily="34" charset="0"/>
+              </a:rPr>
+              <a:t> (in Python, </a:t>
+            </a:r>
+            <a:r>
+              <a:rPr lang="en-GB" dirty="0" err="1">
+                <a:latin typeface="Calibri" panose="020F0502020204030204" pitchFamily="34" charset="0"/>
+                <a:cs typeface="Calibri" panose="020F0502020204030204" pitchFamily="34" charset="0"/>
+              </a:rPr>
+              <a:t>recente</a:t>
+            </a:r>
+            <a:r>
+              <a:rPr lang="en-GB" dirty="0">
+                <a:latin typeface="Calibri" panose="020F0502020204030204" pitchFamily="34" charset="0"/>
+                <a:cs typeface="Calibri" panose="020F0502020204030204" pitchFamily="34" charset="0"/>
+              </a:rPr>
+              <a:t>, </a:t>
+            </a:r>
+            <a:r>
+              <a:rPr lang="en-GB" dirty="0" err="1">
+                <a:latin typeface="Calibri" panose="020F0502020204030204" pitchFamily="34" charset="0"/>
+                <a:cs typeface="Calibri" panose="020F0502020204030204" pitchFamily="34" charset="0"/>
+              </a:rPr>
+              <a:t>è</a:t>
+            </a:r>
+            <a:r>
+              <a:rPr lang="en-GB" dirty="0">
+                <a:latin typeface="Calibri" panose="020F0502020204030204" pitchFamily="34" charset="0"/>
+                <a:cs typeface="Calibri" panose="020F0502020204030204" pitchFamily="34" charset="0"/>
+              </a:rPr>
+              <a:t> </a:t>
+            </a:r>
+            <a:r>
+              <a:rPr lang="en-GB" dirty="0" err="1">
+                <a:latin typeface="Calibri" panose="020F0502020204030204" pitchFamily="34" charset="0"/>
+                <a:cs typeface="Calibri" panose="020F0502020204030204" pitchFamily="34" charset="0"/>
+              </a:rPr>
+              <a:t>obbligatoria</a:t>
+            </a:r>
+            <a:r>
+              <a:rPr lang="en-GB" dirty="0">
+                <a:latin typeface="Calibri" panose="020F0502020204030204" pitchFamily="34" charset="0"/>
+                <a:cs typeface="Calibri" panose="020F0502020204030204" pitchFamily="34" charset="0"/>
+              </a:rPr>
+              <a:t>!). </a:t>
+            </a:r>
+            <a:r>
+              <a:rPr lang="en-GB" dirty="0" err="1">
+                <a:solidFill>
+                  <a:schemeClr val="accent6">
+                    <a:lumMod val="75000"/>
+                  </a:schemeClr>
+                </a:solidFill>
+                <a:latin typeface="Calibri" panose="020F0502020204030204" pitchFamily="34" charset="0"/>
+                <a:cs typeface="Calibri" panose="020F0502020204030204" pitchFamily="34" charset="0"/>
+              </a:rPr>
+              <a:t>Indentazione</a:t>
+            </a:r>
+            <a:r>
+              <a:rPr lang="en-GB" dirty="0">
+                <a:solidFill>
+                  <a:schemeClr val="accent6">
+                    <a:lumMod val="75000"/>
+                  </a:schemeClr>
+                </a:solidFill>
+                <a:latin typeface="Calibri" panose="020F0502020204030204" pitchFamily="34" charset="0"/>
+                <a:cs typeface="Calibri" panose="020F0502020204030204" pitchFamily="34" charset="0"/>
+              </a:rPr>
+              <a:t> </a:t>
+            </a:r>
+            <a:r>
+              <a:rPr lang="en-GB" dirty="0" err="1">
+                <a:solidFill>
+                  <a:schemeClr val="accent6">
+                    <a:lumMod val="75000"/>
+                  </a:schemeClr>
+                </a:solidFill>
+                <a:latin typeface="Calibri" panose="020F0502020204030204" pitchFamily="34" charset="0"/>
+                <a:cs typeface="Calibri" panose="020F0502020204030204" pitchFamily="34" charset="0"/>
+              </a:rPr>
+              <a:t>è</a:t>
+            </a:r>
+            <a:r>
+              <a:rPr lang="en-GB" dirty="0">
+                <a:solidFill>
+                  <a:schemeClr val="accent6">
+                    <a:lumMod val="75000"/>
+                  </a:schemeClr>
+                </a:solidFill>
+                <a:latin typeface="Calibri" panose="020F0502020204030204" pitchFamily="34" charset="0"/>
+                <a:cs typeface="Calibri" panose="020F0502020204030204" pitchFamily="34" charset="0"/>
+              </a:rPr>
+              <a:t> </a:t>
+            </a:r>
+            <a:r>
+              <a:rPr lang="en-GB" dirty="0" err="1">
+                <a:solidFill>
+                  <a:schemeClr val="accent6">
+                    <a:lumMod val="75000"/>
+                  </a:schemeClr>
+                </a:solidFill>
+                <a:latin typeface="Calibri" panose="020F0502020204030204" pitchFamily="34" charset="0"/>
+                <a:cs typeface="Calibri" panose="020F0502020204030204" pitchFamily="34" charset="0"/>
+              </a:rPr>
+              <a:t>comunque</a:t>
+            </a:r>
+            <a:r>
+              <a:rPr lang="en-GB" dirty="0">
+                <a:solidFill>
+                  <a:schemeClr val="accent6">
+                    <a:lumMod val="75000"/>
+                  </a:schemeClr>
+                </a:solidFill>
+                <a:latin typeface="Calibri" panose="020F0502020204030204" pitchFamily="34" charset="0"/>
+                <a:cs typeface="Calibri" panose="020F0502020204030204" pitchFamily="34" charset="0"/>
+              </a:rPr>
+              <a:t> di </a:t>
+            </a:r>
+            <a:r>
+              <a:rPr lang="en-GB" dirty="0" err="1">
+                <a:solidFill>
+                  <a:schemeClr val="accent6">
+                    <a:lumMod val="75000"/>
+                  </a:schemeClr>
+                </a:solidFill>
+                <a:latin typeface="Calibri" panose="020F0502020204030204" pitchFamily="34" charset="0"/>
+                <a:cs typeface="Calibri" panose="020F0502020204030204" pitchFamily="34" charset="0"/>
+              </a:rPr>
+              <a:t>fondamentale</a:t>
+            </a:r>
+            <a:r>
+              <a:rPr lang="en-GB" dirty="0">
+                <a:solidFill>
+                  <a:schemeClr val="accent6">
+                    <a:lumMod val="75000"/>
+                  </a:schemeClr>
+                </a:solidFill>
+                <a:latin typeface="Calibri" panose="020F0502020204030204" pitchFamily="34" charset="0"/>
+                <a:cs typeface="Calibri" panose="020F0502020204030204" pitchFamily="34" charset="0"/>
+              </a:rPr>
+              <a:t> </a:t>
+            </a:r>
+            <a:r>
+              <a:rPr lang="en-GB" dirty="0" err="1">
+                <a:solidFill>
+                  <a:schemeClr val="accent6">
+                    <a:lumMod val="75000"/>
+                  </a:schemeClr>
+                </a:solidFill>
+                <a:latin typeface="Calibri" panose="020F0502020204030204" pitchFamily="34" charset="0"/>
+                <a:cs typeface="Calibri" panose="020F0502020204030204" pitchFamily="34" charset="0"/>
+              </a:rPr>
+              <a:t>importanza</a:t>
+            </a:r>
+            <a:r>
+              <a:rPr lang="en-GB" dirty="0">
+                <a:solidFill>
+                  <a:schemeClr val="accent6">
+                    <a:lumMod val="75000"/>
+                  </a:schemeClr>
+                </a:solidFill>
+                <a:latin typeface="Calibri" panose="020F0502020204030204" pitchFamily="34" charset="0"/>
+                <a:cs typeface="Calibri" panose="020F0502020204030204" pitchFamily="34" charset="0"/>
+              </a:rPr>
+              <a:t>!</a:t>
+            </a:r>
+          </a:p>
+          <a:p>
+            <a:r>
+              <a:rPr lang="en-GB" dirty="0" err="1">
+                <a:solidFill>
+                  <a:schemeClr val="accent6">
+                    <a:lumMod val="75000"/>
+                  </a:schemeClr>
+                </a:solidFill>
+                <a:latin typeface="Calibri" panose="020F0502020204030204" pitchFamily="34" charset="0"/>
+                <a:cs typeface="Calibri" panose="020F0502020204030204" pitchFamily="34" charset="0"/>
+              </a:rPr>
+              <a:t>Variabili</a:t>
+            </a:r>
+            <a:r>
+              <a:rPr lang="en-GB" dirty="0">
+                <a:solidFill>
+                  <a:schemeClr val="accent6">
+                    <a:lumMod val="75000"/>
+                  </a:schemeClr>
+                </a:solidFill>
+                <a:latin typeface="Calibri" panose="020F0502020204030204" pitchFamily="34" charset="0"/>
+                <a:cs typeface="Calibri" panose="020F0502020204030204" pitchFamily="34" charset="0"/>
+              </a:rPr>
+              <a:t> </a:t>
+            </a:r>
+            <a:r>
+              <a:rPr lang="en-GB" dirty="0" err="1">
+                <a:solidFill>
+                  <a:schemeClr val="accent6">
+                    <a:lumMod val="75000"/>
+                  </a:schemeClr>
+                </a:solidFill>
+                <a:latin typeface="Calibri" panose="020F0502020204030204" pitchFamily="34" charset="0"/>
+                <a:cs typeface="Calibri" panose="020F0502020204030204" pitchFamily="34" charset="0"/>
+              </a:rPr>
+              <a:t>globali</a:t>
+            </a:r>
+            <a:r>
+              <a:rPr lang="en-GB" dirty="0">
+                <a:solidFill>
+                  <a:schemeClr val="accent6">
+                    <a:lumMod val="75000"/>
+                  </a:schemeClr>
+                </a:solidFill>
+                <a:latin typeface="Calibri" panose="020F0502020204030204" pitchFamily="34" charset="0"/>
+                <a:cs typeface="Calibri" panose="020F0502020204030204" pitchFamily="34" charset="0"/>
+              </a:rPr>
+              <a:t> </a:t>
+            </a:r>
+            <a:r>
+              <a:rPr lang="en-GB" dirty="0" err="1">
+                <a:solidFill>
+                  <a:schemeClr val="accent6">
+                    <a:lumMod val="75000"/>
+                  </a:schemeClr>
+                </a:solidFill>
+                <a:latin typeface="Calibri" panose="020F0502020204030204" pitchFamily="34" charset="0"/>
+                <a:cs typeface="Calibri" panose="020F0502020204030204" pitchFamily="34" charset="0"/>
+              </a:rPr>
+              <a:t>sono</a:t>
+            </a:r>
+            <a:r>
+              <a:rPr lang="en-GB" dirty="0">
+                <a:solidFill>
+                  <a:schemeClr val="accent6">
+                    <a:lumMod val="75000"/>
+                  </a:schemeClr>
+                </a:solidFill>
+                <a:latin typeface="Calibri" panose="020F0502020204030204" pitchFamily="34" charset="0"/>
+                <a:cs typeface="Calibri" panose="020F0502020204030204" pitchFamily="34" charset="0"/>
+              </a:rPr>
+              <a:t> MAIUSCOLE </a:t>
+            </a:r>
+            <a:r>
+              <a:rPr lang="en-GB" dirty="0">
+                <a:latin typeface="Calibri" panose="020F0502020204030204" pitchFamily="34" charset="0"/>
+                <a:cs typeface="Calibri" panose="020F0502020204030204" pitchFamily="34" charset="0"/>
+              </a:rPr>
+              <a:t>(ad </a:t>
+            </a:r>
+            <a:r>
+              <a:rPr lang="en-GB" dirty="0" err="1">
+                <a:latin typeface="Calibri" panose="020F0502020204030204" pitchFamily="34" charset="0"/>
+                <a:cs typeface="Calibri" panose="020F0502020204030204" pitchFamily="34" charset="0"/>
+              </a:rPr>
+              <a:t>es</a:t>
+            </a:r>
+            <a:r>
+              <a:rPr lang="en-GB" dirty="0">
+                <a:latin typeface="Calibri" panose="020F0502020204030204" pitchFamily="34" charset="0"/>
+                <a:cs typeface="Calibri" panose="020F0502020204030204" pitchFamily="34" charset="0"/>
+              </a:rPr>
+              <a:t>. USAGE=“$0 usage: ...”)</a:t>
+            </a:r>
+          </a:p>
+          <a:p>
+            <a:r>
+              <a:rPr lang="en-GB" dirty="0" err="1">
+                <a:solidFill>
+                  <a:schemeClr val="accent6">
+                    <a:lumMod val="75000"/>
+                  </a:schemeClr>
+                </a:solidFill>
+                <a:latin typeface="Calibri" panose="020F0502020204030204" pitchFamily="34" charset="0"/>
+                <a:cs typeface="Calibri" panose="020F0502020204030204" pitchFamily="34" charset="0"/>
+              </a:rPr>
+              <a:t>Controllo</a:t>
+            </a:r>
+            <a:r>
+              <a:rPr lang="en-GB" dirty="0">
+                <a:solidFill>
+                  <a:schemeClr val="accent6">
+                    <a:lumMod val="75000"/>
+                  </a:schemeClr>
+                </a:solidFill>
+                <a:latin typeface="Calibri" panose="020F0502020204030204" pitchFamily="34" charset="0"/>
+                <a:cs typeface="Calibri" panose="020F0502020204030204" pitchFamily="34" charset="0"/>
+              </a:rPr>
+              <a:t> </a:t>
+            </a:r>
+            <a:r>
+              <a:rPr lang="en-GB" dirty="0" err="1">
+                <a:solidFill>
+                  <a:schemeClr val="accent6">
+                    <a:lumMod val="75000"/>
+                  </a:schemeClr>
+                </a:solidFill>
+                <a:latin typeface="Calibri" panose="020F0502020204030204" pitchFamily="34" charset="0"/>
+                <a:cs typeface="Calibri" panose="020F0502020204030204" pitchFamily="34" charset="0"/>
+              </a:rPr>
+              <a:t>dei</a:t>
+            </a:r>
+            <a:r>
+              <a:rPr lang="en-GB" dirty="0">
+                <a:solidFill>
+                  <a:schemeClr val="accent6">
+                    <a:lumMod val="75000"/>
+                  </a:schemeClr>
+                </a:solidFill>
+                <a:latin typeface="Calibri" panose="020F0502020204030204" pitchFamily="34" charset="0"/>
+                <a:cs typeface="Calibri" panose="020F0502020204030204" pitchFamily="34" charset="0"/>
+              </a:rPr>
+              <a:t> </a:t>
+            </a:r>
+            <a:r>
+              <a:rPr lang="en-GB" dirty="0" err="1">
+                <a:solidFill>
+                  <a:schemeClr val="accent6">
+                    <a:lumMod val="75000"/>
+                  </a:schemeClr>
+                </a:solidFill>
+                <a:latin typeface="Calibri" panose="020F0502020204030204" pitchFamily="34" charset="0"/>
+                <a:cs typeface="Calibri" panose="020F0502020204030204" pitchFamily="34" charset="0"/>
+              </a:rPr>
+              <a:t>parametri</a:t>
+            </a:r>
+            <a:r>
+              <a:rPr lang="en-GB" dirty="0">
+                <a:solidFill>
+                  <a:schemeClr val="accent6">
+                    <a:lumMod val="75000"/>
+                  </a:schemeClr>
+                </a:solidFill>
+                <a:latin typeface="Calibri" panose="020F0502020204030204" pitchFamily="34" charset="0"/>
+                <a:cs typeface="Calibri" panose="020F0502020204030204" pitchFamily="34" charset="0"/>
+              </a:rPr>
+              <a:t> </a:t>
+            </a:r>
+            <a:r>
+              <a:rPr lang="en-GB" dirty="0" err="1">
+                <a:solidFill>
+                  <a:schemeClr val="accent6">
+                    <a:lumMod val="75000"/>
+                  </a:schemeClr>
+                </a:solidFill>
+                <a:latin typeface="Calibri" panose="020F0502020204030204" pitchFamily="34" charset="0"/>
+                <a:cs typeface="Calibri" panose="020F0502020204030204" pitchFamily="34" charset="0"/>
+              </a:rPr>
+              <a:t>avviene</a:t>
+            </a:r>
+            <a:r>
+              <a:rPr lang="en-GB" dirty="0">
+                <a:solidFill>
+                  <a:schemeClr val="accent6">
+                    <a:lumMod val="75000"/>
+                  </a:schemeClr>
+                </a:solidFill>
+                <a:latin typeface="Calibri" panose="020F0502020204030204" pitchFamily="34" charset="0"/>
+                <a:cs typeface="Calibri" panose="020F0502020204030204" pitchFamily="34" charset="0"/>
+              </a:rPr>
+              <a:t> in via </a:t>
+            </a:r>
+            <a:r>
+              <a:rPr lang="en-GB" dirty="0" err="1">
+                <a:solidFill>
+                  <a:schemeClr val="accent6">
+                    <a:lumMod val="75000"/>
+                  </a:schemeClr>
+                </a:solidFill>
+                <a:latin typeface="Calibri" panose="020F0502020204030204" pitchFamily="34" charset="0"/>
+                <a:cs typeface="Calibri" panose="020F0502020204030204" pitchFamily="34" charset="0"/>
+              </a:rPr>
+              <a:t>negativa</a:t>
+            </a:r>
+            <a:r>
+              <a:rPr lang="en-GB" dirty="0">
+                <a:latin typeface="Calibri" panose="020F0502020204030204" pitchFamily="34" charset="0"/>
+                <a:cs typeface="Calibri" panose="020F0502020204030204" pitchFamily="34" charset="0"/>
+              </a:rPr>
+              <a:t>. Si </a:t>
+            </a:r>
+            <a:r>
+              <a:rPr lang="en-GB" dirty="0" err="1">
+                <a:latin typeface="Calibri" panose="020F0502020204030204" pitchFamily="34" charset="0"/>
+                <a:cs typeface="Calibri" panose="020F0502020204030204" pitchFamily="34" charset="0"/>
+              </a:rPr>
+              <a:t>controllano</a:t>
+            </a:r>
+            <a:r>
+              <a:rPr lang="en-GB" dirty="0">
+                <a:latin typeface="Calibri" panose="020F0502020204030204" pitchFamily="34" charset="0"/>
+                <a:cs typeface="Calibri" panose="020F0502020204030204" pitchFamily="34" charset="0"/>
+              </a:rPr>
+              <a:t> le </a:t>
+            </a:r>
+            <a:r>
+              <a:rPr lang="en-GB" dirty="0" err="1">
+                <a:latin typeface="Calibri" panose="020F0502020204030204" pitchFamily="34" charset="0"/>
+                <a:cs typeface="Calibri" panose="020F0502020204030204" pitchFamily="34" charset="0"/>
+              </a:rPr>
+              <a:t>condizioni</a:t>
+            </a:r>
+            <a:r>
+              <a:rPr lang="en-GB" dirty="0">
+                <a:latin typeface="Calibri" panose="020F0502020204030204" pitchFamily="34" charset="0"/>
+                <a:cs typeface="Calibri" panose="020F0502020204030204" pitchFamily="34" charset="0"/>
+              </a:rPr>
+              <a:t> di </a:t>
+            </a:r>
+            <a:r>
+              <a:rPr lang="en-GB" dirty="0" err="1">
+                <a:latin typeface="Calibri" panose="020F0502020204030204" pitchFamily="34" charset="0"/>
+                <a:cs typeface="Calibri" panose="020F0502020204030204" pitchFamily="34" charset="0"/>
+              </a:rPr>
+              <a:t>fallimento</a:t>
+            </a:r>
+            <a:r>
+              <a:rPr lang="en-GB" dirty="0">
+                <a:latin typeface="Calibri" panose="020F0502020204030204" pitchFamily="34" charset="0"/>
+                <a:cs typeface="Calibri" panose="020F0502020204030204" pitchFamily="34" charset="0"/>
+              </a:rPr>
+              <a:t> e, se </a:t>
+            </a:r>
+            <a:r>
+              <a:rPr lang="en-GB" dirty="0" err="1">
+                <a:latin typeface="Calibri" panose="020F0502020204030204" pitchFamily="34" charset="0"/>
+                <a:cs typeface="Calibri" panose="020F0502020204030204" pitchFamily="34" charset="0"/>
+              </a:rPr>
+              <a:t>verificate</a:t>
+            </a:r>
+            <a:r>
+              <a:rPr lang="en-GB" dirty="0">
+                <a:latin typeface="Calibri" panose="020F0502020204030204" pitchFamily="34" charset="0"/>
+                <a:cs typeface="Calibri" panose="020F0502020204030204" pitchFamily="34" charset="0"/>
+              </a:rPr>
+              <a:t>, </a:t>
+            </a:r>
+            <a:r>
+              <a:rPr lang="en-GB" dirty="0" err="1">
+                <a:latin typeface="Calibri" panose="020F0502020204030204" pitchFamily="34" charset="0"/>
+                <a:cs typeface="Calibri" panose="020F0502020204030204" pitchFamily="34" charset="0"/>
+              </a:rPr>
+              <a:t>si</a:t>
+            </a:r>
+            <a:r>
+              <a:rPr lang="en-GB" dirty="0">
+                <a:latin typeface="Calibri" panose="020F0502020204030204" pitchFamily="34" charset="0"/>
+                <a:cs typeface="Calibri" panose="020F0502020204030204" pitchFamily="34" charset="0"/>
+              </a:rPr>
+              <a:t> </a:t>
+            </a:r>
+            <a:r>
+              <a:rPr lang="en-GB" dirty="0" err="1">
+                <a:latin typeface="Calibri" panose="020F0502020204030204" pitchFamily="34" charset="0"/>
+                <a:cs typeface="Calibri" panose="020F0502020204030204" pitchFamily="34" charset="0"/>
+              </a:rPr>
+              <a:t>termina</a:t>
+            </a:r>
+            <a:r>
+              <a:rPr lang="en-GB" dirty="0">
+                <a:latin typeface="Calibri" panose="020F0502020204030204" pitchFamily="34" charset="0"/>
+                <a:cs typeface="Calibri" panose="020F0502020204030204" pitchFamily="34" charset="0"/>
+              </a:rPr>
+              <a:t> lo script </a:t>
+            </a:r>
+            <a:r>
+              <a:rPr lang="en-GB" dirty="0" err="1">
+                <a:latin typeface="Calibri" panose="020F0502020204030204" pitchFamily="34" charset="0"/>
+                <a:cs typeface="Calibri" panose="020F0502020204030204" pitchFamily="34" charset="0"/>
+              </a:rPr>
+              <a:t>ritornando</a:t>
+            </a:r>
+            <a:r>
+              <a:rPr lang="en-GB" dirty="0">
+                <a:latin typeface="Calibri" panose="020F0502020204030204" pitchFamily="34" charset="0"/>
+                <a:cs typeface="Calibri" panose="020F0502020204030204" pitchFamily="34" charset="0"/>
+              </a:rPr>
+              <a:t> un </a:t>
+            </a:r>
+            <a:r>
+              <a:rPr lang="en-GB" dirty="0" err="1">
+                <a:latin typeface="Calibri" panose="020F0502020204030204" pitchFamily="34" charset="0"/>
+                <a:cs typeface="Calibri" panose="020F0502020204030204" pitchFamily="34" charset="0"/>
+              </a:rPr>
+              <a:t>codice</a:t>
+            </a:r>
+            <a:r>
+              <a:rPr lang="en-GB" dirty="0">
+                <a:latin typeface="Calibri" panose="020F0502020204030204" pitchFamily="34" charset="0"/>
+                <a:cs typeface="Calibri" panose="020F0502020204030204" pitchFamily="34" charset="0"/>
+              </a:rPr>
+              <a:t> </a:t>
+            </a:r>
+            <a:r>
+              <a:rPr lang="en-GB" dirty="0" err="1">
+                <a:latin typeface="Calibri" panose="020F0502020204030204" pitchFamily="34" charset="0"/>
+                <a:cs typeface="Calibri" panose="020F0502020204030204" pitchFamily="34" charset="0"/>
+              </a:rPr>
+              <a:t>errore</a:t>
+            </a:r>
+            <a:r>
+              <a:rPr lang="en-GB" dirty="0">
+                <a:latin typeface="Calibri" panose="020F0502020204030204" pitchFamily="34" charset="0"/>
+                <a:cs typeface="Calibri" panose="020F0502020204030204" pitchFamily="34" charset="0"/>
+              </a:rPr>
+              <a:t> (exit 1). Questa </a:t>
+            </a:r>
+            <a:r>
+              <a:rPr lang="en-GB" dirty="0" err="1">
+                <a:latin typeface="Calibri" panose="020F0502020204030204" pitchFamily="34" charset="0"/>
+                <a:cs typeface="Calibri" panose="020F0502020204030204" pitchFamily="34" charset="0"/>
+              </a:rPr>
+              <a:t>pratica</a:t>
+            </a:r>
+            <a:r>
+              <a:rPr lang="en-GB" dirty="0">
+                <a:latin typeface="Calibri" panose="020F0502020204030204" pitchFamily="34" charset="0"/>
+                <a:cs typeface="Calibri" panose="020F0502020204030204" pitchFamily="34" charset="0"/>
+              </a:rPr>
+              <a:t> </a:t>
+            </a:r>
+            <a:r>
+              <a:rPr lang="en-GB" dirty="0" err="1">
+                <a:latin typeface="Calibri" panose="020F0502020204030204" pitchFamily="34" charset="0"/>
+                <a:cs typeface="Calibri" panose="020F0502020204030204" pitchFamily="34" charset="0"/>
+              </a:rPr>
+              <a:t>evita</a:t>
+            </a:r>
+            <a:r>
+              <a:rPr lang="en-GB" dirty="0">
+                <a:latin typeface="Calibri" panose="020F0502020204030204" pitchFamily="34" charset="0"/>
+                <a:cs typeface="Calibri" panose="020F0502020204030204" pitchFamily="34" charset="0"/>
+              </a:rPr>
+              <a:t> </a:t>
+            </a:r>
+            <a:r>
+              <a:rPr lang="en-GB" dirty="0" err="1">
+                <a:latin typeface="Calibri" panose="020F0502020204030204" pitchFamily="34" charset="0"/>
+                <a:cs typeface="Calibri" panose="020F0502020204030204" pitchFamily="34" charset="0"/>
+              </a:rPr>
+              <a:t>indentazione</a:t>
+            </a:r>
+            <a:r>
+              <a:rPr lang="en-GB" dirty="0">
+                <a:latin typeface="Calibri" panose="020F0502020204030204" pitchFamily="34" charset="0"/>
+                <a:cs typeface="Calibri" panose="020F0502020204030204" pitchFamily="34" charset="0"/>
+              </a:rPr>
+              <a:t> </a:t>
+            </a:r>
+            <a:r>
+              <a:rPr lang="en-GB" dirty="0" err="1">
+                <a:latin typeface="Calibri" panose="020F0502020204030204" pitchFamily="34" charset="0"/>
+                <a:cs typeface="Calibri" panose="020F0502020204030204" pitchFamily="34" charset="0"/>
+              </a:rPr>
+              <a:t>eccessiva</a:t>
+            </a:r>
+            <a:endParaRPr lang="en-GB" dirty="0">
+              <a:latin typeface="Calibri" panose="020F0502020204030204" pitchFamily="34" charset="0"/>
+              <a:cs typeface="Calibri" panose="020F0502020204030204" pitchFamily="34" charset="0"/>
+            </a:endParaRPr>
+          </a:p>
+          <a:p>
+            <a:r>
+              <a:rPr lang="en-GB" dirty="0">
+                <a:solidFill>
+                  <a:schemeClr val="accent6">
+                    <a:lumMod val="75000"/>
+                  </a:schemeClr>
+                </a:solidFill>
+                <a:latin typeface="Calibri" panose="020F0502020204030204" pitchFamily="34" charset="0"/>
+                <a:cs typeface="Calibri" panose="020F0502020204030204" pitchFamily="34" charset="0"/>
+              </a:rPr>
+              <a:t>I </a:t>
+            </a:r>
+            <a:r>
+              <a:rPr lang="en-GB" dirty="0" err="1">
+                <a:solidFill>
+                  <a:schemeClr val="accent6">
+                    <a:lumMod val="75000"/>
+                  </a:schemeClr>
+                </a:solidFill>
+                <a:latin typeface="Calibri" panose="020F0502020204030204" pitchFamily="34" charset="0"/>
+                <a:cs typeface="Calibri" panose="020F0502020204030204" pitchFamily="34" charset="0"/>
+              </a:rPr>
+              <a:t>valori</a:t>
+            </a:r>
+            <a:r>
+              <a:rPr lang="en-GB" dirty="0">
+                <a:solidFill>
+                  <a:schemeClr val="accent6">
+                    <a:lumMod val="75000"/>
+                  </a:schemeClr>
+                </a:solidFill>
+                <a:latin typeface="Calibri" panose="020F0502020204030204" pitchFamily="34" charset="0"/>
+                <a:cs typeface="Calibri" panose="020F0502020204030204" pitchFamily="34" charset="0"/>
+              </a:rPr>
+              <a:t> di </a:t>
+            </a:r>
+            <a:r>
+              <a:rPr lang="en-GB" dirty="0" err="1">
+                <a:solidFill>
+                  <a:schemeClr val="accent6">
+                    <a:lumMod val="75000"/>
+                  </a:schemeClr>
+                </a:solidFill>
+                <a:latin typeface="Calibri" panose="020F0502020204030204" pitchFamily="34" charset="0"/>
+                <a:cs typeface="Calibri" panose="020F0502020204030204" pitchFamily="34" charset="0"/>
+              </a:rPr>
+              <a:t>uscita</a:t>
+            </a:r>
+            <a:r>
+              <a:rPr lang="en-GB" dirty="0">
+                <a:solidFill>
+                  <a:schemeClr val="accent6">
+                    <a:lumMod val="75000"/>
+                  </a:schemeClr>
+                </a:solidFill>
+                <a:latin typeface="Calibri" panose="020F0502020204030204" pitchFamily="34" charset="0"/>
+                <a:cs typeface="Calibri" panose="020F0502020204030204" pitchFamily="34" charset="0"/>
+              </a:rPr>
+              <a:t> (exit) </a:t>
+            </a:r>
+            <a:r>
+              <a:rPr lang="en-GB" dirty="0" err="1">
+                <a:solidFill>
+                  <a:schemeClr val="accent6">
+                    <a:lumMod val="75000"/>
+                  </a:schemeClr>
+                </a:solidFill>
+                <a:latin typeface="Calibri" panose="020F0502020204030204" pitchFamily="34" charset="0"/>
+                <a:cs typeface="Calibri" panose="020F0502020204030204" pitchFamily="34" charset="0"/>
+              </a:rPr>
+              <a:t>utilizzano</a:t>
+            </a:r>
+            <a:r>
+              <a:rPr lang="en-GB" dirty="0">
+                <a:solidFill>
+                  <a:schemeClr val="accent6">
+                    <a:lumMod val="75000"/>
+                  </a:schemeClr>
+                </a:solidFill>
+                <a:latin typeface="Calibri" panose="020F0502020204030204" pitchFamily="34" charset="0"/>
+                <a:cs typeface="Calibri" panose="020F0502020204030204" pitchFamily="34" charset="0"/>
+              </a:rPr>
+              <a:t> </a:t>
+            </a:r>
+            <a:r>
+              <a:rPr lang="en-GB" dirty="0" err="1">
+                <a:solidFill>
+                  <a:schemeClr val="accent6">
+                    <a:lumMod val="75000"/>
+                  </a:schemeClr>
+                </a:solidFill>
+                <a:latin typeface="Calibri" panose="020F0502020204030204" pitchFamily="34" charset="0"/>
+                <a:cs typeface="Calibri" panose="020F0502020204030204" pitchFamily="34" charset="0"/>
+              </a:rPr>
+              <a:t>valori</a:t>
+            </a:r>
+            <a:r>
+              <a:rPr lang="en-GB" dirty="0">
+                <a:solidFill>
+                  <a:schemeClr val="accent6">
+                    <a:lumMod val="75000"/>
+                  </a:schemeClr>
+                </a:solidFill>
+                <a:latin typeface="Calibri" panose="020F0502020204030204" pitchFamily="34" charset="0"/>
+                <a:cs typeface="Calibri" panose="020F0502020204030204" pitchFamily="34" charset="0"/>
+              </a:rPr>
+              <a:t> </a:t>
+            </a:r>
+            <a:r>
+              <a:rPr lang="en-GB" dirty="0" err="1">
+                <a:solidFill>
+                  <a:schemeClr val="accent6">
+                    <a:lumMod val="75000"/>
+                  </a:schemeClr>
+                </a:solidFill>
+                <a:latin typeface="Calibri" panose="020F0502020204030204" pitchFamily="34" charset="0"/>
+                <a:cs typeface="Calibri" panose="020F0502020204030204" pitchFamily="34" charset="0"/>
+              </a:rPr>
+              <a:t>diversi</a:t>
+            </a:r>
+            <a:r>
+              <a:rPr lang="en-GB" dirty="0">
+                <a:solidFill>
+                  <a:schemeClr val="accent6">
+                    <a:lumMod val="75000"/>
+                  </a:schemeClr>
+                </a:solidFill>
+                <a:latin typeface="Calibri" panose="020F0502020204030204" pitchFamily="34" charset="0"/>
+                <a:cs typeface="Calibri" panose="020F0502020204030204" pitchFamily="34" charset="0"/>
+              </a:rPr>
+              <a:t> per </a:t>
+            </a:r>
+            <a:r>
+              <a:rPr lang="en-GB" dirty="0" err="1">
+                <a:solidFill>
+                  <a:schemeClr val="accent6">
+                    <a:lumMod val="75000"/>
+                  </a:schemeClr>
+                </a:solidFill>
+                <a:latin typeface="Calibri" panose="020F0502020204030204" pitchFamily="34" charset="0"/>
+                <a:cs typeface="Calibri" panose="020F0502020204030204" pitchFamily="34" charset="0"/>
+              </a:rPr>
+              <a:t>distinguere</a:t>
+            </a:r>
+            <a:r>
+              <a:rPr lang="en-GB" dirty="0">
+                <a:solidFill>
+                  <a:schemeClr val="accent6">
+                    <a:lumMod val="75000"/>
+                  </a:schemeClr>
+                </a:solidFill>
+                <a:latin typeface="Calibri" panose="020F0502020204030204" pitchFamily="34" charset="0"/>
+                <a:cs typeface="Calibri" panose="020F0502020204030204" pitchFamily="34" charset="0"/>
+              </a:rPr>
+              <a:t> </a:t>
+            </a:r>
+            <a:r>
+              <a:rPr lang="en-GB" dirty="0" err="1">
+                <a:solidFill>
+                  <a:schemeClr val="accent6">
+                    <a:lumMod val="75000"/>
+                  </a:schemeClr>
+                </a:solidFill>
+                <a:latin typeface="Calibri" panose="020F0502020204030204" pitchFamily="34" charset="0"/>
+                <a:cs typeface="Calibri" panose="020F0502020204030204" pitchFamily="34" charset="0"/>
+              </a:rPr>
+              <a:t>successo</a:t>
+            </a:r>
+            <a:r>
+              <a:rPr lang="en-GB" dirty="0">
+                <a:solidFill>
+                  <a:schemeClr val="accent6">
+                    <a:lumMod val="75000"/>
+                  </a:schemeClr>
+                </a:solidFill>
+                <a:latin typeface="Calibri" panose="020F0502020204030204" pitchFamily="34" charset="0"/>
+                <a:cs typeface="Calibri" panose="020F0502020204030204" pitchFamily="34" charset="0"/>
+              </a:rPr>
+              <a:t> (exit 0) da </a:t>
+            </a:r>
+            <a:r>
+              <a:rPr lang="en-GB" dirty="0" err="1">
+                <a:solidFill>
+                  <a:schemeClr val="accent6">
+                    <a:lumMod val="75000"/>
+                  </a:schemeClr>
+                </a:solidFill>
+                <a:latin typeface="Calibri" panose="020F0502020204030204" pitchFamily="34" charset="0"/>
+                <a:cs typeface="Calibri" panose="020F0502020204030204" pitchFamily="34" charset="0"/>
+              </a:rPr>
+              <a:t>fallimento</a:t>
+            </a:r>
+            <a:r>
+              <a:rPr lang="en-GB" dirty="0">
+                <a:solidFill>
+                  <a:schemeClr val="accent6">
+                    <a:lumMod val="75000"/>
+                  </a:schemeClr>
+                </a:solidFill>
+                <a:latin typeface="Calibri" panose="020F0502020204030204" pitchFamily="34" charset="0"/>
+                <a:cs typeface="Calibri" panose="020F0502020204030204" pitchFamily="34" charset="0"/>
+              </a:rPr>
+              <a:t> (exit 1). </a:t>
+            </a:r>
+            <a:r>
+              <a:rPr lang="en-GB" dirty="0">
+                <a:latin typeface="Calibri" panose="020F0502020204030204" pitchFamily="34" charset="0"/>
+                <a:cs typeface="Calibri" panose="020F0502020204030204" pitchFamily="34" charset="0"/>
+              </a:rPr>
+              <a:t>Per </a:t>
+            </a:r>
+            <a:r>
+              <a:rPr lang="en-GB" dirty="0" err="1">
+                <a:latin typeface="Calibri" panose="020F0502020204030204" pitchFamily="34" charset="0"/>
+                <a:cs typeface="Calibri" panose="020F0502020204030204" pitchFamily="34" charset="0"/>
+              </a:rPr>
+              <a:t>differenziare</a:t>
+            </a:r>
+            <a:r>
+              <a:rPr lang="en-GB" dirty="0">
+                <a:latin typeface="Calibri" panose="020F0502020204030204" pitchFamily="34" charset="0"/>
+                <a:cs typeface="Calibri" panose="020F0502020204030204" pitchFamily="34" charset="0"/>
+              </a:rPr>
+              <a:t> </a:t>
+            </a:r>
+            <a:r>
+              <a:rPr lang="en-GB" dirty="0" err="1">
+                <a:latin typeface="Calibri" panose="020F0502020204030204" pitchFamily="34" charset="0"/>
+                <a:cs typeface="Calibri" panose="020F0502020204030204" pitchFamily="34" charset="0"/>
+              </a:rPr>
+              <a:t>fra</a:t>
+            </a:r>
+            <a:r>
+              <a:rPr lang="en-GB" dirty="0">
+                <a:latin typeface="Calibri" panose="020F0502020204030204" pitchFamily="34" charset="0"/>
+                <a:cs typeface="Calibri" panose="020F0502020204030204" pitchFamily="34" charset="0"/>
+              </a:rPr>
+              <a:t> </a:t>
+            </a:r>
+            <a:r>
+              <a:rPr lang="en-GB" dirty="0" err="1">
+                <a:latin typeface="Calibri" panose="020F0502020204030204" pitchFamily="34" charset="0"/>
+                <a:cs typeface="Calibri" panose="020F0502020204030204" pitchFamily="34" charset="0"/>
+              </a:rPr>
+              <a:t>diversi</a:t>
+            </a:r>
+            <a:r>
+              <a:rPr lang="en-GB" dirty="0">
+                <a:latin typeface="Calibri" panose="020F0502020204030204" pitchFamily="34" charset="0"/>
+                <a:cs typeface="Calibri" panose="020F0502020204030204" pitchFamily="34" charset="0"/>
+              </a:rPr>
+              <a:t> tipi di </a:t>
+            </a:r>
+            <a:r>
+              <a:rPr lang="en-GB" dirty="0" err="1">
+                <a:latin typeface="Calibri" panose="020F0502020204030204" pitchFamily="34" charset="0"/>
+                <a:cs typeface="Calibri" panose="020F0502020204030204" pitchFamily="34" charset="0"/>
+              </a:rPr>
+              <a:t>fallimento</a:t>
+            </a:r>
+            <a:r>
+              <a:rPr lang="en-GB" dirty="0">
+                <a:latin typeface="Calibri" panose="020F0502020204030204" pitchFamily="34" charset="0"/>
+                <a:cs typeface="Calibri" panose="020F0502020204030204" pitchFamily="34" charset="0"/>
+              </a:rPr>
+              <a:t> </a:t>
+            </a:r>
+            <a:r>
+              <a:rPr lang="en-GB" dirty="0" err="1">
+                <a:latin typeface="Calibri" panose="020F0502020204030204" pitchFamily="34" charset="0"/>
+                <a:cs typeface="Calibri" panose="020F0502020204030204" pitchFamily="34" charset="0"/>
+              </a:rPr>
+              <a:t>si</a:t>
+            </a:r>
+            <a:r>
+              <a:rPr lang="en-GB" dirty="0">
+                <a:latin typeface="Calibri" panose="020F0502020204030204" pitchFamily="34" charset="0"/>
+                <a:cs typeface="Calibri" panose="020F0502020204030204" pitchFamily="34" charset="0"/>
+              </a:rPr>
+              <a:t> </a:t>
+            </a:r>
+            <a:r>
+              <a:rPr lang="en-GB" dirty="0" err="1">
+                <a:latin typeface="Calibri" panose="020F0502020204030204" pitchFamily="34" charset="0"/>
+                <a:cs typeface="Calibri" panose="020F0502020204030204" pitchFamily="34" charset="0"/>
+              </a:rPr>
+              <a:t>possono</a:t>
+            </a:r>
+            <a:r>
+              <a:rPr lang="en-GB" dirty="0">
+                <a:latin typeface="Calibri" panose="020F0502020204030204" pitchFamily="34" charset="0"/>
+                <a:cs typeface="Calibri" panose="020F0502020204030204" pitchFamily="34" charset="0"/>
+              </a:rPr>
+              <a:t> </a:t>
+            </a:r>
+            <a:r>
+              <a:rPr lang="en-GB" dirty="0" err="1">
+                <a:latin typeface="Calibri" panose="020F0502020204030204" pitchFamily="34" charset="0"/>
+                <a:cs typeface="Calibri" panose="020F0502020204030204" pitchFamily="34" charset="0"/>
+              </a:rPr>
+              <a:t>utilizzare</a:t>
+            </a:r>
+            <a:r>
+              <a:rPr lang="en-GB" dirty="0">
+                <a:latin typeface="Calibri" panose="020F0502020204030204" pitchFamily="34" charset="0"/>
+                <a:cs typeface="Calibri" panose="020F0502020204030204" pitchFamily="34" charset="0"/>
+              </a:rPr>
+              <a:t> numeri </a:t>
+            </a:r>
+            <a:r>
+              <a:rPr lang="en-GB" dirty="0" err="1">
+                <a:latin typeface="Calibri" panose="020F0502020204030204" pitchFamily="34" charset="0"/>
+                <a:cs typeface="Calibri" panose="020F0502020204030204" pitchFamily="34" charset="0"/>
+              </a:rPr>
+              <a:t>positivi</a:t>
+            </a:r>
+            <a:r>
+              <a:rPr lang="en-GB" dirty="0">
+                <a:latin typeface="Calibri" panose="020F0502020204030204" pitchFamily="34" charset="0"/>
+                <a:cs typeface="Calibri" panose="020F0502020204030204" pitchFamily="34" charset="0"/>
+              </a:rPr>
+              <a:t> &gt; 1 (exit 2)</a:t>
+            </a:r>
+          </a:p>
+          <a:p>
+            <a:r>
+              <a:rPr lang="en-GB" dirty="0">
+                <a:latin typeface="Calibri" panose="020F0502020204030204" pitchFamily="34" charset="0"/>
+                <a:cs typeface="Calibri" panose="020F0502020204030204" pitchFamily="34" charset="0"/>
+              </a:rPr>
+              <a:t>I filesystem </a:t>
+            </a:r>
+            <a:r>
+              <a:rPr lang="en-GB" dirty="0" err="1">
+                <a:latin typeface="Calibri" panose="020F0502020204030204" pitchFamily="34" charset="0"/>
+                <a:cs typeface="Calibri" panose="020F0502020204030204" pitchFamily="34" charset="0"/>
+              </a:rPr>
+              <a:t>moderni</a:t>
+            </a:r>
+            <a:r>
+              <a:rPr lang="en-GB" dirty="0">
+                <a:latin typeface="Calibri" panose="020F0502020204030204" pitchFamily="34" charset="0"/>
+                <a:cs typeface="Calibri" panose="020F0502020204030204" pitchFamily="34" charset="0"/>
+              </a:rPr>
+              <a:t> </a:t>
+            </a:r>
+            <a:r>
+              <a:rPr lang="en-GB" dirty="0" err="1">
+                <a:latin typeface="Calibri" panose="020F0502020204030204" pitchFamily="34" charset="0"/>
+                <a:cs typeface="Calibri" panose="020F0502020204030204" pitchFamily="34" charset="0"/>
+              </a:rPr>
+              <a:t>supportano</a:t>
+            </a:r>
+            <a:r>
+              <a:rPr lang="en-GB" dirty="0">
+                <a:latin typeface="Calibri" panose="020F0502020204030204" pitchFamily="34" charset="0"/>
+                <a:cs typeface="Calibri" panose="020F0502020204030204" pitchFamily="34" charset="0"/>
+              </a:rPr>
+              <a:t> la </a:t>
+            </a:r>
+            <a:r>
+              <a:rPr lang="en-GB" dirty="0" err="1">
+                <a:latin typeface="Calibri" panose="020F0502020204030204" pitchFamily="34" charset="0"/>
+                <a:cs typeface="Calibri" panose="020F0502020204030204" pitchFamily="34" charset="0"/>
+              </a:rPr>
+              <a:t>presenza</a:t>
+            </a:r>
+            <a:r>
+              <a:rPr lang="en-GB" dirty="0">
+                <a:latin typeface="Calibri" panose="020F0502020204030204" pitchFamily="34" charset="0"/>
+                <a:cs typeface="Calibri" panose="020F0502020204030204" pitchFamily="34" charset="0"/>
+              </a:rPr>
+              <a:t> di </a:t>
+            </a:r>
+            <a:r>
+              <a:rPr lang="en-GB" dirty="0" err="1">
+                <a:latin typeface="Calibri" panose="020F0502020204030204" pitchFamily="34" charset="0"/>
+                <a:cs typeface="Calibri" panose="020F0502020204030204" pitchFamily="34" charset="0"/>
+              </a:rPr>
+              <a:t>spazi</a:t>
+            </a:r>
+            <a:r>
+              <a:rPr lang="en-GB" dirty="0">
+                <a:latin typeface="Calibri" panose="020F0502020204030204" pitchFamily="34" charset="0"/>
+                <a:cs typeface="Calibri" panose="020F0502020204030204" pitchFamily="34" charset="0"/>
+              </a:rPr>
+              <a:t>. Per </a:t>
+            </a:r>
+            <a:r>
+              <a:rPr lang="en-GB" dirty="0" err="1">
+                <a:latin typeface="Calibri" panose="020F0502020204030204" pitchFamily="34" charset="0"/>
+                <a:cs typeface="Calibri" panose="020F0502020204030204" pitchFamily="34" charset="0"/>
+              </a:rPr>
+              <a:t>questo</a:t>
+            </a:r>
+            <a:r>
+              <a:rPr lang="en-GB" dirty="0">
+                <a:latin typeface="Calibri" panose="020F0502020204030204" pitchFamily="34" charset="0"/>
+                <a:cs typeface="Calibri" panose="020F0502020204030204" pitchFamily="34" charset="0"/>
+              </a:rPr>
+              <a:t> </a:t>
+            </a:r>
+            <a:r>
+              <a:rPr lang="en-GB" dirty="0" err="1">
+                <a:latin typeface="Calibri" panose="020F0502020204030204" pitchFamily="34" charset="0"/>
+                <a:cs typeface="Calibri" panose="020F0502020204030204" pitchFamily="34" charset="0"/>
+              </a:rPr>
+              <a:t>motivo</a:t>
+            </a:r>
+            <a:r>
+              <a:rPr lang="en-GB" dirty="0">
+                <a:latin typeface="Calibri" panose="020F0502020204030204" pitchFamily="34" charset="0"/>
+                <a:cs typeface="Calibri" panose="020F0502020204030204" pitchFamily="34" charset="0"/>
+              </a:rPr>
+              <a:t>, </a:t>
+            </a:r>
+            <a:r>
+              <a:rPr lang="en-GB" dirty="0" err="1">
+                <a:latin typeface="Calibri" panose="020F0502020204030204" pitchFamily="34" charset="0"/>
+                <a:cs typeface="Calibri" panose="020F0502020204030204" pitchFamily="34" charset="0"/>
+              </a:rPr>
+              <a:t>tutte</a:t>
+            </a:r>
+            <a:r>
+              <a:rPr lang="en-GB" dirty="0">
+                <a:latin typeface="Calibri" panose="020F0502020204030204" pitchFamily="34" charset="0"/>
+                <a:cs typeface="Calibri" panose="020F0502020204030204" pitchFamily="34" charset="0"/>
+              </a:rPr>
+              <a:t> le </a:t>
+            </a:r>
+            <a:r>
+              <a:rPr lang="en-GB" dirty="0" err="1">
+                <a:latin typeface="Calibri" panose="020F0502020204030204" pitchFamily="34" charset="0"/>
+                <a:cs typeface="Calibri" panose="020F0502020204030204" pitchFamily="34" charset="0"/>
+              </a:rPr>
+              <a:t>variabili</a:t>
+            </a:r>
+            <a:r>
+              <a:rPr lang="en-GB" dirty="0">
+                <a:latin typeface="Calibri" panose="020F0502020204030204" pitchFamily="34" charset="0"/>
+                <a:cs typeface="Calibri" panose="020F0502020204030204" pitchFamily="34" charset="0"/>
+              </a:rPr>
+              <a:t> </a:t>
+            </a:r>
+            <a:r>
+              <a:rPr lang="en-GB" dirty="0" err="1">
+                <a:latin typeface="Calibri" panose="020F0502020204030204" pitchFamily="34" charset="0"/>
+                <a:cs typeface="Calibri" panose="020F0502020204030204" pitchFamily="34" charset="0"/>
+              </a:rPr>
+              <a:t>fuori</a:t>
+            </a:r>
+            <a:r>
+              <a:rPr lang="en-GB" dirty="0">
+                <a:latin typeface="Calibri" panose="020F0502020204030204" pitchFamily="34" charset="0"/>
+                <a:cs typeface="Calibri" panose="020F0502020204030204" pitchFamily="34" charset="0"/>
+              </a:rPr>
+              <a:t> dal </a:t>
+            </a:r>
+            <a:r>
+              <a:rPr lang="en-GB" dirty="0" err="1">
+                <a:latin typeface="Calibri" panose="020F0502020204030204" pitchFamily="34" charset="0"/>
+                <a:cs typeface="Calibri" panose="020F0502020204030204" pitchFamily="34" charset="0"/>
+              </a:rPr>
+              <a:t>controllo</a:t>
+            </a:r>
+            <a:r>
+              <a:rPr lang="en-GB" dirty="0">
+                <a:latin typeface="Calibri" panose="020F0502020204030204" pitchFamily="34" charset="0"/>
+                <a:cs typeface="Calibri" panose="020F0502020204030204" pitchFamily="34" charset="0"/>
+              </a:rPr>
+              <a:t> del </a:t>
+            </a:r>
+            <a:r>
+              <a:rPr lang="en-GB" dirty="0" err="1">
+                <a:latin typeface="Calibri" panose="020F0502020204030204" pitchFamily="34" charset="0"/>
+                <a:cs typeface="Calibri" panose="020F0502020204030204" pitchFamily="34" charset="0"/>
+              </a:rPr>
+              <a:t>programmatore</a:t>
+            </a:r>
+            <a:r>
+              <a:rPr lang="en-GB" dirty="0">
+                <a:latin typeface="Calibri" panose="020F0502020204030204" pitchFamily="34" charset="0"/>
+                <a:cs typeface="Calibri" panose="020F0502020204030204" pitchFamily="34" charset="0"/>
+              </a:rPr>
+              <a:t> (ad </a:t>
+            </a:r>
+            <a:r>
+              <a:rPr lang="en-GB" dirty="0" err="1">
+                <a:latin typeface="Calibri" panose="020F0502020204030204" pitchFamily="34" charset="0"/>
+                <a:cs typeface="Calibri" panose="020F0502020204030204" pitchFamily="34" charset="0"/>
+              </a:rPr>
+              <a:t>es</a:t>
+            </a:r>
+            <a:r>
+              <a:rPr lang="en-GB" dirty="0">
+                <a:latin typeface="Calibri" panose="020F0502020204030204" pitchFamily="34" charset="0"/>
+                <a:cs typeface="Calibri" panose="020F0502020204030204" pitchFamily="34" charset="0"/>
+              </a:rPr>
+              <a:t>. </a:t>
+            </a:r>
+            <a:r>
+              <a:rPr lang="en-GB" dirty="0" err="1">
+                <a:latin typeface="Calibri" panose="020F0502020204030204" pitchFamily="34" charset="0"/>
+                <a:cs typeface="Calibri" panose="020F0502020204030204" pitchFamily="34" charset="0"/>
+              </a:rPr>
+              <a:t>nomi</a:t>
+            </a:r>
+            <a:r>
+              <a:rPr lang="en-GB" dirty="0">
+                <a:latin typeface="Calibri" panose="020F0502020204030204" pitchFamily="34" charset="0"/>
+                <a:cs typeface="Calibri" panose="020F0502020204030204" pitchFamily="34" charset="0"/>
+              </a:rPr>
+              <a:t> di file) </a:t>
+            </a:r>
+            <a:r>
+              <a:rPr lang="en-GB" dirty="0" err="1">
+                <a:latin typeface="Calibri" panose="020F0502020204030204" pitchFamily="34" charset="0"/>
+                <a:cs typeface="Calibri" panose="020F0502020204030204" pitchFamily="34" charset="0"/>
+              </a:rPr>
+              <a:t>vanno</a:t>
+            </a:r>
+            <a:r>
+              <a:rPr lang="en-GB" dirty="0">
+                <a:latin typeface="Calibri" panose="020F0502020204030204" pitchFamily="34" charset="0"/>
+                <a:cs typeface="Calibri" panose="020F0502020204030204" pitchFamily="34" charset="0"/>
+              </a:rPr>
+              <a:t> </a:t>
+            </a:r>
+            <a:r>
+              <a:rPr lang="en-GB" dirty="0" err="1">
+                <a:latin typeface="Calibri" panose="020F0502020204030204" pitchFamily="34" charset="0"/>
+                <a:cs typeface="Calibri" panose="020F0502020204030204" pitchFamily="34" charset="0"/>
+              </a:rPr>
+              <a:t>espanse</a:t>
+            </a:r>
+            <a:r>
+              <a:rPr lang="en-GB" dirty="0">
+                <a:latin typeface="Calibri" panose="020F0502020204030204" pitchFamily="34" charset="0"/>
+                <a:cs typeface="Calibri" panose="020F0502020204030204" pitchFamily="34" charset="0"/>
+              </a:rPr>
+              <a:t> </a:t>
+            </a:r>
+            <a:r>
+              <a:rPr lang="en-GB" dirty="0" err="1">
+                <a:latin typeface="Calibri" panose="020F0502020204030204" pitchFamily="34" charset="0"/>
+                <a:cs typeface="Calibri" panose="020F0502020204030204" pitchFamily="34" charset="0"/>
+              </a:rPr>
+              <a:t>fra</a:t>
+            </a:r>
+            <a:r>
+              <a:rPr lang="en-GB" dirty="0">
+                <a:latin typeface="Calibri" panose="020F0502020204030204" pitchFamily="34" charset="0"/>
+                <a:cs typeface="Calibri" panose="020F0502020204030204" pitchFamily="34" charset="0"/>
+              </a:rPr>
+              <a:t> </a:t>
+            </a:r>
+            <a:r>
+              <a:rPr lang="en-GB" dirty="0" err="1">
+                <a:latin typeface="Calibri" panose="020F0502020204030204" pitchFamily="34" charset="0"/>
+                <a:cs typeface="Calibri" panose="020F0502020204030204" pitchFamily="34" charset="0"/>
+              </a:rPr>
+              <a:t>doppie</a:t>
+            </a:r>
+            <a:r>
+              <a:rPr lang="en-GB" dirty="0">
+                <a:latin typeface="Calibri" panose="020F0502020204030204" pitchFamily="34" charset="0"/>
+                <a:cs typeface="Calibri" panose="020F0502020204030204" pitchFamily="34" charset="0"/>
+              </a:rPr>
+              <a:t> </a:t>
+            </a:r>
+            <a:r>
+              <a:rPr lang="en-GB" dirty="0" err="1">
+                <a:latin typeface="Calibri" panose="020F0502020204030204" pitchFamily="34" charset="0"/>
+                <a:cs typeface="Calibri" panose="020F0502020204030204" pitchFamily="34" charset="0"/>
+              </a:rPr>
+              <a:t>virgolette</a:t>
+            </a:r>
+            <a:r>
+              <a:rPr lang="en-GB" dirty="0">
+                <a:latin typeface="Calibri" panose="020F0502020204030204" pitchFamily="34" charset="0"/>
+                <a:cs typeface="Calibri" panose="020F0502020204030204" pitchFamily="34" charset="0"/>
+              </a:rPr>
+              <a:t> (echo “$filename”)</a:t>
+            </a:r>
+          </a:p>
+        </p:txBody>
+      </p:sp>
+      <p:sp>
+        <p:nvSpPr>
+          <p:cNvPr id="5" name="Slide Number Placeholder 4">
+            <a:extLst>
+              <a:ext uri="{FF2B5EF4-FFF2-40B4-BE49-F238E27FC236}">
+                <a16:creationId xmlns:a16="http://schemas.microsoft.com/office/drawing/2014/main" id="{7AA3CCBD-F793-D049-86E6-3D5F0F8741F9}"/>
+              </a:ext>
+            </a:extLst>
+          </p:cNvPr>
+          <p:cNvSpPr>
+            <a:spLocks noGrp="1"/>
+          </p:cNvSpPr>
+          <p:nvPr>
+            <p:ph type="sldNum" sz="quarter" idx="12"/>
+          </p:nvPr>
+        </p:nvSpPr>
+        <p:spPr/>
+        <p:txBody>
+          <a:bodyPr/>
+          <a:lstStyle/>
+          <a:p>
+            <a:fld id="{D2040F39-7941-49A4-B48D-F201B18B6351}" type="slidenum">
+              <a:rPr lang="it-IT" smtClean="0"/>
+              <a:pPr/>
+              <a:t>24</a:t>
+            </a:fld>
+            <a:endParaRPr lang="it-IT" dirty="0"/>
+          </a:p>
+        </p:txBody>
+      </p:sp>
+    </p:spTree>
+    <p:extLst>
+      <p:ext uri="{BB962C8B-B14F-4D97-AF65-F5344CB8AC3E}">
+        <p14:creationId xmlns:p14="http://schemas.microsoft.com/office/powerpoint/2010/main" val="2517799632"/>
+      </p:ext>
+    </p:extLst>
+  </p:cSld>
+  <p:clrMapOvr>
+    <a:masterClrMapping/>
+  </p:clrMapOvr>
+</p:sld>
+</file>
+
+<file path=ppt/slides/slide25.xml><?xml version="1.0" encoding="utf-8"?>
 <p:sld xmlns:a="http://schemas.openxmlformats.org/drawingml/2006/main" xmlns:r="http://schemas.openxmlformats.org/officeDocument/2006/relationships" xmlns:p="http://schemas.openxmlformats.org/presentationml/2006/main">
   <p:cSld>
     <p:spTree>
@@ -10454,7 +10513,7 @@
 </p:sld>
 </file>
 
-<file path=ppt/slides/slide25.xml><?xml version="1.0" encoding="utf-8"?>
+<file path=ppt/slides/slide26.xml><?xml version="1.0" encoding="utf-8"?>
 <p:sld xmlns:a="http://schemas.openxmlformats.org/drawingml/2006/main" xmlns:r="http://schemas.openxmlformats.org/officeDocument/2006/relationships" xmlns:p="http://schemas.openxmlformats.org/presentationml/2006/main">
   <p:cSld>
     <p:spTree>
@@ -10779,7 +10838,7 @@
             <a:fld id="{D2040F39-7941-49A4-B48D-F201B18B6351}" type="slidenum">
               <a:rPr lang="it-IT" smtClean="0"/>
               <a:pPr/>
-              <a:t>25</a:t>
+              <a:t>26</a:t>
             </a:fld>
             <a:endParaRPr lang="it-IT" dirty="0"/>
           </a:p>
@@ -10789,199 +10848,6 @@
     <p:extLst>
       <p:ext uri="{BB962C8B-B14F-4D97-AF65-F5344CB8AC3E}">
         <p14:creationId xmlns:p14="http://schemas.microsoft.com/office/powerpoint/2010/main" val="3238165644"/>
-      </p:ext>
-    </p:extLst>
-  </p:cSld>
-  <p:clrMapOvr>
-    <a:masterClrMapping/>
-  </p:clrMapOvr>
-</p:sld>
-</file>
-
-<file path=ppt/slides/slide26.xml><?xml version="1.0" encoding="utf-8"?>
-<p:sld xmlns:a="http://schemas.openxmlformats.org/drawingml/2006/main" xmlns:r="http://schemas.openxmlformats.org/officeDocument/2006/relationships" xmlns:p="http://schemas.openxmlformats.org/presentationml/2006/main">
-  <p:cSld>
-    <p:spTree>
-      <p:nvGrpSpPr>
-        <p:cNvPr id="1" name=""/>
-        <p:cNvGrpSpPr/>
-        <p:nvPr/>
-      </p:nvGrpSpPr>
-      <p:grpSpPr>
-        <a:xfrm>
-          <a:off x="0" y="0"/>
-          <a:ext cx="0" cy="0"/>
-          <a:chOff x="0" y="0"/>
-          <a:chExt cx="0" cy="0"/>
-        </a:xfrm>
-      </p:grpSpPr>
-      <p:sp>
-        <p:nvSpPr>
-          <p:cNvPr id="2" name="Title 1">
-            <a:extLst>
-              <a:ext uri="{FF2B5EF4-FFF2-40B4-BE49-F238E27FC236}">
-                <a16:creationId xmlns:a16="http://schemas.microsoft.com/office/drawing/2014/main" id="{95FD777B-65EC-6045-816B-43C6A15459D4}"/>
-              </a:ext>
-            </a:extLst>
-          </p:cNvPr>
-          <p:cNvSpPr>
-            <a:spLocks noGrp="1"/>
-          </p:cNvSpPr>
-          <p:nvPr>
-            <p:ph type="title"/>
-          </p:nvPr>
-        </p:nvSpPr>
-        <p:spPr/>
-        <p:txBody>
-          <a:bodyPr/>
-          <a:lstStyle/>
-          <a:p>
-            <a:r>
-              <a:rPr lang="en-GB" dirty="0"/>
-              <a:t>Filesystem</a:t>
-            </a:r>
-          </a:p>
-        </p:txBody>
-      </p:sp>
-      <p:sp>
-        <p:nvSpPr>
-          <p:cNvPr id="3" name="Content Placeholder 2">
-            <a:extLst>
-              <a:ext uri="{FF2B5EF4-FFF2-40B4-BE49-F238E27FC236}">
-                <a16:creationId xmlns:a16="http://schemas.microsoft.com/office/drawing/2014/main" id="{C6F8AA39-3063-2944-9981-77293C9677F6}"/>
-              </a:ext>
-            </a:extLst>
-          </p:cNvPr>
-          <p:cNvSpPr>
-            <a:spLocks noGrp="1"/>
-          </p:cNvSpPr>
-          <p:nvPr>
-            <p:ph idx="1"/>
-          </p:nvPr>
-        </p:nvSpPr>
-        <p:spPr/>
-        <p:txBody>
-          <a:bodyPr>
-            <a:normAutofit fontScale="92500" lnSpcReduction="10000"/>
-          </a:bodyPr>
-          <a:lstStyle/>
-          <a:p>
-            <a:r>
-              <a:rPr lang="it-IT" dirty="0" err="1"/>
-              <a:t>ls</a:t>
-            </a:r>
-            <a:endParaRPr lang="it-IT" dirty="0"/>
-          </a:p>
-          <a:p>
-            <a:r>
-              <a:rPr lang="it-IT" dirty="0" err="1"/>
-              <a:t>pwd</a:t>
-            </a:r>
-            <a:endParaRPr lang="it-IT" dirty="0"/>
-          </a:p>
-          <a:p>
-            <a:r>
-              <a:rPr lang="it-IT" dirty="0" err="1"/>
-              <a:t>cp</a:t>
-            </a:r>
-            <a:endParaRPr lang="it-IT" dirty="0"/>
-          </a:p>
-          <a:p>
-            <a:r>
-              <a:rPr lang="it-IT" dirty="0"/>
-              <a:t>mv</a:t>
-            </a:r>
-          </a:p>
-          <a:p>
-            <a:r>
-              <a:rPr lang="it-IT" dirty="0"/>
-              <a:t>ln</a:t>
-            </a:r>
-          </a:p>
-          <a:p>
-            <a:r>
-              <a:rPr lang="it-IT" dirty="0" err="1"/>
-              <a:t>rm</a:t>
-            </a:r>
-            <a:endParaRPr lang="it-IT" dirty="0"/>
-          </a:p>
-          <a:p>
-            <a:r>
-              <a:rPr lang="it-IT" dirty="0" err="1"/>
-              <a:t>mkdir</a:t>
-            </a:r>
-            <a:endParaRPr lang="it-IT" dirty="0"/>
-          </a:p>
-          <a:p>
-            <a:r>
-              <a:rPr lang="it-IT" dirty="0" err="1"/>
-              <a:t>rmdir</a:t>
-            </a:r>
-            <a:endParaRPr lang="it-IT" dirty="0"/>
-          </a:p>
-          <a:p>
-            <a:r>
-              <a:rPr lang="it-IT" dirty="0"/>
-              <a:t>locate</a:t>
-            </a:r>
-          </a:p>
-          <a:p>
-            <a:r>
-              <a:rPr lang="it-IT" dirty="0" err="1"/>
-              <a:t>which</a:t>
-            </a:r>
-            <a:endParaRPr lang="it-IT" dirty="0"/>
-          </a:p>
-          <a:p>
-            <a:r>
-              <a:rPr lang="it-IT" dirty="0" err="1"/>
-              <a:t>cat</a:t>
-            </a:r>
-            <a:endParaRPr lang="it-IT" dirty="0"/>
-          </a:p>
-          <a:p>
-            <a:r>
-              <a:rPr lang="it-IT" dirty="0" err="1"/>
-              <a:t>touch</a:t>
-            </a:r>
-            <a:endParaRPr lang="en-GB" dirty="0"/>
-          </a:p>
-        </p:txBody>
-      </p:sp>
-      <p:sp>
-        <p:nvSpPr>
-          <p:cNvPr id="4" name="Slide Number Placeholder 3">
-            <a:extLst>
-              <a:ext uri="{FF2B5EF4-FFF2-40B4-BE49-F238E27FC236}">
-                <a16:creationId xmlns:a16="http://schemas.microsoft.com/office/drawing/2014/main" id="{80DC7702-A4F1-6243-8112-F7609FFFD3AA}"/>
-              </a:ext>
-            </a:extLst>
-          </p:cNvPr>
-          <p:cNvSpPr>
-            <a:spLocks noGrp="1"/>
-          </p:cNvSpPr>
-          <p:nvPr>
-            <p:ph type="sldNum" sz="quarter" idx="12"/>
-          </p:nvPr>
-        </p:nvSpPr>
-        <p:spPr/>
-        <p:txBody>
-          <a:bodyPr/>
-          <a:lstStyle/>
-          <a:p>
-            <a:fld id="{D2040F39-7941-49A4-B48D-F201B18B6351}" type="slidenum">
-              <a:rPr lang="it-IT" smtClean="0"/>
-              <a:pPr/>
-              <a:t>26</a:t>
-            </a:fld>
-            <a:endParaRPr lang="it-IT" dirty="0"/>
-          </a:p>
-        </p:txBody>
-      </p:sp>
-    </p:spTree>
-    <p:extLst>
-      <p:ext uri="{BB962C8B-B14F-4D97-AF65-F5344CB8AC3E}">
-        <p14:creationId xmlns:p14="http://schemas.microsoft.com/office/powerpoint/2010/main" val="1293737730"/>
       </p:ext>
     </p:extLst>
   </p:cSld>
@@ -11049,18 +10915,123 @@
             <a:spLocks noGrp="1"/>
           </p:cNvSpPr>
           <p:nvPr>
-            <p:ph idx="1"/>
+            <p:ph sz="half" idx="1"/>
           </p:nvPr>
         </p:nvSpPr>
         <p:spPr/>
         <p:txBody>
           <a:bodyPr>
-            <a:normAutofit/>
+            <a:normAutofit lnSpcReduction="10000"/>
           </a:bodyPr>
           <a:lstStyle/>
           <a:p>
             <a:r>
               <a:rPr lang="it-IT" dirty="0" err="1"/>
+              <a:t>ls</a:t>
+            </a:r>
+            <a:endParaRPr lang="it-IT" dirty="0"/>
+          </a:p>
+          <a:p>
+            <a:r>
+              <a:rPr lang="it-IT" dirty="0" err="1"/>
+              <a:t>pwd</a:t>
+            </a:r>
+            <a:endParaRPr lang="it-IT" dirty="0"/>
+          </a:p>
+          <a:p>
+            <a:r>
+              <a:rPr lang="it-IT" dirty="0" err="1"/>
+              <a:t>cp</a:t>
+            </a:r>
+            <a:endParaRPr lang="it-IT" dirty="0"/>
+          </a:p>
+          <a:p>
+            <a:r>
+              <a:rPr lang="it-IT" dirty="0"/>
+              <a:t>mv</a:t>
+            </a:r>
+          </a:p>
+          <a:p>
+            <a:r>
+              <a:rPr lang="it-IT" dirty="0"/>
+              <a:t>ln</a:t>
+            </a:r>
+          </a:p>
+          <a:p>
+            <a:r>
+              <a:rPr lang="it-IT" dirty="0" err="1"/>
+              <a:t>rm</a:t>
+            </a:r>
+            <a:endParaRPr lang="it-IT" dirty="0"/>
+          </a:p>
+          <a:p>
+            <a:r>
+              <a:rPr lang="it-IT" dirty="0" err="1"/>
+              <a:t>mkdir</a:t>
+            </a:r>
+            <a:endParaRPr lang="it-IT" dirty="0"/>
+          </a:p>
+          <a:p>
+            <a:r>
+              <a:rPr lang="it-IT" dirty="0" err="1"/>
+              <a:t>rmdir</a:t>
+            </a:r>
+            <a:endParaRPr lang="it-IT" dirty="0"/>
+          </a:p>
+          <a:p>
+            <a:r>
+              <a:rPr lang="it-IT" dirty="0"/>
+              <a:t>locate</a:t>
+            </a:r>
+          </a:p>
+          <a:p>
+            <a:r>
+              <a:rPr lang="it-IT" dirty="0" err="1"/>
+              <a:t>which</a:t>
+            </a:r>
+            <a:endParaRPr lang="it-IT" dirty="0"/>
+          </a:p>
+          <a:p>
+            <a:r>
+              <a:rPr lang="it-IT" dirty="0" err="1"/>
+              <a:t>cat</a:t>
+            </a:r>
+            <a:endParaRPr lang="it-IT" dirty="0"/>
+          </a:p>
+          <a:p>
+            <a:r>
+              <a:rPr lang="it-IT" dirty="0" err="1"/>
+              <a:t>touch</a:t>
+            </a:r>
+            <a:endParaRPr lang="en-GB" dirty="0"/>
+          </a:p>
+        </p:txBody>
+      </p:sp>
+      <p:sp>
+        <p:nvSpPr>
+          <p:cNvPr id="5" name="Content Placeholder 4">
+            <a:extLst>
+              <a:ext uri="{FF2B5EF4-FFF2-40B4-BE49-F238E27FC236}">
+                <a16:creationId xmlns:a16="http://schemas.microsoft.com/office/drawing/2014/main" id="{A57B0FC8-3415-E14B-9BB2-D6E7CF94B348}"/>
+              </a:ext>
+            </a:extLst>
+          </p:cNvPr>
+          <p:cNvSpPr>
+            <a:spLocks noGrp="1"/>
+          </p:cNvSpPr>
+          <p:nvPr>
+            <p:ph sz="half" idx="2"/>
+          </p:nvPr>
+        </p:nvSpPr>
+        <p:spPr/>
+        <p:txBody>
+          <a:bodyPr>
+            <a:normAutofit lnSpcReduction="10000"/>
+          </a:bodyPr>
+          <a:lstStyle/>
+          <a:p>
+            <a:r>
+              <a:rPr lang="it-IT" dirty="0" err="1"/>
               <a:t>chmod</a:t>
             </a:r>
             <a:endParaRPr lang="it-IT" dirty="0"/>
@@ -11097,6 +11068,9 @@
             <a:pPr marL="0" indent="0">
               <a:buNone/>
             </a:pPr>
+            <a:endParaRPr lang="en-GB" dirty="0"/>
+          </a:p>
+          <a:p>
             <a:endParaRPr lang="en-GB" dirty="0"/>
           </a:p>
         </p:txBody>
@@ -11134,7 +11108,7 @@
     </p:spTree>
     <p:extLst>
       <p:ext uri="{BB962C8B-B14F-4D97-AF65-F5344CB8AC3E}">
-        <p14:creationId xmlns:p14="http://schemas.microsoft.com/office/powerpoint/2010/main" val="2446187403"/>
+        <p14:creationId xmlns:p14="http://schemas.microsoft.com/office/powerpoint/2010/main" val="1293737730"/>
       </p:ext>
     </p:extLst>
   </p:cSld>
@@ -11145,6 +11119,178 @@
 </file>
 
 <file path=ppt/slides/slide28.xml><?xml version="1.0" encoding="utf-8"?>
+<p:sld xmlns:a="http://schemas.openxmlformats.org/drawingml/2006/main" xmlns:r="http://schemas.openxmlformats.org/officeDocument/2006/relationships" xmlns:p="http://schemas.openxmlformats.org/presentationml/2006/main">
+  <p:cSld>
+    <p:spTree>
+      <p:nvGrpSpPr>
+        <p:cNvPr id="1" name=""/>
+        <p:cNvGrpSpPr/>
+        <p:nvPr/>
+      </p:nvGrpSpPr>
+      <p:grpSpPr>
+        <a:xfrm>
+          <a:off x="0" y="0"/>
+          <a:ext cx="0" cy="0"/>
+          <a:chOff x="0" y="0"/>
+          <a:chExt cx="0" cy="0"/>
+        </a:xfrm>
+      </p:grpSpPr>
+      <p:sp>
+        <p:nvSpPr>
+          <p:cNvPr id="2" name="Title 1">
+            <a:extLst>
+              <a:ext uri="{FF2B5EF4-FFF2-40B4-BE49-F238E27FC236}">
+                <a16:creationId xmlns:a16="http://schemas.microsoft.com/office/drawing/2014/main" id="{CABA61D1-CD46-4A4E-8AFD-FBD077E03AA9}"/>
+              </a:ext>
+            </a:extLst>
+          </p:cNvPr>
+          <p:cNvSpPr>
+            <a:spLocks noGrp="1"/>
+          </p:cNvSpPr>
+          <p:nvPr>
+            <p:ph type="title"/>
+          </p:nvPr>
+        </p:nvSpPr>
+        <p:spPr/>
+        <p:txBody>
+          <a:bodyPr/>
+          <a:lstStyle/>
+          <a:p>
+            <a:r>
+              <a:rPr lang="en-GB" dirty="0" err="1"/>
+              <a:t>Filtri</a:t>
+            </a:r>
+            <a:endParaRPr lang="en-GB" dirty="0"/>
+          </a:p>
+        </p:txBody>
+      </p:sp>
+      <p:sp>
+        <p:nvSpPr>
+          <p:cNvPr id="3" name="Content Placeholder 2">
+            <a:extLst>
+              <a:ext uri="{FF2B5EF4-FFF2-40B4-BE49-F238E27FC236}">
+                <a16:creationId xmlns:a16="http://schemas.microsoft.com/office/drawing/2014/main" id="{C3B6E020-EB4B-D94E-AE39-0906FB67289C}"/>
+              </a:ext>
+            </a:extLst>
+          </p:cNvPr>
+          <p:cNvSpPr>
+            <a:spLocks noGrp="1"/>
+          </p:cNvSpPr>
+          <p:nvPr>
+            <p:ph idx="1"/>
+          </p:nvPr>
+        </p:nvSpPr>
+        <p:spPr/>
+        <p:txBody>
+          <a:bodyPr/>
+          <a:lstStyle/>
+          <a:p>
+            <a:r>
+              <a:rPr lang="it-IT" dirty="0" err="1"/>
+              <a:t>grep</a:t>
+            </a:r>
+            <a:endParaRPr lang="it-IT" dirty="0"/>
+          </a:p>
+          <a:p>
+            <a:r>
+              <a:rPr lang="it-IT" dirty="0" err="1"/>
+              <a:t>sort</a:t>
+            </a:r>
+            <a:endParaRPr lang="it-IT" dirty="0"/>
+          </a:p>
+          <a:p>
+            <a:r>
+              <a:rPr lang="it-IT" dirty="0"/>
+              <a:t>head</a:t>
+            </a:r>
+          </a:p>
+          <a:p>
+            <a:r>
+              <a:rPr lang="it-IT" dirty="0" err="1"/>
+              <a:t>tail</a:t>
+            </a:r>
+            <a:endParaRPr lang="it-IT" dirty="0"/>
+          </a:p>
+          <a:p>
+            <a:r>
+              <a:rPr lang="it-IT" dirty="0" err="1"/>
+              <a:t>cut</a:t>
+            </a:r>
+            <a:endParaRPr lang="it-IT" dirty="0"/>
+          </a:p>
+          <a:p>
+            <a:r>
+              <a:rPr lang="it-IT" dirty="0"/>
+              <a:t>wc</a:t>
+            </a:r>
+          </a:p>
+          <a:p>
+            <a:r>
+              <a:rPr lang="it-IT" dirty="0" err="1"/>
+              <a:t>uniq</a:t>
+            </a:r>
+            <a:endParaRPr lang="it-IT" dirty="0"/>
+          </a:p>
+          <a:p>
+            <a:r>
+              <a:rPr lang="it-IT" dirty="0" err="1"/>
+              <a:t>sed</a:t>
+            </a:r>
+            <a:endParaRPr lang="it-IT" dirty="0"/>
+          </a:p>
+          <a:p>
+            <a:r>
+              <a:rPr lang="it-IT" dirty="0" err="1"/>
+              <a:t>awk</a:t>
+            </a:r>
+            <a:endParaRPr lang="en-GB" dirty="0"/>
+          </a:p>
+        </p:txBody>
+      </p:sp>
+      <p:sp>
+        <p:nvSpPr>
+          <p:cNvPr id="4" name="Slide Number Placeholder 3">
+            <a:extLst>
+              <a:ext uri="{FF2B5EF4-FFF2-40B4-BE49-F238E27FC236}">
+                <a16:creationId xmlns:a16="http://schemas.microsoft.com/office/drawing/2014/main" id="{5510DDF1-D539-3548-AA53-661349BB7AAC}"/>
+              </a:ext>
+            </a:extLst>
+          </p:cNvPr>
+          <p:cNvSpPr>
+            <a:spLocks noGrp="1"/>
+          </p:cNvSpPr>
+          <p:nvPr>
+            <p:ph type="sldNum" sz="quarter" idx="12"/>
+          </p:nvPr>
+        </p:nvSpPr>
+        <p:spPr/>
+        <p:txBody>
+          <a:bodyPr/>
+          <a:lstStyle/>
+          <a:p>
+            <a:fld id="{D2040F39-7941-49A4-B48D-F201B18B6351}" type="slidenum">
+              <a:rPr lang="it-IT" smtClean="0"/>
+              <a:pPr/>
+              <a:t>28</a:t>
+            </a:fld>
+            <a:endParaRPr lang="it-IT" dirty="0"/>
+          </a:p>
+        </p:txBody>
+      </p:sp>
+    </p:spTree>
+    <p:extLst>
+      <p:ext uri="{BB962C8B-B14F-4D97-AF65-F5344CB8AC3E}">
+        <p14:creationId xmlns:p14="http://schemas.microsoft.com/office/powerpoint/2010/main" val="1941950682"/>
+      </p:ext>
+    </p:extLst>
+  </p:cSld>
+  <p:clrMapOvr>
+    <a:masterClrMapping/>
+  </p:clrMapOvr>
+</p:sld>
+</file>
+
+<file path=ppt/slides/slide29.xml><?xml version="1.0" encoding="utf-8"?>
 <p:sld xmlns:a="http://schemas.openxmlformats.org/drawingml/2006/main" xmlns:r="http://schemas.openxmlformats.org/officeDocument/2006/relationships" xmlns:p="http://schemas.openxmlformats.org/presentationml/2006/main">
   <p:cSld>
     <p:spTree>
@@ -11280,7 +11426,7 @@
             <a:fld id="{D2040F39-7941-49A4-B48D-F201B18B6351}" type="slidenum">
               <a:rPr lang="it-IT" smtClean="0"/>
               <a:pPr/>
-              <a:t>28</a:t>
+              <a:t>29</a:t>
             </a:fld>
             <a:endParaRPr lang="it-IT" dirty="0"/>
           </a:p>
@@ -11290,186 +11436,6 @@
     <p:extLst>
       <p:ext uri="{BB962C8B-B14F-4D97-AF65-F5344CB8AC3E}">
         <p14:creationId xmlns:p14="http://schemas.microsoft.com/office/powerpoint/2010/main" val="2465282411"/>
-      </p:ext>
-    </p:extLst>
-  </p:cSld>
-  <p:clrMapOvr>
-    <a:masterClrMapping/>
-  </p:clrMapOvr>
-</p:sld>
-</file>
-
-<file path=ppt/slides/slide29.xml><?xml version="1.0" encoding="utf-8"?>
-<p:sld xmlns:a="http://schemas.openxmlformats.org/drawingml/2006/main" xmlns:r="http://schemas.openxmlformats.org/officeDocument/2006/relationships" xmlns:p="http://schemas.openxmlformats.org/presentationml/2006/main">
-  <p:cSld>
-    <p:spTree>
-      <p:nvGrpSpPr>
-        <p:cNvPr id="1" name=""/>
-        <p:cNvGrpSpPr/>
-        <p:nvPr/>
-      </p:nvGrpSpPr>
-      <p:grpSpPr>
-        <a:xfrm>
-          <a:off x="0" y="0"/>
-          <a:ext cx="0" cy="0"/>
-          <a:chOff x="0" y="0"/>
-          <a:chExt cx="0" cy="0"/>
-        </a:xfrm>
-      </p:grpSpPr>
-      <p:sp>
-        <p:nvSpPr>
-          <p:cNvPr id="2" name="Title 1">
-            <a:extLst>
-              <a:ext uri="{FF2B5EF4-FFF2-40B4-BE49-F238E27FC236}">
-                <a16:creationId xmlns:a16="http://schemas.microsoft.com/office/drawing/2014/main" id="{CABA61D1-CD46-4A4E-8AFD-FBD077E03AA9}"/>
-              </a:ext>
-            </a:extLst>
-          </p:cNvPr>
-          <p:cNvSpPr>
-            <a:spLocks noGrp="1"/>
-          </p:cNvSpPr>
-          <p:nvPr>
-            <p:ph type="title"/>
-          </p:nvPr>
-        </p:nvSpPr>
-        <p:spPr/>
-        <p:txBody>
-          <a:bodyPr/>
-          <a:lstStyle/>
-          <a:p>
-            <a:r>
-              <a:rPr lang="en-GB" dirty="0" err="1"/>
-              <a:t>Flussi</a:t>
-            </a:r>
-            <a:r>
-              <a:rPr lang="en-GB" dirty="0"/>
-              <a:t> </a:t>
-            </a:r>
-            <a:r>
-              <a:rPr lang="en-GB" dirty="0" err="1"/>
-              <a:t>dati</a:t>
-            </a:r>
-            <a:endParaRPr lang="en-GB" dirty="0"/>
-          </a:p>
-        </p:txBody>
-      </p:sp>
-      <p:sp>
-        <p:nvSpPr>
-          <p:cNvPr id="3" name="Content Placeholder 2">
-            <a:extLst>
-              <a:ext uri="{FF2B5EF4-FFF2-40B4-BE49-F238E27FC236}">
-                <a16:creationId xmlns:a16="http://schemas.microsoft.com/office/drawing/2014/main" id="{C3B6E020-EB4B-D94E-AE39-0906FB67289C}"/>
-              </a:ext>
-            </a:extLst>
-          </p:cNvPr>
-          <p:cNvSpPr>
-            <a:spLocks noGrp="1"/>
-          </p:cNvSpPr>
-          <p:nvPr>
-            <p:ph idx="1"/>
-          </p:nvPr>
-        </p:nvSpPr>
-        <p:spPr/>
-        <p:txBody>
-          <a:bodyPr/>
-          <a:lstStyle/>
-          <a:p>
-            <a:r>
-              <a:rPr lang="it-IT" dirty="0" err="1"/>
-              <a:t>grep</a:t>
-            </a:r>
-            <a:endParaRPr lang="it-IT" dirty="0"/>
-          </a:p>
-          <a:p>
-            <a:r>
-              <a:rPr lang="it-IT" dirty="0" err="1"/>
-              <a:t>sort</a:t>
-            </a:r>
-            <a:endParaRPr lang="it-IT" dirty="0"/>
-          </a:p>
-          <a:p>
-            <a:r>
-              <a:rPr lang="it-IT" dirty="0"/>
-              <a:t>head</a:t>
-            </a:r>
-          </a:p>
-          <a:p>
-            <a:r>
-              <a:rPr lang="it-IT" dirty="0" err="1"/>
-              <a:t>tail</a:t>
-            </a:r>
-            <a:endParaRPr lang="it-IT" dirty="0"/>
-          </a:p>
-          <a:p>
-            <a:r>
-              <a:rPr lang="it-IT" dirty="0" err="1"/>
-              <a:t>cut</a:t>
-            </a:r>
-            <a:endParaRPr lang="it-IT" dirty="0"/>
-          </a:p>
-          <a:p>
-            <a:r>
-              <a:rPr lang="it-IT" dirty="0"/>
-              <a:t>wc</a:t>
-            </a:r>
-          </a:p>
-          <a:p>
-            <a:r>
-              <a:rPr lang="it-IT" dirty="0" err="1"/>
-              <a:t>uniq</a:t>
-            </a:r>
-            <a:endParaRPr lang="it-IT" dirty="0"/>
-          </a:p>
-          <a:p>
-            <a:r>
-              <a:rPr lang="it-IT" dirty="0" err="1"/>
-              <a:t>sed</a:t>
-            </a:r>
-            <a:endParaRPr lang="it-IT" dirty="0"/>
-          </a:p>
-          <a:p>
-            <a:r>
-              <a:rPr lang="it-IT" dirty="0" err="1"/>
-              <a:t>awk</a:t>
-            </a:r>
-            <a:endParaRPr lang="en-GB" dirty="0"/>
-          </a:p>
-        </p:txBody>
-      </p:sp>
-      <p:sp>
-        <p:nvSpPr>
-          <p:cNvPr id="4" name="Slide Number Placeholder 3">
-            <a:extLst>
-              <a:ext uri="{FF2B5EF4-FFF2-40B4-BE49-F238E27FC236}">
-                <a16:creationId xmlns:a16="http://schemas.microsoft.com/office/drawing/2014/main" id="{5510DDF1-D539-3548-AA53-661349BB7AAC}"/>
-              </a:ext>
-            </a:extLst>
-          </p:cNvPr>
-          <p:cNvSpPr>
-            <a:spLocks noGrp="1"/>
-          </p:cNvSpPr>
-          <p:nvPr>
-            <p:ph type="sldNum" sz="quarter" idx="12"/>
-          </p:nvPr>
-        </p:nvSpPr>
-        <p:spPr/>
-        <p:txBody>
-          <a:bodyPr/>
-          <a:lstStyle/>
-          <a:p>
-            <a:fld id="{D2040F39-7941-49A4-B48D-F201B18B6351}" type="slidenum">
-              <a:rPr lang="it-IT" smtClean="0"/>
-              <a:pPr/>
-              <a:t>29</a:t>
-            </a:fld>
-            <a:endParaRPr lang="it-IT" dirty="0"/>
-          </a:p>
-        </p:txBody>
-      </p:sp>
-    </p:spTree>
-    <p:extLst>
-      <p:ext uri="{BB962C8B-B14F-4D97-AF65-F5344CB8AC3E}">
-        <p14:creationId xmlns:p14="http://schemas.microsoft.com/office/powerpoint/2010/main" val="1941950682"/>
       </p:ext>
     </p:extLst>
   </p:cSld>
@@ -11972,7 +11938,7 @@
           <p:cNvPr id="2" name="Title 1">
             <a:extLst>
               <a:ext uri="{FF2B5EF4-FFF2-40B4-BE49-F238E27FC236}">
-                <a16:creationId xmlns:a16="http://schemas.microsoft.com/office/drawing/2014/main" id="{D0CCD925-C1A0-F642-A549-A5CE88573BDB}"/>
+                <a16:creationId xmlns:a16="http://schemas.microsoft.com/office/drawing/2014/main" id="{FE0CC6C3-07E4-1B40-B646-207EF6AE765F}"/>
               </a:ext>
             </a:extLst>
           </p:cNvPr>
@@ -11990,7 +11956,7 @@
           <a:p>
             <a:r>
               <a:rPr lang="en-GB" dirty="0" err="1"/>
-              <a:t>Varie</a:t>
+              <a:t>Compressione</a:t>
             </a:r>
             <a:endParaRPr lang="en-GB" dirty="0"/>
           </a:p>
@@ -12001,7 +11967,7 @@
           <p:cNvPr id="3" name="Content Placeholder 2">
             <a:extLst>
               <a:ext uri="{FF2B5EF4-FFF2-40B4-BE49-F238E27FC236}">
-                <a16:creationId xmlns:a16="http://schemas.microsoft.com/office/drawing/2014/main" id="{147BF2A9-EC59-0B45-9201-FA3105C7DB57}"/>
+                <a16:creationId xmlns:a16="http://schemas.microsoft.com/office/drawing/2014/main" id="{102F8CF8-6DEA-6D4D-BE1F-A3219A12F9B0}"/>
               </a:ext>
             </a:extLst>
           </p:cNvPr>
@@ -12019,14 +11985,24 @@
           <a:p>
             <a:r>
               <a:rPr lang="en-GB" dirty="0"/>
-              <a:t>echo</a:t>
-            </a:r>
+              <a:t>tar</a:t>
+            </a:r>
+          </a:p>
+          <a:p>
+            <a:r>
+              <a:rPr lang="en-GB" dirty="0" err="1"/>
+              <a:t>gzip</a:t>
+            </a:r>
+            <a:endParaRPr lang="en-GB" dirty="0"/>
           </a:p>
           <a:p>
             <a:r>
               <a:rPr lang="en-GB" dirty="0"/>
-              <a:t>expr</a:t>
-            </a:r>
+              <a:t>bzip2</a:t>
+            </a:r>
+          </a:p>
+          <a:p>
+            <a:endParaRPr lang="en-GB" dirty="0"/>
           </a:p>
         </p:txBody>
       </p:sp>
@@ -12035,7 +12011,7 @@
           <p:cNvPr id="4" name="Slide Number Placeholder 3">
             <a:extLst>
               <a:ext uri="{FF2B5EF4-FFF2-40B4-BE49-F238E27FC236}">
-                <a16:creationId xmlns:a16="http://schemas.microsoft.com/office/drawing/2014/main" id="{89AD045C-1D95-554F-8BEA-51326108809B}"/>
+                <a16:creationId xmlns:a16="http://schemas.microsoft.com/office/drawing/2014/main" id="{28219D2A-AB9D-4E46-B9B6-2F7E11A60DB8}"/>
               </a:ext>
             </a:extLst>
           </p:cNvPr>
@@ -12063,7 +12039,7 @@
     </p:spTree>
     <p:extLst>
       <p:ext uri="{BB962C8B-B14F-4D97-AF65-F5344CB8AC3E}">
-        <p14:creationId xmlns:p14="http://schemas.microsoft.com/office/powerpoint/2010/main" val="4202306555"/>
+        <p14:creationId xmlns:p14="http://schemas.microsoft.com/office/powerpoint/2010/main" val="2461464390"/>
       </p:ext>
     </p:extLst>
   </p:cSld>
@@ -12095,7 +12071,7 @@
           <p:cNvPr id="2" name="Title 1">
             <a:extLst>
               <a:ext uri="{FF2B5EF4-FFF2-40B4-BE49-F238E27FC236}">
-                <a16:creationId xmlns:a16="http://schemas.microsoft.com/office/drawing/2014/main" id="{FE0CC6C3-07E4-1B40-B646-207EF6AE765F}"/>
+                <a16:creationId xmlns:a16="http://schemas.microsoft.com/office/drawing/2014/main" id="{D0CCD925-C1A0-F642-A549-A5CE88573BDB}"/>
               </a:ext>
             </a:extLst>
           </p:cNvPr>
@@ -12113,7 +12089,7 @@
           <a:p>
             <a:r>
               <a:rPr lang="en-GB" dirty="0" err="1"/>
-              <a:t>Compressione</a:t>
+              <a:t>Varie</a:t>
             </a:r>
             <a:endParaRPr lang="en-GB" dirty="0"/>
           </a:p>
@@ -12124,7 +12100,7 @@
           <p:cNvPr id="3" name="Content Placeholder 2">
             <a:extLst>
               <a:ext uri="{FF2B5EF4-FFF2-40B4-BE49-F238E27FC236}">
-                <a16:creationId xmlns:a16="http://schemas.microsoft.com/office/drawing/2014/main" id="{102F8CF8-6DEA-6D4D-BE1F-A3219A12F9B0}"/>
+                <a16:creationId xmlns:a16="http://schemas.microsoft.com/office/drawing/2014/main" id="{147BF2A9-EC59-0B45-9201-FA3105C7DB57}"/>
               </a:ext>
             </a:extLst>
           </p:cNvPr>
@@ -12142,24 +12118,14 @@
           <a:p>
             <a:r>
               <a:rPr lang="en-GB" dirty="0"/>
-              <a:t>tar</a:t>
-            </a:r>
-          </a:p>
-          <a:p>
-            <a:r>
-              <a:rPr lang="en-GB" dirty="0" err="1"/>
-              <a:t>gzip</a:t>
-            </a:r>
-            <a:endParaRPr lang="en-GB" dirty="0"/>
+              <a:t>echo</a:t>
+            </a:r>
           </a:p>
           <a:p>
             <a:r>
               <a:rPr lang="en-GB" dirty="0"/>
-              <a:t>bzip2</a:t>
-            </a:r>
-          </a:p>
-          <a:p>
-            <a:endParaRPr lang="en-GB" dirty="0"/>
+              <a:t>expr</a:t>
+            </a:r>
           </a:p>
         </p:txBody>
       </p:sp>
@@ -12168,7 +12134,7 @@
           <p:cNvPr id="4" name="Slide Number Placeholder 3">
             <a:extLst>
               <a:ext uri="{FF2B5EF4-FFF2-40B4-BE49-F238E27FC236}">
-                <a16:creationId xmlns:a16="http://schemas.microsoft.com/office/drawing/2014/main" id="{28219D2A-AB9D-4E46-B9B6-2F7E11A60DB8}"/>
+                <a16:creationId xmlns:a16="http://schemas.microsoft.com/office/drawing/2014/main" id="{89AD045C-1D95-554F-8BEA-51326108809B}"/>
               </a:ext>
             </a:extLst>
           </p:cNvPr>
@@ -12196,7 +12162,7 @@
     </p:spTree>
     <p:extLst>
       <p:ext uri="{BB962C8B-B14F-4D97-AF65-F5344CB8AC3E}">
-        <p14:creationId xmlns:p14="http://schemas.microsoft.com/office/powerpoint/2010/main" val="2461464390"/>
+        <p14:creationId xmlns:p14="http://schemas.microsoft.com/office/powerpoint/2010/main" val="4202306555"/>
       </p:ext>
     </p:extLst>
   </p:cSld>

--- a/slides/ppt/03_Bash Scripting.pptx
+++ b/slides/ppt/03_Bash Scripting.pptx
@@ -5,7 +5,7 @@
     <p:sldMasterId id="2147483672" r:id="rId1"/>
   </p:sldMasterIdLst>
   <p:notesMasterIdLst>
-    <p:notesMasterId r:id="rId31"/>
+    <p:notesMasterId r:id="rId34"/>
   </p:notesMasterIdLst>
   <p:sldIdLst>
     <p:sldId id="256" r:id="rId2"/>
@@ -35,8 +35,11 @@
     <p:sldId id="438" r:id="rId26"/>
     <p:sldId id="450" r:id="rId27"/>
     <p:sldId id="444" r:id="rId28"/>
-    <p:sldId id="442" r:id="rId29"/>
-    <p:sldId id="443" r:id="rId30"/>
+    <p:sldId id="452" r:id="rId29"/>
+    <p:sldId id="453" r:id="rId30"/>
+    <p:sldId id="451" r:id="rId31"/>
+    <p:sldId id="442" r:id="rId32"/>
+    <p:sldId id="443" r:id="rId33"/>
   </p:sldIdLst>
   <p:sldSz cx="9144000" cy="6858000" type="screen4x3"/>
   <p:notesSz cx="6858000" cy="9144000"/>
@@ -237,7 +240,7 @@
             <a:fld id="{BAEB7694-8561-4BE2-948D-EDF7A201F8BB}" type="datetimeFigureOut">
               <a:rPr lang="it-IT" smtClean="0"/>
               <a:pPr/>
-              <a:t>26/03/20</a:t>
+              <a:t>27/03/20</a:t>
             </a:fld>
             <a:endParaRPr lang="it-IT"/>
           </a:p>
@@ -5819,7 +5822,26 @@
                 <a:latin typeface="Consolas" panose="020B0609020204030204" pitchFamily="49" charset="0"/>
                 <a:cs typeface="Consolas" panose="020B0609020204030204" pitchFamily="49" charset="0"/>
               </a:rPr>
-              <a:t> test </a:t>
+              <a:t> </a:t>
+            </a:r>
+            <a:r>
+              <a:rPr lang="en-GB" sz="2000" dirty="0">
+                <a:solidFill>
+                  <a:schemeClr val="accent6">
+                    <a:lumMod val="75000"/>
+                  </a:schemeClr>
+                </a:solidFill>
+                <a:latin typeface="Consolas" panose="020B0609020204030204" pitchFamily="49" charset="0"/>
+                <a:cs typeface="Consolas" panose="020B0609020204030204" pitchFamily="49" charset="0"/>
+              </a:rPr>
+              <a:t>test</a:t>
+            </a:r>
+            <a:r>
+              <a:rPr lang="en-GB" sz="2000" dirty="0">
+                <a:latin typeface="Consolas" panose="020B0609020204030204" pitchFamily="49" charset="0"/>
+                <a:cs typeface="Consolas" panose="020B0609020204030204" pitchFamily="49" charset="0"/>
+              </a:rPr>
+              <a:t> </a:t>
             </a:r>
             <a:r>
               <a:rPr lang="en-GB" sz="2000" dirty="0" err="1">
@@ -13009,13 +13031,8 @@
           <a:p>
             <a:r>
               <a:rPr lang="it-IT" dirty="0"/>
-              <a:t>Best </a:t>
-            </a:r>
-            <a:r>
-              <a:rPr lang="it-IT" dirty="0" err="1"/>
-              <a:t>Practices</a:t>
-            </a:r>
-            <a:endParaRPr lang="it-IT" dirty="0"/>
+              <a:t>Arrays</a:t>
+            </a:r>
           </a:p>
         </p:txBody>
       </p:sp>
@@ -13051,10 +13068,10 @@
       </p:grpSpPr>
       <p:sp>
         <p:nvSpPr>
-          <p:cNvPr id="6" name="Title 5">
+          <p:cNvPr id="2" name="Title 1">
             <a:extLst>
               <a:ext uri="{FF2B5EF4-FFF2-40B4-BE49-F238E27FC236}">
-                <a16:creationId xmlns:a16="http://schemas.microsoft.com/office/drawing/2014/main" id="{93B44130-F4F1-DA47-AB6D-67C33825DC3B}"/>
+                <a16:creationId xmlns:a16="http://schemas.microsoft.com/office/drawing/2014/main" id="{2849386F-9B7D-6545-B296-970AA36530B3}"/>
               </a:ext>
             </a:extLst>
           </p:cNvPr>
@@ -13072,21 +13089,18 @@
           <a:p>
             <a:r>
               <a:rPr lang="en-GB" dirty="0" err="1"/>
-              <a:t>Struttura</a:t>
-            </a:r>
-            <a:r>
-              <a:rPr lang="en-GB" dirty="0"/>
-              <a:t> script</a:t>
-            </a:r>
+              <a:t>Definizioni</a:t>
+            </a:r>
+            <a:endParaRPr lang="en-GB" dirty="0"/>
           </a:p>
         </p:txBody>
       </p:sp>
       <p:sp>
         <p:nvSpPr>
-          <p:cNvPr id="7" name="Content Placeholder 6">
+          <p:cNvPr id="3" name="Content Placeholder 2">
             <a:extLst>
               <a:ext uri="{FF2B5EF4-FFF2-40B4-BE49-F238E27FC236}">
-                <a16:creationId xmlns:a16="http://schemas.microsoft.com/office/drawing/2014/main" id="{F3346B34-A549-C945-8B7B-3871E3018006}"/>
+                <a16:creationId xmlns:a16="http://schemas.microsoft.com/office/drawing/2014/main" id="{70EE36AA-8A09-5F43-91A7-2EF25C3E9A68}"/>
               </a:ext>
             </a:extLst>
           </p:cNvPr>
@@ -13094,849 +13108,651 @@
             <a:spLocks noGrp="1"/>
           </p:cNvSpPr>
           <p:nvPr>
-            <p:ph sz="half" idx="1"/>
+            <p:ph idx="1"/>
           </p:nvPr>
         </p:nvSpPr>
         <p:spPr/>
         <p:txBody>
           <a:bodyPr>
-            <a:normAutofit fontScale="47500" lnSpcReduction="20000"/>
+            <a:normAutofit/>
           </a:bodyPr>
           <a:lstStyle/>
           <a:p>
-            <a:r>
-              <a:rPr lang="en-GB" sz="5100" dirty="0" err="1"/>
-              <a:t>Nello</a:t>
-            </a:r>
-            <a:r>
-              <a:rPr lang="en-GB" sz="5100" dirty="0"/>
+            <a:pPr marL="0" indent="0">
+              <a:buNone/>
+            </a:pPr>
+            <a:r>
+              <a:rPr lang="en-GB" sz="1800" dirty="0">
+                <a:latin typeface="Consolas" panose="020B0609020204030204" pitchFamily="49" charset="0"/>
+                <a:cs typeface="Consolas" panose="020B0609020204030204" pitchFamily="49" charset="0"/>
+              </a:rPr>
+              <a:t>$ </a:t>
+            </a:r>
+            <a:r>
+              <a:rPr lang="en-GB" sz="1800" dirty="0" err="1">
+                <a:latin typeface="Consolas" panose="020B0609020204030204" pitchFamily="49" charset="0"/>
+                <a:cs typeface="Consolas" panose="020B0609020204030204" pitchFamily="49" charset="0"/>
+              </a:rPr>
+              <a:t>arr</a:t>
+            </a:r>
+            <a:r>
+              <a:rPr lang="en-GB" sz="1800" dirty="0">
+                <a:latin typeface="Consolas" panose="020B0609020204030204" pitchFamily="49" charset="0"/>
+                <a:cs typeface="Consolas" panose="020B0609020204030204" pitchFamily="49" charset="0"/>
+              </a:rPr>
+              <a:t>=()               # array </a:t>
+            </a:r>
+            <a:r>
+              <a:rPr lang="en-GB" sz="1800" dirty="0" err="1">
+                <a:latin typeface="Consolas" panose="020B0609020204030204" pitchFamily="49" charset="0"/>
+                <a:cs typeface="Consolas" panose="020B0609020204030204" pitchFamily="49" charset="0"/>
+              </a:rPr>
+              <a:t>definito</a:t>
+            </a:r>
+            <a:r>
+              <a:rPr lang="en-GB" sz="1800" dirty="0">
+                <a:latin typeface="Consolas" panose="020B0609020204030204" pitchFamily="49" charset="0"/>
+                <a:cs typeface="Consolas" panose="020B0609020204030204" pitchFamily="49" charset="0"/>
+              </a:rPr>
               <a:t> </a:t>
             </a:r>
             <a:r>
-              <a:rPr lang="en-GB" sz="5100" dirty="0" err="1"/>
-              <a:t>sviluppo</a:t>
-            </a:r>
-            <a:r>
-              <a:rPr lang="en-GB" sz="5100" dirty="0"/>
-              <a:t> di script </a:t>
-            </a:r>
-            <a:r>
-              <a:rPr lang="en-GB" sz="5100" dirty="0" err="1"/>
-              <a:t>è</a:t>
-            </a:r>
-            <a:r>
-              <a:rPr lang="en-GB" sz="5100" dirty="0"/>
+              <a:rPr lang="en-GB" sz="1800" dirty="0" err="1">
+                <a:latin typeface="Consolas" panose="020B0609020204030204" pitchFamily="49" charset="0"/>
+                <a:cs typeface="Consolas" panose="020B0609020204030204" pitchFamily="49" charset="0"/>
+              </a:rPr>
+              <a:t>vuoto</a:t>
+            </a:r>
+            <a:endParaRPr lang="en-GB" sz="1800" dirty="0">
+              <a:latin typeface="Consolas" panose="020B0609020204030204" pitchFamily="49" charset="0"/>
+              <a:cs typeface="Consolas" panose="020B0609020204030204" pitchFamily="49" charset="0"/>
+            </a:endParaRPr>
+          </a:p>
+          <a:p>
+            <a:pPr marL="0" indent="0">
+              <a:buNone/>
+            </a:pPr>
+            <a:r>
+              <a:rPr lang="en-GB" sz="1800" dirty="0">
+                <a:latin typeface="Consolas" panose="020B0609020204030204" pitchFamily="49" charset="0"/>
+                <a:cs typeface="Consolas" panose="020B0609020204030204" pitchFamily="49" charset="0"/>
+              </a:rPr>
+              <a:t>$ </a:t>
+            </a:r>
+            <a:r>
+              <a:rPr lang="en-GB" sz="1800" dirty="0" err="1">
+                <a:latin typeface="Consolas" panose="020B0609020204030204" pitchFamily="49" charset="0"/>
+                <a:cs typeface="Consolas" panose="020B0609020204030204" pitchFamily="49" charset="0"/>
+              </a:rPr>
+              <a:t>arr</a:t>
+            </a:r>
+            <a:r>
+              <a:rPr lang="en-GB" sz="1800" dirty="0">
+                <a:latin typeface="Consolas" panose="020B0609020204030204" pitchFamily="49" charset="0"/>
+                <a:cs typeface="Consolas" panose="020B0609020204030204" pitchFamily="49" charset="0"/>
+              </a:rPr>
+              <a:t>=(1 2 3)          # array </a:t>
+            </a:r>
+            <a:r>
+              <a:rPr lang="en-GB" sz="1800" dirty="0" err="1">
+                <a:latin typeface="Consolas" panose="020B0609020204030204" pitchFamily="49" charset="0"/>
+                <a:cs typeface="Consolas" panose="020B0609020204030204" pitchFamily="49" charset="0"/>
+              </a:rPr>
+              <a:t>definito</a:t>
+            </a:r>
+            <a:r>
+              <a:rPr lang="en-GB" sz="1800" dirty="0">
+                <a:latin typeface="Consolas" panose="020B0609020204030204" pitchFamily="49" charset="0"/>
+                <a:cs typeface="Consolas" panose="020B0609020204030204" pitchFamily="49" charset="0"/>
+              </a:rPr>
+              <a:t> con </a:t>
+            </a:r>
+            <a:r>
+              <a:rPr lang="en-GB" sz="1800" dirty="0" err="1">
+                <a:latin typeface="Consolas" panose="020B0609020204030204" pitchFamily="49" charset="0"/>
+                <a:cs typeface="Consolas" panose="020B0609020204030204" pitchFamily="49" charset="0"/>
+              </a:rPr>
+              <a:t>valori</a:t>
+            </a:r>
+            <a:r>
+              <a:rPr lang="en-GB" sz="1800" dirty="0">
+                <a:latin typeface="Consolas" panose="020B0609020204030204" pitchFamily="49" charset="0"/>
+                <a:cs typeface="Consolas" panose="020B0609020204030204" pitchFamily="49" charset="0"/>
+              </a:rPr>
               <a:t> </a:t>
             </a:r>
             <a:r>
-              <a:rPr lang="en-GB" sz="5100" dirty="0" err="1"/>
-              <a:t>buona</a:t>
-            </a:r>
-            <a:r>
-              <a:rPr lang="en-GB" sz="5100" dirty="0"/>
+              <a:rPr lang="en-GB" sz="1800" dirty="0" err="1">
+                <a:latin typeface="Consolas" panose="020B0609020204030204" pitchFamily="49" charset="0"/>
+                <a:cs typeface="Consolas" panose="020B0609020204030204" pitchFamily="49" charset="0"/>
+              </a:rPr>
+              <a:t>all’intero</a:t>
+            </a:r>
+            <a:endParaRPr lang="en-GB" sz="1800" dirty="0">
+              <a:latin typeface="Consolas" panose="020B0609020204030204" pitchFamily="49" charset="0"/>
+              <a:cs typeface="Consolas" panose="020B0609020204030204" pitchFamily="49" charset="0"/>
+            </a:endParaRPr>
+          </a:p>
+          <a:p>
+            <a:pPr marL="0" indent="0">
+              <a:buNone/>
+            </a:pPr>
+            <a:r>
+              <a:rPr lang="en-GB" sz="1800" dirty="0">
+                <a:latin typeface="Consolas" panose="020B0609020204030204" pitchFamily="49" charset="0"/>
+                <a:cs typeface="Consolas" panose="020B0609020204030204" pitchFamily="49" charset="0"/>
+              </a:rPr>
+              <a:t>$ </a:t>
+            </a:r>
+            <a:r>
+              <a:rPr lang="en-GB" sz="1800" dirty="0" err="1">
+                <a:latin typeface="Consolas" panose="020B0609020204030204" pitchFamily="49" charset="0"/>
+                <a:cs typeface="Consolas" panose="020B0609020204030204" pitchFamily="49" charset="0"/>
+              </a:rPr>
+              <a:t>arr</a:t>
+            </a:r>
+            <a:r>
+              <a:rPr lang="en-GB" sz="1800" dirty="0">
+                <a:latin typeface="Consolas" panose="020B0609020204030204" pitchFamily="49" charset="0"/>
+                <a:cs typeface="Consolas" panose="020B0609020204030204" pitchFamily="49" charset="0"/>
+              </a:rPr>
+              <a:t>+=(4 5)           # </a:t>
+            </a:r>
+            <a:r>
+              <a:rPr lang="en-GB" sz="1800" dirty="0" err="1">
+                <a:latin typeface="Consolas" panose="020B0609020204030204" pitchFamily="49" charset="0"/>
+                <a:cs typeface="Consolas" panose="020B0609020204030204" pitchFamily="49" charset="0"/>
+              </a:rPr>
+              <a:t>aggiunge</a:t>
+            </a:r>
+            <a:r>
+              <a:rPr lang="en-GB" sz="1800" dirty="0">
+                <a:latin typeface="Consolas" panose="020B0609020204030204" pitchFamily="49" charset="0"/>
+                <a:cs typeface="Consolas" panose="020B0609020204030204" pitchFamily="49" charset="0"/>
+              </a:rPr>
               <a:t> </a:t>
             </a:r>
             <a:r>
-              <a:rPr lang="en-GB" sz="5100" dirty="0" err="1"/>
-              <a:t>norma</a:t>
-            </a:r>
-            <a:r>
-              <a:rPr lang="en-GB" sz="5100" dirty="0"/>
-              <a:t> (</a:t>
-            </a:r>
-            <a:r>
-              <a:rPr lang="en-GB" sz="5100" i="1" dirty="0"/>
-              <a:t>best practice</a:t>
-            </a:r>
-            <a:r>
-              <a:rPr lang="en-GB" sz="5100" dirty="0"/>
-              <a:t>) </a:t>
-            </a:r>
-            <a:r>
-              <a:rPr lang="en-GB" sz="5100" dirty="0" err="1"/>
-              <a:t>aderire</a:t>
-            </a:r>
-            <a:r>
-              <a:rPr lang="en-GB" sz="5100" dirty="0"/>
-              <a:t> ad un </a:t>
-            </a:r>
-            <a:r>
-              <a:rPr lang="en-GB" sz="5100" dirty="0" err="1"/>
-              <a:t>canovaccio</a:t>
-            </a:r>
-            <a:r>
-              <a:rPr lang="en-GB" sz="5100" dirty="0"/>
+              <a:rPr lang="en-GB" sz="1800" dirty="0" err="1">
+                <a:latin typeface="Consolas" panose="020B0609020204030204" pitchFamily="49" charset="0"/>
+                <a:cs typeface="Consolas" panose="020B0609020204030204" pitchFamily="49" charset="0"/>
+              </a:rPr>
+              <a:t>valori</a:t>
+            </a:r>
+            <a:r>
+              <a:rPr lang="en-GB" sz="1800" dirty="0">
+                <a:latin typeface="Consolas" panose="020B0609020204030204" pitchFamily="49" charset="0"/>
+                <a:cs typeface="Consolas" panose="020B0609020204030204" pitchFamily="49" charset="0"/>
+              </a:rPr>
+              <a:t> ad array </a:t>
+            </a:r>
+            <a:r>
+              <a:rPr lang="en-GB" sz="1800" dirty="0" err="1">
+                <a:latin typeface="Consolas" panose="020B0609020204030204" pitchFamily="49" charset="0"/>
+                <a:cs typeface="Consolas" panose="020B0609020204030204" pitchFamily="49" charset="0"/>
+              </a:rPr>
+              <a:t>esistente</a:t>
+            </a:r>
+            <a:endParaRPr lang="en-GB" sz="1800" dirty="0">
+              <a:latin typeface="Consolas" panose="020B0609020204030204" pitchFamily="49" charset="0"/>
+              <a:cs typeface="Consolas" panose="020B0609020204030204" pitchFamily="49" charset="0"/>
+            </a:endParaRPr>
+          </a:p>
+          <a:p>
+            <a:pPr marL="0" indent="0">
+              <a:buNone/>
+            </a:pPr>
+            <a:r>
+              <a:rPr lang="en-GB" sz="1800" dirty="0">
+                <a:latin typeface="Consolas" panose="020B0609020204030204" pitchFamily="49" charset="0"/>
+                <a:cs typeface="Consolas" panose="020B0609020204030204" pitchFamily="49" charset="0"/>
+              </a:rPr>
+              <a:t>$ </a:t>
+            </a:r>
+            <a:r>
+              <a:rPr lang="en-GB" sz="1800" dirty="0" err="1">
+                <a:latin typeface="Consolas" panose="020B0609020204030204" pitchFamily="49" charset="0"/>
+                <a:cs typeface="Consolas" panose="020B0609020204030204" pitchFamily="49" charset="0"/>
+              </a:rPr>
+              <a:t>arr</a:t>
+            </a:r>
+            <a:r>
+              <a:rPr lang="en-GB" sz="1800" dirty="0">
+                <a:latin typeface="Consolas" panose="020B0609020204030204" pitchFamily="49" charset="0"/>
+                <a:cs typeface="Consolas" panose="020B0609020204030204" pitchFamily="49" charset="0"/>
+              </a:rPr>
+              <a:t>[0]=3             # </a:t>
+            </a:r>
+            <a:r>
+              <a:rPr lang="en-GB" sz="1800" dirty="0" err="1">
+                <a:latin typeface="Consolas" panose="020B0609020204030204" pitchFamily="49" charset="0"/>
+                <a:cs typeface="Consolas" panose="020B0609020204030204" pitchFamily="49" charset="0"/>
+              </a:rPr>
+              <a:t>sovrascrive</a:t>
+            </a:r>
+            <a:r>
+              <a:rPr lang="en-GB" sz="1800" dirty="0">
+                <a:latin typeface="Consolas" panose="020B0609020204030204" pitchFamily="49" charset="0"/>
+                <a:cs typeface="Consolas" panose="020B0609020204030204" pitchFamily="49" charset="0"/>
+              </a:rPr>
               <a:t> </a:t>
             </a:r>
             <a:r>
-              <a:rPr lang="en-GB" sz="5100" dirty="0" err="1"/>
-              <a:t>noto</a:t>
-            </a:r>
-            <a:r>
-              <a:rPr lang="en-GB" sz="5100" dirty="0"/>
-              <a:t> e </a:t>
-            </a:r>
-            <a:r>
-              <a:rPr lang="en-GB" sz="5100" dirty="0" err="1"/>
-              <a:t>consolidato</a:t>
-            </a:r>
-            <a:endParaRPr lang="en-GB" sz="5100" dirty="0"/>
-          </a:p>
-          <a:p>
-            <a:endParaRPr lang="en-GB" sz="5100" dirty="0"/>
-          </a:p>
-          <a:p>
-            <a:r>
-              <a:rPr lang="en-GB" sz="5100" dirty="0" err="1">
-                <a:solidFill>
-                  <a:schemeClr val="accent6">
-                    <a:lumMod val="75000"/>
-                  </a:schemeClr>
-                </a:solidFill>
-              </a:rPr>
-              <a:t>Definizione</a:t>
-            </a:r>
-            <a:r>
-              <a:rPr lang="en-GB" sz="5100" dirty="0">
-                <a:solidFill>
-                  <a:schemeClr val="accent6">
-                    <a:lumMod val="75000"/>
-                  </a:schemeClr>
-                </a:solidFill>
+              <a:rPr lang="en-GB" sz="1800" dirty="0" err="1">
+                <a:latin typeface="Consolas" panose="020B0609020204030204" pitchFamily="49" charset="0"/>
+                <a:cs typeface="Consolas" panose="020B0609020204030204" pitchFamily="49" charset="0"/>
+              </a:rPr>
+              <a:t>valore</a:t>
+            </a:r>
+            <a:r>
+              <a:rPr lang="en-GB" sz="1800" dirty="0">
+                <a:latin typeface="Consolas" panose="020B0609020204030204" pitchFamily="49" charset="0"/>
+                <a:cs typeface="Consolas" panose="020B0609020204030204" pitchFamily="49" charset="0"/>
+              </a:rPr>
+              <a:t> di </a:t>
+            </a:r>
+            <a:r>
+              <a:rPr lang="en-GB" sz="1800" dirty="0" err="1">
+                <a:latin typeface="Consolas" panose="020B0609020204030204" pitchFamily="49" charset="0"/>
+                <a:cs typeface="Consolas" panose="020B0609020204030204" pitchFamily="49" charset="0"/>
+              </a:rPr>
+              <a:t>indice</a:t>
+            </a:r>
+            <a:r>
+              <a:rPr lang="en-GB" sz="1800" dirty="0">
+                <a:latin typeface="Consolas" panose="020B0609020204030204" pitchFamily="49" charset="0"/>
+                <a:cs typeface="Consolas" panose="020B0609020204030204" pitchFamily="49" charset="0"/>
+              </a:rPr>
+              <a:t> 0</a:t>
+            </a:r>
+          </a:p>
+          <a:p>
+            <a:pPr marL="0" indent="0">
+              <a:buNone/>
+            </a:pPr>
+            <a:r>
+              <a:rPr lang="en-GB" sz="1800" dirty="0">
+                <a:latin typeface="Consolas" panose="020B0609020204030204" pitchFamily="49" charset="0"/>
+                <a:cs typeface="Consolas" panose="020B0609020204030204" pitchFamily="49" charset="0"/>
+              </a:rPr>
+              <a:t>$ echo ${</a:t>
+            </a:r>
+            <a:r>
+              <a:rPr lang="en-GB" sz="1800" dirty="0" err="1">
+                <a:latin typeface="Consolas" panose="020B0609020204030204" pitchFamily="49" charset="0"/>
+                <a:cs typeface="Consolas" panose="020B0609020204030204" pitchFamily="49" charset="0"/>
+              </a:rPr>
+              <a:t>arr</a:t>
+            </a:r>
+            <a:r>
+              <a:rPr lang="en-GB" sz="1800" dirty="0">
+                <a:latin typeface="Consolas" panose="020B0609020204030204" pitchFamily="49" charset="0"/>
+                <a:cs typeface="Consolas" panose="020B0609020204030204" pitchFamily="49" charset="0"/>
+              </a:rPr>
+              <a:t>[@]}       # </a:t>
+            </a:r>
+            <a:r>
+              <a:rPr lang="en-GB" sz="1800" dirty="0" err="1">
+                <a:latin typeface="Consolas" panose="020B0609020204030204" pitchFamily="49" charset="0"/>
+                <a:cs typeface="Consolas" panose="020B0609020204030204" pitchFamily="49" charset="0"/>
+              </a:rPr>
+              <a:t>mostra</a:t>
+            </a:r>
+            <a:r>
+              <a:rPr lang="en-GB" sz="1800" dirty="0">
+                <a:latin typeface="Consolas" panose="020B0609020204030204" pitchFamily="49" charset="0"/>
+                <a:cs typeface="Consolas" panose="020B0609020204030204" pitchFamily="49" charset="0"/>
               </a:rPr>
               <a:t> </a:t>
             </a:r>
             <a:r>
-              <a:rPr lang="en-GB" sz="5100" dirty="0" err="1">
-                <a:solidFill>
-                  <a:schemeClr val="accent6">
-                    <a:lumMod val="75000"/>
-                  </a:schemeClr>
-                </a:solidFill>
-              </a:rPr>
-              <a:t>interprete</a:t>
-            </a:r>
-            <a:endParaRPr lang="en-GB" sz="5100" dirty="0">
-              <a:solidFill>
-                <a:schemeClr val="accent6">
-                  <a:lumMod val="75000"/>
-                </a:schemeClr>
-              </a:solidFill>
+              <a:rPr lang="en-GB" sz="1800" dirty="0" err="1">
+                <a:latin typeface="Consolas" panose="020B0609020204030204" pitchFamily="49" charset="0"/>
+                <a:cs typeface="Consolas" panose="020B0609020204030204" pitchFamily="49" charset="0"/>
+              </a:rPr>
+              <a:t>i</a:t>
+            </a:r>
+            <a:r>
+              <a:rPr lang="en-GB" sz="1800" dirty="0">
+                <a:latin typeface="Consolas" panose="020B0609020204030204" pitchFamily="49" charset="0"/>
+                <a:cs typeface="Consolas" panose="020B0609020204030204" pitchFamily="49" charset="0"/>
+              </a:rPr>
+              <a:t> </a:t>
+            </a:r>
+            <a:r>
+              <a:rPr lang="en-GB" sz="1800" dirty="0" err="1">
+                <a:latin typeface="Consolas" panose="020B0609020204030204" pitchFamily="49" charset="0"/>
+                <a:cs typeface="Consolas" panose="020B0609020204030204" pitchFamily="49" charset="0"/>
+              </a:rPr>
+              <a:t>valori</a:t>
+            </a:r>
+            <a:r>
+              <a:rPr lang="en-GB" sz="1800" dirty="0">
+                <a:latin typeface="Consolas" panose="020B0609020204030204" pitchFamily="49" charset="0"/>
+                <a:cs typeface="Consolas" panose="020B0609020204030204" pitchFamily="49" charset="0"/>
+              </a:rPr>
+              <a:t> </a:t>
+            </a:r>
+            <a:r>
+              <a:rPr lang="en-GB" sz="1800" dirty="0" err="1">
+                <a:latin typeface="Consolas" panose="020B0609020204030204" pitchFamily="49" charset="0"/>
+                <a:cs typeface="Consolas" panose="020B0609020204030204" pitchFamily="49" charset="0"/>
+              </a:rPr>
+              <a:t>nell’array</a:t>
+            </a:r>
+            <a:endParaRPr lang="en-GB" sz="1800" dirty="0">
+              <a:latin typeface="Consolas" panose="020B0609020204030204" pitchFamily="49" charset="0"/>
+              <a:cs typeface="Consolas" panose="020B0609020204030204" pitchFamily="49" charset="0"/>
             </a:endParaRPr>
           </a:p>
           <a:p>
-            <a:r>
-              <a:rPr lang="en-GB" sz="5100" dirty="0" err="1">
-                <a:solidFill>
-                  <a:srgbClr val="7030A0"/>
-                </a:solidFill>
-              </a:rPr>
-              <a:t>Definizione</a:t>
-            </a:r>
-            <a:r>
-              <a:rPr lang="en-GB" sz="5100" dirty="0">
-                <a:solidFill>
-                  <a:srgbClr val="7030A0"/>
-                </a:solidFill>
+            <a:pPr marL="0" indent="0">
+              <a:buNone/>
+            </a:pPr>
+            <a:r>
+              <a:rPr lang="en-GB" sz="1800" dirty="0">
+                <a:latin typeface="Consolas" panose="020B0609020204030204" pitchFamily="49" charset="0"/>
+                <a:cs typeface="Consolas" panose="020B0609020204030204" pitchFamily="49" charset="0"/>
+              </a:rPr>
+              <a:t>$ echo ${!</a:t>
+            </a:r>
+            <a:r>
+              <a:rPr lang="en-GB" sz="1800" dirty="0" err="1">
+                <a:latin typeface="Consolas" panose="020B0609020204030204" pitchFamily="49" charset="0"/>
+                <a:cs typeface="Consolas" panose="020B0609020204030204" pitchFamily="49" charset="0"/>
+              </a:rPr>
+              <a:t>arr</a:t>
+            </a:r>
+            <a:r>
+              <a:rPr lang="en-GB" sz="1800" dirty="0">
+                <a:latin typeface="Consolas" panose="020B0609020204030204" pitchFamily="49" charset="0"/>
+                <a:cs typeface="Consolas" panose="020B0609020204030204" pitchFamily="49" charset="0"/>
+              </a:rPr>
+              <a:t>[@]}      # </a:t>
+            </a:r>
+            <a:r>
+              <a:rPr lang="en-GB" sz="1800" dirty="0" err="1">
+                <a:latin typeface="Consolas" panose="020B0609020204030204" pitchFamily="49" charset="0"/>
+                <a:cs typeface="Consolas" panose="020B0609020204030204" pitchFamily="49" charset="0"/>
+              </a:rPr>
+              <a:t>mostra</a:t>
+            </a:r>
+            <a:r>
+              <a:rPr lang="en-GB" sz="1800" dirty="0">
+                <a:latin typeface="Consolas" panose="020B0609020204030204" pitchFamily="49" charset="0"/>
+                <a:cs typeface="Consolas" panose="020B0609020204030204" pitchFamily="49" charset="0"/>
               </a:rPr>
               <a:t> </a:t>
             </a:r>
             <a:r>
-              <a:rPr lang="en-GB" sz="5100" dirty="0" err="1">
-                <a:solidFill>
-                  <a:srgbClr val="7030A0"/>
-                </a:solidFill>
-              </a:rPr>
-              <a:t>variabili</a:t>
-            </a:r>
-            <a:r>
-              <a:rPr lang="en-GB" sz="5100" dirty="0">
-                <a:solidFill>
-                  <a:srgbClr val="7030A0"/>
-                </a:solidFill>
+              <a:rPr lang="en-GB" sz="1800" dirty="0" err="1">
+                <a:latin typeface="Consolas" panose="020B0609020204030204" pitchFamily="49" charset="0"/>
+                <a:cs typeface="Consolas" panose="020B0609020204030204" pitchFamily="49" charset="0"/>
+              </a:rPr>
+              <a:t>gli</a:t>
+            </a:r>
+            <a:r>
+              <a:rPr lang="en-GB" sz="1800" dirty="0">
+                <a:latin typeface="Consolas" panose="020B0609020204030204" pitchFamily="49" charset="0"/>
+                <a:cs typeface="Consolas" panose="020B0609020204030204" pitchFamily="49" charset="0"/>
               </a:rPr>
               <a:t> </a:t>
             </a:r>
             <a:r>
-              <a:rPr lang="en-GB" sz="5100" dirty="0" err="1">
-                <a:solidFill>
-                  <a:srgbClr val="7030A0"/>
-                </a:solidFill>
-              </a:rPr>
-              <a:t>globali</a:t>
-            </a:r>
-            <a:endParaRPr lang="en-GB" sz="5100" dirty="0">
-              <a:solidFill>
-                <a:srgbClr val="7030A0"/>
-              </a:solidFill>
+              <a:rPr lang="en-GB" sz="1800" dirty="0" err="1">
+                <a:latin typeface="Consolas" panose="020B0609020204030204" pitchFamily="49" charset="0"/>
+                <a:cs typeface="Consolas" panose="020B0609020204030204" pitchFamily="49" charset="0"/>
+              </a:rPr>
+              <a:t>indici</a:t>
+            </a:r>
+            <a:r>
+              <a:rPr lang="en-GB" sz="1800" dirty="0">
+                <a:latin typeface="Consolas" panose="020B0609020204030204" pitchFamily="49" charset="0"/>
+                <a:cs typeface="Consolas" panose="020B0609020204030204" pitchFamily="49" charset="0"/>
+              </a:rPr>
+              <a:t> </a:t>
+            </a:r>
+            <a:r>
+              <a:rPr lang="en-GB" sz="1800" dirty="0" err="1">
+                <a:latin typeface="Consolas" panose="020B0609020204030204" pitchFamily="49" charset="0"/>
+                <a:cs typeface="Consolas" panose="020B0609020204030204" pitchFamily="49" charset="0"/>
+              </a:rPr>
+              <a:t>validi</a:t>
+            </a:r>
+            <a:r>
+              <a:rPr lang="en-GB" sz="1800" dirty="0">
+                <a:latin typeface="Consolas" panose="020B0609020204030204" pitchFamily="49" charset="0"/>
+                <a:cs typeface="Consolas" panose="020B0609020204030204" pitchFamily="49" charset="0"/>
+              </a:rPr>
+              <a:t> </a:t>
+            </a:r>
+            <a:r>
+              <a:rPr lang="en-GB" sz="1800" dirty="0" err="1">
+                <a:latin typeface="Consolas" panose="020B0609020204030204" pitchFamily="49" charset="0"/>
+                <a:cs typeface="Consolas" panose="020B0609020204030204" pitchFamily="49" charset="0"/>
+              </a:rPr>
+              <a:t>dell’array</a:t>
+            </a:r>
+            <a:endParaRPr lang="en-GB" sz="1800" dirty="0">
+              <a:latin typeface="Consolas" panose="020B0609020204030204" pitchFamily="49" charset="0"/>
+              <a:cs typeface="Consolas" panose="020B0609020204030204" pitchFamily="49" charset="0"/>
             </a:endParaRPr>
           </a:p>
           <a:p>
-            <a:r>
-              <a:rPr lang="en-GB" sz="5100" dirty="0" err="1"/>
-              <a:t>Definizione</a:t>
-            </a:r>
-            <a:r>
-              <a:rPr lang="en-GB" sz="5100" dirty="0"/>
+            <a:pPr marL="0" indent="0">
+              <a:buNone/>
+            </a:pPr>
+            <a:r>
+              <a:rPr lang="en-GB" sz="1800" dirty="0">
+                <a:latin typeface="Consolas" panose="020B0609020204030204" pitchFamily="49" charset="0"/>
+                <a:cs typeface="Consolas" panose="020B0609020204030204" pitchFamily="49" charset="0"/>
+              </a:rPr>
+              <a:t>$ echo ${#</a:t>
+            </a:r>
+            <a:r>
+              <a:rPr lang="en-GB" sz="1800" dirty="0" err="1">
+                <a:latin typeface="Consolas" panose="020B0609020204030204" pitchFamily="49" charset="0"/>
+                <a:cs typeface="Consolas" panose="020B0609020204030204" pitchFamily="49" charset="0"/>
+              </a:rPr>
+              <a:t>arr</a:t>
+            </a:r>
+            <a:r>
+              <a:rPr lang="en-GB" sz="1800" dirty="0">
+                <a:latin typeface="Consolas" panose="020B0609020204030204" pitchFamily="49" charset="0"/>
+                <a:cs typeface="Consolas" panose="020B0609020204030204" pitchFamily="49" charset="0"/>
+              </a:rPr>
+              <a:t>[@]}      # </a:t>
+            </a:r>
+            <a:r>
+              <a:rPr lang="en-GB" sz="1800" dirty="0" err="1">
+                <a:latin typeface="Consolas" panose="020B0609020204030204" pitchFamily="49" charset="0"/>
+                <a:cs typeface="Consolas" panose="020B0609020204030204" pitchFamily="49" charset="0"/>
+              </a:rPr>
+              <a:t>mostra</a:t>
+            </a:r>
+            <a:r>
+              <a:rPr lang="en-GB" sz="1800" dirty="0">
+                <a:latin typeface="Consolas" panose="020B0609020204030204" pitchFamily="49" charset="0"/>
+                <a:cs typeface="Consolas" panose="020B0609020204030204" pitchFamily="49" charset="0"/>
+              </a:rPr>
               <a:t> </a:t>
             </a:r>
             <a:r>
-              <a:rPr lang="en-GB" sz="5100" dirty="0" err="1"/>
-              <a:t>funzioni</a:t>
-            </a:r>
-            <a:endParaRPr lang="en-GB" sz="5100" dirty="0"/>
-          </a:p>
-          <a:p>
-            <a:r>
-              <a:rPr lang="en-GB" sz="5100" dirty="0" err="1">
-                <a:solidFill>
-                  <a:srgbClr val="00B050"/>
-                </a:solidFill>
-              </a:rPr>
-              <a:t>Controllo</a:t>
-            </a:r>
-            <a:r>
-              <a:rPr lang="en-GB" sz="5100" dirty="0">
-                <a:solidFill>
-                  <a:srgbClr val="00B050"/>
-                </a:solidFill>
+              <a:rPr lang="en-GB" sz="1800" dirty="0" err="1">
+                <a:latin typeface="Consolas" panose="020B0609020204030204" pitchFamily="49" charset="0"/>
+                <a:cs typeface="Consolas" panose="020B0609020204030204" pitchFamily="49" charset="0"/>
+              </a:rPr>
+              <a:t>il</a:t>
+            </a:r>
+            <a:r>
+              <a:rPr lang="en-GB" sz="1800" dirty="0">
+                <a:latin typeface="Consolas" panose="020B0609020204030204" pitchFamily="49" charset="0"/>
+                <a:cs typeface="Consolas" panose="020B0609020204030204" pitchFamily="49" charset="0"/>
               </a:rPr>
               <a:t> </a:t>
             </a:r>
             <a:r>
-              <a:rPr lang="en-GB" sz="5100" dirty="0" err="1">
-                <a:solidFill>
-                  <a:srgbClr val="00B050"/>
-                </a:solidFill>
-              </a:rPr>
-              <a:t>parametri</a:t>
-            </a:r>
-            <a:endParaRPr lang="en-GB" sz="5100" dirty="0">
-              <a:solidFill>
-                <a:srgbClr val="00B050"/>
-              </a:solidFill>
+              <a:rPr lang="en-GB" sz="1800" dirty="0" err="1">
+                <a:latin typeface="Consolas" panose="020B0609020204030204" pitchFamily="49" charset="0"/>
+                <a:cs typeface="Consolas" panose="020B0609020204030204" pitchFamily="49" charset="0"/>
+              </a:rPr>
+              <a:t>numero</a:t>
+            </a:r>
+            <a:r>
+              <a:rPr lang="en-GB" sz="1800" dirty="0">
+                <a:latin typeface="Consolas" panose="020B0609020204030204" pitchFamily="49" charset="0"/>
+                <a:cs typeface="Consolas" panose="020B0609020204030204" pitchFamily="49" charset="0"/>
+              </a:rPr>
+              <a:t> di </a:t>
+            </a:r>
+            <a:r>
+              <a:rPr lang="en-GB" sz="1800" dirty="0" err="1">
+                <a:latin typeface="Consolas" panose="020B0609020204030204" pitchFamily="49" charset="0"/>
+                <a:cs typeface="Consolas" panose="020B0609020204030204" pitchFamily="49" charset="0"/>
+              </a:rPr>
+              <a:t>valori</a:t>
+            </a:r>
+            <a:r>
+              <a:rPr lang="en-GB" sz="1800" dirty="0">
+                <a:latin typeface="Consolas" panose="020B0609020204030204" pitchFamily="49" charset="0"/>
+                <a:cs typeface="Consolas" panose="020B0609020204030204" pitchFamily="49" charset="0"/>
+              </a:rPr>
+              <a:t> </a:t>
+            </a:r>
+            <a:r>
+              <a:rPr lang="en-GB" sz="1800" dirty="0" err="1">
+                <a:latin typeface="Consolas" panose="020B0609020204030204" pitchFamily="49" charset="0"/>
+                <a:cs typeface="Consolas" panose="020B0609020204030204" pitchFamily="49" charset="0"/>
+              </a:rPr>
+              <a:t>nell’array</a:t>
+            </a:r>
+            <a:endParaRPr lang="en-GB" sz="1800" dirty="0">
+              <a:latin typeface="Consolas" panose="020B0609020204030204" pitchFamily="49" charset="0"/>
+              <a:cs typeface="Consolas" panose="020B0609020204030204" pitchFamily="49" charset="0"/>
             </a:endParaRPr>
           </a:p>
           <a:p>
-            <a:r>
-              <a:rPr lang="en-GB" sz="5100" dirty="0" err="1">
-                <a:solidFill>
-                  <a:schemeClr val="accent5">
-                    <a:lumMod val="75000"/>
-                  </a:schemeClr>
-                </a:solidFill>
-              </a:rPr>
-              <a:t>Corpo</a:t>
-            </a:r>
-            <a:r>
-              <a:rPr lang="en-GB" sz="5100" dirty="0">
-                <a:solidFill>
-                  <a:schemeClr val="accent5">
-                    <a:lumMod val="75000"/>
-                  </a:schemeClr>
-                </a:solidFill>
+            <a:pPr marL="0" indent="0">
+              <a:buNone/>
+            </a:pPr>
+            <a:r>
+              <a:rPr lang="en-GB" sz="1800" dirty="0">
+                <a:latin typeface="Consolas" panose="020B0609020204030204" pitchFamily="49" charset="0"/>
+                <a:cs typeface="Consolas" panose="020B0609020204030204" pitchFamily="49" charset="0"/>
+              </a:rPr>
+              <a:t>$ echo ${</a:t>
+            </a:r>
+            <a:r>
+              <a:rPr lang="en-GB" sz="1800" dirty="0" err="1">
+                <a:latin typeface="Consolas" panose="020B0609020204030204" pitchFamily="49" charset="0"/>
+                <a:cs typeface="Consolas" panose="020B0609020204030204" pitchFamily="49" charset="0"/>
+              </a:rPr>
+              <a:t>arr</a:t>
+            </a:r>
+            <a:r>
+              <a:rPr lang="en-GB" sz="1800" dirty="0">
+                <a:latin typeface="Consolas" panose="020B0609020204030204" pitchFamily="49" charset="0"/>
+                <a:cs typeface="Consolas" panose="020B0609020204030204" pitchFamily="49" charset="0"/>
+              </a:rPr>
+              <a:t>[@]:</a:t>
+            </a:r>
+            <a:r>
+              <a:rPr lang="en-GB" sz="1800" dirty="0" err="1">
+                <a:latin typeface="Consolas" panose="020B0609020204030204" pitchFamily="49" charset="0"/>
+                <a:cs typeface="Consolas" panose="020B0609020204030204" pitchFamily="49" charset="0"/>
+              </a:rPr>
+              <a:t>s:n</a:t>
+            </a:r>
+            <a:r>
+              <a:rPr lang="en-GB" sz="1800" dirty="0">
+                <a:latin typeface="Consolas" panose="020B0609020204030204" pitchFamily="49" charset="0"/>
+                <a:cs typeface="Consolas" panose="020B0609020204030204" pitchFamily="49" charset="0"/>
+              </a:rPr>
+              <a:t>}   # </a:t>
+            </a:r>
+            <a:r>
+              <a:rPr lang="en-GB" sz="1800" dirty="0" err="1">
+                <a:latin typeface="Consolas" panose="020B0609020204030204" pitchFamily="49" charset="0"/>
+                <a:cs typeface="Consolas" panose="020B0609020204030204" pitchFamily="49" charset="0"/>
+              </a:rPr>
+              <a:t>mostra</a:t>
+            </a:r>
+            <a:r>
+              <a:rPr lang="en-GB" sz="1800" dirty="0">
+                <a:latin typeface="Consolas" panose="020B0609020204030204" pitchFamily="49" charset="0"/>
+                <a:cs typeface="Consolas" panose="020B0609020204030204" pitchFamily="49" charset="0"/>
+              </a:rPr>
+              <a:t> n </a:t>
+            </a:r>
+            <a:r>
+              <a:rPr lang="en-GB" sz="1800" dirty="0" err="1">
+                <a:latin typeface="Consolas" panose="020B0609020204030204" pitchFamily="49" charset="0"/>
+                <a:cs typeface="Consolas" panose="020B0609020204030204" pitchFamily="49" charset="0"/>
+              </a:rPr>
+              <a:t>elementi</a:t>
+            </a:r>
+            <a:r>
+              <a:rPr lang="en-GB" sz="1800" dirty="0">
+                <a:latin typeface="Consolas" panose="020B0609020204030204" pitchFamily="49" charset="0"/>
+                <a:cs typeface="Consolas" panose="020B0609020204030204" pitchFamily="49" charset="0"/>
               </a:rPr>
               <a:t> </a:t>
             </a:r>
             <a:r>
-              <a:rPr lang="en-GB" sz="5100" dirty="0" err="1">
-                <a:solidFill>
-                  <a:schemeClr val="accent5">
-                    <a:lumMod val="75000"/>
-                  </a:schemeClr>
-                </a:solidFill>
-              </a:rPr>
-              <a:t>principale</a:t>
-            </a:r>
-            <a:endParaRPr lang="en-GB" sz="5100" dirty="0">
-              <a:solidFill>
-                <a:schemeClr val="accent5">
-                  <a:lumMod val="75000"/>
-                </a:schemeClr>
-              </a:solidFill>
+              <a:rPr lang="en-GB" sz="1800" dirty="0" err="1">
+                <a:latin typeface="Consolas" panose="020B0609020204030204" pitchFamily="49" charset="0"/>
+                <a:cs typeface="Consolas" panose="020B0609020204030204" pitchFamily="49" charset="0"/>
+              </a:rPr>
+              <a:t>partendo</a:t>
+            </a:r>
+            <a:r>
+              <a:rPr lang="en-GB" sz="1800" dirty="0">
+                <a:latin typeface="Consolas" panose="020B0609020204030204" pitchFamily="49" charset="0"/>
+                <a:cs typeface="Consolas" panose="020B0609020204030204" pitchFamily="49" charset="0"/>
+              </a:rPr>
+              <a:t> da </a:t>
+            </a:r>
+            <a:r>
+              <a:rPr lang="en-GB" sz="1800" dirty="0" err="1">
+                <a:latin typeface="Consolas" panose="020B0609020204030204" pitchFamily="49" charset="0"/>
+                <a:cs typeface="Consolas" panose="020B0609020204030204" pitchFamily="49" charset="0"/>
+              </a:rPr>
+              <a:t>indice</a:t>
+            </a:r>
+            <a:r>
+              <a:rPr lang="en-GB" sz="1800" dirty="0">
+                <a:latin typeface="Consolas" panose="020B0609020204030204" pitchFamily="49" charset="0"/>
+                <a:cs typeface="Consolas" panose="020B0609020204030204" pitchFamily="49" charset="0"/>
+              </a:rPr>
+              <a:t> s</a:t>
+            </a:r>
+          </a:p>
+          <a:p>
+            <a:pPr marL="0" indent="0">
+              <a:buNone/>
+            </a:pPr>
+            <a:endParaRPr lang="en-GB" sz="1800" dirty="0">
+              <a:latin typeface="Consolas" panose="020B0609020204030204" pitchFamily="49" charset="0"/>
+              <a:cs typeface="Consolas" panose="020B0609020204030204" pitchFamily="49" charset="0"/>
             </a:endParaRPr>
           </a:p>
           <a:p>
-            <a:r>
-              <a:rPr lang="en-GB" sz="5100" dirty="0" err="1">
-                <a:solidFill>
-                  <a:srgbClr val="FF0000"/>
-                </a:solidFill>
-              </a:rPr>
-              <a:t>Terminazione</a:t>
-            </a:r>
-            <a:endParaRPr lang="en-GB" sz="5100" dirty="0">
-              <a:solidFill>
-                <a:srgbClr val="FF0000"/>
-              </a:solidFill>
+            <a:pPr marL="0" indent="0">
+              <a:buNone/>
+            </a:pPr>
+            <a:endParaRPr lang="en-GB" sz="1800" dirty="0">
+              <a:latin typeface="Consolas" panose="020B0609020204030204" pitchFamily="49" charset="0"/>
+              <a:cs typeface="Consolas" panose="020B0609020204030204" pitchFamily="49" charset="0"/>
             </a:endParaRPr>
-          </a:p>
-          <a:p>
-            <a:endParaRPr lang="en-GB" sz="2000" dirty="0"/>
           </a:p>
         </p:txBody>
       </p:sp>
       <p:sp>
         <p:nvSpPr>
-          <p:cNvPr id="8" name="Content Placeholder 7">
+          <p:cNvPr id="4" name="Slide Number Placeholder 3">
             <a:extLst>
               <a:ext uri="{FF2B5EF4-FFF2-40B4-BE49-F238E27FC236}">
-                <a16:creationId xmlns:a16="http://schemas.microsoft.com/office/drawing/2014/main" id="{6D431DC5-3861-0146-B5BD-1BF5B9298479}"/>
-              </a:ext>
-            </a:extLst>
-          </p:cNvPr>
-          <p:cNvSpPr>
-            <a:spLocks noGrp="1"/>
-          </p:cNvSpPr>
-          <p:nvPr>
-            <p:ph sz="half" idx="2"/>
-          </p:nvPr>
-        </p:nvSpPr>
-        <p:spPr>
-          <a:xfrm>
-            <a:off x="4648200" y="1600202"/>
-            <a:ext cx="4038600" cy="5127625"/>
-          </a:xfrm>
-        </p:spPr>
-        <p:txBody>
-          <a:bodyPr>
-            <a:noAutofit/>
-          </a:bodyPr>
-          <a:lstStyle/>
-          <a:p>
-            <a:pPr marL="0" indent="0">
-              <a:buNone/>
-            </a:pPr>
-            <a:r>
-              <a:rPr lang="en-GB" sz="1000" dirty="0">
-                <a:solidFill>
-                  <a:schemeClr val="accent6">
-                    <a:lumMod val="75000"/>
-                  </a:schemeClr>
-                </a:solidFill>
-                <a:latin typeface="Consolas" panose="020B0609020204030204" pitchFamily="49" charset="0"/>
-                <a:ea typeface="HGGothicE" panose="020B0909000000000000" pitchFamily="49" charset="-128"/>
-                <a:cs typeface="Consolas" panose="020B0609020204030204" pitchFamily="49" charset="0"/>
-              </a:rPr>
-              <a:t>#!/bin/bash</a:t>
-            </a:r>
-          </a:p>
-          <a:p>
-            <a:pPr marL="0" indent="0">
-              <a:buNone/>
-            </a:pPr>
-            <a:endParaRPr lang="en-GB" sz="1000" dirty="0">
-              <a:latin typeface="Consolas" panose="020B0609020204030204" pitchFamily="49" charset="0"/>
-              <a:ea typeface="HGGothicE" panose="020B0909000000000000" pitchFamily="49" charset="-128"/>
-              <a:cs typeface="Consolas" panose="020B0609020204030204" pitchFamily="49" charset="0"/>
-            </a:endParaRPr>
-          </a:p>
-          <a:p>
-            <a:pPr marL="0" indent="0">
-              <a:buNone/>
-            </a:pPr>
-            <a:r>
-              <a:rPr lang="en-GB" sz="1000" dirty="0">
-                <a:solidFill>
-                  <a:srgbClr val="7030A0"/>
-                </a:solidFill>
-                <a:latin typeface="Consolas" panose="020B0609020204030204" pitchFamily="49" charset="0"/>
-                <a:ea typeface="HGGothicE" panose="020B0909000000000000" pitchFamily="49" charset="-128"/>
-                <a:cs typeface="Consolas" panose="020B0609020204030204" pitchFamily="49" charset="0"/>
-              </a:rPr>
-              <a:t>USAGE="usage: $0 </a:t>
-            </a:r>
-            <a:r>
-              <a:rPr lang="en-GB" sz="1000" dirty="0" err="1">
-                <a:solidFill>
-                  <a:srgbClr val="7030A0"/>
-                </a:solidFill>
-                <a:latin typeface="Consolas" panose="020B0609020204030204" pitchFamily="49" charset="0"/>
-                <a:ea typeface="HGGothicE" panose="020B0909000000000000" pitchFamily="49" charset="-128"/>
-                <a:cs typeface="Consolas" panose="020B0609020204030204" pitchFamily="49" charset="0"/>
-              </a:rPr>
-              <a:t>dirname</a:t>
-            </a:r>
-            <a:r>
-              <a:rPr lang="en-GB" sz="1000" dirty="0">
-                <a:solidFill>
-                  <a:srgbClr val="7030A0"/>
-                </a:solidFill>
-                <a:latin typeface="Consolas" panose="020B0609020204030204" pitchFamily="49" charset="0"/>
-                <a:ea typeface="HGGothicE" panose="020B0909000000000000" pitchFamily="49" charset="-128"/>
-                <a:cs typeface="Consolas" panose="020B0609020204030204" pitchFamily="49" charset="0"/>
-              </a:rPr>
-              <a:t>”</a:t>
-            </a:r>
-          </a:p>
-          <a:p>
-            <a:pPr marL="0" indent="0">
-              <a:buNone/>
-            </a:pPr>
-            <a:endParaRPr lang="en-GB" sz="1000" dirty="0">
-              <a:latin typeface="Consolas" panose="020B0609020204030204" pitchFamily="49" charset="0"/>
-              <a:ea typeface="HGGothicE" panose="020B0909000000000000" pitchFamily="49" charset="-128"/>
-              <a:cs typeface="Consolas" panose="020B0609020204030204" pitchFamily="49" charset="0"/>
-            </a:endParaRPr>
-          </a:p>
-          <a:p>
-            <a:pPr marL="0" indent="0">
-              <a:buNone/>
-            </a:pPr>
-            <a:r>
-              <a:rPr lang="en-GB" sz="1000" dirty="0">
-                <a:solidFill>
-                  <a:srgbClr val="00B050"/>
-                </a:solidFill>
-                <a:latin typeface="Consolas" panose="020B0609020204030204" pitchFamily="49" charset="0"/>
-                <a:ea typeface="HGGothicE" panose="020B0909000000000000" pitchFamily="49" charset="-128"/>
-                <a:cs typeface="Consolas" panose="020B0609020204030204" pitchFamily="49" charset="0"/>
-              </a:rPr>
-              <a:t>if [ $# -ne 1 ]; then </a:t>
-            </a:r>
-          </a:p>
-          <a:p>
-            <a:pPr marL="0" indent="0">
-              <a:buNone/>
-            </a:pPr>
-            <a:r>
-              <a:rPr lang="en-GB" sz="1000" dirty="0">
-                <a:solidFill>
-                  <a:srgbClr val="00B050"/>
-                </a:solidFill>
-                <a:latin typeface="Consolas" panose="020B0609020204030204" pitchFamily="49" charset="0"/>
-                <a:ea typeface="HGGothicE" panose="020B0909000000000000" pitchFamily="49" charset="-128"/>
-                <a:cs typeface="Consolas" panose="020B0609020204030204" pitchFamily="49" charset="0"/>
-              </a:rPr>
-              <a:t>  echo “$USAGE”</a:t>
-            </a:r>
-          </a:p>
-          <a:p>
-            <a:pPr marL="0" indent="0">
-              <a:buNone/>
-            </a:pPr>
-            <a:r>
-              <a:rPr lang="en-GB" sz="1000" dirty="0">
-                <a:solidFill>
-                  <a:srgbClr val="00B050"/>
-                </a:solidFill>
-                <a:latin typeface="Consolas" panose="020B0609020204030204" pitchFamily="49" charset="0"/>
-                <a:ea typeface="HGGothicE" panose="020B0909000000000000" pitchFamily="49" charset="-128"/>
-                <a:cs typeface="Consolas" panose="020B0609020204030204" pitchFamily="49" charset="0"/>
-              </a:rPr>
-              <a:t>  exit 1</a:t>
-            </a:r>
-          </a:p>
-          <a:p>
-            <a:pPr marL="0" indent="0">
-              <a:buNone/>
-            </a:pPr>
-            <a:r>
-              <a:rPr lang="en-GB" sz="1000" dirty="0">
-                <a:solidFill>
-                  <a:srgbClr val="00B050"/>
-                </a:solidFill>
-                <a:latin typeface="Consolas" panose="020B0609020204030204" pitchFamily="49" charset="0"/>
-                <a:ea typeface="HGGothicE" panose="020B0909000000000000" pitchFamily="49" charset="-128"/>
-                <a:cs typeface="Consolas" panose="020B0609020204030204" pitchFamily="49" charset="0"/>
-              </a:rPr>
-              <a:t>fi</a:t>
-            </a:r>
-          </a:p>
-          <a:p>
-            <a:pPr marL="0" indent="0">
-              <a:buNone/>
-            </a:pPr>
-            <a:endParaRPr lang="en-GB" sz="1000" dirty="0">
-              <a:solidFill>
-                <a:srgbClr val="00B050"/>
-              </a:solidFill>
-              <a:latin typeface="Consolas" panose="020B0609020204030204" pitchFamily="49" charset="0"/>
-              <a:ea typeface="HGGothicE" panose="020B0909000000000000" pitchFamily="49" charset="-128"/>
-              <a:cs typeface="Consolas" panose="020B0609020204030204" pitchFamily="49" charset="0"/>
-            </a:endParaRPr>
-          </a:p>
-          <a:p>
-            <a:pPr marL="0" indent="0">
-              <a:buNone/>
-            </a:pPr>
-            <a:r>
-              <a:rPr lang="en-GB" sz="1000" dirty="0">
-                <a:solidFill>
-                  <a:srgbClr val="00B050"/>
-                </a:solidFill>
-                <a:latin typeface="Consolas" panose="020B0609020204030204" pitchFamily="49" charset="0"/>
-                <a:ea typeface="HGGothicE" panose="020B0909000000000000" pitchFamily="49" charset="-128"/>
-                <a:cs typeface="Consolas" panose="020B0609020204030204" pitchFamily="49" charset="0"/>
-              </a:rPr>
-              <a:t>if [ ! -d "$1" -o ! -x "$1" ]; then</a:t>
-            </a:r>
-          </a:p>
-          <a:p>
-            <a:pPr marL="0" indent="0">
-              <a:buNone/>
-            </a:pPr>
-            <a:r>
-              <a:rPr lang="en-GB" sz="1000" dirty="0">
-                <a:solidFill>
-                  <a:srgbClr val="00B050"/>
-                </a:solidFill>
-                <a:latin typeface="Consolas" panose="020B0609020204030204" pitchFamily="49" charset="0"/>
-                <a:ea typeface="HGGothicE" panose="020B0909000000000000" pitchFamily="49" charset="-128"/>
-                <a:cs typeface="Consolas" panose="020B0609020204030204" pitchFamily="49" charset="0"/>
-              </a:rPr>
-              <a:t>  echo “$USAGE”  </a:t>
-            </a:r>
-          </a:p>
-          <a:p>
-            <a:pPr marL="0" indent="0">
-              <a:buNone/>
-            </a:pPr>
-            <a:r>
-              <a:rPr lang="en-GB" sz="1000" dirty="0">
-                <a:solidFill>
-                  <a:srgbClr val="00B050"/>
-                </a:solidFill>
-                <a:latin typeface="Consolas" panose="020B0609020204030204" pitchFamily="49" charset="0"/>
-                <a:ea typeface="HGGothicE" panose="020B0909000000000000" pitchFamily="49" charset="-128"/>
-                <a:cs typeface="Consolas" panose="020B0609020204030204" pitchFamily="49" charset="0"/>
-              </a:rPr>
-              <a:t>  exit 1</a:t>
-            </a:r>
-          </a:p>
-          <a:p>
-            <a:pPr marL="0" indent="0">
-              <a:buNone/>
-            </a:pPr>
-            <a:r>
-              <a:rPr lang="en-GB" sz="1000" dirty="0">
-                <a:solidFill>
-                  <a:srgbClr val="00B050"/>
-                </a:solidFill>
-                <a:latin typeface="Consolas" panose="020B0609020204030204" pitchFamily="49" charset="0"/>
-                <a:ea typeface="HGGothicE" panose="020B0909000000000000" pitchFamily="49" charset="-128"/>
-                <a:cs typeface="Consolas" panose="020B0609020204030204" pitchFamily="49" charset="0"/>
-              </a:rPr>
-              <a:t>fi</a:t>
-            </a:r>
-          </a:p>
-          <a:p>
-            <a:pPr marL="0" indent="0">
-              <a:buNone/>
-            </a:pPr>
-            <a:endParaRPr lang="en-GB" sz="1000" dirty="0">
-              <a:latin typeface="Consolas" panose="020B0609020204030204" pitchFamily="49" charset="0"/>
-              <a:ea typeface="HGGothicE" panose="020B0909000000000000" pitchFamily="49" charset="-128"/>
-              <a:cs typeface="Consolas" panose="020B0609020204030204" pitchFamily="49" charset="0"/>
-            </a:endParaRPr>
-          </a:p>
-          <a:p>
-            <a:pPr marL="0" indent="0">
-              <a:buNone/>
-            </a:pPr>
-            <a:r>
-              <a:rPr lang="en-GB" sz="1000" dirty="0">
-                <a:solidFill>
-                  <a:schemeClr val="accent5">
-                    <a:lumMod val="75000"/>
-                  </a:schemeClr>
-                </a:solidFill>
-                <a:latin typeface="Consolas" panose="020B0609020204030204" pitchFamily="49" charset="0"/>
-                <a:ea typeface="HGGothicE" panose="020B0909000000000000" pitchFamily="49" charset="-128"/>
-                <a:cs typeface="Consolas" panose="020B0609020204030204" pitchFamily="49" charset="0"/>
-              </a:rPr>
-              <a:t>F=0; D=0</a:t>
-            </a:r>
-          </a:p>
-          <a:p>
-            <a:pPr marL="0" indent="0">
-              <a:buNone/>
-            </a:pPr>
-            <a:r>
-              <a:rPr lang="en-GB" sz="1000" dirty="0">
-                <a:solidFill>
-                  <a:schemeClr val="accent5">
-                    <a:lumMod val="75000"/>
-                  </a:schemeClr>
-                </a:solidFill>
-                <a:latin typeface="Consolas" panose="020B0609020204030204" pitchFamily="49" charset="0"/>
-                <a:ea typeface="HGGothicE" panose="020B0909000000000000" pitchFamily="49" charset="-128"/>
-                <a:cs typeface="Consolas" panose="020B0609020204030204" pitchFamily="49" charset="0"/>
-              </a:rPr>
-              <a:t>for </a:t>
-            </a:r>
-            <a:r>
-              <a:rPr lang="en-GB" sz="1000" dirty="0" err="1">
-                <a:solidFill>
-                  <a:schemeClr val="accent5">
-                    <a:lumMod val="75000"/>
-                  </a:schemeClr>
-                </a:solidFill>
-                <a:latin typeface="Consolas" panose="020B0609020204030204" pitchFamily="49" charset="0"/>
-                <a:ea typeface="HGGothicE" panose="020B0909000000000000" pitchFamily="49" charset="-128"/>
-                <a:cs typeface="Consolas" panose="020B0609020204030204" pitchFamily="49" charset="0"/>
-              </a:rPr>
-              <a:t>fname</a:t>
-            </a:r>
-            <a:r>
-              <a:rPr lang="en-GB" sz="1000" dirty="0">
-                <a:solidFill>
-                  <a:schemeClr val="accent5">
-                    <a:lumMod val="75000"/>
-                  </a:schemeClr>
-                </a:solidFill>
-                <a:latin typeface="Consolas" panose="020B0609020204030204" pitchFamily="49" charset="0"/>
-                <a:ea typeface="HGGothicE" panose="020B0909000000000000" pitchFamily="49" charset="-128"/>
-                <a:cs typeface="Consolas" panose="020B0609020204030204" pitchFamily="49" charset="0"/>
-              </a:rPr>
-              <a:t> in "$1"/*; do</a:t>
-            </a:r>
-          </a:p>
-          <a:p>
-            <a:pPr marL="0" indent="0">
-              <a:buNone/>
-            </a:pPr>
-            <a:r>
-              <a:rPr lang="en-GB" sz="1000" dirty="0">
-                <a:solidFill>
-                  <a:schemeClr val="accent5">
-                    <a:lumMod val="75000"/>
-                  </a:schemeClr>
-                </a:solidFill>
-                <a:latin typeface="Consolas" panose="020B0609020204030204" pitchFamily="49" charset="0"/>
-                <a:ea typeface="HGGothicE" panose="020B0909000000000000" pitchFamily="49" charset="-128"/>
-                <a:cs typeface="Consolas" panose="020B0609020204030204" pitchFamily="49" charset="0"/>
-              </a:rPr>
-              <a:t>  if [ -f "$</a:t>
-            </a:r>
-            <a:r>
-              <a:rPr lang="en-GB" sz="1000" dirty="0" err="1">
-                <a:solidFill>
-                  <a:schemeClr val="accent5">
-                    <a:lumMod val="75000"/>
-                  </a:schemeClr>
-                </a:solidFill>
-                <a:latin typeface="Consolas" panose="020B0609020204030204" pitchFamily="49" charset="0"/>
-                <a:ea typeface="HGGothicE" panose="020B0909000000000000" pitchFamily="49" charset="-128"/>
-                <a:cs typeface="Consolas" panose="020B0609020204030204" pitchFamily="49" charset="0"/>
-              </a:rPr>
-              <a:t>fname</a:t>
-            </a:r>
-            <a:r>
-              <a:rPr lang="en-GB" sz="1000" dirty="0">
-                <a:solidFill>
-                  <a:schemeClr val="accent5">
-                    <a:lumMod val="75000"/>
-                  </a:schemeClr>
-                </a:solidFill>
-                <a:latin typeface="Consolas" panose="020B0609020204030204" pitchFamily="49" charset="0"/>
-                <a:ea typeface="HGGothicE" panose="020B0909000000000000" pitchFamily="49" charset="-128"/>
-                <a:cs typeface="Consolas" panose="020B0609020204030204" pitchFamily="49" charset="0"/>
-              </a:rPr>
-              <a:t>" ]; then</a:t>
-            </a:r>
-          </a:p>
-          <a:p>
-            <a:pPr marL="0" indent="0">
-              <a:buNone/>
-            </a:pPr>
-            <a:r>
-              <a:rPr lang="en-GB" sz="1000" dirty="0">
-                <a:solidFill>
-                  <a:schemeClr val="accent5">
-                    <a:lumMod val="75000"/>
-                  </a:schemeClr>
-                </a:solidFill>
-                <a:latin typeface="Consolas" panose="020B0609020204030204" pitchFamily="49" charset="0"/>
-                <a:ea typeface="HGGothicE" panose="020B0909000000000000" pitchFamily="49" charset="-128"/>
-                <a:cs typeface="Consolas" panose="020B0609020204030204" pitchFamily="49" charset="0"/>
-              </a:rPr>
-              <a:t>      F=$(expr $F + 1)</a:t>
-            </a:r>
-          </a:p>
-          <a:p>
-            <a:pPr marL="0" indent="0">
-              <a:buNone/>
-            </a:pPr>
-            <a:r>
-              <a:rPr lang="en-GB" sz="1000" dirty="0">
-                <a:solidFill>
-                  <a:schemeClr val="accent5">
-                    <a:lumMod val="75000"/>
-                  </a:schemeClr>
-                </a:solidFill>
-                <a:latin typeface="Consolas" panose="020B0609020204030204" pitchFamily="49" charset="0"/>
-                <a:ea typeface="HGGothicE" panose="020B0909000000000000" pitchFamily="49" charset="-128"/>
-                <a:cs typeface="Consolas" panose="020B0609020204030204" pitchFamily="49" charset="0"/>
-              </a:rPr>
-              <a:t>  fi  </a:t>
-            </a:r>
-          </a:p>
-          <a:p>
-            <a:pPr marL="0" indent="0">
-              <a:buNone/>
-            </a:pPr>
-            <a:r>
-              <a:rPr lang="en-GB" sz="1000" dirty="0">
-                <a:solidFill>
-                  <a:schemeClr val="accent5">
-                    <a:lumMod val="75000"/>
-                  </a:schemeClr>
-                </a:solidFill>
-                <a:latin typeface="Consolas" panose="020B0609020204030204" pitchFamily="49" charset="0"/>
-                <a:ea typeface="HGGothicE" panose="020B0909000000000000" pitchFamily="49" charset="-128"/>
-                <a:cs typeface="Consolas" panose="020B0609020204030204" pitchFamily="49" charset="0"/>
-              </a:rPr>
-              <a:t>  if [ -d "$</a:t>
-            </a:r>
-            <a:r>
-              <a:rPr lang="en-GB" sz="1000" dirty="0" err="1">
-                <a:solidFill>
-                  <a:schemeClr val="accent5">
-                    <a:lumMod val="75000"/>
-                  </a:schemeClr>
-                </a:solidFill>
-                <a:latin typeface="Consolas" panose="020B0609020204030204" pitchFamily="49" charset="0"/>
-                <a:ea typeface="HGGothicE" panose="020B0909000000000000" pitchFamily="49" charset="-128"/>
-                <a:cs typeface="Consolas" panose="020B0609020204030204" pitchFamily="49" charset="0"/>
-              </a:rPr>
-              <a:t>fname</a:t>
-            </a:r>
-            <a:r>
-              <a:rPr lang="en-GB" sz="1000" dirty="0">
-                <a:solidFill>
-                  <a:schemeClr val="accent5">
-                    <a:lumMod val="75000"/>
-                  </a:schemeClr>
-                </a:solidFill>
-                <a:latin typeface="Consolas" panose="020B0609020204030204" pitchFamily="49" charset="0"/>
-                <a:ea typeface="HGGothicE" panose="020B0909000000000000" pitchFamily="49" charset="-128"/>
-                <a:cs typeface="Consolas" panose="020B0609020204030204" pitchFamily="49" charset="0"/>
-              </a:rPr>
-              <a:t>" ]; then</a:t>
-            </a:r>
-          </a:p>
-          <a:p>
-            <a:pPr marL="0" indent="0">
-              <a:buNone/>
-            </a:pPr>
-            <a:r>
-              <a:rPr lang="en-GB" sz="1000" dirty="0">
-                <a:solidFill>
-                  <a:schemeClr val="accent5">
-                    <a:lumMod val="75000"/>
-                  </a:schemeClr>
-                </a:solidFill>
-                <a:latin typeface="Consolas" panose="020B0609020204030204" pitchFamily="49" charset="0"/>
-                <a:ea typeface="HGGothicE" panose="020B0909000000000000" pitchFamily="49" charset="-128"/>
-                <a:cs typeface="Consolas" panose="020B0609020204030204" pitchFamily="49" charset="0"/>
-              </a:rPr>
-              <a:t>      D=$(expr $D + 1)</a:t>
-            </a:r>
-          </a:p>
-          <a:p>
-            <a:pPr marL="0" indent="0">
-              <a:buNone/>
-            </a:pPr>
-            <a:r>
-              <a:rPr lang="en-GB" sz="1000" dirty="0">
-                <a:solidFill>
-                  <a:schemeClr val="accent5">
-                    <a:lumMod val="75000"/>
-                  </a:schemeClr>
-                </a:solidFill>
-                <a:latin typeface="Consolas" panose="020B0609020204030204" pitchFamily="49" charset="0"/>
-                <a:ea typeface="HGGothicE" panose="020B0909000000000000" pitchFamily="49" charset="-128"/>
-                <a:cs typeface="Consolas" panose="020B0609020204030204" pitchFamily="49" charset="0"/>
-              </a:rPr>
-              <a:t>  fi</a:t>
-            </a:r>
-          </a:p>
-          <a:p>
-            <a:pPr marL="0" indent="0">
-              <a:buNone/>
-            </a:pPr>
-            <a:r>
-              <a:rPr lang="en-GB" sz="1000" dirty="0">
-                <a:solidFill>
-                  <a:schemeClr val="accent5">
-                    <a:lumMod val="75000"/>
-                  </a:schemeClr>
-                </a:solidFill>
-                <a:latin typeface="Consolas" panose="020B0609020204030204" pitchFamily="49" charset="0"/>
-                <a:ea typeface="HGGothicE" panose="020B0909000000000000" pitchFamily="49" charset="-128"/>
-                <a:cs typeface="Consolas" panose="020B0609020204030204" pitchFamily="49" charset="0"/>
-              </a:rPr>
-              <a:t>done</a:t>
-            </a:r>
-          </a:p>
-          <a:p>
-            <a:pPr marL="0" indent="0">
-              <a:buNone/>
-            </a:pPr>
-            <a:endParaRPr lang="en-GB" sz="1000" dirty="0">
-              <a:solidFill>
-                <a:schemeClr val="accent5">
-                  <a:lumMod val="75000"/>
-                </a:schemeClr>
-              </a:solidFill>
-              <a:latin typeface="Consolas" panose="020B0609020204030204" pitchFamily="49" charset="0"/>
-              <a:ea typeface="HGGothicE" panose="020B0909000000000000" pitchFamily="49" charset="-128"/>
-              <a:cs typeface="Consolas" panose="020B0609020204030204" pitchFamily="49" charset="0"/>
-            </a:endParaRPr>
-          </a:p>
-          <a:p>
-            <a:pPr marL="0" indent="0">
-              <a:buNone/>
-            </a:pPr>
-            <a:r>
-              <a:rPr lang="en-GB" sz="1000" dirty="0">
-                <a:solidFill>
-                  <a:schemeClr val="accent5">
-                    <a:lumMod val="75000"/>
-                  </a:schemeClr>
-                </a:solidFill>
-                <a:latin typeface="Consolas" panose="020B0609020204030204" pitchFamily="49" charset="0"/>
-                <a:ea typeface="HGGothicE" panose="020B0909000000000000" pitchFamily="49" charset="-128"/>
-                <a:cs typeface="Consolas" panose="020B0609020204030204" pitchFamily="49" charset="0"/>
-              </a:rPr>
-              <a:t>echo "#files=$F, #directories=$D" </a:t>
-            </a:r>
-          </a:p>
-          <a:p>
-            <a:pPr marL="0" indent="0">
-              <a:buNone/>
-            </a:pPr>
-            <a:r>
-              <a:rPr lang="en-GB" sz="1000" dirty="0">
-                <a:solidFill>
-                  <a:srgbClr val="FF0000"/>
-                </a:solidFill>
-                <a:latin typeface="Consolas" panose="020B0609020204030204" pitchFamily="49" charset="0"/>
-                <a:ea typeface="HGGothicE" panose="020B0909000000000000" pitchFamily="49" charset="-128"/>
-                <a:cs typeface="Consolas" panose="020B0609020204030204" pitchFamily="49" charset="0"/>
-              </a:rPr>
-              <a:t>exit 0</a:t>
-            </a:r>
-          </a:p>
-          <a:p>
-            <a:pPr marL="0" indent="0">
-              <a:buNone/>
-            </a:pPr>
-            <a:endParaRPr lang="en-GB" sz="1000" dirty="0">
-              <a:latin typeface="Consolas" panose="020B0609020204030204" pitchFamily="49" charset="0"/>
-              <a:ea typeface="HGGothicE" panose="020B0909000000000000" pitchFamily="49" charset="-128"/>
-              <a:cs typeface="Consolas" panose="020B0609020204030204" pitchFamily="49" charset="0"/>
-            </a:endParaRPr>
-          </a:p>
-        </p:txBody>
-      </p:sp>
-      <p:sp>
-        <p:nvSpPr>
-          <p:cNvPr id="5" name="Slide Number Placeholder 4">
-            <a:extLst>
-              <a:ext uri="{FF2B5EF4-FFF2-40B4-BE49-F238E27FC236}">
-                <a16:creationId xmlns:a16="http://schemas.microsoft.com/office/drawing/2014/main" id="{7AA3CCBD-F793-D049-86E6-3D5F0F8741F9}"/>
+                <a16:creationId xmlns:a16="http://schemas.microsoft.com/office/drawing/2014/main" id="{D413E47F-1D76-6A46-B097-CF9157ECE1AA}"/>
               </a:ext>
             </a:extLst>
           </p:cNvPr>
@@ -13964,7 +13780,7 @@
     </p:spTree>
     <p:extLst>
       <p:ext uri="{BB962C8B-B14F-4D97-AF65-F5344CB8AC3E}">
-        <p14:creationId xmlns:p14="http://schemas.microsoft.com/office/powerpoint/2010/main" val="105008260"/>
+        <p14:creationId xmlns:p14="http://schemas.microsoft.com/office/powerpoint/2010/main" val="679285263"/>
       </p:ext>
     </p:extLst>
   </p:cSld>
@@ -13993,10 +13809,10 @@
       </p:grpSpPr>
       <p:sp>
         <p:nvSpPr>
-          <p:cNvPr id="6" name="Title 5">
+          <p:cNvPr id="2" name="Title 1">
             <a:extLst>
               <a:ext uri="{FF2B5EF4-FFF2-40B4-BE49-F238E27FC236}">
-                <a16:creationId xmlns:a16="http://schemas.microsoft.com/office/drawing/2014/main" id="{93B44130-F4F1-DA47-AB6D-67C33825DC3B}"/>
+                <a16:creationId xmlns:a16="http://schemas.microsoft.com/office/drawing/2014/main" id="{2849386F-9B7D-6545-B296-970AA36530B3}"/>
               </a:ext>
             </a:extLst>
           </p:cNvPr>
@@ -14014,1270 +13830,18 @@
           <a:p>
             <a:r>
               <a:rPr lang="en-GB" dirty="0" err="1"/>
-              <a:t>Struttura</a:t>
-            </a:r>
-            <a:r>
-              <a:rPr lang="en-GB" dirty="0"/>
-              <a:t> script (Best Practices)</a:t>
-            </a:r>
+              <a:t>Esempio</a:t>
+            </a:r>
+            <a:endParaRPr lang="en-GB" dirty="0"/>
           </a:p>
         </p:txBody>
       </p:sp>
       <p:sp>
         <p:nvSpPr>
-          <p:cNvPr id="7" name="Content Placeholder 6">
+          <p:cNvPr id="4" name="Slide Number Placeholder 3">
             <a:extLst>
               <a:ext uri="{FF2B5EF4-FFF2-40B4-BE49-F238E27FC236}">
-                <a16:creationId xmlns:a16="http://schemas.microsoft.com/office/drawing/2014/main" id="{F3346B34-A549-C945-8B7B-3871E3018006}"/>
-              </a:ext>
-            </a:extLst>
-          </p:cNvPr>
-          <p:cNvSpPr>
-            <a:spLocks noGrp="1"/>
-          </p:cNvSpPr>
-          <p:nvPr>
-            <p:ph idx="1"/>
-          </p:nvPr>
-        </p:nvSpPr>
-        <p:spPr/>
-        <p:txBody>
-          <a:bodyPr>
-            <a:normAutofit fontScale="92500" lnSpcReduction="20000"/>
-          </a:bodyPr>
-          <a:lstStyle/>
-          <a:p>
-            <a:r>
-              <a:rPr lang="en-GB" dirty="0" err="1">
-                <a:latin typeface="Calibri" panose="020F0502020204030204" pitchFamily="34" charset="0"/>
-                <a:cs typeface="Calibri" panose="020F0502020204030204" pitchFamily="34" charset="0"/>
-              </a:rPr>
-              <a:t>Trattandosi</a:t>
-            </a:r>
-            <a:r>
-              <a:rPr lang="en-GB" dirty="0">
-                <a:latin typeface="Calibri" panose="020F0502020204030204" pitchFamily="34" charset="0"/>
-                <a:cs typeface="Calibri" panose="020F0502020204030204" pitchFamily="34" charset="0"/>
-              </a:rPr>
-              <a:t> di un </a:t>
-            </a:r>
-            <a:r>
-              <a:rPr lang="en-GB" dirty="0" err="1">
-                <a:latin typeface="Calibri" panose="020F0502020204030204" pitchFamily="34" charset="0"/>
-                <a:cs typeface="Calibri" panose="020F0502020204030204" pitchFamily="34" charset="0"/>
-              </a:rPr>
-              <a:t>linguaggio</a:t>
-            </a:r>
-            <a:r>
-              <a:rPr lang="en-GB" dirty="0">
-                <a:latin typeface="Calibri" panose="020F0502020204030204" pitchFamily="34" charset="0"/>
-                <a:cs typeface="Calibri" panose="020F0502020204030204" pitchFamily="34" charset="0"/>
-              </a:rPr>
-              <a:t> antico, </a:t>
-            </a:r>
-            <a:r>
-              <a:rPr lang="en-GB" dirty="0" err="1">
-                <a:latin typeface="Calibri" panose="020F0502020204030204" pitchFamily="34" charset="0"/>
-                <a:cs typeface="Calibri" panose="020F0502020204030204" pitchFamily="34" charset="0"/>
-              </a:rPr>
-              <a:t>l’indentazione</a:t>
-            </a:r>
-            <a:r>
-              <a:rPr lang="en-GB" dirty="0">
-                <a:latin typeface="Calibri" panose="020F0502020204030204" pitchFamily="34" charset="0"/>
-                <a:cs typeface="Calibri" panose="020F0502020204030204" pitchFamily="34" charset="0"/>
-              </a:rPr>
-              <a:t> </a:t>
-            </a:r>
-            <a:r>
-              <a:rPr lang="en-GB" dirty="0" err="1">
-                <a:latin typeface="Calibri" panose="020F0502020204030204" pitchFamily="34" charset="0"/>
-                <a:cs typeface="Calibri" panose="020F0502020204030204" pitchFamily="34" charset="0"/>
-              </a:rPr>
-              <a:t>è</a:t>
-            </a:r>
-            <a:r>
-              <a:rPr lang="en-GB" dirty="0">
-                <a:latin typeface="Calibri" panose="020F0502020204030204" pitchFamily="34" charset="0"/>
-                <a:cs typeface="Calibri" panose="020F0502020204030204" pitchFamily="34" charset="0"/>
-              </a:rPr>
-              <a:t> </a:t>
-            </a:r>
-            <a:r>
-              <a:rPr lang="en-GB" dirty="0" err="1">
-                <a:latin typeface="Calibri" panose="020F0502020204030204" pitchFamily="34" charset="0"/>
-                <a:cs typeface="Calibri" panose="020F0502020204030204" pitchFamily="34" charset="0"/>
-              </a:rPr>
-              <a:t>ancora</a:t>
-            </a:r>
-            <a:r>
-              <a:rPr lang="en-GB" dirty="0">
-                <a:latin typeface="Calibri" panose="020F0502020204030204" pitchFamily="34" charset="0"/>
-                <a:cs typeface="Calibri" panose="020F0502020204030204" pitchFamily="34" charset="0"/>
-              </a:rPr>
-              <a:t> </a:t>
-            </a:r>
-            <a:r>
-              <a:rPr lang="en-GB" dirty="0" err="1">
-                <a:latin typeface="Calibri" panose="020F0502020204030204" pitchFamily="34" charset="0"/>
-                <a:cs typeface="Calibri" panose="020F0502020204030204" pitchFamily="34" charset="0"/>
-              </a:rPr>
-              <a:t>facoltativa</a:t>
-            </a:r>
-            <a:r>
-              <a:rPr lang="en-GB" dirty="0">
-                <a:latin typeface="Calibri" panose="020F0502020204030204" pitchFamily="34" charset="0"/>
-                <a:cs typeface="Calibri" panose="020F0502020204030204" pitchFamily="34" charset="0"/>
-              </a:rPr>
-              <a:t> (in Python, </a:t>
-            </a:r>
-            <a:r>
-              <a:rPr lang="en-GB" dirty="0" err="1">
-                <a:latin typeface="Calibri" panose="020F0502020204030204" pitchFamily="34" charset="0"/>
-                <a:cs typeface="Calibri" panose="020F0502020204030204" pitchFamily="34" charset="0"/>
-              </a:rPr>
-              <a:t>recente</a:t>
-            </a:r>
-            <a:r>
-              <a:rPr lang="en-GB" dirty="0">
-                <a:latin typeface="Calibri" panose="020F0502020204030204" pitchFamily="34" charset="0"/>
-                <a:cs typeface="Calibri" panose="020F0502020204030204" pitchFamily="34" charset="0"/>
-              </a:rPr>
-              <a:t>, </a:t>
-            </a:r>
-            <a:r>
-              <a:rPr lang="en-GB" dirty="0" err="1">
-                <a:latin typeface="Calibri" panose="020F0502020204030204" pitchFamily="34" charset="0"/>
-                <a:cs typeface="Calibri" panose="020F0502020204030204" pitchFamily="34" charset="0"/>
-              </a:rPr>
-              <a:t>è</a:t>
-            </a:r>
-            <a:r>
-              <a:rPr lang="en-GB" dirty="0">
-                <a:latin typeface="Calibri" panose="020F0502020204030204" pitchFamily="34" charset="0"/>
-                <a:cs typeface="Calibri" panose="020F0502020204030204" pitchFamily="34" charset="0"/>
-              </a:rPr>
-              <a:t> </a:t>
-            </a:r>
-            <a:r>
-              <a:rPr lang="en-GB" dirty="0" err="1">
-                <a:latin typeface="Calibri" panose="020F0502020204030204" pitchFamily="34" charset="0"/>
-                <a:cs typeface="Calibri" panose="020F0502020204030204" pitchFamily="34" charset="0"/>
-              </a:rPr>
-              <a:t>obbligatoria</a:t>
-            </a:r>
-            <a:r>
-              <a:rPr lang="en-GB" dirty="0">
-                <a:latin typeface="Calibri" panose="020F0502020204030204" pitchFamily="34" charset="0"/>
-                <a:cs typeface="Calibri" panose="020F0502020204030204" pitchFamily="34" charset="0"/>
-              </a:rPr>
-              <a:t>!). </a:t>
-            </a:r>
-            <a:r>
-              <a:rPr lang="en-GB" dirty="0" err="1">
-                <a:solidFill>
-                  <a:schemeClr val="accent6">
-                    <a:lumMod val="75000"/>
-                  </a:schemeClr>
-                </a:solidFill>
-                <a:latin typeface="Calibri" panose="020F0502020204030204" pitchFamily="34" charset="0"/>
-                <a:cs typeface="Calibri" panose="020F0502020204030204" pitchFamily="34" charset="0"/>
-              </a:rPr>
-              <a:t>Indentazione</a:t>
-            </a:r>
-            <a:r>
-              <a:rPr lang="en-GB" dirty="0">
-                <a:solidFill>
-                  <a:schemeClr val="accent6">
-                    <a:lumMod val="75000"/>
-                  </a:schemeClr>
-                </a:solidFill>
-                <a:latin typeface="Calibri" panose="020F0502020204030204" pitchFamily="34" charset="0"/>
-                <a:cs typeface="Calibri" panose="020F0502020204030204" pitchFamily="34" charset="0"/>
-              </a:rPr>
-              <a:t> </a:t>
-            </a:r>
-            <a:r>
-              <a:rPr lang="en-GB" dirty="0" err="1">
-                <a:solidFill>
-                  <a:schemeClr val="accent6">
-                    <a:lumMod val="75000"/>
-                  </a:schemeClr>
-                </a:solidFill>
-                <a:latin typeface="Calibri" panose="020F0502020204030204" pitchFamily="34" charset="0"/>
-                <a:cs typeface="Calibri" panose="020F0502020204030204" pitchFamily="34" charset="0"/>
-              </a:rPr>
-              <a:t>è</a:t>
-            </a:r>
-            <a:r>
-              <a:rPr lang="en-GB" dirty="0">
-                <a:solidFill>
-                  <a:schemeClr val="accent6">
-                    <a:lumMod val="75000"/>
-                  </a:schemeClr>
-                </a:solidFill>
-                <a:latin typeface="Calibri" panose="020F0502020204030204" pitchFamily="34" charset="0"/>
-                <a:cs typeface="Calibri" panose="020F0502020204030204" pitchFamily="34" charset="0"/>
-              </a:rPr>
-              <a:t> </a:t>
-            </a:r>
-            <a:r>
-              <a:rPr lang="en-GB" dirty="0" err="1">
-                <a:solidFill>
-                  <a:schemeClr val="accent6">
-                    <a:lumMod val="75000"/>
-                  </a:schemeClr>
-                </a:solidFill>
-                <a:latin typeface="Calibri" panose="020F0502020204030204" pitchFamily="34" charset="0"/>
-                <a:cs typeface="Calibri" panose="020F0502020204030204" pitchFamily="34" charset="0"/>
-              </a:rPr>
-              <a:t>comunque</a:t>
-            </a:r>
-            <a:r>
-              <a:rPr lang="en-GB" dirty="0">
-                <a:solidFill>
-                  <a:schemeClr val="accent6">
-                    <a:lumMod val="75000"/>
-                  </a:schemeClr>
-                </a:solidFill>
-                <a:latin typeface="Calibri" panose="020F0502020204030204" pitchFamily="34" charset="0"/>
-                <a:cs typeface="Calibri" panose="020F0502020204030204" pitchFamily="34" charset="0"/>
-              </a:rPr>
-              <a:t> di </a:t>
-            </a:r>
-            <a:r>
-              <a:rPr lang="en-GB" dirty="0" err="1">
-                <a:solidFill>
-                  <a:schemeClr val="accent6">
-                    <a:lumMod val="75000"/>
-                  </a:schemeClr>
-                </a:solidFill>
-                <a:latin typeface="Calibri" panose="020F0502020204030204" pitchFamily="34" charset="0"/>
-                <a:cs typeface="Calibri" panose="020F0502020204030204" pitchFamily="34" charset="0"/>
-              </a:rPr>
-              <a:t>fondamentale</a:t>
-            </a:r>
-            <a:r>
-              <a:rPr lang="en-GB" dirty="0">
-                <a:solidFill>
-                  <a:schemeClr val="accent6">
-                    <a:lumMod val="75000"/>
-                  </a:schemeClr>
-                </a:solidFill>
-                <a:latin typeface="Calibri" panose="020F0502020204030204" pitchFamily="34" charset="0"/>
-                <a:cs typeface="Calibri" panose="020F0502020204030204" pitchFamily="34" charset="0"/>
-              </a:rPr>
-              <a:t> </a:t>
-            </a:r>
-            <a:r>
-              <a:rPr lang="en-GB" dirty="0" err="1">
-                <a:solidFill>
-                  <a:schemeClr val="accent6">
-                    <a:lumMod val="75000"/>
-                  </a:schemeClr>
-                </a:solidFill>
-                <a:latin typeface="Calibri" panose="020F0502020204030204" pitchFamily="34" charset="0"/>
-                <a:cs typeface="Calibri" panose="020F0502020204030204" pitchFamily="34" charset="0"/>
-              </a:rPr>
-              <a:t>importanza</a:t>
-            </a:r>
-            <a:r>
-              <a:rPr lang="en-GB" dirty="0">
-                <a:solidFill>
-                  <a:schemeClr val="accent6">
-                    <a:lumMod val="75000"/>
-                  </a:schemeClr>
-                </a:solidFill>
-                <a:latin typeface="Calibri" panose="020F0502020204030204" pitchFamily="34" charset="0"/>
-                <a:cs typeface="Calibri" panose="020F0502020204030204" pitchFamily="34" charset="0"/>
-              </a:rPr>
-              <a:t>!</a:t>
-            </a:r>
-          </a:p>
-          <a:p>
-            <a:r>
-              <a:rPr lang="en-GB" dirty="0" err="1">
-                <a:solidFill>
-                  <a:schemeClr val="accent6">
-                    <a:lumMod val="75000"/>
-                  </a:schemeClr>
-                </a:solidFill>
-                <a:latin typeface="Calibri" panose="020F0502020204030204" pitchFamily="34" charset="0"/>
-                <a:cs typeface="Calibri" panose="020F0502020204030204" pitchFamily="34" charset="0"/>
-              </a:rPr>
-              <a:t>Variabili</a:t>
-            </a:r>
-            <a:r>
-              <a:rPr lang="en-GB" dirty="0">
-                <a:solidFill>
-                  <a:schemeClr val="accent6">
-                    <a:lumMod val="75000"/>
-                  </a:schemeClr>
-                </a:solidFill>
-                <a:latin typeface="Calibri" panose="020F0502020204030204" pitchFamily="34" charset="0"/>
-                <a:cs typeface="Calibri" panose="020F0502020204030204" pitchFamily="34" charset="0"/>
-              </a:rPr>
-              <a:t> </a:t>
-            </a:r>
-            <a:r>
-              <a:rPr lang="en-GB" dirty="0" err="1">
-                <a:solidFill>
-                  <a:schemeClr val="accent6">
-                    <a:lumMod val="75000"/>
-                  </a:schemeClr>
-                </a:solidFill>
-                <a:latin typeface="Calibri" panose="020F0502020204030204" pitchFamily="34" charset="0"/>
-                <a:cs typeface="Calibri" panose="020F0502020204030204" pitchFamily="34" charset="0"/>
-              </a:rPr>
-              <a:t>globali</a:t>
-            </a:r>
-            <a:r>
-              <a:rPr lang="en-GB" dirty="0">
-                <a:solidFill>
-                  <a:schemeClr val="accent6">
-                    <a:lumMod val="75000"/>
-                  </a:schemeClr>
-                </a:solidFill>
-                <a:latin typeface="Calibri" panose="020F0502020204030204" pitchFamily="34" charset="0"/>
-                <a:cs typeface="Calibri" panose="020F0502020204030204" pitchFamily="34" charset="0"/>
-              </a:rPr>
-              <a:t> </a:t>
-            </a:r>
-            <a:r>
-              <a:rPr lang="en-GB" dirty="0" err="1">
-                <a:solidFill>
-                  <a:schemeClr val="accent6">
-                    <a:lumMod val="75000"/>
-                  </a:schemeClr>
-                </a:solidFill>
-                <a:latin typeface="Calibri" panose="020F0502020204030204" pitchFamily="34" charset="0"/>
-                <a:cs typeface="Calibri" panose="020F0502020204030204" pitchFamily="34" charset="0"/>
-              </a:rPr>
-              <a:t>sono</a:t>
-            </a:r>
-            <a:r>
-              <a:rPr lang="en-GB" dirty="0">
-                <a:solidFill>
-                  <a:schemeClr val="accent6">
-                    <a:lumMod val="75000"/>
-                  </a:schemeClr>
-                </a:solidFill>
-                <a:latin typeface="Calibri" panose="020F0502020204030204" pitchFamily="34" charset="0"/>
-                <a:cs typeface="Calibri" panose="020F0502020204030204" pitchFamily="34" charset="0"/>
-              </a:rPr>
-              <a:t> MAIUSCOLE </a:t>
-            </a:r>
-            <a:r>
-              <a:rPr lang="en-GB" dirty="0">
-                <a:latin typeface="Calibri" panose="020F0502020204030204" pitchFamily="34" charset="0"/>
-                <a:cs typeface="Calibri" panose="020F0502020204030204" pitchFamily="34" charset="0"/>
-              </a:rPr>
-              <a:t>(ad </a:t>
-            </a:r>
-            <a:r>
-              <a:rPr lang="en-GB" dirty="0" err="1">
-                <a:latin typeface="Calibri" panose="020F0502020204030204" pitchFamily="34" charset="0"/>
-                <a:cs typeface="Calibri" panose="020F0502020204030204" pitchFamily="34" charset="0"/>
-              </a:rPr>
-              <a:t>es</a:t>
-            </a:r>
-            <a:r>
-              <a:rPr lang="en-GB" dirty="0">
-                <a:latin typeface="Calibri" panose="020F0502020204030204" pitchFamily="34" charset="0"/>
-                <a:cs typeface="Calibri" panose="020F0502020204030204" pitchFamily="34" charset="0"/>
-              </a:rPr>
-              <a:t>. USAGE=“$0 usage: ...”)</a:t>
-            </a:r>
-          </a:p>
-          <a:p>
-            <a:r>
-              <a:rPr lang="en-GB" dirty="0" err="1">
-                <a:solidFill>
-                  <a:schemeClr val="accent6">
-                    <a:lumMod val="75000"/>
-                  </a:schemeClr>
-                </a:solidFill>
-                <a:latin typeface="Calibri" panose="020F0502020204030204" pitchFamily="34" charset="0"/>
-                <a:cs typeface="Calibri" panose="020F0502020204030204" pitchFamily="34" charset="0"/>
-              </a:rPr>
-              <a:t>Controllo</a:t>
-            </a:r>
-            <a:r>
-              <a:rPr lang="en-GB" dirty="0">
-                <a:solidFill>
-                  <a:schemeClr val="accent6">
-                    <a:lumMod val="75000"/>
-                  </a:schemeClr>
-                </a:solidFill>
-                <a:latin typeface="Calibri" panose="020F0502020204030204" pitchFamily="34" charset="0"/>
-                <a:cs typeface="Calibri" panose="020F0502020204030204" pitchFamily="34" charset="0"/>
-              </a:rPr>
-              <a:t> </a:t>
-            </a:r>
-            <a:r>
-              <a:rPr lang="en-GB" dirty="0" err="1">
-                <a:solidFill>
-                  <a:schemeClr val="accent6">
-                    <a:lumMod val="75000"/>
-                  </a:schemeClr>
-                </a:solidFill>
-                <a:latin typeface="Calibri" panose="020F0502020204030204" pitchFamily="34" charset="0"/>
-                <a:cs typeface="Calibri" panose="020F0502020204030204" pitchFamily="34" charset="0"/>
-              </a:rPr>
-              <a:t>dei</a:t>
-            </a:r>
-            <a:r>
-              <a:rPr lang="en-GB" dirty="0">
-                <a:solidFill>
-                  <a:schemeClr val="accent6">
-                    <a:lumMod val="75000"/>
-                  </a:schemeClr>
-                </a:solidFill>
-                <a:latin typeface="Calibri" panose="020F0502020204030204" pitchFamily="34" charset="0"/>
-                <a:cs typeface="Calibri" panose="020F0502020204030204" pitchFamily="34" charset="0"/>
-              </a:rPr>
-              <a:t> </a:t>
-            </a:r>
-            <a:r>
-              <a:rPr lang="en-GB" dirty="0" err="1">
-                <a:solidFill>
-                  <a:schemeClr val="accent6">
-                    <a:lumMod val="75000"/>
-                  </a:schemeClr>
-                </a:solidFill>
-                <a:latin typeface="Calibri" panose="020F0502020204030204" pitchFamily="34" charset="0"/>
-                <a:cs typeface="Calibri" panose="020F0502020204030204" pitchFamily="34" charset="0"/>
-              </a:rPr>
-              <a:t>parametri</a:t>
-            </a:r>
-            <a:r>
-              <a:rPr lang="en-GB" dirty="0">
-                <a:solidFill>
-                  <a:schemeClr val="accent6">
-                    <a:lumMod val="75000"/>
-                  </a:schemeClr>
-                </a:solidFill>
-                <a:latin typeface="Calibri" panose="020F0502020204030204" pitchFamily="34" charset="0"/>
-                <a:cs typeface="Calibri" panose="020F0502020204030204" pitchFamily="34" charset="0"/>
-              </a:rPr>
-              <a:t> </a:t>
-            </a:r>
-            <a:r>
-              <a:rPr lang="en-GB" dirty="0" err="1">
-                <a:solidFill>
-                  <a:schemeClr val="accent6">
-                    <a:lumMod val="75000"/>
-                  </a:schemeClr>
-                </a:solidFill>
-                <a:latin typeface="Calibri" panose="020F0502020204030204" pitchFamily="34" charset="0"/>
-                <a:cs typeface="Calibri" panose="020F0502020204030204" pitchFamily="34" charset="0"/>
-              </a:rPr>
-              <a:t>avviene</a:t>
-            </a:r>
-            <a:r>
-              <a:rPr lang="en-GB" dirty="0">
-                <a:solidFill>
-                  <a:schemeClr val="accent6">
-                    <a:lumMod val="75000"/>
-                  </a:schemeClr>
-                </a:solidFill>
-                <a:latin typeface="Calibri" panose="020F0502020204030204" pitchFamily="34" charset="0"/>
-                <a:cs typeface="Calibri" panose="020F0502020204030204" pitchFamily="34" charset="0"/>
-              </a:rPr>
-              <a:t> in via </a:t>
-            </a:r>
-            <a:r>
-              <a:rPr lang="en-GB" dirty="0" err="1">
-                <a:solidFill>
-                  <a:schemeClr val="accent6">
-                    <a:lumMod val="75000"/>
-                  </a:schemeClr>
-                </a:solidFill>
-                <a:latin typeface="Calibri" panose="020F0502020204030204" pitchFamily="34" charset="0"/>
-                <a:cs typeface="Calibri" panose="020F0502020204030204" pitchFamily="34" charset="0"/>
-              </a:rPr>
-              <a:t>negativa</a:t>
-            </a:r>
-            <a:r>
-              <a:rPr lang="en-GB" dirty="0">
-                <a:latin typeface="Calibri" panose="020F0502020204030204" pitchFamily="34" charset="0"/>
-                <a:cs typeface="Calibri" panose="020F0502020204030204" pitchFamily="34" charset="0"/>
-              </a:rPr>
-              <a:t>. Si </a:t>
-            </a:r>
-            <a:r>
-              <a:rPr lang="en-GB" dirty="0" err="1">
-                <a:latin typeface="Calibri" panose="020F0502020204030204" pitchFamily="34" charset="0"/>
-                <a:cs typeface="Calibri" panose="020F0502020204030204" pitchFamily="34" charset="0"/>
-              </a:rPr>
-              <a:t>controllano</a:t>
-            </a:r>
-            <a:r>
-              <a:rPr lang="en-GB" dirty="0">
-                <a:latin typeface="Calibri" panose="020F0502020204030204" pitchFamily="34" charset="0"/>
-                <a:cs typeface="Calibri" panose="020F0502020204030204" pitchFamily="34" charset="0"/>
-              </a:rPr>
-              <a:t> le </a:t>
-            </a:r>
-            <a:r>
-              <a:rPr lang="en-GB" dirty="0" err="1">
-                <a:latin typeface="Calibri" panose="020F0502020204030204" pitchFamily="34" charset="0"/>
-                <a:cs typeface="Calibri" panose="020F0502020204030204" pitchFamily="34" charset="0"/>
-              </a:rPr>
-              <a:t>condizioni</a:t>
-            </a:r>
-            <a:r>
-              <a:rPr lang="en-GB" dirty="0">
-                <a:latin typeface="Calibri" panose="020F0502020204030204" pitchFamily="34" charset="0"/>
-                <a:cs typeface="Calibri" panose="020F0502020204030204" pitchFamily="34" charset="0"/>
-              </a:rPr>
-              <a:t> di </a:t>
-            </a:r>
-            <a:r>
-              <a:rPr lang="en-GB" dirty="0" err="1">
-                <a:latin typeface="Calibri" panose="020F0502020204030204" pitchFamily="34" charset="0"/>
-                <a:cs typeface="Calibri" panose="020F0502020204030204" pitchFamily="34" charset="0"/>
-              </a:rPr>
-              <a:t>fallimento</a:t>
-            </a:r>
-            <a:r>
-              <a:rPr lang="en-GB" dirty="0">
-                <a:latin typeface="Calibri" panose="020F0502020204030204" pitchFamily="34" charset="0"/>
-                <a:cs typeface="Calibri" panose="020F0502020204030204" pitchFamily="34" charset="0"/>
-              </a:rPr>
-              <a:t> e, se </a:t>
-            </a:r>
-            <a:r>
-              <a:rPr lang="en-GB" dirty="0" err="1">
-                <a:latin typeface="Calibri" panose="020F0502020204030204" pitchFamily="34" charset="0"/>
-                <a:cs typeface="Calibri" panose="020F0502020204030204" pitchFamily="34" charset="0"/>
-              </a:rPr>
-              <a:t>verificate</a:t>
-            </a:r>
-            <a:r>
-              <a:rPr lang="en-GB" dirty="0">
-                <a:latin typeface="Calibri" panose="020F0502020204030204" pitchFamily="34" charset="0"/>
-                <a:cs typeface="Calibri" panose="020F0502020204030204" pitchFamily="34" charset="0"/>
-              </a:rPr>
-              <a:t>, </a:t>
-            </a:r>
-            <a:r>
-              <a:rPr lang="en-GB" dirty="0" err="1">
-                <a:latin typeface="Calibri" panose="020F0502020204030204" pitchFamily="34" charset="0"/>
-                <a:cs typeface="Calibri" panose="020F0502020204030204" pitchFamily="34" charset="0"/>
-              </a:rPr>
-              <a:t>si</a:t>
-            </a:r>
-            <a:r>
-              <a:rPr lang="en-GB" dirty="0">
-                <a:latin typeface="Calibri" panose="020F0502020204030204" pitchFamily="34" charset="0"/>
-                <a:cs typeface="Calibri" panose="020F0502020204030204" pitchFamily="34" charset="0"/>
-              </a:rPr>
-              <a:t> </a:t>
-            </a:r>
-            <a:r>
-              <a:rPr lang="en-GB" dirty="0" err="1">
-                <a:latin typeface="Calibri" panose="020F0502020204030204" pitchFamily="34" charset="0"/>
-                <a:cs typeface="Calibri" panose="020F0502020204030204" pitchFamily="34" charset="0"/>
-              </a:rPr>
-              <a:t>termina</a:t>
-            </a:r>
-            <a:r>
-              <a:rPr lang="en-GB" dirty="0">
-                <a:latin typeface="Calibri" panose="020F0502020204030204" pitchFamily="34" charset="0"/>
-                <a:cs typeface="Calibri" panose="020F0502020204030204" pitchFamily="34" charset="0"/>
-              </a:rPr>
-              <a:t> lo script </a:t>
-            </a:r>
-            <a:r>
-              <a:rPr lang="en-GB" dirty="0" err="1">
-                <a:latin typeface="Calibri" panose="020F0502020204030204" pitchFamily="34" charset="0"/>
-                <a:cs typeface="Calibri" panose="020F0502020204030204" pitchFamily="34" charset="0"/>
-              </a:rPr>
-              <a:t>ritornando</a:t>
-            </a:r>
-            <a:r>
-              <a:rPr lang="en-GB" dirty="0">
-                <a:latin typeface="Calibri" panose="020F0502020204030204" pitchFamily="34" charset="0"/>
-                <a:cs typeface="Calibri" panose="020F0502020204030204" pitchFamily="34" charset="0"/>
-              </a:rPr>
-              <a:t> un </a:t>
-            </a:r>
-            <a:r>
-              <a:rPr lang="en-GB" dirty="0" err="1">
-                <a:latin typeface="Calibri" panose="020F0502020204030204" pitchFamily="34" charset="0"/>
-                <a:cs typeface="Calibri" panose="020F0502020204030204" pitchFamily="34" charset="0"/>
-              </a:rPr>
-              <a:t>codice</a:t>
-            </a:r>
-            <a:r>
-              <a:rPr lang="en-GB" dirty="0">
-                <a:latin typeface="Calibri" panose="020F0502020204030204" pitchFamily="34" charset="0"/>
-                <a:cs typeface="Calibri" panose="020F0502020204030204" pitchFamily="34" charset="0"/>
-              </a:rPr>
-              <a:t> </a:t>
-            </a:r>
-            <a:r>
-              <a:rPr lang="en-GB" dirty="0" err="1">
-                <a:latin typeface="Calibri" panose="020F0502020204030204" pitchFamily="34" charset="0"/>
-                <a:cs typeface="Calibri" panose="020F0502020204030204" pitchFamily="34" charset="0"/>
-              </a:rPr>
-              <a:t>errore</a:t>
-            </a:r>
-            <a:r>
-              <a:rPr lang="en-GB" dirty="0">
-                <a:latin typeface="Calibri" panose="020F0502020204030204" pitchFamily="34" charset="0"/>
-                <a:cs typeface="Calibri" panose="020F0502020204030204" pitchFamily="34" charset="0"/>
-              </a:rPr>
-              <a:t> (exit 1). Questa </a:t>
-            </a:r>
-            <a:r>
-              <a:rPr lang="en-GB" dirty="0" err="1">
-                <a:latin typeface="Calibri" panose="020F0502020204030204" pitchFamily="34" charset="0"/>
-                <a:cs typeface="Calibri" panose="020F0502020204030204" pitchFamily="34" charset="0"/>
-              </a:rPr>
-              <a:t>pratica</a:t>
-            </a:r>
-            <a:r>
-              <a:rPr lang="en-GB" dirty="0">
-                <a:latin typeface="Calibri" panose="020F0502020204030204" pitchFamily="34" charset="0"/>
-                <a:cs typeface="Calibri" panose="020F0502020204030204" pitchFamily="34" charset="0"/>
-              </a:rPr>
-              <a:t> </a:t>
-            </a:r>
-            <a:r>
-              <a:rPr lang="en-GB" dirty="0" err="1">
-                <a:latin typeface="Calibri" panose="020F0502020204030204" pitchFamily="34" charset="0"/>
-                <a:cs typeface="Calibri" panose="020F0502020204030204" pitchFamily="34" charset="0"/>
-              </a:rPr>
-              <a:t>evita</a:t>
-            </a:r>
-            <a:r>
-              <a:rPr lang="en-GB" dirty="0">
-                <a:latin typeface="Calibri" panose="020F0502020204030204" pitchFamily="34" charset="0"/>
-                <a:cs typeface="Calibri" panose="020F0502020204030204" pitchFamily="34" charset="0"/>
-              </a:rPr>
-              <a:t> </a:t>
-            </a:r>
-            <a:r>
-              <a:rPr lang="en-GB" dirty="0" err="1">
-                <a:latin typeface="Calibri" panose="020F0502020204030204" pitchFamily="34" charset="0"/>
-                <a:cs typeface="Calibri" panose="020F0502020204030204" pitchFamily="34" charset="0"/>
-              </a:rPr>
-              <a:t>indentazione</a:t>
-            </a:r>
-            <a:r>
-              <a:rPr lang="en-GB" dirty="0">
-                <a:latin typeface="Calibri" panose="020F0502020204030204" pitchFamily="34" charset="0"/>
-                <a:cs typeface="Calibri" panose="020F0502020204030204" pitchFamily="34" charset="0"/>
-              </a:rPr>
-              <a:t> </a:t>
-            </a:r>
-            <a:r>
-              <a:rPr lang="en-GB" dirty="0" err="1">
-                <a:latin typeface="Calibri" panose="020F0502020204030204" pitchFamily="34" charset="0"/>
-                <a:cs typeface="Calibri" panose="020F0502020204030204" pitchFamily="34" charset="0"/>
-              </a:rPr>
-              <a:t>eccessiva</a:t>
-            </a:r>
-            <a:endParaRPr lang="en-GB" dirty="0">
-              <a:latin typeface="Calibri" panose="020F0502020204030204" pitchFamily="34" charset="0"/>
-              <a:cs typeface="Calibri" panose="020F0502020204030204" pitchFamily="34" charset="0"/>
-            </a:endParaRPr>
-          </a:p>
-          <a:p>
-            <a:r>
-              <a:rPr lang="en-GB" dirty="0">
-                <a:solidFill>
-                  <a:schemeClr val="accent6">
-                    <a:lumMod val="75000"/>
-                  </a:schemeClr>
-                </a:solidFill>
-                <a:latin typeface="Calibri" panose="020F0502020204030204" pitchFamily="34" charset="0"/>
-                <a:cs typeface="Calibri" panose="020F0502020204030204" pitchFamily="34" charset="0"/>
-              </a:rPr>
-              <a:t>I </a:t>
-            </a:r>
-            <a:r>
-              <a:rPr lang="en-GB" dirty="0" err="1">
-                <a:solidFill>
-                  <a:schemeClr val="accent6">
-                    <a:lumMod val="75000"/>
-                  </a:schemeClr>
-                </a:solidFill>
-                <a:latin typeface="Calibri" panose="020F0502020204030204" pitchFamily="34" charset="0"/>
-                <a:cs typeface="Calibri" panose="020F0502020204030204" pitchFamily="34" charset="0"/>
-              </a:rPr>
-              <a:t>valori</a:t>
-            </a:r>
-            <a:r>
-              <a:rPr lang="en-GB" dirty="0">
-                <a:solidFill>
-                  <a:schemeClr val="accent6">
-                    <a:lumMod val="75000"/>
-                  </a:schemeClr>
-                </a:solidFill>
-                <a:latin typeface="Calibri" panose="020F0502020204030204" pitchFamily="34" charset="0"/>
-                <a:cs typeface="Calibri" panose="020F0502020204030204" pitchFamily="34" charset="0"/>
-              </a:rPr>
-              <a:t> di </a:t>
-            </a:r>
-            <a:r>
-              <a:rPr lang="en-GB" dirty="0" err="1">
-                <a:solidFill>
-                  <a:schemeClr val="accent6">
-                    <a:lumMod val="75000"/>
-                  </a:schemeClr>
-                </a:solidFill>
-                <a:latin typeface="Calibri" panose="020F0502020204030204" pitchFamily="34" charset="0"/>
-                <a:cs typeface="Calibri" panose="020F0502020204030204" pitchFamily="34" charset="0"/>
-              </a:rPr>
-              <a:t>uscita</a:t>
-            </a:r>
-            <a:r>
-              <a:rPr lang="en-GB" dirty="0">
-                <a:solidFill>
-                  <a:schemeClr val="accent6">
-                    <a:lumMod val="75000"/>
-                  </a:schemeClr>
-                </a:solidFill>
-                <a:latin typeface="Calibri" panose="020F0502020204030204" pitchFamily="34" charset="0"/>
-                <a:cs typeface="Calibri" panose="020F0502020204030204" pitchFamily="34" charset="0"/>
-              </a:rPr>
-              <a:t> (exit) </a:t>
-            </a:r>
-            <a:r>
-              <a:rPr lang="en-GB" dirty="0" err="1">
-                <a:solidFill>
-                  <a:schemeClr val="accent6">
-                    <a:lumMod val="75000"/>
-                  </a:schemeClr>
-                </a:solidFill>
-                <a:latin typeface="Calibri" panose="020F0502020204030204" pitchFamily="34" charset="0"/>
-                <a:cs typeface="Calibri" panose="020F0502020204030204" pitchFamily="34" charset="0"/>
-              </a:rPr>
-              <a:t>utilizzano</a:t>
-            </a:r>
-            <a:r>
-              <a:rPr lang="en-GB" dirty="0">
-                <a:solidFill>
-                  <a:schemeClr val="accent6">
-                    <a:lumMod val="75000"/>
-                  </a:schemeClr>
-                </a:solidFill>
-                <a:latin typeface="Calibri" panose="020F0502020204030204" pitchFamily="34" charset="0"/>
-                <a:cs typeface="Calibri" panose="020F0502020204030204" pitchFamily="34" charset="0"/>
-              </a:rPr>
-              <a:t> </a:t>
-            </a:r>
-            <a:r>
-              <a:rPr lang="en-GB" dirty="0" err="1">
-                <a:solidFill>
-                  <a:schemeClr val="accent6">
-                    <a:lumMod val="75000"/>
-                  </a:schemeClr>
-                </a:solidFill>
-                <a:latin typeface="Calibri" panose="020F0502020204030204" pitchFamily="34" charset="0"/>
-                <a:cs typeface="Calibri" panose="020F0502020204030204" pitchFamily="34" charset="0"/>
-              </a:rPr>
-              <a:t>valori</a:t>
-            </a:r>
-            <a:r>
-              <a:rPr lang="en-GB" dirty="0">
-                <a:solidFill>
-                  <a:schemeClr val="accent6">
-                    <a:lumMod val="75000"/>
-                  </a:schemeClr>
-                </a:solidFill>
-                <a:latin typeface="Calibri" panose="020F0502020204030204" pitchFamily="34" charset="0"/>
-                <a:cs typeface="Calibri" panose="020F0502020204030204" pitchFamily="34" charset="0"/>
-              </a:rPr>
-              <a:t> </a:t>
-            </a:r>
-            <a:r>
-              <a:rPr lang="en-GB" dirty="0" err="1">
-                <a:solidFill>
-                  <a:schemeClr val="accent6">
-                    <a:lumMod val="75000"/>
-                  </a:schemeClr>
-                </a:solidFill>
-                <a:latin typeface="Calibri" panose="020F0502020204030204" pitchFamily="34" charset="0"/>
-                <a:cs typeface="Calibri" panose="020F0502020204030204" pitchFamily="34" charset="0"/>
-              </a:rPr>
-              <a:t>diversi</a:t>
-            </a:r>
-            <a:r>
-              <a:rPr lang="en-GB" dirty="0">
-                <a:solidFill>
-                  <a:schemeClr val="accent6">
-                    <a:lumMod val="75000"/>
-                  </a:schemeClr>
-                </a:solidFill>
-                <a:latin typeface="Calibri" panose="020F0502020204030204" pitchFamily="34" charset="0"/>
-                <a:cs typeface="Calibri" panose="020F0502020204030204" pitchFamily="34" charset="0"/>
-              </a:rPr>
-              <a:t> per </a:t>
-            </a:r>
-            <a:r>
-              <a:rPr lang="en-GB" dirty="0" err="1">
-                <a:solidFill>
-                  <a:schemeClr val="accent6">
-                    <a:lumMod val="75000"/>
-                  </a:schemeClr>
-                </a:solidFill>
-                <a:latin typeface="Calibri" panose="020F0502020204030204" pitchFamily="34" charset="0"/>
-                <a:cs typeface="Calibri" panose="020F0502020204030204" pitchFamily="34" charset="0"/>
-              </a:rPr>
-              <a:t>distinguere</a:t>
-            </a:r>
-            <a:r>
-              <a:rPr lang="en-GB" dirty="0">
-                <a:solidFill>
-                  <a:schemeClr val="accent6">
-                    <a:lumMod val="75000"/>
-                  </a:schemeClr>
-                </a:solidFill>
-                <a:latin typeface="Calibri" panose="020F0502020204030204" pitchFamily="34" charset="0"/>
-                <a:cs typeface="Calibri" panose="020F0502020204030204" pitchFamily="34" charset="0"/>
-              </a:rPr>
-              <a:t> </a:t>
-            </a:r>
-            <a:r>
-              <a:rPr lang="en-GB" dirty="0" err="1">
-                <a:solidFill>
-                  <a:schemeClr val="accent6">
-                    <a:lumMod val="75000"/>
-                  </a:schemeClr>
-                </a:solidFill>
-                <a:latin typeface="Calibri" panose="020F0502020204030204" pitchFamily="34" charset="0"/>
-                <a:cs typeface="Calibri" panose="020F0502020204030204" pitchFamily="34" charset="0"/>
-              </a:rPr>
-              <a:t>successo</a:t>
-            </a:r>
-            <a:r>
-              <a:rPr lang="en-GB" dirty="0">
-                <a:solidFill>
-                  <a:schemeClr val="accent6">
-                    <a:lumMod val="75000"/>
-                  </a:schemeClr>
-                </a:solidFill>
-                <a:latin typeface="Calibri" panose="020F0502020204030204" pitchFamily="34" charset="0"/>
-                <a:cs typeface="Calibri" panose="020F0502020204030204" pitchFamily="34" charset="0"/>
-              </a:rPr>
-              <a:t> (exit 0) da </a:t>
-            </a:r>
-            <a:r>
-              <a:rPr lang="en-GB" dirty="0" err="1">
-                <a:solidFill>
-                  <a:schemeClr val="accent6">
-                    <a:lumMod val="75000"/>
-                  </a:schemeClr>
-                </a:solidFill>
-                <a:latin typeface="Calibri" panose="020F0502020204030204" pitchFamily="34" charset="0"/>
-                <a:cs typeface="Calibri" panose="020F0502020204030204" pitchFamily="34" charset="0"/>
-              </a:rPr>
-              <a:t>fallimento</a:t>
-            </a:r>
-            <a:r>
-              <a:rPr lang="en-GB" dirty="0">
-                <a:solidFill>
-                  <a:schemeClr val="accent6">
-                    <a:lumMod val="75000"/>
-                  </a:schemeClr>
-                </a:solidFill>
-                <a:latin typeface="Calibri" panose="020F0502020204030204" pitchFamily="34" charset="0"/>
-                <a:cs typeface="Calibri" panose="020F0502020204030204" pitchFamily="34" charset="0"/>
-              </a:rPr>
-              <a:t> (exit 1). </a:t>
-            </a:r>
-            <a:r>
-              <a:rPr lang="en-GB" dirty="0">
-                <a:latin typeface="Calibri" panose="020F0502020204030204" pitchFamily="34" charset="0"/>
-                <a:cs typeface="Calibri" panose="020F0502020204030204" pitchFamily="34" charset="0"/>
-              </a:rPr>
-              <a:t>Per </a:t>
-            </a:r>
-            <a:r>
-              <a:rPr lang="en-GB" dirty="0" err="1">
-                <a:latin typeface="Calibri" panose="020F0502020204030204" pitchFamily="34" charset="0"/>
-                <a:cs typeface="Calibri" panose="020F0502020204030204" pitchFamily="34" charset="0"/>
-              </a:rPr>
-              <a:t>differenziare</a:t>
-            </a:r>
-            <a:r>
-              <a:rPr lang="en-GB" dirty="0">
-                <a:latin typeface="Calibri" panose="020F0502020204030204" pitchFamily="34" charset="0"/>
-                <a:cs typeface="Calibri" panose="020F0502020204030204" pitchFamily="34" charset="0"/>
-              </a:rPr>
-              <a:t> </a:t>
-            </a:r>
-            <a:r>
-              <a:rPr lang="en-GB" dirty="0" err="1">
-                <a:latin typeface="Calibri" panose="020F0502020204030204" pitchFamily="34" charset="0"/>
-                <a:cs typeface="Calibri" panose="020F0502020204030204" pitchFamily="34" charset="0"/>
-              </a:rPr>
-              <a:t>fra</a:t>
-            </a:r>
-            <a:r>
-              <a:rPr lang="en-GB" dirty="0">
-                <a:latin typeface="Calibri" panose="020F0502020204030204" pitchFamily="34" charset="0"/>
-                <a:cs typeface="Calibri" panose="020F0502020204030204" pitchFamily="34" charset="0"/>
-              </a:rPr>
-              <a:t> </a:t>
-            </a:r>
-            <a:r>
-              <a:rPr lang="en-GB" dirty="0" err="1">
-                <a:latin typeface="Calibri" panose="020F0502020204030204" pitchFamily="34" charset="0"/>
-                <a:cs typeface="Calibri" panose="020F0502020204030204" pitchFamily="34" charset="0"/>
-              </a:rPr>
-              <a:t>diversi</a:t>
-            </a:r>
-            <a:r>
-              <a:rPr lang="en-GB" dirty="0">
-                <a:latin typeface="Calibri" panose="020F0502020204030204" pitchFamily="34" charset="0"/>
-                <a:cs typeface="Calibri" panose="020F0502020204030204" pitchFamily="34" charset="0"/>
-              </a:rPr>
-              <a:t> tipi di </a:t>
-            </a:r>
-            <a:r>
-              <a:rPr lang="en-GB" dirty="0" err="1">
-                <a:latin typeface="Calibri" panose="020F0502020204030204" pitchFamily="34" charset="0"/>
-                <a:cs typeface="Calibri" panose="020F0502020204030204" pitchFamily="34" charset="0"/>
-              </a:rPr>
-              <a:t>fallimento</a:t>
-            </a:r>
-            <a:r>
-              <a:rPr lang="en-GB" dirty="0">
-                <a:latin typeface="Calibri" panose="020F0502020204030204" pitchFamily="34" charset="0"/>
-                <a:cs typeface="Calibri" panose="020F0502020204030204" pitchFamily="34" charset="0"/>
-              </a:rPr>
-              <a:t> </a:t>
-            </a:r>
-            <a:r>
-              <a:rPr lang="en-GB" dirty="0" err="1">
-                <a:latin typeface="Calibri" panose="020F0502020204030204" pitchFamily="34" charset="0"/>
-                <a:cs typeface="Calibri" panose="020F0502020204030204" pitchFamily="34" charset="0"/>
-              </a:rPr>
-              <a:t>si</a:t>
-            </a:r>
-            <a:r>
-              <a:rPr lang="en-GB" dirty="0">
-                <a:latin typeface="Calibri" panose="020F0502020204030204" pitchFamily="34" charset="0"/>
-                <a:cs typeface="Calibri" panose="020F0502020204030204" pitchFamily="34" charset="0"/>
-              </a:rPr>
-              <a:t> </a:t>
-            </a:r>
-            <a:r>
-              <a:rPr lang="en-GB" dirty="0" err="1">
-                <a:latin typeface="Calibri" panose="020F0502020204030204" pitchFamily="34" charset="0"/>
-                <a:cs typeface="Calibri" panose="020F0502020204030204" pitchFamily="34" charset="0"/>
-              </a:rPr>
-              <a:t>possono</a:t>
-            </a:r>
-            <a:r>
-              <a:rPr lang="en-GB" dirty="0">
-                <a:latin typeface="Calibri" panose="020F0502020204030204" pitchFamily="34" charset="0"/>
-                <a:cs typeface="Calibri" panose="020F0502020204030204" pitchFamily="34" charset="0"/>
-              </a:rPr>
-              <a:t> </a:t>
-            </a:r>
-            <a:r>
-              <a:rPr lang="en-GB" dirty="0" err="1">
-                <a:latin typeface="Calibri" panose="020F0502020204030204" pitchFamily="34" charset="0"/>
-                <a:cs typeface="Calibri" panose="020F0502020204030204" pitchFamily="34" charset="0"/>
-              </a:rPr>
-              <a:t>utilizzare</a:t>
-            </a:r>
-            <a:r>
-              <a:rPr lang="en-GB" dirty="0">
-                <a:latin typeface="Calibri" panose="020F0502020204030204" pitchFamily="34" charset="0"/>
-                <a:cs typeface="Calibri" panose="020F0502020204030204" pitchFamily="34" charset="0"/>
-              </a:rPr>
-              <a:t> numeri </a:t>
-            </a:r>
-            <a:r>
-              <a:rPr lang="en-GB" dirty="0" err="1">
-                <a:latin typeface="Calibri" panose="020F0502020204030204" pitchFamily="34" charset="0"/>
-                <a:cs typeface="Calibri" panose="020F0502020204030204" pitchFamily="34" charset="0"/>
-              </a:rPr>
-              <a:t>positivi</a:t>
-            </a:r>
-            <a:r>
-              <a:rPr lang="en-GB" dirty="0">
-                <a:latin typeface="Calibri" panose="020F0502020204030204" pitchFamily="34" charset="0"/>
-                <a:cs typeface="Calibri" panose="020F0502020204030204" pitchFamily="34" charset="0"/>
-              </a:rPr>
-              <a:t> &gt; 1 (exit 2)</a:t>
-            </a:r>
-          </a:p>
-          <a:p>
-            <a:r>
-              <a:rPr lang="en-GB" dirty="0">
-                <a:latin typeface="Calibri" panose="020F0502020204030204" pitchFamily="34" charset="0"/>
-                <a:cs typeface="Calibri" panose="020F0502020204030204" pitchFamily="34" charset="0"/>
-              </a:rPr>
-              <a:t>I filesystem </a:t>
-            </a:r>
-            <a:r>
-              <a:rPr lang="en-GB" dirty="0" err="1">
-                <a:latin typeface="Calibri" panose="020F0502020204030204" pitchFamily="34" charset="0"/>
-                <a:cs typeface="Calibri" panose="020F0502020204030204" pitchFamily="34" charset="0"/>
-              </a:rPr>
-              <a:t>moderni</a:t>
-            </a:r>
-            <a:r>
-              <a:rPr lang="en-GB" dirty="0">
-                <a:latin typeface="Calibri" panose="020F0502020204030204" pitchFamily="34" charset="0"/>
-                <a:cs typeface="Calibri" panose="020F0502020204030204" pitchFamily="34" charset="0"/>
-              </a:rPr>
-              <a:t> </a:t>
-            </a:r>
-            <a:r>
-              <a:rPr lang="en-GB" dirty="0" err="1">
-                <a:latin typeface="Calibri" panose="020F0502020204030204" pitchFamily="34" charset="0"/>
-                <a:cs typeface="Calibri" panose="020F0502020204030204" pitchFamily="34" charset="0"/>
-              </a:rPr>
-              <a:t>supportano</a:t>
-            </a:r>
-            <a:r>
-              <a:rPr lang="en-GB" dirty="0">
-                <a:latin typeface="Calibri" panose="020F0502020204030204" pitchFamily="34" charset="0"/>
-                <a:cs typeface="Calibri" panose="020F0502020204030204" pitchFamily="34" charset="0"/>
-              </a:rPr>
-              <a:t> la </a:t>
-            </a:r>
-            <a:r>
-              <a:rPr lang="en-GB" dirty="0" err="1">
-                <a:latin typeface="Calibri" panose="020F0502020204030204" pitchFamily="34" charset="0"/>
-                <a:cs typeface="Calibri" panose="020F0502020204030204" pitchFamily="34" charset="0"/>
-              </a:rPr>
-              <a:t>presenza</a:t>
-            </a:r>
-            <a:r>
-              <a:rPr lang="en-GB" dirty="0">
-                <a:latin typeface="Calibri" panose="020F0502020204030204" pitchFamily="34" charset="0"/>
-                <a:cs typeface="Calibri" panose="020F0502020204030204" pitchFamily="34" charset="0"/>
-              </a:rPr>
-              <a:t> di </a:t>
-            </a:r>
-            <a:r>
-              <a:rPr lang="en-GB" dirty="0" err="1">
-                <a:latin typeface="Calibri" panose="020F0502020204030204" pitchFamily="34" charset="0"/>
-                <a:cs typeface="Calibri" panose="020F0502020204030204" pitchFamily="34" charset="0"/>
-              </a:rPr>
-              <a:t>spazi</a:t>
-            </a:r>
-            <a:r>
-              <a:rPr lang="en-GB" dirty="0">
-                <a:latin typeface="Calibri" panose="020F0502020204030204" pitchFamily="34" charset="0"/>
-                <a:cs typeface="Calibri" panose="020F0502020204030204" pitchFamily="34" charset="0"/>
-              </a:rPr>
-              <a:t>. Per </a:t>
-            </a:r>
-            <a:r>
-              <a:rPr lang="en-GB" dirty="0" err="1">
-                <a:latin typeface="Calibri" panose="020F0502020204030204" pitchFamily="34" charset="0"/>
-                <a:cs typeface="Calibri" panose="020F0502020204030204" pitchFamily="34" charset="0"/>
-              </a:rPr>
-              <a:t>questo</a:t>
-            </a:r>
-            <a:r>
-              <a:rPr lang="en-GB" dirty="0">
-                <a:latin typeface="Calibri" panose="020F0502020204030204" pitchFamily="34" charset="0"/>
-                <a:cs typeface="Calibri" panose="020F0502020204030204" pitchFamily="34" charset="0"/>
-              </a:rPr>
-              <a:t> </a:t>
-            </a:r>
-            <a:r>
-              <a:rPr lang="en-GB" dirty="0" err="1">
-                <a:latin typeface="Calibri" panose="020F0502020204030204" pitchFamily="34" charset="0"/>
-                <a:cs typeface="Calibri" panose="020F0502020204030204" pitchFamily="34" charset="0"/>
-              </a:rPr>
-              <a:t>motivo</a:t>
-            </a:r>
-            <a:r>
-              <a:rPr lang="en-GB" dirty="0">
-                <a:latin typeface="Calibri" panose="020F0502020204030204" pitchFamily="34" charset="0"/>
-                <a:cs typeface="Calibri" panose="020F0502020204030204" pitchFamily="34" charset="0"/>
-              </a:rPr>
-              <a:t>, </a:t>
-            </a:r>
-            <a:r>
-              <a:rPr lang="en-GB" dirty="0" err="1">
-                <a:latin typeface="Calibri" panose="020F0502020204030204" pitchFamily="34" charset="0"/>
-                <a:cs typeface="Calibri" panose="020F0502020204030204" pitchFamily="34" charset="0"/>
-              </a:rPr>
-              <a:t>tutte</a:t>
-            </a:r>
-            <a:r>
-              <a:rPr lang="en-GB" dirty="0">
-                <a:latin typeface="Calibri" panose="020F0502020204030204" pitchFamily="34" charset="0"/>
-                <a:cs typeface="Calibri" panose="020F0502020204030204" pitchFamily="34" charset="0"/>
-              </a:rPr>
-              <a:t> le </a:t>
-            </a:r>
-            <a:r>
-              <a:rPr lang="en-GB" dirty="0" err="1">
-                <a:latin typeface="Calibri" panose="020F0502020204030204" pitchFamily="34" charset="0"/>
-                <a:cs typeface="Calibri" panose="020F0502020204030204" pitchFamily="34" charset="0"/>
-              </a:rPr>
-              <a:t>variabili</a:t>
-            </a:r>
-            <a:r>
-              <a:rPr lang="en-GB" dirty="0">
-                <a:latin typeface="Calibri" panose="020F0502020204030204" pitchFamily="34" charset="0"/>
-                <a:cs typeface="Calibri" panose="020F0502020204030204" pitchFamily="34" charset="0"/>
-              </a:rPr>
-              <a:t> </a:t>
-            </a:r>
-            <a:r>
-              <a:rPr lang="en-GB" dirty="0" err="1">
-                <a:latin typeface="Calibri" panose="020F0502020204030204" pitchFamily="34" charset="0"/>
-                <a:cs typeface="Calibri" panose="020F0502020204030204" pitchFamily="34" charset="0"/>
-              </a:rPr>
-              <a:t>fuori</a:t>
-            </a:r>
-            <a:r>
-              <a:rPr lang="en-GB" dirty="0">
-                <a:latin typeface="Calibri" panose="020F0502020204030204" pitchFamily="34" charset="0"/>
-                <a:cs typeface="Calibri" panose="020F0502020204030204" pitchFamily="34" charset="0"/>
-              </a:rPr>
-              <a:t> dal </a:t>
-            </a:r>
-            <a:r>
-              <a:rPr lang="en-GB" dirty="0" err="1">
-                <a:latin typeface="Calibri" panose="020F0502020204030204" pitchFamily="34" charset="0"/>
-                <a:cs typeface="Calibri" panose="020F0502020204030204" pitchFamily="34" charset="0"/>
-              </a:rPr>
-              <a:t>controllo</a:t>
-            </a:r>
-            <a:r>
-              <a:rPr lang="en-GB" dirty="0">
-                <a:latin typeface="Calibri" panose="020F0502020204030204" pitchFamily="34" charset="0"/>
-                <a:cs typeface="Calibri" panose="020F0502020204030204" pitchFamily="34" charset="0"/>
-              </a:rPr>
-              <a:t> del </a:t>
-            </a:r>
-            <a:r>
-              <a:rPr lang="en-GB" dirty="0" err="1">
-                <a:latin typeface="Calibri" panose="020F0502020204030204" pitchFamily="34" charset="0"/>
-                <a:cs typeface="Calibri" panose="020F0502020204030204" pitchFamily="34" charset="0"/>
-              </a:rPr>
-              <a:t>programmatore</a:t>
-            </a:r>
-            <a:r>
-              <a:rPr lang="en-GB" dirty="0">
-                <a:latin typeface="Calibri" panose="020F0502020204030204" pitchFamily="34" charset="0"/>
-                <a:cs typeface="Calibri" panose="020F0502020204030204" pitchFamily="34" charset="0"/>
-              </a:rPr>
-              <a:t> (ad </a:t>
-            </a:r>
-            <a:r>
-              <a:rPr lang="en-GB" dirty="0" err="1">
-                <a:latin typeface="Calibri" panose="020F0502020204030204" pitchFamily="34" charset="0"/>
-                <a:cs typeface="Calibri" panose="020F0502020204030204" pitchFamily="34" charset="0"/>
-              </a:rPr>
-              <a:t>es</a:t>
-            </a:r>
-            <a:r>
-              <a:rPr lang="en-GB" dirty="0">
-                <a:latin typeface="Calibri" panose="020F0502020204030204" pitchFamily="34" charset="0"/>
-                <a:cs typeface="Calibri" panose="020F0502020204030204" pitchFamily="34" charset="0"/>
-              </a:rPr>
-              <a:t>. </a:t>
-            </a:r>
-            <a:r>
-              <a:rPr lang="en-GB" dirty="0" err="1">
-                <a:latin typeface="Calibri" panose="020F0502020204030204" pitchFamily="34" charset="0"/>
-                <a:cs typeface="Calibri" panose="020F0502020204030204" pitchFamily="34" charset="0"/>
-              </a:rPr>
-              <a:t>nomi</a:t>
-            </a:r>
-            <a:r>
-              <a:rPr lang="en-GB" dirty="0">
-                <a:latin typeface="Calibri" panose="020F0502020204030204" pitchFamily="34" charset="0"/>
-                <a:cs typeface="Calibri" panose="020F0502020204030204" pitchFamily="34" charset="0"/>
-              </a:rPr>
-              <a:t> di file) </a:t>
-            </a:r>
-            <a:r>
-              <a:rPr lang="en-GB" dirty="0" err="1">
-                <a:latin typeface="Calibri" panose="020F0502020204030204" pitchFamily="34" charset="0"/>
-                <a:cs typeface="Calibri" panose="020F0502020204030204" pitchFamily="34" charset="0"/>
-              </a:rPr>
-              <a:t>vanno</a:t>
-            </a:r>
-            <a:r>
-              <a:rPr lang="en-GB" dirty="0">
-                <a:latin typeface="Calibri" panose="020F0502020204030204" pitchFamily="34" charset="0"/>
-                <a:cs typeface="Calibri" panose="020F0502020204030204" pitchFamily="34" charset="0"/>
-              </a:rPr>
-              <a:t> </a:t>
-            </a:r>
-            <a:r>
-              <a:rPr lang="en-GB" dirty="0" err="1">
-                <a:latin typeface="Calibri" panose="020F0502020204030204" pitchFamily="34" charset="0"/>
-                <a:cs typeface="Calibri" panose="020F0502020204030204" pitchFamily="34" charset="0"/>
-              </a:rPr>
-              <a:t>espanse</a:t>
-            </a:r>
-            <a:r>
-              <a:rPr lang="en-GB" dirty="0">
-                <a:latin typeface="Calibri" panose="020F0502020204030204" pitchFamily="34" charset="0"/>
-                <a:cs typeface="Calibri" panose="020F0502020204030204" pitchFamily="34" charset="0"/>
-              </a:rPr>
-              <a:t> </a:t>
-            </a:r>
-            <a:r>
-              <a:rPr lang="en-GB" dirty="0" err="1">
-                <a:latin typeface="Calibri" panose="020F0502020204030204" pitchFamily="34" charset="0"/>
-                <a:cs typeface="Calibri" panose="020F0502020204030204" pitchFamily="34" charset="0"/>
-              </a:rPr>
-              <a:t>fra</a:t>
-            </a:r>
-            <a:r>
-              <a:rPr lang="en-GB" dirty="0">
-                <a:latin typeface="Calibri" panose="020F0502020204030204" pitchFamily="34" charset="0"/>
-                <a:cs typeface="Calibri" panose="020F0502020204030204" pitchFamily="34" charset="0"/>
-              </a:rPr>
-              <a:t> </a:t>
-            </a:r>
-            <a:r>
-              <a:rPr lang="en-GB" dirty="0" err="1">
-                <a:latin typeface="Calibri" panose="020F0502020204030204" pitchFamily="34" charset="0"/>
-                <a:cs typeface="Calibri" panose="020F0502020204030204" pitchFamily="34" charset="0"/>
-              </a:rPr>
-              <a:t>doppie</a:t>
-            </a:r>
-            <a:r>
-              <a:rPr lang="en-GB" dirty="0">
-                <a:latin typeface="Calibri" panose="020F0502020204030204" pitchFamily="34" charset="0"/>
-                <a:cs typeface="Calibri" panose="020F0502020204030204" pitchFamily="34" charset="0"/>
-              </a:rPr>
-              <a:t> </a:t>
-            </a:r>
-            <a:r>
-              <a:rPr lang="en-GB" dirty="0" err="1">
-                <a:latin typeface="Calibri" panose="020F0502020204030204" pitchFamily="34" charset="0"/>
-                <a:cs typeface="Calibri" panose="020F0502020204030204" pitchFamily="34" charset="0"/>
-              </a:rPr>
-              <a:t>virgolette</a:t>
-            </a:r>
-            <a:r>
-              <a:rPr lang="en-GB" dirty="0">
-                <a:latin typeface="Calibri" panose="020F0502020204030204" pitchFamily="34" charset="0"/>
-                <a:cs typeface="Calibri" panose="020F0502020204030204" pitchFamily="34" charset="0"/>
-              </a:rPr>
-              <a:t> (echo “$filename”)</a:t>
-            </a:r>
-          </a:p>
-        </p:txBody>
-      </p:sp>
-      <p:sp>
-        <p:nvSpPr>
-          <p:cNvPr id="5" name="Slide Number Placeholder 4">
-            <a:extLst>
-              <a:ext uri="{FF2B5EF4-FFF2-40B4-BE49-F238E27FC236}">
-                <a16:creationId xmlns:a16="http://schemas.microsoft.com/office/drawing/2014/main" id="{7AA3CCBD-F793-D049-86E6-3D5F0F8741F9}"/>
+                <a16:creationId xmlns:a16="http://schemas.microsoft.com/office/drawing/2014/main" id="{D413E47F-1D76-6A46-B097-CF9157ECE1AA}"/>
               </a:ext>
             </a:extLst>
           </p:cNvPr>
@@ -15302,10 +13866,628 @@
           </a:p>
         </p:txBody>
       </p:sp>
+      <p:sp>
+        <p:nvSpPr>
+          <p:cNvPr id="6" name="Content Placeholder 5">
+            <a:extLst>
+              <a:ext uri="{FF2B5EF4-FFF2-40B4-BE49-F238E27FC236}">
+                <a16:creationId xmlns:a16="http://schemas.microsoft.com/office/drawing/2014/main" id="{E439653B-E39B-C54D-9B7C-5A2CA1287449}"/>
+              </a:ext>
+            </a:extLst>
+          </p:cNvPr>
+          <p:cNvSpPr>
+            <a:spLocks noGrp="1"/>
+          </p:cNvSpPr>
+          <p:nvPr>
+            <p:ph idx="1"/>
+          </p:nvPr>
+        </p:nvSpPr>
+        <p:spPr/>
+        <p:txBody>
+          <a:bodyPr>
+            <a:normAutofit fontScale="70000" lnSpcReduction="20000"/>
+          </a:bodyPr>
+          <a:lstStyle/>
+          <a:p>
+            <a:pPr marL="0" indent="0">
+              <a:buNone/>
+            </a:pPr>
+            <a:r>
+              <a:rPr lang="en-GB" dirty="0">
+                <a:latin typeface="Consolas" panose="020B0609020204030204" pitchFamily="49" charset="0"/>
+                <a:cs typeface="Consolas" panose="020B0609020204030204" pitchFamily="49" charset="0"/>
+              </a:rPr>
+              <a:t>#!/bin/bash</a:t>
+            </a:r>
+          </a:p>
+          <a:p>
+            <a:pPr marL="0" indent="0">
+              <a:buNone/>
+            </a:pPr>
+            <a:endParaRPr lang="en-GB" dirty="0">
+              <a:latin typeface="Consolas" panose="020B0609020204030204" pitchFamily="49" charset="0"/>
+              <a:cs typeface="Consolas" panose="020B0609020204030204" pitchFamily="49" charset="0"/>
+            </a:endParaRPr>
+          </a:p>
+          <a:p>
+            <a:pPr marL="0" indent="0">
+              <a:buNone/>
+            </a:pPr>
+            <a:r>
+              <a:rPr lang="en-GB" dirty="0">
+                <a:solidFill>
+                  <a:schemeClr val="accent6">
+                    <a:lumMod val="75000"/>
+                  </a:schemeClr>
+                </a:solidFill>
+                <a:latin typeface="Consolas" panose="020B0609020204030204" pitchFamily="49" charset="0"/>
+                <a:cs typeface="Consolas" panose="020B0609020204030204" pitchFamily="49" charset="0"/>
+              </a:rPr>
+              <a:t>files=(/</a:t>
+            </a:r>
+            <a:r>
+              <a:rPr lang="en-GB" dirty="0" err="1">
+                <a:solidFill>
+                  <a:schemeClr val="accent6">
+                    <a:lumMod val="75000"/>
+                  </a:schemeClr>
+                </a:solidFill>
+                <a:latin typeface="Consolas" panose="020B0609020204030204" pitchFamily="49" charset="0"/>
+                <a:cs typeface="Consolas" panose="020B0609020204030204" pitchFamily="49" charset="0"/>
+              </a:rPr>
+              <a:t>var</a:t>
+            </a:r>
+            <a:r>
+              <a:rPr lang="en-GB" dirty="0">
+                <a:solidFill>
+                  <a:schemeClr val="accent6">
+                    <a:lumMod val="75000"/>
+                  </a:schemeClr>
+                </a:solidFill>
+                <a:latin typeface="Consolas" panose="020B0609020204030204" pitchFamily="49" charset="0"/>
+                <a:cs typeface="Consolas" panose="020B0609020204030204" pitchFamily="49" charset="0"/>
+              </a:rPr>
+              <a:t>/log/</a:t>
+            </a:r>
+            <a:r>
+              <a:rPr lang="en-GB" dirty="0" err="1">
+                <a:solidFill>
+                  <a:schemeClr val="accent6">
+                    <a:lumMod val="75000"/>
+                  </a:schemeClr>
+                </a:solidFill>
+                <a:latin typeface="Consolas" panose="020B0609020204030204" pitchFamily="49" charset="0"/>
+                <a:cs typeface="Consolas" panose="020B0609020204030204" pitchFamily="49" charset="0"/>
+              </a:rPr>
+              <a:t>kern.log</a:t>
+            </a:r>
+            <a:r>
+              <a:rPr lang="en-GB" dirty="0">
+                <a:solidFill>
+                  <a:schemeClr val="accent6">
+                    <a:lumMod val="75000"/>
+                  </a:schemeClr>
+                </a:solidFill>
+                <a:latin typeface="Consolas" panose="020B0609020204030204" pitchFamily="49" charset="0"/>
+                <a:cs typeface="Consolas" panose="020B0609020204030204" pitchFamily="49" charset="0"/>
+              </a:rPr>
+              <a:t> /</a:t>
+            </a:r>
+            <a:r>
+              <a:rPr lang="en-GB" dirty="0" err="1">
+                <a:solidFill>
+                  <a:schemeClr val="accent6">
+                    <a:lumMod val="75000"/>
+                  </a:schemeClr>
+                </a:solidFill>
+                <a:latin typeface="Consolas" panose="020B0609020204030204" pitchFamily="49" charset="0"/>
+                <a:cs typeface="Consolas" panose="020B0609020204030204" pitchFamily="49" charset="0"/>
+              </a:rPr>
+              <a:t>var</a:t>
+            </a:r>
+            <a:r>
+              <a:rPr lang="en-GB" dirty="0">
+                <a:solidFill>
+                  <a:schemeClr val="accent6">
+                    <a:lumMod val="75000"/>
+                  </a:schemeClr>
+                </a:solidFill>
+                <a:latin typeface="Consolas" panose="020B0609020204030204" pitchFamily="49" charset="0"/>
+                <a:cs typeface="Consolas" panose="020B0609020204030204" pitchFamily="49" charset="0"/>
+              </a:rPr>
+              <a:t>/log/</a:t>
+            </a:r>
+            <a:r>
+              <a:rPr lang="en-GB" dirty="0" err="1">
+                <a:solidFill>
+                  <a:schemeClr val="accent6">
+                    <a:lumMod val="75000"/>
+                  </a:schemeClr>
+                </a:solidFill>
+                <a:latin typeface="Consolas" panose="020B0609020204030204" pitchFamily="49" charset="0"/>
+                <a:cs typeface="Consolas" panose="020B0609020204030204" pitchFamily="49" charset="0"/>
+              </a:rPr>
+              <a:t>auth.log</a:t>
+            </a:r>
+            <a:r>
+              <a:rPr lang="en-GB" dirty="0">
+                <a:solidFill>
+                  <a:schemeClr val="accent6">
+                    <a:lumMod val="75000"/>
+                  </a:schemeClr>
+                </a:solidFill>
+                <a:latin typeface="Consolas" panose="020B0609020204030204" pitchFamily="49" charset="0"/>
+                <a:cs typeface="Consolas" panose="020B0609020204030204" pitchFamily="49" charset="0"/>
+              </a:rPr>
+              <a:t> /</a:t>
+            </a:r>
+            <a:r>
+              <a:rPr lang="en-GB" dirty="0" err="1">
+                <a:solidFill>
+                  <a:schemeClr val="accent6">
+                    <a:lumMod val="75000"/>
+                  </a:schemeClr>
+                </a:solidFill>
+                <a:latin typeface="Consolas" panose="020B0609020204030204" pitchFamily="49" charset="0"/>
+                <a:cs typeface="Consolas" panose="020B0609020204030204" pitchFamily="49" charset="0"/>
+              </a:rPr>
+              <a:t>var</a:t>
+            </a:r>
+            <a:r>
+              <a:rPr lang="en-GB" dirty="0">
+                <a:solidFill>
+                  <a:schemeClr val="accent6">
+                    <a:lumMod val="75000"/>
+                  </a:schemeClr>
+                </a:solidFill>
+                <a:latin typeface="Consolas" panose="020B0609020204030204" pitchFamily="49" charset="0"/>
+                <a:cs typeface="Consolas" panose="020B0609020204030204" pitchFamily="49" charset="0"/>
+              </a:rPr>
+              <a:t>/log/syslog)</a:t>
+            </a:r>
+          </a:p>
+          <a:p>
+            <a:pPr marL="0" indent="0">
+              <a:buNone/>
+            </a:pPr>
+            <a:r>
+              <a:rPr lang="en-GB" dirty="0" err="1">
+                <a:solidFill>
+                  <a:schemeClr val="accent6">
+                    <a:lumMod val="75000"/>
+                  </a:schemeClr>
+                </a:solidFill>
+                <a:latin typeface="Consolas" panose="020B0609020204030204" pitchFamily="49" charset="0"/>
+                <a:cs typeface="Consolas" panose="020B0609020204030204" pitchFamily="49" charset="0"/>
+              </a:rPr>
+              <a:t>keyw</a:t>
+            </a:r>
+            <a:r>
+              <a:rPr lang="en-GB" dirty="0">
+                <a:solidFill>
+                  <a:schemeClr val="accent6">
+                    <a:lumMod val="75000"/>
+                  </a:schemeClr>
+                </a:solidFill>
+                <a:latin typeface="Consolas" panose="020B0609020204030204" pitchFamily="49" charset="0"/>
+                <a:cs typeface="Consolas" panose="020B0609020204030204" pitchFamily="49" charset="0"/>
+              </a:rPr>
+              <a:t>=(</a:t>
+            </a:r>
+            <a:r>
+              <a:rPr lang="en-GB" dirty="0" err="1">
+                <a:solidFill>
+                  <a:schemeClr val="accent6">
+                    <a:lumMod val="75000"/>
+                  </a:schemeClr>
+                </a:solidFill>
+                <a:latin typeface="Consolas" panose="020B0609020204030204" pitchFamily="49" charset="0"/>
+                <a:cs typeface="Consolas" panose="020B0609020204030204" pitchFamily="49" charset="0"/>
+              </a:rPr>
+              <a:t>nicola</a:t>
+            </a:r>
+            <a:r>
+              <a:rPr lang="en-GB" dirty="0">
+                <a:solidFill>
+                  <a:schemeClr val="accent6">
+                    <a:lumMod val="75000"/>
+                  </a:schemeClr>
+                </a:solidFill>
+                <a:latin typeface="Consolas" panose="020B0609020204030204" pitchFamily="49" charset="0"/>
+                <a:cs typeface="Consolas" panose="020B0609020204030204" pitchFamily="49" charset="0"/>
+              </a:rPr>
+              <a:t> </a:t>
+            </a:r>
+            <a:r>
+              <a:rPr lang="en-GB" dirty="0" err="1">
+                <a:solidFill>
+                  <a:schemeClr val="accent6">
+                    <a:lumMod val="75000"/>
+                  </a:schemeClr>
+                </a:solidFill>
+                <a:latin typeface="Consolas" panose="020B0609020204030204" pitchFamily="49" charset="0"/>
+                <a:cs typeface="Consolas" panose="020B0609020204030204" pitchFamily="49" charset="0"/>
+              </a:rPr>
+              <a:t>marzia</a:t>
+            </a:r>
+            <a:r>
+              <a:rPr lang="en-GB" dirty="0">
+                <a:solidFill>
+                  <a:schemeClr val="accent6">
+                    <a:lumMod val="75000"/>
+                  </a:schemeClr>
+                </a:solidFill>
+                <a:latin typeface="Consolas" panose="020B0609020204030204" pitchFamily="49" charset="0"/>
+                <a:cs typeface="Consolas" panose="020B0609020204030204" pitchFamily="49" charset="0"/>
+              </a:rPr>
+              <a:t>)</a:t>
+            </a:r>
+          </a:p>
+          <a:p>
+            <a:pPr marL="0" indent="0">
+              <a:buNone/>
+            </a:pPr>
+            <a:endParaRPr lang="en-GB" dirty="0">
+              <a:latin typeface="Consolas" panose="020B0609020204030204" pitchFamily="49" charset="0"/>
+              <a:cs typeface="Consolas" panose="020B0609020204030204" pitchFamily="49" charset="0"/>
+            </a:endParaRPr>
+          </a:p>
+          <a:p>
+            <a:pPr marL="0" indent="0">
+              <a:buNone/>
+            </a:pPr>
+            <a:r>
+              <a:rPr lang="en-GB" dirty="0">
+                <a:latin typeface="Consolas" panose="020B0609020204030204" pitchFamily="49" charset="0"/>
+                <a:cs typeface="Consolas" panose="020B0609020204030204" pitchFamily="49" charset="0"/>
+              </a:rPr>
+              <a:t>echo "* searching </a:t>
+            </a:r>
+            <a:r>
+              <a:rPr lang="en-GB" dirty="0">
+                <a:solidFill>
+                  <a:schemeClr val="accent6">
+                    <a:lumMod val="75000"/>
+                  </a:schemeClr>
+                </a:solidFill>
+                <a:latin typeface="Consolas" panose="020B0609020204030204" pitchFamily="49" charset="0"/>
+                <a:cs typeface="Consolas" panose="020B0609020204030204" pitchFamily="49" charset="0"/>
+              </a:rPr>
+              <a:t>${#files[@]} </a:t>
+            </a:r>
+            <a:r>
+              <a:rPr lang="en-GB" dirty="0">
+                <a:latin typeface="Consolas" panose="020B0609020204030204" pitchFamily="49" charset="0"/>
+                <a:cs typeface="Consolas" panose="020B0609020204030204" pitchFamily="49" charset="0"/>
+              </a:rPr>
+              <a:t>files with </a:t>
+            </a:r>
+            <a:r>
+              <a:rPr lang="en-GB" dirty="0">
+                <a:solidFill>
+                  <a:schemeClr val="accent6">
+                    <a:lumMod val="75000"/>
+                  </a:schemeClr>
+                </a:solidFill>
+                <a:latin typeface="Consolas" panose="020B0609020204030204" pitchFamily="49" charset="0"/>
+                <a:cs typeface="Consolas" panose="020B0609020204030204" pitchFamily="49" charset="0"/>
+              </a:rPr>
+              <a:t>${#</a:t>
+            </a:r>
+            <a:r>
+              <a:rPr lang="en-GB" dirty="0" err="1">
+                <a:solidFill>
+                  <a:schemeClr val="accent6">
+                    <a:lumMod val="75000"/>
+                  </a:schemeClr>
+                </a:solidFill>
+                <a:latin typeface="Consolas" panose="020B0609020204030204" pitchFamily="49" charset="0"/>
+                <a:cs typeface="Consolas" panose="020B0609020204030204" pitchFamily="49" charset="0"/>
+              </a:rPr>
+              <a:t>keyw</a:t>
+            </a:r>
+            <a:r>
+              <a:rPr lang="en-GB" dirty="0">
+                <a:solidFill>
+                  <a:schemeClr val="accent6">
+                    <a:lumMod val="75000"/>
+                  </a:schemeClr>
+                </a:solidFill>
+                <a:latin typeface="Consolas" panose="020B0609020204030204" pitchFamily="49" charset="0"/>
+                <a:cs typeface="Consolas" panose="020B0609020204030204" pitchFamily="49" charset="0"/>
+              </a:rPr>
+              <a:t>[@]} </a:t>
+            </a:r>
+            <a:r>
+              <a:rPr lang="en-GB" dirty="0">
+                <a:latin typeface="Consolas" panose="020B0609020204030204" pitchFamily="49" charset="0"/>
+                <a:cs typeface="Consolas" panose="020B0609020204030204" pitchFamily="49" charset="0"/>
+              </a:rPr>
+              <a:t>keywords"</a:t>
+            </a:r>
+          </a:p>
+          <a:p>
+            <a:pPr marL="0" indent="0">
+              <a:buNone/>
+            </a:pPr>
+            <a:r>
+              <a:rPr lang="en-GB" dirty="0">
+                <a:latin typeface="Consolas" panose="020B0609020204030204" pitchFamily="49" charset="0"/>
+                <a:cs typeface="Consolas" panose="020B0609020204030204" pitchFamily="49" charset="0"/>
+              </a:rPr>
+              <a:t>echo "* press enter to continue..."</a:t>
+            </a:r>
+          </a:p>
+          <a:p>
+            <a:pPr marL="0" indent="0">
+              <a:buNone/>
+            </a:pPr>
+            <a:r>
+              <a:rPr lang="en-GB" dirty="0">
+                <a:latin typeface="Consolas" panose="020B0609020204030204" pitchFamily="49" charset="0"/>
+                <a:cs typeface="Consolas" panose="020B0609020204030204" pitchFamily="49" charset="0"/>
+              </a:rPr>
+              <a:t>read</a:t>
+            </a:r>
+          </a:p>
+          <a:p>
+            <a:pPr marL="0" indent="0">
+              <a:buNone/>
+            </a:pPr>
+            <a:endParaRPr lang="en-GB" dirty="0">
+              <a:latin typeface="Consolas" panose="020B0609020204030204" pitchFamily="49" charset="0"/>
+              <a:cs typeface="Consolas" panose="020B0609020204030204" pitchFamily="49" charset="0"/>
+            </a:endParaRPr>
+          </a:p>
+          <a:p>
+            <a:pPr marL="0" indent="0">
+              <a:buNone/>
+            </a:pPr>
+            <a:r>
+              <a:rPr lang="en-GB" dirty="0">
+                <a:latin typeface="Consolas" panose="020B0609020204030204" pitchFamily="49" charset="0"/>
+                <a:cs typeface="Consolas" panose="020B0609020204030204" pitchFamily="49" charset="0"/>
+              </a:rPr>
+              <a:t>for f in </a:t>
+            </a:r>
+            <a:r>
+              <a:rPr lang="en-GB" dirty="0">
+                <a:solidFill>
+                  <a:schemeClr val="accent6">
+                    <a:lumMod val="75000"/>
+                  </a:schemeClr>
+                </a:solidFill>
+                <a:latin typeface="Consolas" panose="020B0609020204030204" pitchFamily="49" charset="0"/>
+                <a:cs typeface="Consolas" panose="020B0609020204030204" pitchFamily="49" charset="0"/>
+              </a:rPr>
+              <a:t>${files[@]}; </a:t>
+            </a:r>
+            <a:r>
+              <a:rPr lang="en-GB" dirty="0">
+                <a:latin typeface="Consolas" panose="020B0609020204030204" pitchFamily="49" charset="0"/>
+                <a:cs typeface="Consolas" panose="020B0609020204030204" pitchFamily="49" charset="0"/>
+              </a:rPr>
+              <a:t>do</a:t>
+            </a:r>
+          </a:p>
+          <a:p>
+            <a:pPr marL="0" indent="0">
+              <a:buNone/>
+            </a:pPr>
+            <a:r>
+              <a:rPr lang="en-GB" dirty="0">
+                <a:latin typeface="Consolas" panose="020B0609020204030204" pitchFamily="49" charset="0"/>
+                <a:cs typeface="Consolas" panose="020B0609020204030204" pitchFamily="49" charset="0"/>
+              </a:rPr>
+              <a:t>  for k in </a:t>
+            </a:r>
+            <a:r>
+              <a:rPr lang="en-GB" dirty="0">
+                <a:solidFill>
+                  <a:schemeClr val="accent6">
+                    <a:lumMod val="75000"/>
+                  </a:schemeClr>
+                </a:solidFill>
+                <a:latin typeface="Consolas" panose="020B0609020204030204" pitchFamily="49" charset="0"/>
+                <a:cs typeface="Consolas" panose="020B0609020204030204" pitchFamily="49" charset="0"/>
+              </a:rPr>
+              <a:t>${</a:t>
+            </a:r>
+            <a:r>
+              <a:rPr lang="en-GB" dirty="0" err="1">
+                <a:solidFill>
+                  <a:schemeClr val="accent6">
+                    <a:lumMod val="75000"/>
+                  </a:schemeClr>
+                </a:solidFill>
+                <a:latin typeface="Consolas" panose="020B0609020204030204" pitchFamily="49" charset="0"/>
+                <a:cs typeface="Consolas" panose="020B0609020204030204" pitchFamily="49" charset="0"/>
+              </a:rPr>
+              <a:t>keyw</a:t>
+            </a:r>
+            <a:r>
+              <a:rPr lang="en-GB" dirty="0">
+                <a:solidFill>
+                  <a:schemeClr val="accent6">
+                    <a:lumMod val="75000"/>
+                  </a:schemeClr>
+                </a:solidFill>
+                <a:latin typeface="Consolas" panose="020B0609020204030204" pitchFamily="49" charset="0"/>
+                <a:cs typeface="Consolas" panose="020B0609020204030204" pitchFamily="49" charset="0"/>
+              </a:rPr>
+              <a:t>[@]}; </a:t>
+            </a:r>
+            <a:r>
+              <a:rPr lang="en-GB" dirty="0">
+                <a:latin typeface="Consolas" panose="020B0609020204030204" pitchFamily="49" charset="0"/>
+                <a:cs typeface="Consolas" panose="020B0609020204030204" pitchFamily="49" charset="0"/>
+              </a:rPr>
+              <a:t>do</a:t>
+            </a:r>
+          </a:p>
+          <a:p>
+            <a:pPr marL="0" indent="0">
+              <a:buNone/>
+            </a:pPr>
+            <a:r>
+              <a:rPr lang="en-GB" dirty="0">
+                <a:latin typeface="Consolas" panose="020B0609020204030204" pitchFamily="49" charset="0"/>
+                <a:cs typeface="Consolas" panose="020B0609020204030204" pitchFamily="49" charset="0"/>
+              </a:rPr>
+              <a:t>    l=$(cat </a:t>
+            </a:r>
+            <a:r>
+              <a:rPr lang="en-GB" dirty="0">
+                <a:solidFill>
+                  <a:schemeClr val="accent6">
+                    <a:lumMod val="75000"/>
+                  </a:schemeClr>
+                </a:solidFill>
+                <a:latin typeface="Consolas" panose="020B0609020204030204" pitchFamily="49" charset="0"/>
+                <a:cs typeface="Consolas" panose="020B0609020204030204" pitchFamily="49" charset="0"/>
+              </a:rPr>
+              <a:t>${f}</a:t>
+            </a:r>
+            <a:r>
+              <a:rPr lang="en-GB" dirty="0">
+                <a:latin typeface="Consolas" panose="020B0609020204030204" pitchFamily="49" charset="0"/>
+                <a:cs typeface="Consolas" panose="020B0609020204030204" pitchFamily="49" charset="0"/>
+              </a:rPr>
+              <a:t> | grep </a:t>
+            </a:r>
+            <a:r>
+              <a:rPr lang="en-GB" dirty="0">
+                <a:solidFill>
+                  <a:schemeClr val="accent6">
+                    <a:lumMod val="75000"/>
+                  </a:schemeClr>
+                </a:solidFill>
+                <a:latin typeface="Consolas" panose="020B0609020204030204" pitchFamily="49" charset="0"/>
+                <a:cs typeface="Consolas" panose="020B0609020204030204" pitchFamily="49" charset="0"/>
+              </a:rPr>
+              <a:t>${k}</a:t>
+            </a:r>
+            <a:r>
+              <a:rPr lang="en-GB" dirty="0">
+                <a:latin typeface="Consolas" panose="020B0609020204030204" pitchFamily="49" charset="0"/>
+                <a:cs typeface="Consolas" panose="020B0609020204030204" pitchFamily="49" charset="0"/>
+              </a:rPr>
+              <a:t> | </a:t>
+            </a:r>
+            <a:r>
+              <a:rPr lang="en-GB" dirty="0" err="1">
+                <a:latin typeface="Consolas" panose="020B0609020204030204" pitchFamily="49" charset="0"/>
+                <a:cs typeface="Consolas" panose="020B0609020204030204" pitchFamily="49" charset="0"/>
+              </a:rPr>
+              <a:t>wc</a:t>
+            </a:r>
+            <a:r>
+              <a:rPr lang="en-GB" dirty="0">
+                <a:latin typeface="Consolas" panose="020B0609020204030204" pitchFamily="49" charset="0"/>
+                <a:cs typeface="Consolas" panose="020B0609020204030204" pitchFamily="49" charset="0"/>
+              </a:rPr>
+              <a:t> -l)</a:t>
+            </a:r>
+          </a:p>
+          <a:p>
+            <a:pPr marL="0" indent="0">
+              <a:buNone/>
+            </a:pPr>
+            <a:r>
+              <a:rPr lang="en-GB" dirty="0">
+                <a:latin typeface="Consolas" panose="020B0609020204030204" pitchFamily="49" charset="0"/>
+                <a:cs typeface="Consolas" panose="020B0609020204030204" pitchFamily="49" charset="0"/>
+              </a:rPr>
+              <a:t>    echo "* </a:t>
+            </a:r>
+            <a:r>
+              <a:rPr lang="en-GB" dirty="0">
+                <a:solidFill>
+                  <a:schemeClr val="accent6">
+                    <a:lumMod val="75000"/>
+                  </a:schemeClr>
+                </a:solidFill>
+                <a:latin typeface="Consolas" panose="020B0609020204030204" pitchFamily="49" charset="0"/>
+                <a:cs typeface="Consolas" panose="020B0609020204030204" pitchFamily="49" charset="0"/>
+              </a:rPr>
+              <a:t>${f}</a:t>
+            </a:r>
+            <a:r>
+              <a:rPr lang="en-GB" dirty="0">
+                <a:latin typeface="Consolas" panose="020B0609020204030204" pitchFamily="49" charset="0"/>
+                <a:cs typeface="Consolas" panose="020B0609020204030204" pitchFamily="49" charset="0"/>
+              </a:rPr>
+              <a:t>: found </a:t>
+            </a:r>
+            <a:r>
+              <a:rPr lang="en-GB" dirty="0">
+                <a:solidFill>
+                  <a:schemeClr val="accent6">
+                    <a:lumMod val="75000"/>
+                  </a:schemeClr>
+                </a:solidFill>
+                <a:latin typeface="Consolas" panose="020B0609020204030204" pitchFamily="49" charset="0"/>
+                <a:cs typeface="Consolas" panose="020B0609020204030204" pitchFamily="49" charset="0"/>
+              </a:rPr>
+              <a:t>${l}</a:t>
+            </a:r>
+            <a:r>
+              <a:rPr lang="en-GB" dirty="0">
+                <a:latin typeface="Consolas" panose="020B0609020204030204" pitchFamily="49" charset="0"/>
+                <a:cs typeface="Consolas" panose="020B0609020204030204" pitchFamily="49" charset="0"/>
+              </a:rPr>
+              <a:t> occurrences of </a:t>
+            </a:r>
+            <a:r>
+              <a:rPr lang="en-GB" dirty="0">
+                <a:solidFill>
+                  <a:schemeClr val="accent6">
+                    <a:lumMod val="75000"/>
+                  </a:schemeClr>
+                </a:solidFill>
+                <a:latin typeface="Consolas" panose="020B0609020204030204" pitchFamily="49" charset="0"/>
+                <a:cs typeface="Consolas" panose="020B0609020204030204" pitchFamily="49" charset="0"/>
+              </a:rPr>
+              <a:t>${k}</a:t>
+            </a:r>
+            <a:r>
+              <a:rPr lang="en-GB" dirty="0">
+                <a:latin typeface="Consolas" panose="020B0609020204030204" pitchFamily="49" charset="0"/>
+                <a:cs typeface="Consolas" panose="020B0609020204030204" pitchFamily="49" charset="0"/>
+              </a:rPr>
+              <a:t>!"</a:t>
+            </a:r>
+          </a:p>
+          <a:p>
+            <a:pPr marL="0" indent="0">
+              <a:buNone/>
+            </a:pPr>
+            <a:r>
+              <a:rPr lang="en-GB" dirty="0">
+                <a:latin typeface="Consolas" panose="020B0609020204030204" pitchFamily="49" charset="0"/>
+                <a:cs typeface="Consolas" panose="020B0609020204030204" pitchFamily="49" charset="0"/>
+              </a:rPr>
+              <a:t>  done</a:t>
+            </a:r>
+          </a:p>
+          <a:p>
+            <a:pPr marL="0" indent="0">
+              <a:buNone/>
+            </a:pPr>
+            <a:r>
+              <a:rPr lang="en-GB" dirty="0">
+                <a:latin typeface="Consolas" panose="020B0609020204030204" pitchFamily="49" charset="0"/>
+                <a:cs typeface="Consolas" panose="020B0609020204030204" pitchFamily="49" charset="0"/>
+              </a:rPr>
+              <a:t>done</a:t>
+            </a:r>
+          </a:p>
+        </p:txBody>
+      </p:sp>
     </p:spTree>
     <p:extLst>
       <p:ext uri="{BB962C8B-B14F-4D97-AF65-F5344CB8AC3E}">
-        <p14:creationId xmlns:p14="http://schemas.microsoft.com/office/powerpoint/2010/main" val="2517799632"/>
+        <p14:creationId xmlns:p14="http://schemas.microsoft.com/office/powerpoint/2010/main" val="1778697779"/>
       </p:ext>
     </p:extLst>
   </p:cSld>
@@ -15786,6 +14968,2348 @@
 </p:sld>
 </file>
 
+<file path=ppt/slides/slide30.xml><?xml version="1.0" encoding="utf-8"?>
+<p:sld xmlns:a="http://schemas.openxmlformats.org/drawingml/2006/main" xmlns:r="http://schemas.openxmlformats.org/officeDocument/2006/relationships" xmlns:p="http://schemas.openxmlformats.org/presentationml/2006/main">
+  <p:cSld>
+    <p:spTree>
+      <p:nvGrpSpPr>
+        <p:cNvPr id="1" name=""/>
+        <p:cNvGrpSpPr/>
+        <p:nvPr/>
+      </p:nvGrpSpPr>
+      <p:grpSpPr>
+        <a:xfrm>
+          <a:off x="0" y="0"/>
+          <a:ext cx="0" cy="0"/>
+          <a:chOff x="0" y="0"/>
+          <a:chExt cx="0" cy="0"/>
+        </a:xfrm>
+      </p:grpSpPr>
+      <p:sp>
+        <p:nvSpPr>
+          <p:cNvPr id="2" name="Titolo 1"/>
+          <p:cNvSpPr>
+            <a:spLocks noGrp="1"/>
+          </p:cNvSpPr>
+          <p:nvPr>
+            <p:ph type="ctrTitle"/>
+          </p:nvPr>
+        </p:nvSpPr>
+        <p:spPr/>
+        <p:txBody>
+          <a:bodyPr>
+            <a:normAutofit/>
+          </a:bodyPr>
+          <a:lstStyle/>
+          <a:p>
+            <a:r>
+              <a:rPr lang="it-IT" dirty="0"/>
+              <a:t>Best </a:t>
+            </a:r>
+            <a:r>
+              <a:rPr lang="it-IT" dirty="0" err="1"/>
+              <a:t>Practices</a:t>
+            </a:r>
+            <a:endParaRPr lang="it-IT" dirty="0"/>
+          </a:p>
+        </p:txBody>
+      </p:sp>
+    </p:spTree>
+    <p:extLst>
+      <p:ext uri="{BB962C8B-B14F-4D97-AF65-F5344CB8AC3E}">
+        <p14:creationId xmlns:p14="http://schemas.microsoft.com/office/powerpoint/2010/main" val="2774483195"/>
+      </p:ext>
+    </p:extLst>
+  </p:cSld>
+  <p:clrMapOvr>
+    <a:masterClrMapping/>
+  </p:clrMapOvr>
+</p:sld>
+</file>
+
+<file path=ppt/slides/slide31.xml><?xml version="1.0" encoding="utf-8"?>
+<p:sld xmlns:a="http://schemas.openxmlformats.org/drawingml/2006/main" xmlns:r="http://schemas.openxmlformats.org/officeDocument/2006/relationships" xmlns:p="http://schemas.openxmlformats.org/presentationml/2006/main">
+  <p:cSld>
+    <p:spTree>
+      <p:nvGrpSpPr>
+        <p:cNvPr id="1" name=""/>
+        <p:cNvGrpSpPr/>
+        <p:nvPr/>
+      </p:nvGrpSpPr>
+      <p:grpSpPr>
+        <a:xfrm>
+          <a:off x="0" y="0"/>
+          <a:ext cx="0" cy="0"/>
+          <a:chOff x="0" y="0"/>
+          <a:chExt cx="0" cy="0"/>
+        </a:xfrm>
+      </p:grpSpPr>
+      <p:sp>
+        <p:nvSpPr>
+          <p:cNvPr id="6" name="Title 5">
+            <a:extLst>
+              <a:ext uri="{FF2B5EF4-FFF2-40B4-BE49-F238E27FC236}">
+                <a16:creationId xmlns:a16="http://schemas.microsoft.com/office/drawing/2014/main" id="{93B44130-F4F1-DA47-AB6D-67C33825DC3B}"/>
+              </a:ext>
+            </a:extLst>
+          </p:cNvPr>
+          <p:cNvSpPr>
+            <a:spLocks noGrp="1"/>
+          </p:cNvSpPr>
+          <p:nvPr>
+            <p:ph type="title"/>
+          </p:nvPr>
+        </p:nvSpPr>
+        <p:spPr/>
+        <p:txBody>
+          <a:bodyPr/>
+          <a:lstStyle/>
+          <a:p>
+            <a:r>
+              <a:rPr lang="en-GB" dirty="0" err="1"/>
+              <a:t>Struttura</a:t>
+            </a:r>
+            <a:r>
+              <a:rPr lang="en-GB" dirty="0"/>
+              <a:t> script</a:t>
+            </a:r>
+          </a:p>
+        </p:txBody>
+      </p:sp>
+      <p:sp>
+        <p:nvSpPr>
+          <p:cNvPr id="7" name="Content Placeholder 6">
+            <a:extLst>
+              <a:ext uri="{FF2B5EF4-FFF2-40B4-BE49-F238E27FC236}">
+                <a16:creationId xmlns:a16="http://schemas.microsoft.com/office/drawing/2014/main" id="{F3346B34-A549-C945-8B7B-3871E3018006}"/>
+              </a:ext>
+            </a:extLst>
+          </p:cNvPr>
+          <p:cNvSpPr>
+            <a:spLocks noGrp="1"/>
+          </p:cNvSpPr>
+          <p:nvPr>
+            <p:ph sz="half" idx="1"/>
+          </p:nvPr>
+        </p:nvSpPr>
+        <p:spPr/>
+        <p:txBody>
+          <a:bodyPr>
+            <a:normAutofit fontScale="47500" lnSpcReduction="20000"/>
+          </a:bodyPr>
+          <a:lstStyle/>
+          <a:p>
+            <a:r>
+              <a:rPr lang="en-GB" sz="5100" dirty="0" err="1"/>
+              <a:t>Nello</a:t>
+            </a:r>
+            <a:r>
+              <a:rPr lang="en-GB" sz="5100" dirty="0"/>
+              <a:t> </a:t>
+            </a:r>
+            <a:r>
+              <a:rPr lang="en-GB" sz="5100" dirty="0" err="1"/>
+              <a:t>sviluppo</a:t>
+            </a:r>
+            <a:r>
+              <a:rPr lang="en-GB" sz="5100" dirty="0"/>
+              <a:t> di script </a:t>
+            </a:r>
+            <a:r>
+              <a:rPr lang="en-GB" sz="5100" dirty="0" err="1"/>
+              <a:t>è</a:t>
+            </a:r>
+            <a:r>
+              <a:rPr lang="en-GB" sz="5100" dirty="0"/>
+              <a:t> </a:t>
+            </a:r>
+            <a:r>
+              <a:rPr lang="en-GB" sz="5100" dirty="0" err="1"/>
+              <a:t>buona</a:t>
+            </a:r>
+            <a:r>
+              <a:rPr lang="en-GB" sz="5100" dirty="0"/>
+              <a:t> </a:t>
+            </a:r>
+            <a:r>
+              <a:rPr lang="en-GB" sz="5100" dirty="0" err="1"/>
+              <a:t>norma</a:t>
+            </a:r>
+            <a:r>
+              <a:rPr lang="en-GB" sz="5100" dirty="0"/>
+              <a:t> (</a:t>
+            </a:r>
+            <a:r>
+              <a:rPr lang="en-GB" sz="5100" i="1" dirty="0"/>
+              <a:t>best practice</a:t>
+            </a:r>
+            <a:r>
+              <a:rPr lang="en-GB" sz="5100" dirty="0"/>
+              <a:t>) </a:t>
+            </a:r>
+            <a:r>
+              <a:rPr lang="en-GB" sz="5100" dirty="0" err="1"/>
+              <a:t>aderire</a:t>
+            </a:r>
+            <a:r>
+              <a:rPr lang="en-GB" sz="5100" dirty="0"/>
+              <a:t> ad un </a:t>
+            </a:r>
+            <a:r>
+              <a:rPr lang="en-GB" sz="5100" dirty="0" err="1"/>
+              <a:t>canovaccio</a:t>
+            </a:r>
+            <a:r>
+              <a:rPr lang="en-GB" sz="5100" dirty="0"/>
+              <a:t> </a:t>
+            </a:r>
+            <a:r>
+              <a:rPr lang="en-GB" sz="5100" dirty="0" err="1"/>
+              <a:t>noto</a:t>
+            </a:r>
+            <a:r>
+              <a:rPr lang="en-GB" sz="5100" dirty="0"/>
+              <a:t> e </a:t>
+            </a:r>
+            <a:r>
+              <a:rPr lang="en-GB" sz="5100" dirty="0" err="1"/>
+              <a:t>consolidato</a:t>
+            </a:r>
+            <a:endParaRPr lang="en-GB" sz="5100" dirty="0"/>
+          </a:p>
+          <a:p>
+            <a:endParaRPr lang="en-GB" sz="5100" dirty="0"/>
+          </a:p>
+          <a:p>
+            <a:r>
+              <a:rPr lang="en-GB" sz="5100" dirty="0" err="1">
+                <a:solidFill>
+                  <a:schemeClr val="accent6">
+                    <a:lumMod val="75000"/>
+                  </a:schemeClr>
+                </a:solidFill>
+              </a:rPr>
+              <a:t>Definizione</a:t>
+            </a:r>
+            <a:r>
+              <a:rPr lang="en-GB" sz="5100" dirty="0">
+                <a:solidFill>
+                  <a:schemeClr val="accent6">
+                    <a:lumMod val="75000"/>
+                  </a:schemeClr>
+                </a:solidFill>
+              </a:rPr>
+              <a:t> </a:t>
+            </a:r>
+            <a:r>
+              <a:rPr lang="en-GB" sz="5100" dirty="0" err="1">
+                <a:solidFill>
+                  <a:schemeClr val="accent6">
+                    <a:lumMod val="75000"/>
+                  </a:schemeClr>
+                </a:solidFill>
+              </a:rPr>
+              <a:t>interprete</a:t>
+            </a:r>
+            <a:endParaRPr lang="en-GB" sz="5100" dirty="0">
+              <a:solidFill>
+                <a:schemeClr val="accent6">
+                  <a:lumMod val="75000"/>
+                </a:schemeClr>
+              </a:solidFill>
+            </a:endParaRPr>
+          </a:p>
+          <a:p>
+            <a:r>
+              <a:rPr lang="en-GB" sz="5100" dirty="0" err="1">
+                <a:solidFill>
+                  <a:srgbClr val="7030A0"/>
+                </a:solidFill>
+              </a:rPr>
+              <a:t>Definizione</a:t>
+            </a:r>
+            <a:r>
+              <a:rPr lang="en-GB" sz="5100" dirty="0">
+                <a:solidFill>
+                  <a:srgbClr val="7030A0"/>
+                </a:solidFill>
+              </a:rPr>
+              <a:t> </a:t>
+            </a:r>
+            <a:r>
+              <a:rPr lang="en-GB" sz="5100" dirty="0" err="1">
+                <a:solidFill>
+                  <a:srgbClr val="7030A0"/>
+                </a:solidFill>
+              </a:rPr>
+              <a:t>variabili</a:t>
+            </a:r>
+            <a:r>
+              <a:rPr lang="en-GB" sz="5100" dirty="0">
+                <a:solidFill>
+                  <a:srgbClr val="7030A0"/>
+                </a:solidFill>
+              </a:rPr>
+              <a:t> </a:t>
+            </a:r>
+            <a:r>
+              <a:rPr lang="en-GB" sz="5100" dirty="0" err="1">
+                <a:solidFill>
+                  <a:srgbClr val="7030A0"/>
+                </a:solidFill>
+              </a:rPr>
+              <a:t>globali</a:t>
+            </a:r>
+            <a:endParaRPr lang="en-GB" sz="5100" dirty="0">
+              <a:solidFill>
+                <a:srgbClr val="7030A0"/>
+              </a:solidFill>
+            </a:endParaRPr>
+          </a:p>
+          <a:p>
+            <a:r>
+              <a:rPr lang="en-GB" sz="5100" dirty="0" err="1"/>
+              <a:t>Definizione</a:t>
+            </a:r>
+            <a:r>
+              <a:rPr lang="en-GB" sz="5100" dirty="0"/>
+              <a:t> </a:t>
+            </a:r>
+            <a:r>
+              <a:rPr lang="en-GB" sz="5100" dirty="0" err="1"/>
+              <a:t>funzioni</a:t>
+            </a:r>
+            <a:endParaRPr lang="en-GB" sz="5100" dirty="0"/>
+          </a:p>
+          <a:p>
+            <a:r>
+              <a:rPr lang="en-GB" sz="5100" dirty="0" err="1">
+                <a:solidFill>
+                  <a:srgbClr val="00B050"/>
+                </a:solidFill>
+              </a:rPr>
+              <a:t>Controllo</a:t>
+            </a:r>
+            <a:r>
+              <a:rPr lang="en-GB" sz="5100" dirty="0">
+                <a:solidFill>
+                  <a:srgbClr val="00B050"/>
+                </a:solidFill>
+              </a:rPr>
+              <a:t> </a:t>
+            </a:r>
+            <a:r>
+              <a:rPr lang="en-GB" sz="5100" dirty="0" err="1">
+                <a:solidFill>
+                  <a:srgbClr val="00B050"/>
+                </a:solidFill>
+              </a:rPr>
+              <a:t>parametri</a:t>
+            </a:r>
+            <a:endParaRPr lang="en-GB" sz="5100" dirty="0">
+              <a:solidFill>
+                <a:srgbClr val="00B050"/>
+              </a:solidFill>
+            </a:endParaRPr>
+          </a:p>
+          <a:p>
+            <a:r>
+              <a:rPr lang="en-GB" sz="5100" dirty="0" err="1">
+                <a:solidFill>
+                  <a:schemeClr val="accent5">
+                    <a:lumMod val="75000"/>
+                  </a:schemeClr>
+                </a:solidFill>
+              </a:rPr>
+              <a:t>Corpo</a:t>
+            </a:r>
+            <a:r>
+              <a:rPr lang="en-GB" sz="5100" dirty="0">
+                <a:solidFill>
+                  <a:schemeClr val="accent5">
+                    <a:lumMod val="75000"/>
+                  </a:schemeClr>
+                </a:solidFill>
+              </a:rPr>
+              <a:t> </a:t>
+            </a:r>
+            <a:r>
+              <a:rPr lang="en-GB" sz="5100" dirty="0" err="1">
+                <a:solidFill>
+                  <a:schemeClr val="accent5">
+                    <a:lumMod val="75000"/>
+                  </a:schemeClr>
+                </a:solidFill>
+              </a:rPr>
+              <a:t>principale</a:t>
+            </a:r>
+            <a:endParaRPr lang="en-GB" sz="5100" dirty="0">
+              <a:solidFill>
+                <a:schemeClr val="accent5">
+                  <a:lumMod val="75000"/>
+                </a:schemeClr>
+              </a:solidFill>
+            </a:endParaRPr>
+          </a:p>
+          <a:p>
+            <a:r>
+              <a:rPr lang="en-GB" sz="5100" dirty="0" err="1">
+                <a:solidFill>
+                  <a:srgbClr val="FF0000"/>
+                </a:solidFill>
+              </a:rPr>
+              <a:t>Terminazione</a:t>
+            </a:r>
+            <a:endParaRPr lang="en-GB" sz="5100" dirty="0">
+              <a:solidFill>
+                <a:srgbClr val="FF0000"/>
+              </a:solidFill>
+            </a:endParaRPr>
+          </a:p>
+          <a:p>
+            <a:endParaRPr lang="en-GB" sz="2000" dirty="0"/>
+          </a:p>
+        </p:txBody>
+      </p:sp>
+      <p:sp>
+        <p:nvSpPr>
+          <p:cNvPr id="8" name="Content Placeholder 7">
+            <a:extLst>
+              <a:ext uri="{FF2B5EF4-FFF2-40B4-BE49-F238E27FC236}">
+                <a16:creationId xmlns:a16="http://schemas.microsoft.com/office/drawing/2014/main" id="{6D431DC5-3861-0146-B5BD-1BF5B9298479}"/>
+              </a:ext>
+            </a:extLst>
+          </p:cNvPr>
+          <p:cNvSpPr>
+            <a:spLocks noGrp="1"/>
+          </p:cNvSpPr>
+          <p:nvPr>
+            <p:ph sz="half" idx="2"/>
+          </p:nvPr>
+        </p:nvSpPr>
+        <p:spPr>
+          <a:xfrm>
+            <a:off x="4648200" y="1600202"/>
+            <a:ext cx="4038600" cy="5127625"/>
+          </a:xfrm>
+        </p:spPr>
+        <p:txBody>
+          <a:bodyPr>
+            <a:noAutofit/>
+          </a:bodyPr>
+          <a:lstStyle/>
+          <a:p>
+            <a:pPr marL="0" indent="0">
+              <a:buNone/>
+            </a:pPr>
+            <a:r>
+              <a:rPr lang="en-GB" sz="1000" dirty="0">
+                <a:solidFill>
+                  <a:schemeClr val="accent6">
+                    <a:lumMod val="75000"/>
+                  </a:schemeClr>
+                </a:solidFill>
+                <a:latin typeface="Consolas" panose="020B0609020204030204" pitchFamily="49" charset="0"/>
+                <a:ea typeface="HGGothicE" panose="020B0909000000000000" pitchFamily="49" charset="-128"/>
+                <a:cs typeface="Consolas" panose="020B0609020204030204" pitchFamily="49" charset="0"/>
+              </a:rPr>
+              <a:t>#!/bin/bash</a:t>
+            </a:r>
+          </a:p>
+          <a:p>
+            <a:pPr marL="0" indent="0">
+              <a:buNone/>
+            </a:pPr>
+            <a:endParaRPr lang="en-GB" sz="1000" dirty="0">
+              <a:latin typeface="Consolas" panose="020B0609020204030204" pitchFamily="49" charset="0"/>
+              <a:ea typeface="HGGothicE" panose="020B0909000000000000" pitchFamily="49" charset="-128"/>
+              <a:cs typeface="Consolas" panose="020B0609020204030204" pitchFamily="49" charset="0"/>
+            </a:endParaRPr>
+          </a:p>
+          <a:p>
+            <a:pPr marL="0" indent="0">
+              <a:buNone/>
+            </a:pPr>
+            <a:r>
+              <a:rPr lang="en-GB" sz="1000" dirty="0">
+                <a:solidFill>
+                  <a:srgbClr val="7030A0"/>
+                </a:solidFill>
+                <a:latin typeface="Consolas" panose="020B0609020204030204" pitchFamily="49" charset="0"/>
+                <a:ea typeface="HGGothicE" panose="020B0909000000000000" pitchFamily="49" charset="-128"/>
+                <a:cs typeface="Consolas" panose="020B0609020204030204" pitchFamily="49" charset="0"/>
+              </a:rPr>
+              <a:t>USAGE="usage: $0 </a:t>
+            </a:r>
+            <a:r>
+              <a:rPr lang="en-GB" sz="1000" dirty="0" err="1">
+                <a:solidFill>
+                  <a:srgbClr val="7030A0"/>
+                </a:solidFill>
+                <a:latin typeface="Consolas" panose="020B0609020204030204" pitchFamily="49" charset="0"/>
+                <a:ea typeface="HGGothicE" panose="020B0909000000000000" pitchFamily="49" charset="-128"/>
+                <a:cs typeface="Consolas" panose="020B0609020204030204" pitchFamily="49" charset="0"/>
+              </a:rPr>
+              <a:t>dirname</a:t>
+            </a:r>
+            <a:r>
+              <a:rPr lang="en-GB" sz="1000" dirty="0">
+                <a:solidFill>
+                  <a:srgbClr val="7030A0"/>
+                </a:solidFill>
+                <a:latin typeface="Consolas" panose="020B0609020204030204" pitchFamily="49" charset="0"/>
+                <a:ea typeface="HGGothicE" panose="020B0909000000000000" pitchFamily="49" charset="-128"/>
+                <a:cs typeface="Consolas" panose="020B0609020204030204" pitchFamily="49" charset="0"/>
+              </a:rPr>
+              <a:t>”</a:t>
+            </a:r>
+          </a:p>
+          <a:p>
+            <a:pPr marL="0" indent="0">
+              <a:buNone/>
+            </a:pPr>
+            <a:endParaRPr lang="en-GB" sz="1000" dirty="0">
+              <a:latin typeface="Consolas" panose="020B0609020204030204" pitchFamily="49" charset="0"/>
+              <a:ea typeface="HGGothicE" panose="020B0909000000000000" pitchFamily="49" charset="-128"/>
+              <a:cs typeface="Consolas" panose="020B0609020204030204" pitchFamily="49" charset="0"/>
+            </a:endParaRPr>
+          </a:p>
+          <a:p>
+            <a:pPr marL="0" indent="0">
+              <a:buNone/>
+            </a:pPr>
+            <a:r>
+              <a:rPr lang="en-GB" sz="1000" dirty="0">
+                <a:solidFill>
+                  <a:srgbClr val="00B050"/>
+                </a:solidFill>
+                <a:latin typeface="Consolas" panose="020B0609020204030204" pitchFamily="49" charset="0"/>
+                <a:ea typeface="HGGothicE" panose="020B0909000000000000" pitchFamily="49" charset="-128"/>
+                <a:cs typeface="Consolas" panose="020B0609020204030204" pitchFamily="49" charset="0"/>
+              </a:rPr>
+              <a:t>if [ $# -ne 1 ]; then </a:t>
+            </a:r>
+          </a:p>
+          <a:p>
+            <a:pPr marL="0" indent="0">
+              <a:buNone/>
+            </a:pPr>
+            <a:r>
+              <a:rPr lang="en-GB" sz="1000" dirty="0">
+                <a:solidFill>
+                  <a:srgbClr val="00B050"/>
+                </a:solidFill>
+                <a:latin typeface="Consolas" panose="020B0609020204030204" pitchFamily="49" charset="0"/>
+                <a:ea typeface="HGGothicE" panose="020B0909000000000000" pitchFamily="49" charset="-128"/>
+                <a:cs typeface="Consolas" panose="020B0609020204030204" pitchFamily="49" charset="0"/>
+              </a:rPr>
+              <a:t>  echo “$USAGE”</a:t>
+            </a:r>
+          </a:p>
+          <a:p>
+            <a:pPr marL="0" indent="0">
+              <a:buNone/>
+            </a:pPr>
+            <a:r>
+              <a:rPr lang="en-GB" sz="1000" dirty="0">
+                <a:solidFill>
+                  <a:srgbClr val="00B050"/>
+                </a:solidFill>
+                <a:latin typeface="Consolas" panose="020B0609020204030204" pitchFamily="49" charset="0"/>
+                <a:ea typeface="HGGothicE" panose="020B0909000000000000" pitchFamily="49" charset="-128"/>
+                <a:cs typeface="Consolas" panose="020B0609020204030204" pitchFamily="49" charset="0"/>
+              </a:rPr>
+              <a:t>  exit 1</a:t>
+            </a:r>
+          </a:p>
+          <a:p>
+            <a:pPr marL="0" indent="0">
+              <a:buNone/>
+            </a:pPr>
+            <a:r>
+              <a:rPr lang="en-GB" sz="1000" dirty="0">
+                <a:solidFill>
+                  <a:srgbClr val="00B050"/>
+                </a:solidFill>
+                <a:latin typeface="Consolas" panose="020B0609020204030204" pitchFamily="49" charset="0"/>
+                <a:ea typeface="HGGothicE" panose="020B0909000000000000" pitchFamily="49" charset="-128"/>
+                <a:cs typeface="Consolas" panose="020B0609020204030204" pitchFamily="49" charset="0"/>
+              </a:rPr>
+              <a:t>fi</a:t>
+            </a:r>
+          </a:p>
+          <a:p>
+            <a:pPr marL="0" indent="0">
+              <a:buNone/>
+            </a:pPr>
+            <a:endParaRPr lang="en-GB" sz="1000" dirty="0">
+              <a:solidFill>
+                <a:srgbClr val="00B050"/>
+              </a:solidFill>
+              <a:latin typeface="Consolas" panose="020B0609020204030204" pitchFamily="49" charset="0"/>
+              <a:ea typeface="HGGothicE" panose="020B0909000000000000" pitchFamily="49" charset="-128"/>
+              <a:cs typeface="Consolas" panose="020B0609020204030204" pitchFamily="49" charset="0"/>
+            </a:endParaRPr>
+          </a:p>
+          <a:p>
+            <a:pPr marL="0" indent="0">
+              <a:buNone/>
+            </a:pPr>
+            <a:r>
+              <a:rPr lang="en-GB" sz="1000" dirty="0">
+                <a:solidFill>
+                  <a:srgbClr val="00B050"/>
+                </a:solidFill>
+                <a:latin typeface="Consolas" panose="020B0609020204030204" pitchFamily="49" charset="0"/>
+                <a:ea typeface="HGGothicE" panose="020B0909000000000000" pitchFamily="49" charset="-128"/>
+                <a:cs typeface="Consolas" panose="020B0609020204030204" pitchFamily="49" charset="0"/>
+              </a:rPr>
+              <a:t>if [ ! -d "$1" -o ! -x "$1" ]; then</a:t>
+            </a:r>
+          </a:p>
+          <a:p>
+            <a:pPr marL="0" indent="0">
+              <a:buNone/>
+            </a:pPr>
+            <a:r>
+              <a:rPr lang="en-GB" sz="1000" dirty="0">
+                <a:solidFill>
+                  <a:srgbClr val="00B050"/>
+                </a:solidFill>
+                <a:latin typeface="Consolas" panose="020B0609020204030204" pitchFamily="49" charset="0"/>
+                <a:ea typeface="HGGothicE" panose="020B0909000000000000" pitchFamily="49" charset="-128"/>
+                <a:cs typeface="Consolas" panose="020B0609020204030204" pitchFamily="49" charset="0"/>
+              </a:rPr>
+              <a:t>  echo “$USAGE”  </a:t>
+            </a:r>
+          </a:p>
+          <a:p>
+            <a:pPr marL="0" indent="0">
+              <a:buNone/>
+            </a:pPr>
+            <a:r>
+              <a:rPr lang="en-GB" sz="1000" dirty="0">
+                <a:solidFill>
+                  <a:srgbClr val="00B050"/>
+                </a:solidFill>
+                <a:latin typeface="Consolas" panose="020B0609020204030204" pitchFamily="49" charset="0"/>
+                <a:ea typeface="HGGothicE" panose="020B0909000000000000" pitchFamily="49" charset="-128"/>
+                <a:cs typeface="Consolas" panose="020B0609020204030204" pitchFamily="49" charset="0"/>
+              </a:rPr>
+              <a:t>  exit 1</a:t>
+            </a:r>
+          </a:p>
+          <a:p>
+            <a:pPr marL="0" indent="0">
+              <a:buNone/>
+            </a:pPr>
+            <a:r>
+              <a:rPr lang="en-GB" sz="1000" dirty="0">
+                <a:solidFill>
+                  <a:srgbClr val="00B050"/>
+                </a:solidFill>
+                <a:latin typeface="Consolas" panose="020B0609020204030204" pitchFamily="49" charset="0"/>
+                <a:ea typeface="HGGothicE" panose="020B0909000000000000" pitchFamily="49" charset="-128"/>
+                <a:cs typeface="Consolas" panose="020B0609020204030204" pitchFamily="49" charset="0"/>
+              </a:rPr>
+              <a:t>fi</a:t>
+            </a:r>
+          </a:p>
+          <a:p>
+            <a:pPr marL="0" indent="0">
+              <a:buNone/>
+            </a:pPr>
+            <a:endParaRPr lang="en-GB" sz="1000" dirty="0">
+              <a:latin typeface="Consolas" panose="020B0609020204030204" pitchFamily="49" charset="0"/>
+              <a:ea typeface="HGGothicE" panose="020B0909000000000000" pitchFamily="49" charset="-128"/>
+              <a:cs typeface="Consolas" panose="020B0609020204030204" pitchFamily="49" charset="0"/>
+            </a:endParaRPr>
+          </a:p>
+          <a:p>
+            <a:pPr marL="0" indent="0">
+              <a:buNone/>
+            </a:pPr>
+            <a:r>
+              <a:rPr lang="en-GB" sz="1000" dirty="0">
+                <a:solidFill>
+                  <a:schemeClr val="accent5">
+                    <a:lumMod val="75000"/>
+                  </a:schemeClr>
+                </a:solidFill>
+                <a:latin typeface="Consolas" panose="020B0609020204030204" pitchFamily="49" charset="0"/>
+                <a:ea typeface="HGGothicE" panose="020B0909000000000000" pitchFamily="49" charset="-128"/>
+                <a:cs typeface="Consolas" panose="020B0609020204030204" pitchFamily="49" charset="0"/>
+              </a:rPr>
+              <a:t>F=0; D=0</a:t>
+            </a:r>
+          </a:p>
+          <a:p>
+            <a:pPr marL="0" indent="0">
+              <a:buNone/>
+            </a:pPr>
+            <a:r>
+              <a:rPr lang="en-GB" sz="1000" dirty="0">
+                <a:solidFill>
+                  <a:schemeClr val="accent5">
+                    <a:lumMod val="75000"/>
+                  </a:schemeClr>
+                </a:solidFill>
+                <a:latin typeface="Consolas" panose="020B0609020204030204" pitchFamily="49" charset="0"/>
+                <a:ea typeface="HGGothicE" panose="020B0909000000000000" pitchFamily="49" charset="-128"/>
+                <a:cs typeface="Consolas" panose="020B0609020204030204" pitchFamily="49" charset="0"/>
+              </a:rPr>
+              <a:t>for </a:t>
+            </a:r>
+            <a:r>
+              <a:rPr lang="en-GB" sz="1000" dirty="0" err="1">
+                <a:solidFill>
+                  <a:schemeClr val="accent5">
+                    <a:lumMod val="75000"/>
+                  </a:schemeClr>
+                </a:solidFill>
+                <a:latin typeface="Consolas" panose="020B0609020204030204" pitchFamily="49" charset="0"/>
+                <a:ea typeface="HGGothicE" panose="020B0909000000000000" pitchFamily="49" charset="-128"/>
+                <a:cs typeface="Consolas" panose="020B0609020204030204" pitchFamily="49" charset="0"/>
+              </a:rPr>
+              <a:t>fname</a:t>
+            </a:r>
+            <a:r>
+              <a:rPr lang="en-GB" sz="1000" dirty="0">
+                <a:solidFill>
+                  <a:schemeClr val="accent5">
+                    <a:lumMod val="75000"/>
+                  </a:schemeClr>
+                </a:solidFill>
+                <a:latin typeface="Consolas" panose="020B0609020204030204" pitchFamily="49" charset="0"/>
+                <a:ea typeface="HGGothicE" panose="020B0909000000000000" pitchFamily="49" charset="-128"/>
+                <a:cs typeface="Consolas" panose="020B0609020204030204" pitchFamily="49" charset="0"/>
+              </a:rPr>
+              <a:t> in "$1"/*; do</a:t>
+            </a:r>
+          </a:p>
+          <a:p>
+            <a:pPr marL="0" indent="0">
+              <a:buNone/>
+            </a:pPr>
+            <a:r>
+              <a:rPr lang="en-GB" sz="1000" dirty="0">
+                <a:solidFill>
+                  <a:schemeClr val="accent5">
+                    <a:lumMod val="75000"/>
+                  </a:schemeClr>
+                </a:solidFill>
+                <a:latin typeface="Consolas" panose="020B0609020204030204" pitchFamily="49" charset="0"/>
+                <a:ea typeface="HGGothicE" panose="020B0909000000000000" pitchFamily="49" charset="-128"/>
+                <a:cs typeface="Consolas" panose="020B0609020204030204" pitchFamily="49" charset="0"/>
+              </a:rPr>
+              <a:t>  if [ -f "$</a:t>
+            </a:r>
+            <a:r>
+              <a:rPr lang="en-GB" sz="1000" dirty="0" err="1">
+                <a:solidFill>
+                  <a:schemeClr val="accent5">
+                    <a:lumMod val="75000"/>
+                  </a:schemeClr>
+                </a:solidFill>
+                <a:latin typeface="Consolas" panose="020B0609020204030204" pitchFamily="49" charset="0"/>
+                <a:ea typeface="HGGothicE" panose="020B0909000000000000" pitchFamily="49" charset="-128"/>
+                <a:cs typeface="Consolas" panose="020B0609020204030204" pitchFamily="49" charset="0"/>
+              </a:rPr>
+              <a:t>fname</a:t>
+            </a:r>
+            <a:r>
+              <a:rPr lang="en-GB" sz="1000" dirty="0">
+                <a:solidFill>
+                  <a:schemeClr val="accent5">
+                    <a:lumMod val="75000"/>
+                  </a:schemeClr>
+                </a:solidFill>
+                <a:latin typeface="Consolas" panose="020B0609020204030204" pitchFamily="49" charset="0"/>
+                <a:ea typeface="HGGothicE" panose="020B0909000000000000" pitchFamily="49" charset="-128"/>
+                <a:cs typeface="Consolas" panose="020B0609020204030204" pitchFamily="49" charset="0"/>
+              </a:rPr>
+              <a:t>" ]; then</a:t>
+            </a:r>
+          </a:p>
+          <a:p>
+            <a:pPr marL="0" indent="0">
+              <a:buNone/>
+            </a:pPr>
+            <a:r>
+              <a:rPr lang="en-GB" sz="1000" dirty="0">
+                <a:solidFill>
+                  <a:schemeClr val="accent5">
+                    <a:lumMod val="75000"/>
+                  </a:schemeClr>
+                </a:solidFill>
+                <a:latin typeface="Consolas" panose="020B0609020204030204" pitchFamily="49" charset="0"/>
+                <a:ea typeface="HGGothicE" panose="020B0909000000000000" pitchFamily="49" charset="-128"/>
+                <a:cs typeface="Consolas" panose="020B0609020204030204" pitchFamily="49" charset="0"/>
+              </a:rPr>
+              <a:t>      F=$(expr $F + 1)</a:t>
+            </a:r>
+          </a:p>
+          <a:p>
+            <a:pPr marL="0" indent="0">
+              <a:buNone/>
+            </a:pPr>
+            <a:r>
+              <a:rPr lang="en-GB" sz="1000" dirty="0">
+                <a:solidFill>
+                  <a:schemeClr val="accent5">
+                    <a:lumMod val="75000"/>
+                  </a:schemeClr>
+                </a:solidFill>
+                <a:latin typeface="Consolas" panose="020B0609020204030204" pitchFamily="49" charset="0"/>
+                <a:ea typeface="HGGothicE" panose="020B0909000000000000" pitchFamily="49" charset="-128"/>
+                <a:cs typeface="Consolas" panose="020B0609020204030204" pitchFamily="49" charset="0"/>
+              </a:rPr>
+              <a:t>  fi  </a:t>
+            </a:r>
+          </a:p>
+          <a:p>
+            <a:pPr marL="0" indent="0">
+              <a:buNone/>
+            </a:pPr>
+            <a:r>
+              <a:rPr lang="en-GB" sz="1000" dirty="0">
+                <a:solidFill>
+                  <a:schemeClr val="accent5">
+                    <a:lumMod val="75000"/>
+                  </a:schemeClr>
+                </a:solidFill>
+                <a:latin typeface="Consolas" panose="020B0609020204030204" pitchFamily="49" charset="0"/>
+                <a:ea typeface="HGGothicE" panose="020B0909000000000000" pitchFamily="49" charset="-128"/>
+                <a:cs typeface="Consolas" panose="020B0609020204030204" pitchFamily="49" charset="0"/>
+              </a:rPr>
+              <a:t>  if [ -d "$</a:t>
+            </a:r>
+            <a:r>
+              <a:rPr lang="en-GB" sz="1000" dirty="0" err="1">
+                <a:solidFill>
+                  <a:schemeClr val="accent5">
+                    <a:lumMod val="75000"/>
+                  </a:schemeClr>
+                </a:solidFill>
+                <a:latin typeface="Consolas" panose="020B0609020204030204" pitchFamily="49" charset="0"/>
+                <a:ea typeface="HGGothicE" panose="020B0909000000000000" pitchFamily="49" charset="-128"/>
+                <a:cs typeface="Consolas" panose="020B0609020204030204" pitchFamily="49" charset="0"/>
+              </a:rPr>
+              <a:t>fname</a:t>
+            </a:r>
+            <a:r>
+              <a:rPr lang="en-GB" sz="1000" dirty="0">
+                <a:solidFill>
+                  <a:schemeClr val="accent5">
+                    <a:lumMod val="75000"/>
+                  </a:schemeClr>
+                </a:solidFill>
+                <a:latin typeface="Consolas" panose="020B0609020204030204" pitchFamily="49" charset="0"/>
+                <a:ea typeface="HGGothicE" panose="020B0909000000000000" pitchFamily="49" charset="-128"/>
+                <a:cs typeface="Consolas" panose="020B0609020204030204" pitchFamily="49" charset="0"/>
+              </a:rPr>
+              <a:t>" ]; then</a:t>
+            </a:r>
+          </a:p>
+          <a:p>
+            <a:pPr marL="0" indent="0">
+              <a:buNone/>
+            </a:pPr>
+            <a:r>
+              <a:rPr lang="en-GB" sz="1000" dirty="0">
+                <a:solidFill>
+                  <a:schemeClr val="accent5">
+                    <a:lumMod val="75000"/>
+                  </a:schemeClr>
+                </a:solidFill>
+                <a:latin typeface="Consolas" panose="020B0609020204030204" pitchFamily="49" charset="0"/>
+                <a:ea typeface="HGGothicE" panose="020B0909000000000000" pitchFamily="49" charset="-128"/>
+                <a:cs typeface="Consolas" panose="020B0609020204030204" pitchFamily="49" charset="0"/>
+              </a:rPr>
+              <a:t>      D=$(expr $D + 1)</a:t>
+            </a:r>
+          </a:p>
+          <a:p>
+            <a:pPr marL="0" indent="0">
+              <a:buNone/>
+            </a:pPr>
+            <a:r>
+              <a:rPr lang="en-GB" sz="1000" dirty="0">
+                <a:solidFill>
+                  <a:schemeClr val="accent5">
+                    <a:lumMod val="75000"/>
+                  </a:schemeClr>
+                </a:solidFill>
+                <a:latin typeface="Consolas" panose="020B0609020204030204" pitchFamily="49" charset="0"/>
+                <a:ea typeface="HGGothicE" panose="020B0909000000000000" pitchFamily="49" charset="-128"/>
+                <a:cs typeface="Consolas" panose="020B0609020204030204" pitchFamily="49" charset="0"/>
+              </a:rPr>
+              <a:t>  fi</a:t>
+            </a:r>
+          </a:p>
+          <a:p>
+            <a:pPr marL="0" indent="0">
+              <a:buNone/>
+            </a:pPr>
+            <a:r>
+              <a:rPr lang="en-GB" sz="1000" dirty="0">
+                <a:solidFill>
+                  <a:schemeClr val="accent5">
+                    <a:lumMod val="75000"/>
+                  </a:schemeClr>
+                </a:solidFill>
+                <a:latin typeface="Consolas" panose="020B0609020204030204" pitchFamily="49" charset="0"/>
+                <a:ea typeface="HGGothicE" panose="020B0909000000000000" pitchFamily="49" charset="-128"/>
+                <a:cs typeface="Consolas" panose="020B0609020204030204" pitchFamily="49" charset="0"/>
+              </a:rPr>
+              <a:t>done</a:t>
+            </a:r>
+          </a:p>
+          <a:p>
+            <a:pPr marL="0" indent="0">
+              <a:buNone/>
+            </a:pPr>
+            <a:endParaRPr lang="en-GB" sz="1000" dirty="0">
+              <a:solidFill>
+                <a:schemeClr val="accent5">
+                  <a:lumMod val="75000"/>
+                </a:schemeClr>
+              </a:solidFill>
+              <a:latin typeface="Consolas" panose="020B0609020204030204" pitchFamily="49" charset="0"/>
+              <a:ea typeface="HGGothicE" panose="020B0909000000000000" pitchFamily="49" charset="-128"/>
+              <a:cs typeface="Consolas" panose="020B0609020204030204" pitchFamily="49" charset="0"/>
+            </a:endParaRPr>
+          </a:p>
+          <a:p>
+            <a:pPr marL="0" indent="0">
+              <a:buNone/>
+            </a:pPr>
+            <a:r>
+              <a:rPr lang="en-GB" sz="1000" dirty="0">
+                <a:solidFill>
+                  <a:schemeClr val="accent5">
+                    <a:lumMod val="75000"/>
+                  </a:schemeClr>
+                </a:solidFill>
+                <a:latin typeface="Consolas" panose="020B0609020204030204" pitchFamily="49" charset="0"/>
+                <a:ea typeface="HGGothicE" panose="020B0909000000000000" pitchFamily="49" charset="-128"/>
+                <a:cs typeface="Consolas" panose="020B0609020204030204" pitchFamily="49" charset="0"/>
+              </a:rPr>
+              <a:t>echo "#files=$F, #directories=$D" </a:t>
+            </a:r>
+          </a:p>
+          <a:p>
+            <a:pPr marL="0" indent="0">
+              <a:buNone/>
+            </a:pPr>
+            <a:r>
+              <a:rPr lang="en-GB" sz="1000" dirty="0">
+                <a:solidFill>
+                  <a:srgbClr val="FF0000"/>
+                </a:solidFill>
+                <a:latin typeface="Consolas" panose="020B0609020204030204" pitchFamily="49" charset="0"/>
+                <a:ea typeface="HGGothicE" panose="020B0909000000000000" pitchFamily="49" charset="-128"/>
+                <a:cs typeface="Consolas" panose="020B0609020204030204" pitchFamily="49" charset="0"/>
+              </a:rPr>
+              <a:t>exit 0</a:t>
+            </a:r>
+          </a:p>
+          <a:p>
+            <a:pPr marL="0" indent="0">
+              <a:buNone/>
+            </a:pPr>
+            <a:endParaRPr lang="en-GB" sz="1000" dirty="0">
+              <a:latin typeface="Consolas" panose="020B0609020204030204" pitchFamily="49" charset="0"/>
+              <a:ea typeface="HGGothicE" panose="020B0909000000000000" pitchFamily="49" charset="-128"/>
+              <a:cs typeface="Consolas" panose="020B0609020204030204" pitchFamily="49" charset="0"/>
+            </a:endParaRPr>
+          </a:p>
+        </p:txBody>
+      </p:sp>
+      <p:sp>
+        <p:nvSpPr>
+          <p:cNvPr id="5" name="Slide Number Placeholder 4">
+            <a:extLst>
+              <a:ext uri="{FF2B5EF4-FFF2-40B4-BE49-F238E27FC236}">
+                <a16:creationId xmlns:a16="http://schemas.microsoft.com/office/drawing/2014/main" id="{7AA3CCBD-F793-D049-86E6-3D5F0F8741F9}"/>
+              </a:ext>
+            </a:extLst>
+          </p:cNvPr>
+          <p:cNvSpPr>
+            <a:spLocks noGrp="1"/>
+          </p:cNvSpPr>
+          <p:nvPr>
+            <p:ph type="sldNum" sz="quarter" idx="12"/>
+          </p:nvPr>
+        </p:nvSpPr>
+        <p:spPr/>
+        <p:txBody>
+          <a:bodyPr/>
+          <a:lstStyle/>
+          <a:p>
+            <a:fld id="{D2040F39-7941-49A4-B48D-F201B18B6351}" type="slidenum">
+              <a:rPr lang="it-IT" smtClean="0"/>
+              <a:pPr/>
+              <a:t>31</a:t>
+            </a:fld>
+            <a:endParaRPr lang="it-IT" dirty="0"/>
+          </a:p>
+        </p:txBody>
+      </p:sp>
+    </p:spTree>
+    <p:extLst>
+      <p:ext uri="{BB962C8B-B14F-4D97-AF65-F5344CB8AC3E}">
+        <p14:creationId xmlns:p14="http://schemas.microsoft.com/office/powerpoint/2010/main" val="105008260"/>
+      </p:ext>
+    </p:extLst>
+  </p:cSld>
+  <p:clrMapOvr>
+    <a:masterClrMapping/>
+  </p:clrMapOvr>
+</p:sld>
+</file>
+
+<file path=ppt/slides/slide32.xml><?xml version="1.0" encoding="utf-8"?>
+<p:sld xmlns:a="http://schemas.openxmlformats.org/drawingml/2006/main" xmlns:r="http://schemas.openxmlformats.org/officeDocument/2006/relationships" xmlns:p="http://schemas.openxmlformats.org/presentationml/2006/main">
+  <p:cSld>
+    <p:spTree>
+      <p:nvGrpSpPr>
+        <p:cNvPr id="1" name=""/>
+        <p:cNvGrpSpPr/>
+        <p:nvPr/>
+      </p:nvGrpSpPr>
+      <p:grpSpPr>
+        <a:xfrm>
+          <a:off x="0" y="0"/>
+          <a:ext cx="0" cy="0"/>
+          <a:chOff x="0" y="0"/>
+          <a:chExt cx="0" cy="0"/>
+        </a:xfrm>
+      </p:grpSpPr>
+      <p:sp>
+        <p:nvSpPr>
+          <p:cNvPr id="6" name="Title 5">
+            <a:extLst>
+              <a:ext uri="{FF2B5EF4-FFF2-40B4-BE49-F238E27FC236}">
+                <a16:creationId xmlns:a16="http://schemas.microsoft.com/office/drawing/2014/main" id="{93B44130-F4F1-DA47-AB6D-67C33825DC3B}"/>
+              </a:ext>
+            </a:extLst>
+          </p:cNvPr>
+          <p:cNvSpPr>
+            <a:spLocks noGrp="1"/>
+          </p:cNvSpPr>
+          <p:nvPr>
+            <p:ph type="title"/>
+          </p:nvPr>
+        </p:nvSpPr>
+        <p:spPr/>
+        <p:txBody>
+          <a:bodyPr/>
+          <a:lstStyle/>
+          <a:p>
+            <a:r>
+              <a:rPr lang="en-GB" dirty="0" err="1"/>
+              <a:t>Struttura</a:t>
+            </a:r>
+            <a:r>
+              <a:rPr lang="en-GB" dirty="0"/>
+              <a:t> script (Best Practices)</a:t>
+            </a:r>
+          </a:p>
+        </p:txBody>
+      </p:sp>
+      <p:sp>
+        <p:nvSpPr>
+          <p:cNvPr id="7" name="Content Placeholder 6">
+            <a:extLst>
+              <a:ext uri="{FF2B5EF4-FFF2-40B4-BE49-F238E27FC236}">
+                <a16:creationId xmlns:a16="http://schemas.microsoft.com/office/drawing/2014/main" id="{F3346B34-A549-C945-8B7B-3871E3018006}"/>
+              </a:ext>
+            </a:extLst>
+          </p:cNvPr>
+          <p:cNvSpPr>
+            <a:spLocks noGrp="1"/>
+          </p:cNvSpPr>
+          <p:nvPr>
+            <p:ph idx="1"/>
+          </p:nvPr>
+        </p:nvSpPr>
+        <p:spPr/>
+        <p:txBody>
+          <a:bodyPr>
+            <a:normAutofit fontScale="92500" lnSpcReduction="20000"/>
+          </a:bodyPr>
+          <a:lstStyle/>
+          <a:p>
+            <a:r>
+              <a:rPr lang="en-GB" dirty="0" err="1">
+                <a:latin typeface="Calibri" panose="020F0502020204030204" pitchFamily="34" charset="0"/>
+                <a:cs typeface="Calibri" panose="020F0502020204030204" pitchFamily="34" charset="0"/>
+              </a:rPr>
+              <a:t>Trattandosi</a:t>
+            </a:r>
+            <a:r>
+              <a:rPr lang="en-GB" dirty="0">
+                <a:latin typeface="Calibri" panose="020F0502020204030204" pitchFamily="34" charset="0"/>
+                <a:cs typeface="Calibri" panose="020F0502020204030204" pitchFamily="34" charset="0"/>
+              </a:rPr>
+              <a:t> di un </a:t>
+            </a:r>
+            <a:r>
+              <a:rPr lang="en-GB" dirty="0" err="1">
+                <a:latin typeface="Calibri" panose="020F0502020204030204" pitchFamily="34" charset="0"/>
+                <a:cs typeface="Calibri" panose="020F0502020204030204" pitchFamily="34" charset="0"/>
+              </a:rPr>
+              <a:t>linguaggio</a:t>
+            </a:r>
+            <a:r>
+              <a:rPr lang="en-GB" dirty="0">
+                <a:latin typeface="Calibri" panose="020F0502020204030204" pitchFamily="34" charset="0"/>
+                <a:cs typeface="Calibri" panose="020F0502020204030204" pitchFamily="34" charset="0"/>
+              </a:rPr>
+              <a:t> antico, </a:t>
+            </a:r>
+            <a:r>
+              <a:rPr lang="en-GB" dirty="0" err="1">
+                <a:latin typeface="Calibri" panose="020F0502020204030204" pitchFamily="34" charset="0"/>
+                <a:cs typeface="Calibri" panose="020F0502020204030204" pitchFamily="34" charset="0"/>
+              </a:rPr>
+              <a:t>l’indentazione</a:t>
+            </a:r>
+            <a:r>
+              <a:rPr lang="en-GB" dirty="0">
+                <a:latin typeface="Calibri" panose="020F0502020204030204" pitchFamily="34" charset="0"/>
+                <a:cs typeface="Calibri" panose="020F0502020204030204" pitchFamily="34" charset="0"/>
+              </a:rPr>
+              <a:t> </a:t>
+            </a:r>
+            <a:r>
+              <a:rPr lang="en-GB" dirty="0" err="1">
+                <a:latin typeface="Calibri" panose="020F0502020204030204" pitchFamily="34" charset="0"/>
+                <a:cs typeface="Calibri" panose="020F0502020204030204" pitchFamily="34" charset="0"/>
+              </a:rPr>
+              <a:t>è</a:t>
+            </a:r>
+            <a:r>
+              <a:rPr lang="en-GB" dirty="0">
+                <a:latin typeface="Calibri" panose="020F0502020204030204" pitchFamily="34" charset="0"/>
+                <a:cs typeface="Calibri" panose="020F0502020204030204" pitchFamily="34" charset="0"/>
+              </a:rPr>
+              <a:t> </a:t>
+            </a:r>
+            <a:r>
+              <a:rPr lang="en-GB" dirty="0" err="1">
+                <a:latin typeface="Calibri" panose="020F0502020204030204" pitchFamily="34" charset="0"/>
+                <a:cs typeface="Calibri" panose="020F0502020204030204" pitchFamily="34" charset="0"/>
+              </a:rPr>
+              <a:t>ancora</a:t>
+            </a:r>
+            <a:r>
+              <a:rPr lang="en-GB" dirty="0">
+                <a:latin typeface="Calibri" panose="020F0502020204030204" pitchFamily="34" charset="0"/>
+                <a:cs typeface="Calibri" panose="020F0502020204030204" pitchFamily="34" charset="0"/>
+              </a:rPr>
+              <a:t> </a:t>
+            </a:r>
+            <a:r>
+              <a:rPr lang="en-GB" dirty="0" err="1">
+                <a:latin typeface="Calibri" panose="020F0502020204030204" pitchFamily="34" charset="0"/>
+                <a:cs typeface="Calibri" panose="020F0502020204030204" pitchFamily="34" charset="0"/>
+              </a:rPr>
+              <a:t>facoltativa</a:t>
+            </a:r>
+            <a:r>
+              <a:rPr lang="en-GB" dirty="0">
+                <a:latin typeface="Calibri" panose="020F0502020204030204" pitchFamily="34" charset="0"/>
+                <a:cs typeface="Calibri" panose="020F0502020204030204" pitchFamily="34" charset="0"/>
+              </a:rPr>
+              <a:t> (in Python, </a:t>
+            </a:r>
+            <a:r>
+              <a:rPr lang="en-GB" dirty="0" err="1">
+                <a:latin typeface="Calibri" panose="020F0502020204030204" pitchFamily="34" charset="0"/>
+                <a:cs typeface="Calibri" panose="020F0502020204030204" pitchFamily="34" charset="0"/>
+              </a:rPr>
+              <a:t>recente</a:t>
+            </a:r>
+            <a:r>
+              <a:rPr lang="en-GB" dirty="0">
+                <a:latin typeface="Calibri" panose="020F0502020204030204" pitchFamily="34" charset="0"/>
+                <a:cs typeface="Calibri" panose="020F0502020204030204" pitchFamily="34" charset="0"/>
+              </a:rPr>
+              <a:t>, </a:t>
+            </a:r>
+            <a:r>
+              <a:rPr lang="en-GB" dirty="0" err="1">
+                <a:latin typeface="Calibri" panose="020F0502020204030204" pitchFamily="34" charset="0"/>
+                <a:cs typeface="Calibri" panose="020F0502020204030204" pitchFamily="34" charset="0"/>
+              </a:rPr>
+              <a:t>è</a:t>
+            </a:r>
+            <a:r>
+              <a:rPr lang="en-GB" dirty="0">
+                <a:latin typeface="Calibri" panose="020F0502020204030204" pitchFamily="34" charset="0"/>
+                <a:cs typeface="Calibri" panose="020F0502020204030204" pitchFamily="34" charset="0"/>
+              </a:rPr>
+              <a:t> </a:t>
+            </a:r>
+            <a:r>
+              <a:rPr lang="en-GB" dirty="0" err="1">
+                <a:latin typeface="Calibri" panose="020F0502020204030204" pitchFamily="34" charset="0"/>
+                <a:cs typeface="Calibri" panose="020F0502020204030204" pitchFamily="34" charset="0"/>
+              </a:rPr>
+              <a:t>obbligatoria</a:t>
+            </a:r>
+            <a:r>
+              <a:rPr lang="en-GB" dirty="0">
+                <a:latin typeface="Calibri" panose="020F0502020204030204" pitchFamily="34" charset="0"/>
+                <a:cs typeface="Calibri" panose="020F0502020204030204" pitchFamily="34" charset="0"/>
+              </a:rPr>
+              <a:t>!). </a:t>
+            </a:r>
+            <a:r>
+              <a:rPr lang="en-GB" dirty="0" err="1">
+                <a:solidFill>
+                  <a:schemeClr val="accent6">
+                    <a:lumMod val="75000"/>
+                  </a:schemeClr>
+                </a:solidFill>
+                <a:latin typeface="Calibri" panose="020F0502020204030204" pitchFamily="34" charset="0"/>
+                <a:cs typeface="Calibri" panose="020F0502020204030204" pitchFamily="34" charset="0"/>
+              </a:rPr>
+              <a:t>Indentazione</a:t>
+            </a:r>
+            <a:r>
+              <a:rPr lang="en-GB" dirty="0">
+                <a:solidFill>
+                  <a:schemeClr val="accent6">
+                    <a:lumMod val="75000"/>
+                  </a:schemeClr>
+                </a:solidFill>
+                <a:latin typeface="Calibri" panose="020F0502020204030204" pitchFamily="34" charset="0"/>
+                <a:cs typeface="Calibri" panose="020F0502020204030204" pitchFamily="34" charset="0"/>
+              </a:rPr>
+              <a:t> </a:t>
+            </a:r>
+            <a:r>
+              <a:rPr lang="en-GB" dirty="0" err="1">
+                <a:solidFill>
+                  <a:schemeClr val="accent6">
+                    <a:lumMod val="75000"/>
+                  </a:schemeClr>
+                </a:solidFill>
+                <a:latin typeface="Calibri" panose="020F0502020204030204" pitchFamily="34" charset="0"/>
+                <a:cs typeface="Calibri" panose="020F0502020204030204" pitchFamily="34" charset="0"/>
+              </a:rPr>
+              <a:t>è</a:t>
+            </a:r>
+            <a:r>
+              <a:rPr lang="en-GB" dirty="0">
+                <a:solidFill>
+                  <a:schemeClr val="accent6">
+                    <a:lumMod val="75000"/>
+                  </a:schemeClr>
+                </a:solidFill>
+                <a:latin typeface="Calibri" panose="020F0502020204030204" pitchFamily="34" charset="0"/>
+                <a:cs typeface="Calibri" panose="020F0502020204030204" pitchFamily="34" charset="0"/>
+              </a:rPr>
+              <a:t> </a:t>
+            </a:r>
+            <a:r>
+              <a:rPr lang="en-GB" dirty="0" err="1">
+                <a:solidFill>
+                  <a:schemeClr val="accent6">
+                    <a:lumMod val="75000"/>
+                  </a:schemeClr>
+                </a:solidFill>
+                <a:latin typeface="Calibri" panose="020F0502020204030204" pitchFamily="34" charset="0"/>
+                <a:cs typeface="Calibri" panose="020F0502020204030204" pitchFamily="34" charset="0"/>
+              </a:rPr>
+              <a:t>comunque</a:t>
+            </a:r>
+            <a:r>
+              <a:rPr lang="en-GB" dirty="0">
+                <a:solidFill>
+                  <a:schemeClr val="accent6">
+                    <a:lumMod val="75000"/>
+                  </a:schemeClr>
+                </a:solidFill>
+                <a:latin typeface="Calibri" panose="020F0502020204030204" pitchFamily="34" charset="0"/>
+                <a:cs typeface="Calibri" panose="020F0502020204030204" pitchFamily="34" charset="0"/>
+              </a:rPr>
+              <a:t> di </a:t>
+            </a:r>
+            <a:r>
+              <a:rPr lang="en-GB" dirty="0" err="1">
+                <a:solidFill>
+                  <a:schemeClr val="accent6">
+                    <a:lumMod val="75000"/>
+                  </a:schemeClr>
+                </a:solidFill>
+                <a:latin typeface="Calibri" panose="020F0502020204030204" pitchFamily="34" charset="0"/>
+                <a:cs typeface="Calibri" panose="020F0502020204030204" pitchFamily="34" charset="0"/>
+              </a:rPr>
+              <a:t>fondamentale</a:t>
+            </a:r>
+            <a:r>
+              <a:rPr lang="en-GB" dirty="0">
+                <a:solidFill>
+                  <a:schemeClr val="accent6">
+                    <a:lumMod val="75000"/>
+                  </a:schemeClr>
+                </a:solidFill>
+                <a:latin typeface="Calibri" panose="020F0502020204030204" pitchFamily="34" charset="0"/>
+                <a:cs typeface="Calibri" panose="020F0502020204030204" pitchFamily="34" charset="0"/>
+              </a:rPr>
+              <a:t> </a:t>
+            </a:r>
+            <a:r>
+              <a:rPr lang="en-GB" dirty="0" err="1">
+                <a:solidFill>
+                  <a:schemeClr val="accent6">
+                    <a:lumMod val="75000"/>
+                  </a:schemeClr>
+                </a:solidFill>
+                <a:latin typeface="Calibri" panose="020F0502020204030204" pitchFamily="34" charset="0"/>
+                <a:cs typeface="Calibri" panose="020F0502020204030204" pitchFamily="34" charset="0"/>
+              </a:rPr>
+              <a:t>importanza</a:t>
+            </a:r>
+            <a:r>
+              <a:rPr lang="en-GB" dirty="0">
+                <a:solidFill>
+                  <a:schemeClr val="accent6">
+                    <a:lumMod val="75000"/>
+                  </a:schemeClr>
+                </a:solidFill>
+                <a:latin typeface="Calibri" panose="020F0502020204030204" pitchFamily="34" charset="0"/>
+                <a:cs typeface="Calibri" panose="020F0502020204030204" pitchFamily="34" charset="0"/>
+              </a:rPr>
+              <a:t>!</a:t>
+            </a:r>
+          </a:p>
+          <a:p>
+            <a:r>
+              <a:rPr lang="en-GB" dirty="0" err="1">
+                <a:solidFill>
+                  <a:schemeClr val="accent6">
+                    <a:lumMod val="75000"/>
+                  </a:schemeClr>
+                </a:solidFill>
+                <a:latin typeface="Calibri" panose="020F0502020204030204" pitchFamily="34" charset="0"/>
+                <a:cs typeface="Calibri" panose="020F0502020204030204" pitchFamily="34" charset="0"/>
+              </a:rPr>
+              <a:t>Variabili</a:t>
+            </a:r>
+            <a:r>
+              <a:rPr lang="en-GB" dirty="0">
+                <a:solidFill>
+                  <a:schemeClr val="accent6">
+                    <a:lumMod val="75000"/>
+                  </a:schemeClr>
+                </a:solidFill>
+                <a:latin typeface="Calibri" panose="020F0502020204030204" pitchFamily="34" charset="0"/>
+                <a:cs typeface="Calibri" panose="020F0502020204030204" pitchFamily="34" charset="0"/>
+              </a:rPr>
+              <a:t> </a:t>
+            </a:r>
+            <a:r>
+              <a:rPr lang="en-GB" dirty="0" err="1">
+                <a:solidFill>
+                  <a:schemeClr val="accent6">
+                    <a:lumMod val="75000"/>
+                  </a:schemeClr>
+                </a:solidFill>
+                <a:latin typeface="Calibri" panose="020F0502020204030204" pitchFamily="34" charset="0"/>
+                <a:cs typeface="Calibri" panose="020F0502020204030204" pitchFamily="34" charset="0"/>
+              </a:rPr>
+              <a:t>globali</a:t>
+            </a:r>
+            <a:r>
+              <a:rPr lang="en-GB" dirty="0">
+                <a:solidFill>
+                  <a:schemeClr val="accent6">
+                    <a:lumMod val="75000"/>
+                  </a:schemeClr>
+                </a:solidFill>
+                <a:latin typeface="Calibri" panose="020F0502020204030204" pitchFamily="34" charset="0"/>
+                <a:cs typeface="Calibri" panose="020F0502020204030204" pitchFamily="34" charset="0"/>
+              </a:rPr>
+              <a:t> </a:t>
+            </a:r>
+            <a:r>
+              <a:rPr lang="en-GB" dirty="0" err="1">
+                <a:solidFill>
+                  <a:schemeClr val="accent6">
+                    <a:lumMod val="75000"/>
+                  </a:schemeClr>
+                </a:solidFill>
+                <a:latin typeface="Calibri" panose="020F0502020204030204" pitchFamily="34" charset="0"/>
+                <a:cs typeface="Calibri" panose="020F0502020204030204" pitchFamily="34" charset="0"/>
+              </a:rPr>
+              <a:t>sono</a:t>
+            </a:r>
+            <a:r>
+              <a:rPr lang="en-GB" dirty="0">
+                <a:solidFill>
+                  <a:schemeClr val="accent6">
+                    <a:lumMod val="75000"/>
+                  </a:schemeClr>
+                </a:solidFill>
+                <a:latin typeface="Calibri" panose="020F0502020204030204" pitchFamily="34" charset="0"/>
+                <a:cs typeface="Calibri" panose="020F0502020204030204" pitchFamily="34" charset="0"/>
+              </a:rPr>
+              <a:t> MAIUSCOLE </a:t>
+            </a:r>
+            <a:r>
+              <a:rPr lang="en-GB" dirty="0">
+                <a:latin typeface="Calibri" panose="020F0502020204030204" pitchFamily="34" charset="0"/>
+                <a:cs typeface="Calibri" panose="020F0502020204030204" pitchFamily="34" charset="0"/>
+              </a:rPr>
+              <a:t>(ad </a:t>
+            </a:r>
+            <a:r>
+              <a:rPr lang="en-GB" dirty="0" err="1">
+                <a:latin typeface="Calibri" panose="020F0502020204030204" pitchFamily="34" charset="0"/>
+                <a:cs typeface="Calibri" panose="020F0502020204030204" pitchFamily="34" charset="0"/>
+              </a:rPr>
+              <a:t>es</a:t>
+            </a:r>
+            <a:r>
+              <a:rPr lang="en-GB" dirty="0">
+                <a:latin typeface="Calibri" panose="020F0502020204030204" pitchFamily="34" charset="0"/>
+                <a:cs typeface="Calibri" panose="020F0502020204030204" pitchFamily="34" charset="0"/>
+              </a:rPr>
+              <a:t>. USAGE=“$0 usage: ...”)</a:t>
+            </a:r>
+          </a:p>
+          <a:p>
+            <a:r>
+              <a:rPr lang="en-GB" dirty="0" err="1">
+                <a:solidFill>
+                  <a:schemeClr val="accent6">
+                    <a:lumMod val="75000"/>
+                  </a:schemeClr>
+                </a:solidFill>
+                <a:latin typeface="Calibri" panose="020F0502020204030204" pitchFamily="34" charset="0"/>
+                <a:cs typeface="Calibri" panose="020F0502020204030204" pitchFamily="34" charset="0"/>
+              </a:rPr>
+              <a:t>Controllo</a:t>
+            </a:r>
+            <a:r>
+              <a:rPr lang="en-GB" dirty="0">
+                <a:solidFill>
+                  <a:schemeClr val="accent6">
+                    <a:lumMod val="75000"/>
+                  </a:schemeClr>
+                </a:solidFill>
+                <a:latin typeface="Calibri" panose="020F0502020204030204" pitchFamily="34" charset="0"/>
+                <a:cs typeface="Calibri" panose="020F0502020204030204" pitchFamily="34" charset="0"/>
+              </a:rPr>
+              <a:t> </a:t>
+            </a:r>
+            <a:r>
+              <a:rPr lang="en-GB" dirty="0" err="1">
+                <a:solidFill>
+                  <a:schemeClr val="accent6">
+                    <a:lumMod val="75000"/>
+                  </a:schemeClr>
+                </a:solidFill>
+                <a:latin typeface="Calibri" panose="020F0502020204030204" pitchFamily="34" charset="0"/>
+                <a:cs typeface="Calibri" panose="020F0502020204030204" pitchFamily="34" charset="0"/>
+              </a:rPr>
+              <a:t>dei</a:t>
+            </a:r>
+            <a:r>
+              <a:rPr lang="en-GB" dirty="0">
+                <a:solidFill>
+                  <a:schemeClr val="accent6">
+                    <a:lumMod val="75000"/>
+                  </a:schemeClr>
+                </a:solidFill>
+                <a:latin typeface="Calibri" panose="020F0502020204030204" pitchFamily="34" charset="0"/>
+                <a:cs typeface="Calibri" panose="020F0502020204030204" pitchFamily="34" charset="0"/>
+              </a:rPr>
+              <a:t> </a:t>
+            </a:r>
+            <a:r>
+              <a:rPr lang="en-GB" dirty="0" err="1">
+                <a:solidFill>
+                  <a:schemeClr val="accent6">
+                    <a:lumMod val="75000"/>
+                  </a:schemeClr>
+                </a:solidFill>
+                <a:latin typeface="Calibri" panose="020F0502020204030204" pitchFamily="34" charset="0"/>
+                <a:cs typeface="Calibri" panose="020F0502020204030204" pitchFamily="34" charset="0"/>
+              </a:rPr>
+              <a:t>parametri</a:t>
+            </a:r>
+            <a:r>
+              <a:rPr lang="en-GB" dirty="0">
+                <a:solidFill>
+                  <a:schemeClr val="accent6">
+                    <a:lumMod val="75000"/>
+                  </a:schemeClr>
+                </a:solidFill>
+                <a:latin typeface="Calibri" panose="020F0502020204030204" pitchFamily="34" charset="0"/>
+                <a:cs typeface="Calibri" panose="020F0502020204030204" pitchFamily="34" charset="0"/>
+              </a:rPr>
+              <a:t> </a:t>
+            </a:r>
+            <a:r>
+              <a:rPr lang="en-GB" dirty="0" err="1">
+                <a:solidFill>
+                  <a:schemeClr val="accent6">
+                    <a:lumMod val="75000"/>
+                  </a:schemeClr>
+                </a:solidFill>
+                <a:latin typeface="Calibri" panose="020F0502020204030204" pitchFamily="34" charset="0"/>
+                <a:cs typeface="Calibri" panose="020F0502020204030204" pitchFamily="34" charset="0"/>
+              </a:rPr>
+              <a:t>avviene</a:t>
+            </a:r>
+            <a:r>
+              <a:rPr lang="en-GB" dirty="0">
+                <a:solidFill>
+                  <a:schemeClr val="accent6">
+                    <a:lumMod val="75000"/>
+                  </a:schemeClr>
+                </a:solidFill>
+                <a:latin typeface="Calibri" panose="020F0502020204030204" pitchFamily="34" charset="0"/>
+                <a:cs typeface="Calibri" panose="020F0502020204030204" pitchFamily="34" charset="0"/>
+              </a:rPr>
+              <a:t> in via </a:t>
+            </a:r>
+            <a:r>
+              <a:rPr lang="en-GB" dirty="0" err="1">
+                <a:solidFill>
+                  <a:schemeClr val="accent6">
+                    <a:lumMod val="75000"/>
+                  </a:schemeClr>
+                </a:solidFill>
+                <a:latin typeface="Calibri" panose="020F0502020204030204" pitchFamily="34" charset="0"/>
+                <a:cs typeface="Calibri" panose="020F0502020204030204" pitchFamily="34" charset="0"/>
+              </a:rPr>
+              <a:t>negativa</a:t>
+            </a:r>
+            <a:r>
+              <a:rPr lang="en-GB" dirty="0">
+                <a:latin typeface="Calibri" panose="020F0502020204030204" pitchFamily="34" charset="0"/>
+                <a:cs typeface="Calibri" panose="020F0502020204030204" pitchFamily="34" charset="0"/>
+              </a:rPr>
+              <a:t>. Si </a:t>
+            </a:r>
+            <a:r>
+              <a:rPr lang="en-GB" dirty="0" err="1">
+                <a:latin typeface="Calibri" panose="020F0502020204030204" pitchFamily="34" charset="0"/>
+                <a:cs typeface="Calibri" panose="020F0502020204030204" pitchFamily="34" charset="0"/>
+              </a:rPr>
+              <a:t>controllano</a:t>
+            </a:r>
+            <a:r>
+              <a:rPr lang="en-GB" dirty="0">
+                <a:latin typeface="Calibri" panose="020F0502020204030204" pitchFamily="34" charset="0"/>
+                <a:cs typeface="Calibri" panose="020F0502020204030204" pitchFamily="34" charset="0"/>
+              </a:rPr>
+              <a:t> le </a:t>
+            </a:r>
+            <a:r>
+              <a:rPr lang="en-GB" dirty="0" err="1">
+                <a:latin typeface="Calibri" panose="020F0502020204030204" pitchFamily="34" charset="0"/>
+                <a:cs typeface="Calibri" panose="020F0502020204030204" pitchFamily="34" charset="0"/>
+              </a:rPr>
+              <a:t>condizioni</a:t>
+            </a:r>
+            <a:r>
+              <a:rPr lang="en-GB" dirty="0">
+                <a:latin typeface="Calibri" panose="020F0502020204030204" pitchFamily="34" charset="0"/>
+                <a:cs typeface="Calibri" panose="020F0502020204030204" pitchFamily="34" charset="0"/>
+              </a:rPr>
+              <a:t> di </a:t>
+            </a:r>
+            <a:r>
+              <a:rPr lang="en-GB" dirty="0" err="1">
+                <a:latin typeface="Calibri" panose="020F0502020204030204" pitchFamily="34" charset="0"/>
+                <a:cs typeface="Calibri" panose="020F0502020204030204" pitchFamily="34" charset="0"/>
+              </a:rPr>
+              <a:t>fallimento</a:t>
+            </a:r>
+            <a:r>
+              <a:rPr lang="en-GB" dirty="0">
+                <a:latin typeface="Calibri" panose="020F0502020204030204" pitchFamily="34" charset="0"/>
+                <a:cs typeface="Calibri" panose="020F0502020204030204" pitchFamily="34" charset="0"/>
+              </a:rPr>
+              <a:t> e, se </a:t>
+            </a:r>
+            <a:r>
+              <a:rPr lang="en-GB" dirty="0" err="1">
+                <a:latin typeface="Calibri" panose="020F0502020204030204" pitchFamily="34" charset="0"/>
+                <a:cs typeface="Calibri" panose="020F0502020204030204" pitchFamily="34" charset="0"/>
+              </a:rPr>
+              <a:t>verificate</a:t>
+            </a:r>
+            <a:r>
+              <a:rPr lang="en-GB" dirty="0">
+                <a:latin typeface="Calibri" panose="020F0502020204030204" pitchFamily="34" charset="0"/>
+                <a:cs typeface="Calibri" panose="020F0502020204030204" pitchFamily="34" charset="0"/>
+              </a:rPr>
+              <a:t>, </a:t>
+            </a:r>
+            <a:r>
+              <a:rPr lang="en-GB" dirty="0" err="1">
+                <a:latin typeface="Calibri" panose="020F0502020204030204" pitchFamily="34" charset="0"/>
+                <a:cs typeface="Calibri" panose="020F0502020204030204" pitchFamily="34" charset="0"/>
+              </a:rPr>
+              <a:t>si</a:t>
+            </a:r>
+            <a:r>
+              <a:rPr lang="en-GB" dirty="0">
+                <a:latin typeface="Calibri" panose="020F0502020204030204" pitchFamily="34" charset="0"/>
+                <a:cs typeface="Calibri" panose="020F0502020204030204" pitchFamily="34" charset="0"/>
+              </a:rPr>
+              <a:t> </a:t>
+            </a:r>
+            <a:r>
+              <a:rPr lang="en-GB" dirty="0" err="1">
+                <a:latin typeface="Calibri" panose="020F0502020204030204" pitchFamily="34" charset="0"/>
+                <a:cs typeface="Calibri" panose="020F0502020204030204" pitchFamily="34" charset="0"/>
+              </a:rPr>
+              <a:t>termina</a:t>
+            </a:r>
+            <a:r>
+              <a:rPr lang="en-GB" dirty="0">
+                <a:latin typeface="Calibri" panose="020F0502020204030204" pitchFamily="34" charset="0"/>
+                <a:cs typeface="Calibri" panose="020F0502020204030204" pitchFamily="34" charset="0"/>
+              </a:rPr>
+              <a:t> lo script </a:t>
+            </a:r>
+            <a:r>
+              <a:rPr lang="en-GB" dirty="0" err="1">
+                <a:latin typeface="Calibri" panose="020F0502020204030204" pitchFamily="34" charset="0"/>
+                <a:cs typeface="Calibri" panose="020F0502020204030204" pitchFamily="34" charset="0"/>
+              </a:rPr>
+              <a:t>ritornando</a:t>
+            </a:r>
+            <a:r>
+              <a:rPr lang="en-GB" dirty="0">
+                <a:latin typeface="Calibri" panose="020F0502020204030204" pitchFamily="34" charset="0"/>
+                <a:cs typeface="Calibri" panose="020F0502020204030204" pitchFamily="34" charset="0"/>
+              </a:rPr>
+              <a:t> un </a:t>
+            </a:r>
+            <a:r>
+              <a:rPr lang="en-GB" dirty="0" err="1">
+                <a:latin typeface="Calibri" panose="020F0502020204030204" pitchFamily="34" charset="0"/>
+                <a:cs typeface="Calibri" panose="020F0502020204030204" pitchFamily="34" charset="0"/>
+              </a:rPr>
+              <a:t>codice</a:t>
+            </a:r>
+            <a:r>
+              <a:rPr lang="en-GB" dirty="0">
+                <a:latin typeface="Calibri" panose="020F0502020204030204" pitchFamily="34" charset="0"/>
+                <a:cs typeface="Calibri" panose="020F0502020204030204" pitchFamily="34" charset="0"/>
+              </a:rPr>
+              <a:t> </a:t>
+            </a:r>
+            <a:r>
+              <a:rPr lang="en-GB" dirty="0" err="1">
+                <a:latin typeface="Calibri" panose="020F0502020204030204" pitchFamily="34" charset="0"/>
+                <a:cs typeface="Calibri" panose="020F0502020204030204" pitchFamily="34" charset="0"/>
+              </a:rPr>
+              <a:t>errore</a:t>
+            </a:r>
+            <a:r>
+              <a:rPr lang="en-GB" dirty="0">
+                <a:latin typeface="Calibri" panose="020F0502020204030204" pitchFamily="34" charset="0"/>
+                <a:cs typeface="Calibri" panose="020F0502020204030204" pitchFamily="34" charset="0"/>
+              </a:rPr>
+              <a:t> (exit 1). Questa </a:t>
+            </a:r>
+            <a:r>
+              <a:rPr lang="en-GB" dirty="0" err="1">
+                <a:latin typeface="Calibri" panose="020F0502020204030204" pitchFamily="34" charset="0"/>
+                <a:cs typeface="Calibri" panose="020F0502020204030204" pitchFamily="34" charset="0"/>
+              </a:rPr>
+              <a:t>pratica</a:t>
+            </a:r>
+            <a:r>
+              <a:rPr lang="en-GB" dirty="0">
+                <a:latin typeface="Calibri" panose="020F0502020204030204" pitchFamily="34" charset="0"/>
+                <a:cs typeface="Calibri" panose="020F0502020204030204" pitchFamily="34" charset="0"/>
+              </a:rPr>
+              <a:t> </a:t>
+            </a:r>
+            <a:r>
+              <a:rPr lang="en-GB" dirty="0" err="1">
+                <a:latin typeface="Calibri" panose="020F0502020204030204" pitchFamily="34" charset="0"/>
+                <a:cs typeface="Calibri" panose="020F0502020204030204" pitchFamily="34" charset="0"/>
+              </a:rPr>
+              <a:t>evita</a:t>
+            </a:r>
+            <a:r>
+              <a:rPr lang="en-GB" dirty="0">
+                <a:latin typeface="Calibri" panose="020F0502020204030204" pitchFamily="34" charset="0"/>
+                <a:cs typeface="Calibri" panose="020F0502020204030204" pitchFamily="34" charset="0"/>
+              </a:rPr>
+              <a:t> </a:t>
+            </a:r>
+            <a:r>
+              <a:rPr lang="en-GB" dirty="0" err="1">
+                <a:latin typeface="Calibri" panose="020F0502020204030204" pitchFamily="34" charset="0"/>
+                <a:cs typeface="Calibri" panose="020F0502020204030204" pitchFamily="34" charset="0"/>
+              </a:rPr>
+              <a:t>indentazione</a:t>
+            </a:r>
+            <a:r>
+              <a:rPr lang="en-GB" dirty="0">
+                <a:latin typeface="Calibri" panose="020F0502020204030204" pitchFamily="34" charset="0"/>
+                <a:cs typeface="Calibri" panose="020F0502020204030204" pitchFamily="34" charset="0"/>
+              </a:rPr>
+              <a:t> </a:t>
+            </a:r>
+            <a:r>
+              <a:rPr lang="en-GB" dirty="0" err="1">
+                <a:latin typeface="Calibri" panose="020F0502020204030204" pitchFamily="34" charset="0"/>
+                <a:cs typeface="Calibri" panose="020F0502020204030204" pitchFamily="34" charset="0"/>
+              </a:rPr>
+              <a:t>eccessiva</a:t>
+            </a:r>
+            <a:endParaRPr lang="en-GB" dirty="0">
+              <a:latin typeface="Calibri" panose="020F0502020204030204" pitchFamily="34" charset="0"/>
+              <a:cs typeface="Calibri" panose="020F0502020204030204" pitchFamily="34" charset="0"/>
+            </a:endParaRPr>
+          </a:p>
+          <a:p>
+            <a:r>
+              <a:rPr lang="en-GB" dirty="0">
+                <a:solidFill>
+                  <a:schemeClr val="accent6">
+                    <a:lumMod val="75000"/>
+                  </a:schemeClr>
+                </a:solidFill>
+                <a:latin typeface="Calibri" panose="020F0502020204030204" pitchFamily="34" charset="0"/>
+                <a:cs typeface="Calibri" panose="020F0502020204030204" pitchFamily="34" charset="0"/>
+              </a:rPr>
+              <a:t>I </a:t>
+            </a:r>
+            <a:r>
+              <a:rPr lang="en-GB" dirty="0" err="1">
+                <a:solidFill>
+                  <a:schemeClr val="accent6">
+                    <a:lumMod val="75000"/>
+                  </a:schemeClr>
+                </a:solidFill>
+                <a:latin typeface="Calibri" panose="020F0502020204030204" pitchFamily="34" charset="0"/>
+                <a:cs typeface="Calibri" panose="020F0502020204030204" pitchFamily="34" charset="0"/>
+              </a:rPr>
+              <a:t>valori</a:t>
+            </a:r>
+            <a:r>
+              <a:rPr lang="en-GB" dirty="0">
+                <a:solidFill>
+                  <a:schemeClr val="accent6">
+                    <a:lumMod val="75000"/>
+                  </a:schemeClr>
+                </a:solidFill>
+                <a:latin typeface="Calibri" panose="020F0502020204030204" pitchFamily="34" charset="0"/>
+                <a:cs typeface="Calibri" panose="020F0502020204030204" pitchFamily="34" charset="0"/>
+              </a:rPr>
+              <a:t> di </a:t>
+            </a:r>
+            <a:r>
+              <a:rPr lang="en-GB" dirty="0" err="1">
+                <a:solidFill>
+                  <a:schemeClr val="accent6">
+                    <a:lumMod val="75000"/>
+                  </a:schemeClr>
+                </a:solidFill>
+                <a:latin typeface="Calibri" panose="020F0502020204030204" pitchFamily="34" charset="0"/>
+                <a:cs typeface="Calibri" panose="020F0502020204030204" pitchFamily="34" charset="0"/>
+              </a:rPr>
+              <a:t>uscita</a:t>
+            </a:r>
+            <a:r>
+              <a:rPr lang="en-GB" dirty="0">
+                <a:solidFill>
+                  <a:schemeClr val="accent6">
+                    <a:lumMod val="75000"/>
+                  </a:schemeClr>
+                </a:solidFill>
+                <a:latin typeface="Calibri" panose="020F0502020204030204" pitchFamily="34" charset="0"/>
+                <a:cs typeface="Calibri" panose="020F0502020204030204" pitchFamily="34" charset="0"/>
+              </a:rPr>
+              <a:t> (exit) </a:t>
+            </a:r>
+            <a:r>
+              <a:rPr lang="en-GB" dirty="0" err="1">
+                <a:solidFill>
+                  <a:schemeClr val="accent6">
+                    <a:lumMod val="75000"/>
+                  </a:schemeClr>
+                </a:solidFill>
+                <a:latin typeface="Calibri" panose="020F0502020204030204" pitchFamily="34" charset="0"/>
+                <a:cs typeface="Calibri" panose="020F0502020204030204" pitchFamily="34" charset="0"/>
+              </a:rPr>
+              <a:t>utilizzano</a:t>
+            </a:r>
+            <a:r>
+              <a:rPr lang="en-GB" dirty="0">
+                <a:solidFill>
+                  <a:schemeClr val="accent6">
+                    <a:lumMod val="75000"/>
+                  </a:schemeClr>
+                </a:solidFill>
+                <a:latin typeface="Calibri" panose="020F0502020204030204" pitchFamily="34" charset="0"/>
+                <a:cs typeface="Calibri" panose="020F0502020204030204" pitchFamily="34" charset="0"/>
+              </a:rPr>
+              <a:t> </a:t>
+            </a:r>
+            <a:r>
+              <a:rPr lang="en-GB" dirty="0" err="1">
+                <a:solidFill>
+                  <a:schemeClr val="accent6">
+                    <a:lumMod val="75000"/>
+                  </a:schemeClr>
+                </a:solidFill>
+                <a:latin typeface="Calibri" panose="020F0502020204030204" pitchFamily="34" charset="0"/>
+                <a:cs typeface="Calibri" panose="020F0502020204030204" pitchFamily="34" charset="0"/>
+              </a:rPr>
+              <a:t>valori</a:t>
+            </a:r>
+            <a:r>
+              <a:rPr lang="en-GB" dirty="0">
+                <a:solidFill>
+                  <a:schemeClr val="accent6">
+                    <a:lumMod val="75000"/>
+                  </a:schemeClr>
+                </a:solidFill>
+                <a:latin typeface="Calibri" panose="020F0502020204030204" pitchFamily="34" charset="0"/>
+                <a:cs typeface="Calibri" panose="020F0502020204030204" pitchFamily="34" charset="0"/>
+              </a:rPr>
+              <a:t> </a:t>
+            </a:r>
+            <a:r>
+              <a:rPr lang="en-GB" dirty="0" err="1">
+                <a:solidFill>
+                  <a:schemeClr val="accent6">
+                    <a:lumMod val="75000"/>
+                  </a:schemeClr>
+                </a:solidFill>
+                <a:latin typeface="Calibri" panose="020F0502020204030204" pitchFamily="34" charset="0"/>
+                <a:cs typeface="Calibri" panose="020F0502020204030204" pitchFamily="34" charset="0"/>
+              </a:rPr>
+              <a:t>diversi</a:t>
+            </a:r>
+            <a:r>
+              <a:rPr lang="en-GB" dirty="0">
+                <a:solidFill>
+                  <a:schemeClr val="accent6">
+                    <a:lumMod val="75000"/>
+                  </a:schemeClr>
+                </a:solidFill>
+                <a:latin typeface="Calibri" panose="020F0502020204030204" pitchFamily="34" charset="0"/>
+                <a:cs typeface="Calibri" panose="020F0502020204030204" pitchFamily="34" charset="0"/>
+              </a:rPr>
+              <a:t> per </a:t>
+            </a:r>
+            <a:r>
+              <a:rPr lang="en-GB" dirty="0" err="1">
+                <a:solidFill>
+                  <a:schemeClr val="accent6">
+                    <a:lumMod val="75000"/>
+                  </a:schemeClr>
+                </a:solidFill>
+                <a:latin typeface="Calibri" panose="020F0502020204030204" pitchFamily="34" charset="0"/>
+                <a:cs typeface="Calibri" panose="020F0502020204030204" pitchFamily="34" charset="0"/>
+              </a:rPr>
+              <a:t>distinguere</a:t>
+            </a:r>
+            <a:r>
+              <a:rPr lang="en-GB" dirty="0">
+                <a:solidFill>
+                  <a:schemeClr val="accent6">
+                    <a:lumMod val="75000"/>
+                  </a:schemeClr>
+                </a:solidFill>
+                <a:latin typeface="Calibri" panose="020F0502020204030204" pitchFamily="34" charset="0"/>
+                <a:cs typeface="Calibri" panose="020F0502020204030204" pitchFamily="34" charset="0"/>
+              </a:rPr>
+              <a:t> </a:t>
+            </a:r>
+            <a:r>
+              <a:rPr lang="en-GB" dirty="0" err="1">
+                <a:solidFill>
+                  <a:schemeClr val="accent6">
+                    <a:lumMod val="75000"/>
+                  </a:schemeClr>
+                </a:solidFill>
+                <a:latin typeface="Calibri" panose="020F0502020204030204" pitchFamily="34" charset="0"/>
+                <a:cs typeface="Calibri" panose="020F0502020204030204" pitchFamily="34" charset="0"/>
+              </a:rPr>
+              <a:t>successo</a:t>
+            </a:r>
+            <a:r>
+              <a:rPr lang="en-GB" dirty="0">
+                <a:solidFill>
+                  <a:schemeClr val="accent6">
+                    <a:lumMod val="75000"/>
+                  </a:schemeClr>
+                </a:solidFill>
+                <a:latin typeface="Calibri" panose="020F0502020204030204" pitchFamily="34" charset="0"/>
+                <a:cs typeface="Calibri" panose="020F0502020204030204" pitchFamily="34" charset="0"/>
+              </a:rPr>
+              <a:t> (exit 0) da </a:t>
+            </a:r>
+            <a:r>
+              <a:rPr lang="en-GB" dirty="0" err="1">
+                <a:solidFill>
+                  <a:schemeClr val="accent6">
+                    <a:lumMod val="75000"/>
+                  </a:schemeClr>
+                </a:solidFill>
+                <a:latin typeface="Calibri" panose="020F0502020204030204" pitchFamily="34" charset="0"/>
+                <a:cs typeface="Calibri" panose="020F0502020204030204" pitchFamily="34" charset="0"/>
+              </a:rPr>
+              <a:t>fallimento</a:t>
+            </a:r>
+            <a:r>
+              <a:rPr lang="en-GB" dirty="0">
+                <a:solidFill>
+                  <a:schemeClr val="accent6">
+                    <a:lumMod val="75000"/>
+                  </a:schemeClr>
+                </a:solidFill>
+                <a:latin typeface="Calibri" panose="020F0502020204030204" pitchFamily="34" charset="0"/>
+                <a:cs typeface="Calibri" panose="020F0502020204030204" pitchFamily="34" charset="0"/>
+              </a:rPr>
+              <a:t> (exit 1). </a:t>
+            </a:r>
+            <a:r>
+              <a:rPr lang="en-GB" dirty="0">
+                <a:latin typeface="Calibri" panose="020F0502020204030204" pitchFamily="34" charset="0"/>
+                <a:cs typeface="Calibri" panose="020F0502020204030204" pitchFamily="34" charset="0"/>
+              </a:rPr>
+              <a:t>Per </a:t>
+            </a:r>
+            <a:r>
+              <a:rPr lang="en-GB" dirty="0" err="1">
+                <a:latin typeface="Calibri" panose="020F0502020204030204" pitchFamily="34" charset="0"/>
+                <a:cs typeface="Calibri" panose="020F0502020204030204" pitchFamily="34" charset="0"/>
+              </a:rPr>
+              <a:t>differenziare</a:t>
+            </a:r>
+            <a:r>
+              <a:rPr lang="en-GB" dirty="0">
+                <a:latin typeface="Calibri" panose="020F0502020204030204" pitchFamily="34" charset="0"/>
+                <a:cs typeface="Calibri" panose="020F0502020204030204" pitchFamily="34" charset="0"/>
+              </a:rPr>
+              <a:t> </a:t>
+            </a:r>
+            <a:r>
+              <a:rPr lang="en-GB" dirty="0" err="1">
+                <a:latin typeface="Calibri" panose="020F0502020204030204" pitchFamily="34" charset="0"/>
+                <a:cs typeface="Calibri" panose="020F0502020204030204" pitchFamily="34" charset="0"/>
+              </a:rPr>
+              <a:t>fra</a:t>
+            </a:r>
+            <a:r>
+              <a:rPr lang="en-GB" dirty="0">
+                <a:latin typeface="Calibri" panose="020F0502020204030204" pitchFamily="34" charset="0"/>
+                <a:cs typeface="Calibri" panose="020F0502020204030204" pitchFamily="34" charset="0"/>
+              </a:rPr>
+              <a:t> </a:t>
+            </a:r>
+            <a:r>
+              <a:rPr lang="en-GB" dirty="0" err="1">
+                <a:latin typeface="Calibri" panose="020F0502020204030204" pitchFamily="34" charset="0"/>
+                <a:cs typeface="Calibri" panose="020F0502020204030204" pitchFamily="34" charset="0"/>
+              </a:rPr>
+              <a:t>diversi</a:t>
+            </a:r>
+            <a:r>
+              <a:rPr lang="en-GB" dirty="0">
+                <a:latin typeface="Calibri" panose="020F0502020204030204" pitchFamily="34" charset="0"/>
+                <a:cs typeface="Calibri" panose="020F0502020204030204" pitchFamily="34" charset="0"/>
+              </a:rPr>
+              <a:t> tipi di </a:t>
+            </a:r>
+            <a:r>
+              <a:rPr lang="en-GB" dirty="0" err="1">
+                <a:latin typeface="Calibri" panose="020F0502020204030204" pitchFamily="34" charset="0"/>
+                <a:cs typeface="Calibri" panose="020F0502020204030204" pitchFamily="34" charset="0"/>
+              </a:rPr>
+              <a:t>fallimento</a:t>
+            </a:r>
+            <a:r>
+              <a:rPr lang="en-GB" dirty="0">
+                <a:latin typeface="Calibri" panose="020F0502020204030204" pitchFamily="34" charset="0"/>
+                <a:cs typeface="Calibri" panose="020F0502020204030204" pitchFamily="34" charset="0"/>
+              </a:rPr>
+              <a:t> </a:t>
+            </a:r>
+            <a:r>
+              <a:rPr lang="en-GB" dirty="0" err="1">
+                <a:latin typeface="Calibri" panose="020F0502020204030204" pitchFamily="34" charset="0"/>
+                <a:cs typeface="Calibri" panose="020F0502020204030204" pitchFamily="34" charset="0"/>
+              </a:rPr>
+              <a:t>si</a:t>
+            </a:r>
+            <a:r>
+              <a:rPr lang="en-GB" dirty="0">
+                <a:latin typeface="Calibri" panose="020F0502020204030204" pitchFamily="34" charset="0"/>
+                <a:cs typeface="Calibri" panose="020F0502020204030204" pitchFamily="34" charset="0"/>
+              </a:rPr>
+              <a:t> </a:t>
+            </a:r>
+            <a:r>
+              <a:rPr lang="en-GB" dirty="0" err="1">
+                <a:latin typeface="Calibri" panose="020F0502020204030204" pitchFamily="34" charset="0"/>
+                <a:cs typeface="Calibri" panose="020F0502020204030204" pitchFamily="34" charset="0"/>
+              </a:rPr>
+              <a:t>possono</a:t>
+            </a:r>
+            <a:r>
+              <a:rPr lang="en-GB" dirty="0">
+                <a:latin typeface="Calibri" panose="020F0502020204030204" pitchFamily="34" charset="0"/>
+                <a:cs typeface="Calibri" panose="020F0502020204030204" pitchFamily="34" charset="0"/>
+              </a:rPr>
+              <a:t> </a:t>
+            </a:r>
+            <a:r>
+              <a:rPr lang="en-GB" dirty="0" err="1">
+                <a:latin typeface="Calibri" panose="020F0502020204030204" pitchFamily="34" charset="0"/>
+                <a:cs typeface="Calibri" panose="020F0502020204030204" pitchFamily="34" charset="0"/>
+              </a:rPr>
+              <a:t>utilizzare</a:t>
+            </a:r>
+            <a:r>
+              <a:rPr lang="en-GB" dirty="0">
+                <a:latin typeface="Calibri" panose="020F0502020204030204" pitchFamily="34" charset="0"/>
+                <a:cs typeface="Calibri" panose="020F0502020204030204" pitchFamily="34" charset="0"/>
+              </a:rPr>
+              <a:t> numeri </a:t>
+            </a:r>
+            <a:r>
+              <a:rPr lang="en-GB" dirty="0" err="1">
+                <a:latin typeface="Calibri" panose="020F0502020204030204" pitchFamily="34" charset="0"/>
+                <a:cs typeface="Calibri" panose="020F0502020204030204" pitchFamily="34" charset="0"/>
+              </a:rPr>
+              <a:t>positivi</a:t>
+            </a:r>
+            <a:r>
+              <a:rPr lang="en-GB" dirty="0">
+                <a:latin typeface="Calibri" panose="020F0502020204030204" pitchFamily="34" charset="0"/>
+                <a:cs typeface="Calibri" panose="020F0502020204030204" pitchFamily="34" charset="0"/>
+              </a:rPr>
+              <a:t> &gt; 1 (exit 2)</a:t>
+            </a:r>
+          </a:p>
+          <a:p>
+            <a:r>
+              <a:rPr lang="en-GB" dirty="0">
+                <a:latin typeface="Calibri" panose="020F0502020204030204" pitchFamily="34" charset="0"/>
+                <a:cs typeface="Calibri" panose="020F0502020204030204" pitchFamily="34" charset="0"/>
+              </a:rPr>
+              <a:t>I filesystem </a:t>
+            </a:r>
+            <a:r>
+              <a:rPr lang="en-GB" dirty="0" err="1">
+                <a:latin typeface="Calibri" panose="020F0502020204030204" pitchFamily="34" charset="0"/>
+                <a:cs typeface="Calibri" panose="020F0502020204030204" pitchFamily="34" charset="0"/>
+              </a:rPr>
+              <a:t>moderni</a:t>
+            </a:r>
+            <a:r>
+              <a:rPr lang="en-GB" dirty="0">
+                <a:latin typeface="Calibri" panose="020F0502020204030204" pitchFamily="34" charset="0"/>
+                <a:cs typeface="Calibri" panose="020F0502020204030204" pitchFamily="34" charset="0"/>
+              </a:rPr>
+              <a:t> </a:t>
+            </a:r>
+            <a:r>
+              <a:rPr lang="en-GB" dirty="0" err="1">
+                <a:latin typeface="Calibri" panose="020F0502020204030204" pitchFamily="34" charset="0"/>
+                <a:cs typeface="Calibri" panose="020F0502020204030204" pitchFamily="34" charset="0"/>
+              </a:rPr>
+              <a:t>supportano</a:t>
+            </a:r>
+            <a:r>
+              <a:rPr lang="en-GB" dirty="0">
+                <a:latin typeface="Calibri" panose="020F0502020204030204" pitchFamily="34" charset="0"/>
+                <a:cs typeface="Calibri" panose="020F0502020204030204" pitchFamily="34" charset="0"/>
+              </a:rPr>
+              <a:t> la </a:t>
+            </a:r>
+            <a:r>
+              <a:rPr lang="en-GB" dirty="0" err="1">
+                <a:latin typeface="Calibri" panose="020F0502020204030204" pitchFamily="34" charset="0"/>
+                <a:cs typeface="Calibri" panose="020F0502020204030204" pitchFamily="34" charset="0"/>
+              </a:rPr>
+              <a:t>presenza</a:t>
+            </a:r>
+            <a:r>
+              <a:rPr lang="en-GB" dirty="0">
+                <a:latin typeface="Calibri" panose="020F0502020204030204" pitchFamily="34" charset="0"/>
+                <a:cs typeface="Calibri" panose="020F0502020204030204" pitchFamily="34" charset="0"/>
+              </a:rPr>
+              <a:t> di </a:t>
+            </a:r>
+            <a:r>
+              <a:rPr lang="en-GB" dirty="0" err="1">
+                <a:latin typeface="Calibri" panose="020F0502020204030204" pitchFamily="34" charset="0"/>
+                <a:cs typeface="Calibri" panose="020F0502020204030204" pitchFamily="34" charset="0"/>
+              </a:rPr>
+              <a:t>spazi</a:t>
+            </a:r>
+            <a:r>
+              <a:rPr lang="en-GB" dirty="0">
+                <a:latin typeface="Calibri" panose="020F0502020204030204" pitchFamily="34" charset="0"/>
+                <a:cs typeface="Calibri" panose="020F0502020204030204" pitchFamily="34" charset="0"/>
+              </a:rPr>
+              <a:t>. Per </a:t>
+            </a:r>
+            <a:r>
+              <a:rPr lang="en-GB" dirty="0" err="1">
+                <a:latin typeface="Calibri" panose="020F0502020204030204" pitchFamily="34" charset="0"/>
+                <a:cs typeface="Calibri" panose="020F0502020204030204" pitchFamily="34" charset="0"/>
+              </a:rPr>
+              <a:t>questo</a:t>
+            </a:r>
+            <a:r>
+              <a:rPr lang="en-GB" dirty="0">
+                <a:latin typeface="Calibri" panose="020F0502020204030204" pitchFamily="34" charset="0"/>
+                <a:cs typeface="Calibri" panose="020F0502020204030204" pitchFamily="34" charset="0"/>
+              </a:rPr>
+              <a:t> </a:t>
+            </a:r>
+            <a:r>
+              <a:rPr lang="en-GB" dirty="0" err="1">
+                <a:latin typeface="Calibri" panose="020F0502020204030204" pitchFamily="34" charset="0"/>
+                <a:cs typeface="Calibri" panose="020F0502020204030204" pitchFamily="34" charset="0"/>
+              </a:rPr>
+              <a:t>motivo</a:t>
+            </a:r>
+            <a:r>
+              <a:rPr lang="en-GB" dirty="0">
+                <a:latin typeface="Calibri" panose="020F0502020204030204" pitchFamily="34" charset="0"/>
+                <a:cs typeface="Calibri" panose="020F0502020204030204" pitchFamily="34" charset="0"/>
+              </a:rPr>
+              <a:t>, </a:t>
+            </a:r>
+            <a:r>
+              <a:rPr lang="en-GB" dirty="0" err="1">
+                <a:latin typeface="Calibri" panose="020F0502020204030204" pitchFamily="34" charset="0"/>
+                <a:cs typeface="Calibri" panose="020F0502020204030204" pitchFamily="34" charset="0"/>
+              </a:rPr>
+              <a:t>tutte</a:t>
+            </a:r>
+            <a:r>
+              <a:rPr lang="en-GB" dirty="0">
+                <a:latin typeface="Calibri" panose="020F0502020204030204" pitchFamily="34" charset="0"/>
+                <a:cs typeface="Calibri" panose="020F0502020204030204" pitchFamily="34" charset="0"/>
+              </a:rPr>
+              <a:t> le </a:t>
+            </a:r>
+            <a:r>
+              <a:rPr lang="en-GB" dirty="0" err="1">
+                <a:latin typeface="Calibri" panose="020F0502020204030204" pitchFamily="34" charset="0"/>
+                <a:cs typeface="Calibri" panose="020F0502020204030204" pitchFamily="34" charset="0"/>
+              </a:rPr>
+              <a:t>variabili</a:t>
+            </a:r>
+            <a:r>
+              <a:rPr lang="en-GB" dirty="0">
+                <a:latin typeface="Calibri" panose="020F0502020204030204" pitchFamily="34" charset="0"/>
+                <a:cs typeface="Calibri" panose="020F0502020204030204" pitchFamily="34" charset="0"/>
+              </a:rPr>
+              <a:t> </a:t>
+            </a:r>
+            <a:r>
+              <a:rPr lang="en-GB" dirty="0" err="1">
+                <a:latin typeface="Calibri" panose="020F0502020204030204" pitchFamily="34" charset="0"/>
+                <a:cs typeface="Calibri" panose="020F0502020204030204" pitchFamily="34" charset="0"/>
+              </a:rPr>
+              <a:t>fuori</a:t>
+            </a:r>
+            <a:r>
+              <a:rPr lang="en-GB" dirty="0">
+                <a:latin typeface="Calibri" panose="020F0502020204030204" pitchFamily="34" charset="0"/>
+                <a:cs typeface="Calibri" panose="020F0502020204030204" pitchFamily="34" charset="0"/>
+              </a:rPr>
+              <a:t> dal </a:t>
+            </a:r>
+            <a:r>
+              <a:rPr lang="en-GB" dirty="0" err="1">
+                <a:latin typeface="Calibri" panose="020F0502020204030204" pitchFamily="34" charset="0"/>
+                <a:cs typeface="Calibri" panose="020F0502020204030204" pitchFamily="34" charset="0"/>
+              </a:rPr>
+              <a:t>controllo</a:t>
+            </a:r>
+            <a:r>
+              <a:rPr lang="en-GB" dirty="0">
+                <a:latin typeface="Calibri" panose="020F0502020204030204" pitchFamily="34" charset="0"/>
+                <a:cs typeface="Calibri" panose="020F0502020204030204" pitchFamily="34" charset="0"/>
+              </a:rPr>
+              <a:t> del </a:t>
+            </a:r>
+            <a:r>
+              <a:rPr lang="en-GB" dirty="0" err="1">
+                <a:latin typeface="Calibri" panose="020F0502020204030204" pitchFamily="34" charset="0"/>
+                <a:cs typeface="Calibri" panose="020F0502020204030204" pitchFamily="34" charset="0"/>
+              </a:rPr>
+              <a:t>programmatore</a:t>
+            </a:r>
+            <a:r>
+              <a:rPr lang="en-GB" dirty="0">
+                <a:latin typeface="Calibri" panose="020F0502020204030204" pitchFamily="34" charset="0"/>
+                <a:cs typeface="Calibri" panose="020F0502020204030204" pitchFamily="34" charset="0"/>
+              </a:rPr>
+              <a:t> (ad </a:t>
+            </a:r>
+            <a:r>
+              <a:rPr lang="en-GB" dirty="0" err="1">
+                <a:latin typeface="Calibri" panose="020F0502020204030204" pitchFamily="34" charset="0"/>
+                <a:cs typeface="Calibri" panose="020F0502020204030204" pitchFamily="34" charset="0"/>
+              </a:rPr>
+              <a:t>es</a:t>
+            </a:r>
+            <a:r>
+              <a:rPr lang="en-GB" dirty="0">
+                <a:latin typeface="Calibri" panose="020F0502020204030204" pitchFamily="34" charset="0"/>
+                <a:cs typeface="Calibri" panose="020F0502020204030204" pitchFamily="34" charset="0"/>
+              </a:rPr>
+              <a:t>. </a:t>
+            </a:r>
+            <a:r>
+              <a:rPr lang="en-GB" dirty="0" err="1">
+                <a:latin typeface="Calibri" panose="020F0502020204030204" pitchFamily="34" charset="0"/>
+                <a:cs typeface="Calibri" panose="020F0502020204030204" pitchFamily="34" charset="0"/>
+              </a:rPr>
+              <a:t>nomi</a:t>
+            </a:r>
+            <a:r>
+              <a:rPr lang="en-GB" dirty="0">
+                <a:latin typeface="Calibri" panose="020F0502020204030204" pitchFamily="34" charset="0"/>
+                <a:cs typeface="Calibri" panose="020F0502020204030204" pitchFamily="34" charset="0"/>
+              </a:rPr>
+              <a:t> di file) </a:t>
+            </a:r>
+            <a:r>
+              <a:rPr lang="en-GB" dirty="0" err="1">
+                <a:latin typeface="Calibri" panose="020F0502020204030204" pitchFamily="34" charset="0"/>
+                <a:cs typeface="Calibri" panose="020F0502020204030204" pitchFamily="34" charset="0"/>
+              </a:rPr>
+              <a:t>vanno</a:t>
+            </a:r>
+            <a:r>
+              <a:rPr lang="en-GB" dirty="0">
+                <a:latin typeface="Calibri" panose="020F0502020204030204" pitchFamily="34" charset="0"/>
+                <a:cs typeface="Calibri" panose="020F0502020204030204" pitchFamily="34" charset="0"/>
+              </a:rPr>
+              <a:t> </a:t>
+            </a:r>
+            <a:r>
+              <a:rPr lang="en-GB" dirty="0" err="1">
+                <a:latin typeface="Calibri" panose="020F0502020204030204" pitchFamily="34" charset="0"/>
+                <a:cs typeface="Calibri" panose="020F0502020204030204" pitchFamily="34" charset="0"/>
+              </a:rPr>
+              <a:t>espanse</a:t>
+            </a:r>
+            <a:r>
+              <a:rPr lang="en-GB" dirty="0">
+                <a:latin typeface="Calibri" panose="020F0502020204030204" pitchFamily="34" charset="0"/>
+                <a:cs typeface="Calibri" panose="020F0502020204030204" pitchFamily="34" charset="0"/>
+              </a:rPr>
+              <a:t> </a:t>
+            </a:r>
+            <a:r>
+              <a:rPr lang="en-GB" dirty="0" err="1">
+                <a:latin typeface="Calibri" panose="020F0502020204030204" pitchFamily="34" charset="0"/>
+                <a:cs typeface="Calibri" panose="020F0502020204030204" pitchFamily="34" charset="0"/>
+              </a:rPr>
+              <a:t>fra</a:t>
+            </a:r>
+            <a:r>
+              <a:rPr lang="en-GB" dirty="0">
+                <a:latin typeface="Calibri" panose="020F0502020204030204" pitchFamily="34" charset="0"/>
+                <a:cs typeface="Calibri" panose="020F0502020204030204" pitchFamily="34" charset="0"/>
+              </a:rPr>
+              <a:t> </a:t>
+            </a:r>
+            <a:r>
+              <a:rPr lang="en-GB" dirty="0" err="1">
+                <a:latin typeface="Calibri" panose="020F0502020204030204" pitchFamily="34" charset="0"/>
+                <a:cs typeface="Calibri" panose="020F0502020204030204" pitchFamily="34" charset="0"/>
+              </a:rPr>
+              <a:t>doppie</a:t>
+            </a:r>
+            <a:r>
+              <a:rPr lang="en-GB" dirty="0">
+                <a:latin typeface="Calibri" panose="020F0502020204030204" pitchFamily="34" charset="0"/>
+                <a:cs typeface="Calibri" panose="020F0502020204030204" pitchFamily="34" charset="0"/>
+              </a:rPr>
+              <a:t> </a:t>
+            </a:r>
+            <a:r>
+              <a:rPr lang="en-GB" dirty="0" err="1">
+                <a:latin typeface="Calibri" panose="020F0502020204030204" pitchFamily="34" charset="0"/>
+                <a:cs typeface="Calibri" panose="020F0502020204030204" pitchFamily="34" charset="0"/>
+              </a:rPr>
+              <a:t>virgolette</a:t>
+            </a:r>
+            <a:r>
+              <a:rPr lang="en-GB" dirty="0">
+                <a:latin typeface="Calibri" panose="020F0502020204030204" pitchFamily="34" charset="0"/>
+                <a:cs typeface="Calibri" panose="020F0502020204030204" pitchFamily="34" charset="0"/>
+              </a:rPr>
+              <a:t> (echo “$filename”)</a:t>
+            </a:r>
+          </a:p>
+        </p:txBody>
+      </p:sp>
+      <p:sp>
+        <p:nvSpPr>
+          <p:cNvPr id="5" name="Slide Number Placeholder 4">
+            <a:extLst>
+              <a:ext uri="{FF2B5EF4-FFF2-40B4-BE49-F238E27FC236}">
+                <a16:creationId xmlns:a16="http://schemas.microsoft.com/office/drawing/2014/main" id="{7AA3CCBD-F793-D049-86E6-3D5F0F8741F9}"/>
+              </a:ext>
+            </a:extLst>
+          </p:cNvPr>
+          <p:cNvSpPr>
+            <a:spLocks noGrp="1"/>
+          </p:cNvSpPr>
+          <p:nvPr>
+            <p:ph type="sldNum" sz="quarter" idx="12"/>
+          </p:nvPr>
+        </p:nvSpPr>
+        <p:spPr/>
+        <p:txBody>
+          <a:bodyPr/>
+          <a:lstStyle/>
+          <a:p>
+            <a:fld id="{D2040F39-7941-49A4-B48D-F201B18B6351}" type="slidenum">
+              <a:rPr lang="it-IT" smtClean="0"/>
+              <a:pPr/>
+              <a:t>32</a:t>
+            </a:fld>
+            <a:endParaRPr lang="it-IT" dirty="0"/>
+          </a:p>
+        </p:txBody>
+      </p:sp>
+    </p:spTree>
+    <p:extLst>
+      <p:ext uri="{BB962C8B-B14F-4D97-AF65-F5344CB8AC3E}">
+        <p14:creationId xmlns:p14="http://schemas.microsoft.com/office/powerpoint/2010/main" val="2517799632"/>
+      </p:ext>
+    </p:extLst>
+  </p:cSld>
+  <p:clrMapOvr>
+    <a:masterClrMapping/>
+  </p:clrMapOvr>
+</p:sld>
+</file>
+
 <file path=ppt/slides/slide4.xml><?xml version="1.0" encoding="utf-8"?>
 <p:sld xmlns:a="http://schemas.openxmlformats.org/drawingml/2006/main" xmlns:r="http://schemas.openxmlformats.org/officeDocument/2006/relationships" xmlns:p="http://schemas.openxmlformats.org/presentationml/2006/main">
   <p:cSld>
@@ -16006,21 +17530,7 @@
                 <a:latin typeface="Calibri" panose="020F0502020204030204" pitchFamily="34" charset="0"/>
                 <a:cs typeface="Calibri" panose="020F0502020204030204" pitchFamily="34" charset="0"/>
               </a:rPr>
-              <a:t>Invocazione tramite percorso esplicito relativo o </a:t>
-            </a:r>
-            <a:r>
-              <a:rPr lang="it-IT" altLang="zh-CN" dirty="0" err="1">
-                <a:latin typeface="Calibri" panose="020F0502020204030204" pitchFamily="34" charset="0"/>
-                <a:cs typeface="Calibri" panose="020F0502020204030204" pitchFamily="34" charset="0"/>
-              </a:rPr>
-              <a:t>assuluto</a:t>
-            </a:r>
-            <a:r>
-              <a:rPr lang="it-IT" altLang="zh-CN" dirty="0">
-                <a:latin typeface="Calibri" panose="020F0502020204030204" pitchFamily="34" charset="0"/>
-                <a:cs typeface="Calibri" panose="020F0502020204030204" pitchFamily="34" charset="0"/>
-              </a:rPr>
-              <a:t> (da preferire) </a:t>
+              <a:t>Invocazione tramite percorso esplicito relativo o assoluto (da preferire) </a:t>
             </a:r>
           </a:p>
           <a:p>

--- a/slides/ppt/03_Bash Scripting.pptx
+++ b/slides/ppt/03_Bash Scripting.pptx
@@ -250,7 +250,7 @@
             <a:fld id="{BAEB7694-8561-4BE2-948D-EDF7A201F8BB}" type="datetimeFigureOut">
               <a:rPr lang="it-IT" smtClean="0"/>
               <a:pPr/>
-              <a:t>04/04/20</a:t>
+              <a:t>05/04/20</a:t>
             </a:fld>
             <a:endParaRPr lang="it-IT"/>
           </a:p>
@@ -21657,7 +21657,7 @@
         <p:spPr/>
         <p:txBody>
           <a:bodyPr>
-            <a:normAutofit lnSpcReduction="10000"/>
+            <a:normAutofit fontScale="85000" lnSpcReduction="20000"/>
           </a:bodyPr>
           <a:lstStyle/>
           <a:p>
@@ -21665,7 +21665,10 @@
               <a:buNone/>
             </a:pPr>
             <a:r>
-              <a:rPr lang="en-GB" dirty="0"/>
+              <a:rPr lang="en-GB" dirty="0">
+                <a:latin typeface="Consolas" panose="020B0609020204030204" pitchFamily="49" charset="0"/>
+                <a:cs typeface="Consolas" panose="020B0609020204030204" pitchFamily="49" charset="0"/>
+              </a:rPr>
               <a:t>#!/bin/bash</a:t>
             </a:r>
           </a:p>
@@ -21673,16 +21676,34 @@
             <a:pPr marL="0" indent="0">
               <a:buNone/>
             </a:pPr>
-            <a:r>
-              <a:rPr lang="en-GB" dirty="0"/>
+            <a:endParaRPr lang="en-GB" dirty="0">
+              <a:latin typeface="Consolas" panose="020B0609020204030204" pitchFamily="49" charset="0"/>
+              <a:cs typeface="Consolas" panose="020B0609020204030204" pitchFamily="49" charset="0"/>
+            </a:endParaRPr>
+          </a:p>
+          <a:p>
+            <a:pPr marL="0" indent="0">
+              <a:buNone/>
+            </a:pPr>
+            <a:r>
+              <a:rPr lang="en-GB" dirty="0">
+                <a:latin typeface="Consolas" panose="020B0609020204030204" pitchFamily="49" charset="0"/>
+                <a:cs typeface="Consolas" panose="020B0609020204030204" pitchFamily="49" charset="0"/>
+              </a:rPr>
               <a:t>if [ $# -</a:t>
             </a:r>
             <a:r>
-              <a:rPr lang="en-GB" dirty="0" err="1"/>
+              <a:rPr lang="en-GB" dirty="0" err="1">
+                <a:latin typeface="Consolas" panose="020B0609020204030204" pitchFamily="49" charset="0"/>
+                <a:cs typeface="Consolas" panose="020B0609020204030204" pitchFamily="49" charset="0"/>
+              </a:rPr>
               <a:t>lt</a:t>
             </a:r>
             <a:r>
-              <a:rPr lang="en-GB" dirty="0"/>
+              <a:rPr lang="en-GB" dirty="0">
+                <a:latin typeface="Consolas" panose="020B0609020204030204" pitchFamily="49" charset="0"/>
+                <a:cs typeface="Consolas" panose="020B0609020204030204" pitchFamily="49" charset="0"/>
+              </a:rPr>
               <a:t> 1 ]; then</a:t>
             </a:r>
           </a:p>
@@ -21691,25 +21712,34 @@
               <a:buNone/>
             </a:pPr>
             <a:r>
-              <a:rPr lang="en-GB" dirty="0"/>
-              <a:t>	echo “usage: $0 file ...”</a:t>
-            </a:r>
-          </a:p>
-          <a:p>
-            <a:pPr marL="0" indent="0">
-              <a:buNone/>
-            </a:pPr>
-            <a:r>
-              <a:rPr lang="en-GB" dirty="0"/>
-              <a:t>	exit 1</a:t>
-            </a:r>
-          </a:p>
-          <a:p>
-            <a:pPr marL="0" indent="0">
-              <a:buNone/>
-            </a:pPr>
-            <a:r>
-              <a:rPr lang="en-GB" dirty="0"/>
+              <a:rPr lang="en-GB" dirty="0">
+                <a:latin typeface="Consolas" panose="020B0609020204030204" pitchFamily="49" charset="0"/>
+                <a:cs typeface="Consolas" panose="020B0609020204030204" pitchFamily="49" charset="0"/>
+              </a:rPr>
+              <a:t>	echo "usage: $0 filename"</a:t>
+            </a:r>
+          </a:p>
+          <a:p>
+            <a:pPr marL="0" indent="0">
+              <a:buNone/>
+            </a:pPr>
+            <a:r>
+              <a:rPr lang="en-GB" dirty="0">
+                <a:latin typeface="Consolas" panose="020B0609020204030204" pitchFamily="49" charset="0"/>
+                <a:cs typeface="Consolas" panose="020B0609020204030204" pitchFamily="49" charset="0"/>
+              </a:rPr>
+              <a:t>  exit 1</a:t>
+            </a:r>
+          </a:p>
+          <a:p>
+            <a:pPr marL="0" indent="0">
+              <a:buNone/>
+            </a:pPr>
+            <a:r>
+              <a:rPr lang="en-GB" dirty="0">
+                <a:latin typeface="Consolas" panose="020B0609020204030204" pitchFamily="49" charset="0"/>
+                <a:cs typeface="Consolas" panose="020B0609020204030204" pitchFamily="49" charset="0"/>
+              </a:rPr>
               <a:t>fi</a:t>
             </a:r>
           </a:p>
@@ -21717,14 +21747,20 @@
             <a:pPr marL="0" indent="0">
               <a:buNone/>
             </a:pPr>
-            <a:endParaRPr lang="en-GB" dirty="0"/>
-          </a:p>
-          <a:p>
-            <a:pPr marL="0" indent="0">
-              <a:buNone/>
-            </a:pPr>
-            <a:r>
-              <a:rPr lang="en-GB" dirty="0"/>
+            <a:endParaRPr lang="en-GB" dirty="0">
+              <a:latin typeface="Consolas" panose="020B0609020204030204" pitchFamily="49" charset="0"/>
+              <a:cs typeface="Consolas" panose="020B0609020204030204" pitchFamily="49" charset="0"/>
+            </a:endParaRPr>
+          </a:p>
+          <a:p>
+            <a:pPr marL="0" indent="0">
+              <a:buNone/>
+            </a:pPr>
+            <a:r>
+              <a:rPr lang="en-GB" dirty="0">
+                <a:latin typeface="Consolas" panose="020B0609020204030204" pitchFamily="49" charset="0"/>
+                <a:cs typeface="Consolas" panose="020B0609020204030204" pitchFamily="49" charset="0"/>
+              </a:rPr>
               <a:t>l=0</a:t>
             </a:r>
           </a:p>
@@ -21733,15 +21769,24 @@
               <a:buNone/>
             </a:pPr>
             <a:r>
-              <a:rPr lang="en-GB" dirty="0"/>
+              <a:rPr lang="en-GB" dirty="0">
+                <a:latin typeface="Consolas" panose="020B0609020204030204" pitchFamily="49" charset="0"/>
+                <a:cs typeface="Consolas" panose="020B0609020204030204" pitchFamily="49" charset="0"/>
+              </a:rPr>
               <a:t>for </a:t>
             </a:r>
             <a:r>
-              <a:rPr lang="en-GB" dirty="0" err="1"/>
+              <a:rPr lang="en-GB" dirty="0" err="1">
+                <a:latin typeface="Consolas" panose="020B0609020204030204" pitchFamily="49" charset="0"/>
+                <a:cs typeface="Consolas" panose="020B0609020204030204" pitchFamily="49" charset="0"/>
+              </a:rPr>
               <a:t>fname</a:t>
             </a:r>
             <a:r>
-              <a:rPr lang="en-GB" dirty="0"/>
+              <a:rPr lang="en-GB" dirty="0">
+                <a:latin typeface="Consolas" panose="020B0609020204030204" pitchFamily="49" charset="0"/>
+                <a:cs typeface="Consolas" panose="020B0609020204030204" pitchFamily="49" charset="0"/>
+              </a:rPr>
               <a:t> in $*; do</a:t>
             </a:r>
           </a:p>
@@ -21750,42 +21795,98 @@
               <a:buNone/>
             </a:pPr>
             <a:r>
-              <a:rPr lang="en-GB" dirty="0"/>
+              <a:rPr lang="en-GB" dirty="0">
+                <a:latin typeface="Consolas" panose="020B0609020204030204" pitchFamily="49" charset="0"/>
+                <a:cs typeface="Consolas" panose="020B0609020204030204" pitchFamily="49" charset="0"/>
+              </a:rPr>
               <a:t>	l=$(</a:t>
             </a:r>
             <a:r>
-              <a:rPr lang="en-GB" dirty="0" err="1"/>
+              <a:rPr lang="en-GB" dirty="0" err="1">
+                <a:latin typeface="Consolas" panose="020B0609020204030204" pitchFamily="49" charset="0"/>
+                <a:cs typeface="Consolas" panose="020B0609020204030204" pitchFamily="49" charset="0"/>
+              </a:rPr>
               <a:t>wc</a:t>
             </a:r>
             <a:r>
-              <a:rPr lang="en-GB" dirty="0"/>
-              <a:t> -l “$</a:t>
-            </a:r>
-            <a:r>
-              <a:rPr lang="en-GB" dirty="0" err="1"/>
+              <a:rPr lang="en-GB" dirty="0">
+                <a:latin typeface="Consolas" panose="020B0609020204030204" pitchFamily="49" charset="0"/>
+                <a:cs typeface="Consolas" panose="020B0609020204030204" pitchFamily="49" charset="0"/>
+              </a:rPr>
+              <a:t> -l "$</a:t>
+            </a:r>
+            <a:r>
+              <a:rPr lang="en-GB" dirty="0" err="1">
+                <a:latin typeface="Consolas" panose="020B0609020204030204" pitchFamily="49" charset="0"/>
+                <a:cs typeface="Consolas" panose="020B0609020204030204" pitchFamily="49" charset="0"/>
+              </a:rPr>
               <a:t>fname</a:t>
             </a:r>
             <a:r>
-              <a:rPr lang="en-GB" dirty="0"/>
-              <a:t>” | cut -d ‘ ‘ -f 1)</a:t>
-            </a:r>
-          </a:p>
-          <a:p>
-            <a:pPr marL="0" indent="0">
-              <a:buNone/>
-            </a:pPr>
-            <a:r>
-              <a:rPr lang="en-GB" dirty="0"/>
-              <a:t>	echo “$f”: “$l”</a:t>
-            </a:r>
-          </a:p>
-          <a:p>
-            <a:pPr marL="0" indent="0">
-              <a:buNone/>
-            </a:pPr>
-            <a:r>
-              <a:rPr lang="en-GB" dirty="0"/>
+              <a:rPr lang="en-GB" dirty="0">
+                <a:latin typeface="Consolas" panose="020B0609020204030204" pitchFamily="49" charset="0"/>
+                <a:cs typeface="Consolas" panose="020B0609020204030204" pitchFamily="49" charset="0"/>
+              </a:rPr>
+              <a:t>" | cut -d ' ' -f 1)</a:t>
+            </a:r>
+          </a:p>
+          <a:p>
+            <a:pPr marL="0" indent="0">
+              <a:buNone/>
+            </a:pPr>
+            <a:r>
+              <a:rPr lang="en-GB" dirty="0">
+                <a:latin typeface="Consolas" panose="020B0609020204030204" pitchFamily="49" charset="0"/>
+                <a:cs typeface="Consolas" panose="020B0609020204030204" pitchFamily="49" charset="0"/>
+              </a:rPr>
+              <a:t>	echo "$</a:t>
+            </a:r>
+            <a:r>
+              <a:rPr lang="en-GB" dirty="0" err="1">
+                <a:latin typeface="Consolas" panose="020B0609020204030204" pitchFamily="49" charset="0"/>
+                <a:cs typeface="Consolas" panose="020B0609020204030204" pitchFamily="49" charset="0"/>
+              </a:rPr>
+              <a:t>fname</a:t>
+            </a:r>
+            <a:r>
+              <a:rPr lang="en-GB" dirty="0">
+                <a:latin typeface="Consolas" panose="020B0609020204030204" pitchFamily="49" charset="0"/>
+                <a:cs typeface="Consolas" panose="020B0609020204030204" pitchFamily="49" charset="0"/>
+              </a:rPr>
+              <a:t>": "$l"</a:t>
+            </a:r>
+          </a:p>
+          <a:p>
+            <a:pPr marL="0" indent="0">
+              <a:buNone/>
+            </a:pPr>
+            <a:r>
+              <a:rPr lang="en-GB" dirty="0">
+                <a:latin typeface="Consolas" panose="020B0609020204030204" pitchFamily="49" charset="0"/>
+                <a:cs typeface="Consolas" panose="020B0609020204030204" pitchFamily="49" charset="0"/>
+              </a:rPr>
               <a:t>done</a:t>
+            </a:r>
+          </a:p>
+          <a:p>
+            <a:pPr marL="0" indent="0">
+              <a:buNone/>
+            </a:pPr>
+            <a:endParaRPr lang="en-GB" dirty="0">
+              <a:latin typeface="Consolas" panose="020B0609020204030204" pitchFamily="49" charset="0"/>
+              <a:cs typeface="Consolas" panose="020B0609020204030204" pitchFamily="49" charset="0"/>
+            </a:endParaRPr>
+          </a:p>
+          <a:p>
+            <a:pPr marL="0" indent="0">
+              <a:buNone/>
+            </a:pPr>
+            <a:r>
+              <a:rPr lang="en-GB" dirty="0">
+                <a:latin typeface="Consolas" panose="020B0609020204030204" pitchFamily="49" charset="0"/>
+                <a:cs typeface="Consolas" panose="020B0609020204030204" pitchFamily="49" charset="0"/>
+              </a:rPr>
+              <a:t>exit 0</a:t>
             </a:r>
           </a:p>
         </p:txBody>
@@ -21901,7 +22002,7 @@
         <p:spPr/>
         <p:txBody>
           <a:bodyPr>
-            <a:normAutofit/>
+            <a:normAutofit fontScale="77500" lnSpcReduction="20000"/>
           </a:bodyPr>
           <a:lstStyle/>
           <a:p>
@@ -21909,8 +22010,372 @@
               <a:buNone/>
             </a:pPr>
             <a:r>
-              <a:rPr lang="en-GB" dirty="0"/>
-              <a:t>TBD</a:t>
+              <a:rPr lang="en-GB" dirty="0">
+                <a:latin typeface="Consolas" panose="020B0609020204030204" pitchFamily="49" charset="0"/>
+                <a:cs typeface="Consolas" panose="020B0609020204030204" pitchFamily="49" charset="0"/>
+              </a:rPr>
+              <a:t>#!/</a:t>
+            </a:r>
+            <a:r>
+              <a:rPr lang="en-GB" dirty="0" err="1">
+                <a:latin typeface="Consolas" panose="020B0609020204030204" pitchFamily="49" charset="0"/>
+                <a:cs typeface="Consolas" panose="020B0609020204030204" pitchFamily="49" charset="0"/>
+              </a:rPr>
+              <a:t>usr</a:t>
+            </a:r>
+            <a:r>
+              <a:rPr lang="en-GB" dirty="0">
+                <a:latin typeface="Consolas" panose="020B0609020204030204" pitchFamily="49" charset="0"/>
+                <a:cs typeface="Consolas" panose="020B0609020204030204" pitchFamily="49" charset="0"/>
+              </a:rPr>
+              <a:t>/bin/</a:t>
+            </a:r>
+            <a:r>
+              <a:rPr lang="en-GB" dirty="0" err="1">
+                <a:latin typeface="Consolas" panose="020B0609020204030204" pitchFamily="49" charset="0"/>
+                <a:cs typeface="Consolas" panose="020B0609020204030204" pitchFamily="49" charset="0"/>
+              </a:rPr>
+              <a:t>env</a:t>
+            </a:r>
+            <a:r>
+              <a:rPr lang="en-GB" dirty="0">
+                <a:latin typeface="Consolas" panose="020B0609020204030204" pitchFamily="49" charset="0"/>
+                <a:cs typeface="Consolas" panose="020B0609020204030204" pitchFamily="49" charset="0"/>
+              </a:rPr>
+              <a:t> python</a:t>
+            </a:r>
+          </a:p>
+          <a:p>
+            <a:pPr marL="0" indent="0">
+              <a:buNone/>
+            </a:pPr>
+            <a:endParaRPr lang="en-GB" dirty="0">
+              <a:latin typeface="Consolas" panose="020B0609020204030204" pitchFamily="49" charset="0"/>
+              <a:cs typeface="Consolas" panose="020B0609020204030204" pitchFamily="49" charset="0"/>
+            </a:endParaRPr>
+          </a:p>
+          <a:p>
+            <a:pPr marL="0" indent="0">
+              <a:buNone/>
+            </a:pPr>
+            <a:r>
+              <a:rPr lang="en-GB" dirty="0">
+                <a:latin typeface="Consolas" panose="020B0609020204030204" pitchFamily="49" charset="0"/>
+                <a:cs typeface="Consolas" panose="020B0609020204030204" pitchFamily="49" charset="0"/>
+              </a:rPr>
+              <a:t>import sys</a:t>
+            </a:r>
+          </a:p>
+          <a:p>
+            <a:pPr marL="0" indent="0">
+              <a:buNone/>
+            </a:pPr>
+            <a:r>
+              <a:rPr lang="en-GB" dirty="0">
+                <a:latin typeface="Consolas" panose="020B0609020204030204" pitchFamily="49" charset="0"/>
+                <a:cs typeface="Consolas" panose="020B0609020204030204" pitchFamily="49" charset="0"/>
+              </a:rPr>
+              <a:t>import subprocess</a:t>
+            </a:r>
+          </a:p>
+          <a:p>
+            <a:pPr marL="0" indent="0">
+              <a:buNone/>
+            </a:pPr>
+            <a:endParaRPr lang="en-GB" dirty="0">
+              <a:latin typeface="Consolas" panose="020B0609020204030204" pitchFamily="49" charset="0"/>
+              <a:cs typeface="Consolas" panose="020B0609020204030204" pitchFamily="49" charset="0"/>
+            </a:endParaRPr>
+          </a:p>
+          <a:p>
+            <a:pPr marL="0" indent="0">
+              <a:buNone/>
+            </a:pPr>
+            <a:r>
+              <a:rPr lang="en-GB" dirty="0">
+                <a:latin typeface="Consolas" panose="020B0609020204030204" pitchFamily="49" charset="0"/>
+                <a:cs typeface="Consolas" panose="020B0609020204030204" pitchFamily="49" charset="0"/>
+              </a:rPr>
+              <a:t>if </a:t>
+            </a:r>
+            <a:r>
+              <a:rPr lang="en-GB" dirty="0" err="1">
+                <a:latin typeface="Consolas" panose="020B0609020204030204" pitchFamily="49" charset="0"/>
+                <a:cs typeface="Consolas" panose="020B0609020204030204" pitchFamily="49" charset="0"/>
+              </a:rPr>
+              <a:t>len</a:t>
+            </a:r>
+            <a:r>
+              <a:rPr lang="en-GB" dirty="0">
+                <a:latin typeface="Consolas" panose="020B0609020204030204" pitchFamily="49" charset="0"/>
+                <a:cs typeface="Consolas" panose="020B0609020204030204" pitchFamily="49" charset="0"/>
+              </a:rPr>
+              <a:t>(</a:t>
+            </a:r>
+            <a:r>
+              <a:rPr lang="en-GB" dirty="0" err="1">
+                <a:latin typeface="Consolas" panose="020B0609020204030204" pitchFamily="49" charset="0"/>
+                <a:cs typeface="Consolas" panose="020B0609020204030204" pitchFamily="49" charset="0"/>
+              </a:rPr>
+              <a:t>sys.argv</a:t>
+            </a:r>
+            <a:r>
+              <a:rPr lang="en-GB" dirty="0">
+                <a:latin typeface="Consolas" panose="020B0609020204030204" pitchFamily="49" charset="0"/>
+                <a:cs typeface="Consolas" panose="020B0609020204030204" pitchFamily="49" charset="0"/>
+              </a:rPr>
+              <a:t>) &lt; 2:</a:t>
+            </a:r>
+          </a:p>
+          <a:p>
+            <a:pPr marL="0" indent="0">
+              <a:buNone/>
+            </a:pPr>
+            <a:r>
+              <a:rPr lang="en-GB" dirty="0">
+                <a:latin typeface="Consolas" panose="020B0609020204030204" pitchFamily="49" charset="0"/>
+                <a:cs typeface="Consolas" panose="020B0609020204030204" pitchFamily="49" charset="0"/>
+              </a:rPr>
+              <a:t>	</a:t>
+            </a:r>
+            <a:r>
+              <a:rPr lang="en-GB" dirty="0" err="1">
+                <a:latin typeface="Consolas" panose="020B0609020204030204" pitchFamily="49" charset="0"/>
+                <a:cs typeface="Consolas" panose="020B0609020204030204" pitchFamily="49" charset="0"/>
+              </a:rPr>
+              <a:t>sys.stderr.write</a:t>
+            </a:r>
+            <a:r>
+              <a:rPr lang="en-GB" dirty="0">
+                <a:latin typeface="Consolas" panose="020B0609020204030204" pitchFamily="49" charset="0"/>
+                <a:cs typeface="Consolas" panose="020B0609020204030204" pitchFamily="49" charset="0"/>
+              </a:rPr>
+              <a:t>("usage: %s f1 .. </a:t>
+            </a:r>
+            <a:r>
+              <a:rPr lang="en-GB" dirty="0" err="1">
+                <a:latin typeface="Consolas" panose="020B0609020204030204" pitchFamily="49" charset="0"/>
+                <a:cs typeface="Consolas" panose="020B0609020204030204" pitchFamily="49" charset="0"/>
+              </a:rPr>
+              <a:t>fn</a:t>
+            </a:r>
+            <a:r>
+              <a:rPr lang="en-GB" dirty="0">
+                <a:latin typeface="Consolas" panose="020B0609020204030204" pitchFamily="49" charset="0"/>
+                <a:cs typeface="Consolas" panose="020B0609020204030204" pitchFamily="49" charset="0"/>
+              </a:rPr>
+              <a:t>\n" % (</a:t>
+            </a:r>
+            <a:r>
+              <a:rPr lang="en-GB" dirty="0" err="1">
+                <a:latin typeface="Consolas" panose="020B0609020204030204" pitchFamily="49" charset="0"/>
+                <a:cs typeface="Consolas" panose="020B0609020204030204" pitchFamily="49" charset="0"/>
+              </a:rPr>
+              <a:t>sys.argv</a:t>
+            </a:r>
+            <a:r>
+              <a:rPr lang="en-GB" dirty="0">
+                <a:latin typeface="Consolas" panose="020B0609020204030204" pitchFamily="49" charset="0"/>
+                <a:cs typeface="Consolas" panose="020B0609020204030204" pitchFamily="49" charset="0"/>
+              </a:rPr>
+              <a:t>[0]))</a:t>
+            </a:r>
+          </a:p>
+          <a:p>
+            <a:pPr marL="0" indent="0">
+              <a:buNone/>
+            </a:pPr>
+            <a:r>
+              <a:rPr lang="en-GB" dirty="0">
+                <a:latin typeface="Consolas" panose="020B0609020204030204" pitchFamily="49" charset="0"/>
+                <a:cs typeface="Consolas" panose="020B0609020204030204" pitchFamily="49" charset="0"/>
+              </a:rPr>
+              <a:t>	</a:t>
+            </a:r>
+            <a:r>
+              <a:rPr lang="en-GB" dirty="0" err="1">
+                <a:latin typeface="Consolas" panose="020B0609020204030204" pitchFamily="49" charset="0"/>
+                <a:cs typeface="Consolas" panose="020B0609020204030204" pitchFamily="49" charset="0"/>
+              </a:rPr>
+              <a:t>sys.exit</a:t>
+            </a:r>
+            <a:r>
+              <a:rPr lang="en-GB" dirty="0">
+                <a:latin typeface="Consolas" panose="020B0609020204030204" pitchFamily="49" charset="0"/>
+                <a:cs typeface="Consolas" panose="020B0609020204030204" pitchFamily="49" charset="0"/>
+              </a:rPr>
+              <a:t>(1)</a:t>
+            </a:r>
+          </a:p>
+          <a:p>
+            <a:pPr marL="0" indent="0">
+              <a:buNone/>
+            </a:pPr>
+            <a:endParaRPr lang="en-GB" dirty="0">
+              <a:latin typeface="Consolas" panose="020B0609020204030204" pitchFamily="49" charset="0"/>
+              <a:cs typeface="Consolas" panose="020B0609020204030204" pitchFamily="49" charset="0"/>
+            </a:endParaRPr>
+          </a:p>
+          <a:p>
+            <a:pPr marL="0" indent="0">
+              <a:buNone/>
+            </a:pPr>
+            <a:r>
+              <a:rPr lang="en-GB" dirty="0">
+                <a:latin typeface="Consolas" panose="020B0609020204030204" pitchFamily="49" charset="0"/>
+                <a:cs typeface="Consolas" panose="020B0609020204030204" pitchFamily="49" charset="0"/>
+              </a:rPr>
+              <a:t>for </a:t>
+            </a:r>
+            <a:r>
+              <a:rPr lang="en-GB" dirty="0" err="1">
+                <a:latin typeface="Consolas" panose="020B0609020204030204" pitchFamily="49" charset="0"/>
+                <a:cs typeface="Consolas" panose="020B0609020204030204" pitchFamily="49" charset="0"/>
+              </a:rPr>
+              <a:t>fname</a:t>
+            </a:r>
+            <a:r>
+              <a:rPr lang="en-GB" dirty="0">
+                <a:latin typeface="Consolas" panose="020B0609020204030204" pitchFamily="49" charset="0"/>
+                <a:cs typeface="Consolas" panose="020B0609020204030204" pitchFamily="49" charset="0"/>
+              </a:rPr>
+              <a:t> in </a:t>
+            </a:r>
+            <a:r>
+              <a:rPr lang="en-GB" dirty="0" err="1">
+                <a:latin typeface="Consolas" panose="020B0609020204030204" pitchFamily="49" charset="0"/>
+                <a:cs typeface="Consolas" panose="020B0609020204030204" pitchFamily="49" charset="0"/>
+              </a:rPr>
+              <a:t>sys.argv</a:t>
+            </a:r>
+            <a:r>
+              <a:rPr lang="en-GB" dirty="0">
+                <a:latin typeface="Consolas" panose="020B0609020204030204" pitchFamily="49" charset="0"/>
+                <a:cs typeface="Consolas" panose="020B0609020204030204" pitchFamily="49" charset="0"/>
+              </a:rPr>
+              <a:t>[1:]:</a:t>
+            </a:r>
+          </a:p>
+          <a:p>
+            <a:pPr marL="0" indent="0">
+              <a:buNone/>
+            </a:pPr>
+            <a:r>
+              <a:rPr lang="en-GB" dirty="0">
+                <a:latin typeface="Consolas" panose="020B0609020204030204" pitchFamily="49" charset="0"/>
+                <a:cs typeface="Consolas" panose="020B0609020204030204" pitchFamily="49" charset="0"/>
+              </a:rPr>
+              <a:t>	out = </a:t>
+            </a:r>
+            <a:r>
+              <a:rPr lang="en-GB" dirty="0" err="1">
+                <a:latin typeface="Consolas" panose="020B0609020204030204" pitchFamily="49" charset="0"/>
+                <a:cs typeface="Consolas" panose="020B0609020204030204" pitchFamily="49" charset="0"/>
+              </a:rPr>
+              <a:t>subprocess.check_output</a:t>
+            </a:r>
+            <a:r>
+              <a:rPr lang="en-GB" dirty="0">
+                <a:latin typeface="Consolas" panose="020B0609020204030204" pitchFamily="49" charset="0"/>
+                <a:cs typeface="Consolas" panose="020B0609020204030204" pitchFamily="49" charset="0"/>
+              </a:rPr>
+              <a:t>(['</a:t>
+            </a:r>
+            <a:r>
+              <a:rPr lang="en-GB" dirty="0" err="1">
+                <a:latin typeface="Consolas" panose="020B0609020204030204" pitchFamily="49" charset="0"/>
+                <a:cs typeface="Consolas" panose="020B0609020204030204" pitchFamily="49" charset="0"/>
+              </a:rPr>
+              <a:t>wc</a:t>
+            </a:r>
+            <a:r>
+              <a:rPr lang="en-GB" dirty="0">
+                <a:latin typeface="Consolas" panose="020B0609020204030204" pitchFamily="49" charset="0"/>
+                <a:cs typeface="Consolas" panose="020B0609020204030204" pitchFamily="49" charset="0"/>
+              </a:rPr>
+              <a:t>', '-l', </a:t>
+            </a:r>
+            <a:r>
+              <a:rPr lang="en-GB" dirty="0" err="1">
+                <a:latin typeface="Consolas" panose="020B0609020204030204" pitchFamily="49" charset="0"/>
+                <a:cs typeface="Consolas" panose="020B0609020204030204" pitchFamily="49" charset="0"/>
+              </a:rPr>
+              <a:t>fname</a:t>
+            </a:r>
+            <a:r>
+              <a:rPr lang="en-GB" dirty="0">
+                <a:latin typeface="Consolas" panose="020B0609020204030204" pitchFamily="49" charset="0"/>
+                <a:cs typeface="Consolas" panose="020B0609020204030204" pitchFamily="49" charset="0"/>
+              </a:rPr>
+              <a:t>])</a:t>
+            </a:r>
+          </a:p>
+          <a:p>
+            <a:pPr marL="0" indent="0">
+              <a:buNone/>
+            </a:pPr>
+            <a:r>
+              <a:rPr lang="en-GB" dirty="0">
+                <a:latin typeface="Consolas" panose="020B0609020204030204" pitchFamily="49" charset="0"/>
+                <a:cs typeface="Consolas" panose="020B0609020204030204" pitchFamily="49" charset="0"/>
+              </a:rPr>
+              <a:t>	print("%s: %s" % (</a:t>
+            </a:r>
+            <a:r>
+              <a:rPr lang="en-GB" dirty="0" err="1">
+                <a:latin typeface="Consolas" panose="020B0609020204030204" pitchFamily="49" charset="0"/>
+                <a:cs typeface="Consolas" panose="020B0609020204030204" pitchFamily="49" charset="0"/>
+              </a:rPr>
+              <a:t>fname</a:t>
+            </a:r>
+            <a:r>
+              <a:rPr lang="en-GB" dirty="0">
+                <a:latin typeface="Consolas" panose="020B0609020204030204" pitchFamily="49" charset="0"/>
+                <a:cs typeface="Consolas" panose="020B0609020204030204" pitchFamily="49" charset="0"/>
+              </a:rPr>
+              <a:t>, </a:t>
+            </a:r>
+            <a:r>
+              <a:rPr lang="en-GB" dirty="0" err="1">
+                <a:latin typeface="Consolas" panose="020B0609020204030204" pitchFamily="49" charset="0"/>
+                <a:cs typeface="Consolas" panose="020B0609020204030204" pitchFamily="49" charset="0"/>
+              </a:rPr>
+              <a:t>out.split</a:t>
+            </a:r>
+            <a:r>
+              <a:rPr lang="en-GB" dirty="0">
+                <a:latin typeface="Consolas" panose="020B0609020204030204" pitchFamily="49" charset="0"/>
+                <a:cs typeface="Consolas" panose="020B0609020204030204" pitchFamily="49" charset="0"/>
+              </a:rPr>
+              <a:t>(' ')[0]))</a:t>
+            </a:r>
+          </a:p>
+          <a:p>
+            <a:pPr marL="0" indent="0">
+              <a:buNone/>
+            </a:pPr>
+            <a:endParaRPr lang="en-GB" dirty="0">
+              <a:latin typeface="Consolas" panose="020B0609020204030204" pitchFamily="49" charset="0"/>
+              <a:cs typeface="Consolas" panose="020B0609020204030204" pitchFamily="49" charset="0"/>
+            </a:endParaRPr>
+          </a:p>
+          <a:p>
+            <a:pPr marL="0" indent="0">
+              <a:buNone/>
+            </a:pPr>
+            <a:r>
+              <a:rPr lang="en-GB" dirty="0" err="1">
+                <a:latin typeface="Consolas" panose="020B0609020204030204" pitchFamily="49" charset="0"/>
+                <a:cs typeface="Consolas" panose="020B0609020204030204" pitchFamily="49" charset="0"/>
+              </a:rPr>
+              <a:t>sys.exit</a:t>
+            </a:r>
+            <a:r>
+              <a:rPr lang="en-GB" dirty="0">
+                <a:latin typeface="Consolas" panose="020B0609020204030204" pitchFamily="49" charset="0"/>
+                <a:cs typeface="Consolas" panose="020B0609020204030204" pitchFamily="49" charset="0"/>
+              </a:rPr>
+              <a:t>(0)</a:t>
             </a:r>
           </a:p>
         </p:txBody>

--- a/slides/ppt/03_Bash Scripting.pptx
+++ b/slides/ppt/03_Bash Scripting.pptx
@@ -17679,7 +17679,7 @@
                 <a:latin typeface="Consolas" panose="020B0609020204030204" pitchFamily="49" charset="0"/>
                 <a:cs typeface="Consolas" panose="020B0609020204030204" pitchFamily="49" charset="0"/>
               </a:rPr>
-              <a:t>    echo "Usage: $0 [-m &lt;string&gt;] [-d] filename" 1&gt;&amp;2; </a:t>
+              <a:t>    echo "Usage: $0 [-h] [-m &lt;string&gt;] [-d] filename" 1&gt;&amp;2; </a:t>
             </a:r>
           </a:p>
           <a:p>
@@ -21716,7 +21716,21 @@
                 <a:latin typeface="Consolas" panose="020B0609020204030204" pitchFamily="49" charset="0"/>
                 <a:cs typeface="Consolas" panose="020B0609020204030204" pitchFamily="49" charset="0"/>
               </a:rPr>
-              <a:t>	echo "usage: $0 filename"</a:t>
+              <a:t>	echo "usage: $0 f1 .. </a:t>
+            </a:r>
+            <a:r>
+              <a:rPr lang="en-GB" dirty="0" err="1">
+                <a:latin typeface="Consolas" panose="020B0609020204030204" pitchFamily="49" charset="0"/>
+                <a:cs typeface="Consolas" panose="020B0609020204030204" pitchFamily="49" charset="0"/>
+              </a:rPr>
+              <a:t>fn</a:t>
+            </a:r>
+            <a:r>
+              <a:rPr lang="en-GB" dirty="0">
+                <a:latin typeface="Consolas" panose="020B0609020204030204" pitchFamily="49" charset="0"/>
+                <a:cs typeface="Consolas" panose="020B0609020204030204" pitchFamily="49" charset="0"/>
+              </a:rPr>
+              <a:t>"</a:t>
             </a:r>
           </a:p>
           <a:p>

--- a/slides/ppt/03_Bash Scripting.pptx
+++ b/slides/ppt/03_Bash Scripting.pptx
@@ -250,7 +250,7 @@
             <a:fld id="{BAEB7694-8561-4BE2-948D-EDF7A201F8BB}" type="datetimeFigureOut">
               <a:rPr lang="it-IT" smtClean="0"/>
               <a:pPr/>
-              <a:t>05/04/20</a:t>
+              <a:t>14/04/20</a:t>
             </a:fld>
             <a:endParaRPr lang="it-IT"/>
           </a:p>
@@ -17679,7 +17679,7 @@
                 <a:latin typeface="Consolas" panose="020B0609020204030204" pitchFamily="49" charset="0"/>
                 <a:cs typeface="Consolas" panose="020B0609020204030204" pitchFamily="49" charset="0"/>
               </a:rPr>
-              <a:t>    echo "Usage: $0 [-h] [-m &lt;string&gt;] [-d] filename" 1&gt;&amp;2; </a:t>
+              <a:t>    echo "Usage: $0 [-h] [-m &lt;string&gt;] [-d] filename" 1&gt;&amp;2 </a:t>
             </a:r>
           </a:p>
           <a:p>
@@ -17694,7 +17694,7 @@
                 <a:latin typeface="Consolas" panose="020B0609020204030204" pitchFamily="49" charset="0"/>
                 <a:cs typeface="Consolas" panose="020B0609020204030204" pitchFamily="49" charset="0"/>
               </a:rPr>
-              <a:t>    exit 1; </a:t>
+              <a:t>    exit 1 </a:t>
             </a:r>
           </a:p>
           <a:p>

--- a/slides/ppt/03_Bash Scripting.pptx
+++ b/slides/ppt/03_Bash Scripting.pptx
@@ -5,7 +5,7 @@
     <p:sldMasterId id="2147483672" r:id="rId1"/>
   </p:sldMasterIdLst>
   <p:notesMasterIdLst>
-    <p:notesMasterId r:id="rId44"/>
+    <p:notesMasterId r:id="rId46"/>
   </p:notesMasterIdLst>
   <p:sldIdLst>
     <p:sldId id="256" r:id="rId2"/>
@@ -28,28 +28,30 @@
     <p:sldId id="446" r:id="rId19"/>
     <p:sldId id="461" r:id="rId20"/>
     <p:sldId id="441" r:id="rId21"/>
-    <p:sldId id="436" r:id="rId22"/>
-    <p:sldId id="440" r:id="rId23"/>
-    <p:sldId id="428" r:id="rId24"/>
-    <p:sldId id="431" r:id="rId25"/>
-    <p:sldId id="449" r:id="rId26"/>
-    <p:sldId id="437" r:id="rId27"/>
-    <p:sldId id="438" r:id="rId28"/>
-    <p:sldId id="450" r:id="rId29"/>
-    <p:sldId id="444" r:id="rId30"/>
-    <p:sldId id="452" r:id="rId31"/>
-    <p:sldId id="453" r:id="rId32"/>
-    <p:sldId id="458" r:id="rId33"/>
-    <p:sldId id="462" r:id="rId34"/>
-    <p:sldId id="459" r:id="rId35"/>
-    <p:sldId id="451" r:id="rId36"/>
-    <p:sldId id="442" r:id="rId37"/>
-    <p:sldId id="443" r:id="rId38"/>
-    <p:sldId id="454" r:id="rId39"/>
-    <p:sldId id="455" r:id="rId40"/>
-    <p:sldId id="457" r:id="rId41"/>
-    <p:sldId id="463" r:id="rId42"/>
-    <p:sldId id="456" r:id="rId43"/>
+    <p:sldId id="465" r:id="rId22"/>
+    <p:sldId id="436" r:id="rId23"/>
+    <p:sldId id="440" r:id="rId24"/>
+    <p:sldId id="428" r:id="rId25"/>
+    <p:sldId id="464" r:id="rId26"/>
+    <p:sldId id="431" r:id="rId27"/>
+    <p:sldId id="449" r:id="rId28"/>
+    <p:sldId id="437" r:id="rId29"/>
+    <p:sldId id="438" r:id="rId30"/>
+    <p:sldId id="450" r:id="rId31"/>
+    <p:sldId id="444" r:id="rId32"/>
+    <p:sldId id="452" r:id="rId33"/>
+    <p:sldId id="453" r:id="rId34"/>
+    <p:sldId id="458" r:id="rId35"/>
+    <p:sldId id="462" r:id="rId36"/>
+    <p:sldId id="459" r:id="rId37"/>
+    <p:sldId id="451" r:id="rId38"/>
+    <p:sldId id="442" r:id="rId39"/>
+    <p:sldId id="443" r:id="rId40"/>
+    <p:sldId id="454" r:id="rId41"/>
+    <p:sldId id="455" r:id="rId42"/>
+    <p:sldId id="457" r:id="rId43"/>
+    <p:sldId id="463" r:id="rId44"/>
+    <p:sldId id="456" r:id="rId45"/>
   </p:sldIdLst>
   <p:sldSz cx="9144000" cy="6858000" type="screen4x3"/>
   <p:notesSz cx="6858000" cy="9144000"/>
@@ -250,7 +252,7 @@
             <a:fld id="{BAEB7694-8561-4BE2-948D-EDF7A201F8BB}" type="datetimeFigureOut">
               <a:rPr lang="it-IT" smtClean="0"/>
               <a:pPr/>
-              <a:t>14/04/20</a:t>
+              <a:t>23/04/20</a:t>
             </a:fld>
             <a:endParaRPr lang="it-IT"/>
           </a:p>
@@ -9580,17 +9582,17 @@
           <a:p>
             <a:r>
               <a:rPr lang="en-GB" dirty="0"/>
-              <a:t>case</a:t>
+              <a:t>Pattern matching</a:t>
             </a:r>
           </a:p>
         </p:txBody>
       </p:sp>
       <p:sp>
         <p:nvSpPr>
-          <p:cNvPr id="9" name="Content Placeholder 8">
+          <p:cNvPr id="15" name="Content Placeholder 14">
             <a:extLst>
               <a:ext uri="{FF2B5EF4-FFF2-40B4-BE49-F238E27FC236}">
-                <a16:creationId xmlns:a16="http://schemas.microsoft.com/office/drawing/2014/main" id="{A946EB3B-AA12-904E-8F3D-32DBF3F0FF51}"/>
+                <a16:creationId xmlns:a16="http://schemas.microsoft.com/office/drawing/2014/main" id="{16B69E92-F785-B34D-9EBD-312ADC199C25}"/>
               </a:ext>
             </a:extLst>
           </p:cNvPr>
@@ -9604,32 +9606,32 @@
         <p:spPr/>
         <p:txBody>
           <a:bodyPr>
-            <a:normAutofit fontScale="92500" lnSpcReduction="20000"/>
+            <a:normAutofit fontScale="92500"/>
           </a:bodyPr>
           <a:lstStyle/>
           <a:p>
             <a:r>
-              <a:rPr lang="en-GB" dirty="0">
-                <a:solidFill>
-                  <a:schemeClr val="accent6">
-                    <a:lumMod val="75000"/>
-                  </a:schemeClr>
-                </a:solidFill>
-              </a:rPr>
-              <a:t>Non </a:t>
-            </a:r>
-            <a:r>
-              <a:rPr lang="en-GB" dirty="0" err="1">
-                <a:solidFill>
-                  <a:schemeClr val="accent6">
-                    <a:lumMod val="75000"/>
-                  </a:schemeClr>
-                </a:solidFill>
-              </a:rPr>
-              <a:t>è</a:t>
-            </a:r>
-            <a:r>
-              <a:rPr lang="en-GB" dirty="0">
+              <a:rPr lang="it-IT" dirty="0">
+                <a:solidFill>
+                  <a:schemeClr val="accent6">
+                    <a:lumMod val="75000"/>
+                  </a:schemeClr>
+                </a:solidFill>
+              </a:rPr>
+              <a:t>Il </a:t>
+            </a:r>
+            <a:r>
+              <a:rPr lang="it-IT" dirty="0" err="1">
+                <a:solidFill>
+                  <a:schemeClr val="accent6">
+                    <a:lumMod val="75000"/>
+                  </a:schemeClr>
+                </a:solidFill>
+              </a:rPr>
+              <a:t>patter</a:t>
+            </a:r>
+            <a:r>
+              <a:rPr lang="it-IT" dirty="0">
                 <a:solidFill>
                   <a:schemeClr val="accent6">
                     <a:lumMod val="75000"/>
@@ -9639,124 +9641,125 @@
               <a:t> </a:t>
             </a:r>
             <a:r>
-              <a:rPr lang="en-GB" dirty="0" err="1">
-                <a:solidFill>
-                  <a:schemeClr val="accent6">
-                    <a:lumMod val="75000"/>
-                  </a:schemeClr>
-                </a:solidFill>
-              </a:rPr>
-              <a:t>possibile</a:t>
-            </a:r>
-            <a:r>
-              <a:rPr lang="en-GB" dirty="0">
-                <a:solidFill>
-                  <a:schemeClr val="accent6">
-                    <a:lumMod val="75000"/>
-                  </a:schemeClr>
-                </a:solidFill>
-              </a:rPr>
+              <a:rPr lang="it-IT" dirty="0" err="1">
+                <a:solidFill>
+                  <a:schemeClr val="accent6">
+                    <a:lumMod val="75000"/>
+                  </a:schemeClr>
+                </a:solidFill>
+              </a:rPr>
+              <a:t>matching</a:t>
+            </a:r>
+            <a:r>
+              <a:rPr lang="it-IT" dirty="0">
+                <a:solidFill>
+                  <a:schemeClr val="accent6">
+                    <a:lumMod val="75000"/>
+                  </a:schemeClr>
+                </a:solidFill>
+              </a:rPr>
+              <a:t> consiste nel confrontare un valore con un determinato pattern </a:t>
+            </a:r>
+            <a:r>
+              <a:rPr lang="it-IT" dirty="0"/>
+              <a:t>frequentemente specificato utilizzando </a:t>
+            </a:r>
+            <a:r>
+              <a:rPr lang="it-IT" dirty="0" err="1"/>
+              <a:t>wildcards</a:t>
+            </a:r>
+            <a:r>
+              <a:rPr lang="it-IT" dirty="0"/>
+              <a:t>.</a:t>
+            </a:r>
+          </a:p>
+          <a:p>
+            <a:pPr lvl="1"/>
+            <a:r>
+              <a:rPr lang="it-IT" dirty="0"/>
+              <a:t>ABCDEF        A*                 Match</a:t>
+            </a:r>
+          </a:p>
+          <a:p>
+            <a:pPr lvl="1"/>
+            <a:r>
+              <a:rPr lang="it-IT" dirty="0"/>
+              <a:t>ABCDEF        AB??EF         Match</a:t>
+            </a:r>
+          </a:p>
+          <a:p>
+            <a:pPr lvl="1"/>
+            <a:r>
+              <a:rPr lang="it-IT" dirty="0"/>
+              <a:t>ABCDEF        ABCNN*       No Match</a:t>
+            </a:r>
+          </a:p>
+          <a:p>
+            <a:endParaRPr lang="it-IT" dirty="0"/>
+          </a:p>
+          <a:p>
+            <a:r>
+              <a:rPr lang="it-IT" dirty="0">
+                <a:solidFill>
+                  <a:schemeClr val="accent6">
+                    <a:lumMod val="75000"/>
+                  </a:schemeClr>
+                </a:solidFill>
+              </a:rPr>
+              <a:t> Il costrutto test / [ ] non supporta pattern </a:t>
+            </a:r>
+            <a:r>
+              <a:rPr lang="it-IT" dirty="0" err="1">
+                <a:solidFill>
+                  <a:schemeClr val="accent6">
+                    <a:lumMod val="75000"/>
+                  </a:schemeClr>
+                </a:solidFill>
+              </a:rPr>
+              <a:t>matching</a:t>
+            </a:r>
+            <a:r>
+              <a:rPr lang="it-IT" dirty="0">
+                <a:solidFill>
+                  <a:schemeClr val="accent6">
+                    <a:lumMod val="75000"/>
+                  </a:schemeClr>
+                </a:solidFill>
+              </a:rPr>
+              <a:t>! Alternative:</a:t>
+            </a:r>
+          </a:p>
+          <a:p>
+            <a:pPr lvl="1"/>
+            <a:r>
+              <a:rPr lang="en-GB" dirty="0"/>
+              <a:t>Il </a:t>
+            </a:r>
+            <a:r>
+              <a:rPr lang="en-GB" dirty="0" err="1"/>
+              <a:t>costrutto</a:t>
+            </a:r>
+            <a:r>
+              <a:rPr lang="en-GB" dirty="0"/>
               <a:t> </a:t>
             </a:r>
             <a:r>
-              <a:rPr lang="en-GB" dirty="0" err="1">
-                <a:solidFill>
-                  <a:schemeClr val="accent6">
-                    <a:lumMod val="75000"/>
-                  </a:schemeClr>
-                </a:solidFill>
-              </a:rPr>
-              <a:t>effettuare</a:t>
-            </a:r>
-            <a:r>
-              <a:rPr lang="en-GB" dirty="0">
-                <a:solidFill>
-                  <a:schemeClr val="accent6">
-                    <a:lumMod val="75000"/>
-                  </a:schemeClr>
-                </a:solidFill>
-              </a:rPr>
+              <a:rPr lang="en-GB" dirty="0">
+                <a:solidFill>
+                  <a:schemeClr val="accent6">
+                    <a:lumMod val="75000"/>
+                  </a:schemeClr>
+                </a:solidFill>
+              </a:rPr>
+              <a:t>[[ ]] </a:t>
+            </a:r>
+            <a:r>
+              <a:rPr lang="en-GB" dirty="0" err="1"/>
+              <a:t>che</a:t>
+            </a:r>
+            <a:r>
+              <a:rPr lang="en-GB" dirty="0"/>
               <a:t> </a:t>
-            </a:r>
-            <a:r>
-              <a:rPr lang="en-GB" dirty="0" err="1">
-                <a:solidFill>
-                  <a:schemeClr val="accent6">
-                    <a:lumMod val="75000"/>
-                  </a:schemeClr>
-                </a:solidFill>
-              </a:rPr>
-              <a:t>operazioni</a:t>
-            </a:r>
-            <a:r>
-              <a:rPr lang="en-GB" dirty="0">
-                <a:solidFill>
-                  <a:schemeClr val="accent6">
-                    <a:lumMod val="75000"/>
-                  </a:schemeClr>
-                </a:solidFill>
-              </a:rPr>
-              <a:t> di pattern matching </a:t>
-            </a:r>
-            <a:r>
-              <a:rPr lang="en-GB" dirty="0" err="1">
-                <a:solidFill>
-                  <a:schemeClr val="accent6">
-                    <a:lumMod val="75000"/>
-                  </a:schemeClr>
-                </a:solidFill>
-              </a:rPr>
-              <a:t>all’interno</a:t>
-            </a:r>
-            <a:r>
-              <a:rPr lang="en-GB" dirty="0">
-                <a:solidFill>
-                  <a:schemeClr val="accent6">
-                    <a:lumMod val="75000"/>
-                  </a:schemeClr>
-                </a:solidFill>
-              </a:rPr>
-              <a:t> di un </a:t>
-            </a:r>
-            <a:r>
-              <a:rPr lang="en-GB" dirty="0" err="1">
-                <a:solidFill>
-                  <a:schemeClr val="accent6">
-                    <a:lumMod val="75000"/>
-                  </a:schemeClr>
-                </a:solidFill>
-              </a:rPr>
-              <a:t>costrutto</a:t>
-            </a:r>
-            <a:r>
-              <a:rPr lang="en-GB" dirty="0">
-                <a:solidFill>
-                  <a:schemeClr val="accent6">
-                    <a:lumMod val="75000"/>
-                  </a:schemeClr>
-                </a:solidFill>
-              </a:rPr>
-              <a:t> if-test. </a:t>
-            </a:r>
-            <a:r>
-              <a:rPr lang="en-GB" dirty="0"/>
-              <a:t>Per </a:t>
-            </a:r>
-            <a:r>
-              <a:rPr lang="en-GB" dirty="0" err="1"/>
-              <a:t>ovviare</a:t>
-            </a:r>
-            <a:r>
-              <a:rPr lang="en-GB" dirty="0"/>
-              <a:t> al </a:t>
-            </a:r>
-            <a:r>
-              <a:rPr lang="en-GB" dirty="0" err="1"/>
-              <a:t>problema</a:t>
-            </a:r>
-            <a:r>
-              <a:rPr lang="en-GB" dirty="0"/>
-              <a:t>, </a:t>
             </a:r>
             <a:r>
               <a:rPr lang="en-GB" dirty="0" err="1"/>
@@ -9768,7 +9771,23 @@
             </a:r>
             <a:r>
               <a:rPr lang="en-GB" dirty="0" err="1"/>
-              <a:t>utilizza</a:t>
+              <a:t>comporta</a:t>
+            </a:r>
+            <a:r>
+              <a:rPr lang="en-GB" dirty="0"/>
+              <a:t> come [ ] </a:t>
+            </a:r>
+            <a:r>
+              <a:rPr lang="en-GB" dirty="0" err="1"/>
+              <a:t>aggiungendo</a:t>
+            </a:r>
+            <a:r>
+              <a:rPr lang="en-GB" dirty="0"/>
+              <a:t> (</a:t>
+            </a:r>
+            <a:r>
+              <a:rPr lang="en-GB" dirty="0" err="1"/>
+              <a:t>fra</a:t>
             </a:r>
             <a:r>
               <a:rPr lang="en-GB" dirty="0"/>
@@ -9776,6 +9795,32 @@
             </a:r>
             <a:r>
               <a:rPr lang="en-GB" dirty="0" err="1"/>
+              <a:t>altre</a:t>
+            </a:r>
+            <a:r>
+              <a:rPr lang="en-GB" dirty="0"/>
+              <a:t>) la </a:t>
+            </a:r>
+            <a:r>
+              <a:rPr lang="en-GB" dirty="0" err="1"/>
+              <a:t>funzione</a:t>
+            </a:r>
+            <a:r>
+              <a:rPr lang="en-GB" dirty="0"/>
+              <a:t> di pattern matching</a:t>
+            </a:r>
+            <a:endParaRPr lang="it-IT" dirty="0">
+              <a:solidFill>
+                <a:schemeClr val="accent6">
+                  <a:lumMod val="75000"/>
+                </a:schemeClr>
+              </a:solidFill>
+            </a:endParaRPr>
+          </a:p>
+          <a:p>
+            <a:pPr lvl="1"/>
+            <a:r>
+              <a:rPr lang="en-GB" dirty="0" err="1"/>
               <a:t>il</a:t>
             </a:r>
             <a:r>
@@ -9788,7 +9833,17 @@
             </a:r>
             <a:r>
               <a:rPr lang="en-GB" dirty="0"/>
-              <a:t> switch-case </a:t>
+              <a:t> </a:t>
+            </a:r>
+            <a:r>
+              <a:rPr lang="en-GB" dirty="0">
+                <a:solidFill>
+                  <a:schemeClr val="accent6">
+                    <a:lumMod val="75000"/>
+                  </a:schemeClr>
+                </a:solidFill>
+              </a:rPr>
+              <a:t>switch-case </a:t>
             </a:r>
             <a:r>
               <a:rPr lang="en-GB" dirty="0" err="1"/>
@@ -9876,192 +9931,11 @@
             </a:r>
             <a:r>
               <a:rPr lang="en-GB" dirty="0"/>
-              <a:t> else if).</a:t>
+              <a:t> else if)</a:t>
             </a:r>
           </a:p>
           <a:p>
             <a:endParaRPr lang="en-GB" dirty="0"/>
-          </a:p>
-          <a:p>
-            <a:pPr marL="0" indent="0">
-              <a:buNone/>
-            </a:pPr>
-            <a:r>
-              <a:rPr lang="en-GB" dirty="0">
-                <a:latin typeface="Consolas" panose="020B0609020204030204" pitchFamily="49" charset="0"/>
-                <a:cs typeface="Consolas" panose="020B0609020204030204" pitchFamily="49" charset="0"/>
-              </a:rPr>
-              <a:t># </a:t>
-            </a:r>
-            <a:r>
-              <a:rPr lang="en-GB" dirty="0" err="1">
-                <a:latin typeface="Consolas" panose="020B0609020204030204" pitchFamily="49" charset="0"/>
-                <a:cs typeface="Consolas" panose="020B0609020204030204" pitchFamily="49" charset="0"/>
-              </a:rPr>
-              <a:t>Esempi</a:t>
-            </a:r>
-            <a:r>
-              <a:rPr lang="en-GB" dirty="0">
-                <a:latin typeface="Consolas" panose="020B0609020204030204" pitchFamily="49" charset="0"/>
-                <a:cs typeface="Consolas" panose="020B0609020204030204" pitchFamily="49" charset="0"/>
-              </a:rPr>
-              <a:t> NON </a:t>
-            </a:r>
-            <a:r>
-              <a:rPr lang="en-GB" dirty="0" err="1">
-                <a:latin typeface="Consolas" panose="020B0609020204030204" pitchFamily="49" charset="0"/>
-                <a:cs typeface="Consolas" panose="020B0609020204030204" pitchFamily="49" charset="0"/>
-              </a:rPr>
-              <a:t>funzionanti</a:t>
-            </a:r>
-            <a:endParaRPr lang="en-GB" dirty="0">
-              <a:latin typeface="Consolas" panose="020B0609020204030204" pitchFamily="49" charset="0"/>
-              <a:cs typeface="Consolas" panose="020B0609020204030204" pitchFamily="49" charset="0"/>
-            </a:endParaRPr>
-          </a:p>
-          <a:p>
-            <a:pPr marL="0" indent="0">
-              <a:buNone/>
-            </a:pPr>
-            <a:r>
-              <a:rPr lang="en-GB" dirty="0">
-                <a:latin typeface="Consolas" panose="020B0609020204030204" pitchFamily="49" charset="0"/>
-                <a:cs typeface="Consolas" panose="020B0609020204030204" pitchFamily="49" charset="0"/>
-              </a:rPr>
-              <a:t>if </a:t>
-            </a:r>
-            <a:r>
-              <a:rPr lang="en-GB" dirty="0">
-                <a:solidFill>
-                  <a:srgbClr val="FF0000"/>
-                </a:solidFill>
-                <a:latin typeface="Consolas" panose="020B0609020204030204" pitchFamily="49" charset="0"/>
-                <a:cs typeface="Consolas" panose="020B0609020204030204" pitchFamily="49" charset="0"/>
-              </a:rPr>
-              <a:t>[ “$1” == “</a:t>
-            </a:r>
-            <a:r>
-              <a:rPr lang="en-GB" dirty="0" err="1">
-                <a:solidFill>
-                  <a:srgbClr val="FF0000"/>
-                </a:solidFill>
-                <a:latin typeface="Consolas" panose="020B0609020204030204" pitchFamily="49" charset="0"/>
-                <a:cs typeface="Consolas" panose="020B0609020204030204" pitchFamily="49" charset="0"/>
-              </a:rPr>
-              <a:t>n?co</a:t>
-            </a:r>
-            <a:r>
-              <a:rPr lang="en-GB" dirty="0">
-                <a:solidFill>
-                  <a:srgbClr val="FF0000"/>
-                </a:solidFill>
-                <a:latin typeface="Consolas" panose="020B0609020204030204" pitchFamily="49" charset="0"/>
-                <a:cs typeface="Consolas" panose="020B0609020204030204" pitchFamily="49" charset="0"/>
-              </a:rPr>
-              <a:t>*” ]; </a:t>
-            </a:r>
-            <a:r>
-              <a:rPr lang="en-GB" dirty="0">
-                <a:latin typeface="Consolas" panose="020B0609020204030204" pitchFamily="49" charset="0"/>
-                <a:cs typeface="Consolas" panose="020B0609020204030204" pitchFamily="49" charset="0"/>
-              </a:rPr>
-              <a:t>then</a:t>
-            </a:r>
-          </a:p>
-          <a:p>
-            <a:pPr marL="0" indent="0">
-              <a:buNone/>
-            </a:pPr>
-            <a:r>
-              <a:rPr lang="en-GB" dirty="0">
-                <a:latin typeface="Consolas" panose="020B0609020204030204" pitchFamily="49" charset="0"/>
-                <a:cs typeface="Consolas" panose="020B0609020204030204" pitchFamily="49" charset="0"/>
-              </a:rPr>
-              <a:t>  echo “success”</a:t>
-            </a:r>
-          </a:p>
-          <a:p>
-            <a:pPr marL="0" indent="0">
-              <a:buNone/>
-            </a:pPr>
-            <a:r>
-              <a:rPr lang="en-GB" dirty="0">
-                <a:latin typeface="Consolas" panose="020B0609020204030204" pitchFamily="49" charset="0"/>
-                <a:cs typeface="Consolas" panose="020B0609020204030204" pitchFamily="49" charset="0"/>
-              </a:rPr>
-              <a:t>fi </a:t>
-            </a:r>
-          </a:p>
-          <a:p>
-            <a:pPr marL="0" indent="0">
-              <a:buNone/>
-            </a:pPr>
-            <a:endParaRPr lang="en-GB" dirty="0">
-              <a:latin typeface="Consolas" panose="020B0609020204030204" pitchFamily="49" charset="0"/>
-              <a:cs typeface="Consolas" panose="020B0609020204030204" pitchFamily="49" charset="0"/>
-            </a:endParaRPr>
-          </a:p>
-          <a:p>
-            <a:pPr marL="0" indent="0">
-              <a:buNone/>
-            </a:pPr>
-            <a:r>
-              <a:rPr lang="en-GB" dirty="0">
-                <a:latin typeface="Consolas" panose="020B0609020204030204" pitchFamily="49" charset="0"/>
-                <a:cs typeface="Consolas" panose="020B0609020204030204" pitchFamily="49" charset="0"/>
-              </a:rPr>
-              <a:t>if </a:t>
-            </a:r>
-            <a:r>
-              <a:rPr lang="en-GB" dirty="0">
-                <a:solidFill>
-                  <a:srgbClr val="FF0000"/>
-                </a:solidFill>
-                <a:latin typeface="Consolas" panose="020B0609020204030204" pitchFamily="49" charset="0"/>
-                <a:cs typeface="Consolas" panose="020B0609020204030204" pitchFamily="49" charset="0"/>
-              </a:rPr>
-              <a:t>[ “$1” != “[0-9]*” ]; </a:t>
-            </a:r>
-            <a:r>
-              <a:rPr lang="en-GB" dirty="0">
-                <a:latin typeface="Consolas" panose="020B0609020204030204" pitchFamily="49" charset="0"/>
-                <a:cs typeface="Consolas" panose="020B0609020204030204" pitchFamily="49" charset="0"/>
-              </a:rPr>
-              <a:t>then</a:t>
-            </a:r>
-          </a:p>
-          <a:p>
-            <a:pPr marL="0" indent="0">
-              <a:buNone/>
-            </a:pPr>
-            <a:r>
-              <a:rPr lang="en-GB" dirty="0">
-                <a:latin typeface="Consolas" panose="020B0609020204030204" pitchFamily="49" charset="0"/>
-                <a:cs typeface="Consolas" panose="020B0609020204030204" pitchFamily="49" charset="0"/>
-              </a:rPr>
-              <a:t>  echo “success”</a:t>
-            </a:r>
-          </a:p>
-          <a:p>
-            <a:pPr marL="0" indent="0">
-              <a:buNone/>
-            </a:pPr>
-            <a:r>
-              <a:rPr lang="en-GB" dirty="0">
-                <a:latin typeface="Consolas" panose="020B0609020204030204" pitchFamily="49" charset="0"/>
-                <a:cs typeface="Consolas" panose="020B0609020204030204" pitchFamily="49" charset="0"/>
-              </a:rPr>
-              <a:t>fi </a:t>
-            </a:r>
-          </a:p>
-          <a:p>
-            <a:pPr marL="0" indent="0">
-              <a:buNone/>
-            </a:pPr>
-            <a:endParaRPr lang="en-GB" dirty="0">
-              <a:latin typeface="Consolas" panose="020B0609020204030204" pitchFamily="49" charset="0"/>
-              <a:cs typeface="Consolas" panose="020B0609020204030204" pitchFamily="49" charset="0"/>
-            </a:endParaRPr>
           </a:p>
         </p:txBody>
       </p:sp>
@@ -10130,6 +10004,474 @@
           <p:cNvPr id="2" name="Title 1">
             <a:extLst>
               <a:ext uri="{FF2B5EF4-FFF2-40B4-BE49-F238E27FC236}">
+                <a16:creationId xmlns:a16="http://schemas.microsoft.com/office/drawing/2014/main" id="{605A2EB5-EB2C-EF40-844A-834D2F4BF8D6}"/>
+              </a:ext>
+            </a:extLst>
+          </p:cNvPr>
+          <p:cNvSpPr>
+            <a:spLocks noGrp="1"/>
+          </p:cNvSpPr>
+          <p:nvPr>
+            <p:ph type="title"/>
+          </p:nvPr>
+        </p:nvSpPr>
+        <p:spPr/>
+        <p:txBody>
+          <a:bodyPr/>
+          <a:lstStyle/>
+          <a:p>
+            <a:r>
+              <a:rPr lang="en-GB" dirty="0"/>
+              <a:t>[[</a:t>
+            </a:r>
+          </a:p>
+        </p:txBody>
+      </p:sp>
+      <p:sp>
+        <p:nvSpPr>
+          <p:cNvPr id="9" name="Content Placeholder 8">
+            <a:extLst>
+              <a:ext uri="{FF2B5EF4-FFF2-40B4-BE49-F238E27FC236}">
+                <a16:creationId xmlns:a16="http://schemas.microsoft.com/office/drawing/2014/main" id="{A946EB3B-AA12-904E-8F3D-32DBF3F0FF51}"/>
+              </a:ext>
+            </a:extLst>
+          </p:cNvPr>
+          <p:cNvSpPr>
+            <a:spLocks noGrp="1"/>
+          </p:cNvSpPr>
+          <p:nvPr>
+            <p:ph sz="half" idx="1"/>
+          </p:nvPr>
+        </p:nvSpPr>
+        <p:spPr/>
+        <p:txBody>
+          <a:bodyPr>
+            <a:normAutofit/>
+          </a:bodyPr>
+          <a:lstStyle/>
+          <a:p>
+            <a:pPr marL="0" indent="0">
+              <a:buNone/>
+            </a:pPr>
+            <a:r>
+              <a:rPr lang="en-GB" sz="1800" dirty="0">
+                <a:latin typeface="Consolas" panose="020B0609020204030204" pitchFamily="49" charset="0"/>
+                <a:cs typeface="Consolas" panose="020B0609020204030204" pitchFamily="49" charset="0"/>
+              </a:rPr>
+              <a:t># [ ] </a:t>
+            </a:r>
+            <a:r>
+              <a:rPr lang="en-GB" sz="1800" dirty="0" err="1">
+                <a:latin typeface="Consolas" panose="020B0609020204030204" pitchFamily="49" charset="0"/>
+                <a:cs typeface="Consolas" panose="020B0609020204030204" pitchFamily="49" charset="0"/>
+              </a:rPr>
+              <a:t>fallisce</a:t>
+            </a:r>
+            <a:endParaRPr lang="en-GB" sz="1800" dirty="0">
+              <a:latin typeface="Consolas" panose="020B0609020204030204" pitchFamily="49" charset="0"/>
+              <a:cs typeface="Consolas" panose="020B0609020204030204" pitchFamily="49" charset="0"/>
+            </a:endParaRPr>
+          </a:p>
+          <a:p>
+            <a:pPr marL="0" indent="0">
+              <a:buNone/>
+            </a:pPr>
+            <a:endParaRPr lang="en-GB" sz="1800" dirty="0">
+              <a:latin typeface="Consolas" panose="020B0609020204030204" pitchFamily="49" charset="0"/>
+              <a:cs typeface="Consolas" panose="020B0609020204030204" pitchFamily="49" charset="0"/>
+            </a:endParaRPr>
+          </a:p>
+          <a:p>
+            <a:pPr marL="0" indent="0">
+              <a:buNone/>
+            </a:pPr>
+            <a:r>
+              <a:rPr lang="en-GB" sz="1800" dirty="0">
+                <a:latin typeface="Consolas" panose="020B0609020204030204" pitchFamily="49" charset="0"/>
+                <a:cs typeface="Consolas" panose="020B0609020204030204" pitchFamily="49" charset="0"/>
+              </a:rPr>
+              <a:t>if </a:t>
+            </a:r>
+            <a:r>
+              <a:rPr lang="en-GB" sz="1800" dirty="0">
+                <a:solidFill>
+                  <a:srgbClr val="FF0000"/>
+                </a:solidFill>
+                <a:latin typeface="Consolas" panose="020B0609020204030204" pitchFamily="49" charset="0"/>
+                <a:cs typeface="Consolas" panose="020B0609020204030204" pitchFamily="49" charset="0"/>
+              </a:rPr>
+              <a:t>[ “$1” == </a:t>
+            </a:r>
+            <a:r>
+              <a:rPr lang="en-GB" sz="1800" dirty="0" err="1">
+                <a:solidFill>
+                  <a:srgbClr val="FF0000"/>
+                </a:solidFill>
+                <a:latin typeface="Consolas" panose="020B0609020204030204" pitchFamily="49" charset="0"/>
+                <a:cs typeface="Consolas" panose="020B0609020204030204" pitchFamily="49" charset="0"/>
+              </a:rPr>
+              <a:t>n?co</a:t>
+            </a:r>
+            <a:r>
+              <a:rPr lang="en-GB" sz="1800" dirty="0">
+                <a:solidFill>
+                  <a:srgbClr val="FF0000"/>
+                </a:solidFill>
+                <a:latin typeface="Consolas" panose="020B0609020204030204" pitchFamily="49" charset="0"/>
+                <a:cs typeface="Consolas" panose="020B0609020204030204" pitchFamily="49" charset="0"/>
+              </a:rPr>
+              <a:t>* ]; </a:t>
+            </a:r>
+            <a:r>
+              <a:rPr lang="en-GB" sz="1800" dirty="0">
+                <a:latin typeface="Consolas" panose="020B0609020204030204" pitchFamily="49" charset="0"/>
+                <a:cs typeface="Consolas" panose="020B0609020204030204" pitchFamily="49" charset="0"/>
+              </a:rPr>
+              <a:t>then</a:t>
+            </a:r>
+          </a:p>
+          <a:p>
+            <a:pPr marL="0" indent="0">
+              <a:buNone/>
+            </a:pPr>
+            <a:r>
+              <a:rPr lang="en-GB" sz="1800" dirty="0">
+                <a:latin typeface="Consolas" panose="020B0609020204030204" pitchFamily="49" charset="0"/>
+                <a:cs typeface="Consolas" panose="020B0609020204030204" pitchFamily="49" charset="0"/>
+              </a:rPr>
+              <a:t>  echo “success”</a:t>
+            </a:r>
+          </a:p>
+          <a:p>
+            <a:pPr marL="0" indent="0">
+              <a:buNone/>
+            </a:pPr>
+            <a:r>
+              <a:rPr lang="en-GB" sz="1800" dirty="0">
+                <a:latin typeface="Consolas" panose="020B0609020204030204" pitchFamily="49" charset="0"/>
+                <a:cs typeface="Consolas" panose="020B0609020204030204" pitchFamily="49" charset="0"/>
+              </a:rPr>
+              <a:t>fi </a:t>
+            </a:r>
+          </a:p>
+          <a:p>
+            <a:pPr marL="0" indent="0">
+              <a:buNone/>
+            </a:pPr>
+            <a:endParaRPr lang="en-GB" sz="1800" dirty="0">
+              <a:latin typeface="Consolas" panose="020B0609020204030204" pitchFamily="49" charset="0"/>
+              <a:cs typeface="Consolas" panose="020B0609020204030204" pitchFamily="49" charset="0"/>
+            </a:endParaRPr>
+          </a:p>
+          <a:p>
+            <a:pPr marL="0" indent="0">
+              <a:buNone/>
+            </a:pPr>
+            <a:r>
+              <a:rPr lang="en-GB" sz="1800" dirty="0">
+                <a:latin typeface="Consolas" panose="020B0609020204030204" pitchFamily="49" charset="0"/>
+                <a:cs typeface="Consolas" panose="020B0609020204030204" pitchFamily="49" charset="0"/>
+              </a:rPr>
+              <a:t>if </a:t>
+            </a:r>
+            <a:r>
+              <a:rPr lang="en-GB" sz="1800" dirty="0">
+                <a:solidFill>
+                  <a:srgbClr val="FF0000"/>
+                </a:solidFill>
+                <a:latin typeface="Consolas" panose="020B0609020204030204" pitchFamily="49" charset="0"/>
+                <a:cs typeface="Consolas" panose="020B0609020204030204" pitchFamily="49" charset="0"/>
+              </a:rPr>
+              <a:t>[ “$1” != [0-9]* ]; </a:t>
+            </a:r>
+            <a:r>
+              <a:rPr lang="en-GB" sz="1800" dirty="0">
+                <a:latin typeface="Consolas" panose="020B0609020204030204" pitchFamily="49" charset="0"/>
+                <a:cs typeface="Consolas" panose="020B0609020204030204" pitchFamily="49" charset="0"/>
+              </a:rPr>
+              <a:t>then</a:t>
+            </a:r>
+          </a:p>
+          <a:p>
+            <a:pPr marL="0" indent="0">
+              <a:buNone/>
+            </a:pPr>
+            <a:r>
+              <a:rPr lang="en-GB" sz="1800" dirty="0">
+                <a:latin typeface="Consolas" panose="020B0609020204030204" pitchFamily="49" charset="0"/>
+                <a:cs typeface="Consolas" panose="020B0609020204030204" pitchFamily="49" charset="0"/>
+              </a:rPr>
+              <a:t>  echo “success”</a:t>
+            </a:r>
+          </a:p>
+          <a:p>
+            <a:pPr marL="0" indent="0">
+              <a:buNone/>
+            </a:pPr>
+            <a:r>
+              <a:rPr lang="en-GB" sz="1800" dirty="0">
+                <a:latin typeface="Consolas" panose="020B0609020204030204" pitchFamily="49" charset="0"/>
+                <a:cs typeface="Consolas" panose="020B0609020204030204" pitchFamily="49" charset="0"/>
+              </a:rPr>
+              <a:t>fi </a:t>
+            </a:r>
+          </a:p>
+          <a:p>
+            <a:pPr marL="0" indent="0">
+              <a:buNone/>
+            </a:pPr>
+            <a:endParaRPr lang="en-GB" sz="1800" dirty="0">
+              <a:latin typeface="Consolas" panose="020B0609020204030204" pitchFamily="49" charset="0"/>
+              <a:cs typeface="Consolas" panose="020B0609020204030204" pitchFamily="49" charset="0"/>
+            </a:endParaRPr>
+          </a:p>
+        </p:txBody>
+      </p:sp>
+      <p:sp>
+        <p:nvSpPr>
+          <p:cNvPr id="7" name="Content Placeholder 6">
+            <a:extLst>
+              <a:ext uri="{FF2B5EF4-FFF2-40B4-BE49-F238E27FC236}">
+                <a16:creationId xmlns:a16="http://schemas.microsoft.com/office/drawing/2014/main" id="{4BE574B2-1D32-BB46-A9F1-23A13E318905}"/>
+              </a:ext>
+            </a:extLst>
+          </p:cNvPr>
+          <p:cNvSpPr>
+            <a:spLocks noGrp="1"/>
+          </p:cNvSpPr>
+          <p:nvPr>
+            <p:ph sz="half" idx="2"/>
+          </p:nvPr>
+        </p:nvSpPr>
+        <p:spPr/>
+        <p:txBody>
+          <a:bodyPr>
+            <a:normAutofit/>
+          </a:bodyPr>
+          <a:lstStyle/>
+          <a:p>
+            <a:pPr marL="0" indent="0">
+              <a:buNone/>
+            </a:pPr>
+            <a:r>
+              <a:rPr lang="en-GB" sz="1800" dirty="0">
+                <a:latin typeface="Consolas" panose="020B0609020204030204" pitchFamily="49" charset="0"/>
+                <a:cs typeface="Consolas" panose="020B0609020204030204" pitchFamily="49" charset="0"/>
+              </a:rPr>
+              <a:t># [[ ]] pattern matching</a:t>
+            </a:r>
+          </a:p>
+          <a:p>
+            <a:pPr marL="0" indent="0">
+              <a:buNone/>
+            </a:pPr>
+            <a:endParaRPr lang="en-GB" sz="1800" dirty="0">
+              <a:latin typeface="Consolas" panose="020B0609020204030204" pitchFamily="49" charset="0"/>
+              <a:cs typeface="Consolas" panose="020B0609020204030204" pitchFamily="49" charset="0"/>
+            </a:endParaRPr>
+          </a:p>
+          <a:p>
+            <a:pPr marL="0" indent="0">
+              <a:buNone/>
+            </a:pPr>
+            <a:r>
+              <a:rPr lang="en-GB" sz="1800" dirty="0">
+                <a:latin typeface="Consolas" panose="020B0609020204030204" pitchFamily="49" charset="0"/>
+                <a:cs typeface="Consolas" panose="020B0609020204030204" pitchFamily="49" charset="0"/>
+              </a:rPr>
+              <a:t>if </a:t>
+            </a:r>
+            <a:r>
+              <a:rPr lang="en-GB" sz="1800" dirty="0">
+                <a:solidFill>
+                  <a:srgbClr val="00B050"/>
+                </a:solidFill>
+                <a:latin typeface="Consolas" panose="020B0609020204030204" pitchFamily="49" charset="0"/>
+                <a:cs typeface="Consolas" panose="020B0609020204030204" pitchFamily="49" charset="0"/>
+              </a:rPr>
+              <a:t>[[ “$1” == </a:t>
+            </a:r>
+            <a:r>
+              <a:rPr lang="en-GB" sz="1800" dirty="0" err="1">
+                <a:solidFill>
+                  <a:srgbClr val="00B050"/>
+                </a:solidFill>
+                <a:latin typeface="Consolas" panose="020B0609020204030204" pitchFamily="49" charset="0"/>
+                <a:cs typeface="Consolas" panose="020B0609020204030204" pitchFamily="49" charset="0"/>
+              </a:rPr>
+              <a:t>n?co</a:t>
+            </a:r>
+            <a:r>
+              <a:rPr lang="en-GB" sz="1800" dirty="0">
+                <a:solidFill>
+                  <a:srgbClr val="00B050"/>
+                </a:solidFill>
+                <a:latin typeface="Consolas" panose="020B0609020204030204" pitchFamily="49" charset="0"/>
+                <a:cs typeface="Consolas" panose="020B0609020204030204" pitchFamily="49" charset="0"/>
+              </a:rPr>
+              <a:t>* ]]; </a:t>
+            </a:r>
+            <a:r>
+              <a:rPr lang="en-GB" sz="1800" dirty="0">
+                <a:latin typeface="Consolas" panose="020B0609020204030204" pitchFamily="49" charset="0"/>
+                <a:cs typeface="Consolas" panose="020B0609020204030204" pitchFamily="49" charset="0"/>
+              </a:rPr>
+              <a:t>then</a:t>
+            </a:r>
+          </a:p>
+          <a:p>
+            <a:pPr marL="0" indent="0">
+              <a:buNone/>
+            </a:pPr>
+            <a:r>
+              <a:rPr lang="en-GB" sz="1800" dirty="0">
+                <a:latin typeface="Consolas" panose="020B0609020204030204" pitchFamily="49" charset="0"/>
+                <a:cs typeface="Consolas" panose="020B0609020204030204" pitchFamily="49" charset="0"/>
+              </a:rPr>
+              <a:t>  echo “success”</a:t>
+            </a:r>
+          </a:p>
+          <a:p>
+            <a:pPr marL="0" indent="0">
+              <a:buNone/>
+            </a:pPr>
+            <a:r>
+              <a:rPr lang="en-GB" sz="1800" dirty="0">
+                <a:latin typeface="Consolas" panose="020B0609020204030204" pitchFamily="49" charset="0"/>
+                <a:cs typeface="Consolas" panose="020B0609020204030204" pitchFamily="49" charset="0"/>
+              </a:rPr>
+              <a:t>fi </a:t>
+            </a:r>
+          </a:p>
+          <a:p>
+            <a:pPr marL="0" indent="0">
+              <a:buNone/>
+            </a:pPr>
+            <a:endParaRPr lang="en-GB" sz="1800" dirty="0">
+              <a:latin typeface="Consolas" panose="020B0609020204030204" pitchFamily="49" charset="0"/>
+              <a:cs typeface="Consolas" panose="020B0609020204030204" pitchFamily="49" charset="0"/>
+            </a:endParaRPr>
+          </a:p>
+          <a:p>
+            <a:pPr marL="0" indent="0">
+              <a:buNone/>
+            </a:pPr>
+            <a:r>
+              <a:rPr lang="en-GB" sz="1800" dirty="0">
+                <a:latin typeface="Consolas" panose="020B0609020204030204" pitchFamily="49" charset="0"/>
+                <a:cs typeface="Consolas" panose="020B0609020204030204" pitchFamily="49" charset="0"/>
+              </a:rPr>
+              <a:t>if </a:t>
+            </a:r>
+            <a:r>
+              <a:rPr lang="en-GB" sz="1800" dirty="0">
+                <a:solidFill>
+                  <a:srgbClr val="00B050"/>
+                </a:solidFill>
+                <a:latin typeface="Consolas" panose="020B0609020204030204" pitchFamily="49" charset="0"/>
+                <a:cs typeface="Consolas" panose="020B0609020204030204" pitchFamily="49" charset="0"/>
+              </a:rPr>
+              <a:t>[[ “$1” != [0-9]* ]]; </a:t>
+            </a:r>
+            <a:r>
+              <a:rPr lang="en-GB" sz="1800" dirty="0">
+                <a:latin typeface="Consolas" panose="020B0609020204030204" pitchFamily="49" charset="0"/>
+                <a:cs typeface="Consolas" panose="020B0609020204030204" pitchFamily="49" charset="0"/>
+              </a:rPr>
+              <a:t>then</a:t>
+            </a:r>
+          </a:p>
+          <a:p>
+            <a:pPr marL="0" indent="0">
+              <a:buNone/>
+            </a:pPr>
+            <a:r>
+              <a:rPr lang="en-GB" sz="1800" dirty="0">
+                <a:latin typeface="Consolas" panose="020B0609020204030204" pitchFamily="49" charset="0"/>
+                <a:cs typeface="Consolas" panose="020B0609020204030204" pitchFamily="49" charset="0"/>
+              </a:rPr>
+              <a:t>  echo “success”</a:t>
+            </a:r>
+          </a:p>
+          <a:p>
+            <a:pPr marL="0" indent="0">
+              <a:buNone/>
+            </a:pPr>
+            <a:r>
+              <a:rPr lang="en-GB" sz="1800" dirty="0">
+                <a:latin typeface="Consolas" panose="020B0609020204030204" pitchFamily="49" charset="0"/>
+                <a:cs typeface="Consolas" panose="020B0609020204030204" pitchFamily="49" charset="0"/>
+              </a:rPr>
+              <a:t>fi </a:t>
+            </a:r>
+          </a:p>
+        </p:txBody>
+      </p:sp>
+      <p:sp>
+        <p:nvSpPr>
+          <p:cNvPr id="4" name="Slide Number Placeholder 3">
+            <a:extLst>
+              <a:ext uri="{FF2B5EF4-FFF2-40B4-BE49-F238E27FC236}">
+                <a16:creationId xmlns:a16="http://schemas.microsoft.com/office/drawing/2014/main" id="{9C8C06BC-E8BA-3E4B-B27F-A8D0ACCC3F50}"/>
+              </a:ext>
+            </a:extLst>
+          </p:cNvPr>
+          <p:cNvSpPr>
+            <a:spLocks noGrp="1"/>
+          </p:cNvSpPr>
+          <p:nvPr>
+            <p:ph type="sldNum" sz="quarter" idx="12"/>
+          </p:nvPr>
+        </p:nvSpPr>
+        <p:spPr/>
+        <p:txBody>
+          <a:bodyPr/>
+          <a:lstStyle/>
+          <a:p>
+            <a:fld id="{D2040F39-7941-49A4-B48D-F201B18B6351}" type="slidenum">
+              <a:rPr lang="it-IT" smtClean="0"/>
+              <a:pPr/>
+              <a:t>21</a:t>
+            </a:fld>
+            <a:endParaRPr lang="it-IT" dirty="0"/>
+          </a:p>
+        </p:txBody>
+      </p:sp>
+    </p:spTree>
+    <p:extLst>
+      <p:ext uri="{BB962C8B-B14F-4D97-AF65-F5344CB8AC3E}">
+        <p14:creationId xmlns:p14="http://schemas.microsoft.com/office/powerpoint/2010/main" val="836182943"/>
+      </p:ext>
+    </p:extLst>
+  </p:cSld>
+  <p:clrMapOvr>
+    <a:masterClrMapping/>
+  </p:clrMapOvr>
+</p:sld>
+</file>
+
+<file path=ppt/slides/slide22.xml><?xml version="1.0" encoding="utf-8"?>
+<p:sld xmlns:a="http://schemas.openxmlformats.org/drawingml/2006/main" xmlns:r="http://schemas.openxmlformats.org/officeDocument/2006/relationships" xmlns:p="http://schemas.openxmlformats.org/presentationml/2006/main">
+  <p:cSld>
+    <p:spTree>
+      <p:nvGrpSpPr>
+        <p:cNvPr id="1" name=""/>
+        <p:cNvGrpSpPr/>
+        <p:nvPr/>
+      </p:nvGrpSpPr>
+      <p:grpSpPr>
+        <a:xfrm>
+          <a:off x="0" y="0"/>
+          <a:ext cx="0" cy="0"/>
+          <a:chOff x="0" y="0"/>
+          <a:chExt cx="0" cy="0"/>
+        </a:xfrm>
+      </p:grpSpPr>
+      <p:sp>
+        <p:nvSpPr>
+          <p:cNvPr id="2" name="Title 1">
+            <a:extLst>
+              <a:ext uri="{FF2B5EF4-FFF2-40B4-BE49-F238E27FC236}">
                 <a16:creationId xmlns:a16="http://schemas.microsoft.com/office/drawing/2014/main" id="{0DA924AE-DD63-1B42-BF67-0DE68379DDFA}"/>
               </a:ext>
             </a:extLst>
@@ -10966,7 +11308,7 @@
             <a:fld id="{D2040F39-7941-49A4-B48D-F201B18B6351}" type="slidenum">
               <a:rPr lang="it-IT" smtClean="0"/>
               <a:pPr/>
-              <a:t>21</a:t>
+              <a:t>22</a:t>
             </a:fld>
             <a:endParaRPr lang="it-IT" dirty="0"/>
           </a:p>
@@ -10985,7 +11327,7 @@
 </p:sld>
 </file>
 
-<file path=ppt/slides/slide22.xml><?xml version="1.0" encoding="utf-8"?>
+<file path=ppt/slides/slide23.xml><?xml version="1.0" encoding="utf-8"?>
 <p:sld xmlns:a="http://schemas.openxmlformats.org/drawingml/2006/main" xmlns:r="http://schemas.openxmlformats.org/officeDocument/2006/relationships" xmlns:p="http://schemas.openxmlformats.org/presentationml/2006/main">
   <p:cSld>
     <p:spTree>
@@ -11030,775 +11372,6 @@
     <p:extLst>
       <p:ext uri="{BB962C8B-B14F-4D97-AF65-F5344CB8AC3E}">
         <p14:creationId xmlns:p14="http://schemas.microsoft.com/office/powerpoint/2010/main" val="1457235690"/>
-      </p:ext>
-    </p:extLst>
-  </p:cSld>
-  <p:clrMapOvr>
-    <a:masterClrMapping/>
-  </p:clrMapOvr>
-</p:sld>
-</file>
-
-<file path=ppt/slides/slide23.xml><?xml version="1.0" encoding="utf-8"?>
-<p:sld xmlns:a="http://schemas.openxmlformats.org/drawingml/2006/main" xmlns:r="http://schemas.openxmlformats.org/officeDocument/2006/relationships" xmlns:p="http://schemas.openxmlformats.org/presentationml/2006/main">
-  <p:cSld>
-    <p:spTree>
-      <p:nvGrpSpPr>
-        <p:cNvPr id="1" name=""/>
-        <p:cNvGrpSpPr/>
-        <p:nvPr/>
-      </p:nvGrpSpPr>
-      <p:grpSpPr>
-        <a:xfrm>
-          <a:off x="0" y="0"/>
-          <a:ext cx="0" cy="0"/>
-          <a:chOff x="0" y="0"/>
-          <a:chExt cx="0" cy="0"/>
-        </a:xfrm>
-      </p:grpSpPr>
-      <p:sp>
-        <p:nvSpPr>
-          <p:cNvPr id="2" name="Title 1">
-            <a:extLst>
-              <a:ext uri="{FF2B5EF4-FFF2-40B4-BE49-F238E27FC236}">
-                <a16:creationId xmlns:a16="http://schemas.microsoft.com/office/drawing/2014/main" id="{605A2EB5-EB2C-EF40-844A-834D2F4BF8D6}"/>
-              </a:ext>
-            </a:extLst>
-          </p:cNvPr>
-          <p:cNvSpPr>
-            <a:spLocks noGrp="1"/>
-          </p:cNvSpPr>
-          <p:nvPr>
-            <p:ph type="title"/>
-          </p:nvPr>
-        </p:nvSpPr>
-        <p:spPr/>
-        <p:txBody>
-          <a:bodyPr/>
-          <a:lstStyle/>
-          <a:p>
-            <a:r>
-              <a:rPr lang="en-GB" dirty="0"/>
-              <a:t>for</a:t>
-            </a:r>
-          </a:p>
-        </p:txBody>
-      </p:sp>
-      <p:sp>
-        <p:nvSpPr>
-          <p:cNvPr id="3" name="Content Placeholder 2">
-            <a:extLst>
-              <a:ext uri="{FF2B5EF4-FFF2-40B4-BE49-F238E27FC236}">
-                <a16:creationId xmlns:a16="http://schemas.microsoft.com/office/drawing/2014/main" id="{59ECB3ED-F2D9-334F-8A12-1D77D3FE6C49}"/>
-              </a:ext>
-            </a:extLst>
-          </p:cNvPr>
-          <p:cNvSpPr>
-            <a:spLocks noGrp="1"/>
-          </p:cNvSpPr>
-          <p:nvPr>
-            <p:ph idx="1"/>
-          </p:nvPr>
-        </p:nvSpPr>
-        <p:spPr/>
-        <p:txBody>
-          <a:bodyPr>
-            <a:normAutofit/>
-          </a:bodyPr>
-          <a:lstStyle/>
-          <a:p>
-            <a:pPr>
-              <a:lnSpc>
-                <a:spcPct val="80000"/>
-              </a:lnSpc>
-              <a:buNone/>
-            </a:pPr>
-            <a:r>
-              <a:rPr lang="en-GB" altLang="it-IT" sz="2000" dirty="0">
-                <a:solidFill>
-                  <a:schemeClr val="accent6">
-                    <a:lumMod val="75000"/>
-                  </a:schemeClr>
-                </a:solidFill>
-                <a:latin typeface="Consolas" panose="020B0609020204030204" pitchFamily="49" charset="0"/>
-                <a:cs typeface="Consolas" panose="020B0609020204030204" pitchFamily="49" charset="0"/>
-              </a:rPr>
-              <a:t>for</a:t>
-            </a:r>
-            <a:r>
-              <a:rPr lang="en-GB" altLang="it-IT" sz="2000" dirty="0">
-                <a:latin typeface="Consolas" panose="020B0609020204030204" pitchFamily="49" charset="0"/>
-                <a:cs typeface="Consolas" panose="020B0609020204030204" pitchFamily="49" charset="0"/>
-              </a:rPr>
-              <a:t> </a:t>
-            </a:r>
-            <a:r>
-              <a:rPr lang="en-GB" altLang="it-IT" sz="2000" dirty="0" err="1">
-                <a:latin typeface="Consolas" panose="020B0609020204030204" pitchFamily="49" charset="0"/>
-                <a:cs typeface="Consolas" panose="020B0609020204030204" pitchFamily="49" charset="0"/>
-              </a:rPr>
-              <a:t>argomento</a:t>
-            </a:r>
-            <a:r>
-              <a:rPr lang="en-GB" altLang="it-IT" sz="2000" dirty="0">
-                <a:latin typeface="Consolas" panose="020B0609020204030204" pitchFamily="49" charset="0"/>
-                <a:cs typeface="Consolas" panose="020B0609020204030204" pitchFamily="49" charset="0"/>
-              </a:rPr>
-              <a:t> </a:t>
-            </a:r>
-            <a:r>
-              <a:rPr lang="en-GB" altLang="it-IT" sz="2000" dirty="0">
-                <a:solidFill>
-                  <a:schemeClr val="accent6">
-                    <a:lumMod val="75000"/>
-                  </a:schemeClr>
-                </a:solidFill>
-                <a:latin typeface="Consolas" panose="020B0609020204030204" pitchFamily="49" charset="0"/>
-                <a:cs typeface="Consolas" panose="020B0609020204030204" pitchFamily="49" charset="0"/>
-              </a:rPr>
-              <a:t>in</a:t>
-            </a:r>
-            <a:r>
-              <a:rPr lang="en-GB" altLang="it-IT" sz="2000" dirty="0">
-                <a:latin typeface="Consolas" panose="020B0609020204030204" pitchFamily="49" charset="0"/>
-                <a:cs typeface="Consolas" panose="020B0609020204030204" pitchFamily="49" charset="0"/>
-              </a:rPr>
-              <a:t> </a:t>
-            </a:r>
-            <a:r>
-              <a:rPr lang="en-GB" altLang="it-IT" sz="2000" dirty="0" err="1">
-                <a:latin typeface="Consolas" panose="020B0609020204030204" pitchFamily="49" charset="0"/>
-                <a:cs typeface="Consolas" panose="020B0609020204030204" pitchFamily="49" charset="0"/>
-              </a:rPr>
-              <a:t>lista</a:t>
-            </a:r>
-            <a:r>
-              <a:rPr lang="en-GB" altLang="it-IT" sz="2000" dirty="0">
-                <a:latin typeface="Consolas" panose="020B0609020204030204" pitchFamily="49" charset="0"/>
-                <a:cs typeface="Consolas" panose="020B0609020204030204" pitchFamily="49" charset="0"/>
-              </a:rPr>
-              <a:t>; </a:t>
-            </a:r>
-            <a:r>
-              <a:rPr lang="en-GB" altLang="it-IT" sz="2000" dirty="0">
-                <a:solidFill>
-                  <a:schemeClr val="accent6">
-                    <a:lumMod val="75000"/>
-                  </a:schemeClr>
-                </a:solidFill>
-                <a:latin typeface="Consolas" panose="020B0609020204030204" pitchFamily="49" charset="0"/>
-                <a:cs typeface="Consolas" panose="020B0609020204030204" pitchFamily="49" charset="0"/>
-              </a:rPr>
-              <a:t>do</a:t>
-            </a:r>
-          </a:p>
-          <a:p>
-            <a:pPr>
-              <a:lnSpc>
-                <a:spcPct val="80000"/>
-              </a:lnSpc>
-              <a:buNone/>
-            </a:pPr>
-            <a:r>
-              <a:rPr lang="en-GB" altLang="it-IT" sz="2000" dirty="0">
-                <a:latin typeface="Consolas" panose="020B0609020204030204" pitchFamily="49" charset="0"/>
-                <a:cs typeface="Consolas" panose="020B0609020204030204" pitchFamily="49" charset="0"/>
-              </a:rPr>
-              <a:t>	</a:t>
-            </a:r>
-            <a:r>
-              <a:rPr lang="en-GB" altLang="it-IT" sz="2000" dirty="0" err="1">
-                <a:latin typeface="Consolas" panose="020B0609020204030204" pitchFamily="49" charset="0"/>
-                <a:cs typeface="Consolas" panose="020B0609020204030204" pitchFamily="49" charset="0"/>
-              </a:rPr>
-              <a:t>comando</a:t>
-            </a:r>
-            <a:r>
-              <a:rPr lang="en-GB" altLang="it-IT" sz="2000" dirty="0">
-                <a:latin typeface="Consolas" panose="020B0609020204030204" pitchFamily="49" charset="0"/>
-                <a:cs typeface="Consolas" panose="020B0609020204030204" pitchFamily="49" charset="0"/>
-              </a:rPr>
-              <a:t>/</a:t>
-            </a:r>
-            <a:r>
-              <a:rPr lang="en-GB" altLang="it-IT" sz="2000" dirty="0" err="1">
-                <a:latin typeface="Consolas" panose="020B0609020204030204" pitchFamily="49" charset="0"/>
-                <a:cs typeface="Consolas" panose="020B0609020204030204" pitchFamily="49" charset="0"/>
-              </a:rPr>
-              <a:t>i</a:t>
-            </a:r>
-            <a:endParaRPr lang="en-GB" altLang="it-IT" sz="2000" dirty="0">
-              <a:latin typeface="Consolas" panose="020B0609020204030204" pitchFamily="49" charset="0"/>
-              <a:cs typeface="Consolas" panose="020B0609020204030204" pitchFamily="49" charset="0"/>
-            </a:endParaRPr>
-          </a:p>
-          <a:p>
-            <a:pPr>
-              <a:lnSpc>
-                <a:spcPct val="80000"/>
-              </a:lnSpc>
-              <a:buNone/>
-            </a:pPr>
-            <a:r>
-              <a:rPr lang="en-GB" altLang="it-IT" sz="2000" dirty="0">
-                <a:latin typeface="Consolas" panose="020B0609020204030204" pitchFamily="49" charset="0"/>
-                <a:cs typeface="Consolas" panose="020B0609020204030204" pitchFamily="49" charset="0"/>
-              </a:rPr>
-              <a:t>	...</a:t>
-            </a:r>
-          </a:p>
-          <a:p>
-            <a:pPr>
-              <a:lnSpc>
-                <a:spcPct val="80000"/>
-              </a:lnSpc>
-              <a:buNone/>
-            </a:pPr>
-            <a:r>
-              <a:rPr lang="en-GB" altLang="it-IT" sz="2000" dirty="0">
-                <a:solidFill>
-                  <a:schemeClr val="accent6">
-                    <a:lumMod val="75000"/>
-                  </a:schemeClr>
-                </a:solidFill>
-                <a:latin typeface="Consolas" panose="020B0609020204030204" pitchFamily="49" charset="0"/>
-                <a:cs typeface="Consolas" panose="020B0609020204030204" pitchFamily="49" charset="0"/>
-              </a:rPr>
-              <a:t>done</a:t>
-            </a:r>
-          </a:p>
-          <a:p>
-            <a:pPr>
-              <a:lnSpc>
-                <a:spcPct val="80000"/>
-              </a:lnSpc>
-              <a:buNone/>
-            </a:pPr>
-            <a:endParaRPr lang="en-GB" altLang="it-IT" sz="2000" dirty="0">
-              <a:solidFill>
-                <a:schemeClr val="accent6">
-                  <a:lumMod val="75000"/>
-                </a:schemeClr>
-              </a:solidFill>
-              <a:latin typeface="Consolas" panose="020B0609020204030204" pitchFamily="49" charset="0"/>
-              <a:cs typeface="Consolas" panose="020B0609020204030204" pitchFamily="49" charset="0"/>
-            </a:endParaRPr>
-          </a:p>
-          <a:p>
-            <a:pPr>
-              <a:lnSpc>
-                <a:spcPct val="80000"/>
-              </a:lnSpc>
-              <a:buNone/>
-            </a:pPr>
-            <a:r>
-              <a:rPr lang="en-GB" altLang="it-IT" sz="2000" dirty="0">
-                <a:latin typeface="Consolas" panose="020B0609020204030204" pitchFamily="49" charset="0"/>
-                <a:cs typeface="Consolas" panose="020B0609020204030204" pitchFamily="49" charset="0"/>
-              </a:rPr>
-              <a:t># </a:t>
-            </a:r>
-            <a:r>
-              <a:rPr lang="en-GB" altLang="it-IT" sz="2000" dirty="0" err="1">
-                <a:latin typeface="Consolas" panose="020B0609020204030204" pitchFamily="49" charset="0"/>
-                <a:cs typeface="Consolas" panose="020B0609020204030204" pitchFamily="49" charset="0"/>
-              </a:rPr>
-              <a:t>Esempio</a:t>
-            </a:r>
-            <a:r>
-              <a:rPr lang="en-GB" altLang="it-IT" sz="2000" dirty="0">
-                <a:latin typeface="Consolas" panose="020B0609020204030204" pitchFamily="49" charset="0"/>
-                <a:cs typeface="Consolas" panose="020B0609020204030204" pitchFamily="49" charset="0"/>
-              </a:rPr>
-              <a:t>: </a:t>
-            </a:r>
-            <a:r>
-              <a:rPr lang="en-GB" altLang="it-IT" sz="2000" dirty="0" err="1">
-                <a:latin typeface="Consolas" panose="020B0609020204030204" pitchFamily="49" charset="0"/>
-                <a:cs typeface="Consolas" panose="020B0609020204030204" pitchFamily="49" charset="0"/>
-              </a:rPr>
-              <a:t>tabellina</a:t>
-            </a:r>
-            <a:r>
-              <a:rPr lang="en-GB" altLang="it-IT" sz="2000" dirty="0">
-                <a:latin typeface="Consolas" panose="020B0609020204030204" pitchFamily="49" charset="0"/>
-                <a:cs typeface="Consolas" panose="020B0609020204030204" pitchFamily="49" charset="0"/>
-              </a:rPr>
-              <a:t> del 5</a:t>
-            </a:r>
-          </a:p>
-          <a:p>
-            <a:pPr>
-              <a:lnSpc>
-                <a:spcPct val="80000"/>
-              </a:lnSpc>
-              <a:buNone/>
-            </a:pPr>
-            <a:r>
-              <a:rPr lang="en-GB" altLang="it-IT" sz="2000" dirty="0">
-                <a:solidFill>
-                  <a:schemeClr val="accent6">
-                    <a:lumMod val="75000"/>
-                  </a:schemeClr>
-                </a:solidFill>
-                <a:latin typeface="Consolas" panose="020B0609020204030204" pitchFamily="49" charset="0"/>
-                <a:cs typeface="Consolas" panose="020B0609020204030204" pitchFamily="49" charset="0"/>
-              </a:rPr>
-              <a:t>for</a:t>
-            </a:r>
-            <a:r>
-              <a:rPr lang="en-GB" altLang="it-IT" sz="2000" dirty="0">
-                <a:latin typeface="Consolas" panose="020B0609020204030204" pitchFamily="49" charset="0"/>
-                <a:cs typeface="Consolas" panose="020B0609020204030204" pitchFamily="49" charset="0"/>
-              </a:rPr>
-              <a:t> </a:t>
-            </a:r>
-            <a:r>
-              <a:rPr lang="en-GB" altLang="it-IT" sz="2000" dirty="0" err="1">
-                <a:latin typeface="Consolas" panose="020B0609020204030204" pitchFamily="49" charset="0"/>
-                <a:cs typeface="Consolas" panose="020B0609020204030204" pitchFamily="49" charset="0"/>
-              </a:rPr>
-              <a:t>i</a:t>
-            </a:r>
-            <a:r>
-              <a:rPr lang="en-GB" altLang="it-IT" sz="2000" dirty="0">
-                <a:latin typeface="Consolas" panose="020B0609020204030204" pitchFamily="49" charset="0"/>
-                <a:cs typeface="Consolas" panose="020B0609020204030204" pitchFamily="49" charset="0"/>
-              </a:rPr>
-              <a:t> </a:t>
-            </a:r>
-            <a:r>
-              <a:rPr lang="en-GB" altLang="it-IT" sz="2000" dirty="0">
-                <a:solidFill>
-                  <a:schemeClr val="accent6">
-                    <a:lumMod val="75000"/>
-                  </a:schemeClr>
-                </a:solidFill>
-                <a:latin typeface="Consolas" panose="020B0609020204030204" pitchFamily="49" charset="0"/>
-                <a:cs typeface="Consolas" panose="020B0609020204030204" pitchFamily="49" charset="0"/>
-              </a:rPr>
-              <a:t>in</a:t>
-            </a:r>
-            <a:r>
-              <a:rPr lang="en-GB" altLang="it-IT" sz="2000" dirty="0">
-                <a:latin typeface="Consolas" panose="020B0609020204030204" pitchFamily="49" charset="0"/>
-                <a:cs typeface="Consolas" panose="020B0609020204030204" pitchFamily="49" charset="0"/>
-              </a:rPr>
-              <a:t> 1 2 3 4 5; </a:t>
-            </a:r>
-            <a:r>
-              <a:rPr lang="en-GB" altLang="it-IT" sz="2000" dirty="0">
-                <a:solidFill>
-                  <a:schemeClr val="accent6">
-                    <a:lumMod val="75000"/>
-                  </a:schemeClr>
-                </a:solidFill>
-                <a:latin typeface="Consolas" panose="020B0609020204030204" pitchFamily="49" charset="0"/>
-                <a:cs typeface="Consolas" panose="020B0609020204030204" pitchFamily="49" charset="0"/>
-              </a:rPr>
-              <a:t>do</a:t>
-            </a:r>
-          </a:p>
-          <a:p>
-            <a:pPr>
-              <a:lnSpc>
-                <a:spcPct val="80000"/>
-              </a:lnSpc>
-              <a:buNone/>
-            </a:pPr>
-            <a:r>
-              <a:rPr lang="en-GB" altLang="it-IT" sz="2000" dirty="0">
-                <a:latin typeface="Consolas" panose="020B0609020204030204" pitchFamily="49" charset="0"/>
-                <a:cs typeface="Consolas" panose="020B0609020204030204" pitchFamily="49" charset="0"/>
-              </a:rPr>
-              <a:t>  echo </a:t>
-            </a:r>
-            <a:r>
-              <a:rPr lang="en-GB" sz="2000" dirty="0">
-                <a:latin typeface="Consolas" panose="020B0609020204030204" pitchFamily="49" charset="0"/>
-                <a:cs typeface="Consolas" panose="020B0609020204030204" pitchFamily="49" charset="0"/>
-              </a:rPr>
-              <a:t>"</a:t>
-            </a:r>
-            <a:r>
-              <a:rPr lang="en-GB" altLang="it-IT" sz="2000" dirty="0">
-                <a:latin typeface="Consolas" panose="020B0609020204030204" pitchFamily="49" charset="0"/>
-                <a:cs typeface="Consolas" panose="020B0609020204030204" pitchFamily="49" charset="0"/>
-              </a:rPr>
-              <a:t>5 * $</a:t>
-            </a:r>
-            <a:r>
-              <a:rPr lang="en-GB" altLang="it-IT" sz="2000" dirty="0" err="1">
-                <a:latin typeface="Consolas" panose="020B0609020204030204" pitchFamily="49" charset="0"/>
-                <a:cs typeface="Consolas" panose="020B0609020204030204" pitchFamily="49" charset="0"/>
-              </a:rPr>
-              <a:t>i</a:t>
-            </a:r>
-            <a:r>
-              <a:rPr lang="en-GB" altLang="it-IT" sz="2000" dirty="0">
-                <a:latin typeface="Consolas" panose="020B0609020204030204" pitchFamily="49" charset="0"/>
-                <a:cs typeface="Consolas" panose="020B0609020204030204" pitchFamily="49" charset="0"/>
-              </a:rPr>
-              <a:t> = $(expr 5 \* $</a:t>
-            </a:r>
-            <a:r>
-              <a:rPr lang="en-GB" altLang="it-IT" sz="2000" dirty="0" err="1">
-                <a:latin typeface="Consolas" panose="020B0609020204030204" pitchFamily="49" charset="0"/>
-                <a:cs typeface="Consolas" panose="020B0609020204030204" pitchFamily="49" charset="0"/>
-              </a:rPr>
-              <a:t>i</a:t>
-            </a:r>
-            <a:r>
-              <a:rPr lang="en-GB" altLang="it-IT" sz="2000" dirty="0">
-                <a:latin typeface="Consolas" panose="020B0609020204030204" pitchFamily="49" charset="0"/>
-                <a:cs typeface="Consolas" panose="020B0609020204030204" pitchFamily="49" charset="0"/>
-              </a:rPr>
-              <a:t> )</a:t>
-            </a:r>
-            <a:r>
-              <a:rPr lang="en-GB" sz="2000" dirty="0">
-                <a:latin typeface="Consolas" panose="020B0609020204030204" pitchFamily="49" charset="0"/>
-                <a:cs typeface="Consolas" panose="020B0609020204030204" pitchFamily="49" charset="0"/>
-              </a:rPr>
-              <a:t>"</a:t>
-            </a:r>
-            <a:endParaRPr lang="en-GB" altLang="it-IT" sz="2000" dirty="0">
-              <a:latin typeface="Consolas" panose="020B0609020204030204" pitchFamily="49" charset="0"/>
-              <a:cs typeface="Consolas" panose="020B0609020204030204" pitchFamily="49" charset="0"/>
-            </a:endParaRPr>
-          </a:p>
-          <a:p>
-            <a:pPr>
-              <a:lnSpc>
-                <a:spcPct val="80000"/>
-              </a:lnSpc>
-              <a:buNone/>
-            </a:pPr>
-            <a:r>
-              <a:rPr lang="en-GB" altLang="it-IT" sz="2000" dirty="0">
-                <a:solidFill>
-                  <a:schemeClr val="accent6">
-                    <a:lumMod val="75000"/>
-                  </a:schemeClr>
-                </a:solidFill>
-                <a:latin typeface="Consolas" panose="020B0609020204030204" pitchFamily="49" charset="0"/>
-                <a:cs typeface="Consolas" panose="020B0609020204030204" pitchFamily="49" charset="0"/>
-              </a:rPr>
-              <a:t>done</a:t>
-            </a:r>
-          </a:p>
-          <a:p>
-            <a:pPr>
-              <a:lnSpc>
-                <a:spcPct val="80000"/>
-              </a:lnSpc>
-              <a:buNone/>
-            </a:pPr>
-            <a:endParaRPr lang="en-GB" altLang="it-IT" sz="2000" dirty="0">
-              <a:solidFill>
-                <a:schemeClr val="accent6">
-                  <a:lumMod val="75000"/>
-                </a:schemeClr>
-              </a:solidFill>
-              <a:latin typeface="Consolas" panose="020B0609020204030204" pitchFamily="49" charset="0"/>
-              <a:cs typeface="Consolas" panose="020B0609020204030204" pitchFamily="49" charset="0"/>
-            </a:endParaRPr>
-          </a:p>
-          <a:p>
-            <a:pPr>
-              <a:lnSpc>
-                <a:spcPct val="80000"/>
-              </a:lnSpc>
-              <a:buNone/>
-            </a:pPr>
-            <a:r>
-              <a:rPr lang="en-GB" altLang="it-IT" sz="2000" dirty="0">
-                <a:latin typeface="Consolas" panose="020B0609020204030204" pitchFamily="49" charset="0"/>
-                <a:cs typeface="Consolas" panose="020B0609020204030204" pitchFamily="49" charset="0"/>
-              </a:rPr>
-              <a:t># </a:t>
-            </a:r>
-            <a:r>
-              <a:rPr lang="en-GB" altLang="it-IT" sz="2000" dirty="0" err="1">
-                <a:latin typeface="Consolas" panose="020B0609020204030204" pitchFamily="49" charset="0"/>
-                <a:cs typeface="Consolas" panose="020B0609020204030204" pitchFamily="49" charset="0"/>
-              </a:rPr>
-              <a:t>Esempio</a:t>
-            </a:r>
-            <a:r>
-              <a:rPr lang="en-GB" altLang="it-IT" sz="2000" dirty="0">
-                <a:latin typeface="Consolas" panose="020B0609020204030204" pitchFamily="49" charset="0"/>
-                <a:cs typeface="Consolas" panose="020B0609020204030204" pitchFamily="49" charset="0"/>
-              </a:rPr>
-              <a:t>: </a:t>
-            </a:r>
-            <a:r>
-              <a:rPr lang="en-GB" altLang="it-IT" sz="2000" dirty="0" err="1">
-                <a:latin typeface="Consolas" panose="020B0609020204030204" pitchFamily="49" charset="0"/>
-                <a:cs typeface="Consolas" panose="020B0609020204030204" pitchFamily="49" charset="0"/>
-              </a:rPr>
-              <a:t>mostra</a:t>
-            </a:r>
-            <a:r>
-              <a:rPr lang="en-GB" altLang="it-IT" sz="2000" dirty="0">
-                <a:latin typeface="Consolas" panose="020B0609020204030204" pitchFamily="49" charset="0"/>
-                <a:cs typeface="Consolas" panose="020B0609020204030204" pitchFamily="49" charset="0"/>
-              </a:rPr>
-              <a:t> </a:t>
-            </a:r>
-            <a:r>
-              <a:rPr lang="en-GB" altLang="it-IT" sz="2000" dirty="0" err="1">
-                <a:latin typeface="Consolas" panose="020B0609020204030204" pitchFamily="49" charset="0"/>
-                <a:cs typeface="Consolas" panose="020B0609020204030204" pitchFamily="49" charset="0"/>
-              </a:rPr>
-              <a:t>i</a:t>
-            </a:r>
-            <a:r>
-              <a:rPr lang="en-GB" altLang="it-IT" sz="2000" dirty="0">
-                <a:latin typeface="Consolas" panose="020B0609020204030204" pitchFamily="49" charset="0"/>
-                <a:cs typeface="Consolas" panose="020B0609020204030204" pitchFamily="49" charset="0"/>
-              </a:rPr>
-              <a:t> </a:t>
-            </a:r>
-            <a:r>
-              <a:rPr lang="en-GB" altLang="it-IT" sz="2000" dirty="0" err="1">
-                <a:latin typeface="Consolas" panose="020B0609020204030204" pitchFamily="49" charset="0"/>
-                <a:cs typeface="Consolas" panose="020B0609020204030204" pitchFamily="49" charset="0"/>
-              </a:rPr>
-              <a:t>nomi</a:t>
-            </a:r>
-            <a:r>
-              <a:rPr lang="en-GB" altLang="it-IT" sz="2000" dirty="0">
-                <a:latin typeface="Consolas" panose="020B0609020204030204" pitchFamily="49" charset="0"/>
-                <a:cs typeface="Consolas" panose="020B0609020204030204" pitchFamily="49" charset="0"/>
-              </a:rPr>
-              <a:t> file in home directory</a:t>
-            </a:r>
-          </a:p>
-          <a:p>
-            <a:pPr>
-              <a:lnSpc>
-                <a:spcPct val="80000"/>
-              </a:lnSpc>
-              <a:buNone/>
-            </a:pPr>
-            <a:r>
-              <a:rPr lang="en-GB" altLang="it-IT" sz="2000" dirty="0">
-                <a:solidFill>
-                  <a:schemeClr val="accent6">
-                    <a:lumMod val="75000"/>
-                  </a:schemeClr>
-                </a:solidFill>
-                <a:latin typeface="Consolas" panose="020B0609020204030204" pitchFamily="49" charset="0"/>
-                <a:cs typeface="Consolas" panose="020B0609020204030204" pitchFamily="49" charset="0"/>
-              </a:rPr>
-              <a:t>for</a:t>
-            </a:r>
-            <a:r>
-              <a:rPr lang="en-GB" altLang="it-IT" sz="2000" dirty="0">
-                <a:latin typeface="Consolas" panose="020B0609020204030204" pitchFamily="49" charset="0"/>
-                <a:cs typeface="Consolas" panose="020B0609020204030204" pitchFamily="49" charset="0"/>
-              </a:rPr>
-              <a:t> </a:t>
-            </a:r>
-            <a:r>
-              <a:rPr lang="en-GB" altLang="it-IT" sz="2000" dirty="0" err="1">
-                <a:latin typeface="Consolas" panose="020B0609020204030204" pitchFamily="49" charset="0"/>
-                <a:cs typeface="Consolas" panose="020B0609020204030204" pitchFamily="49" charset="0"/>
-              </a:rPr>
-              <a:t>fname</a:t>
-            </a:r>
-            <a:r>
-              <a:rPr lang="en-GB" altLang="it-IT" sz="2000" dirty="0">
-                <a:latin typeface="Consolas" panose="020B0609020204030204" pitchFamily="49" charset="0"/>
-                <a:cs typeface="Consolas" panose="020B0609020204030204" pitchFamily="49" charset="0"/>
-              </a:rPr>
-              <a:t> </a:t>
-            </a:r>
-            <a:r>
-              <a:rPr lang="en-GB" altLang="it-IT" sz="2000" dirty="0">
-                <a:solidFill>
-                  <a:schemeClr val="accent6">
-                    <a:lumMod val="75000"/>
-                  </a:schemeClr>
-                </a:solidFill>
-                <a:latin typeface="Consolas" panose="020B0609020204030204" pitchFamily="49" charset="0"/>
-                <a:cs typeface="Consolas" panose="020B0609020204030204" pitchFamily="49" charset="0"/>
-              </a:rPr>
-              <a:t>in</a:t>
-            </a:r>
-            <a:r>
-              <a:rPr lang="en-GB" altLang="it-IT" sz="2000" dirty="0">
-                <a:latin typeface="Consolas" panose="020B0609020204030204" pitchFamily="49" charset="0"/>
-                <a:cs typeface="Consolas" panose="020B0609020204030204" pitchFamily="49" charset="0"/>
-              </a:rPr>
-              <a:t> </a:t>
-            </a:r>
-            <a:r>
-              <a:rPr lang="en-GB" sz="2000" dirty="0">
-                <a:latin typeface="Consolas" panose="020B0609020204030204" pitchFamily="49" charset="0"/>
-                <a:cs typeface="Consolas" panose="020B0609020204030204" pitchFamily="49" charset="0"/>
-              </a:rPr>
-              <a:t>"</a:t>
-            </a:r>
-            <a:r>
-              <a:rPr lang="en-GB" altLang="it-IT" sz="2000" dirty="0">
-                <a:latin typeface="Consolas" panose="020B0609020204030204" pitchFamily="49" charset="0"/>
-                <a:cs typeface="Consolas" panose="020B0609020204030204" pitchFamily="49" charset="0"/>
-              </a:rPr>
-              <a:t>$HOME</a:t>
-            </a:r>
-            <a:r>
-              <a:rPr lang="en-GB" sz="2000" dirty="0">
-                <a:latin typeface="Consolas" panose="020B0609020204030204" pitchFamily="49" charset="0"/>
-                <a:cs typeface="Consolas" panose="020B0609020204030204" pitchFamily="49" charset="0"/>
-              </a:rPr>
-              <a:t>"</a:t>
-            </a:r>
-            <a:r>
-              <a:rPr lang="en-GB" altLang="it-IT" sz="2000" dirty="0">
-                <a:latin typeface="Consolas" panose="020B0609020204030204" pitchFamily="49" charset="0"/>
-                <a:cs typeface="Consolas" panose="020B0609020204030204" pitchFamily="49" charset="0"/>
-              </a:rPr>
-              <a:t>/*; </a:t>
-            </a:r>
-            <a:r>
-              <a:rPr lang="en-GB" altLang="it-IT" sz="2000" dirty="0">
-                <a:solidFill>
-                  <a:schemeClr val="accent6">
-                    <a:lumMod val="75000"/>
-                  </a:schemeClr>
-                </a:solidFill>
-                <a:latin typeface="Consolas" panose="020B0609020204030204" pitchFamily="49" charset="0"/>
-                <a:cs typeface="Consolas" panose="020B0609020204030204" pitchFamily="49" charset="0"/>
-              </a:rPr>
-              <a:t>do</a:t>
-            </a:r>
-          </a:p>
-          <a:p>
-            <a:pPr>
-              <a:lnSpc>
-                <a:spcPct val="80000"/>
-              </a:lnSpc>
-              <a:buNone/>
-            </a:pPr>
-            <a:r>
-              <a:rPr lang="en-GB" altLang="it-IT" sz="2000" dirty="0">
-                <a:latin typeface="Consolas" panose="020B0609020204030204" pitchFamily="49" charset="0"/>
-                <a:cs typeface="Consolas" panose="020B0609020204030204" pitchFamily="49" charset="0"/>
-              </a:rPr>
-              <a:t>  echo </a:t>
-            </a:r>
-            <a:r>
-              <a:rPr lang="en-GB" sz="2000" dirty="0">
-                <a:latin typeface="Consolas" panose="020B0609020204030204" pitchFamily="49" charset="0"/>
-                <a:cs typeface="Consolas" panose="020B0609020204030204" pitchFamily="49" charset="0"/>
-              </a:rPr>
-              <a:t>"</a:t>
-            </a:r>
-            <a:r>
-              <a:rPr lang="en-GB" altLang="it-IT" sz="2000" dirty="0">
-                <a:latin typeface="Consolas" panose="020B0609020204030204" pitchFamily="49" charset="0"/>
-                <a:cs typeface="Consolas" panose="020B0609020204030204" pitchFamily="49" charset="0"/>
-              </a:rPr>
-              <a:t>$</a:t>
-            </a:r>
-            <a:r>
-              <a:rPr lang="en-GB" altLang="it-IT" sz="2000" dirty="0" err="1">
-                <a:latin typeface="Consolas" panose="020B0609020204030204" pitchFamily="49" charset="0"/>
-                <a:cs typeface="Consolas" panose="020B0609020204030204" pitchFamily="49" charset="0"/>
-              </a:rPr>
-              <a:t>fname</a:t>
-            </a:r>
-            <a:r>
-              <a:rPr lang="en-GB" sz="2000" dirty="0">
-                <a:latin typeface="Consolas" panose="020B0609020204030204" pitchFamily="49" charset="0"/>
-                <a:cs typeface="Consolas" panose="020B0609020204030204" pitchFamily="49" charset="0"/>
-              </a:rPr>
-              <a:t>"</a:t>
-            </a:r>
-            <a:endParaRPr lang="en-GB" altLang="it-IT" sz="2000" dirty="0">
-              <a:latin typeface="Consolas" panose="020B0609020204030204" pitchFamily="49" charset="0"/>
-              <a:cs typeface="Consolas" panose="020B0609020204030204" pitchFamily="49" charset="0"/>
-            </a:endParaRPr>
-          </a:p>
-          <a:p>
-            <a:pPr>
-              <a:lnSpc>
-                <a:spcPct val="80000"/>
-              </a:lnSpc>
-              <a:buNone/>
-            </a:pPr>
-            <a:r>
-              <a:rPr lang="en-GB" altLang="it-IT" sz="2000" dirty="0">
-                <a:solidFill>
-                  <a:schemeClr val="accent6">
-                    <a:lumMod val="75000"/>
-                  </a:schemeClr>
-                </a:solidFill>
-                <a:latin typeface="Consolas" panose="020B0609020204030204" pitchFamily="49" charset="0"/>
-                <a:cs typeface="Consolas" panose="020B0609020204030204" pitchFamily="49" charset="0"/>
-              </a:rPr>
-              <a:t>done</a:t>
-            </a:r>
-          </a:p>
-          <a:p>
-            <a:pPr>
-              <a:lnSpc>
-                <a:spcPct val="80000"/>
-              </a:lnSpc>
-              <a:buNone/>
-            </a:pPr>
-            <a:endParaRPr lang="en-GB" altLang="it-IT" sz="2000" dirty="0">
-              <a:solidFill>
-                <a:schemeClr val="accent6">
-                  <a:lumMod val="75000"/>
-                </a:schemeClr>
-              </a:solidFill>
-            </a:endParaRPr>
-          </a:p>
-          <a:p>
-            <a:pPr marL="0" indent="0">
-              <a:buNone/>
-            </a:pPr>
-            <a:endParaRPr lang="en-GB" altLang="it-IT" sz="2000" dirty="0"/>
-          </a:p>
-        </p:txBody>
-      </p:sp>
-      <p:sp>
-        <p:nvSpPr>
-          <p:cNvPr id="4" name="Slide Number Placeholder 3">
-            <a:extLst>
-              <a:ext uri="{FF2B5EF4-FFF2-40B4-BE49-F238E27FC236}">
-                <a16:creationId xmlns:a16="http://schemas.microsoft.com/office/drawing/2014/main" id="{9C8C06BC-E8BA-3E4B-B27F-A8D0ACCC3F50}"/>
-              </a:ext>
-            </a:extLst>
-          </p:cNvPr>
-          <p:cNvSpPr>
-            <a:spLocks noGrp="1"/>
-          </p:cNvSpPr>
-          <p:nvPr>
-            <p:ph type="sldNum" sz="quarter" idx="12"/>
-          </p:nvPr>
-        </p:nvSpPr>
-        <p:spPr/>
-        <p:txBody>
-          <a:bodyPr/>
-          <a:lstStyle/>
-          <a:p>
-            <a:fld id="{D2040F39-7941-49A4-B48D-F201B18B6351}" type="slidenum">
-              <a:rPr lang="it-IT" smtClean="0"/>
-              <a:pPr/>
-              <a:t>23</a:t>
-            </a:fld>
-            <a:endParaRPr lang="it-IT" dirty="0"/>
-          </a:p>
-        </p:txBody>
-      </p:sp>
-    </p:spTree>
-    <p:extLst>
-      <p:ext uri="{BB962C8B-B14F-4D97-AF65-F5344CB8AC3E}">
-        <p14:creationId xmlns:p14="http://schemas.microsoft.com/office/powerpoint/2010/main" val="224331487"/>
       </p:ext>
     </p:extLst>
   </p:cSld>
@@ -11848,7 +11421,7 @@
           <a:p>
             <a:r>
               <a:rPr lang="en-GB" dirty="0"/>
-              <a:t>while</a:t>
+              <a:t>for</a:t>
             </a:r>
           </a:p>
         </p:txBody>
@@ -11877,6 +11450,9 @@
           <a:lstStyle/>
           <a:p>
             <a:pPr>
+              <a:lnSpc>
+                <a:spcPct val="80000"/>
+              </a:lnSpc>
               <a:buNone/>
             </a:pPr>
             <a:r>
@@ -11889,7 +11465,7 @@
                 <a:latin typeface="Consolas" panose="020B0609020204030204" pitchFamily="49" charset="0"/>
                 <a:cs typeface="Consolas" panose="020B0609020204030204" pitchFamily="49" charset="0"/>
               </a:rPr>
-              <a:t>while</a:t>
+              <a:t>for</a:t>
             </a:r>
             <a:r>
               <a:rPr lang="en-GB" altLang="it-IT" sz="2000" dirty="0">
@@ -11903,13 +11479,46 @@
                 <a:latin typeface="Consolas" panose="020B0609020204030204" pitchFamily="49" charset="0"/>
                 <a:cs typeface="Consolas" panose="020B0609020204030204" pitchFamily="49" charset="0"/>
               </a:rPr>
-              <a:t>commando_esegue_con_successo</a:t>
+              <a:t>argomento</a:t>
             </a:r>
             <a:r>
               <a:rPr lang="en-GB" altLang="it-IT" sz="2000" dirty="0">
                 <a:latin typeface="Consolas" panose="020B0609020204030204" pitchFamily="49" charset="0"/>
                 <a:cs typeface="Consolas" panose="020B0609020204030204" pitchFamily="49" charset="0"/>
               </a:rPr>
+              <a:t> </a:t>
+            </a:r>
+            <a:r>
+              <a:rPr lang="en-GB" altLang="it-IT" sz="2000" dirty="0">
+                <a:solidFill>
+                  <a:schemeClr val="accent6">
+                    <a:lumMod val="75000"/>
+                  </a:schemeClr>
+                </a:solidFill>
+                <a:latin typeface="Consolas" panose="020B0609020204030204" pitchFamily="49" charset="0"/>
+                <a:cs typeface="Consolas" panose="020B0609020204030204" pitchFamily="49" charset="0"/>
+              </a:rPr>
+              <a:t>in</a:t>
+            </a:r>
+            <a:r>
+              <a:rPr lang="en-GB" altLang="it-IT" sz="2000" dirty="0">
+                <a:latin typeface="Consolas" panose="020B0609020204030204" pitchFamily="49" charset="0"/>
+                <a:cs typeface="Consolas" panose="020B0609020204030204" pitchFamily="49" charset="0"/>
+              </a:rPr>
+              <a:t> </a:t>
+            </a:r>
+            <a:r>
+              <a:rPr lang="en-GB" altLang="it-IT" sz="2000" dirty="0" err="1">
+                <a:latin typeface="Consolas" panose="020B0609020204030204" pitchFamily="49" charset="0"/>
+                <a:cs typeface="Consolas" panose="020B0609020204030204" pitchFamily="49" charset="0"/>
+              </a:rPr>
+              <a:t>lista</a:t>
+            </a:r>
+            <a:r>
+              <a:rPr lang="en-GB" altLang="it-IT" sz="2000" dirty="0">
+                <a:latin typeface="Consolas" panose="020B0609020204030204" pitchFamily="49" charset="0"/>
+                <a:cs typeface="Consolas" panose="020B0609020204030204" pitchFamily="49" charset="0"/>
+              </a:rPr>
               <a:t>; </a:t>
             </a:r>
             <a:r>
@@ -11927,6 +11536,9 @@
           </a:p>
           <a:p>
             <a:pPr>
+              <a:lnSpc>
+                <a:spcPct val="80000"/>
+              </a:lnSpc>
               <a:buNone/>
             </a:pPr>
             <a:r>
@@ -11964,6 +11576,9 @@
           </a:p>
           <a:p>
             <a:pPr>
+              <a:lnSpc>
+                <a:spcPct val="80000"/>
+              </a:lnSpc>
               <a:buNone/>
             </a:pPr>
             <a:r>
@@ -11971,11 +11586,14 @@
                 <a:latin typeface="Consolas" panose="020B0609020204030204" pitchFamily="49" charset="0"/>
                 <a:cs typeface="Consolas" panose="020B0609020204030204" pitchFamily="49" charset="0"/>
               </a:rPr>
-              <a:t>	…		</a:t>
+              <a:t>	...</a:t>
             </a:r>
           </a:p>
           <a:p>
             <a:pPr>
+              <a:lnSpc>
+                <a:spcPct val="80000"/>
+              </a:lnSpc>
               <a:buNone/>
             </a:pPr>
             <a:r>
@@ -11992,20 +11610,251 @@
             </a:r>
           </a:p>
           <a:p>
-            <a:pPr marL="0" indent="0">
-              <a:buNone/>
-            </a:pPr>
+            <a:pPr>
+              <a:lnSpc>
+                <a:spcPct val="80000"/>
+              </a:lnSpc>
+              <a:buNone/>
+            </a:pPr>
+            <a:endParaRPr lang="en-GB" altLang="it-IT" sz="2000" dirty="0">
+              <a:solidFill>
+                <a:schemeClr val="accent6">
+                  <a:lumMod val="75000"/>
+                </a:schemeClr>
+              </a:solidFill>
+              <a:latin typeface="Consolas" panose="020B0609020204030204" pitchFamily="49" charset="0"/>
+              <a:cs typeface="Consolas" panose="020B0609020204030204" pitchFamily="49" charset="0"/>
+            </a:endParaRPr>
+          </a:p>
+          <a:p>
+            <a:pPr>
+              <a:lnSpc>
+                <a:spcPct val="80000"/>
+              </a:lnSpc>
+              <a:buNone/>
+            </a:pPr>
+            <a:r>
+              <a:rPr lang="en-GB" altLang="it-IT" sz="2000" dirty="0">
+                <a:latin typeface="Consolas" panose="020B0609020204030204" pitchFamily="49" charset="0"/>
+                <a:cs typeface="Consolas" panose="020B0609020204030204" pitchFamily="49" charset="0"/>
+              </a:rPr>
+              <a:t># </a:t>
+            </a:r>
+            <a:r>
+              <a:rPr lang="en-GB" altLang="it-IT" sz="2000" dirty="0" err="1">
+                <a:latin typeface="Consolas" panose="020B0609020204030204" pitchFamily="49" charset="0"/>
+                <a:cs typeface="Consolas" panose="020B0609020204030204" pitchFamily="49" charset="0"/>
+              </a:rPr>
+              <a:t>Esempio</a:t>
+            </a:r>
+            <a:r>
+              <a:rPr lang="en-GB" altLang="it-IT" sz="2000" dirty="0">
+                <a:latin typeface="Consolas" panose="020B0609020204030204" pitchFamily="49" charset="0"/>
+                <a:cs typeface="Consolas" panose="020B0609020204030204" pitchFamily="49" charset="0"/>
+              </a:rPr>
+              <a:t>: </a:t>
+            </a:r>
+            <a:r>
+              <a:rPr lang="en-GB" altLang="it-IT" sz="2000" dirty="0" err="1">
+                <a:latin typeface="Consolas" panose="020B0609020204030204" pitchFamily="49" charset="0"/>
+                <a:cs typeface="Consolas" panose="020B0609020204030204" pitchFamily="49" charset="0"/>
+              </a:rPr>
+              <a:t>tabellina</a:t>
+            </a:r>
+            <a:r>
+              <a:rPr lang="en-GB" altLang="it-IT" sz="2000" dirty="0">
+                <a:latin typeface="Consolas" panose="020B0609020204030204" pitchFamily="49" charset="0"/>
+                <a:cs typeface="Consolas" panose="020B0609020204030204" pitchFamily="49" charset="0"/>
+              </a:rPr>
+              <a:t> del 5</a:t>
+            </a:r>
+          </a:p>
+          <a:p>
+            <a:pPr>
+              <a:lnSpc>
+                <a:spcPct val="80000"/>
+              </a:lnSpc>
+              <a:buNone/>
+            </a:pPr>
+            <a:r>
+              <a:rPr lang="en-GB" altLang="it-IT" sz="2000" dirty="0">
+                <a:solidFill>
+                  <a:schemeClr val="accent6">
+                    <a:lumMod val="75000"/>
+                  </a:schemeClr>
+                </a:solidFill>
+                <a:latin typeface="Consolas" panose="020B0609020204030204" pitchFamily="49" charset="0"/>
+                <a:cs typeface="Consolas" panose="020B0609020204030204" pitchFamily="49" charset="0"/>
+              </a:rPr>
+              <a:t>for</a:t>
+            </a:r>
+            <a:r>
+              <a:rPr lang="en-GB" altLang="it-IT" sz="2000" dirty="0">
+                <a:latin typeface="Consolas" panose="020B0609020204030204" pitchFamily="49" charset="0"/>
+                <a:cs typeface="Consolas" panose="020B0609020204030204" pitchFamily="49" charset="0"/>
+              </a:rPr>
+              <a:t> </a:t>
+            </a:r>
+            <a:r>
+              <a:rPr lang="en-GB" altLang="it-IT" sz="2000" dirty="0" err="1">
+                <a:latin typeface="Consolas" panose="020B0609020204030204" pitchFamily="49" charset="0"/>
+                <a:cs typeface="Consolas" panose="020B0609020204030204" pitchFamily="49" charset="0"/>
+              </a:rPr>
+              <a:t>i</a:t>
+            </a:r>
+            <a:r>
+              <a:rPr lang="en-GB" altLang="it-IT" sz="2000" dirty="0">
+                <a:latin typeface="Consolas" panose="020B0609020204030204" pitchFamily="49" charset="0"/>
+                <a:cs typeface="Consolas" panose="020B0609020204030204" pitchFamily="49" charset="0"/>
+              </a:rPr>
+              <a:t> </a:t>
+            </a:r>
+            <a:r>
+              <a:rPr lang="en-GB" altLang="it-IT" sz="2000" dirty="0">
+                <a:solidFill>
+                  <a:schemeClr val="accent6">
+                    <a:lumMod val="75000"/>
+                  </a:schemeClr>
+                </a:solidFill>
+                <a:latin typeface="Consolas" panose="020B0609020204030204" pitchFamily="49" charset="0"/>
+                <a:cs typeface="Consolas" panose="020B0609020204030204" pitchFamily="49" charset="0"/>
+              </a:rPr>
+              <a:t>in</a:t>
+            </a:r>
+            <a:r>
+              <a:rPr lang="en-GB" altLang="it-IT" sz="2000" dirty="0">
+                <a:latin typeface="Consolas" panose="020B0609020204030204" pitchFamily="49" charset="0"/>
+                <a:cs typeface="Consolas" panose="020B0609020204030204" pitchFamily="49" charset="0"/>
+              </a:rPr>
+              <a:t> 1 2 3 4 5; </a:t>
+            </a:r>
+            <a:r>
+              <a:rPr lang="en-GB" altLang="it-IT" sz="2000" dirty="0">
+                <a:solidFill>
+                  <a:schemeClr val="accent6">
+                    <a:lumMod val="75000"/>
+                  </a:schemeClr>
+                </a:solidFill>
+                <a:latin typeface="Consolas" panose="020B0609020204030204" pitchFamily="49" charset="0"/>
+                <a:cs typeface="Consolas" panose="020B0609020204030204" pitchFamily="49" charset="0"/>
+              </a:rPr>
+              <a:t>do</a:t>
+            </a:r>
+          </a:p>
+          <a:p>
+            <a:pPr>
+              <a:lnSpc>
+                <a:spcPct val="80000"/>
+              </a:lnSpc>
+              <a:buNone/>
+            </a:pPr>
+            <a:r>
+              <a:rPr lang="en-GB" altLang="it-IT" sz="2000" dirty="0">
+                <a:latin typeface="Consolas" panose="020B0609020204030204" pitchFamily="49" charset="0"/>
+                <a:cs typeface="Consolas" panose="020B0609020204030204" pitchFamily="49" charset="0"/>
+              </a:rPr>
+              <a:t>  echo </a:t>
+            </a:r>
+            <a:r>
+              <a:rPr lang="en-GB" sz="2000" dirty="0">
+                <a:latin typeface="Consolas" panose="020B0609020204030204" pitchFamily="49" charset="0"/>
+                <a:cs typeface="Consolas" panose="020B0609020204030204" pitchFamily="49" charset="0"/>
+              </a:rPr>
+              <a:t>"</a:t>
+            </a:r>
+            <a:r>
+              <a:rPr lang="en-GB" altLang="it-IT" sz="2000" dirty="0">
+                <a:latin typeface="Consolas" panose="020B0609020204030204" pitchFamily="49" charset="0"/>
+                <a:cs typeface="Consolas" panose="020B0609020204030204" pitchFamily="49" charset="0"/>
+              </a:rPr>
+              <a:t>5 * $</a:t>
+            </a:r>
+            <a:r>
+              <a:rPr lang="en-GB" altLang="it-IT" sz="2000" dirty="0" err="1">
+                <a:latin typeface="Consolas" panose="020B0609020204030204" pitchFamily="49" charset="0"/>
+                <a:cs typeface="Consolas" panose="020B0609020204030204" pitchFamily="49" charset="0"/>
+              </a:rPr>
+              <a:t>i</a:t>
+            </a:r>
+            <a:r>
+              <a:rPr lang="en-GB" altLang="it-IT" sz="2000" dirty="0">
+                <a:latin typeface="Consolas" panose="020B0609020204030204" pitchFamily="49" charset="0"/>
+                <a:cs typeface="Consolas" panose="020B0609020204030204" pitchFamily="49" charset="0"/>
+              </a:rPr>
+              <a:t> = $(expr 5 \* $</a:t>
+            </a:r>
+            <a:r>
+              <a:rPr lang="en-GB" altLang="it-IT" sz="2000" dirty="0" err="1">
+                <a:latin typeface="Consolas" panose="020B0609020204030204" pitchFamily="49" charset="0"/>
+                <a:cs typeface="Consolas" panose="020B0609020204030204" pitchFamily="49" charset="0"/>
+              </a:rPr>
+              <a:t>i</a:t>
+            </a:r>
+            <a:r>
+              <a:rPr lang="en-GB" altLang="it-IT" sz="2000" dirty="0">
+                <a:latin typeface="Consolas" panose="020B0609020204030204" pitchFamily="49" charset="0"/>
+                <a:cs typeface="Consolas" panose="020B0609020204030204" pitchFamily="49" charset="0"/>
+              </a:rPr>
+              <a:t> )</a:t>
+            </a:r>
+            <a:r>
+              <a:rPr lang="en-GB" sz="2000" dirty="0">
+                <a:latin typeface="Consolas" panose="020B0609020204030204" pitchFamily="49" charset="0"/>
+                <a:cs typeface="Consolas" panose="020B0609020204030204" pitchFamily="49" charset="0"/>
+              </a:rPr>
+              <a:t>"</a:t>
+            </a:r>
             <a:endParaRPr lang="en-GB" altLang="it-IT" sz="2000" dirty="0">
               <a:latin typeface="Consolas" panose="020B0609020204030204" pitchFamily="49" charset="0"/>
               <a:cs typeface="Consolas" panose="020B0609020204030204" pitchFamily="49" charset="0"/>
             </a:endParaRPr>
           </a:p>
           <a:p>
-            <a:pPr marL="0" indent="0">
+            <a:pPr>
+              <a:lnSpc>
+                <a:spcPct val="80000"/>
+              </a:lnSpc>
               <a:buNone/>
             </a:pPr>
             <a:r>
               <a:rPr lang="en-GB" altLang="it-IT" sz="2000" dirty="0">
+                <a:solidFill>
+                  <a:schemeClr val="accent6">
+                    <a:lumMod val="75000"/>
+                  </a:schemeClr>
+                </a:solidFill>
+                <a:latin typeface="Consolas" panose="020B0609020204030204" pitchFamily="49" charset="0"/>
+                <a:cs typeface="Consolas" panose="020B0609020204030204" pitchFamily="49" charset="0"/>
+              </a:rPr>
+              <a:t>done</a:t>
+            </a:r>
+          </a:p>
+          <a:p>
+            <a:pPr>
+              <a:lnSpc>
+                <a:spcPct val="80000"/>
+              </a:lnSpc>
+              <a:buNone/>
+            </a:pPr>
+            <a:endParaRPr lang="en-GB" altLang="it-IT" sz="2000" dirty="0">
+              <a:solidFill>
+                <a:schemeClr val="accent6">
+                  <a:lumMod val="75000"/>
+                </a:schemeClr>
+              </a:solidFill>
+              <a:latin typeface="Consolas" panose="020B0609020204030204" pitchFamily="49" charset="0"/>
+              <a:cs typeface="Consolas" panose="020B0609020204030204" pitchFamily="49" charset="0"/>
+            </a:endParaRPr>
+          </a:p>
+          <a:p>
+            <a:pPr>
+              <a:lnSpc>
+                <a:spcPct val="80000"/>
+              </a:lnSpc>
+              <a:buNone/>
+            </a:pPr>
+            <a:r>
+              <a:rPr lang="en-GB" altLang="it-IT" sz="2000" dirty="0">
                 <a:latin typeface="Consolas" panose="020B0609020204030204" pitchFamily="49" charset="0"/>
                 <a:cs typeface="Consolas" panose="020B0609020204030204" pitchFamily="49" charset="0"/>
               </a:rPr>
@@ -12030,7 +11879,185 @@
                 <a:latin typeface="Consolas" panose="020B0609020204030204" pitchFamily="49" charset="0"/>
                 <a:cs typeface="Consolas" panose="020B0609020204030204" pitchFamily="49" charset="0"/>
               </a:rPr>
-              <a:t>contatore</a:t>
+              <a:t>mostra</a:t>
+            </a:r>
+            <a:r>
+              <a:rPr lang="en-GB" altLang="it-IT" sz="2000" dirty="0">
+                <a:latin typeface="Consolas" panose="020B0609020204030204" pitchFamily="49" charset="0"/>
+                <a:cs typeface="Consolas" panose="020B0609020204030204" pitchFamily="49" charset="0"/>
+              </a:rPr>
+              <a:t> </a:t>
+            </a:r>
+            <a:r>
+              <a:rPr lang="en-GB" altLang="it-IT" sz="2000" dirty="0" err="1">
+                <a:latin typeface="Consolas" panose="020B0609020204030204" pitchFamily="49" charset="0"/>
+                <a:cs typeface="Consolas" panose="020B0609020204030204" pitchFamily="49" charset="0"/>
+              </a:rPr>
+              <a:t>i</a:t>
+            </a:r>
+            <a:r>
+              <a:rPr lang="en-GB" altLang="it-IT" sz="2000" dirty="0">
+                <a:latin typeface="Consolas" panose="020B0609020204030204" pitchFamily="49" charset="0"/>
+                <a:cs typeface="Consolas" panose="020B0609020204030204" pitchFamily="49" charset="0"/>
+              </a:rPr>
+              <a:t> </a:t>
+            </a:r>
+            <a:r>
+              <a:rPr lang="en-GB" altLang="it-IT" sz="2000" dirty="0" err="1">
+                <a:latin typeface="Consolas" panose="020B0609020204030204" pitchFamily="49" charset="0"/>
+                <a:cs typeface="Consolas" panose="020B0609020204030204" pitchFamily="49" charset="0"/>
+              </a:rPr>
+              <a:t>nomi</a:t>
+            </a:r>
+            <a:r>
+              <a:rPr lang="en-GB" altLang="it-IT" sz="2000" dirty="0">
+                <a:latin typeface="Consolas" panose="020B0609020204030204" pitchFamily="49" charset="0"/>
+                <a:cs typeface="Consolas" panose="020B0609020204030204" pitchFamily="49" charset="0"/>
+              </a:rPr>
+              <a:t> file in home directory</a:t>
+            </a:r>
+          </a:p>
+          <a:p>
+            <a:pPr>
+              <a:lnSpc>
+                <a:spcPct val="80000"/>
+              </a:lnSpc>
+              <a:buNone/>
+            </a:pPr>
+            <a:r>
+              <a:rPr lang="en-GB" altLang="it-IT" sz="2000" dirty="0">
+                <a:solidFill>
+                  <a:schemeClr val="accent6">
+                    <a:lumMod val="75000"/>
+                  </a:schemeClr>
+                </a:solidFill>
+                <a:latin typeface="Consolas" panose="020B0609020204030204" pitchFamily="49" charset="0"/>
+                <a:cs typeface="Consolas" panose="020B0609020204030204" pitchFamily="49" charset="0"/>
+              </a:rPr>
+              <a:t>for</a:t>
+            </a:r>
+            <a:r>
+              <a:rPr lang="en-GB" altLang="it-IT" sz="2000" dirty="0">
+                <a:latin typeface="Consolas" panose="020B0609020204030204" pitchFamily="49" charset="0"/>
+                <a:cs typeface="Consolas" panose="020B0609020204030204" pitchFamily="49" charset="0"/>
+              </a:rPr>
+              <a:t> </a:t>
+            </a:r>
+            <a:r>
+              <a:rPr lang="en-GB" altLang="it-IT" sz="2000" dirty="0" err="1">
+                <a:latin typeface="Consolas" panose="020B0609020204030204" pitchFamily="49" charset="0"/>
+                <a:cs typeface="Consolas" panose="020B0609020204030204" pitchFamily="49" charset="0"/>
+              </a:rPr>
+              <a:t>fname</a:t>
+            </a:r>
+            <a:r>
+              <a:rPr lang="en-GB" altLang="it-IT" sz="2000" dirty="0">
+                <a:latin typeface="Consolas" panose="020B0609020204030204" pitchFamily="49" charset="0"/>
+                <a:cs typeface="Consolas" panose="020B0609020204030204" pitchFamily="49" charset="0"/>
+              </a:rPr>
+              <a:t> </a:t>
+            </a:r>
+            <a:r>
+              <a:rPr lang="en-GB" altLang="it-IT" sz="2000" dirty="0">
+                <a:solidFill>
+                  <a:schemeClr val="accent6">
+                    <a:lumMod val="75000"/>
+                  </a:schemeClr>
+                </a:solidFill>
+                <a:latin typeface="Consolas" panose="020B0609020204030204" pitchFamily="49" charset="0"/>
+                <a:cs typeface="Consolas" panose="020B0609020204030204" pitchFamily="49" charset="0"/>
+              </a:rPr>
+              <a:t>in</a:t>
+            </a:r>
+            <a:r>
+              <a:rPr lang="en-GB" altLang="it-IT" sz="2000" dirty="0">
+                <a:latin typeface="Consolas" panose="020B0609020204030204" pitchFamily="49" charset="0"/>
+                <a:cs typeface="Consolas" panose="020B0609020204030204" pitchFamily="49" charset="0"/>
+              </a:rPr>
+              <a:t> </a:t>
+            </a:r>
+            <a:r>
+              <a:rPr lang="en-GB" sz="2000" dirty="0">
+                <a:latin typeface="Consolas" panose="020B0609020204030204" pitchFamily="49" charset="0"/>
+                <a:cs typeface="Consolas" panose="020B0609020204030204" pitchFamily="49" charset="0"/>
+              </a:rPr>
+              <a:t>"</a:t>
+            </a:r>
+            <a:r>
+              <a:rPr lang="en-GB" altLang="it-IT" sz="2000" dirty="0">
+                <a:latin typeface="Consolas" panose="020B0609020204030204" pitchFamily="49" charset="0"/>
+                <a:cs typeface="Consolas" panose="020B0609020204030204" pitchFamily="49" charset="0"/>
+              </a:rPr>
+              <a:t>$HOME</a:t>
+            </a:r>
+            <a:r>
+              <a:rPr lang="en-GB" sz="2000" dirty="0">
+                <a:latin typeface="Consolas" panose="020B0609020204030204" pitchFamily="49" charset="0"/>
+                <a:cs typeface="Consolas" panose="020B0609020204030204" pitchFamily="49" charset="0"/>
+              </a:rPr>
+              <a:t>"</a:t>
+            </a:r>
+            <a:r>
+              <a:rPr lang="en-GB" altLang="it-IT" sz="2000" dirty="0">
+                <a:latin typeface="Consolas" panose="020B0609020204030204" pitchFamily="49" charset="0"/>
+                <a:cs typeface="Consolas" panose="020B0609020204030204" pitchFamily="49" charset="0"/>
+              </a:rPr>
+              <a:t>/*; </a:t>
+            </a:r>
+            <a:r>
+              <a:rPr lang="en-GB" altLang="it-IT" sz="2000" dirty="0">
+                <a:solidFill>
+                  <a:schemeClr val="accent6">
+                    <a:lumMod val="75000"/>
+                  </a:schemeClr>
+                </a:solidFill>
+                <a:latin typeface="Consolas" panose="020B0609020204030204" pitchFamily="49" charset="0"/>
+                <a:cs typeface="Consolas" panose="020B0609020204030204" pitchFamily="49" charset="0"/>
+              </a:rPr>
+              <a:t>do</a:t>
+            </a:r>
+          </a:p>
+          <a:p>
+            <a:pPr>
+              <a:lnSpc>
+                <a:spcPct val="80000"/>
+              </a:lnSpc>
+              <a:buNone/>
+            </a:pPr>
+            <a:r>
+              <a:rPr lang="en-GB" altLang="it-IT" sz="2000" dirty="0">
+                <a:latin typeface="Consolas" panose="020B0609020204030204" pitchFamily="49" charset="0"/>
+                <a:cs typeface="Consolas" panose="020B0609020204030204" pitchFamily="49" charset="0"/>
+              </a:rPr>
+              <a:t>  echo </a:t>
+            </a:r>
+            <a:r>
+              <a:rPr lang="en-GB" sz="2000" dirty="0">
+                <a:latin typeface="Consolas" panose="020B0609020204030204" pitchFamily="49" charset="0"/>
+                <a:cs typeface="Consolas" panose="020B0609020204030204" pitchFamily="49" charset="0"/>
+              </a:rPr>
+              <a:t>"</a:t>
+            </a:r>
+            <a:r>
+              <a:rPr lang="en-GB" altLang="it-IT" sz="2000" dirty="0">
+                <a:latin typeface="Consolas" panose="020B0609020204030204" pitchFamily="49" charset="0"/>
+                <a:cs typeface="Consolas" panose="020B0609020204030204" pitchFamily="49" charset="0"/>
+              </a:rPr>
+              <a:t>$</a:t>
+            </a:r>
+            <a:r>
+              <a:rPr lang="en-GB" altLang="it-IT" sz="2000" dirty="0" err="1">
+                <a:latin typeface="Consolas" panose="020B0609020204030204" pitchFamily="49" charset="0"/>
+                <a:cs typeface="Consolas" panose="020B0609020204030204" pitchFamily="49" charset="0"/>
+              </a:rPr>
+              <a:t>fname</a:t>
+            </a:r>
+            <a:r>
+              <a:rPr lang="en-GB" sz="2000" dirty="0">
+                <a:latin typeface="Consolas" panose="020B0609020204030204" pitchFamily="49" charset="0"/>
+                <a:cs typeface="Consolas" panose="020B0609020204030204" pitchFamily="49" charset="0"/>
+              </a:rPr>
+              <a:t>"</a:t>
             </a:r>
             <a:endParaRPr lang="en-GB" altLang="it-IT" sz="2000" dirty="0">
               <a:latin typeface="Consolas" panose="020B0609020204030204" pitchFamily="49" charset="0"/>
@@ -12038,186 +12065,45 @@
             </a:endParaRPr>
           </a:p>
           <a:p>
-            <a:pPr marL="0" indent="0">
-              <a:buNone/>
-            </a:pPr>
-            <a:r>
-              <a:rPr lang="en-GB" altLang="it-IT" sz="2000" dirty="0" err="1">
-                <a:latin typeface="Consolas" panose="020B0609020204030204" pitchFamily="49" charset="0"/>
-                <a:cs typeface="Consolas" panose="020B0609020204030204" pitchFamily="49" charset="0"/>
-              </a:rPr>
-              <a:t>i</a:t>
-            </a:r>
+            <a:pPr>
+              <a:lnSpc>
+                <a:spcPct val="80000"/>
+              </a:lnSpc>
+              <a:buNone/>
+            </a:pPr>
             <a:r>
               <a:rPr lang="en-GB" altLang="it-IT" sz="2000" dirty="0">
-                <a:latin typeface="Consolas" panose="020B0609020204030204" pitchFamily="49" charset="0"/>
-                <a:cs typeface="Consolas" panose="020B0609020204030204" pitchFamily="49" charset="0"/>
-              </a:rPr>
-              <a:t>=10</a:t>
+                <a:solidFill>
+                  <a:schemeClr val="accent6">
+                    <a:lumMod val="75000"/>
+                  </a:schemeClr>
+                </a:solidFill>
+                <a:latin typeface="Consolas" panose="020B0609020204030204" pitchFamily="49" charset="0"/>
+                <a:cs typeface="Consolas" panose="020B0609020204030204" pitchFamily="49" charset="0"/>
+              </a:rPr>
+              <a:t>done</a:t>
             </a:r>
           </a:p>
           <a:p>
             <a:pPr>
-              <a:buNone/>
-            </a:pPr>
-            <a:r>
-              <a:rPr lang="en-GB" altLang="it-IT" sz="2000" dirty="0">
-                <a:solidFill>
-                  <a:schemeClr val="accent6">
-                    <a:lumMod val="75000"/>
-                  </a:schemeClr>
-                </a:solidFill>
-                <a:latin typeface="Consolas" panose="020B0609020204030204" pitchFamily="49" charset="0"/>
-                <a:cs typeface="Consolas" panose="020B0609020204030204" pitchFamily="49" charset="0"/>
-              </a:rPr>
-              <a:t>while</a:t>
-            </a:r>
-            <a:r>
-              <a:rPr lang="en-GB" altLang="it-IT" sz="2000" dirty="0">
-                <a:latin typeface="Consolas" panose="020B0609020204030204" pitchFamily="49" charset="0"/>
-                <a:cs typeface="Consolas" panose="020B0609020204030204" pitchFamily="49" charset="0"/>
-              </a:rPr>
-              <a:t> [ "$</a:t>
-            </a:r>
-            <a:r>
-              <a:rPr lang="en-GB" altLang="it-IT" sz="2000" dirty="0" err="1">
-                <a:latin typeface="Consolas" panose="020B0609020204030204" pitchFamily="49" charset="0"/>
-                <a:cs typeface="Consolas" panose="020B0609020204030204" pitchFamily="49" charset="0"/>
-              </a:rPr>
-              <a:t>i</a:t>
-            </a:r>
-            <a:r>
-              <a:rPr lang="en-GB" altLang="it-IT" sz="2000" dirty="0">
-                <a:latin typeface="Consolas" panose="020B0609020204030204" pitchFamily="49" charset="0"/>
-                <a:cs typeface="Consolas" panose="020B0609020204030204" pitchFamily="49" charset="0"/>
-              </a:rPr>
-              <a:t>" -</a:t>
-            </a:r>
-            <a:r>
-              <a:rPr lang="en-GB" altLang="it-IT" sz="2000" dirty="0" err="1">
-                <a:latin typeface="Consolas" panose="020B0609020204030204" pitchFamily="49" charset="0"/>
-                <a:cs typeface="Consolas" panose="020B0609020204030204" pitchFamily="49" charset="0"/>
-              </a:rPr>
-              <a:t>gt</a:t>
-            </a:r>
-            <a:r>
-              <a:rPr lang="en-GB" altLang="it-IT" sz="2000" dirty="0">
-                <a:latin typeface="Consolas" panose="020B0609020204030204" pitchFamily="49" charset="0"/>
-                <a:cs typeface="Consolas" panose="020B0609020204030204" pitchFamily="49" charset="0"/>
-              </a:rPr>
-              <a:t> 0 ]; </a:t>
-            </a:r>
-            <a:r>
-              <a:rPr lang="en-GB" altLang="it-IT" sz="2000" dirty="0">
-                <a:solidFill>
-                  <a:schemeClr val="accent6">
-                    <a:lumMod val="75000"/>
-                  </a:schemeClr>
-                </a:solidFill>
-                <a:latin typeface="Consolas" panose="020B0609020204030204" pitchFamily="49" charset="0"/>
-                <a:cs typeface="Consolas" panose="020B0609020204030204" pitchFamily="49" charset="0"/>
-              </a:rPr>
-              <a:t>do</a:t>
-            </a:r>
-            <a:r>
-              <a:rPr lang="en-GB" altLang="it-IT" sz="2000" dirty="0">
-                <a:latin typeface="Consolas" panose="020B0609020204030204" pitchFamily="49" charset="0"/>
-                <a:cs typeface="Consolas" panose="020B0609020204030204" pitchFamily="49" charset="0"/>
-              </a:rPr>
-              <a:t>	</a:t>
-            </a:r>
-          </a:p>
-          <a:p>
-            <a:pPr>
-              <a:buNone/>
-            </a:pPr>
-            <a:r>
-              <a:rPr lang="en-GB" altLang="it-IT" sz="2000" dirty="0">
-                <a:latin typeface="Consolas" panose="020B0609020204030204" pitchFamily="49" charset="0"/>
-                <a:cs typeface="Consolas" panose="020B0609020204030204" pitchFamily="49" charset="0"/>
-              </a:rPr>
-              <a:t>	echo $</a:t>
-            </a:r>
-            <a:r>
-              <a:rPr lang="en-GB" altLang="it-IT" sz="2000" dirty="0" err="1">
-                <a:latin typeface="Consolas" panose="020B0609020204030204" pitchFamily="49" charset="0"/>
-                <a:cs typeface="Consolas" panose="020B0609020204030204" pitchFamily="49" charset="0"/>
-              </a:rPr>
-              <a:t>i</a:t>
-            </a:r>
-            <a:r>
-              <a:rPr lang="en-GB" altLang="it-IT" sz="2000" dirty="0">
-                <a:latin typeface="Consolas" panose="020B0609020204030204" pitchFamily="49" charset="0"/>
-                <a:cs typeface="Consolas" panose="020B0609020204030204" pitchFamily="49" charset="0"/>
-              </a:rPr>
-              <a:t>	</a:t>
-            </a:r>
-          </a:p>
-          <a:p>
-            <a:pPr>
-              <a:buNone/>
-            </a:pPr>
-            <a:r>
-              <a:rPr lang="en-GB" altLang="it-IT" sz="2000" dirty="0">
-                <a:latin typeface="Consolas" panose="020B0609020204030204" pitchFamily="49" charset="0"/>
-                <a:cs typeface="Consolas" panose="020B0609020204030204" pitchFamily="49" charset="0"/>
-              </a:rPr>
-              <a:t>	</a:t>
-            </a:r>
-            <a:r>
-              <a:rPr lang="en-GB" altLang="it-IT" sz="2000" dirty="0" err="1">
-                <a:latin typeface="Consolas" panose="020B0609020204030204" pitchFamily="49" charset="0"/>
-                <a:cs typeface="Consolas" panose="020B0609020204030204" pitchFamily="49" charset="0"/>
-              </a:rPr>
-              <a:t>i</a:t>
-            </a:r>
-            <a:r>
-              <a:rPr lang="en-GB" altLang="it-IT" sz="2000" dirty="0">
-                <a:latin typeface="Consolas" panose="020B0609020204030204" pitchFamily="49" charset="0"/>
-                <a:cs typeface="Consolas" panose="020B0609020204030204" pitchFamily="49" charset="0"/>
-              </a:rPr>
-              <a:t>=$(expr $</a:t>
-            </a:r>
-            <a:r>
-              <a:rPr lang="en-GB" altLang="it-IT" sz="2000" dirty="0" err="1">
-                <a:latin typeface="Consolas" panose="020B0609020204030204" pitchFamily="49" charset="0"/>
-                <a:cs typeface="Consolas" panose="020B0609020204030204" pitchFamily="49" charset="0"/>
-              </a:rPr>
-              <a:t>i</a:t>
-            </a:r>
-            <a:r>
-              <a:rPr lang="en-GB" altLang="it-IT" sz="2000" dirty="0">
-                <a:latin typeface="Consolas" panose="020B0609020204030204" pitchFamily="49" charset="0"/>
-                <a:cs typeface="Consolas" panose="020B0609020204030204" pitchFamily="49" charset="0"/>
-              </a:rPr>
-              <a:t> – 1)</a:t>
-            </a:r>
-          </a:p>
-          <a:p>
-            <a:pPr>
-              <a:buNone/>
-            </a:pPr>
-            <a:r>
-              <a:rPr lang="en-GB" altLang="it-IT" sz="2000" dirty="0">
-                <a:solidFill>
-                  <a:schemeClr val="accent6">
-                    <a:lumMod val="75000"/>
-                  </a:schemeClr>
-                </a:solidFill>
-                <a:latin typeface="Consolas" panose="020B0609020204030204" pitchFamily="49" charset="0"/>
-                <a:cs typeface="Consolas" panose="020B0609020204030204" pitchFamily="49" charset="0"/>
-              </a:rPr>
-              <a:t>done</a:t>
-            </a:r>
-          </a:p>
-          <a:p>
-            <a:pPr marL="0" indent="0">
+              <a:lnSpc>
+                <a:spcPct val="80000"/>
+              </a:lnSpc>
               <a:buNone/>
             </a:pPr>
             <a:endParaRPr lang="en-GB" altLang="it-IT" sz="2000" dirty="0">
-              <a:latin typeface="Consolas" panose="020B0609020204030204" pitchFamily="49" charset="0"/>
-              <a:cs typeface="Consolas" panose="020B0609020204030204" pitchFamily="49" charset="0"/>
+              <a:solidFill>
+                <a:schemeClr val="accent6">
+                  <a:lumMod val="75000"/>
+                </a:schemeClr>
+              </a:solidFill>
             </a:endParaRPr>
+          </a:p>
+          <a:p>
+            <a:pPr marL="0" indent="0">
+              <a:buNone/>
+            </a:pPr>
+            <a:endParaRPr lang="en-GB" altLang="it-IT" sz="2000" dirty="0"/>
           </a:p>
         </p:txBody>
       </p:sp>
@@ -12254,7 +12140,7 @@
     </p:spTree>
     <p:extLst>
       <p:ext uri="{BB962C8B-B14F-4D97-AF65-F5344CB8AC3E}">
-        <p14:creationId xmlns:p14="http://schemas.microsoft.com/office/powerpoint/2010/main" val="1823812451"/>
+        <p14:creationId xmlns:p14="http://schemas.microsoft.com/office/powerpoint/2010/main" val="224331487"/>
       </p:ext>
     </p:extLst>
   </p:cSld>
@@ -12304,6 +12190,1201 @@
           <a:p>
             <a:r>
               <a:rPr lang="en-GB" dirty="0" err="1"/>
+              <a:t>seq</a:t>
+            </a:r>
+            <a:endParaRPr lang="en-GB" dirty="0"/>
+          </a:p>
+        </p:txBody>
+      </p:sp>
+      <p:sp>
+        <p:nvSpPr>
+          <p:cNvPr id="3" name="Content Placeholder 2">
+            <a:extLst>
+              <a:ext uri="{FF2B5EF4-FFF2-40B4-BE49-F238E27FC236}">
+                <a16:creationId xmlns:a16="http://schemas.microsoft.com/office/drawing/2014/main" id="{59ECB3ED-F2D9-334F-8A12-1D77D3FE6C49}"/>
+              </a:ext>
+            </a:extLst>
+          </p:cNvPr>
+          <p:cNvSpPr>
+            <a:spLocks noGrp="1"/>
+          </p:cNvSpPr>
+          <p:nvPr>
+            <p:ph idx="1"/>
+          </p:nvPr>
+        </p:nvSpPr>
+        <p:spPr/>
+        <p:txBody>
+          <a:bodyPr>
+            <a:normAutofit/>
+          </a:bodyPr>
+          <a:lstStyle/>
+          <a:p>
+            <a:pPr>
+              <a:lnSpc>
+                <a:spcPct val="80000"/>
+              </a:lnSpc>
+            </a:pPr>
+            <a:r>
+              <a:rPr lang="en-GB" altLang="it-IT" dirty="0">
+                <a:latin typeface="Calibri" panose="020F0502020204030204" pitchFamily="34" charset="0"/>
+                <a:cs typeface="Calibri" panose="020F0502020204030204" pitchFamily="34" charset="0"/>
+              </a:rPr>
+              <a:t>Per </a:t>
+            </a:r>
+            <a:r>
+              <a:rPr lang="en-GB" altLang="it-IT" dirty="0" err="1">
+                <a:latin typeface="Calibri" panose="020F0502020204030204" pitchFamily="34" charset="0"/>
+                <a:cs typeface="Calibri" panose="020F0502020204030204" pitchFamily="34" charset="0"/>
+              </a:rPr>
+              <a:t>iterare</a:t>
+            </a:r>
+            <a:r>
+              <a:rPr lang="en-GB" altLang="it-IT" dirty="0">
+                <a:latin typeface="Calibri" panose="020F0502020204030204" pitchFamily="34" charset="0"/>
+                <a:cs typeface="Calibri" panose="020F0502020204030204" pitchFamily="34" charset="0"/>
+              </a:rPr>
+              <a:t> </a:t>
+            </a:r>
+            <a:r>
+              <a:rPr lang="en-GB" altLang="it-IT" dirty="0" err="1">
+                <a:latin typeface="Calibri" panose="020F0502020204030204" pitchFamily="34" charset="0"/>
+                <a:cs typeface="Calibri" panose="020F0502020204030204" pitchFamily="34" charset="0"/>
+              </a:rPr>
+              <a:t>su</a:t>
+            </a:r>
+            <a:r>
+              <a:rPr lang="en-GB" altLang="it-IT" dirty="0">
+                <a:latin typeface="Calibri" panose="020F0502020204030204" pitchFamily="34" charset="0"/>
+                <a:cs typeface="Calibri" panose="020F0502020204030204" pitchFamily="34" charset="0"/>
+              </a:rPr>
+              <a:t> </a:t>
+            </a:r>
+            <a:r>
+              <a:rPr lang="en-GB" altLang="it-IT" dirty="0" err="1">
+                <a:latin typeface="Calibri" panose="020F0502020204030204" pitchFamily="34" charset="0"/>
+                <a:cs typeface="Calibri" panose="020F0502020204030204" pitchFamily="34" charset="0"/>
+              </a:rPr>
+              <a:t>indici</a:t>
+            </a:r>
+            <a:r>
+              <a:rPr lang="en-GB" altLang="it-IT" dirty="0">
+                <a:latin typeface="Calibri" panose="020F0502020204030204" pitchFamily="34" charset="0"/>
+                <a:cs typeface="Calibri" panose="020F0502020204030204" pitchFamily="34" charset="0"/>
+              </a:rPr>
+              <a:t>, e’ </a:t>
+            </a:r>
+            <a:r>
+              <a:rPr lang="en-GB" altLang="it-IT" dirty="0" err="1">
+                <a:latin typeface="Calibri" panose="020F0502020204030204" pitchFamily="34" charset="0"/>
+                <a:cs typeface="Calibri" panose="020F0502020204030204" pitchFamily="34" charset="0"/>
+              </a:rPr>
+              <a:t>possibile</a:t>
+            </a:r>
+            <a:r>
+              <a:rPr lang="en-GB" altLang="it-IT" dirty="0">
+                <a:latin typeface="Calibri" panose="020F0502020204030204" pitchFamily="34" charset="0"/>
+                <a:cs typeface="Calibri" panose="020F0502020204030204" pitchFamily="34" charset="0"/>
+              </a:rPr>
+              <a:t> </a:t>
+            </a:r>
+            <a:r>
+              <a:rPr lang="en-GB" altLang="it-IT" dirty="0" err="1">
+                <a:solidFill>
+                  <a:schemeClr val="accent6">
+                    <a:lumMod val="75000"/>
+                  </a:schemeClr>
+                </a:solidFill>
+                <a:latin typeface="Calibri" panose="020F0502020204030204" pitchFamily="34" charset="0"/>
+                <a:cs typeface="Calibri" panose="020F0502020204030204" pitchFamily="34" charset="0"/>
+              </a:rPr>
+              <a:t>generare</a:t>
+            </a:r>
+            <a:r>
+              <a:rPr lang="en-GB" altLang="it-IT" dirty="0">
+                <a:solidFill>
+                  <a:schemeClr val="accent6">
+                    <a:lumMod val="75000"/>
+                  </a:schemeClr>
+                </a:solidFill>
+                <a:latin typeface="Calibri" panose="020F0502020204030204" pitchFamily="34" charset="0"/>
+                <a:cs typeface="Calibri" panose="020F0502020204030204" pitchFamily="34" charset="0"/>
+              </a:rPr>
+              <a:t> </a:t>
+            </a:r>
+            <a:r>
+              <a:rPr lang="en-GB" altLang="it-IT" dirty="0" err="1">
+                <a:solidFill>
+                  <a:schemeClr val="accent6">
+                    <a:lumMod val="75000"/>
+                  </a:schemeClr>
+                </a:solidFill>
+                <a:latin typeface="Calibri" panose="020F0502020204030204" pitchFamily="34" charset="0"/>
+                <a:cs typeface="Calibri" panose="020F0502020204030204" pitchFamily="34" charset="0"/>
+              </a:rPr>
+              <a:t>una</a:t>
+            </a:r>
+            <a:r>
+              <a:rPr lang="en-GB" altLang="it-IT" dirty="0">
+                <a:solidFill>
+                  <a:schemeClr val="accent6">
+                    <a:lumMod val="75000"/>
+                  </a:schemeClr>
+                </a:solidFill>
+                <a:latin typeface="Calibri" panose="020F0502020204030204" pitchFamily="34" charset="0"/>
+                <a:cs typeface="Calibri" panose="020F0502020204030204" pitchFamily="34" charset="0"/>
+              </a:rPr>
+              <a:t> </a:t>
+            </a:r>
+            <a:r>
+              <a:rPr lang="en-GB" altLang="it-IT" dirty="0" err="1">
+                <a:solidFill>
+                  <a:schemeClr val="accent6">
+                    <a:lumMod val="75000"/>
+                  </a:schemeClr>
+                </a:solidFill>
+                <a:latin typeface="Calibri" panose="020F0502020204030204" pitchFamily="34" charset="0"/>
+                <a:cs typeface="Calibri" panose="020F0502020204030204" pitchFamily="34" charset="0"/>
+              </a:rPr>
+              <a:t>lista</a:t>
+            </a:r>
+            <a:r>
+              <a:rPr lang="en-GB" altLang="it-IT" dirty="0">
+                <a:solidFill>
+                  <a:schemeClr val="accent6">
+                    <a:lumMod val="75000"/>
+                  </a:schemeClr>
+                </a:solidFill>
+                <a:latin typeface="Calibri" panose="020F0502020204030204" pitchFamily="34" charset="0"/>
+                <a:cs typeface="Calibri" panose="020F0502020204030204" pitchFamily="34" charset="0"/>
+              </a:rPr>
+              <a:t> di </a:t>
+            </a:r>
+            <a:r>
+              <a:rPr lang="en-GB" altLang="it-IT" dirty="0" err="1">
+                <a:solidFill>
+                  <a:schemeClr val="accent6">
+                    <a:lumMod val="75000"/>
+                  </a:schemeClr>
+                </a:solidFill>
+                <a:latin typeface="Calibri" panose="020F0502020204030204" pitchFamily="34" charset="0"/>
+                <a:cs typeface="Calibri" panose="020F0502020204030204" pitchFamily="34" charset="0"/>
+              </a:rPr>
+              <a:t>indici</a:t>
+            </a:r>
+            <a:r>
+              <a:rPr lang="en-GB" altLang="it-IT" dirty="0">
+                <a:solidFill>
+                  <a:schemeClr val="accent6">
+                    <a:lumMod val="75000"/>
+                  </a:schemeClr>
+                </a:solidFill>
+                <a:latin typeface="Calibri" panose="020F0502020204030204" pitchFamily="34" charset="0"/>
+                <a:cs typeface="Calibri" panose="020F0502020204030204" pitchFamily="34" charset="0"/>
+              </a:rPr>
+              <a:t> </a:t>
+            </a:r>
+            <a:r>
+              <a:rPr lang="en-GB" altLang="it-IT" dirty="0" err="1">
+                <a:solidFill>
+                  <a:schemeClr val="accent6">
+                    <a:lumMod val="75000"/>
+                  </a:schemeClr>
+                </a:solidFill>
+                <a:latin typeface="Calibri" panose="020F0502020204030204" pitchFamily="34" charset="0"/>
+                <a:cs typeface="Calibri" panose="020F0502020204030204" pitchFamily="34" charset="0"/>
+              </a:rPr>
+              <a:t>validi</a:t>
+            </a:r>
+            <a:r>
+              <a:rPr lang="en-GB" altLang="it-IT" dirty="0">
+                <a:solidFill>
+                  <a:schemeClr val="accent6">
+                    <a:lumMod val="75000"/>
+                  </a:schemeClr>
+                </a:solidFill>
+                <a:latin typeface="Calibri" panose="020F0502020204030204" pitchFamily="34" charset="0"/>
+                <a:cs typeface="Calibri" panose="020F0502020204030204" pitchFamily="34" charset="0"/>
+              </a:rPr>
+              <a:t> da </a:t>
+            </a:r>
+            <a:r>
+              <a:rPr lang="en-GB" altLang="it-IT" dirty="0" err="1">
+                <a:solidFill>
+                  <a:schemeClr val="accent6">
+                    <a:lumMod val="75000"/>
+                  </a:schemeClr>
+                </a:solidFill>
+                <a:latin typeface="Calibri" panose="020F0502020204030204" pitchFamily="34" charset="0"/>
+                <a:cs typeface="Calibri" panose="020F0502020204030204" pitchFamily="34" charset="0"/>
+              </a:rPr>
+              <a:t>utilizzare</a:t>
+            </a:r>
+            <a:r>
+              <a:rPr lang="en-GB" altLang="it-IT" dirty="0">
+                <a:solidFill>
+                  <a:schemeClr val="accent6">
+                    <a:lumMod val="75000"/>
+                  </a:schemeClr>
+                </a:solidFill>
+                <a:latin typeface="Calibri" panose="020F0502020204030204" pitchFamily="34" charset="0"/>
+                <a:cs typeface="Calibri" panose="020F0502020204030204" pitchFamily="34" charset="0"/>
+              </a:rPr>
+              <a:t> con for </a:t>
+            </a:r>
+            <a:r>
+              <a:rPr lang="en-GB" altLang="it-IT" dirty="0" err="1">
+                <a:solidFill>
+                  <a:schemeClr val="accent6">
+                    <a:lumMod val="75000"/>
+                  </a:schemeClr>
+                </a:solidFill>
+                <a:latin typeface="Calibri" panose="020F0502020204030204" pitchFamily="34" charset="0"/>
+                <a:cs typeface="Calibri" panose="020F0502020204030204" pitchFamily="34" charset="0"/>
+              </a:rPr>
+              <a:t>utilizzando</a:t>
+            </a:r>
+            <a:r>
+              <a:rPr lang="en-GB" altLang="it-IT" dirty="0">
+                <a:solidFill>
+                  <a:schemeClr val="accent6">
+                    <a:lumMod val="75000"/>
+                  </a:schemeClr>
+                </a:solidFill>
+                <a:latin typeface="Calibri" panose="020F0502020204030204" pitchFamily="34" charset="0"/>
+                <a:cs typeface="Calibri" panose="020F0502020204030204" pitchFamily="34" charset="0"/>
+              </a:rPr>
+              <a:t> </a:t>
+            </a:r>
+            <a:r>
+              <a:rPr lang="en-GB" altLang="it-IT" dirty="0" err="1">
+                <a:solidFill>
+                  <a:schemeClr val="accent6">
+                    <a:lumMod val="75000"/>
+                  </a:schemeClr>
+                </a:solidFill>
+                <a:latin typeface="Calibri" panose="020F0502020204030204" pitchFamily="34" charset="0"/>
+                <a:cs typeface="Calibri" panose="020F0502020204030204" pitchFamily="34" charset="0"/>
+              </a:rPr>
+              <a:t>il</a:t>
+            </a:r>
+            <a:r>
+              <a:rPr lang="en-GB" altLang="it-IT" dirty="0">
+                <a:solidFill>
+                  <a:schemeClr val="accent6">
+                    <a:lumMod val="75000"/>
+                  </a:schemeClr>
+                </a:solidFill>
+                <a:latin typeface="Calibri" panose="020F0502020204030204" pitchFamily="34" charset="0"/>
+                <a:cs typeface="Calibri" panose="020F0502020204030204" pitchFamily="34" charset="0"/>
+              </a:rPr>
+              <a:t> commando seq.</a:t>
+            </a:r>
+          </a:p>
+          <a:p>
+            <a:pPr marL="0" indent="0">
+              <a:lnSpc>
+                <a:spcPct val="80000"/>
+              </a:lnSpc>
+              <a:buNone/>
+            </a:pPr>
+            <a:endParaRPr lang="en-GB" altLang="it-IT" sz="2000" dirty="0">
+              <a:latin typeface="Consolas" panose="020B0609020204030204" pitchFamily="49" charset="0"/>
+              <a:cs typeface="Consolas" panose="020B0609020204030204" pitchFamily="49" charset="0"/>
+            </a:endParaRPr>
+          </a:p>
+          <a:p>
+            <a:pPr>
+              <a:lnSpc>
+                <a:spcPct val="80000"/>
+              </a:lnSpc>
+              <a:buNone/>
+            </a:pPr>
+            <a:r>
+              <a:rPr lang="en-GB" altLang="it-IT" sz="2000" dirty="0">
+                <a:latin typeface="Consolas" panose="020B0609020204030204" pitchFamily="49" charset="0"/>
+                <a:cs typeface="Consolas" panose="020B0609020204030204" pitchFamily="49" charset="0"/>
+              </a:rPr>
+              <a:t>$ </a:t>
+            </a:r>
+            <a:r>
+              <a:rPr lang="en-GB" altLang="it-IT" sz="2000" dirty="0" err="1">
+                <a:latin typeface="Consolas" panose="020B0609020204030204" pitchFamily="49" charset="0"/>
+                <a:cs typeface="Consolas" panose="020B0609020204030204" pitchFamily="49" charset="0"/>
+              </a:rPr>
+              <a:t>seq</a:t>
+            </a:r>
+            <a:r>
+              <a:rPr lang="en-GB" altLang="it-IT" sz="2000" dirty="0">
+                <a:latin typeface="Consolas" panose="020B0609020204030204" pitchFamily="49" charset="0"/>
+                <a:cs typeface="Consolas" panose="020B0609020204030204" pitchFamily="49" charset="0"/>
+              </a:rPr>
+              <a:t> 1 5</a:t>
+            </a:r>
+          </a:p>
+          <a:p>
+            <a:pPr>
+              <a:lnSpc>
+                <a:spcPct val="80000"/>
+              </a:lnSpc>
+              <a:buNone/>
+            </a:pPr>
+            <a:r>
+              <a:rPr lang="en-GB" altLang="it-IT" sz="2000" dirty="0">
+                <a:latin typeface="Consolas" panose="020B0609020204030204" pitchFamily="49" charset="0"/>
+                <a:cs typeface="Consolas" panose="020B0609020204030204" pitchFamily="49" charset="0"/>
+              </a:rPr>
+              <a:t>1</a:t>
+            </a:r>
+          </a:p>
+          <a:p>
+            <a:pPr>
+              <a:lnSpc>
+                <a:spcPct val="80000"/>
+              </a:lnSpc>
+              <a:buNone/>
+            </a:pPr>
+            <a:r>
+              <a:rPr lang="en-GB" altLang="it-IT" sz="2000" dirty="0">
+                <a:latin typeface="Consolas" panose="020B0609020204030204" pitchFamily="49" charset="0"/>
+                <a:cs typeface="Consolas" panose="020B0609020204030204" pitchFamily="49" charset="0"/>
+              </a:rPr>
+              <a:t>2</a:t>
+            </a:r>
+          </a:p>
+          <a:p>
+            <a:pPr>
+              <a:lnSpc>
+                <a:spcPct val="80000"/>
+              </a:lnSpc>
+              <a:buNone/>
+            </a:pPr>
+            <a:r>
+              <a:rPr lang="en-GB" altLang="it-IT" sz="2000" dirty="0">
+                <a:latin typeface="Consolas" panose="020B0609020204030204" pitchFamily="49" charset="0"/>
+                <a:cs typeface="Consolas" panose="020B0609020204030204" pitchFamily="49" charset="0"/>
+              </a:rPr>
+              <a:t>3</a:t>
+            </a:r>
+          </a:p>
+          <a:p>
+            <a:pPr>
+              <a:lnSpc>
+                <a:spcPct val="80000"/>
+              </a:lnSpc>
+              <a:buNone/>
+            </a:pPr>
+            <a:r>
+              <a:rPr lang="en-GB" altLang="it-IT" sz="2000" dirty="0">
+                <a:latin typeface="Consolas" panose="020B0609020204030204" pitchFamily="49" charset="0"/>
+                <a:cs typeface="Consolas" panose="020B0609020204030204" pitchFamily="49" charset="0"/>
+              </a:rPr>
+              <a:t>4</a:t>
+            </a:r>
+          </a:p>
+          <a:p>
+            <a:pPr>
+              <a:lnSpc>
+                <a:spcPct val="80000"/>
+              </a:lnSpc>
+              <a:buNone/>
+            </a:pPr>
+            <a:r>
+              <a:rPr lang="en-GB" altLang="it-IT" sz="2000" dirty="0">
+                <a:latin typeface="Consolas" panose="020B0609020204030204" pitchFamily="49" charset="0"/>
+                <a:cs typeface="Consolas" panose="020B0609020204030204" pitchFamily="49" charset="0"/>
+              </a:rPr>
+              <a:t>5</a:t>
+            </a:r>
+          </a:p>
+          <a:p>
+            <a:pPr>
+              <a:lnSpc>
+                <a:spcPct val="80000"/>
+              </a:lnSpc>
+              <a:buNone/>
+            </a:pPr>
+            <a:endParaRPr lang="en-GB" altLang="it-IT" sz="2000" dirty="0">
+              <a:latin typeface="Consolas" panose="020B0609020204030204" pitchFamily="49" charset="0"/>
+              <a:cs typeface="Consolas" panose="020B0609020204030204" pitchFamily="49" charset="0"/>
+            </a:endParaRPr>
+          </a:p>
+          <a:p>
+            <a:pPr>
+              <a:lnSpc>
+                <a:spcPct val="80000"/>
+              </a:lnSpc>
+              <a:buNone/>
+            </a:pPr>
+            <a:r>
+              <a:rPr lang="en-GB" altLang="it-IT" sz="2000" dirty="0">
+                <a:latin typeface="Consolas" panose="020B0609020204030204" pitchFamily="49" charset="0"/>
+                <a:cs typeface="Consolas" panose="020B0609020204030204" pitchFamily="49" charset="0"/>
+              </a:rPr>
+              <a:t># </a:t>
+            </a:r>
+            <a:r>
+              <a:rPr lang="en-GB" altLang="it-IT" sz="2000" dirty="0" err="1">
+                <a:latin typeface="Consolas" panose="020B0609020204030204" pitchFamily="49" charset="0"/>
+                <a:cs typeface="Consolas" panose="020B0609020204030204" pitchFamily="49" charset="0"/>
+              </a:rPr>
+              <a:t>Esempio</a:t>
+            </a:r>
+            <a:r>
+              <a:rPr lang="en-GB" altLang="it-IT" sz="2000" dirty="0">
+                <a:latin typeface="Consolas" panose="020B0609020204030204" pitchFamily="49" charset="0"/>
+                <a:cs typeface="Consolas" panose="020B0609020204030204" pitchFamily="49" charset="0"/>
+              </a:rPr>
+              <a:t>: </a:t>
+            </a:r>
+            <a:r>
+              <a:rPr lang="en-GB" altLang="it-IT" sz="2000" dirty="0" err="1">
+                <a:latin typeface="Consolas" panose="020B0609020204030204" pitchFamily="49" charset="0"/>
+                <a:cs typeface="Consolas" panose="020B0609020204030204" pitchFamily="49" charset="0"/>
+              </a:rPr>
+              <a:t>tabellina</a:t>
+            </a:r>
+            <a:r>
+              <a:rPr lang="en-GB" altLang="it-IT" sz="2000" dirty="0">
+                <a:latin typeface="Consolas" panose="020B0609020204030204" pitchFamily="49" charset="0"/>
+                <a:cs typeface="Consolas" panose="020B0609020204030204" pitchFamily="49" charset="0"/>
+              </a:rPr>
+              <a:t> del 5</a:t>
+            </a:r>
+          </a:p>
+          <a:p>
+            <a:pPr>
+              <a:lnSpc>
+                <a:spcPct val="80000"/>
+              </a:lnSpc>
+              <a:buNone/>
+            </a:pPr>
+            <a:r>
+              <a:rPr lang="en-GB" altLang="it-IT" sz="2000" dirty="0">
+                <a:latin typeface="Consolas" panose="020B0609020204030204" pitchFamily="49" charset="0"/>
+                <a:cs typeface="Consolas" panose="020B0609020204030204" pitchFamily="49" charset="0"/>
+              </a:rPr>
+              <a:t>for </a:t>
+            </a:r>
+            <a:r>
+              <a:rPr lang="en-GB" altLang="it-IT" sz="2000" dirty="0" err="1">
+                <a:latin typeface="Consolas" panose="020B0609020204030204" pitchFamily="49" charset="0"/>
+                <a:cs typeface="Consolas" panose="020B0609020204030204" pitchFamily="49" charset="0"/>
+              </a:rPr>
+              <a:t>i</a:t>
+            </a:r>
+            <a:r>
+              <a:rPr lang="en-GB" altLang="it-IT" sz="2000" dirty="0">
+                <a:latin typeface="Consolas" panose="020B0609020204030204" pitchFamily="49" charset="0"/>
+                <a:cs typeface="Consolas" panose="020B0609020204030204" pitchFamily="49" charset="0"/>
+              </a:rPr>
+              <a:t> in </a:t>
+            </a:r>
+            <a:r>
+              <a:rPr lang="en-GB" altLang="it-IT" sz="2000" dirty="0">
+                <a:solidFill>
+                  <a:schemeClr val="accent6">
+                    <a:lumMod val="75000"/>
+                  </a:schemeClr>
+                </a:solidFill>
+                <a:latin typeface="Consolas" panose="020B0609020204030204" pitchFamily="49" charset="0"/>
+                <a:cs typeface="Consolas" panose="020B0609020204030204" pitchFamily="49" charset="0"/>
+              </a:rPr>
+              <a:t>$(</a:t>
+            </a:r>
+            <a:r>
+              <a:rPr lang="en-GB" altLang="it-IT" sz="2000" dirty="0" err="1">
+                <a:solidFill>
+                  <a:schemeClr val="accent6">
+                    <a:lumMod val="75000"/>
+                  </a:schemeClr>
+                </a:solidFill>
+                <a:latin typeface="Consolas" panose="020B0609020204030204" pitchFamily="49" charset="0"/>
+                <a:cs typeface="Consolas" panose="020B0609020204030204" pitchFamily="49" charset="0"/>
+              </a:rPr>
+              <a:t>seq</a:t>
+            </a:r>
+            <a:r>
+              <a:rPr lang="en-GB" altLang="it-IT" sz="2000" dirty="0">
+                <a:solidFill>
+                  <a:schemeClr val="accent6">
+                    <a:lumMod val="75000"/>
+                  </a:schemeClr>
+                </a:solidFill>
+                <a:latin typeface="Consolas" panose="020B0609020204030204" pitchFamily="49" charset="0"/>
+                <a:cs typeface="Consolas" panose="020B0609020204030204" pitchFamily="49" charset="0"/>
+              </a:rPr>
+              <a:t> 1 5); </a:t>
+            </a:r>
+            <a:r>
+              <a:rPr lang="en-GB" altLang="it-IT" sz="2000" dirty="0">
+                <a:latin typeface="Consolas" panose="020B0609020204030204" pitchFamily="49" charset="0"/>
+                <a:cs typeface="Consolas" panose="020B0609020204030204" pitchFamily="49" charset="0"/>
+              </a:rPr>
+              <a:t>do</a:t>
+            </a:r>
+          </a:p>
+          <a:p>
+            <a:pPr>
+              <a:lnSpc>
+                <a:spcPct val="80000"/>
+              </a:lnSpc>
+              <a:buNone/>
+            </a:pPr>
+            <a:r>
+              <a:rPr lang="en-GB" altLang="it-IT" sz="2000" dirty="0">
+                <a:latin typeface="Consolas" panose="020B0609020204030204" pitchFamily="49" charset="0"/>
+                <a:cs typeface="Consolas" panose="020B0609020204030204" pitchFamily="49" charset="0"/>
+              </a:rPr>
+              <a:t>  echo </a:t>
+            </a:r>
+            <a:r>
+              <a:rPr lang="en-GB" sz="2000" dirty="0">
+                <a:latin typeface="Consolas" panose="020B0609020204030204" pitchFamily="49" charset="0"/>
+                <a:cs typeface="Consolas" panose="020B0609020204030204" pitchFamily="49" charset="0"/>
+              </a:rPr>
+              <a:t>"</a:t>
+            </a:r>
+            <a:r>
+              <a:rPr lang="en-GB" altLang="it-IT" sz="2000" dirty="0">
+                <a:latin typeface="Consolas" panose="020B0609020204030204" pitchFamily="49" charset="0"/>
+                <a:cs typeface="Consolas" panose="020B0609020204030204" pitchFamily="49" charset="0"/>
+              </a:rPr>
+              <a:t>5 * $</a:t>
+            </a:r>
+            <a:r>
+              <a:rPr lang="en-GB" altLang="it-IT" sz="2000" dirty="0" err="1">
+                <a:latin typeface="Consolas" panose="020B0609020204030204" pitchFamily="49" charset="0"/>
+                <a:cs typeface="Consolas" panose="020B0609020204030204" pitchFamily="49" charset="0"/>
+              </a:rPr>
+              <a:t>i</a:t>
+            </a:r>
+            <a:r>
+              <a:rPr lang="en-GB" altLang="it-IT" sz="2000" dirty="0">
+                <a:latin typeface="Consolas" panose="020B0609020204030204" pitchFamily="49" charset="0"/>
+                <a:cs typeface="Consolas" panose="020B0609020204030204" pitchFamily="49" charset="0"/>
+              </a:rPr>
+              <a:t> = $(expr 5 \* $</a:t>
+            </a:r>
+            <a:r>
+              <a:rPr lang="en-GB" altLang="it-IT" sz="2000" dirty="0" err="1">
+                <a:latin typeface="Consolas" panose="020B0609020204030204" pitchFamily="49" charset="0"/>
+                <a:cs typeface="Consolas" panose="020B0609020204030204" pitchFamily="49" charset="0"/>
+              </a:rPr>
+              <a:t>i</a:t>
+            </a:r>
+            <a:r>
+              <a:rPr lang="en-GB" altLang="it-IT" sz="2000" dirty="0">
+                <a:latin typeface="Consolas" panose="020B0609020204030204" pitchFamily="49" charset="0"/>
+                <a:cs typeface="Consolas" panose="020B0609020204030204" pitchFamily="49" charset="0"/>
+              </a:rPr>
+              <a:t> )</a:t>
+            </a:r>
+            <a:r>
+              <a:rPr lang="en-GB" sz="2000" dirty="0">
+                <a:latin typeface="Consolas" panose="020B0609020204030204" pitchFamily="49" charset="0"/>
+                <a:cs typeface="Consolas" panose="020B0609020204030204" pitchFamily="49" charset="0"/>
+              </a:rPr>
+              <a:t>"</a:t>
+            </a:r>
+            <a:endParaRPr lang="en-GB" altLang="it-IT" sz="2000" dirty="0">
+              <a:latin typeface="Consolas" panose="020B0609020204030204" pitchFamily="49" charset="0"/>
+              <a:cs typeface="Consolas" panose="020B0609020204030204" pitchFamily="49" charset="0"/>
+            </a:endParaRPr>
+          </a:p>
+          <a:p>
+            <a:pPr>
+              <a:lnSpc>
+                <a:spcPct val="80000"/>
+              </a:lnSpc>
+              <a:buNone/>
+            </a:pPr>
+            <a:r>
+              <a:rPr lang="en-GB" altLang="it-IT" sz="2000" dirty="0">
+                <a:latin typeface="Consolas" panose="020B0609020204030204" pitchFamily="49" charset="0"/>
+                <a:cs typeface="Consolas" panose="020B0609020204030204" pitchFamily="49" charset="0"/>
+              </a:rPr>
+              <a:t>done</a:t>
+            </a:r>
+          </a:p>
+          <a:p>
+            <a:pPr>
+              <a:lnSpc>
+                <a:spcPct val="80000"/>
+              </a:lnSpc>
+              <a:buNone/>
+            </a:pPr>
+            <a:endParaRPr lang="en-GB" altLang="it-IT" sz="2000" dirty="0">
+              <a:solidFill>
+                <a:schemeClr val="accent6">
+                  <a:lumMod val="75000"/>
+                </a:schemeClr>
+              </a:solidFill>
+              <a:latin typeface="Consolas" panose="020B0609020204030204" pitchFamily="49" charset="0"/>
+              <a:cs typeface="Consolas" panose="020B0609020204030204" pitchFamily="49" charset="0"/>
+            </a:endParaRPr>
+          </a:p>
+          <a:p>
+            <a:pPr>
+              <a:lnSpc>
+                <a:spcPct val="80000"/>
+              </a:lnSpc>
+              <a:buNone/>
+            </a:pPr>
+            <a:endParaRPr lang="en-GB" altLang="it-IT" sz="2000" dirty="0">
+              <a:solidFill>
+                <a:schemeClr val="accent6">
+                  <a:lumMod val="75000"/>
+                </a:schemeClr>
+              </a:solidFill>
+            </a:endParaRPr>
+          </a:p>
+          <a:p>
+            <a:pPr marL="0" indent="0">
+              <a:buNone/>
+            </a:pPr>
+            <a:endParaRPr lang="en-GB" altLang="it-IT" sz="2000" dirty="0"/>
+          </a:p>
+        </p:txBody>
+      </p:sp>
+      <p:sp>
+        <p:nvSpPr>
+          <p:cNvPr id="4" name="Slide Number Placeholder 3">
+            <a:extLst>
+              <a:ext uri="{FF2B5EF4-FFF2-40B4-BE49-F238E27FC236}">
+                <a16:creationId xmlns:a16="http://schemas.microsoft.com/office/drawing/2014/main" id="{9C8C06BC-E8BA-3E4B-B27F-A8D0ACCC3F50}"/>
+              </a:ext>
+            </a:extLst>
+          </p:cNvPr>
+          <p:cNvSpPr>
+            <a:spLocks noGrp="1"/>
+          </p:cNvSpPr>
+          <p:nvPr>
+            <p:ph type="sldNum" sz="quarter" idx="12"/>
+          </p:nvPr>
+        </p:nvSpPr>
+        <p:spPr/>
+        <p:txBody>
+          <a:bodyPr/>
+          <a:lstStyle/>
+          <a:p>
+            <a:fld id="{D2040F39-7941-49A4-B48D-F201B18B6351}" type="slidenum">
+              <a:rPr lang="it-IT" smtClean="0"/>
+              <a:pPr/>
+              <a:t>25</a:t>
+            </a:fld>
+            <a:endParaRPr lang="it-IT" dirty="0"/>
+          </a:p>
+        </p:txBody>
+      </p:sp>
+    </p:spTree>
+    <p:extLst>
+      <p:ext uri="{BB962C8B-B14F-4D97-AF65-F5344CB8AC3E}">
+        <p14:creationId xmlns:p14="http://schemas.microsoft.com/office/powerpoint/2010/main" val="478630525"/>
+      </p:ext>
+    </p:extLst>
+  </p:cSld>
+  <p:clrMapOvr>
+    <a:masterClrMapping/>
+  </p:clrMapOvr>
+</p:sld>
+</file>
+
+<file path=ppt/slides/slide26.xml><?xml version="1.0" encoding="utf-8"?>
+<p:sld xmlns:a="http://schemas.openxmlformats.org/drawingml/2006/main" xmlns:r="http://schemas.openxmlformats.org/officeDocument/2006/relationships" xmlns:p="http://schemas.openxmlformats.org/presentationml/2006/main">
+  <p:cSld>
+    <p:spTree>
+      <p:nvGrpSpPr>
+        <p:cNvPr id="1" name=""/>
+        <p:cNvGrpSpPr/>
+        <p:nvPr/>
+      </p:nvGrpSpPr>
+      <p:grpSpPr>
+        <a:xfrm>
+          <a:off x="0" y="0"/>
+          <a:ext cx="0" cy="0"/>
+          <a:chOff x="0" y="0"/>
+          <a:chExt cx="0" cy="0"/>
+        </a:xfrm>
+      </p:grpSpPr>
+      <p:sp>
+        <p:nvSpPr>
+          <p:cNvPr id="2" name="Title 1">
+            <a:extLst>
+              <a:ext uri="{FF2B5EF4-FFF2-40B4-BE49-F238E27FC236}">
+                <a16:creationId xmlns:a16="http://schemas.microsoft.com/office/drawing/2014/main" id="{605A2EB5-EB2C-EF40-844A-834D2F4BF8D6}"/>
+              </a:ext>
+            </a:extLst>
+          </p:cNvPr>
+          <p:cNvSpPr>
+            <a:spLocks noGrp="1"/>
+          </p:cNvSpPr>
+          <p:nvPr>
+            <p:ph type="title"/>
+          </p:nvPr>
+        </p:nvSpPr>
+        <p:spPr/>
+        <p:txBody>
+          <a:bodyPr/>
+          <a:lstStyle/>
+          <a:p>
+            <a:r>
+              <a:rPr lang="en-GB" dirty="0"/>
+              <a:t>while</a:t>
+            </a:r>
+          </a:p>
+        </p:txBody>
+      </p:sp>
+      <p:sp>
+        <p:nvSpPr>
+          <p:cNvPr id="3" name="Content Placeholder 2">
+            <a:extLst>
+              <a:ext uri="{FF2B5EF4-FFF2-40B4-BE49-F238E27FC236}">
+                <a16:creationId xmlns:a16="http://schemas.microsoft.com/office/drawing/2014/main" id="{59ECB3ED-F2D9-334F-8A12-1D77D3FE6C49}"/>
+              </a:ext>
+            </a:extLst>
+          </p:cNvPr>
+          <p:cNvSpPr>
+            <a:spLocks noGrp="1"/>
+          </p:cNvSpPr>
+          <p:nvPr>
+            <p:ph idx="1"/>
+          </p:nvPr>
+        </p:nvSpPr>
+        <p:spPr/>
+        <p:txBody>
+          <a:bodyPr>
+            <a:normAutofit/>
+          </a:bodyPr>
+          <a:lstStyle/>
+          <a:p>
+            <a:pPr>
+              <a:buNone/>
+            </a:pPr>
+            <a:r>
+              <a:rPr lang="en-GB" altLang="it-IT" sz="2000" dirty="0">
+                <a:solidFill>
+                  <a:schemeClr val="accent6">
+                    <a:lumMod val="75000"/>
+                  </a:schemeClr>
+                </a:solidFill>
+                <a:latin typeface="Consolas" panose="020B0609020204030204" pitchFamily="49" charset="0"/>
+                <a:cs typeface="Consolas" panose="020B0609020204030204" pitchFamily="49" charset="0"/>
+              </a:rPr>
+              <a:t>while</a:t>
+            </a:r>
+            <a:r>
+              <a:rPr lang="en-GB" altLang="it-IT" sz="2000" dirty="0">
+                <a:latin typeface="Consolas" panose="020B0609020204030204" pitchFamily="49" charset="0"/>
+                <a:cs typeface="Consolas" panose="020B0609020204030204" pitchFamily="49" charset="0"/>
+              </a:rPr>
+              <a:t> </a:t>
+            </a:r>
+            <a:r>
+              <a:rPr lang="en-GB" altLang="it-IT" sz="2000" dirty="0" err="1">
+                <a:latin typeface="Consolas" panose="020B0609020204030204" pitchFamily="49" charset="0"/>
+                <a:cs typeface="Consolas" panose="020B0609020204030204" pitchFamily="49" charset="0"/>
+              </a:rPr>
+              <a:t>commando_esegue_con_successo</a:t>
+            </a:r>
+            <a:r>
+              <a:rPr lang="en-GB" altLang="it-IT" sz="2000" dirty="0">
+                <a:latin typeface="Consolas" panose="020B0609020204030204" pitchFamily="49" charset="0"/>
+                <a:cs typeface="Consolas" panose="020B0609020204030204" pitchFamily="49" charset="0"/>
+              </a:rPr>
+              <a:t>; </a:t>
+            </a:r>
+            <a:r>
+              <a:rPr lang="en-GB" altLang="it-IT" sz="2000" dirty="0">
+                <a:solidFill>
+                  <a:schemeClr val="accent6">
+                    <a:lumMod val="75000"/>
+                  </a:schemeClr>
+                </a:solidFill>
+                <a:latin typeface="Consolas" panose="020B0609020204030204" pitchFamily="49" charset="0"/>
+                <a:cs typeface="Consolas" panose="020B0609020204030204" pitchFamily="49" charset="0"/>
+              </a:rPr>
+              <a:t>do</a:t>
+            </a:r>
+          </a:p>
+          <a:p>
+            <a:pPr>
+              <a:buNone/>
+            </a:pPr>
+            <a:r>
+              <a:rPr lang="en-GB" altLang="it-IT" sz="2000" dirty="0">
+                <a:latin typeface="Consolas" panose="020B0609020204030204" pitchFamily="49" charset="0"/>
+                <a:cs typeface="Consolas" panose="020B0609020204030204" pitchFamily="49" charset="0"/>
+              </a:rPr>
+              <a:t>	</a:t>
+            </a:r>
+            <a:r>
+              <a:rPr lang="en-GB" altLang="it-IT" sz="2000" dirty="0" err="1">
+                <a:latin typeface="Consolas" panose="020B0609020204030204" pitchFamily="49" charset="0"/>
+                <a:cs typeface="Consolas" panose="020B0609020204030204" pitchFamily="49" charset="0"/>
+              </a:rPr>
+              <a:t>comando</a:t>
+            </a:r>
+            <a:r>
+              <a:rPr lang="en-GB" altLang="it-IT" sz="2000" dirty="0">
+                <a:latin typeface="Consolas" panose="020B0609020204030204" pitchFamily="49" charset="0"/>
+                <a:cs typeface="Consolas" panose="020B0609020204030204" pitchFamily="49" charset="0"/>
+              </a:rPr>
+              <a:t>/</a:t>
+            </a:r>
+            <a:r>
+              <a:rPr lang="en-GB" altLang="it-IT" sz="2000" dirty="0" err="1">
+                <a:latin typeface="Consolas" panose="020B0609020204030204" pitchFamily="49" charset="0"/>
+                <a:cs typeface="Consolas" panose="020B0609020204030204" pitchFamily="49" charset="0"/>
+              </a:rPr>
+              <a:t>i</a:t>
+            </a:r>
+            <a:endParaRPr lang="en-GB" altLang="it-IT" sz="2000" dirty="0">
+              <a:latin typeface="Consolas" panose="020B0609020204030204" pitchFamily="49" charset="0"/>
+              <a:cs typeface="Consolas" panose="020B0609020204030204" pitchFamily="49" charset="0"/>
+            </a:endParaRPr>
+          </a:p>
+          <a:p>
+            <a:pPr>
+              <a:buNone/>
+            </a:pPr>
+            <a:r>
+              <a:rPr lang="en-GB" altLang="it-IT" sz="2000" dirty="0">
+                <a:latin typeface="Consolas" panose="020B0609020204030204" pitchFamily="49" charset="0"/>
+                <a:cs typeface="Consolas" panose="020B0609020204030204" pitchFamily="49" charset="0"/>
+              </a:rPr>
+              <a:t>	…		</a:t>
+            </a:r>
+          </a:p>
+          <a:p>
+            <a:pPr>
+              <a:buNone/>
+            </a:pPr>
+            <a:r>
+              <a:rPr lang="en-GB" altLang="it-IT" sz="2000" dirty="0">
+                <a:solidFill>
+                  <a:schemeClr val="accent6">
+                    <a:lumMod val="75000"/>
+                  </a:schemeClr>
+                </a:solidFill>
+                <a:latin typeface="Consolas" panose="020B0609020204030204" pitchFamily="49" charset="0"/>
+                <a:cs typeface="Consolas" panose="020B0609020204030204" pitchFamily="49" charset="0"/>
+              </a:rPr>
+              <a:t>done</a:t>
+            </a:r>
+          </a:p>
+          <a:p>
+            <a:pPr marL="0" indent="0">
+              <a:buNone/>
+            </a:pPr>
+            <a:endParaRPr lang="en-GB" altLang="it-IT" sz="2000" dirty="0">
+              <a:latin typeface="Consolas" panose="020B0609020204030204" pitchFamily="49" charset="0"/>
+              <a:cs typeface="Consolas" panose="020B0609020204030204" pitchFamily="49" charset="0"/>
+            </a:endParaRPr>
+          </a:p>
+          <a:p>
+            <a:pPr marL="0" indent="0">
+              <a:buNone/>
+            </a:pPr>
+            <a:r>
+              <a:rPr lang="en-GB" altLang="it-IT" sz="2000" dirty="0">
+                <a:latin typeface="Consolas" panose="020B0609020204030204" pitchFamily="49" charset="0"/>
+                <a:cs typeface="Consolas" panose="020B0609020204030204" pitchFamily="49" charset="0"/>
+              </a:rPr>
+              <a:t># </a:t>
+            </a:r>
+            <a:r>
+              <a:rPr lang="en-GB" altLang="it-IT" sz="2000" dirty="0" err="1">
+                <a:latin typeface="Consolas" panose="020B0609020204030204" pitchFamily="49" charset="0"/>
+                <a:cs typeface="Consolas" panose="020B0609020204030204" pitchFamily="49" charset="0"/>
+              </a:rPr>
+              <a:t>Esempio</a:t>
+            </a:r>
+            <a:r>
+              <a:rPr lang="en-GB" altLang="it-IT" sz="2000" dirty="0">
+                <a:latin typeface="Consolas" panose="020B0609020204030204" pitchFamily="49" charset="0"/>
+                <a:cs typeface="Consolas" panose="020B0609020204030204" pitchFamily="49" charset="0"/>
+              </a:rPr>
+              <a:t>: </a:t>
+            </a:r>
+            <a:r>
+              <a:rPr lang="en-GB" altLang="it-IT" sz="2000" dirty="0" err="1">
+                <a:latin typeface="Consolas" panose="020B0609020204030204" pitchFamily="49" charset="0"/>
+                <a:cs typeface="Consolas" panose="020B0609020204030204" pitchFamily="49" charset="0"/>
+              </a:rPr>
+              <a:t>contatore</a:t>
+            </a:r>
+            <a:endParaRPr lang="en-GB" altLang="it-IT" sz="2000" dirty="0">
+              <a:latin typeface="Consolas" panose="020B0609020204030204" pitchFamily="49" charset="0"/>
+              <a:cs typeface="Consolas" panose="020B0609020204030204" pitchFamily="49" charset="0"/>
+            </a:endParaRPr>
+          </a:p>
+          <a:p>
+            <a:pPr marL="0" indent="0">
+              <a:buNone/>
+            </a:pPr>
+            <a:r>
+              <a:rPr lang="en-GB" altLang="it-IT" sz="2000" dirty="0" err="1">
+                <a:latin typeface="Consolas" panose="020B0609020204030204" pitchFamily="49" charset="0"/>
+                <a:cs typeface="Consolas" panose="020B0609020204030204" pitchFamily="49" charset="0"/>
+              </a:rPr>
+              <a:t>i</a:t>
+            </a:r>
+            <a:r>
+              <a:rPr lang="en-GB" altLang="it-IT" sz="2000" dirty="0">
+                <a:latin typeface="Consolas" panose="020B0609020204030204" pitchFamily="49" charset="0"/>
+                <a:cs typeface="Consolas" panose="020B0609020204030204" pitchFamily="49" charset="0"/>
+              </a:rPr>
+              <a:t>=10</a:t>
+            </a:r>
+          </a:p>
+          <a:p>
+            <a:pPr>
+              <a:buNone/>
+            </a:pPr>
+            <a:r>
+              <a:rPr lang="en-GB" altLang="it-IT" sz="2000" dirty="0">
+                <a:solidFill>
+                  <a:schemeClr val="accent6">
+                    <a:lumMod val="75000"/>
+                  </a:schemeClr>
+                </a:solidFill>
+                <a:latin typeface="Consolas" panose="020B0609020204030204" pitchFamily="49" charset="0"/>
+                <a:cs typeface="Consolas" panose="020B0609020204030204" pitchFamily="49" charset="0"/>
+              </a:rPr>
+              <a:t>while</a:t>
+            </a:r>
+            <a:r>
+              <a:rPr lang="en-GB" altLang="it-IT" sz="2000" dirty="0">
+                <a:latin typeface="Consolas" panose="020B0609020204030204" pitchFamily="49" charset="0"/>
+                <a:cs typeface="Consolas" panose="020B0609020204030204" pitchFamily="49" charset="0"/>
+              </a:rPr>
+              <a:t> [ "$</a:t>
+            </a:r>
+            <a:r>
+              <a:rPr lang="en-GB" altLang="it-IT" sz="2000" dirty="0" err="1">
+                <a:latin typeface="Consolas" panose="020B0609020204030204" pitchFamily="49" charset="0"/>
+                <a:cs typeface="Consolas" panose="020B0609020204030204" pitchFamily="49" charset="0"/>
+              </a:rPr>
+              <a:t>i</a:t>
+            </a:r>
+            <a:r>
+              <a:rPr lang="en-GB" altLang="it-IT" sz="2000" dirty="0">
+                <a:latin typeface="Consolas" panose="020B0609020204030204" pitchFamily="49" charset="0"/>
+                <a:cs typeface="Consolas" panose="020B0609020204030204" pitchFamily="49" charset="0"/>
+              </a:rPr>
+              <a:t>" -</a:t>
+            </a:r>
+            <a:r>
+              <a:rPr lang="en-GB" altLang="it-IT" sz="2000" dirty="0" err="1">
+                <a:latin typeface="Consolas" panose="020B0609020204030204" pitchFamily="49" charset="0"/>
+                <a:cs typeface="Consolas" panose="020B0609020204030204" pitchFamily="49" charset="0"/>
+              </a:rPr>
+              <a:t>gt</a:t>
+            </a:r>
+            <a:r>
+              <a:rPr lang="en-GB" altLang="it-IT" sz="2000" dirty="0">
+                <a:latin typeface="Consolas" panose="020B0609020204030204" pitchFamily="49" charset="0"/>
+                <a:cs typeface="Consolas" panose="020B0609020204030204" pitchFamily="49" charset="0"/>
+              </a:rPr>
+              <a:t> 0 ]; </a:t>
+            </a:r>
+            <a:r>
+              <a:rPr lang="en-GB" altLang="it-IT" sz="2000" dirty="0">
+                <a:solidFill>
+                  <a:schemeClr val="accent6">
+                    <a:lumMod val="75000"/>
+                  </a:schemeClr>
+                </a:solidFill>
+                <a:latin typeface="Consolas" panose="020B0609020204030204" pitchFamily="49" charset="0"/>
+                <a:cs typeface="Consolas" panose="020B0609020204030204" pitchFamily="49" charset="0"/>
+              </a:rPr>
+              <a:t>do</a:t>
+            </a:r>
+            <a:r>
+              <a:rPr lang="en-GB" altLang="it-IT" sz="2000" dirty="0">
+                <a:latin typeface="Consolas" panose="020B0609020204030204" pitchFamily="49" charset="0"/>
+                <a:cs typeface="Consolas" panose="020B0609020204030204" pitchFamily="49" charset="0"/>
+              </a:rPr>
+              <a:t>	</a:t>
+            </a:r>
+          </a:p>
+          <a:p>
+            <a:pPr>
+              <a:buNone/>
+            </a:pPr>
+            <a:r>
+              <a:rPr lang="en-GB" altLang="it-IT" sz="2000" dirty="0">
+                <a:latin typeface="Consolas" panose="020B0609020204030204" pitchFamily="49" charset="0"/>
+                <a:cs typeface="Consolas" panose="020B0609020204030204" pitchFamily="49" charset="0"/>
+              </a:rPr>
+              <a:t>	echo $</a:t>
+            </a:r>
+            <a:r>
+              <a:rPr lang="en-GB" altLang="it-IT" sz="2000" dirty="0" err="1">
+                <a:latin typeface="Consolas" panose="020B0609020204030204" pitchFamily="49" charset="0"/>
+                <a:cs typeface="Consolas" panose="020B0609020204030204" pitchFamily="49" charset="0"/>
+              </a:rPr>
+              <a:t>i</a:t>
+            </a:r>
+            <a:r>
+              <a:rPr lang="en-GB" altLang="it-IT" sz="2000" dirty="0">
+                <a:latin typeface="Consolas" panose="020B0609020204030204" pitchFamily="49" charset="0"/>
+                <a:cs typeface="Consolas" panose="020B0609020204030204" pitchFamily="49" charset="0"/>
+              </a:rPr>
+              <a:t>	</a:t>
+            </a:r>
+          </a:p>
+          <a:p>
+            <a:pPr>
+              <a:buNone/>
+            </a:pPr>
+            <a:r>
+              <a:rPr lang="en-GB" altLang="it-IT" sz="2000" dirty="0">
+                <a:latin typeface="Consolas" panose="020B0609020204030204" pitchFamily="49" charset="0"/>
+                <a:cs typeface="Consolas" panose="020B0609020204030204" pitchFamily="49" charset="0"/>
+              </a:rPr>
+              <a:t>	</a:t>
+            </a:r>
+            <a:r>
+              <a:rPr lang="en-GB" altLang="it-IT" sz="2000" dirty="0" err="1">
+                <a:latin typeface="Consolas" panose="020B0609020204030204" pitchFamily="49" charset="0"/>
+                <a:cs typeface="Consolas" panose="020B0609020204030204" pitchFamily="49" charset="0"/>
+              </a:rPr>
+              <a:t>i</a:t>
+            </a:r>
+            <a:r>
+              <a:rPr lang="en-GB" altLang="it-IT" sz="2000" dirty="0">
+                <a:latin typeface="Consolas" panose="020B0609020204030204" pitchFamily="49" charset="0"/>
+                <a:cs typeface="Consolas" panose="020B0609020204030204" pitchFamily="49" charset="0"/>
+              </a:rPr>
+              <a:t>=$(expr $</a:t>
+            </a:r>
+            <a:r>
+              <a:rPr lang="en-GB" altLang="it-IT" sz="2000" dirty="0" err="1">
+                <a:latin typeface="Consolas" panose="020B0609020204030204" pitchFamily="49" charset="0"/>
+                <a:cs typeface="Consolas" panose="020B0609020204030204" pitchFamily="49" charset="0"/>
+              </a:rPr>
+              <a:t>i</a:t>
+            </a:r>
+            <a:r>
+              <a:rPr lang="en-GB" altLang="it-IT" sz="2000" dirty="0">
+                <a:latin typeface="Consolas" panose="020B0609020204030204" pitchFamily="49" charset="0"/>
+                <a:cs typeface="Consolas" panose="020B0609020204030204" pitchFamily="49" charset="0"/>
+              </a:rPr>
+              <a:t> – 1)</a:t>
+            </a:r>
+          </a:p>
+          <a:p>
+            <a:pPr>
+              <a:buNone/>
+            </a:pPr>
+            <a:r>
+              <a:rPr lang="en-GB" altLang="it-IT" sz="2000" dirty="0">
+                <a:solidFill>
+                  <a:schemeClr val="accent6">
+                    <a:lumMod val="75000"/>
+                  </a:schemeClr>
+                </a:solidFill>
+                <a:latin typeface="Consolas" panose="020B0609020204030204" pitchFamily="49" charset="0"/>
+                <a:cs typeface="Consolas" panose="020B0609020204030204" pitchFamily="49" charset="0"/>
+              </a:rPr>
+              <a:t>done</a:t>
+            </a:r>
+          </a:p>
+          <a:p>
+            <a:pPr marL="0" indent="0">
+              <a:buNone/>
+            </a:pPr>
+            <a:endParaRPr lang="en-GB" altLang="it-IT" sz="2000" dirty="0">
+              <a:latin typeface="Consolas" panose="020B0609020204030204" pitchFamily="49" charset="0"/>
+              <a:cs typeface="Consolas" panose="020B0609020204030204" pitchFamily="49" charset="0"/>
+            </a:endParaRPr>
+          </a:p>
+        </p:txBody>
+      </p:sp>
+      <p:sp>
+        <p:nvSpPr>
+          <p:cNvPr id="4" name="Slide Number Placeholder 3">
+            <a:extLst>
+              <a:ext uri="{FF2B5EF4-FFF2-40B4-BE49-F238E27FC236}">
+                <a16:creationId xmlns:a16="http://schemas.microsoft.com/office/drawing/2014/main" id="{9C8C06BC-E8BA-3E4B-B27F-A8D0ACCC3F50}"/>
+              </a:ext>
+            </a:extLst>
+          </p:cNvPr>
+          <p:cNvSpPr>
+            <a:spLocks noGrp="1"/>
+          </p:cNvSpPr>
+          <p:nvPr>
+            <p:ph type="sldNum" sz="quarter" idx="12"/>
+          </p:nvPr>
+        </p:nvSpPr>
+        <p:spPr/>
+        <p:txBody>
+          <a:bodyPr/>
+          <a:lstStyle/>
+          <a:p>
+            <a:fld id="{D2040F39-7941-49A4-B48D-F201B18B6351}" type="slidenum">
+              <a:rPr lang="it-IT" smtClean="0"/>
+              <a:pPr/>
+              <a:t>26</a:t>
+            </a:fld>
+            <a:endParaRPr lang="it-IT" dirty="0"/>
+          </a:p>
+        </p:txBody>
+      </p:sp>
+    </p:spTree>
+    <p:extLst>
+      <p:ext uri="{BB962C8B-B14F-4D97-AF65-F5344CB8AC3E}">
+        <p14:creationId xmlns:p14="http://schemas.microsoft.com/office/powerpoint/2010/main" val="1823812451"/>
+      </p:ext>
+    </p:extLst>
+  </p:cSld>
+  <p:clrMapOvr>
+    <a:masterClrMapping/>
+  </p:clrMapOvr>
+</p:sld>
+</file>
+
+<file path=ppt/slides/slide27.xml><?xml version="1.0" encoding="utf-8"?>
+<p:sld xmlns:a="http://schemas.openxmlformats.org/drawingml/2006/main" xmlns:r="http://schemas.openxmlformats.org/officeDocument/2006/relationships" xmlns:p="http://schemas.openxmlformats.org/presentationml/2006/main">
+  <p:cSld>
+    <p:spTree>
+      <p:nvGrpSpPr>
+        <p:cNvPr id="1" name=""/>
+        <p:cNvGrpSpPr/>
+        <p:nvPr/>
+      </p:nvGrpSpPr>
+      <p:grpSpPr>
+        <a:xfrm>
+          <a:off x="0" y="0"/>
+          <a:ext cx="0" cy="0"/>
+          <a:chOff x="0" y="0"/>
+          <a:chExt cx="0" cy="0"/>
+        </a:xfrm>
+      </p:grpSpPr>
+      <p:sp>
+        <p:nvSpPr>
+          <p:cNvPr id="2" name="Title 1">
+            <a:extLst>
+              <a:ext uri="{FF2B5EF4-FFF2-40B4-BE49-F238E27FC236}">
+                <a16:creationId xmlns:a16="http://schemas.microsoft.com/office/drawing/2014/main" id="{605A2EB5-EB2C-EF40-844A-834D2F4BF8D6}"/>
+              </a:ext>
+            </a:extLst>
+          </p:cNvPr>
+          <p:cNvSpPr>
+            <a:spLocks noGrp="1"/>
+          </p:cNvSpPr>
+          <p:nvPr>
+            <p:ph type="title"/>
+          </p:nvPr>
+        </p:nvSpPr>
+        <p:spPr/>
+        <p:txBody>
+          <a:bodyPr/>
+          <a:lstStyle/>
+          <a:p>
+            <a:r>
+              <a:rPr lang="en-GB" dirty="0" err="1"/>
               <a:t>Espansione</a:t>
             </a:r>
             <a:r>
@@ -13443,7 +14524,7 @@
             <a:fld id="{D2040F39-7941-49A4-B48D-F201B18B6351}" type="slidenum">
               <a:rPr lang="it-IT" smtClean="0"/>
               <a:pPr/>
-              <a:t>25</a:t>
+              <a:t>27</a:t>
             </a:fld>
             <a:endParaRPr lang="it-IT" dirty="0"/>
           </a:p>
@@ -13462,7 +14543,7 @@
 </p:sld>
 </file>
 
-<file path=ppt/slides/slide26.xml><?xml version="1.0" encoding="utf-8"?>
+<file path=ppt/slides/slide28.xml><?xml version="1.0" encoding="utf-8"?>
 <p:sld xmlns:a="http://schemas.openxmlformats.org/drawingml/2006/main" xmlns:r="http://schemas.openxmlformats.org/officeDocument/2006/relationships" xmlns:p="http://schemas.openxmlformats.org/presentationml/2006/main">
   <p:cSld>
     <p:spTree>
@@ -13516,7 +14597,7 @@
 </p:sld>
 </file>
 
-<file path=ppt/slides/slide27.xml><?xml version="1.0" encoding="utf-8"?>
+<file path=ppt/slides/slide29.xml><?xml version="1.0" encoding="utf-8"?>
 <p:sld xmlns:a="http://schemas.openxmlformats.org/drawingml/2006/main" xmlns:r="http://schemas.openxmlformats.org/officeDocument/2006/relationships" xmlns:p="http://schemas.openxmlformats.org/presentationml/2006/main">
   <p:cSld>
     <p:spTree>
@@ -13900,7 +14981,7 @@
             <a:fld id="{D2040F39-7941-49A4-B48D-F201B18B6351}" type="slidenum">
               <a:rPr lang="it-IT" smtClean="0"/>
               <a:pPr/>
-              <a:t>27</a:t>
+              <a:t>29</a:t>
             </a:fld>
             <a:endParaRPr lang="it-IT" dirty="0"/>
           </a:p>
@@ -14187,640 +15268,6 @@
     <p:extLst>
       <p:ext uri="{BB962C8B-B14F-4D97-AF65-F5344CB8AC3E}">
         <p14:creationId xmlns:p14="http://schemas.microsoft.com/office/powerpoint/2010/main" val="3388815891"/>
-      </p:ext>
-    </p:extLst>
-  </p:cSld>
-  <p:clrMapOvr>
-    <a:masterClrMapping/>
-  </p:clrMapOvr>
-</p:sld>
-</file>
-
-<file path=ppt/slides/slide28.xml><?xml version="1.0" encoding="utf-8"?>
-<p:sld xmlns:a="http://schemas.openxmlformats.org/drawingml/2006/main" xmlns:r="http://schemas.openxmlformats.org/officeDocument/2006/relationships" xmlns:p="http://schemas.openxmlformats.org/presentationml/2006/main">
-  <p:cSld>
-    <p:spTree>
-      <p:nvGrpSpPr>
-        <p:cNvPr id="1" name=""/>
-        <p:cNvGrpSpPr/>
-        <p:nvPr/>
-      </p:nvGrpSpPr>
-      <p:grpSpPr>
-        <a:xfrm>
-          <a:off x="0" y="0"/>
-          <a:ext cx="0" cy="0"/>
-          <a:chOff x="0" y="0"/>
-          <a:chExt cx="0" cy="0"/>
-        </a:xfrm>
-      </p:grpSpPr>
-      <p:sp>
-        <p:nvSpPr>
-          <p:cNvPr id="5" name="Title 4">
-            <a:extLst>
-              <a:ext uri="{FF2B5EF4-FFF2-40B4-BE49-F238E27FC236}">
-                <a16:creationId xmlns:a16="http://schemas.microsoft.com/office/drawing/2014/main" id="{CD786174-2EE9-3047-8886-0C8B6BE3E65B}"/>
-              </a:ext>
-            </a:extLst>
-          </p:cNvPr>
-          <p:cNvSpPr>
-            <a:spLocks noGrp="1"/>
-          </p:cNvSpPr>
-          <p:nvPr>
-            <p:ph type="title"/>
-          </p:nvPr>
-        </p:nvSpPr>
-        <p:spPr/>
-        <p:txBody>
-          <a:bodyPr/>
-          <a:lstStyle/>
-          <a:p>
-            <a:r>
-              <a:rPr lang="en-GB" dirty="0"/>
-              <a:t>Script multi-file</a:t>
-            </a:r>
-          </a:p>
-        </p:txBody>
-      </p:sp>
-      <p:sp>
-        <p:nvSpPr>
-          <p:cNvPr id="6" name="Content Placeholder 5">
-            <a:extLst>
-              <a:ext uri="{FF2B5EF4-FFF2-40B4-BE49-F238E27FC236}">
-                <a16:creationId xmlns:a16="http://schemas.microsoft.com/office/drawing/2014/main" id="{5C230CC7-CB67-AD44-875E-8DF6FF9A8D48}"/>
-              </a:ext>
-            </a:extLst>
-          </p:cNvPr>
-          <p:cNvSpPr>
-            <a:spLocks noGrp="1"/>
-          </p:cNvSpPr>
-          <p:nvPr>
-            <p:ph sz="half" idx="2"/>
-          </p:nvPr>
-        </p:nvSpPr>
-        <p:spPr/>
-        <p:txBody>
-          <a:bodyPr>
-            <a:normAutofit lnSpcReduction="10000"/>
-          </a:bodyPr>
-          <a:lstStyle/>
-          <a:p>
-            <a:pPr marL="0" indent="0">
-              <a:buNone/>
-            </a:pPr>
-            <a:r>
-              <a:rPr lang="en-GB" sz="1500" dirty="0">
-                <a:solidFill>
-                  <a:schemeClr val="accent6">
-                    <a:lumMod val="75000"/>
-                  </a:schemeClr>
-                </a:solidFill>
-                <a:latin typeface="Consolas" panose="020B0609020204030204" pitchFamily="49" charset="0"/>
-                <a:cs typeface="Consolas" panose="020B0609020204030204" pitchFamily="49" charset="0"/>
-              </a:rPr>
-              <a:t>$ vim </a:t>
-            </a:r>
-            <a:r>
-              <a:rPr lang="en-GB" sz="1500" dirty="0" err="1">
-                <a:solidFill>
-                  <a:schemeClr val="accent6">
-                    <a:lumMod val="75000"/>
-                  </a:schemeClr>
-                </a:solidFill>
-                <a:latin typeface="Consolas" panose="020B0609020204030204" pitchFamily="49" charset="0"/>
-                <a:cs typeface="Consolas" panose="020B0609020204030204" pitchFamily="49" charset="0"/>
-              </a:rPr>
-              <a:t>script.sh</a:t>
-            </a:r>
-            <a:endParaRPr lang="en-GB" sz="1500" dirty="0">
-              <a:solidFill>
-                <a:schemeClr val="accent6">
-                  <a:lumMod val="75000"/>
-                </a:schemeClr>
-              </a:solidFill>
-              <a:latin typeface="Consolas" panose="020B0609020204030204" pitchFamily="49" charset="0"/>
-              <a:cs typeface="Consolas" panose="020B0609020204030204" pitchFamily="49" charset="0"/>
-            </a:endParaRPr>
-          </a:p>
-          <a:p>
-            <a:pPr marL="0" indent="0">
-              <a:buNone/>
-            </a:pPr>
-            <a:r>
-              <a:rPr lang="en-GB" sz="1500" dirty="0">
-                <a:latin typeface="Consolas" panose="020B0609020204030204" pitchFamily="49" charset="0"/>
-                <a:cs typeface="Consolas" panose="020B0609020204030204" pitchFamily="49" charset="0"/>
-              </a:rPr>
-              <a:t>#!/bin/bash</a:t>
-            </a:r>
-          </a:p>
-          <a:p>
-            <a:pPr marL="0" indent="0">
-              <a:buNone/>
-            </a:pPr>
-            <a:endParaRPr lang="en-GB" sz="1500" dirty="0">
-              <a:latin typeface="Consolas" panose="020B0609020204030204" pitchFamily="49" charset="0"/>
-              <a:cs typeface="Consolas" panose="020B0609020204030204" pitchFamily="49" charset="0"/>
-            </a:endParaRPr>
-          </a:p>
-          <a:p>
-            <a:pPr marL="0" indent="0">
-              <a:buNone/>
-            </a:pPr>
-            <a:r>
-              <a:rPr lang="en-GB" sz="1500" dirty="0">
-                <a:solidFill>
-                  <a:schemeClr val="accent6">
-                    <a:lumMod val="75000"/>
-                  </a:schemeClr>
-                </a:solidFill>
-                <a:latin typeface="Consolas" panose="020B0609020204030204" pitchFamily="49" charset="0"/>
-                <a:cs typeface="Consolas" panose="020B0609020204030204" pitchFamily="49" charset="0"/>
-              </a:rPr>
-              <a:t>source </a:t>
-            </a:r>
-            <a:r>
-              <a:rPr lang="en-GB" sz="1500" dirty="0" err="1">
-                <a:solidFill>
-                  <a:schemeClr val="accent6">
-                    <a:lumMod val="75000"/>
-                  </a:schemeClr>
-                </a:solidFill>
-                <a:latin typeface="Consolas" panose="020B0609020204030204" pitchFamily="49" charset="0"/>
-                <a:cs typeface="Consolas" panose="020B0609020204030204" pitchFamily="49" charset="0"/>
-              </a:rPr>
-              <a:t>lib.sh</a:t>
-            </a:r>
-            <a:r>
-              <a:rPr lang="en-GB" sz="1500" dirty="0">
-                <a:solidFill>
-                  <a:schemeClr val="accent6">
-                    <a:lumMod val="75000"/>
-                  </a:schemeClr>
-                </a:solidFill>
-                <a:latin typeface="Consolas" panose="020B0609020204030204" pitchFamily="49" charset="0"/>
-                <a:cs typeface="Consolas" panose="020B0609020204030204" pitchFamily="49" charset="0"/>
-              </a:rPr>
-              <a:t> </a:t>
-            </a:r>
-          </a:p>
-          <a:p>
-            <a:pPr marL="0" indent="0">
-              <a:buNone/>
-            </a:pPr>
-            <a:r>
-              <a:rPr lang="en-GB" sz="1500" dirty="0">
-                <a:solidFill>
-                  <a:schemeClr val="accent6">
-                    <a:lumMod val="75000"/>
-                  </a:schemeClr>
-                </a:solidFill>
-                <a:latin typeface="Consolas" panose="020B0609020204030204" pitchFamily="49" charset="0"/>
-                <a:cs typeface="Consolas" panose="020B0609020204030204" pitchFamily="49" charset="0"/>
-              </a:rPr>
-              <a:t># </a:t>
-            </a:r>
-            <a:r>
-              <a:rPr lang="en-GB" sz="1500" dirty="0" err="1">
-                <a:solidFill>
-                  <a:schemeClr val="accent6">
-                    <a:lumMod val="75000"/>
-                  </a:schemeClr>
-                </a:solidFill>
-                <a:latin typeface="Consolas" panose="020B0609020204030204" pitchFamily="49" charset="0"/>
-                <a:cs typeface="Consolas" panose="020B0609020204030204" pitchFamily="49" charset="0"/>
-              </a:rPr>
-              <a:t>oppure</a:t>
-            </a:r>
-            <a:endParaRPr lang="en-GB" sz="1500" dirty="0">
-              <a:solidFill>
-                <a:schemeClr val="accent6">
-                  <a:lumMod val="75000"/>
-                </a:schemeClr>
-              </a:solidFill>
-              <a:latin typeface="Consolas" panose="020B0609020204030204" pitchFamily="49" charset="0"/>
-              <a:cs typeface="Consolas" panose="020B0609020204030204" pitchFamily="49" charset="0"/>
-            </a:endParaRPr>
-          </a:p>
-          <a:p>
-            <a:pPr marL="0" indent="0">
-              <a:buNone/>
-            </a:pPr>
-            <a:r>
-              <a:rPr lang="en-GB" sz="1500" dirty="0">
-                <a:solidFill>
-                  <a:schemeClr val="accent6">
-                    <a:lumMod val="75000"/>
-                  </a:schemeClr>
-                </a:solidFill>
-                <a:latin typeface="Consolas" panose="020B0609020204030204" pitchFamily="49" charset="0"/>
-                <a:cs typeface="Consolas" panose="020B0609020204030204" pitchFamily="49" charset="0"/>
-              </a:rPr>
-              <a:t># . </a:t>
-            </a:r>
-            <a:r>
-              <a:rPr lang="en-GB" sz="1500" dirty="0" err="1">
-                <a:solidFill>
-                  <a:schemeClr val="accent6">
-                    <a:lumMod val="75000"/>
-                  </a:schemeClr>
-                </a:solidFill>
-                <a:latin typeface="Consolas" panose="020B0609020204030204" pitchFamily="49" charset="0"/>
-                <a:cs typeface="Consolas" panose="020B0609020204030204" pitchFamily="49" charset="0"/>
-              </a:rPr>
-              <a:t>lib.sh</a:t>
-            </a:r>
-            <a:endParaRPr lang="en-GB" sz="1500" dirty="0">
-              <a:solidFill>
-                <a:schemeClr val="accent6">
-                  <a:lumMod val="75000"/>
-                </a:schemeClr>
-              </a:solidFill>
-              <a:latin typeface="Consolas" panose="020B0609020204030204" pitchFamily="49" charset="0"/>
-              <a:cs typeface="Consolas" panose="020B0609020204030204" pitchFamily="49" charset="0"/>
-            </a:endParaRPr>
-          </a:p>
-          <a:p>
-            <a:pPr marL="0" indent="0">
-              <a:buNone/>
-            </a:pPr>
-            <a:endParaRPr lang="en-GB" sz="1500" dirty="0">
-              <a:latin typeface="Consolas" panose="020B0609020204030204" pitchFamily="49" charset="0"/>
-              <a:cs typeface="Consolas" panose="020B0609020204030204" pitchFamily="49" charset="0"/>
-            </a:endParaRPr>
-          </a:p>
-          <a:p>
-            <a:pPr marL="0" indent="0">
-              <a:buNone/>
-            </a:pPr>
-            <a:r>
-              <a:rPr lang="en-GB" sz="1500" dirty="0">
-                <a:latin typeface="Consolas" panose="020B0609020204030204" pitchFamily="49" charset="0"/>
-                <a:cs typeface="Consolas" panose="020B0609020204030204" pitchFamily="49" charset="0"/>
-              </a:rPr>
-              <a:t>for f in $*; do</a:t>
-            </a:r>
-          </a:p>
-          <a:p>
-            <a:pPr marL="0" indent="0">
-              <a:buNone/>
-            </a:pPr>
-            <a:r>
-              <a:rPr lang="en-GB" sz="1500" dirty="0">
-                <a:latin typeface="Consolas" panose="020B0609020204030204" pitchFamily="49" charset="0"/>
-                <a:cs typeface="Consolas" panose="020B0609020204030204" pitchFamily="49" charset="0"/>
-              </a:rPr>
-              <a:t>  process "$f"</a:t>
-            </a:r>
-          </a:p>
-          <a:p>
-            <a:pPr marL="0" indent="0">
-              <a:buNone/>
-            </a:pPr>
-            <a:r>
-              <a:rPr lang="en-GB" sz="1500" dirty="0">
-                <a:latin typeface="Consolas" panose="020B0609020204030204" pitchFamily="49" charset="0"/>
-                <a:cs typeface="Consolas" panose="020B0609020204030204" pitchFamily="49" charset="0"/>
-              </a:rPr>
-              <a:t>  if [ $? -</a:t>
-            </a:r>
-            <a:r>
-              <a:rPr lang="en-GB" sz="1500" dirty="0" err="1">
-                <a:latin typeface="Consolas" panose="020B0609020204030204" pitchFamily="49" charset="0"/>
-                <a:cs typeface="Consolas" panose="020B0609020204030204" pitchFamily="49" charset="0"/>
-              </a:rPr>
-              <a:t>eq</a:t>
-            </a:r>
-            <a:r>
-              <a:rPr lang="en-GB" sz="1500" dirty="0">
-                <a:latin typeface="Consolas" panose="020B0609020204030204" pitchFamily="49" charset="0"/>
-                <a:cs typeface="Consolas" panose="020B0609020204030204" pitchFamily="49" charset="0"/>
-              </a:rPr>
-              <a:t> 0 ]; then</a:t>
-            </a:r>
-          </a:p>
-          <a:p>
-            <a:pPr marL="0" indent="0">
-              <a:buNone/>
-            </a:pPr>
-            <a:r>
-              <a:rPr lang="en-GB" sz="1500" dirty="0">
-                <a:latin typeface="Consolas" panose="020B0609020204030204" pitchFamily="49" charset="0"/>
-                <a:cs typeface="Consolas" panose="020B0609020204030204" pitchFamily="49" charset="0"/>
-              </a:rPr>
-              <a:t>    echo " [pass]"</a:t>
-            </a:r>
-          </a:p>
-          <a:p>
-            <a:pPr marL="0" indent="0">
-              <a:buNone/>
-            </a:pPr>
-            <a:r>
-              <a:rPr lang="en-GB" sz="1500" dirty="0">
-                <a:latin typeface="Consolas" panose="020B0609020204030204" pitchFamily="49" charset="0"/>
-                <a:cs typeface="Consolas" panose="020B0609020204030204" pitchFamily="49" charset="0"/>
-              </a:rPr>
-              <a:t>  else</a:t>
-            </a:r>
-          </a:p>
-          <a:p>
-            <a:pPr marL="0" indent="0">
-              <a:buNone/>
-            </a:pPr>
-            <a:r>
-              <a:rPr lang="en-GB" sz="1500" dirty="0">
-                <a:latin typeface="Consolas" panose="020B0609020204030204" pitchFamily="49" charset="0"/>
-                <a:cs typeface="Consolas" panose="020B0609020204030204" pitchFamily="49" charset="0"/>
-              </a:rPr>
-              <a:t>    echo " [fail]"</a:t>
-            </a:r>
-          </a:p>
-          <a:p>
-            <a:pPr marL="0" indent="0">
-              <a:buNone/>
-            </a:pPr>
-            <a:r>
-              <a:rPr lang="en-GB" sz="1500" dirty="0">
-                <a:latin typeface="Consolas" panose="020B0609020204030204" pitchFamily="49" charset="0"/>
-                <a:cs typeface="Consolas" panose="020B0609020204030204" pitchFamily="49" charset="0"/>
-              </a:rPr>
-              <a:t>  fi</a:t>
-            </a:r>
-          </a:p>
-          <a:p>
-            <a:pPr marL="0" indent="0">
-              <a:buNone/>
-            </a:pPr>
-            <a:r>
-              <a:rPr lang="en-GB" sz="1500" dirty="0">
-                <a:latin typeface="Consolas" panose="020B0609020204030204" pitchFamily="49" charset="0"/>
-                <a:cs typeface="Consolas" panose="020B0609020204030204" pitchFamily="49" charset="0"/>
-              </a:rPr>
-              <a:t>done</a:t>
-            </a:r>
-          </a:p>
-          <a:p>
-            <a:pPr marL="0" indent="0">
-              <a:buNone/>
-            </a:pPr>
-            <a:endParaRPr lang="en-GB" sz="1500" dirty="0">
-              <a:latin typeface="Consolas" panose="020B0609020204030204" pitchFamily="49" charset="0"/>
-              <a:cs typeface="Consolas" panose="020B0609020204030204" pitchFamily="49" charset="0"/>
-            </a:endParaRPr>
-          </a:p>
-          <a:p>
-            <a:pPr marL="0" indent="0">
-              <a:buNone/>
-            </a:pPr>
-            <a:r>
-              <a:rPr lang="en-GB" sz="1500" dirty="0">
-                <a:latin typeface="Consolas" panose="020B0609020204030204" pitchFamily="49" charset="0"/>
-                <a:cs typeface="Consolas" panose="020B0609020204030204" pitchFamily="49" charset="0"/>
-              </a:rPr>
-              <a:t>exit 0</a:t>
-            </a:r>
-          </a:p>
-          <a:p>
-            <a:pPr marL="0" indent="0">
-              <a:buNone/>
-            </a:pPr>
-            <a:endParaRPr lang="en-GB" sz="1500" dirty="0"/>
-          </a:p>
-        </p:txBody>
-      </p:sp>
-      <p:sp>
-        <p:nvSpPr>
-          <p:cNvPr id="4" name="Slide Number Placeholder 3">
-            <a:extLst>
-              <a:ext uri="{FF2B5EF4-FFF2-40B4-BE49-F238E27FC236}">
-                <a16:creationId xmlns:a16="http://schemas.microsoft.com/office/drawing/2014/main" id="{C5FDE599-C886-144D-AC72-7D0A0EE41991}"/>
-              </a:ext>
-            </a:extLst>
-          </p:cNvPr>
-          <p:cNvSpPr>
-            <a:spLocks noGrp="1"/>
-          </p:cNvSpPr>
-          <p:nvPr>
-            <p:ph type="sldNum" sz="quarter" idx="12"/>
-          </p:nvPr>
-        </p:nvSpPr>
-        <p:spPr/>
-        <p:txBody>
-          <a:bodyPr/>
-          <a:lstStyle/>
-          <a:p>
-            <a:fld id="{D2040F39-7941-49A4-B48D-F201B18B6351}" type="slidenum">
-              <a:rPr lang="it-IT" smtClean="0"/>
-              <a:pPr/>
-              <a:t>28</a:t>
-            </a:fld>
-            <a:endParaRPr lang="it-IT" dirty="0"/>
-          </a:p>
-        </p:txBody>
-      </p:sp>
-      <p:sp>
-        <p:nvSpPr>
-          <p:cNvPr id="8" name="Content Placeholder 7">
-            <a:extLst>
-              <a:ext uri="{FF2B5EF4-FFF2-40B4-BE49-F238E27FC236}">
-                <a16:creationId xmlns:a16="http://schemas.microsoft.com/office/drawing/2014/main" id="{AA0E5D73-C878-F34C-9109-86F806C56798}"/>
-              </a:ext>
-            </a:extLst>
-          </p:cNvPr>
-          <p:cNvSpPr>
-            <a:spLocks noGrp="1"/>
-          </p:cNvSpPr>
-          <p:nvPr>
-            <p:ph sz="half" idx="1"/>
-          </p:nvPr>
-        </p:nvSpPr>
-        <p:spPr/>
-        <p:txBody>
-          <a:bodyPr>
-            <a:noAutofit/>
-          </a:bodyPr>
-          <a:lstStyle/>
-          <a:p>
-            <a:pPr marL="0" indent="0">
-              <a:buNone/>
-            </a:pPr>
-            <a:r>
-              <a:rPr lang="en-GB" sz="1500" dirty="0">
-                <a:solidFill>
-                  <a:schemeClr val="accent6">
-                    <a:lumMod val="75000"/>
-                  </a:schemeClr>
-                </a:solidFill>
-                <a:latin typeface="Consolas" panose="020B0609020204030204" pitchFamily="49" charset="0"/>
-                <a:cs typeface="Consolas" panose="020B0609020204030204" pitchFamily="49" charset="0"/>
-              </a:rPr>
-              <a:t>$ vim </a:t>
-            </a:r>
-            <a:r>
-              <a:rPr lang="en-GB" sz="1500" dirty="0" err="1">
-                <a:solidFill>
-                  <a:schemeClr val="accent6">
-                    <a:lumMod val="75000"/>
-                  </a:schemeClr>
-                </a:solidFill>
-                <a:latin typeface="Consolas" panose="020B0609020204030204" pitchFamily="49" charset="0"/>
-                <a:cs typeface="Consolas" panose="020B0609020204030204" pitchFamily="49" charset="0"/>
-              </a:rPr>
-              <a:t>lib.sh</a:t>
-            </a:r>
-            <a:endParaRPr lang="en-GB" sz="1500" dirty="0">
-              <a:solidFill>
-                <a:schemeClr val="accent6">
-                  <a:lumMod val="75000"/>
-                </a:schemeClr>
-              </a:solidFill>
-              <a:latin typeface="Consolas" panose="020B0609020204030204" pitchFamily="49" charset="0"/>
-              <a:cs typeface="Consolas" panose="020B0609020204030204" pitchFamily="49" charset="0"/>
-            </a:endParaRPr>
-          </a:p>
-          <a:p>
-            <a:pPr marL="0" indent="0">
-              <a:buNone/>
-            </a:pPr>
-            <a:r>
-              <a:rPr lang="en-GB" sz="1500" dirty="0">
-                <a:latin typeface="Consolas" panose="020B0609020204030204" pitchFamily="49" charset="0"/>
-                <a:cs typeface="Consolas" panose="020B0609020204030204" pitchFamily="49" charset="0"/>
-              </a:rPr>
-              <a:t>#!/bin/bash</a:t>
-            </a:r>
-          </a:p>
-          <a:p>
-            <a:pPr marL="0" indent="0">
-              <a:buNone/>
-            </a:pPr>
-            <a:endParaRPr lang="en-GB" sz="1500" dirty="0">
-              <a:latin typeface="Consolas" panose="020B0609020204030204" pitchFamily="49" charset="0"/>
-              <a:cs typeface="Consolas" panose="020B0609020204030204" pitchFamily="49" charset="0"/>
-            </a:endParaRPr>
-          </a:p>
-          <a:p>
-            <a:pPr marL="0" indent="0">
-              <a:buNone/>
-            </a:pPr>
-            <a:r>
-              <a:rPr lang="en-GB" sz="1500" dirty="0">
-                <a:latin typeface="Consolas" panose="020B0609020204030204" pitchFamily="49" charset="0"/>
-                <a:cs typeface="Consolas" panose="020B0609020204030204" pitchFamily="49" charset="0"/>
-              </a:rPr>
-              <a:t>process() {</a:t>
-            </a:r>
-          </a:p>
-          <a:p>
-            <a:pPr marL="0" indent="0">
-              <a:buNone/>
-            </a:pPr>
-            <a:r>
-              <a:rPr lang="en-GB" sz="1500" dirty="0">
-                <a:latin typeface="Consolas" panose="020B0609020204030204" pitchFamily="49" charset="0"/>
-                <a:cs typeface="Consolas" panose="020B0609020204030204" pitchFamily="49" charset="0"/>
-              </a:rPr>
-              <a:t>  echo -n "$1"</a:t>
-            </a:r>
-          </a:p>
-          <a:p>
-            <a:pPr marL="0" indent="0">
-              <a:buNone/>
-            </a:pPr>
-            <a:r>
-              <a:rPr lang="en-GB" sz="1500" dirty="0">
-                <a:latin typeface="Consolas" panose="020B0609020204030204" pitchFamily="49" charset="0"/>
-                <a:cs typeface="Consolas" panose="020B0609020204030204" pitchFamily="49" charset="0"/>
-              </a:rPr>
-              <a:t>  [ -d "$1" -a -x "$1" ] &amp;&amp; return 0</a:t>
-            </a:r>
-          </a:p>
-          <a:p>
-            <a:pPr marL="0" indent="0">
-              <a:buNone/>
-            </a:pPr>
-            <a:r>
-              <a:rPr lang="en-GB" sz="1500" dirty="0">
-                <a:latin typeface="Consolas" panose="020B0609020204030204" pitchFamily="49" charset="0"/>
-                <a:cs typeface="Consolas" panose="020B0609020204030204" pitchFamily="49" charset="0"/>
-              </a:rPr>
-              <a:t>  return 1</a:t>
-            </a:r>
-          </a:p>
-          <a:p>
-            <a:pPr marL="0" indent="0">
-              <a:buNone/>
-            </a:pPr>
-            <a:r>
-              <a:rPr lang="en-GB" sz="1500" dirty="0">
-                <a:latin typeface="Consolas" panose="020B0609020204030204" pitchFamily="49" charset="0"/>
-                <a:cs typeface="Consolas" panose="020B0609020204030204" pitchFamily="49" charset="0"/>
-              </a:rPr>
-              <a:t>}</a:t>
-            </a:r>
-          </a:p>
-          <a:p>
-            <a:endParaRPr lang="en-GB" sz="2000" dirty="0"/>
-          </a:p>
-        </p:txBody>
-      </p:sp>
-    </p:spTree>
-    <p:extLst>
-      <p:ext uri="{BB962C8B-B14F-4D97-AF65-F5344CB8AC3E}">
-        <p14:creationId xmlns:p14="http://schemas.microsoft.com/office/powerpoint/2010/main" val="3993412019"/>
-      </p:ext>
-    </p:extLst>
-  </p:cSld>
-  <p:clrMapOvr>
-    <a:masterClrMapping/>
-  </p:clrMapOvr>
-</p:sld>
-</file>
-
-<file path=ppt/slides/slide29.xml><?xml version="1.0" encoding="utf-8"?>
-<p:sld xmlns:a="http://schemas.openxmlformats.org/drawingml/2006/main" xmlns:r="http://schemas.openxmlformats.org/officeDocument/2006/relationships" xmlns:p="http://schemas.openxmlformats.org/presentationml/2006/main">
-  <p:cSld>
-    <p:spTree>
-      <p:nvGrpSpPr>
-        <p:cNvPr id="1" name=""/>
-        <p:cNvGrpSpPr/>
-        <p:nvPr/>
-      </p:nvGrpSpPr>
-      <p:grpSpPr>
-        <a:xfrm>
-          <a:off x="0" y="0"/>
-          <a:ext cx="0" cy="0"/>
-          <a:chOff x="0" y="0"/>
-          <a:chExt cx="0" cy="0"/>
-        </a:xfrm>
-      </p:grpSpPr>
-      <p:sp>
-        <p:nvSpPr>
-          <p:cNvPr id="2" name="Titolo 1"/>
-          <p:cNvSpPr>
-            <a:spLocks noGrp="1"/>
-          </p:cNvSpPr>
-          <p:nvPr>
-            <p:ph type="ctrTitle"/>
-          </p:nvPr>
-        </p:nvSpPr>
-        <p:spPr/>
-        <p:txBody>
-          <a:bodyPr>
-            <a:normAutofit/>
-          </a:bodyPr>
-          <a:lstStyle/>
-          <a:p>
-            <a:r>
-              <a:rPr lang="it-IT" dirty="0"/>
-              <a:t>Arrays</a:t>
-            </a:r>
-          </a:p>
-        </p:txBody>
-      </p:sp>
-    </p:spTree>
-    <p:extLst>
-      <p:ext uri="{BB962C8B-B14F-4D97-AF65-F5344CB8AC3E}">
-        <p14:creationId xmlns:p14="http://schemas.microsoft.com/office/powerpoint/2010/main" val="1467048716"/>
       </p:ext>
     </p:extLst>
   </p:cSld>
@@ -15320,10 +15767,10 @@
       </p:grpSpPr>
       <p:sp>
         <p:nvSpPr>
-          <p:cNvPr id="2" name="Title 1">
+          <p:cNvPr id="5" name="Title 4">
             <a:extLst>
               <a:ext uri="{FF2B5EF4-FFF2-40B4-BE49-F238E27FC236}">
-                <a16:creationId xmlns:a16="http://schemas.microsoft.com/office/drawing/2014/main" id="{2849386F-9B7D-6545-B296-970AA36530B3}"/>
+                <a16:creationId xmlns:a16="http://schemas.microsoft.com/office/drawing/2014/main" id="{CD786174-2EE9-3047-8886-0C8B6BE3E65B}"/>
               </a:ext>
             </a:extLst>
           </p:cNvPr>
@@ -15340,19 +15787,18 @@
           <a:lstStyle/>
           <a:p>
             <a:r>
-              <a:rPr lang="en-GB" dirty="0" err="1"/>
-              <a:t>Definizioni</a:t>
-            </a:r>
-            <a:endParaRPr lang="en-GB" dirty="0"/>
+              <a:rPr lang="en-GB" dirty="0"/>
+              <a:t>Script multi-file</a:t>
+            </a:r>
           </a:p>
         </p:txBody>
       </p:sp>
       <p:sp>
         <p:nvSpPr>
-          <p:cNvPr id="3" name="Content Placeholder 2">
+          <p:cNvPr id="6" name="Content Placeholder 5">
             <a:extLst>
               <a:ext uri="{FF2B5EF4-FFF2-40B4-BE49-F238E27FC236}">
-                <a16:creationId xmlns:a16="http://schemas.microsoft.com/office/drawing/2014/main" id="{70EE36AA-8A09-5F43-91A7-2EF25C3E9A68}"/>
+                <a16:creationId xmlns:a16="http://schemas.microsoft.com/office/drawing/2014/main" id="{5C230CC7-CB67-AD44-875E-8DF6FF9A8D48}"/>
               </a:ext>
             </a:extLst>
           </p:cNvPr>
@@ -15360,13 +15806,13 @@
             <a:spLocks noGrp="1"/>
           </p:cNvSpPr>
           <p:nvPr>
-            <p:ph idx="1"/>
+            <p:ph sz="half" idx="2"/>
           </p:nvPr>
         </p:nvSpPr>
         <p:spPr/>
         <p:txBody>
           <a:bodyPr>
-            <a:normAutofit/>
+            <a:normAutofit lnSpcReduction="10000"/>
           </a:bodyPr>
           <a:lstStyle/>
           <a:p>
@@ -15374,48 +15820,35 @@
               <a:buNone/>
             </a:pPr>
             <a:r>
-              <a:rPr lang="en-GB" sz="1800" dirty="0">
-                <a:latin typeface="Consolas" panose="020B0609020204030204" pitchFamily="49" charset="0"/>
-                <a:cs typeface="Consolas" panose="020B0609020204030204" pitchFamily="49" charset="0"/>
-              </a:rPr>
-              <a:t>$ </a:t>
-            </a:r>
-            <a:r>
-              <a:rPr lang="en-GB" sz="1800" dirty="0" err="1">
-                <a:latin typeface="Consolas" panose="020B0609020204030204" pitchFamily="49" charset="0"/>
-                <a:cs typeface="Consolas" panose="020B0609020204030204" pitchFamily="49" charset="0"/>
-              </a:rPr>
-              <a:t>arr</a:t>
-            </a:r>
-            <a:r>
-              <a:rPr lang="en-GB" sz="1800" dirty="0">
-                <a:latin typeface="Consolas" panose="020B0609020204030204" pitchFamily="49" charset="0"/>
-                <a:cs typeface="Consolas" panose="020B0609020204030204" pitchFamily="49" charset="0"/>
-              </a:rPr>
-              <a:t>=()               # array </a:t>
-            </a:r>
-            <a:r>
-              <a:rPr lang="en-GB" sz="1800" dirty="0" err="1">
-                <a:latin typeface="Consolas" panose="020B0609020204030204" pitchFamily="49" charset="0"/>
-                <a:cs typeface="Consolas" panose="020B0609020204030204" pitchFamily="49" charset="0"/>
-              </a:rPr>
-              <a:t>definito</a:t>
-            </a:r>
-            <a:r>
-              <a:rPr lang="en-GB" sz="1800" dirty="0">
-                <a:latin typeface="Consolas" panose="020B0609020204030204" pitchFamily="49" charset="0"/>
-                <a:cs typeface="Consolas" panose="020B0609020204030204" pitchFamily="49" charset="0"/>
-              </a:rPr>
-              <a:t> </a:t>
-            </a:r>
-            <a:r>
-              <a:rPr lang="en-GB" sz="1800" dirty="0" err="1">
-                <a:latin typeface="Consolas" panose="020B0609020204030204" pitchFamily="49" charset="0"/>
-                <a:cs typeface="Consolas" panose="020B0609020204030204" pitchFamily="49" charset="0"/>
-              </a:rPr>
-              <a:t>vuoto</a:t>
-            </a:r>
-            <a:endParaRPr lang="en-GB" sz="1800" dirty="0">
+              <a:rPr lang="en-GB" sz="1500" dirty="0">
+                <a:solidFill>
+                  <a:schemeClr val="accent6">
+                    <a:lumMod val="75000"/>
+                  </a:schemeClr>
+                </a:solidFill>
+                <a:latin typeface="Consolas" panose="020B0609020204030204" pitchFamily="49" charset="0"/>
+                <a:cs typeface="Consolas" panose="020B0609020204030204" pitchFamily="49" charset="0"/>
+              </a:rPr>
+              <a:t>$ vim </a:t>
+            </a:r>
+            <a:r>
+              <a:rPr lang="en-GB" sz="1500" dirty="0" err="1">
+                <a:solidFill>
+                  <a:schemeClr val="accent6">
+                    <a:lumMod val="75000"/>
+                  </a:schemeClr>
+                </a:solidFill>
+                <a:latin typeface="Consolas" panose="020B0609020204030204" pitchFamily="49" charset="0"/>
+                <a:cs typeface="Consolas" panose="020B0609020204030204" pitchFamily="49" charset="0"/>
+              </a:rPr>
+              <a:t>script.sh</a:t>
+            </a:r>
+            <a:endParaRPr lang="en-GB" sz="1500" dirty="0">
+              <a:solidFill>
+                <a:schemeClr val="accent6">
+                  <a:lumMod val="75000"/>
+                </a:schemeClr>
+              </a:solidFill>
               <a:latin typeface="Consolas" panose="020B0609020204030204" pitchFamily="49" charset="0"/>
               <a:cs typeface="Consolas" panose="020B0609020204030204" pitchFamily="49" charset="0"/>
             </a:endParaRPr>
@@ -15425,62 +15858,18 @@
               <a:buNone/>
             </a:pPr>
             <a:r>
-              <a:rPr lang="en-GB" sz="1800" dirty="0">
-                <a:latin typeface="Consolas" panose="020B0609020204030204" pitchFamily="49" charset="0"/>
-                <a:cs typeface="Consolas" panose="020B0609020204030204" pitchFamily="49" charset="0"/>
-              </a:rPr>
-              <a:t>$ </a:t>
-            </a:r>
-            <a:r>
-              <a:rPr lang="en-GB" sz="1800" dirty="0" err="1">
-                <a:latin typeface="Consolas" panose="020B0609020204030204" pitchFamily="49" charset="0"/>
-                <a:cs typeface="Consolas" panose="020B0609020204030204" pitchFamily="49" charset="0"/>
-              </a:rPr>
-              <a:t>arr</a:t>
-            </a:r>
-            <a:r>
-              <a:rPr lang="en-GB" sz="1800" dirty="0">
-                <a:latin typeface="Consolas" panose="020B0609020204030204" pitchFamily="49" charset="0"/>
-                <a:cs typeface="Consolas" panose="020B0609020204030204" pitchFamily="49" charset="0"/>
-              </a:rPr>
-              <a:t>=(1 2 3)          # array </a:t>
-            </a:r>
-            <a:r>
-              <a:rPr lang="en-GB" sz="1800" dirty="0" err="1">
-                <a:latin typeface="Consolas" panose="020B0609020204030204" pitchFamily="49" charset="0"/>
-                <a:cs typeface="Consolas" panose="020B0609020204030204" pitchFamily="49" charset="0"/>
-              </a:rPr>
-              <a:t>definito</a:t>
-            </a:r>
-            <a:r>
-              <a:rPr lang="en-GB" sz="1800" dirty="0">
-                <a:latin typeface="Consolas" panose="020B0609020204030204" pitchFamily="49" charset="0"/>
-                <a:cs typeface="Consolas" panose="020B0609020204030204" pitchFamily="49" charset="0"/>
-              </a:rPr>
-              <a:t> con </a:t>
-            </a:r>
-            <a:r>
-              <a:rPr lang="en-GB" sz="1800" dirty="0" err="1">
-                <a:latin typeface="Consolas" panose="020B0609020204030204" pitchFamily="49" charset="0"/>
-                <a:cs typeface="Consolas" panose="020B0609020204030204" pitchFamily="49" charset="0"/>
-              </a:rPr>
-              <a:t>valori</a:t>
-            </a:r>
-            <a:r>
-              <a:rPr lang="en-GB" sz="1800" dirty="0">
-                <a:latin typeface="Consolas" panose="020B0609020204030204" pitchFamily="49" charset="0"/>
-                <a:cs typeface="Consolas" panose="020B0609020204030204" pitchFamily="49" charset="0"/>
-              </a:rPr>
-              <a:t> </a:t>
-            </a:r>
-            <a:r>
-              <a:rPr lang="en-GB" sz="1800" dirty="0" err="1">
-                <a:latin typeface="Consolas" panose="020B0609020204030204" pitchFamily="49" charset="0"/>
-                <a:cs typeface="Consolas" panose="020B0609020204030204" pitchFamily="49" charset="0"/>
-              </a:rPr>
-              <a:t>all’intero</a:t>
-            </a:r>
-            <a:endParaRPr lang="en-GB" sz="1800" dirty="0">
+              <a:rPr lang="en-GB" sz="1500" dirty="0">
+                <a:latin typeface="Consolas" panose="020B0609020204030204" pitchFamily="49" charset="0"/>
+                <a:cs typeface="Consolas" panose="020B0609020204030204" pitchFamily="49" charset="0"/>
+              </a:rPr>
+              <a:t>#!/bin/bash</a:t>
+            </a:r>
+          </a:p>
+          <a:p>
+            <a:pPr marL="0" indent="0">
+              <a:buNone/>
+            </a:pPr>
+            <a:endParaRPr lang="en-GB" sz="1500" dirty="0">
               <a:latin typeface="Consolas" panose="020B0609020204030204" pitchFamily="49" charset="0"/>
               <a:cs typeface="Consolas" panose="020B0609020204030204" pitchFamily="49" charset="0"/>
             </a:endParaRPr>
@@ -15490,62 +15879,76 @@
               <a:buNone/>
             </a:pPr>
             <a:r>
-              <a:rPr lang="en-GB" sz="1800" dirty="0">
-                <a:latin typeface="Consolas" panose="020B0609020204030204" pitchFamily="49" charset="0"/>
-                <a:cs typeface="Consolas" panose="020B0609020204030204" pitchFamily="49" charset="0"/>
-              </a:rPr>
-              <a:t>$ </a:t>
-            </a:r>
-            <a:r>
-              <a:rPr lang="en-GB" sz="1800" dirty="0" err="1">
-                <a:latin typeface="Consolas" panose="020B0609020204030204" pitchFamily="49" charset="0"/>
-                <a:cs typeface="Consolas" panose="020B0609020204030204" pitchFamily="49" charset="0"/>
-              </a:rPr>
-              <a:t>arr</a:t>
-            </a:r>
-            <a:r>
-              <a:rPr lang="en-GB" sz="1800" dirty="0">
-                <a:latin typeface="Consolas" panose="020B0609020204030204" pitchFamily="49" charset="0"/>
-                <a:cs typeface="Consolas" panose="020B0609020204030204" pitchFamily="49" charset="0"/>
-              </a:rPr>
-              <a:t>+=(4 5)           # </a:t>
-            </a:r>
-            <a:r>
-              <a:rPr lang="en-GB" sz="1800" dirty="0" err="1">
-                <a:latin typeface="Consolas" panose="020B0609020204030204" pitchFamily="49" charset="0"/>
-                <a:cs typeface="Consolas" panose="020B0609020204030204" pitchFamily="49" charset="0"/>
-              </a:rPr>
-              <a:t>aggiunge</a:t>
-            </a:r>
-            <a:r>
-              <a:rPr lang="en-GB" sz="1800" dirty="0">
+              <a:rPr lang="en-GB" sz="1500" dirty="0">
+                <a:solidFill>
+                  <a:schemeClr val="accent6">
+                    <a:lumMod val="75000"/>
+                  </a:schemeClr>
+                </a:solidFill>
+                <a:latin typeface="Consolas" panose="020B0609020204030204" pitchFamily="49" charset="0"/>
+                <a:cs typeface="Consolas" panose="020B0609020204030204" pitchFamily="49" charset="0"/>
+              </a:rPr>
+              <a:t>source </a:t>
+            </a:r>
+            <a:r>
+              <a:rPr lang="en-GB" sz="1500" dirty="0" err="1">
+                <a:solidFill>
+                  <a:schemeClr val="accent6">
+                    <a:lumMod val="75000"/>
+                  </a:schemeClr>
+                </a:solidFill>
+                <a:latin typeface="Consolas" panose="020B0609020204030204" pitchFamily="49" charset="0"/>
+                <a:cs typeface="Consolas" panose="020B0609020204030204" pitchFamily="49" charset="0"/>
+              </a:rPr>
+              <a:t>lib.sh</a:t>
+            </a:r>
+            <a:r>
+              <a:rPr lang="en-GB" sz="1500" dirty="0">
+                <a:solidFill>
+                  <a:schemeClr val="accent6">
+                    <a:lumMod val="75000"/>
+                  </a:schemeClr>
+                </a:solidFill>
                 <a:latin typeface="Consolas" panose="020B0609020204030204" pitchFamily="49" charset="0"/>
                 <a:cs typeface="Consolas" panose="020B0609020204030204" pitchFamily="49" charset="0"/>
               </a:rPr>
               <a:t> </a:t>
             </a:r>
-            <a:r>
-              <a:rPr lang="en-GB" sz="1800" dirty="0" err="1">
-                <a:latin typeface="Consolas" panose="020B0609020204030204" pitchFamily="49" charset="0"/>
-                <a:cs typeface="Consolas" panose="020B0609020204030204" pitchFamily="49" charset="0"/>
-              </a:rPr>
-              <a:t>valori</a:t>
-            </a:r>
-            <a:r>
-              <a:rPr lang="en-GB" sz="1800" dirty="0">
-                <a:latin typeface="Consolas" panose="020B0609020204030204" pitchFamily="49" charset="0"/>
-                <a:cs typeface="Consolas" panose="020B0609020204030204" pitchFamily="49" charset="0"/>
-              </a:rPr>
-              <a:t> ad array </a:t>
-            </a:r>
-            <a:r>
-              <a:rPr lang="en-GB" sz="1800" dirty="0" err="1">
-                <a:latin typeface="Consolas" panose="020B0609020204030204" pitchFamily="49" charset="0"/>
-                <a:cs typeface="Consolas" panose="020B0609020204030204" pitchFamily="49" charset="0"/>
-              </a:rPr>
-              <a:t>esistente</a:t>
-            </a:r>
-            <a:endParaRPr lang="en-GB" sz="1800" dirty="0">
+          </a:p>
+          <a:p>
+            <a:pPr marL="0" indent="0">
+              <a:buNone/>
+            </a:pPr>
+            <a:r>
+              <a:rPr lang="en-GB" sz="1500" dirty="0">
+                <a:solidFill>
+                  <a:schemeClr val="accent6">
+                    <a:lumMod val="75000"/>
+                  </a:schemeClr>
+                </a:solidFill>
+                <a:latin typeface="Consolas" panose="020B0609020204030204" pitchFamily="49" charset="0"/>
+                <a:cs typeface="Consolas" panose="020B0609020204030204" pitchFamily="49" charset="0"/>
+              </a:rPr>
+              <a:t># </a:t>
+            </a:r>
+            <a:r>
+              <a:rPr lang="en-GB" sz="1500" dirty="0" err="1">
+                <a:solidFill>
+                  <a:schemeClr val="accent6">
+                    <a:lumMod val="75000"/>
+                  </a:schemeClr>
+                </a:solidFill>
+                <a:latin typeface="Consolas" panose="020B0609020204030204" pitchFamily="49" charset="0"/>
+                <a:cs typeface="Consolas" panose="020B0609020204030204" pitchFamily="49" charset="0"/>
+              </a:rPr>
+              <a:t>oppure</a:t>
+            </a:r>
+            <a:endParaRPr lang="en-GB" sz="1500" dirty="0">
+              <a:solidFill>
+                <a:schemeClr val="accent6">
+                  <a:lumMod val="75000"/>
+                </a:schemeClr>
+              </a:solidFill>
               <a:latin typeface="Consolas" panose="020B0609020204030204" pitchFamily="49" charset="0"/>
               <a:cs typeface="Consolas" panose="020B0609020204030204" pitchFamily="49" charset="0"/>
             </a:endParaRPr>
@@ -15555,144 +15958,35 @@
               <a:buNone/>
             </a:pPr>
             <a:r>
-              <a:rPr lang="en-GB" sz="1800" dirty="0">
-                <a:latin typeface="Consolas" panose="020B0609020204030204" pitchFamily="49" charset="0"/>
-                <a:cs typeface="Consolas" panose="020B0609020204030204" pitchFamily="49" charset="0"/>
-              </a:rPr>
-              <a:t>$ </a:t>
-            </a:r>
-            <a:r>
-              <a:rPr lang="en-GB" sz="1800" dirty="0" err="1">
-                <a:latin typeface="Consolas" panose="020B0609020204030204" pitchFamily="49" charset="0"/>
-                <a:cs typeface="Consolas" panose="020B0609020204030204" pitchFamily="49" charset="0"/>
-              </a:rPr>
-              <a:t>arr</a:t>
-            </a:r>
-            <a:r>
-              <a:rPr lang="en-GB" sz="1800" dirty="0">
-                <a:latin typeface="Consolas" panose="020B0609020204030204" pitchFamily="49" charset="0"/>
-                <a:cs typeface="Consolas" panose="020B0609020204030204" pitchFamily="49" charset="0"/>
-              </a:rPr>
-              <a:t>[0]=3             # </a:t>
-            </a:r>
-            <a:r>
-              <a:rPr lang="en-GB" sz="1800" dirty="0" err="1">
-                <a:latin typeface="Consolas" panose="020B0609020204030204" pitchFamily="49" charset="0"/>
-                <a:cs typeface="Consolas" panose="020B0609020204030204" pitchFamily="49" charset="0"/>
-              </a:rPr>
-              <a:t>sovrascrive</a:t>
-            </a:r>
-            <a:r>
-              <a:rPr lang="en-GB" sz="1800" dirty="0">
-                <a:latin typeface="Consolas" panose="020B0609020204030204" pitchFamily="49" charset="0"/>
-                <a:cs typeface="Consolas" panose="020B0609020204030204" pitchFamily="49" charset="0"/>
-              </a:rPr>
-              <a:t> </a:t>
-            </a:r>
-            <a:r>
-              <a:rPr lang="en-GB" sz="1800" dirty="0" err="1">
-                <a:latin typeface="Consolas" panose="020B0609020204030204" pitchFamily="49" charset="0"/>
-                <a:cs typeface="Consolas" panose="020B0609020204030204" pitchFamily="49" charset="0"/>
-              </a:rPr>
-              <a:t>valore</a:t>
-            </a:r>
-            <a:r>
-              <a:rPr lang="en-GB" sz="1800" dirty="0">
-                <a:latin typeface="Consolas" panose="020B0609020204030204" pitchFamily="49" charset="0"/>
-                <a:cs typeface="Consolas" panose="020B0609020204030204" pitchFamily="49" charset="0"/>
-              </a:rPr>
-              <a:t> di </a:t>
-            </a:r>
-            <a:r>
-              <a:rPr lang="en-GB" sz="1800" dirty="0" err="1">
-                <a:latin typeface="Consolas" panose="020B0609020204030204" pitchFamily="49" charset="0"/>
-                <a:cs typeface="Consolas" panose="020B0609020204030204" pitchFamily="49" charset="0"/>
-              </a:rPr>
-              <a:t>indice</a:t>
-            </a:r>
-            <a:r>
-              <a:rPr lang="en-GB" sz="1800" dirty="0">
-                <a:latin typeface="Consolas" panose="020B0609020204030204" pitchFamily="49" charset="0"/>
-                <a:cs typeface="Consolas" panose="020B0609020204030204" pitchFamily="49" charset="0"/>
-              </a:rPr>
-              <a:t> 0</a:t>
-            </a:r>
-          </a:p>
-          <a:p>
-            <a:pPr marL="0" indent="0">
-              <a:buNone/>
-            </a:pPr>
-            <a:r>
-              <a:rPr lang="en-GB" sz="1800" dirty="0">
-                <a:latin typeface="Consolas" panose="020B0609020204030204" pitchFamily="49" charset="0"/>
-                <a:cs typeface="Consolas" panose="020B0609020204030204" pitchFamily="49" charset="0"/>
-              </a:rPr>
-              <a:t>$ echo ${</a:t>
-            </a:r>
-            <a:r>
-              <a:rPr lang="en-GB" sz="1800" dirty="0" err="1">
-                <a:latin typeface="Consolas" panose="020B0609020204030204" pitchFamily="49" charset="0"/>
-                <a:cs typeface="Consolas" panose="020B0609020204030204" pitchFamily="49" charset="0"/>
-              </a:rPr>
-              <a:t>arr</a:t>
-            </a:r>
-            <a:r>
-              <a:rPr lang="en-GB" sz="1800" dirty="0">
-                <a:latin typeface="Consolas" panose="020B0609020204030204" pitchFamily="49" charset="0"/>
-                <a:cs typeface="Consolas" panose="020B0609020204030204" pitchFamily="49" charset="0"/>
-              </a:rPr>
-              <a:t>[@]}       # </a:t>
-            </a:r>
-            <a:r>
-              <a:rPr lang="en-GB" sz="1800" dirty="0" err="1">
-                <a:latin typeface="Consolas" panose="020B0609020204030204" pitchFamily="49" charset="0"/>
-                <a:cs typeface="Consolas" panose="020B0609020204030204" pitchFamily="49" charset="0"/>
-              </a:rPr>
-              <a:t>mostra</a:t>
-            </a:r>
-            <a:r>
-              <a:rPr lang="en-GB" sz="1800" dirty="0">
-                <a:latin typeface="Consolas" panose="020B0609020204030204" pitchFamily="49" charset="0"/>
-                <a:cs typeface="Consolas" panose="020B0609020204030204" pitchFamily="49" charset="0"/>
-              </a:rPr>
-              <a:t> </a:t>
-            </a:r>
-            <a:r>
-              <a:rPr lang="en-GB" sz="1800" dirty="0" err="1">
-                <a:latin typeface="Consolas" panose="020B0609020204030204" pitchFamily="49" charset="0"/>
-                <a:cs typeface="Consolas" panose="020B0609020204030204" pitchFamily="49" charset="0"/>
-              </a:rPr>
-              <a:t>i</a:t>
-            </a:r>
-            <a:r>
-              <a:rPr lang="en-GB" sz="1800" dirty="0">
-                <a:latin typeface="Consolas" panose="020B0609020204030204" pitchFamily="49" charset="0"/>
-                <a:cs typeface="Consolas" panose="020B0609020204030204" pitchFamily="49" charset="0"/>
-              </a:rPr>
-              <a:t> </a:t>
-            </a:r>
-            <a:r>
-              <a:rPr lang="en-GB" sz="1800" dirty="0" err="1">
-                <a:latin typeface="Consolas" panose="020B0609020204030204" pitchFamily="49" charset="0"/>
-                <a:cs typeface="Consolas" panose="020B0609020204030204" pitchFamily="49" charset="0"/>
-              </a:rPr>
-              <a:t>valori</a:t>
-            </a:r>
-            <a:r>
-              <a:rPr lang="en-GB" sz="1800" dirty="0">
-                <a:latin typeface="Consolas" panose="020B0609020204030204" pitchFamily="49" charset="0"/>
-                <a:cs typeface="Consolas" panose="020B0609020204030204" pitchFamily="49" charset="0"/>
-              </a:rPr>
-              <a:t> </a:t>
-            </a:r>
-            <a:r>
-              <a:rPr lang="en-GB" sz="1800" dirty="0" err="1">
-                <a:latin typeface="Consolas" panose="020B0609020204030204" pitchFamily="49" charset="0"/>
-                <a:cs typeface="Consolas" panose="020B0609020204030204" pitchFamily="49" charset="0"/>
-              </a:rPr>
-              <a:t>nell’array</a:t>
-            </a:r>
-            <a:endParaRPr lang="en-GB" sz="1800" dirty="0">
+              <a:rPr lang="en-GB" sz="1500" dirty="0">
+                <a:solidFill>
+                  <a:schemeClr val="accent6">
+                    <a:lumMod val="75000"/>
+                  </a:schemeClr>
+                </a:solidFill>
+                <a:latin typeface="Consolas" panose="020B0609020204030204" pitchFamily="49" charset="0"/>
+                <a:cs typeface="Consolas" panose="020B0609020204030204" pitchFamily="49" charset="0"/>
+              </a:rPr>
+              <a:t># . </a:t>
+            </a:r>
+            <a:r>
+              <a:rPr lang="en-GB" sz="1500" dirty="0" err="1">
+                <a:solidFill>
+                  <a:schemeClr val="accent6">
+                    <a:lumMod val="75000"/>
+                  </a:schemeClr>
+                </a:solidFill>
+                <a:latin typeface="Consolas" panose="020B0609020204030204" pitchFamily="49" charset="0"/>
+                <a:cs typeface="Consolas" panose="020B0609020204030204" pitchFamily="49" charset="0"/>
+              </a:rPr>
+              <a:t>lib.sh</a:t>
+            </a:r>
+            <a:endParaRPr lang="en-GB" sz="1500" dirty="0">
+              <a:solidFill>
+                <a:schemeClr val="accent6">
+                  <a:lumMod val="75000"/>
+                </a:schemeClr>
+              </a:solidFill>
               <a:latin typeface="Consolas" panose="020B0609020204030204" pitchFamily="49" charset="0"/>
               <a:cs typeface="Consolas" panose="020B0609020204030204" pitchFamily="49" charset="0"/>
             </a:endParaRPr>
@@ -15701,91 +15995,7 @@
             <a:pPr marL="0" indent="0">
               <a:buNone/>
             </a:pPr>
-            <a:r>
-              <a:rPr lang="en-GB" sz="1800" dirty="0">
-                <a:latin typeface="Consolas" panose="020B0609020204030204" pitchFamily="49" charset="0"/>
-                <a:cs typeface="Consolas" panose="020B0609020204030204" pitchFamily="49" charset="0"/>
-              </a:rPr>
-              <a:t>$ echo ${!</a:t>
-            </a:r>
-            <a:r>
-              <a:rPr lang="en-GB" sz="1800" dirty="0" err="1">
-                <a:latin typeface="Consolas" panose="020B0609020204030204" pitchFamily="49" charset="0"/>
-                <a:cs typeface="Consolas" panose="020B0609020204030204" pitchFamily="49" charset="0"/>
-              </a:rPr>
-              <a:t>arr</a:t>
-            </a:r>
-            <a:r>
-              <a:rPr lang="en-GB" sz="1800" dirty="0">
-                <a:latin typeface="Consolas" panose="020B0609020204030204" pitchFamily="49" charset="0"/>
-                <a:cs typeface="Consolas" panose="020B0609020204030204" pitchFamily="49" charset="0"/>
-              </a:rPr>
-              <a:t>[@]}      # </a:t>
-            </a:r>
-            <a:r>
-              <a:rPr lang="en-GB" sz="1800" dirty="0" err="1">
-                <a:latin typeface="Consolas" panose="020B0609020204030204" pitchFamily="49" charset="0"/>
-                <a:cs typeface="Consolas" panose="020B0609020204030204" pitchFamily="49" charset="0"/>
-              </a:rPr>
-              <a:t>mostra</a:t>
-            </a:r>
-            <a:r>
-              <a:rPr lang="en-GB" sz="1800" dirty="0">
-                <a:latin typeface="Consolas" panose="020B0609020204030204" pitchFamily="49" charset="0"/>
-                <a:cs typeface="Consolas" panose="020B0609020204030204" pitchFamily="49" charset="0"/>
-              </a:rPr>
-              <a:t> </a:t>
-            </a:r>
-            <a:r>
-              <a:rPr lang="en-GB" sz="1800" dirty="0" err="1">
-                <a:latin typeface="Consolas" panose="020B0609020204030204" pitchFamily="49" charset="0"/>
-                <a:cs typeface="Consolas" panose="020B0609020204030204" pitchFamily="49" charset="0"/>
-              </a:rPr>
-              <a:t>gli</a:t>
-            </a:r>
-            <a:r>
-              <a:rPr lang="en-GB" sz="1800" dirty="0">
-                <a:latin typeface="Consolas" panose="020B0609020204030204" pitchFamily="49" charset="0"/>
-                <a:cs typeface="Consolas" panose="020B0609020204030204" pitchFamily="49" charset="0"/>
-              </a:rPr>
-              <a:t> </a:t>
-            </a:r>
-            <a:r>
-              <a:rPr lang="en-GB" sz="1800" dirty="0" err="1">
-                <a:latin typeface="Consolas" panose="020B0609020204030204" pitchFamily="49" charset="0"/>
-                <a:cs typeface="Consolas" panose="020B0609020204030204" pitchFamily="49" charset="0"/>
-              </a:rPr>
-              <a:t>indici</a:t>
-            </a:r>
-            <a:r>
-              <a:rPr lang="en-GB" sz="1800" dirty="0">
-                <a:latin typeface="Consolas" panose="020B0609020204030204" pitchFamily="49" charset="0"/>
-                <a:cs typeface="Consolas" panose="020B0609020204030204" pitchFamily="49" charset="0"/>
-              </a:rPr>
-              <a:t> </a:t>
-            </a:r>
-            <a:r>
-              <a:rPr lang="en-GB" sz="1800" dirty="0" err="1">
-                <a:latin typeface="Consolas" panose="020B0609020204030204" pitchFamily="49" charset="0"/>
-                <a:cs typeface="Consolas" panose="020B0609020204030204" pitchFamily="49" charset="0"/>
-              </a:rPr>
-              <a:t>validi</a:t>
-            </a:r>
-            <a:r>
-              <a:rPr lang="en-GB" sz="1800" dirty="0">
-                <a:latin typeface="Consolas" panose="020B0609020204030204" pitchFamily="49" charset="0"/>
-                <a:cs typeface="Consolas" panose="020B0609020204030204" pitchFamily="49" charset="0"/>
-              </a:rPr>
-              <a:t> </a:t>
-            </a:r>
-            <a:r>
-              <a:rPr lang="en-GB" sz="1800" dirty="0" err="1">
-                <a:latin typeface="Consolas" panose="020B0609020204030204" pitchFamily="49" charset="0"/>
-                <a:cs typeface="Consolas" panose="020B0609020204030204" pitchFamily="49" charset="0"/>
-              </a:rPr>
-              <a:t>dell’array</a:t>
-            </a:r>
-            <a:endParaRPr lang="en-GB" sz="1800" dirty="0">
+            <a:endParaRPr lang="en-GB" sz="1500" dirty="0">
               <a:latin typeface="Consolas" panose="020B0609020204030204" pitchFamily="49" charset="0"/>
               <a:cs typeface="Consolas" panose="020B0609020204030204" pitchFamily="49" charset="0"/>
             </a:endParaRPr>
@@ -15795,90 +16005,116 @@
               <a:buNone/>
             </a:pPr>
             <a:r>
-              <a:rPr lang="en-GB" sz="1800" dirty="0">
-                <a:latin typeface="Consolas" panose="020B0609020204030204" pitchFamily="49" charset="0"/>
-                <a:cs typeface="Consolas" panose="020B0609020204030204" pitchFamily="49" charset="0"/>
-              </a:rPr>
-              <a:t>$ echo ${#</a:t>
-            </a:r>
-            <a:r>
-              <a:rPr lang="en-GB" sz="1800" dirty="0" err="1">
-                <a:latin typeface="Consolas" panose="020B0609020204030204" pitchFamily="49" charset="0"/>
-                <a:cs typeface="Consolas" panose="020B0609020204030204" pitchFamily="49" charset="0"/>
-              </a:rPr>
-              <a:t>arr</a:t>
-            </a:r>
-            <a:r>
-              <a:rPr lang="en-GB" sz="1800" dirty="0">
-                <a:latin typeface="Consolas" panose="020B0609020204030204" pitchFamily="49" charset="0"/>
-                <a:cs typeface="Consolas" panose="020B0609020204030204" pitchFamily="49" charset="0"/>
-              </a:rPr>
-              <a:t>[@]}      # </a:t>
-            </a:r>
-            <a:r>
-              <a:rPr lang="en-GB" sz="1800" dirty="0" err="1">
-                <a:latin typeface="Consolas" panose="020B0609020204030204" pitchFamily="49" charset="0"/>
-                <a:cs typeface="Consolas" panose="020B0609020204030204" pitchFamily="49" charset="0"/>
-              </a:rPr>
-              <a:t>mostra</a:t>
-            </a:r>
-            <a:r>
-              <a:rPr lang="en-GB" sz="1800" dirty="0">
-                <a:latin typeface="Consolas" panose="020B0609020204030204" pitchFamily="49" charset="0"/>
-                <a:cs typeface="Consolas" panose="020B0609020204030204" pitchFamily="49" charset="0"/>
-              </a:rPr>
-              <a:t> </a:t>
-            </a:r>
-            <a:r>
-              <a:rPr lang="en-GB" sz="1800" dirty="0" err="1">
-                <a:latin typeface="Consolas" panose="020B0609020204030204" pitchFamily="49" charset="0"/>
-                <a:cs typeface="Consolas" panose="020B0609020204030204" pitchFamily="49" charset="0"/>
-              </a:rPr>
-              <a:t>il</a:t>
-            </a:r>
-            <a:r>
-              <a:rPr lang="en-GB" sz="1800" dirty="0">
-                <a:latin typeface="Consolas" panose="020B0609020204030204" pitchFamily="49" charset="0"/>
-                <a:cs typeface="Consolas" panose="020B0609020204030204" pitchFamily="49" charset="0"/>
-              </a:rPr>
-              <a:t> </a:t>
-            </a:r>
-            <a:r>
-              <a:rPr lang="en-GB" sz="1800" dirty="0" err="1">
-                <a:latin typeface="Consolas" panose="020B0609020204030204" pitchFamily="49" charset="0"/>
-                <a:cs typeface="Consolas" panose="020B0609020204030204" pitchFamily="49" charset="0"/>
-              </a:rPr>
-              <a:t>numero</a:t>
-            </a:r>
-            <a:r>
-              <a:rPr lang="en-GB" sz="1800" dirty="0">
-                <a:latin typeface="Consolas" panose="020B0609020204030204" pitchFamily="49" charset="0"/>
-                <a:cs typeface="Consolas" panose="020B0609020204030204" pitchFamily="49" charset="0"/>
-              </a:rPr>
-              <a:t> di </a:t>
-            </a:r>
-            <a:r>
-              <a:rPr lang="en-GB" sz="1800" dirty="0" err="1">
-                <a:latin typeface="Consolas" panose="020B0609020204030204" pitchFamily="49" charset="0"/>
-                <a:cs typeface="Consolas" panose="020B0609020204030204" pitchFamily="49" charset="0"/>
-              </a:rPr>
-              <a:t>valori</a:t>
-            </a:r>
-            <a:r>
-              <a:rPr lang="en-GB" sz="1800" dirty="0">
-                <a:latin typeface="Consolas" panose="020B0609020204030204" pitchFamily="49" charset="0"/>
-                <a:cs typeface="Consolas" panose="020B0609020204030204" pitchFamily="49" charset="0"/>
-              </a:rPr>
-              <a:t> </a:t>
-            </a:r>
-            <a:r>
-              <a:rPr lang="en-GB" sz="1800" dirty="0" err="1">
-                <a:latin typeface="Consolas" panose="020B0609020204030204" pitchFamily="49" charset="0"/>
-                <a:cs typeface="Consolas" panose="020B0609020204030204" pitchFamily="49" charset="0"/>
-              </a:rPr>
-              <a:t>nell’array</a:t>
-            </a:r>
-            <a:endParaRPr lang="en-GB" sz="1800" dirty="0">
+              <a:rPr lang="en-GB" sz="1500" dirty="0">
+                <a:latin typeface="Consolas" panose="020B0609020204030204" pitchFamily="49" charset="0"/>
+                <a:cs typeface="Consolas" panose="020B0609020204030204" pitchFamily="49" charset="0"/>
+              </a:rPr>
+              <a:t>for f in $*; do</a:t>
+            </a:r>
+          </a:p>
+          <a:p>
+            <a:pPr marL="0" indent="0">
+              <a:buNone/>
+            </a:pPr>
+            <a:r>
+              <a:rPr lang="en-GB" sz="1500" dirty="0">
+                <a:latin typeface="Consolas" panose="020B0609020204030204" pitchFamily="49" charset="0"/>
+                <a:cs typeface="Consolas" panose="020B0609020204030204" pitchFamily="49" charset="0"/>
+              </a:rPr>
+              <a:t>  process "$f"</a:t>
+            </a:r>
+          </a:p>
+          <a:p>
+            <a:pPr marL="0" indent="0">
+              <a:buNone/>
+            </a:pPr>
+            <a:r>
+              <a:rPr lang="en-GB" sz="1500" dirty="0">
+                <a:latin typeface="Consolas" panose="020B0609020204030204" pitchFamily="49" charset="0"/>
+                <a:cs typeface="Consolas" panose="020B0609020204030204" pitchFamily="49" charset="0"/>
+              </a:rPr>
+              <a:t>  if [ $? -</a:t>
+            </a:r>
+            <a:r>
+              <a:rPr lang="en-GB" sz="1500" dirty="0" err="1">
+                <a:latin typeface="Consolas" panose="020B0609020204030204" pitchFamily="49" charset="0"/>
+                <a:cs typeface="Consolas" panose="020B0609020204030204" pitchFamily="49" charset="0"/>
+              </a:rPr>
+              <a:t>eq</a:t>
+            </a:r>
+            <a:r>
+              <a:rPr lang="en-GB" sz="1500" dirty="0">
+                <a:latin typeface="Consolas" panose="020B0609020204030204" pitchFamily="49" charset="0"/>
+                <a:cs typeface="Consolas" panose="020B0609020204030204" pitchFamily="49" charset="0"/>
+              </a:rPr>
+              <a:t> 0 ]; then</a:t>
+            </a:r>
+          </a:p>
+          <a:p>
+            <a:pPr marL="0" indent="0">
+              <a:buNone/>
+            </a:pPr>
+            <a:r>
+              <a:rPr lang="en-GB" sz="1500" dirty="0">
+                <a:latin typeface="Consolas" panose="020B0609020204030204" pitchFamily="49" charset="0"/>
+                <a:cs typeface="Consolas" panose="020B0609020204030204" pitchFamily="49" charset="0"/>
+              </a:rPr>
+              <a:t>    echo " [pass]"</a:t>
+            </a:r>
+          </a:p>
+          <a:p>
+            <a:pPr marL="0" indent="0">
+              <a:buNone/>
+            </a:pPr>
+            <a:r>
+              <a:rPr lang="en-GB" sz="1500" dirty="0">
+                <a:latin typeface="Consolas" panose="020B0609020204030204" pitchFamily="49" charset="0"/>
+                <a:cs typeface="Consolas" panose="020B0609020204030204" pitchFamily="49" charset="0"/>
+              </a:rPr>
+              <a:t>  else</a:t>
+            </a:r>
+          </a:p>
+          <a:p>
+            <a:pPr marL="0" indent="0">
+              <a:buNone/>
+            </a:pPr>
+            <a:r>
+              <a:rPr lang="en-GB" sz="1500" dirty="0">
+                <a:latin typeface="Consolas" panose="020B0609020204030204" pitchFamily="49" charset="0"/>
+                <a:cs typeface="Consolas" panose="020B0609020204030204" pitchFamily="49" charset="0"/>
+              </a:rPr>
+              <a:t>    echo " [fail]"</a:t>
+            </a:r>
+          </a:p>
+          <a:p>
+            <a:pPr marL="0" indent="0">
+              <a:buNone/>
+            </a:pPr>
+            <a:r>
+              <a:rPr lang="en-GB" sz="1500" dirty="0">
+                <a:latin typeface="Consolas" panose="020B0609020204030204" pitchFamily="49" charset="0"/>
+                <a:cs typeface="Consolas" panose="020B0609020204030204" pitchFamily="49" charset="0"/>
+              </a:rPr>
+              <a:t>  fi</a:t>
+            </a:r>
+          </a:p>
+          <a:p>
+            <a:pPr marL="0" indent="0">
+              <a:buNone/>
+            </a:pPr>
+            <a:r>
+              <a:rPr lang="en-GB" sz="1500" dirty="0">
+                <a:latin typeface="Consolas" panose="020B0609020204030204" pitchFamily="49" charset="0"/>
+                <a:cs typeface="Consolas" panose="020B0609020204030204" pitchFamily="49" charset="0"/>
+              </a:rPr>
+              <a:t>done</a:t>
+            </a:r>
+          </a:p>
+          <a:p>
+            <a:pPr marL="0" indent="0">
+              <a:buNone/>
+            </a:pPr>
+            <a:endParaRPr lang="en-GB" sz="1500" dirty="0">
               <a:latin typeface="Consolas" panose="020B0609020204030204" pitchFamily="49" charset="0"/>
               <a:cs typeface="Consolas" panose="020B0609020204030204" pitchFamily="49" charset="0"/>
             </a:endParaRPr>
@@ -15888,114 +16124,18 @@
               <a:buNone/>
             </a:pPr>
             <a:r>
-              <a:rPr lang="en-GB" sz="1800" dirty="0">
-                <a:latin typeface="Consolas" panose="020B0609020204030204" pitchFamily="49" charset="0"/>
-                <a:cs typeface="Consolas" panose="020B0609020204030204" pitchFamily="49" charset="0"/>
-              </a:rPr>
-              <a:t>$ echo ${</a:t>
-            </a:r>
-            <a:r>
-              <a:rPr lang="en-GB" sz="1800" dirty="0" err="1">
-                <a:latin typeface="Consolas" panose="020B0609020204030204" pitchFamily="49" charset="0"/>
-                <a:cs typeface="Consolas" panose="020B0609020204030204" pitchFamily="49" charset="0"/>
-              </a:rPr>
-              <a:t>arr</a:t>
-            </a:r>
-            <a:r>
-              <a:rPr lang="en-GB" sz="1800" dirty="0">
-                <a:latin typeface="Consolas" panose="020B0609020204030204" pitchFamily="49" charset="0"/>
-                <a:cs typeface="Consolas" panose="020B0609020204030204" pitchFamily="49" charset="0"/>
-              </a:rPr>
-              <a:t>[@]:</a:t>
-            </a:r>
-            <a:r>
-              <a:rPr lang="en-GB" sz="1800" dirty="0" err="1">
-                <a:latin typeface="Consolas" panose="020B0609020204030204" pitchFamily="49" charset="0"/>
-                <a:cs typeface="Consolas" panose="020B0609020204030204" pitchFamily="49" charset="0"/>
-              </a:rPr>
-              <a:t>s:n</a:t>
-            </a:r>
-            <a:r>
-              <a:rPr lang="en-GB" sz="1800" dirty="0">
-                <a:latin typeface="Consolas" panose="020B0609020204030204" pitchFamily="49" charset="0"/>
-                <a:cs typeface="Consolas" panose="020B0609020204030204" pitchFamily="49" charset="0"/>
-              </a:rPr>
-              <a:t>}   # </a:t>
-            </a:r>
-            <a:r>
-              <a:rPr lang="en-GB" sz="1800" dirty="0" err="1">
-                <a:latin typeface="Consolas" panose="020B0609020204030204" pitchFamily="49" charset="0"/>
-                <a:cs typeface="Consolas" panose="020B0609020204030204" pitchFamily="49" charset="0"/>
-              </a:rPr>
-              <a:t>mostra</a:t>
-            </a:r>
-            <a:r>
-              <a:rPr lang="en-GB" sz="1800" dirty="0">
-                <a:latin typeface="Consolas" panose="020B0609020204030204" pitchFamily="49" charset="0"/>
-                <a:cs typeface="Consolas" panose="020B0609020204030204" pitchFamily="49" charset="0"/>
-              </a:rPr>
-              <a:t> n </a:t>
-            </a:r>
-            <a:r>
-              <a:rPr lang="en-GB" sz="1800" dirty="0" err="1">
-                <a:latin typeface="Consolas" panose="020B0609020204030204" pitchFamily="49" charset="0"/>
-                <a:cs typeface="Consolas" panose="020B0609020204030204" pitchFamily="49" charset="0"/>
-              </a:rPr>
-              <a:t>elementi</a:t>
-            </a:r>
-            <a:r>
-              <a:rPr lang="en-GB" sz="1800" dirty="0">
-                <a:latin typeface="Consolas" panose="020B0609020204030204" pitchFamily="49" charset="0"/>
-                <a:cs typeface="Consolas" panose="020B0609020204030204" pitchFamily="49" charset="0"/>
-              </a:rPr>
-              <a:t> </a:t>
-            </a:r>
-            <a:r>
-              <a:rPr lang="en-GB" sz="1800" dirty="0" err="1">
-                <a:latin typeface="Consolas" panose="020B0609020204030204" pitchFamily="49" charset="0"/>
-                <a:cs typeface="Consolas" panose="020B0609020204030204" pitchFamily="49" charset="0"/>
-              </a:rPr>
-              <a:t>partendo</a:t>
-            </a:r>
-            <a:r>
-              <a:rPr lang="en-GB" sz="1800" dirty="0">
-                <a:latin typeface="Consolas" panose="020B0609020204030204" pitchFamily="49" charset="0"/>
-                <a:cs typeface="Consolas" panose="020B0609020204030204" pitchFamily="49" charset="0"/>
-              </a:rPr>
-              <a:t> da </a:t>
-            </a:r>
-            <a:r>
-              <a:rPr lang="en-GB" sz="1800" dirty="0" err="1">
-                <a:latin typeface="Consolas" panose="020B0609020204030204" pitchFamily="49" charset="0"/>
-                <a:cs typeface="Consolas" panose="020B0609020204030204" pitchFamily="49" charset="0"/>
-              </a:rPr>
-              <a:t>indice</a:t>
-            </a:r>
-            <a:r>
-              <a:rPr lang="en-GB" sz="1800" dirty="0">
-                <a:latin typeface="Consolas" panose="020B0609020204030204" pitchFamily="49" charset="0"/>
-                <a:cs typeface="Consolas" panose="020B0609020204030204" pitchFamily="49" charset="0"/>
-              </a:rPr>
-              <a:t> s</a:t>
-            </a:r>
-          </a:p>
-          <a:p>
-            <a:pPr marL="0" indent="0">
-              <a:buNone/>
-            </a:pPr>
-            <a:endParaRPr lang="en-GB" sz="1800" dirty="0">
-              <a:latin typeface="Consolas" panose="020B0609020204030204" pitchFamily="49" charset="0"/>
-              <a:cs typeface="Consolas" panose="020B0609020204030204" pitchFamily="49" charset="0"/>
-            </a:endParaRPr>
-          </a:p>
-          <a:p>
-            <a:pPr marL="0" indent="0">
-              <a:buNone/>
-            </a:pPr>
-            <a:endParaRPr lang="en-GB" sz="1800" dirty="0">
-              <a:latin typeface="Consolas" panose="020B0609020204030204" pitchFamily="49" charset="0"/>
-              <a:cs typeface="Consolas" panose="020B0609020204030204" pitchFamily="49" charset="0"/>
-            </a:endParaRPr>
+              <a:rPr lang="en-GB" sz="1500" dirty="0">
+                <a:latin typeface="Consolas" panose="020B0609020204030204" pitchFamily="49" charset="0"/>
+                <a:cs typeface="Consolas" panose="020B0609020204030204" pitchFamily="49" charset="0"/>
+              </a:rPr>
+              <a:t>exit 0</a:t>
+            </a:r>
+          </a:p>
+          <a:p>
+            <a:pPr marL="0" indent="0">
+              <a:buNone/>
+            </a:pPr>
+            <a:endParaRPr lang="en-GB" sz="1500" dirty="0"/>
           </a:p>
         </p:txBody>
       </p:sp>
@@ -16004,7 +16144,7 @@
           <p:cNvPr id="4" name="Slide Number Placeholder 3">
             <a:extLst>
               <a:ext uri="{FF2B5EF4-FFF2-40B4-BE49-F238E27FC236}">
-                <a16:creationId xmlns:a16="http://schemas.microsoft.com/office/drawing/2014/main" id="{D413E47F-1D76-6A46-B097-CF9157ECE1AA}"/>
+                <a16:creationId xmlns:a16="http://schemas.microsoft.com/office/drawing/2014/main" id="{C5FDE599-C886-144D-AC72-7D0A0EE41991}"/>
               </a:ext>
             </a:extLst>
           </p:cNvPr>
@@ -16029,10 +16169,156 @@
           </a:p>
         </p:txBody>
       </p:sp>
+      <p:sp>
+        <p:nvSpPr>
+          <p:cNvPr id="8" name="Content Placeholder 7">
+            <a:extLst>
+              <a:ext uri="{FF2B5EF4-FFF2-40B4-BE49-F238E27FC236}">
+                <a16:creationId xmlns:a16="http://schemas.microsoft.com/office/drawing/2014/main" id="{AA0E5D73-C878-F34C-9109-86F806C56798}"/>
+              </a:ext>
+            </a:extLst>
+          </p:cNvPr>
+          <p:cNvSpPr>
+            <a:spLocks noGrp="1"/>
+          </p:cNvSpPr>
+          <p:nvPr>
+            <p:ph sz="half" idx="1"/>
+          </p:nvPr>
+        </p:nvSpPr>
+        <p:spPr/>
+        <p:txBody>
+          <a:bodyPr>
+            <a:noAutofit/>
+          </a:bodyPr>
+          <a:lstStyle/>
+          <a:p>
+            <a:pPr marL="0" indent="0">
+              <a:buNone/>
+            </a:pPr>
+            <a:r>
+              <a:rPr lang="en-GB" sz="1500" dirty="0">
+                <a:solidFill>
+                  <a:schemeClr val="accent6">
+                    <a:lumMod val="75000"/>
+                  </a:schemeClr>
+                </a:solidFill>
+                <a:latin typeface="Consolas" panose="020B0609020204030204" pitchFamily="49" charset="0"/>
+                <a:cs typeface="Consolas" panose="020B0609020204030204" pitchFamily="49" charset="0"/>
+              </a:rPr>
+              <a:t>$ vim </a:t>
+            </a:r>
+            <a:r>
+              <a:rPr lang="en-GB" sz="1500" dirty="0" err="1">
+                <a:solidFill>
+                  <a:schemeClr val="accent6">
+                    <a:lumMod val="75000"/>
+                  </a:schemeClr>
+                </a:solidFill>
+                <a:latin typeface="Consolas" panose="020B0609020204030204" pitchFamily="49" charset="0"/>
+                <a:cs typeface="Consolas" panose="020B0609020204030204" pitchFamily="49" charset="0"/>
+              </a:rPr>
+              <a:t>lib.sh</a:t>
+            </a:r>
+            <a:endParaRPr lang="en-GB" sz="1500" dirty="0">
+              <a:solidFill>
+                <a:schemeClr val="accent6">
+                  <a:lumMod val="75000"/>
+                </a:schemeClr>
+              </a:solidFill>
+              <a:latin typeface="Consolas" panose="020B0609020204030204" pitchFamily="49" charset="0"/>
+              <a:cs typeface="Consolas" panose="020B0609020204030204" pitchFamily="49" charset="0"/>
+            </a:endParaRPr>
+          </a:p>
+          <a:p>
+            <a:pPr marL="0" indent="0">
+              <a:buNone/>
+            </a:pPr>
+            <a:r>
+              <a:rPr lang="en-GB" sz="1500" dirty="0">
+                <a:latin typeface="Consolas" panose="020B0609020204030204" pitchFamily="49" charset="0"/>
+                <a:cs typeface="Consolas" panose="020B0609020204030204" pitchFamily="49" charset="0"/>
+              </a:rPr>
+              <a:t>#!/bin/bash</a:t>
+            </a:r>
+          </a:p>
+          <a:p>
+            <a:pPr marL="0" indent="0">
+              <a:buNone/>
+            </a:pPr>
+            <a:endParaRPr lang="en-GB" sz="1500" dirty="0">
+              <a:latin typeface="Consolas" panose="020B0609020204030204" pitchFamily="49" charset="0"/>
+              <a:cs typeface="Consolas" panose="020B0609020204030204" pitchFamily="49" charset="0"/>
+            </a:endParaRPr>
+          </a:p>
+          <a:p>
+            <a:pPr marL="0" indent="0">
+              <a:buNone/>
+            </a:pPr>
+            <a:r>
+              <a:rPr lang="en-GB" sz="1500" dirty="0">
+                <a:latin typeface="Consolas" panose="020B0609020204030204" pitchFamily="49" charset="0"/>
+                <a:cs typeface="Consolas" panose="020B0609020204030204" pitchFamily="49" charset="0"/>
+              </a:rPr>
+              <a:t>process() {</a:t>
+            </a:r>
+          </a:p>
+          <a:p>
+            <a:pPr marL="0" indent="0">
+              <a:buNone/>
+            </a:pPr>
+            <a:r>
+              <a:rPr lang="en-GB" sz="1500" dirty="0">
+                <a:latin typeface="Consolas" panose="020B0609020204030204" pitchFamily="49" charset="0"/>
+                <a:cs typeface="Consolas" panose="020B0609020204030204" pitchFamily="49" charset="0"/>
+              </a:rPr>
+              <a:t>  echo -n "$1"</a:t>
+            </a:r>
+          </a:p>
+          <a:p>
+            <a:pPr marL="0" indent="0">
+              <a:buNone/>
+            </a:pPr>
+            <a:r>
+              <a:rPr lang="en-GB" sz="1500" dirty="0">
+                <a:latin typeface="Consolas" panose="020B0609020204030204" pitchFamily="49" charset="0"/>
+                <a:cs typeface="Consolas" panose="020B0609020204030204" pitchFamily="49" charset="0"/>
+              </a:rPr>
+              <a:t>  [ -d "$1" -a -x "$1" ] &amp;&amp; return 0</a:t>
+            </a:r>
+          </a:p>
+          <a:p>
+            <a:pPr marL="0" indent="0">
+              <a:buNone/>
+            </a:pPr>
+            <a:r>
+              <a:rPr lang="en-GB" sz="1500" dirty="0">
+                <a:latin typeface="Consolas" panose="020B0609020204030204" pitchFamily="49" charset="0"/>
+                <a:cs typeface="Consolas" panose="020B0609020204030204" pitchFamily="49" charset="0"/>
+              </a:rPr>
+              <a:t>  return 1</a:t>
+            </a:r>
+          </a:p>
+          <a:p>
+            <a:pPr marL="0" indent="0">
+              <a:buNone/>
+            </a:pPr>
+            <a:r>
+              <a:rPr lang="en-GB" sz="1500" dirty="0">
+                <a:latin typeface="Consolas" panose="020B0609020204030204" pitchFamily="49" charset="0"/>
+                <a:cs typeface="Consolas" panose="020B0609020204030204" pitchFamily="49" charset="0"/>
+              </a:rPr>
+              <a:t>}</a:t>
+            </a:r>
+          </a:p>
+          <a:p>
+            <a:endParaRPr lang="en-GB" sz="2000" dirty="0"/>
+          </a:p>
+        </p:txBody>
+      </p:sp>
     </p:spTree>
     <p:extLst>
       <p:ext uri="{BB962C8B-B14F-4D97-AF65-F5344CB8AC3E}">
-        <p14:creationId xmlns:p14="http://schemas.microsoft.com/office/powerpoint/2010/main" val="679285263"/>
+        <p14:creationId xmlns:p14="http://schemas.microsoft.com/office/powerpoint/2010/main" val="3993412019"/>
       </p:ext>
     </p:extLst>
   </p:cSld>
@@ -16043,6 +16329,60 @@
 </file>
 
 <file path=ppt/slides/slide31.xml><?xml version="1.0" encoding="utf-8"?>
+<p:sld xmlns:a="http://schemas.openxmlformats.org/drawingml/2006/main" xmlns:r="http://schemas.openxmlformats.org/officeDocument/2006/relationships" xmlns:p="http://schemas.openxmlformats.org/presentationml/2006/main">
+  <p:cSld>
+    <p:spTree>
+      <p:nvGrpSpPr>
+        <p:cNvPr id="1" name=""/>
+        <p:cNvGrpSpPr/>
+        <p:nvPr/>
+      </p:nvGrpSpPr>
+      <p:grpSpPr>
+        <a:xfrm>
+          <a:off x="0" y="0"/>
+          <a:ext cx="0" cy="0"/>
+          <a:chOff x="0" y="0"/>
+          <a:chExt cx="0" cy="0"/>
+        </a:xfrm>
+      </p:grpSpPr>
+      <p:sp>
+        <p:nvSpPr>
+          <p:cNvPr id="2" name="Titolo 1"/>
+          <p:cNvSpPr>
+            <a:spLocks noGrp="1"/>
+          </p:cNvSpPr>
+          <p:nvPr>
+            <p:ph type="ctrTitle"/>
+          </p:nvPr>
+        </p:nvSpPr>
+        <p:spPr/>
+        <p:txBody>
+          <a:bodyPr>
+            <a:normAutofit/>
+          </a:bodyPr>
+          <a:lstStyle/>
+          <a:p>
+            <a:r>
+              <a:rPr lang="it-IT" dirty="0"/>
+              <a:t>Arrays</a:t>
+            </a:r>
+          </a:p>
+        </p:txBody>
+      </p:sp>
+    </p:spTree>
+    <p:extLst>
+      <p:ext uri="{BB962C8B-B14F-4D97-AF65-F5344CB8AC3E}">
+        <p14:creationId xmlns:p14="http://schemas.microsoft.com/office/powerpoint/2010/main" val="1467048716"/>
+      </p:ext>
+    </p:extLst>
+  </p:cSld>
+  <p:clrMapOvr>
+    <a:masterClrMapping/>
+  </p:clrMapOvr>
+</p:sld>
+</file>
+
+<file path=ppt/slides/slide32.xml><?xml version="1.0" encoding="utf-8"?>
 <p:sld xmlns:a="http://schemas.openxmlformats.org/drawingml/2006/main" xmlns:r="http://schemas.openxmlformats.org/officeDocument/2006/relationships" xmlns:p="http://schemas.openxmlformats.org/presentationml/2006/main">
   <p:cSld>
     <p:spTree>
@@ -16082,9 +16422,661 @@
           <a:p>
             <a:r>
               <a:rPr lang="en-GB" dirty="0" err="1"/>
-              <a:t>Esempio</a:t>
+              <a:t>Definizioni</a:t>
             </a:r>
             <a:endParaRPr lang="en-GB" dirty="0"/>
+          </a:p>
+        </p:txBody>
+      </p:sp>
+      <p:sp>
+        <p:nvSpPr>
+          <p:cNvPr id="3" name="Content Placeholder 2">
+            <a:extLst>
+              <a:ext uri="{FF2B5EF4-FFF2-40B4-BE49-F238E27FC236}">
+                <a16:creationId xmlns:a16="http://schemas.microsoft.com/office/drawing/2014/main" id="{70EE36AA-8A09-5F43-91A7-2EF25C3E9A68}"/>
+              </a:ext>
+            </a:extLst>
+          </p:cNvPr>
+          <p:cNvSpPr>
+            <a:spLocks noGrp="1"/>
+          </p:cNvSpPr>
+          <p:nvPr>
+            <p:ph idx="1"/>
+          </p:nvPr>
+        </p:nvSpPr>
+        <p:spPr/>
+        <p:txBody>
+          <a:bodyPr>
+            <a:normAutofit/>
+          </a:bodyPr>
+          <a:lstStyle/>
+          <a:p>
+            <a:pPr marL="0" indent="0">
+              <a:buNone/>
+            </a:pPr>
+            <a:r>
+              <a:rPr lang="en-GB" sz="1800" dirty="0">
+                <a:latin typeface="Consolas" panose="020B0609020204030204" pitchFamily="49" charset="0"/>
+                <a:cs typeface="Consolas" panose="020B0609020204030204" pitchFamily="49" charset="0"/>
+              </a:rPr>
+              <a:t>$ </a:t>
+            </a:r>
+            <a:r>
+              <a:rPr lang="en-GB" sz="1800" dirty="0" err="1">
+                <a:latin typeface="Consolas" panose="020B0609020204030204" pitchFamily="49" charset="0"/>
+                <a:cs typeface="Consolas" panose="020B0609020204030204" pitchFamily="49" charset="0"/>
+              </a:rPr>
+              <a:t>arr</a:t>
+            </a:r>
+            <a:r>
+              <a:rPr lang="en-GB" sz="1800" dirty="0">
+                <a:latin typeface="Consolas" panose="020B0609020204030204" pitchFamily="49" charset="0"/>
+                <a:cs typeface="Consolas" panose="020B0609020204030204" pitchFamily="49" charset="0"/>
+              </a:rPr>
+              <a:t>=()               # array </a:t>
+            </a:r>
+            <a:r>
+              <a:rPr lang="en-GB" sz="1800" dirty="0" err="1">
+                <a:latin typeface="Consolas" panose="020B0609020204030204" pitchFamily="49" charset="0"/>
+                <a:cs typeface="Consolas" panose="020B0609020204030204" pitchFamily="49" charset="0"/>
+              </a:rPr>
+              <a:t>definito</a:t>
+            </a:r>
+            <a:r>
+              <a:rPr lang="en-GB" sz="1800" dirty="0">
+                <a:latin typeface="Consolas" panose="020B0609020204030204" pitchFamily="49" charset="0"/>
+                <a:cs typeface="Consolas" panose="020B0609020204030204" pitchFamily="49" charset="0"/>
+              </a:rPr>
+              <a:t> </a:t>
+            </a:r>
+            <a:r>
+              <a:rPr lang="en-GB" sz="1800" dirty="0" err="1">
+                <a:latin typeface="Consolas" panose="020B0609020204030204" pitchFamily="49" charset="0"/>
+                <a:cs typeface="Consolas" panose="020B0609020204030204" pitchFamily="49" charset="0"/>
+              </a:rPr>
+              <a:t>vuoto</a:t>
+            </a:r>
+            <a:endParaRPr lang="en-GB" sz="1800" dirty="0">
+              <a:latin typeface="Consolas" panose="020B0609020204030204" pitchFamily="49" charset="0"/>
+              <a:cs typeface="Consolas" panose="020B0609020204030204" pitchFamily="49" charset="0"/>
+            </a:endParaRPr>
+          </a:p>
+          <a:p>
+            <a:pPr marL="0" indent="0">
+              <a:buNone/>
+            </a:pPr>
+            <a:r>
+              <a:rPr lang="en-GB" sz="1800" dirty="0">
+                <a:latin typeface="Consolas" panose="020B0609020204030204" pitchFamily="49" charset="0"/>
+                <a:cs typeface="Consolas" panose="020B0609020204030204" pitchFamily="49" charset="0"/>
+              </a:rPr>
+              <a:t>$ </a:t>
+            </a:r>
+            <a:r>
+              <a:rPr lang="en-GB" sz="1800" dirty="0" err="1">
+                <a:latin typeface="Consolas" panose="020B0609020204030204" pitchFamily="49" charset="0"/>
+                <a:cs typeface="Consolas" panose="020B0609020204030204" pitchFamily="49" charset="0"/>
+              </a:rPr>
+              <a:t>arr</a:t>
+            </a:r>
+            <a:r>
+              <a:rPr lang="en-GB" sz="1800" dirty="0">
+                <a:latin typeface="Consolas" panose="020B0609020204030204" pitchFamily="49" charset="0"/>
+                <a:cs typeface="Consolas" panose="020B0609020204030204" pitchFamily="49" charset="0"/>
+              </a:rPr>
+              <a:t>=(1 2 3)          # array </a:t>
+            </a:r>
+            <a:r>
+              <a:rPr lang="en-GB" sz="1800" dirty="0" err="1">
+                <a:latin typeface="Consolas" panose="020B0609020204030204" pitchFamily="49" charset="0"/>
+                <a:cs typeface="Consolas" panose="020B0609020204030204" pitchFamily="49" charset="0"/>
+              </a:rPr>
+              <a:t>definito</a:t>
+            </a:r>
+            <a:r>
+              <a:rPr lang="en-GB" sz="1800" dirty="0">
+                <a:latin typeface="Consolas" panose="020B0609020204030204" pitchFamily="49" charset="0"/>
+                <a:cs typeface="Consolas" panose="020B0609020204030204" pitchFamily="49" charset="0"/>
+              </a:rPr>
+              <a:t> con </a:t>
+            </a:r>
+            <a:r>
+              <a:rPr lang="en-GB" sz="1800" dirty="0" err="1">
+                <a:latin typeface="Consolas" panose="020B0609020204030204" pitchFamily="49" charset="0"/>
+                <a:cs typeface="Consolas" panose="020B0609020204030204" pitchFamily="49" charset="0"/>
+              </a:rPr>
+              <a:t>valori</a:t>
+            </a:r>
+            <a:r>
+              <a:rPr lang="en-GB" sz="1800" dirty="0">
+                <a:latin typeface="Consolas" panose="020B0609020204030204" pitchFamily="49" charset="0"/>
+                <a:cs typeface="Consolas" panose="020B0609020204030204" pitchFamily="49" charset="0"/>
+              </a:rPr>
+              <a:t> </a:t>
+            </a:r>
+            <a:r>
+              <a:rPr lang="en-GB" sz="1800" dirty="0" err="1">
+                <a:latin typeface="Consolas" panose="020B0609020204030204" pitchFamily="49" charset="0"/>
+                <a:cs typeface="Consolas" panose="020B0609020204030204" pitchFamily="49" charset="0"/>
+              </a:rPr>
+              <a:t>all’intero</a:t>
+            </a:r>
+            <a:endParaRPr lang="en-GB" sz="1800" dirty="0">
+              <a:latin typeface="Consolas" panose="020B0609020204030204" pitchFamily="49" charset="0"/>
+              <a:cs typeface="Consolas" panose="020B0609020204030204" pitchFamily="49" charset="0"/>
+            </a:endParaRPr>
+          </a:p>
+          <a:p>
+            <a:pPr marL="0" indent="0">
+              <a:buNone/>
+            </a:pPr>
+            <a:r>
+              <a:rPr lang="en-GB" sz="1800" dirty="0">
+                <a:latin typeface="Consolas" panose="020B0609020204030204" pitchFamily="49" charset="0"/>
+                <a:cs typeface="Consolas" panose="020B0609020204030204" pitchFamily="49" charset="0"/>
+              </a:rPr>
+              <a:t>$ </a:t>
+            </a:r>
+            <a:r>
+              <a:rPr lang="en-GB" sz="1800" dirty="0" err="1">
+                <a:latin typeface="Consolas" panose="020B0609020204030204" pitchFamily="49" charset="0"/>
+                <a:cs typeface="Consolas" panose="020B0609020204030204" pitchFamily="49" charset="0"/>
+              </a:rPr>
+              <a:t>arr</a:t>
+            </a:r>
+            <a:r>
+              <a:rPr lang="en-GB" sz="1800" dirty="0">
+                <a:latin typeface="Consolas" panose="020B0609020204030204" pitchFamily="49" charset="0"/>
+                <a:cs typeface="Consolas" panose="020B0609020204030204" pitchFamily="49" charset="0"/>
+              </a:rPr>
+              <a:t>+=(4 5)           # </a:t>
+            </a:r>
+            <a:r>
+              <a:rPr lang="en-GB" sz="1800" dirty="0" err="1">
+                <a:latin typeface="Consolas" panose="020B0609020204030204" pitchFamily="49" charset="0"/>
+                <a:cs typeface="Consolas" panose="020B0609020204030204" pitchFamily="49" charset="0"/>
+              </a:rPr>
+              <a:t>aggiunge</a:t>
+            </a:r>
+            <a:r>
+              <a:rPr lang="en-GB" sz="1800" dirty="0">
+                <a:latin typeface="Consolas" panose="020B0609020204030204" pitchFamily="49" charset="0"/>
+                <a:cs typeface="Consolas" panose="020B0609020204030204" pitchFamily="49" charset="0"/>
+              </a:rPr>
+              <a:t> </a:t>
+            </a:r>
+            <a:r>
+              <a:rPr lang="en-GB" sz="1800" dirty="0" err="1">
+                <a:latin typeface="Consolas" panose="020B0609020204030204" pitchFamily="49" charset="0"/>
+                <a:cs typeface="Consolas" panose="020B0609020204030204" pitchFamily="49" charset="0"/>
+              </a:rPr>
+              <a:t>valori</a:t>
+            </a:r>
+            <a:r>
+              <a:rPr lang="en-GB" sz="1800" dirty="0">
+                <a:latin typeface="Consolas" panose="020B0609020204030204" pitchFamily="49" charset="0"/>
+                <a:cs typeface="Consolas" panose="020B0609020204030204" pitchFamily="49" charset="0"/>
+              </a:rPr>
+              <a:t> ad array </a:t>
+            </a:r>
+            <a:r>
+              <a:rPr lang="en-GB" sz="1800" dirty="0" err="1">
+                <a:latin typeface="Consolas" panose="020B0609020204030204" pitchFamily="49" charset="0"/>
+                <a:cs typeface="Consolas" panose="020B0609020204030204" pitchFamily="49" charset="0"/>
+              </a:rPr>
+              <a:t>esistente</a:t>
+            </a:r>
+            <a:endParaRPr lang="en-GB" sz="1800" dirty="0">
+              <a:latin typeface="Consolas" panose="020B0609020204030204" pitchFamily="49" charset="0"/>
+              <a:cs typeface="Consolas" panose="020B0609020204030204" pitchFamily="49" charset="0"/>
+            </a:endParaRPr>
+          </a:p>
+          <a:p>
+            <a:pPr marL="0" indent="0">
+              <a:buNone/>
+            </a:pPr>
+            <a:r>
+              <a:rPr lang="en-GB" sz="1800" dirty="0">
+                <a:latin typeface="Consolas" panose="020B0609020204030204" pitchFamily="49" charset="0"/>
+                <a:cs typeface="Consolas" panose="020B0609020204030204" pitchFamily="49" charset="0"/>
+              </a:rPr>
+              <a:t>$ </a:t>
+            </a:r>
+            <a:r>
+              <a:rPr lang="en-GB" sz="1800" dirty="0" err="1">
+                <a:latin typeface="Consolas" panose="020B0609020204030204" pitchFamily="49" charset="0"/>
+                <a:cs typeface="Consolas" panose="020B0609020204030204" pitchFamily="49" charset="0"/>
+              </a:rPr>
+              <a:t>arr</a:t>
+            </a:r>
+            <a:r>
+              <a:rPr lang="en-GB" sz="1800" dirty="0">
+                <a:latin typeface="Consolas" panose="020B0609020204030204" pitchFamily="49" charset="0"/>
+                <a:cs typeface="Consolas" panose="020B0609020204030204" pitchFamily="49" charset="0"/>
+              </a:rPr>
+              <a:t>[0]=3             # </a:t>
+            </a:r>
+            <a:r>
+              <a:rPr lang="en-GB" sz="1800" dirty="0" err="1">
+                <a:latin typeface="Consolas" panose="020B0609020204030204" pitchFamily="49" charset="0"/>
+                <a:cs typeface="Consolas" panose="020B0609020204030204" pitchFamily="49" charset="0"/>
+              </a:rPr>
+              <a:t>sovrascrive</a:t>
+            </a:r>
+            <a:r>
+              <a:rPr lang="en-GB" sz="1800" dirty="0">
+                <a:latin typeface="Consolas" panose="020B0609020204030204" pitchFamily="49" charset="0"/>
+                <a:cs typeface="Consolas" panose="020B0609020204030204" pitchFamily="49" charset="0"/>
+              </a:rPr>
+              <a:t> </a:t>
+            </a:r>
+            <a:r>
+              <a:rPr lang="en-GB" sz="1800" dirty="0" err="1">
+                <a:latin typeface="Consolas" panose="020B0609020204030204" pitchFamily="49" charset="0"/>
+                <a:cs typeface="Consolas" panose="020B0609020204030204" pitchFamily="49" charset="0"/>
+              </a:rPr>
+              <a:t>valore</a:t>
+            </a:r>
+            <a:r>
+              <a:rPr lang="en-GB" sz="1800" dirty="0">
+                <a:latin typeface="Consolas" panose="020B0609020204030204" pitchFamily="49" charset="0"/>
+                <a:cs typeface="Consolas" panose="020B0609020204030204" pitchFamily="49" charset="0"/>
+              </a:rPr>
+              <a:t> di </a:t>
+            </a:r>
+            <a:r>
+              <a:rPr lang="en-GB" sz="1800" dirty="0" err="1">
+                <a:latin typeface="Consolas" panose="020B0609020204030204" pitchFamily="49" charset="0"/>
+                <a:cs typeface="Consolas" panose="020B0609020204030204" pitchFamily="49" charset="0"/>
+              </a:rPr>
+              <a:t>indice</a:t>
+            </a:r>
+            <a:r>
+              <a:rPr lang="en-GB" sz="1800" dirty="0">
+                <a:latin typeface="Consolas" panose="020B0609020204030204" pitchFamily="49" charset="0"/>
+                <a:cs typeface="Consolas" panose="020B0609020204030204" pitchFamily="49" charset="0"/>
+              </a:rPr>
+              <a:t> 0</a:t>
+            </a:r>
+          </a:p>
+          <a:p>
+            <a:pPr marL="0" indent="0">
+              <a:buNone/>
+            </a:pPr>
+            <a:r>
+              <a:rPr lang="en-GB" sz="1800" dirty="0">
+                <a:latin typeface="Consolas" panose="020B0609020204030204" pitchFamily="49" charset="0"/>
+                <a:cs typeface="Consolas" panose="020B0609020204030204" pitchFamily="49" charset="0"/>
+              </a:rPr>
+              <a:t>$ echo ${</a:t>
+            </a:r>
+            <a:r>
+              <a:rPr lang="en-GB" sz="1800" dirty="0" err="1">
+                <a:latin typeface="Consolas" panose="020B0609020204030204" pitchFamily="49" charset="0"/>
+                <a:cs typeface="Consolas" panose="020B0609020204030204" pitchFamily="49" charset="0"/>
+              </a:rPr>
+              <a:t>arr</a:t>
+            </a:r>
+            <a:r>
+              <a:rPr lang="en-GB" sz="1800" dirty="0">
+                <a:latin typeface="Consolas" panose="020B0609020204030204" pitchFamily="49" charset="0"/>
+                <a:cs typeface="Consolas" panose="020B0609020204030204" pitchFamily="49" charset="0"/>
+              </a:rPr>
+              <a:t>[@]}       # </a:t>
+            </a:r>
+            <a:r>
+              <a:rPr lang="en-GB" sz="1800" dirty="0" err="1">
+                <a:latin typeface="Consolas" panose="020B0609020204030204" pitchFamily="49" charset="0"/>
+                <a:cs typeface="Consolas" panose="020B0609020204030204" pitchFamily="49" charset="0"/>
+              </a:rPr>
+              <a:t>mostra</a:t>
+            </a:r>
+            <a:r>
+              <a:rPr lang="en-GB" sz="1800" dirty="0">
+                <a:latin typeface="Consolas" panose="020B0609020204030204" pitchFamily="49" charset="0"/>
+                <a:cs typeface="Consolas" panose="020B0609020204030204" pitchFamily="49" charset="0"/>
+              </a:rPr>
+              <a:t> </a:t>
+            </a:r>
+            <a:r>
+              <a:rPr lang="en-GB" sz="1800" dirty="0" err="1">
+                <a:latin typeface="Consolas" panose="020B0609020204030204" pitchFamily="49" charset="0"/>
+                <a:cs typeface="Consolas" panose="020B0609020204030204" pitchFamily="49" charset="0"/>
+              </a:rPr>
+              <a:t>i</a:t>
+            </a:r>
+            <a:r>
+              <a:rPr lang="en-GB" sz="1800" dirty="0">
+                <a:latin typeface="Consolas" panose="020B0609020204030204" pitchFamily="49" charset="0"/>
+                <a:cs typeface="Consolas" panose="020B0609020204030204" pitchFamily="49" charset="0"/>
+              </a:rPr>
+              <a:t> </a:t>
+            </a:r>
+            <a:r>
+              <a:rPr lang="en-GB" sz="1800" dirty="0" err="1">
+                <a:latin typeface="Consolas" panose="020B0609020204030204" pitchFamily="49" charset="0"/>
+                <a:cs typeface="Consolas" panose="020B0609020204030204" pitchFamily="49" charset="0"/>
+              </a:rPr>
+              <a:t>valori</a:t>
+            </a:r>
+            <a:r>
+              <a:rPr lang="en-GB" sz="1800" dirty="0">
+                <a:latin typeface="Consolas" panose="020B0609020204030204" pitchFamily="49" charset="0"/>
+                <a:cs typeface="Consolas" panose="020B0609020204030204" pitchFamily="49" charset="0"/>
+              </a:rPr>
+              <a:t> </a:t>
+            </a:r>
+            <a:r>
+              <a:rPr lang="en-GB" sz="1800" dirty="0" err="1">
+                <a:latin typeface="Consolas" panose="020B0609020204030204" pitchFamily="49" charset="0"/>
+                <a:cs typeface="Consolas" panose="020B0609020204030204" pitchFamily="49" charset="0"/>
+              </a:rPr>
+              <a:t>nell’array</a:t>
+            </a:r>
+            <a:endParaRPr lang="en-GB" sz="1800" dirty="0">
+              <a:latin typeface="Consolas" panose="020B0609020204030204" pitchFamily="49" charset="0"/>
+              <a:cs typeface="Consolas" panose="020B0609020204030204" pitchFamily="49" charset="0"/>
+            </a:endParaRPr>
+          </a:p>
+          <a:p>
+            <a:pPr marL="0" indent="0">
+              <a:buNone/>
+            </a:pPr>
+            <a:r>
+              <a:rPr lang="en-GB" sz="1800" dirty="0">
+                <a:latin typeface="Consolas" panose="020B0609020204030204" pitchFamily="49" charset="0"/>
+                <a:cs typeface="Consolas" panose="020B0609020204030204" pitchFamily="49" charset="0"/>
+              </a:rPr>
+              <a:t>$ echo ${!</a:t>
+            </a:r>
+            <a:r>
+              <a:rPr lang="en-GB" sz="1800" dirty="0" err="1">
+                <a:latin typeface="Consolas" panose="020B0609020204030204" pitchFamily="49" charset="0"/>
+                <a:cs typeface="Consolas" panose="020B0609020204030204" pitchFamily="49" charset="0"/>
+              </a:rPr>
+              <a:t>arr</a:t>
+            </a:r>
+            <a:r>
+              <a:rPr lang="en-GB" sz="1800" dirty="0">
+                <a:latin typeface="Consolas" panose="020B0609020204030204" pitchFamily="49" charset="0"/>
+                <a:cs typeface="Consolas" panose="020B0609020204030204" pitchFamily="49" charset="0"/>
+              </a:rPr>
+              <a:t>[@]}      # </a:t>
+            </a:r>
+            <a:r>
+              <a:rPr lang="en-GB" sz="1800" dirty="0" err="1">
+                <a:latin typeface="Consolas" panose="020B0609020204030204" pitchFamily="49" charset="0"/>
+                <a:cs typeface="Consolas" panose="020B0609020204030204" pitchFamily="49" charset="0"/>
+              </a:rPr>
+              <a:t>mostra</a:t>
+            </a:r>
+            <a:r>
+              <a:rPr lang="en-GB" sz="1800" dirty="0">
+                <a:latin typeface="Consolas" panose="020B0609020204030204" pitchFamily="49" charset="0"/>
+                <a:cs typeface="Consolas" panose="020B0609020204030204" pitchFamily="49" charset="0"/>
+              </a:rPr>
+              <a:t> </a:t>
+            </a:r>
+            <a:r>
+              <a:rPr lang="en-GB" sz="1800" dirty="0" err="1">
+                <a:latin typeface="Consolas" panose="020B0609020204030204" pitchFamily="49" charset="0"/>
+                <a:cs typeface="Consolas" panose="020B0609020204030204" pitchFamily="49" charset="0"/>
+              </a:rPr>
+              <a:t>gli</a:t>
+            </a:r>
+            <a:r>
+              <a:rPr lang="en-GB" sz="1800" dirty="0">
+                <a:latin typeface="Consolas" panose="020B0609020204030204" pitchFamily="49" charset="0"/>
+                <a:cs typeface="Consolas" panose="020B0609020204030204" pitchFamily="49" charset="0"/>
+              </a:rPr>
+              <a:t> </a:t>
+            </a:r>
+            <a:r>
+              <a:rPr lang="en-GB" sz="1800" dirty="0" err="1">
+                <a:latin typeface="Consolas" panose="020B0609020204030204" pitchFamily="49" charset="0"/>
+                <a:cs typeface="Consolas" panose="020B0609020204030204" pitchFamily="49" charset="0"/>
+              </a:rPr>
+              <a:t>indici</a:t>
+            </a:r>
+            <a:r>
+              <a:rPr lang="en-GB" sz="1800" dirty="0">
+                <a:latin typeface="Consolas" panose="020B0609020204030204" pitchFamily="49" charset="0"/>
+                <a:cs typeface="Consolas" panose="020B0609020204030204" pitchFamily="49" charset="0"/>
+              </a:rPr>
+              <a:t> </a:t>
+            </a:r>
+            <a:r>
+              <a:rPr lang="en-GB" sz="1800" dirty="0" err="1">
+                <a:latin typeface="Consolas" panose="020B0609020204030204" pitchFamily="49" charset="0"/>
+                <a:cs typeface="Consolas" panose="020B0609020204030204" pitchFamily="49" charset="0"/>
+              </a:rPr>
+              <a:t>validi</a:t>
+            </a:r>
+            <a:r>
+              <a:rPr lang="en-GB" sz="1800" dirty="0">
+                <a:latin typeface="Consolas" panose="020B0609020204030204" pitchFamily="49" charset="0"/>
+                <a:cs typeface="Consolas" panose="020B0609020204030204" pitchFamily="49" charset="0"/>
+              </a:rPr>
+              <a:t> </a:t>
+            </a:r>
+            <a:r>
+              <a:rPr lang="en-GB" sz="1800" dirty="0" err="1">
+                <a:latin typeface="Consolas" panose="020B0609020204030204" pitchFamily="49" charset="0"/>
+                <a:cs typeface="Consolas" panose="020B0609020204030204" pitchFamily="49" charset="0"/>
+              </a:rPr>
+              <a:t>dell’array</a:t>
+            </a:r>
+            <a:endParaRPr lang="en-GB" sz="1800" dirty="0">
+              <a:latin typeface="Consolas" panose="020B0609020204030204" pitchFamily="49" charset="0"/>
+              <a:cs typeface="Consolas" panose="020B0609020204030204" pitchFamily="49" charset="0"/>
+            </a:endParaRPr>
+          </a:p>
+          <a:p>
+            <a:pPr marL="0" indent="0">
+              <a:buNone/>
+            </a:pPr>
+            <a:r>
+              <a:rPr lang="en-GB" sz="1800" dirty="0">
+                <a:latin typeface="Consolas" panose="020B0609020204030204" pitchFamily="49" charset="0"/>
+                <a:cs typeface="Consolas" panose="020B0609020204030204" pitchFamily="49" charset="0"/>
+              </a:rPr>
+              <a:t>$ echo ${#</a:t>
+            </a:r>
+            <a:r>
+              <a:rPr lang="en-GB" sz="1800" dirty="0" err="1">
+                <a:latin typeface="Consolas" panose="020B0609020204030204" pitchFamily="49" charset="0"/>
+                <a:cs typeface="Consolas" panose="020B0609020204030204" pitchFamily="49" charset="0"/>
+              </a:rPr>
+              <a:t>arr</a:t>
+            </a:r>
+            <a:r>
+              <a:rPr lang="en-GB" sz="1800" dirty="0">
+                <a:latin typeface="Consolas" panose="020B0609020204030204" pitchFamily="49" charset="0"/>
+                <a:cs typeface="Consolas" panose="020B0609020204030204" pitchFamily="49" charset="0"/>
+              </a:rPr>
+              <a:t>[@]}      # </a:t>
+            </a:r>
+            <a:r>
+              <a:rPr lang="en-GB" sz="1800" dirty="0" err="1">
+                <a:latin typeface="Consolas" panose="020B0609020204030204" pitchFamily="49" charset="0"/>
+                <a:cs typeface="Consolas" panose="020B0609020204030204" pitchFamily="49" charset="0"/>
+              </a:rPr>
+              <a:t>mostra</a:t>
+            </a:r>
+            <a:r>
+              <a:rPr lang="en-GB" sz="1800" dirty="0">
+                <a:latin typeface="Consolas" panose="020B0609020204030204" pitchFamily="49" charset="0"/>
+                <a:cs typeface="Consolas" panose="020B0609020204030204" pitchFamily="49" charset="0"/>
+              </a:rPr>
+              <a:t> </a:t>
+            </a:r>
+            <a:r>
+              <a:rPr lang="en-GB" sz="1800" dirty="0" err="1">
+                <a:latin typeface="Consolas" panose="020B0609020204030204" pitchFamily="49" charset="0"/>
+                <a:cs typeface="Consolas" panose="020B0609020204030204" pitchFamily="49" charset="0"/>
+              </a:rPr>
+              <a:t>il</a:t>
+            </a:r>
+            <a:r>
+              <a:rPr lang="en-GB" sz="1800" dirty="0">
+                <a:latin typeface="Consolas" panose="020B0609020204030204" pitchFamily="49" charset="0"/>
+                <a:cs typeface="Consolas" panose="020B0609020204030204" pitchFamily="49" charset="0"/>
+              </a:rPr>
+              <a:t> </a:t>
+            </a:r>
+            <a:r>
+              <a:rPr lang="en-GB" sz="1800" dirty="0" err="1">
+                <a:latin typeface="Consolas" panose="020B0609020204030204" pitchFamily="49" charset="0"/>
+                <a:cs typeface="Consolas" panose="020B0609020204030204" pitchFamily="49" charset="0"/>
+              </a:rPr>
+              <a:t>numero</a:t>
+            </a:r>
+            <a:r>
+              <a:rPr lang="en-GB" sz="1800" dirty="0">
+                <a:latin typeface="Consolas" panose="020B0609020204030204" pitchFamily="49" charset="0"/>
+                <a:cs typeface="Consolas" panose="020B0609020204030204" pitchFamily="49" charset="0"/>
+              </a:rPr>
+              <a:t> di </a:t>
+            </a:r>
+            <a:r>
+              <a:rPr lang="en-GB" sz="1800" dirty="0" err="1">
+                <a:latin typeface="Consolas" panose="020B0609020204030204" pitchFamily="49" charset="0"/>
+                <a:cs typeface="Consolas" panose="020B0609020204030204" pitchFamily="49" charset="0"/>
+              </a:rPr>
+              <a:t>valori</a:t>
+            </a:r>
+            <a:r>
+              <a:rPr lang="en-GB" sz="1800" dirty="0">
+                <a:latin typeface="Consolas" panose="020B0609020204030204" pitchFamily="49" charset="0"/>
+                <a:cs typeface="Consolas" panose="020B0609020204030204" pitchFamily="49" charset="0"/>
+              </a:rPr>
+              <a:t> </a:t>
+            </a:r>
+            <a:r>
+              <a:rPr lang="en-GB" sz="1800" dirty="0" err="1">
+                <a:latin typeface="Consolas" panose="020B0609020204030204" pitchFamily="49" charset="0"/>
+                <a:cs typeface="Consolas" panose="020B0609020204030204" pitchFamily="49" charset="0"/>
+              </a:rPr>
+              <a:t>nell’array</a:t>
+            </a:r>
+            <a:endParaRPr lang="en-GB" sz="1800" dirty="0">
+              <a:latin typeface="Consolas" panose="020B0609020204030204" pitchFamily="49" charset="0"/>
+              <a:cs typeface="Consolas" panose="020B0609020204030204" pitchFamily="49" charset="0"/>
+            </a:endParaRPr>
+          </a:p>
+          <a:p>
+            <a:pPr marL="0" indent="0">
+              <a:buNone/>
+            </a:pPr>
+            <a:r>
+              <a:rPr lang="en-GB" sz="1800" dirty="0">
+                <a:latin typeface="Consolas" panose="020B0609020204030204" pitchFamily="49" charset="0"/>
+                <a:cs typeface="Consolas" panose="020B0609020204030204" pitchFamily="49" charset="0"/>
+              </a:rPr>
+              <a:t>$ echo ${</a:t>
+            </a:r>
+            <a:r>
+              <a:rPr lang="en-GB" sz="1800" dirty="0" err="1">
+                <a:latin typeface="Consolas" panose="020B0609020204030204" pitchFamily="49" charset="0"/>
+                <a:cs typeface="Consolas" panose="020B0609020204030204" pitchFamily="49" charset="0"/>
+              </a:rPr>
+              <a:t>arr</a:t>
+            </a:r>
+            <a:r>
+              <a:rPr lang="en-GB" sz="1800" dirty="0">
+                <a:latin typeface="Consolas" panose="020B0609020204030204" pitchFamily="49" charset="0"/>
+                <a:cs typeface="Consolas" panose="020B0609020204030204" pitchFamily="49" charset="0"/>
+              </a:rPr>
+              <a:t>[@]:</a:t>
+            </a:r>
+            <a:r>
+              <a:rPr lang="en-GB" sz="1800" dirty="0" err="1">
+                <a:latin typeface="Consolas" panose="020B0609020204030204" pitchFamily="49" charset="0"/>
+                <a:cs typeface="Consolas" panose="020B0609020204030204" pitchFamily="49" charset="0"/>
+              </a:rPr>
+              <a:t>s:n</a:t>
+            </a:r>
+            <a:r>
+              <a:rPr lang="en-GB" sz="1800" dirty="0">
+                <a:latin typeface="Consolas" panose="020B0609020204030204" pitchFamily="49" charset="0"/>
+                <a:cs typeface="Consolas" panose="020B0609020204030204" pitchFamily="49" charset="0"/>
+              </a:rPr>
+              <a:t>}   # </a:t>
+            </a:r>
+            <a:r>
+              <a:rPr lang="en-GB" sz="1800" dirty="0" err="1">
+                <a:latin typeface="Consolas" panose="020B0609020204030204" pitchFamily="49" charset="0"/>
+                <a:cs typeface="Consolas" panose="020B0609020204030204" pitchFamily="49" charset="0"/>
+              </a:rPr>
+              <a:t>mostra</a:t>
+            </a:r>
+            <a:r>
+              <a:rPr lang="en-GB" sz="1800" dirty="0">
+                <a:latin typeface="Consolas" panose="020B0609020204030204" pitchFamily="49" charset="0"/>
+                <a:cs typeface="Consolas" panose="020B0609020204030204" pitchFamily="49" charset="0"/>
+              </a:rPr>
+              <a:t> n </a:t>
+            </a:r>
+            <a:r>
+              <a:rPr lang="en-GB" sz="1800" dirty="0" err="1">
+                <a:latin typeface="Consolas" panose="020B0609020204030204" pitchFamily="49" charset="0"/>
+                <a:cs typeface="Consolas" panose="020B0609020204030204" pitchFamily="49" charset="0"/>
+              </a:rPr>
+              <a:t>elementi</a:t>
+            </a:r>
+            <a:r>
+              <a:rPr lang="en-GB" sz="1800" dirty="0">
+                <a:latin typeface="Consolas" panose="020B0609020204030204" pitchFamily="49" charset="0"/>
+                <a:cs typeface="Consolas" panose="020B0609020204030204" pitchFamily="49" charset="0"/>
+              </a:rPr>
+              <a:t> </a:t>
+            </a:r>
+            <a:r>
+              <a:rPr lang="en-GB" sz="1800" dirty="0" err="1">
+                <a:latin typeface="Consolas" panose="020B0609020204030204" pitchFamily="49" charset="0"/>
+                <a:cs typeface="Consolas" panose="020B0609020204030204" pitchFamily="49" charset="0"/>
+              </a:rPr>
+              <a:t>partendo</a:t>
+            </a:r>
+            <a:r>
+              <a:rPr lang="en-GB" sz="1800" dirty="0">
+                <a:latin typeface="Consolas" panose="020B0609020204030204" pitchFamily="49" charset="0"/>
+                <a:cs typeface="Consolas" panose="020B0609020204030204" pitchFamily="49" charset="0"/>
+              </a:rPr>
+              <a:t> da </a:t>
+            </a:r>
+            <a:r>
+              <a:rPr lang="en-GB" sz="1800" dirty="0" err="1">
+                <a:latin typeface="Consolas" panose="020B0609020204030204" pitchFamily="49" charset="0"/>
+                <a:cs typeface="Consolas" panose="020B0609020204030204" pitchFamily="49" charset="0"/>
+              </a:rPr>
+              <a:t>indice</a:t>
+            </a:r>
+            <a:r>
+              <a:rPr lang="en-GB" sz="1800" dirty="0">
+                <a:latin typeface="Consolas" panose="020B0609020204030204" pitchFamily="49" charset="0"/>
+                <a:cs typeface="Consolas" panose="020B0609020204030204" pitchFamily="49" charset="0"/>
+              </a:rPr>
+              <a:t> s</a:t>
+            </a:r>
+          </a:p>
+          <a:p>
+            <a:pPr marL="0" indent="0">
+              <a:buNone/>
+            </a:pPr>
+            <a:endParaRPr lang="en-GB" sz="1800" dirty="0">
+              <a:latin typeface="Consolas" panose="020B0609020204030204" pitchFamily="49" charset="0"/>
+              <a:cs typeface="Consolas" panose="020B0609020204030204" pitchFamily="49" charset="0"/>
+            </a:endParaRPr>
+          </a:p>
+          <a:p>
+            <a:pPr marL="0" indent="0">
+              <a:buNone/>
+            </a:pPr>
+            <a:endParaRPr lang="en-GB" sz="1800" dirty="0">
+              <a:latin typeface="Consolas" panose="020B0609020204030204" pitchFamily="49" charset="0"/>
+              <a:cs typeface="Consolas" panose="020B0609020204030204" pitchFamily="49" charset="0"/>
+            </a:endParaRPr>
           </a:p>
         </p:txBody>
       </p:sp>
@@ -16112,7 +17104,96 @@
             <a:fld id="{D2040F39-7941-49A4-B48D-F201B18B6351}" type="slidenum">
               <a:rPr lang="it-IT" smtClean="0"/>
               <a:pPr/>
-              <a:t>31</a:t>
+              <a:t>32</a:t>
+            </a:fld>
+            <a:endParaRPr lang="it-IT" dirty="0"/>
+          </a:p>
+        </p:txBody>
+      </p:sp>
+    </p:spTree>
+    <p:extLst>
+      <p:ext uri="{BB962C8B-B14F-4D97-AF65-F5344CB8AC3E}">
+        <p14:creationId xmlns:p14="http://schemas.microsoft.com/office/powerpoint/2010/main" val="679285263"/>
+      </p:ext>
+    </p:extLst>
+  </p:cSld>
+  <p:clrMapOvr>
+    <a:masterClrMapping/>
+  </p:clrMapOvr>
+</p:sld>
+</file>
+
+<file path=ppt/slides/slide33.xml><?xml version="1.0" encoding="utf-8"?>
+<p:sld xmlns:a="http://schemas.openxmlformats.org/drawingml/2006/main" xmlns:r="http://schemas.openxmlformats.org/officeDocument/2006/relationships" xmlns:p="http://schemas.openxmlformats.org/presentationml/2006/main">
+  <p:cSld>
+    <p:spTree>
+      <p:nvGrpSpPr>
+        <p:cNvPr id="1" name=""/>
+        <p:cNvGrpSpPr/>
+        <p:nvPr/>
+      </p:nvGrpSpPr>
+      <p:grpSpPr>
+        <a:xfrm>
+          <a:off x="0" y="0"/>
+          <a:ext cx="0" cy="0"/>
+          <a:chOff x="0" y="0"/>
+          <a:chExt cx="0" cy="0"/>
+        </a:xfrm>
+      </p:grpSpPr>
+      <p:sp>
+        <p:nvSpPr>
+          <p:cNvPr id="2" name="Title 1">
+            <a:extLst>
+              <a:ext uri="{FF2B5EF4-FFF2-40B4-BE49-F238E27FC236}">
+                <a16:creationId xmlns:a16="http://schemas.microsoft.com/office/drawing/2014/main" id="{2849386F-9B7D-6545-B296-970AA36530B3}"/>
+              </a:ext>
+            </a:extLst>
+          </p:cNvPr>
+          <p:cNvSpPr>
+            <a:spLocks noGrp="1"/>
+          </p:cNvSpPr>
+          <p:nvPr>
+            <p:ph type="title"/>
+          </p:nvPr>
+        </p:nvSpPr>
+        <p:spPr/>
+        <p:txBody>
+          <a:bodyPr/>
+          <a:lstStyle/>
+          <a:p>
+            <a:r>
+              <a:rPr lang="en-GB" dirty="0" err="1"/>
+              <a:t>Esempio</a:t>
+            </a:r>
+            <a:endParaRPr lang="en-GB" dirty="0"/>
+          </a:p>
+        </p:txBody>
+      </p:sp>
+      <p:sp>
+        <p:nvSpPr>
+          <p:cNvPr id="4" name="Slide Number Placeholder 3">
+            <a:extLst>
+              <a:ext uri="{FF2B5EF4-FFF2-40B4-BE49-F238E27FC236}">
+                <a16:creationId xmlns:a16="http://schemas.microsoft.com/office/drawing/2014/main" id="{D413E47F-1D76-6A46-B097-CF9157ECE1AA}"/>
+              </a:ext>
+            </a:extLst>
+          </p:cNvPr>
+          <p:cNvSpPr>
+            <a:spLocks noGrp="1"/>
+          </p:cNvSpPr>
+          <p:nvPr>
+            <p:ph type="sldNum" sz="quarter" idx="12"/>
+          </p:nvPr>
+        </p:nvSpPr>
+        <p:spPr/>
+        <p:txBody>
+          <a:bodyPr/>
+          <a:lstStyle/>
+          <a:p>
+            <a:fld id="{D2040F39-7941-49A4-B48D-F201B18B6351}" type="slidenum">
+              <a:rPr lang="it-IT" smtClean="0"/>
+              <a:pPr/>
+              <a:t>33</a:t>
             </a:fld>
             <a:endParaRPr lang="it-IT" dirty="0"/>
           </a:p>
@@ -16749,7 +17830,7 @@
 </p:sld>
 </file>
 
-<file path=ppt/slides/slide32.xml><?xml version="1.0" encoding="utf-8"?>
+<file path=ppt/slides/slide34.xml><?xml version="1.0" encoding="utf-8"?>
 <p:sld xmlns:a="http://schemas.openxmlformats.org/drawingml/2006/main" xmlns:r="http://schemas.openxmlformats.org/officeDocument/2006/relationships" xmlns:p="http://schemas.openxmlformats.org/presentationml/2006/main">
   <p:cSld>
     <p:spTree>
@@ -16804,7 +17885,7 @@
 </p:sld>
 </file>
 
-<file path=ppt/slides/slide33.xml><?xml version="1.0" encoding="utf-8"?>
+<file path=ppt/slides/slide35.xml><?xml version="1.0" encoding="utf-8"?>
 <p:sld xmlns:a="http://schemas.openxmlformats.org/drawingml/2006/main" xmlns:r="http://schemas.openxmlformats.org/officeDocument/2006/relationships" xmlns:p="http://schemas.openxmlformats.org/presentationml/2006/main">
   <p:cSld>
     <p:spTree>
@@ -17459,7 +18540,7 @@
             <a:fld id="{D2040F39-7941-49A4-B48D-F201B18B6351}" type="slidenum">
               <a:rPr lang="it-IT" smtClean="0"/>
               <a:pPr/>
-              <a:t>33</a:t>
+              <a:t>35</a:t>
             </a:fld>
             <a:endParaRPr lang="it-IT" dirty="0"/>
           </a:p>
@@ -17478,7 +18559,7 @@
 </p:sld>
 </file>
 
-<file path=ppt/slides/slide34.xml><?xml version="1.0" encoding="utf-8"?>
+<file path=ppt/slides/slide36.xml><?xml version="1.0" encoding="utf-8"?>
 <p:sld xmlns:a="http://schemas.openxmlformats.org/drawingml/2006/main" xmlns:r="http://schemas.openxmlformats.org/officeDocument/2006/relationships" xmlns:p="http://schemas.openxmlformats.org/presentationml/2006/main">
   <p:cSld>
     <p:spTree>
@@ -18276,7 +19357,7 @@
             <a:fld id="{D2040F39-7941-49A4-B48D-F201B18B6351}" type="slidenum">
               <a:rPr lang="it-IT" smtClean="0"/>
               <a:pPr/>
-              <a:t>34</a:t>
+              <a:t>36</a:t>
             </a:fld>
             <a:endParaRPr lang="it-IT" dirty="0"/>
           </a:p>
@@ -18295,7 +19376,7 @@
 </p:sld>
 </file>
 
-<file path=ppt/slides/slide35.xml><?xml version="1.0" encoding="utf-8"?>
+<file path=ppt/slides/slide37.xml><?xml version="1.0" encoding="utf-8"?>
 <p:sld xmlns:a="http://schemas.openxmlformats.org/drawingml/2006/main" xmlns:r="http://schemas.openxmlformats.org/officeDocument/2006/relationships" xmlns:p="http://schemas.openxmlformats.org/presentationml/2006/main">
   <p:cSld>
     <p:spTree>
@@ -18354,7 +19435,7 @@
 </p:sld>
 </file>
 
-<file path=ppt/slides/slide36.xml><?xml version="1.0" encoding="utf-8"?>
+<file path=ppt/slides/slide38.xml><?xml version="1.0" encoding="utf-8"?>
 <p:sld xmlns:a="http://schemas.openxmlformats.org/drawingml/2006/main" xmlns:r="http://schemas.openxmlformats.org/officeDocument/2006/relationships" xmlns:p="http://schemas.openxmlformats.org/presentationml/2006/main">
   <p:cSld>
     <p:spTree>
@@ -19277,7 +20358,7 @@
             <a:fld id="{D2040F39-7941-49A4-B48D-F201B18B6351}" type="slidenum">
               <a:rPr lang="it-IT" smtClean="0"/>
               <a:pPr/>
-              <a:t>36</a:t>
+              <a:t>38</a:t>
             </a:fld>
             <a:endParaRPr lang="it-IT" dirty="0"/>
           </a:p>
@@ -19296,7 +20377,7 @@
 </p:sld>
 </file>
 
-<file path=ppt/slides/slide37.xml><?xml version="1.0" encoding="utf-8"?>
+<file path=ppt/slides/slide39.xml><?xml version="1.0" encoding="utf-8"?>
 <p:sld xmlns:a="http://schemas.openxmlformats.org/drawingml/2006/main" xmlns:r="http://schemas.openxmlformats.org/officeDocument/2006/relationships" xmlns:p="http://schemas.openxmlformats.org/presentationml/2006/main">
   <p:cSld>
     <p:spTree>
@@ -20618,7 +21699,7 @@
             <a:fld id="{D2040F39-7941-49A4-B48D-F201B18B6351}" type="slidenum">
               <a:rPr lang="it-IT" smtClean="0"/>
               <a:pPr/>
-              <a:t>37</a:t>
+              <a:t>39</a:t>
             </a:fld>
             <a:endParaRPr lang="it-IT" dirty="0"/>
           </a:p>
@@ -20628,565 +21709,6 @@
     <p:extLst>
       <p:ext uri="{BB962C8B-B14F-4D97-AF65-F5344CB8AC3E}">
         <p14:creationId xmlns:p14="http://schemas.microsoft.com/office/powerpoint/2010/main" val="2517799632"/>
-      </p:ext>
-    </p:extLst>
-  </p:cSld>
-  <p:clrMapOvr>
-    <a:masterClrMapping/>
-  </p:clrMapOvr>
-</p:sld>
-</file>
-
-<file path=ppt/slides/slide38.xml><?xml version="1.0" encoding="utf-8"?>
-<p:sld xmlns:a="http://schemas.openxmlformats.org/drawingml/2006/main" xmlns:r="http://schemas.openxmlformats.org/officeDocument/2006/relationships" xmlns:p="http://schemas.openxmlformats.org/presentationml/2006/main">
-  <p:cSld>
-    <p:spTree>
-      <p:nvGrpSpPr>
-        <p:cNvPr id="1" name=""/>
-        <p:cNvGrpSpPr/>
-        <p:nvPr/>
-      </p:nvGrpSpPr>
-      <p:grpSpPr>
-        <a:xfrm>
-          <a:off x="0" y="0"/>
-          <a:ext cx="0" cy="0"/>
-          <a:chOff x="0" y="0"/>
-          <a:chExt cx="0" cy="0"/>
-        </a:xfrm>
-      </p:grpSpPr>
-      <p:sp>
-        <p:nvSpPr>
-          <p:cNvPr id="2" name="Titolo 1"/>
-          <p:cNvSpPr>
-            <a:spLocks noGrp="1"/>
-          </p:cNvSpPr>
-          <p:nvPr>
-            <p:ph type="ctrTitle"/>
-          </p:nvPr>
-        </p:nvSpPr>
-        <p:spPr/>
-        <p:txBody>
-          <a:bodyPr>
-            <a:normAutofit/>
-          </a:bodyPr>
-          <a:lstStyle/>
-          <a:p>
-            <a:r>
-              <a:rPr lang="it-IT" dirty="0" err="1"/>
-              <a:t>Bash</a:t>
-            </a:r>
-            <a:r>
-              <a:rPr lang="it-IT" dirty="0"/>
-              <a:t> e </a:t>
-            </a:r>
-            <a:r>
-              <a:rPr lang="it-IT" dirty="0" err="1"/>
-              <a:t>Python</a:t>
-            </a:r>
-            <a:endParaRPr lang="it-IT" dirty="0"/>
-          </a:p>
-        </p:txBody>
-      </p:sp>
-    </p:spTree>
-    <p:extLst>
-      <p:ext uri="{BB962C8B-B14F-4D97-AF65-F5344CB8AC3E}">
-        <p14:creationId xmlns:p14="http://schemas.microsoft.com/office/powerpoint/2010/main" val="1710110820"/>
-      </p:ext>
-    </p:extLst>
-  </p:cSld>
-  <p:clrMapOvr>
-    <a:masterClrMapping/>
-  </p:clrMapOvr>
-</p:sld>
-</file>
-
-<file path=ppt/slides/slide39.xml><?xml version="1.0" encoding="utf-8"?>
-<p:sld xmlns:a="http://schemas.openxmlformats.org/drawingml/2006/main" xmlns:r="http://schemas.openxmlformats.org/officeDocument/2006/relationships" xmlns:p="http://schemas.openxmlformats.org/presentationml/2006/main">
-  <p:cSld>
-    <p:spTree>
-      <p:nvGrpSpPr>
-        <p:cNvPr id="1" name=""/>
-        <p:cNvGrpSpPr/>
-        <p:nvPr/>
-      </p:nvGrpSpPr>
-      <p:grpSpPr>
-        <a:xfrm>
-          <a:off x="0" y="0"/>
-          <a:ext cx="0" cy="0"/>
-          <a:chOff x="0" y="0"/>
-          <a:chExt cx="0" cy="0"/>
-        </a:xfrm>
-      </p:grpSpPr>
-      <p:sp>
-        <p:nvSpPr>
-          <p:cNvPr id="5" name="Title 4">
-            <a:extLst>
-              <a:ext uri="{FF2B5EF4-FFF2-40B4-BE49-F238E27FC236}">
-                <a16:creationId xmlns:a16="http://schemas.microsoft.com/office/drawing/2014/main" id="{CCD5C37D-7B15-F34F-B6CF-717074C8EA7B}"/>
-              </a:ext>
-            </a:extLst>
-          </p:cNvPr>
-          <p:cNvSpPr>
-            <a:spLocks noGrp="1"/>
-          </p:cNvSpPr>
-          <p:nvPr>
-            <p:ph type="title"/>
-          </p:nvPr>
-        </p:nvSpPr>
-        <p:spPr/>
-        <p:txBody>
-          <a:bodyPr/>
-          <a:lstStyle/>
-          <a:p>
-            <a:r>
-              <a:rPr lang="en-GB" dirty="0"/>
-              <a:t>Bash vs Python</a:t>
-            </a:r>
-          </a:p>
-        </p:txBody>
-      </p:sp>
-      <p:sp>
-        <p:nvSpPr>
-          <p:cNvPr id="6" name="Content Placeholder 5">
-            <a:extLst>
-              <a:ext uri="{FF2B5EF4-FFF2-40B4-BE49-F238E27FC236}">
-                <a16:creationId xmlns:a16="http://schemas.microsoft.com/office/drawing/2014/main" id="{B42F3D2B-C279-4B43-AF9A-090C06FA8864}"/>
-              </a:ext>
-            </a:extLst>
-          </p:cNvPr>
-          <p:cNvSpPr>
-            <a:spLocks noGrp="1"/>
-          </p:cNvSpPr>
-          <p:nvPr>
-            <p:ph sz="half" idx="1"/>
-          </p:nvPr>
-        </p:nvSpPr>
-        <p:spPr/>
-        <p:txBody>
-          <a:bodyPr>
-            <a:noAutofit/>
-          </a:bodyPr>
-          <a:lstStyle/>
-          <a:p>
-            <a:pPr marL="0" indent="0">
-              <a:buNone/>
-            </a:pPr>
-            <a:r>
-              <a:rPr lang="it-IT" sz="1800" b="1" dirty="0"/>
-              <a:t>BASH</a:t>
-            </a:r>
-          </a:p>
-          <a:p>
-            <a:r>
-              <a:rPr lang="it-IT" sz="1800" dirty="0">
-                <a:solidFill>
-                  <a:srgbClr val="00B050"/>
-                </a:solidFill>
-              </a:rPr>
-              <a:t>Tradizionale, notissima, installata ovunque</a:t>
-            </a:r>
-          </a:p>
-          <a:p>
-            <a:r>
-              <a:rPr lang="it-IT" sz="1800" dirty="0">
-                <a:solidFill>
-                  <a:srgbClr val="00B050"/>
-                </a:solidFill>
-              </a:rPr>
-              <a:t>Supporto nativo e integrazione profonda con Unix (</a:t>
-            </a:r>
-            <a:r>
-              <a:rPr lang="it-IT" sz="1800" dirty="0" err="1">
-                <a:solidFill>
-                  <a:srgbClr val="00B050"/>
-                </a:solidFill>
-              </a:rPr>
-              <a:t>piping</a:t>
-            </a:r>
-            <a:r>
-              <a:rPr lang="it-IT" sz="1800" dirty="0">
-                <a:solidFill>
-                  <a:srgbClr val="00B050"/>
-                </a:solidFill>
-              </a:rPr>
-              <a:t>, </a:t>
-            </a:r>
-            <a:r>
-              <a:rPr lang="it-IT" sz="1800" dirty="0" err="1">
-                <a:solidFill>
-                  <a:srgbClr val="00B050"/>
-                </a:solidFill>
-              </a:rPr>
-              <a:t>ridirezione</a:t>
-            </a:r>
-            <a:r>
-              <a:rPr lang="it-IT" sz="1800" dirty="0">
-                <a:solidFill>
-                  <a:srgbClr val="00B050"/>
-                </a:solidFill>
-              </a:rPr>
-              <a:t>)</a:t>
-            </a:r>
-          </a:p>
-          <a:p>
-            <a:r>
-              <a:rPr lang="it-IT" sz="1800" dirty="0">
-                <a:solidFill>
-                  <a:srgbClr val="00B050"/>
-                </a:solidFill>
-              </a:rPr>
-              <a:t>Avvio quasi istantaneo</a:t>
-            </a:r>
-          </a:p>
-          <a:p>
-            <a:r>
-              <a:rPr lang="it-IT" sz="1800" dirty="0">
-                <a:solidFill>
-                  <a:schemeClr val="accent6">
-                    <a:lumMod val="75000"/>
-                  </a:schemeClr>
-                </a:solidFill>
-              </a:rPr>
-              <a:t>Non usabile su Windows</a:t>
-            </a:r>
-          </a:p>
-          <a:p>
-            <a:r>
-              <a:rPr lang="it-IT" sz="1800" dirty="0">
-                <a:solidFill>
-                  <a:schemeClr val="accent6">
-                    <a:lumMod val="75000"/>
-                  </a:schemeClr>
-                </a:solidFill>
-              </a:rPr>
-              <a:t>Non completamente compatibile con altre </a:t>
-            </a:r>
-            <a:r>
-              <a:rPr lang="it-IT" sz="1800" dirty="0" err="1">
-                <a:solidFill>
-                  <a:schemeClr val="accent6">
-                    <a:lumMod val="75000"/>
-                  </a:schemeClr>
-                </a:solidFill>
-              </a:rPr>
-              <a:t>shell</a:t>
-            </a:r>
-            <a:r>
-              <a:rPr lang="it-IT" sz="1800" dirty="0">
-                <a:solidFill>
-                  <a:schemeClr val="accent6">
-                    <a:lumMod val="75000"/>
-                  </a:schemeClr>
-                </a:solidFill>
-              </a:rPr>
-              <a:t> (</a:t>
-            </a:r>
-            <a:r>
-              <a:rPr lang="it-IT" sz="1800" dirty="0" err="1">
-                <a:solidFill>
-                  <a:schemeClr val="accent6">
-                    <a:lumMod val="75000"/>
-                  </a:schemeClr>
-                </a:solidFill>
-              </a:rPr>
-              <a:t>csh</a:t>
-            </a:r>
-            <a:r>
-              <a:rPr lang="it-IT" sz="1800" dirty="0">
-                <a:solidFill>
-                  <a:schemeClr val="accent6">
-                    <a:lumMod val="75000"/>
-                  </a:schemeClr>
-                </a:solidFill>
-              </a:rPr>
-              <a:t>, </a:t>
-            </a:r>
-            <a:r>
-              <a:rPr lang="it-IT" sz="1800" dirty="0" err="1">
-                <a:solidFill>
-                  <a:schemeClr val="accent6">
-                    <a:lumMod val="75000"/>
-                  </a:schemeClr>
-                </a:solidFill>
-              </a:rPr>
-              <a:t>zsh</a:t>
-            </a:r>
-            <a:r>
-              <a:rPr lang="it-IT" sz="1800" dirty="0">
-                <a:solidFill>
-                  <a:schemeClr val="accent6">
-                    <a:lumMod val="75000"/>
-                  </a:schemeClr>
-                </a:solidFill>
-              </a:rPr>
-              <a:t>, </a:t>
-            </a:r>
-            <a:r>
-              <a:rPr lang="it-IT" sz="1800" dirty="0" err="1">
-                <a:solidFill>
-                  <a:schemeClr val="accent6">
-                    <a:lumMod val="75000"/>
-                  </a:schemeClr>
-                </a:solidFill>
-              </a:rPr>
-              <a:t>fish</a:t>
-            </a:r>
-            <a:r>
-              <a:rPr lang="it-IT" sz="1800" dirty="0">
-                <a:solidFill>
-                  <a:schemeClr val="accent6">
-                    <a:lumMod val="75000"/>
-                  </a:schemeClr>
-                </a:solidFill>
-              </a:rPr>
-              <a:t>)</a:t>
-            </a:r>
-          </a:p>
-          <a:p>
-            <a:r>
-              <a:rPr lang="it-IT" sz="1800" dirty="0">
-                <a:solidFill>
-                  <a:schemeClr val="accent6">
-                    <a:lumMod val="75000"/>
-                  </a:schemeClr>
-                </a:solidFill>
-              </a:rPr>
-              <a:t>Manca supporto per oggetti, strutture dati complesse, multi-threading</a:t>
-            </a:r>
-          </a:p>
-          <a:p>
-            <a:r>
-              <a:rPr lang="it-IT" sz="1800" dirty="0">
-                <a:solidFill>
-                  <a:schemeClr val="accent6">
-                    <a:lumMod val="75000"/>
-                  </a:schemeClr>
-                </a:solidFill>
-              </a:rPr>
-              <a:t>Mancano </a:t>
-            </a:r>
-            <a:r>
-              <a:rPr lang="it-IT" sz="1800" dirty="0" err="1">
-                <a:solidFill>
-                  <a:schemeClr val="accent6">
-                    <a:lumMod val="75000"/>
-                  </a:schemeClr>
-                </a:solidFill>
-              </a:rPr>
-              <a:t>tool</a:t>
-            </a:r>
-            <a:r>
-              <a:rPr lang="it-IT" sz="1800" dirty="0">
-                <a:solidFill>
-                  <a:schemeClr val="accent6">
-                    <a:lumMod val="75000"/>
-                  </a:schemeClr>
-                </a:solidFill>
-              </a:rPr>
-              <a:t> di </a:t>
-            </a:r>
-            <a:r>
-              <a:rPr lang="it-IT" sz="1800" dirty="0" err="1">
-                <a:solidFill>
-                  <a:schemeClr val="accent6">
-                    <a:lumMod val="75000"/>
-                  </a:schemeClr>
-                </a:solidFill>
-              </a:rPr>
-              <a:t>debug</a:t>
-            </a:r>
-            <a:endParaRPr lang="it-IT" sz="1800" dirty="0">
-              <a:solidFill>
-                <a:schemeClr val="accent6">
-                  <a:lumMod val="75000"/>
-                </a:schemeClr>
-              </a:solidFill>
-            </a:endParaRPr>
-          </a:p>
-          <a:p>
-            <a:endParaRPr lang="en-GB" sz="1800" dirty="0"/>
-          </a:p>
-        </p:txBody>
-      </p:sp>
-      <p:sp>
-        <p:nvSpPr>
-          <p:cNvPr id="7" name="Content Placeholder 6">
-            <a:extLst>
-              <a:ext uri="{FF2B5EF4-FFF2-40B4-BE49-F238E27FC236}">
-                <a16:creationId xmlns:a16="http://schemas.microsoft.com/office/drawing/2014/main" id="{74715F8F-44DE-B940-B130-93429E5706B9}"/>
-              </a:ext>
-            </a:extLst>
-          </p:cNvPr>
-          <p:cNvSpPr>
-            <a:spLocks noGrp="1"/>
-          </p:cNvSpPr>
-          <p:nvPr>
-            <p:ph sz="half" idx="2"/>
-          </p:nvPr>
-        </p:nvSpPr>
-        <p:spPr/>
-        <p:txBody>
-          <a:bodyPr>
-            <a:normAutofit fontScale="92500" lnSpcReduction="10000"/>
-          </a:bodyPr>
-          <a:lstStyle/>
-          <a:p>
-            <a:pPr marL="0" indent="0">
-              <a:buNone/>
-            </a:pPr>
-            <a:r>
-              <a:rPr lang="it-IT" b="1" dirty="0"/>
-              <a:t>PYTHON</a:t>
-            </a:r>
-          </a:p>
-          <a:p>
-            <a:r>
-              <a:rPr lang="it-IT" dirty="0">
-                <a:solidFill>
-                  <a:srgbClr val="00B050"/>
-                </a:solidFill>
-              </a:rPr>
-              <a:t>Linguaggio ad oggetti general-</a:t>
-            </a:r>
-            <a:r>
-              <a:rPr lang="it-IT" dirty="0" err="1">
-                <a:solidFill>
-                  <a:srgbClr val="00B050"/>
-                </a:solidFill>
-              </a:rPr>
-              <a:t>purpose</a:t>
-            </a:r>
-            <a:endParaRPr lang="it-IT" dirty="0">
-              <a:solidFill>
-                <a:srgbClr val="00B050"/>
-              </a:solidFill>
-            </a:endParaRPr>
-          </a:p>
-          <a:p>
-            <a:r>
-              <a:rPr lang="it-IT" dirty="0">
-                <a:solidFill>
-                  <a:srgbClr val="00B050"/>
-                </a:solidFill>
-              </a:rPr>
-              <a:t>Portabile. Funziona su tutti i principali OS</a:t>
-            </a:r>
-          </a:p>
-          <a:p>
-            <a:r>
-              <a:rPr lang="it-IT" dirty="0">
-                <a:solidFill>
-                  <a:srgbClr val="00B050"/>
-                </a:solidFill>
-              </a:rPr>
-              <a:t>Sintassi chiara e leggibile, semplice da leggere e da scrivere</a:t>
-            </a:r>
-          </a:p>
-          <a:p>
-            <a:r>
-              <a:rPr lang="it-IT" dirty="0">
-                <a:solidFill>
-                  <a:srgbClr val="00B050"/>
-                </a:solidFill>
-              </a:rPr>
-              <a:t>Ottima gestione degli errori (eccezioni)</a:t>
-            </a:r>
-          </a:p>
-          <a:p>
-            <a:r>
-              <a:rPr lang="it-IT" dirty="0" err="1">
-                <a:solidFill>
-                  <a:srgbClr val="00B050"/>
-                </a:solidFill>
-              </a:rPr>
-              <a:t>Tool</a:t>
-            </a:r>
-            <a:r>
-              <a:rPr lang="it-IT" dirty="0">
-                <a:solidFill>
-                  <a:srgbClr val="00B050"/>
-                </a:solidFill>
-              </a:rPr>
-              <a:t> di </a:t>
-            </a:r>
-            <a:r>
-              <a:rPr lang="it-IT" dirty="0" err="1">
-                <a:solidFill>
-                  <a:srgbClr val="00B050"/>
-                </a:solidFill>
-              </a:rPr>
-              <a:t>debug</a:t>
-            </a:r>
-            <a:endParaRPr lang="it-IT" dirty="0">
-              <a:solidFill>
-                <a:srgbClr val="00B050"/>
-              </a:solidFill>
-            </a:endParaRPr>
-          </a:p>
-          <a:p>
-            <a:r>
-              <a:rPr lang="it-IT" dirty="0">
-                <a:solidFill>
-                  <a:schemeClr val="accent6">
-                    <a:lumMod val="75000"/>
-                  </a:schemeClr>
-                </a:solidFill>
-              </a:rPr>
-              <a:t>Spesso richiede dipendenze da installare</a:t>
-            </a:r>
-          </a:p>
-          <a:p>
-            <a:r>
-              <a:rPr lang="it-IT" dirty="0">
-                <a:solidFill>
-                  <a:schemeClr val="accent6">
-                    <a:lumMod val="75000"/>
-                  </a:schemeClr>
-                </a:solidFill>
-              </a:rPr>
-              <a:t>Codice generalmente più prolisso</a:t>
-            </a:r>
-            <a:br>
-              <a:rPr lang="it-IT" dirty="0"/>
-            </a:br>
-            <a:endParaRPr lang="en-GB" dirty="0"/>
-          </a:p>
-        </p:txBody>
-      </p:sp>
-      <p:sp>
-        <p:nvSpPr>
-          <p:cNvPr id="4" name="Slide Number Placeholder 3">
-            <a:extLst>
-              <a:ext uri="{FF2B5EF4-FFF2-40B4-BE49-F238E27FC236}">
-                <a16:creationId xmlns:a16="http://schemas.microsoft.com/office/drawing/2014/main" id="{B687DCC2-F272-5C4B-825F-A2D37C97E322}"/>
-              </a:ext>
-            </a:extLst>
-          </p:cNvPr>
-          <p:cNvSpPr>
-            <a:spLocks noGrp="1"/>
-          </p:cNvSpPr>
-          <p:nvPr>
-            <p:ph type="sldNum" sz="quarter" idx="12"/>
-          </p:nvPr>
-        </p:nvSpPr>
-        <p:spPr/>
-        <p:txBody>
-          <a:bodyPr/>
-          <a:lstStyle/>
-          <a:p>
-            <a:fld id="{D2040F39-7941-49A4-B48D-F201B18B6351}" type="slidenum">
-              <a:rPr lang="it-IT" smtClean="0"/>
-              <a:pPr/>
-              <a:t>39</a:t>
-            </a:fld>
-            <a:endParaRPr lang="it-IT" dirty="0"/>
-          </a:p>
-        </p:txBody>
-      </p:sp>
-    </p:spTree>
-    <p:extLst>
-      <p:ext uri="{BB962C8B-B14F-4D97-AF65-F5344CB8AC3E}">
-        <p14:creationId xmlns:p14="http://schemas.microsoft.com/office/powerpoint/2010/main" val="441460166"/>
       </p:ext>
     </p:extLst>
   </p:cSld>
@@ -21608,329 +22130,33 @@
       </p:grpSpPr>
       <p:sp>
         <p:nvSpPr>
-          <p:cNvPr id="5" name="Title 4">
-            <a:extLst>
-              <a:ext uri="{FF2B5EF4-FFF2-40B4-BE49-F238E27FC236}">
-                <a16:creationId xmlns:a16="http://schemas.microsoft.com/office/drawing/2014/main" id="{CCD5C37D-7B15-F34F-B6CF-717074C8EA7B}"/>
-              </a:ext>
-            </a:extLst>
-          </p:cNvPr>
+          <p:cNvPr id="2" name="Titolo 1"/>
           <p:cNvSpPr>
             <a:spLocks noGrp="1"/>
           </p:cNvSpPr>
           <p:nvPr>
-            <p:ph type="title"/>
-          </p:nvPr>
-        </p:nvSpPr>
-        <p:spPr/>
-        <p:txBody>
-          <a:bodyPr/>
-          <a:lstStyle/>
-          <a:p>
-            <a:r>
-              <a:rPr lang="en-GB" dirty="0" err="1"/>
-              <a:t>Esempio</a:t>
-            </a:r>
-            <a:r>
-              <a:rPr lang="en-GB" dirty="0"/>
-              <a:t>(Bash)</a:t>
-            </a:r>
-          </a:p>
-        </p:txBody>
-      </p:sp>
-      <p:sp>
-        <p:nvSpPr>
-          <p:cNvPr id="8" name="Content Placeholder 7">
-            <a:extLst>
-              <a:ext uri="{FF2B5EF4-FFF2-40B4-BE49-F238E27FC236}">
-                <a16:creationId xmlns:a16="http://schemas.microsoft.com/office/drawing/2014/main" id="{C005D388-FE84-6147-9EAF-2CE8CD39584D}"/>
-              </a:ext>
-            </a:extLst>
-          </p:cNvPr>
-          <p:cNvSpPr>
-            <a:spLocks noGrp="1"/>
-          </p:cNvSpPr>
-          <p:nvPr>
-            <p:ph idx="1"/>
+            <p:ph type="ctrTitle"/>
           </p:nvPr>
         </p:nvSpPr>
         <p:spPr/>
         <p:txBody>
           <a:bodyPr>
-            <a:normAutofit fontScale="85000" lnSpcReduction="20000"/>
+            <a:normAutofit/>
           </a:bodyPr>
           <a:lstStyle/>
           <a:p>
-            <a:pPr marL="0" indent="0">
-              <a:buNone/>
-            </a:pPr>
-            <a:r>
-              <a:rPr lang="en-GB" dirty="0">
-                <a:latin typeface="Consolas" panose="020B0609020204030204" pitchFamily="49" charset="0"/>
-                <a:cs typeface="Consolas" panose="020B0609020204030204" pitchFamily="49" charset="0"/>
-              </a:rPr>
-              <a:t>#!/bin/bash</a:t>
-            </a:r>
-          </a:p>
-          <a:p>
-            <a:pPr marL="0" indent="0">
-              <a:buNone/>
-            </a:pPr>
-            <a:endParaRPr lang="en-GB" dirty="0">
-              <a:latin typeface="Consolas" panose="020B0609020204030204" pitchFamily="49" charset="0"/>
-              <a:cs typeface="Consolas" panose="020B0609020204030204" pitchFamily="49" charset="0"/>
-            </a:endParaRPr>
-          </a:p>
-          <a:p>
-            <a:pPr marL="0" indent="0">
-              <a:buNone/>
-            </a:pPr>
-            <a:r>
-              <a:rPr lang="en-GB" dirty="0">
-                <a:latin typeface="Consolas" panose="020B0609020204030204" pitchFamily="49" charset="0"/>
-                <a:cs typeface="Consolas" panose="020B0609020204030204" pitchFamily="49" charset="0"/>
-              </a:rPr>
-              <a:t>if [ $# -</a:t>
-            </a:r>
-            <a:r>
-              <a:rPr lang="en-GB" dirty="0" err="1">
-                <a:latin typeface="Consolas" panose="020B0609020204030204" pitchFamily="49" charset="0"/>
-                <a:cs typeface="Consolas" panose="020B0609020204030204" pitchFamily="49" charset="0"/>
-              </a:rPr>
-              <a:t>lt</a:t>
-            </a:r>
-            <a:r>
-              <a:rPr lang="en-GB" dirty="0">
-                <a:latin typeface="Consolas" panose="020B0609020204030204" pitchFamily="49" charset="0"/>
-                <a:cs typeface="Consolas" panose="020B0609020204030204" pitchFamily="49" charset="0"/>
-              </a:rPr>
-              <a:t> 1 ]; then</a:t>
-            </a:r>
-          </a:p>
-          <a:p>
-            <a:pPr marL="0" indent="0">
-              <a:buNone/>
-            </a:pPr>
-            <a:r>
-              <a:rPr lang="en-GB" dirty="0">
-                <a:latin typeface="Consolas" panose="020B0609020204030204" pitchFamily="49" charset="0"/>
-                <a:cs typeface="Consolas" panose="020B0609020204030204" pitchFamily="49" charset="0"/>
-              </a:rPr>
-              <a:t>	echo "usage: $0 f1 .. </a:t>
-            </a:r>
-            <a:r>
-              <a:rPr lang="en-GB" dirty="0" err="1">
-                <a:latin typeface="Consolas" panose="020B0609020204030204" pitchFamily="49" charset="0"/>
-                <a:cs typeface="Consolas" panose="020B0609020204030204" pitchFamily="49" charset="0"/>
-              </a:rPr>
-              <a:t>fn</a:t>
-            </a:r>
-            <a:r>
-              <a:rPr lang="en-GB" dirty="0">
-                <a:latin typeface="Consolas" panose="020B0609020204030204" pitchFamily="49" charset="0"/>
-                <a:cs typeface="Consolas" panose="020B0609020204030204" pitchFamily="49" charset="0"/>
-              </a:rPr>
-              <a:t>"</a:t>
-            </a:r>
-          </a:p>
-          <a:p>
-            <a:pPr marL="0" indent="0">
-              <a:buNone/>
-            </a:pPr>
-            <a:r>
-              <a:rPr lang="en-GB" dirty="0">
-                <a:latin typeface="Consolas" panose="020B0609020204030204" pitchFamily="49" charset="0"/>
-                <a:cs typeface="Consolas" panose="020B0609020204030204" pitchFamily="49" charset="0"/>
-              </a:rPr>
-              <a:t>  exit 1</a:t>
-            </a:r>
-          </a:p>
-          <a:p>
-            <a:pPr marL="0" indent="0">
-              <a:buNone/>
-            </a:pPr>
-            <a:r>
-              <a:rPr lang="en-GB" dirty="0">
-                <a:latin typeface="Consolas" panose="020B0609020204030204" pitchFamily="49" charset="0"/>
-                <a:cs typeface="Consolas" panose="020B0609020204030204" pitchFamily="49" charset="0"/>
-              </a:rPr>
-              <a:t>fi</a:t>
-            </a:r>
-          </a:p>
-          <a:p>
-            <a:pPr marL="0" indent="0">
-              <a:buNone/>
-            </a:pPr>
-            <a:endParaRPr lang="en-GB" dirty="0">
-              <a:latin typeface="Consolas" panose="020B0609020204030204" pitchFamily="49" charset="0"/>
-              <a:cs typeface="Consolas" panose="020B0609020204030204" pitchFamily="49" charset="0"/>
-            </a:endParaRPr>
-          </a:p>
-          <a:p>
-            <a:pPr marL="0" indent="0">
-              <a:buNone/>
-            </a:pPr>
-            <a:r>
-              <a:rPr lang="en-GB" dirty="0">
-                <a:latin typeface="Consolas" panose="020B0609020204030204" pitchFamily="49" charset="0"/>
-                <a:cs typeface="Consolas" panose="020B0609020204030204" pitchFamily="49" charset="0"/>
-              </a:rPr>
-              <a:t>l=0</a:t>
-            </a:r>
-          </a:p>
-          <a:p>
-            <a:pPr marL="0" indent="0">
-              <a:buNone/>
-            </a:pPr>
-            <a:r>
-              <a:rPr lang="en-GB" dirty="0">
-                <a:latin typeface="Consolas" panose="020B0609020204030204" pitchFamily="49" charset="0"/>
-                <a:cs typeface="Consolas" panose="020B0609020204030204" pitchFamily="49" charset="0"/>
-              </a:rPr>
-              <a:t>for </a:t>
-            </a:r>
-            <a:r>
-              <a:rPr lang="en-GB" dirty="0" err="1">
-                <a:latin typeface="Consolas" panose="020B0609020204030204" pitchFamily="49" charset="0"/>
-                <a:cs typeface="Consolas" panose="020B0609020204030204" pitchFamily="49" charset="0"/>
-              </a:rPr>
-              <a:t>fname</a:t>
-            </a:r>
-            <a:r>
-              <a:rPr lang="en-GB" dirty="0">
-                <a:latin typeface="Consolas" panose="020B0609020204030204" pitchFamily="49" charset="0"/>
-                <a:cs typeface="Consolas" panose="020B0609020204030204" pitchFamily="49" charset="0"/>
-              </a:rPr>
-              <a:t> in $*; do</a:t>
-            </a:r>
-          </a:p>
-          <a:p>
-            <a:pPr marL="0" indent="0">
-              <a:buNone/>
-            </a:pPr>
-            <a:r>
-              <a:rPr lang="en-GB" dirty="0">
-                <a:latin typeface="Consolas" panose="020B0609020204030204" pitchFamily="49" charset="0"/>
-                <a:cs typeface="Consolas" panose="020B0609020204030204" pitchFamily="49" charset="0"/>
-              </a:rPr>
-              <a:t>	l=$(</a:t>
-            </a:r>
-            <a:r>
-              <a:rPr lang="en-GB" dirty="0" err="1">
-                <a:latin typeface="Consolas" panose="020B0609020204030204" pitchFamily="49" charset="0"/>
-                <a:cs typeface="Consolas" panose="020B0609020204030204" pitchFamily="49" charset="0"/>
-              </a:rPr>
-              <a:t>wc</a:t>
-            </a:r>
-            <a:r>
-              <a:rPr lang="en-GB" dirty="0">
-                <a:latin typeface="Consolas" panose="020B0609020204030204" pitchFamily="49" charset="0"/>
-                <a:cs typeface="Consolas" panose="020B0609020204030204" pitchFamily="49" charset="0"/>
-              </a:rPr>
-              <a:t> -l "$</a:t>
-            </a:r>
-            <a:r>
-              <a:rPr lang="en-GB" dirty="0" err="1">
-                <a:latin typeface="Consolas" panose="020B0609020204030204" pitchFamily="49" charset="0"/>
-                <a:cs typeface="Consolas" panose="020B0609020204030204" pitchFamily="49" charset="0"/>
-              </a:rPr>
-              <a:t>fname</a:t>
-            </a:r>
-            <a:r>
-              <a:rPr lang="en-GB" dirty="0">
-                <a:latin typeface="Consolas" panose="020B0609020204030204" pitchFamily="49" charset="0"/>
-                <a:cs typeface="Consolas" panose="020B0609020204030204" pitchFamily="49" charset="0"/>
-              </a:rPr>
-              <a:t>" | cut -d ' ' -f 1)</a:t>
-            </a:r>
-          </a:p>
-          <a:p>
-            <a:pPr marL="0" indent="0">
-              <a:buNone/>
-            </a:pPr>
-            <a:r>
-              <a:rPr lang="en-GB" dirty="0">
-                <a:latin typeface="Consolas" panose="020B0609020204030204" pitchFamily="49" charset="0"/>
-                <a:cs typeface="Consolas" panose="020B0609020204030204" pitchFamily="49" charset="0"/>
-              </a:rPr>
-              <a:t>	echo "$</a:t>
-            </a:r>
-            <a:r>
-              <a:rPr lang="en-GB" dirty="0" err="1">
-                <a:latin typeface="Consolas" panose="020B0609020204030204" pitchFamily="49" charset="0"/>
-                <a:cs typeface="Consolas" panose="020B0609020204030204" pitchFamily="49" charset="0"/>
-              </a:rPr>
-              <a:t>fname</a:t>
-            </a:r>
-            <a:r>
-              <a:rPr lang="en-GB" dirty="0">
-                <a:latin typeface="Consolas" panose="020B0609020204030204" pitchFamily="49" charset="0"/>
-                <a:cs typeface="Consolas" panose="020B0609020204030204" pitchFamily="49" charset="0"/>
-              </a:rPr>
-              <a:t>": "$l"</a:t>
-            </a:r>
-          </a:p>
-          <a:p>
-            <a:pPr marL="0" indent="0">
-              <a:buNone/>
-            </a:pPr>
-            <a:r>
-              <a:rPr lang="en-GB" dirty="0">
-                <a:latin typeface="Consolas" panose="020B0609020204030204" pitchFamily="49" charset="0"/>
-                <a:cs typeface="Consolas" panose="020B0609020204030204" pitchFamily="49" charset="0"/>
-              </a:rPr>
-              <a:t>done</a:t>
-            </a:r>
-          </a:p>
-          <a:p>
-            <a:pPr marL="0" indent="0">
-              <a:buNone/>
-            </a:pPr>
-            <a:endParaRPr lang="en-GB" dirty="0">
-              <a:latin typeface="Consolas" panose="020B0609020204030204" pitchFamily="49" charset="0"/>
-              <a:cs typeface="Consolas" panose="020B0609020204030204" pitchFamily="49" charset="0"/>
-            </a:endParaRPr>
-          </a:p>
-          <a:p>
-            <a:pPr marL="0" indent="0">
-              <a:buNone/>
-            </a:pPr>
-            <a:r>
-              <a:rPr lang="en-GB" dirty="0">
-                <a:latin typeface="Consolas" panose="020B0609020204030204" pitchFamily="49" charset="0"/>
-                <a:cs typeface="Consolas" panose="020B0609020204030204" pitchFamily="49" charset="0"/>
-              </a:rPr>
-              <a:t>exit 0</a:t>
-            </a:r>
-          </a:p>
-        </p:txBody>
-      </p:sp>
-      <p:sp>
-        <p:nvSpPr>
-          <p:cNvPr id="4" name="Slide Number Placeholder 3">
-            <a:extLst>
-              <a:ext uri="{FF2B5EF4-FFF2-40B4-BE49-F238E27FC236}">
-                <a16:creationId xmlns:a16="http://schemas.microsoft.com/office/drawing/2014/main" id="{B687DCC2-F272-5C4B-825F-A2D37C97E322}"/>
-              </a:ext>
-            </a:extLst>
-          </p:cNvPr>
-          <p:cNvSpPr>
-            <a:spLocks noGrp="1"/>
-          </p:cNvSpPr>
-          <p:nvPr>
-            <p:ph type="sldNum" sz="quarter" idx="12"/>
-          </p:nvPr>
-        </p:nvSpPr>
-        <p:spPr/>
-        <p:txBody>
-          <a:bodyPr/>
-          <a:lstStyle/>
-          <a:p>
-            <a:fld id="{D2040F39-7941-49A4-B48D-F201B18B6351}" type="slidenum">
-              <a:rPr lang="it-IT" smtClean="0"/>
-              <a:pPr/>
-              <a:t>40</a:t>
-            </a:fld>
+            <a:r>
+              <a:rPr lang="it-IT" dirty="0" err="1"/>
+              <a:t>Bash</a:t>
+            </a:r>
+            <a:r>
+              <a:rPr lang="it-IT" dirty="0"/>
+              <a:t> e </a:t>
+            </a:r>
+            <a:r>
+              <a:rPr lang="it-IT" dirty="0" err="1"/>
+              <a:t>Python</a:t>
+            </a:r>
             <a:endParaRPr lang="it-IT" dirty="0"/>
           </a:p>
         </p:txBody>
@@ -21938,7 +22164,7 @@
     </p:spTree>
     <p:extLst>
       <p:ext uri="{BB962C8B-B14F-4D97-AF65-F5344CB8AC3E}">
-        <p14:creationId xmlns:p14="http://schemas.microsoft.com/office/powerpoint/2010/main" val="3407210449"/>
+        <p14:creationId xmlns:p14="http://schemas.microsoft.com/office/powerpoint/2010/main" val="1710110820"/>
       </p:ext>
     </p:extLst>
   </p:cSld>
@@ -21987,6 +22213,861 @@
           <a:lstStyle/>
           <a:p>
             <a:r>
+              <a:rPr lang="en-GB" dirty="0"/>
+              <a:t>Bash vs Python</a:t>
+            </a:r>
+          </a:p>
+        </p:txBody>
+      </p:sp>
+      <p:sp>
+        <p:nvSpPr>
+          <p:cNvPr id="6" name="Content Placeholder 5">
+            <a:extLst>
+              <a:ext uri="{FF2B5EF4-FFF2-40B4-BE49-F238E27FC236}">
+                <a16:creationId xmlns:a16="http://schemas.microsoft.com/office/drawing/2014/main" id="{B42F3D2B-C279-4B43-AF9A-090C06FA8864}"/>
+              </a:ext>
+            </a:extLst>
+          </p:cNvPr>
+          <p:cNvSpPr>
+            <a:spLocks noGrp="1"/>
+          </p:cNvSpPr>
+          <p:nvPr>
+            <p:ph sz="half" idx="1"/>
+          </p:nvPr>
+        </p:nvSpPr>
+        <p:spPr/>
+        <p:txBody>
+          <a:bodyPr>
+            <a:noAutofit/>
+          </a:bodyPr>
+          <a:lstStyle/>
+          <a:p>
+            <a:pPr marL="0" indent="0">
+              <a:buNone/>
+            </a:pPr>
+            <a:r>
+              <a:rPr lang="it-IT" sz="1800" b="1" dirty="0"/>
+              <a:t>BASH</a:t>
+            </a:r>
+          </a:p>
+          <a:p>
+            <a:r>
+              <a:rPr lang="it-IT" sz="1800" dirty="0">
+                <a:solidFill>
+                  <a:srgbClr val="00B050"/>
+                </a:solidFill>
+              </a:rPr>
+              <a:t>Tradizionale, notissima, installata ovunque</a:t>
+            </a:r>
+          </a:p>
+          <a:p>
+            <a:r>
+              <a:rPr lang="it-IT" sz="1800" dirty="0">
+                <a:solidFill>
+                  <a:srgbClr val="00B050"/>
+                </a:solidFill>
+              </a:rPr>
+              <a:t>Supporto nativo e integrazione profonda con Unix (</a:t>
+            </a:r>
+            <a:r>
+              <a:rPr lang="it-IT" sz="1800" dirty="0" err="1">
+                <a:solidFill>
+                  <a:srgbClr val="00B050"/>
+                </a:solidFill>
+              </a:rPr>
+              <a:t>piping</a:t>
+            </a:r>
+            <a:r>
+              <a:rPr lang="it-IT" sz="1800" dirty="0">
+                <a:solidFill>
+                  <a:srgbClr val="00B050"/>
+                </a:solidFill>
+              </a:rPr>
+              <a:t>, </a:t>
+            </a:r>
+            <a:r>
+              <a:rPr lang="it-IT" sz="1800" dirty="0" err="1">
+                <a:solidFill>
+                  <a:srgbClr val="00B050"/>
+                </a:solidFill>
+              </a:rPr>
+              <a:t>ridirezione</a:t>
+            </a:r>
+            <a:r>
+              <a:rPr lang="it-IT" sz="1800" dirty="0">
+                <a:solidFill>
+                  <a:srgbClr val="00B050"/>
+                </a:solidFill>
+              </a:rPr>
+              <a:t>)</a:t>
+            </a:r>
+          </a:p>
+          <a:p>
+            <a:r>
+              <a:rPr lang="it-IT" sz="1800" dirty="0">
+                <a:solidFill>
+                  <a:srgbClr val="00B050"/>
+                </a:solidFill>
+              </a:rPr>
+              <a:t>Avvio quasi istantaneo</a:t>
+            </a:r>
+          </a:p>
+          <a:p>
+            <a:r>
+              <a:rPr lang="it-IT" sz="1800" dirty="0">
+                <a:solidFill>
+                  <a:schemeClr val="accent6">
+                    <a:lumMod val="75000"/>
+                  </a:schemeClr>
+                </a:solidFill>
+              </a:rPr>
+              <a:t>Non usabile su Windows</a:t>
+            </a:r>
+          </a:p>
+          <a:p>
+            <a:r>
+              <a:rPr lang="it-IT" sz="1800" dirty="0">
+                <a:solidFill>
+                  <a:schemeClr val="accent6">
+                    <a:lumMod val="75000"/>
+                  </a:schemeClr>
+                </a:solidFill>
+              </a:rPr>
+              <a:t>Non completamente compatibile con altre </a:t>
+            </a:r>
+            <a:r>
+              <a:rPr lang="it-IT" sz="1800" dirty="0" err="1">
+                <a:solidFill>
+                  <a:schemeClr val="accent6">
+                    <a:lumMod val="75000"/>
+                  </a:schemeClr>
+                </a:solidFill>
+              </a:rPr>
+              <a:t>shell</a:t>
+            </a:r>
+            <a:r>
+              <a:rPr lang="it-IT" sz="1800" dirty="0">
+                <a:solidFill>
+                  <a:schemeClr val="accent6">
+                    <a:lumMod val="75000"/>
+                  </a:schemeClr>
+                </a:solidFill>
+              </a:rPr>
+              <a:t> (</a:t>
+            </a:r>
+            <a:r>
+              <a:rPr lang="it-IT" sz="1800" dirty="0" err="1">
+                <a:solidFill>
+                  <a:schemeClr val="accent6">
+                    <a:lumMod val="75000"/>
+                  </a:schemeClr>
+                </a:solidFill>
+              </a:rPr>
+              <a:t>csh</a:t>
+            </a:r>
+            <a:r>
+              <a:rPr lang="it-IT" sz="1800" dirty="0">
+                <a:solidFill>
+                  <a:schemeClr val="accent6">
+                    <a:lumMod val="75000"/>
+                  </a:schemeClr>
+                </a:solidFill>
+              </a:rPr>
+              <a:t>, </a:t>
+            </a:r>
+            <a:r>
+              <a:rPr lang="it-IT" sz="1800" dirty="0" err="1">
+                <a:solidFill>
+                  <a:schemeClr val="accent6">
+                    <a:lumMod val="75000"/>
+                  </a:schemeClr>
+                </a:solidFill>
+              </a:rPr>
+              <a:t>zsh</a:t>
+            </a:r>
+            <a:r>
+              <a:rPr lang="it-IT" sz="1800" dirty="0">
+                <a:solidFill>
+                  <a:schemeClr val="accent6">
+                    <a:lumMod val="75000"/>
+                  </a:schemeClr>
+                </a:solidFill>
+              </a:rPr>
+              <a:t>, </a:t>
+            </a:r>
+            <a:r>
+              <a:rPr lang="it-IT" sz="1800" dirty="0" err="1">
+                <a:solidFill>
+                  <a:schemeClr val="accent6">
+                    <a:lumMod val="75000"/>
+                  </a:schemeClr>
+                </a:solidFill>
+              </a:rPr>
+              <a:t>fish</a:t>
+            </a:r>
+            <a:r>
+              <a:rPr lang="it-IT" sz="1800" dirty="0">
+                <a:solidFill>
+                  <a:schemeClr val="accent6">
+                    <a:lumMod val="75000"/>
+                  </a:schemeClr>
+                </a:solidFill>
+              </a:rPr>
+              <a:t>)</a:t>
+            </a:r>
+          </a:p>
+          <a:p>
+            <a:r>
+              <a:rPr lang="it-IT" sz="1800" dirty="0">
+                <a:solidFill>
+                  <a:schemeClr val="accent6">
+                    <a:lumMod val="75000"/>
+                  </a:schemeClr>
+                </a:solidFill>
+              </a:rPr>
+              <a:t>Manca supporto per oggetti, strutture dati complesse, multi-threading</a:t>
+            </a:r>
+          </a:p>
+          <a:p>
+            <a:r>
+              <a:rPr lang="it-IT" sz="1800" dirty="0">
+                <a:solidFill>
+                  <a:schemeClr val="accent6">
+                    <a:lumMod val="75000"/>
+                  </a:schemeClr>
+                </a:solidFill>
+              </a:rPr>
+              <a:t>Mancano </a:t>
+            </a:r>
+            <a:r>
+              <a:rPr lang="it-IT" sz="1800" dirty="0" err="1">
+                <a:solidFill>
+                  <a:schemeClr val="accent6">
+                    <a:lumMod val="75000"/>
+                  </a:schemeClr>
+                </a:solidFill>
+              </a:rPr>
+              <a:t>tool</a:t>
+            </a:r>
+            <a:r>
+              <a:rPr lang="it-IT" sz="1800" dirty="0">
+                <a:solidFill>
+                  <a:schemeClr val="accent6">
+                    <a:lumMod val="75000"/>
+                  </a:schemeClr>
+                </a:solidFill>
+              </a:rPr>
+              <a:t> di </a:t>
+            </a:r>
+            <a:r>
+              <a:rPr lang="it-IT" sz="1800" dirty="0" err="1">
+                <a:solidFill>
+                  <a:schemeClr val="accent6">
+                    <a:lumMod val="75000"/>
+                  </a:schemeClr>
+                </a:solidFill>
+              </a:rPr>
+              <a:t>debug</a:t>
+            </a:r>
+            <a:endParaRPr lang="it-IT" sz="1800" dirty="0">
+              <a:solidFill>
+                <a:schemeClr val="accent6">
+                  <a:lumMod val="75000"/>
+                </a:schemeClr>
+              </a:solidFill>
+            </a:endParaRPr>
+          </a:p>
+          <a:p>
+            <a:endParaRPr lang="en-GB" sz="1800" dirty="0"/>
+          </a:p>
+        </p:txBody>
+      </p:sp>
+      <p:sp>
+        <p:nvSpPr>
+          <p:cNvPr id="7" name="Content Placeholder 6">
+            <a:extLst>
+              <a:ext uri="{FF2B5EF4-FFF2-40B4-BE49-F238E27FC236}">
+                <a16:creationId xmlns:a16="http://schemas.microsoft.com/office/drawing/2014/main" id="{74715F8F-44DE-B940-B130-93429E5706B9}"/>
+              </a:ext>
+            </a:extLst>
+          </p:cNvPr>
+          <p:cNvSpPr>
+            <a:spLocks noGrp="1"/>
+          </p:cNvSpPr>
+          <p:nvPr>
+            <p:ph sz="half" idx="2"/>
+          </p:nvPr>
+        </p:nvSpPr>
+        <p:spPr/>
+        <p:txBody>
+          <a:bodyPr>
+            <a:normAutofit fontScale="92500" lnSpcReduction="10000"/>
+          </a:bodyPr>
+          <a:lstStyle/>
+          <a:p>
+            <a:pPr marL="0" indent="0">
+              <a:buNone/>
+            </a:pPr>
+            <a:r>
+              <a:rPr lang="it-IT" b="1" dirty="0"/>
+              <a:t>PYTHON</a:t>
+            </a:r>
+          </a:p>
+          <a:p>
+            <a:r>
+              <a:rPr lang="it-IT" dirty="0">
+                <a:solidFill>
+                  <a:srgbClr val="00B050"/>
+                </a:solidFill>
+              </a:rPr>
+              <a:t>Linguaggio ad oggetti general-</a:t>
+            </a:r>
+            <a:r>
+              <a:rPr lang="it-IT" dirty="0" err="1">
+                <a:solidFill>
+                  <a:srgbClr val="00B050"/>
+                </a:solidFill>
+              </a:rPr>
+              <a:t>purpose</a:t>
+            </a:r>
+            <a:endParaRPr lang="it-IT" dirty="0">
+              <a:solidFill>
+                <a:srgbClr val="00B050"/>
+              </a:solidFill>
+            </a:endParaRPr>
+          </a:p>
+          <a:p>
+            <a:r>
+              <a:rPr lang="it-IT" dirty="0">
+                <a:solidFill>
+                  <a:srgbClr val="00B050"/>
+                </a:solidFill>
+              </a:rPr>
+              <a:t>Portabile. Funziona su tutti i principali OS</a:t>
+            </a:r>
+          </a:p>
+          <a:p>
+            <a:r>
+              <a:rPr lang="it-IT" dirty="0">
+                <a:solidFill>
+                  <a:srgbClr val="00B050"/>
+                </a:solidFill>
+              </a:rPr>
+              <a:t>Sintassi chiara e leggibile, semplice da leggere e da scrivere</a:t>
+            </a:r>
+          </a:p>
+          <a:p>
+            <a:r>
+              <a:rPr lang="it-IT" dirty="0">
+                <a:solidFill>
+                  <a:srgbClr val="00B050"/>
+                </a:solidFill>
+              </a:rPr>
+              <a:t>Ottima gestione degli errori (eccezioni)</a:t>
+            </a:r>
+          </a:p>
+          <a:p>
+            <a:r>
+              <a:rPr lang="it-IT" dirty="0" err="1">
+                <a:solidFill>
+                  <a:srgbClr val="00B050"/>
+                </a:solidFill>
+              </a:rPr>
+              <a:t>Tool</a:t>
+            </a:r>
+            <a:r>
+              <a:rPr lang="it-IT" dirty="0">
+                <a:solidFill>
+                  <a:srgbClr val="00B050"/>
+                </a:solidFill>
+              </a:rPr>
+              <a:t> di </a:t>
+            </a:r>
+            <a:r>
+              <a:rPr lang="it-IT" dirty="0" err="1">
+                <a:solidFill>
+                  <a:srgbClr val="00B050"/>
+                </a:solidFill>
+              </a:rPr>
+              <a:t>debug</a:t>
+            </a:r>
+            <a:endParaRPr lang="it-IT" dirty="0">
+              <a:solidFill>
+                <a:srgbClr val="00B050"/>
+              </a:solidFill>
+            </a:endParaRPr>
+          </a:p>
+          <a:p>
+            <a:r>
+              <a:rPr lang="it-IT" dirty="0">
+                <a:solidFill>
+                  <a:schemeClr val="accent6">
+                    <a:lumMod val="75000"/>
+                  </a:schemeClr>
+                </a:solidFill>
+              </a:rPr>
+              <a:t>Spesso richiede dipendenze da installare</a:t>
+            </a:r>
+          </a:p>
+          <a:p>
+            <a:r>
+              <a:rPr lang="it-IT" dirty="0">
+                <a:solidFill>
+                  <a:schemeClr val="accent6">
+                    <a:lumMod val="75000"/>
+                  </a:schemeClr>
+                </a:solidFill>
+              </a:rPr>
+              <a:t>Codice generalmente più prolisso</a:t>
+            </a:r>
+            <a:br>
+              <a:rPr lang="it-IT" dirty="0"/>
+            </a:br>
+            <a:endParaRPr lang="en-GB" dirty="0"/>
+          </a:p>
+        </p:txBody>
+      </p:sp>
+      <p:sp>
+        <p:nvSpPr>
+          <p:cNvPr id="4" name="Slide Number Placeholder 3">
+            <a:extLst>
+              <a:ext uri="{FF2B5EF4-FFF2-40B4-BE49-F238E27FC236}">
+                <a16:creationId xmlns:a16="http://schemas.microsoft.com/office/drawing/2014/main" id="{B687DCC2-F272-5C4B-825F-A2D37C97E322}"/>
+              </a:ext>
+            </a:extLst>
+          </p:cNvPr>
+          <p:cNvSpPr>
+            <a:spLocks noGrp="1"/>
+          </p:cNvSpPr>
+          <p:nvPr>
+            <p:ph type="sldNum" sz="quarter" idx="12"/>
+          </p:nvPr>
+        </p:nvSpPr>
+        <p:spPr/>
+        <p:txBody>
+          <a:bodyPr/>
+          <a:lstStyle/>
+          <a:p>
+            <a:fld id="{D2040F39-7941-49A4-B48D-F201B18B6351}" type="slidenum">
+              <a:rPr lang="it-IT" smtClean="0"/>
+              <a:pPr/>
+              <a:t>41</a:t>
+            </a:fld>
+            <a:endParaRPr lang="it-IT" dirty="0"/>
+          </a:p>
+        </p:txBody>
+      </p:sp>
+    </p:spTree>
+    <p:extLst>
+      <p:ext uri="{BB962C8B-B14F-4D97-AF65-F5344CB8AC3E}">
+        <p14:creationId xmlns:p14="http://schemas.microsoft.com/office/powerpoint/2010/main" val="441460166"/>
+      </p:ext>
+    </p:extLst>
+  </p:cSld>
+  <p:clrMapOvr>
+    <a:masterClrMapping/>
+  </p:clrMapOvr>
+</p:sld>
+</file>
+
+<file path=ppt/slides/slide42.xml><?xml version="1.0" encoding="utf-8"?>
+<p:sld xmlns:a="http://schemas.openxmlformats.org/drawingml/2006/main" xmlns:r="http://schemas.openxmlformats.org/officeDocument/2006/relationships" xmlns:p="http://schemas.openxmlformats.org/presentationml/2006/main">
+  <p:cSld>
+    <p:spTree>
+      <p:nvGrpSpPr>
+        <p:cNvPr id="1" name=""/>
+        <p:cNvGrpSpPr/>
+        <p:nvPr/>
+      </p:nvGrpSpPr>
+      <p:grpSpPr>
+        <a:xfrm>
+          <a:off x="0" y="0"/>
+          <a:ext cx="0" cy="0"/>
+          <a:chOff x="0" y="0"/>
+          <a:chExt cx="0" cy="0"/>
+        </a:xfrm>
+      </p:grpSpPr>
+      <p:sp>
+        <p:nvSpPr>
+          <p:cNvPr id="5" name="Title 4">
+            <a:extLst>
+              <a:ext uri="{FF2B5EF4-FFF2-40B4-BE49-F238E27FC236}">
+                <a16:creationId xmlns:a16="http://schemas.microsoft.com/office/drawing/2014/main" id="{CCD5C37D-7B15-F34F-B6CF-717074C8EA7B}"/>
+              </a:ext>
+            </a:extLst>
+          </p:cNvPr>
+          <p:cNvSpPr>
+            <a:spLocks noGrp="1"/>
+          </p:cNvSpPr>
+          <p:nvPr>
+            <p:ph type="title"/>
+          </p:nvPr>
+        </p:nvSpPr>
+        <p:spPr/>
+        <p:txBody>
+          <a:bodyPr/>
+          <a:lstStyle/>
+          <a:p>
+            <a:r>
+              <a:rPr lang="en-GB" dirty="0" err="1"/>
+              <a:t>Esempio</a:t>
+            </a:r>
+            <a:r>
+              <a:rPr lang="en-GB" dirty="0"/>
+              <a:t>(Bash)</a:t>
+            </a:r>
+          </a:p>
+        </p:txBody>
+      </p:sp>
+      <p:sp>
+        <p:nvSpPr>
+          <p:cNvPr id="8" name="Content Placeholder 7">
+            <a:extLst>
+              <a:ext uri="{FF2B5EF4-FFF2-40B4-BE49-F238E27FC236}">
+                <a16:creationId xmlns:a16="http://schemas.microsoft.com/office/drawing/2014/main" id="{C005D388-FE84-6147-9EAF-2CE8CD39584D}"/>
+              </a:ext>
+            </a:extLst>
+          </p:cNvPr>
+          <p:cNvSpPr>
+            <a:spLocks noGrp="1"/>
+          </p:cNvSpPr>
+          <p:nvPr>
+            <p:ph idx="1"/>
+          </p:nvPr>
+        </p:nvSpPr>
+        <p:spPr/>
+        <p:txBody>
+          <a:bodyPr>
+            <a:normAutofit fontScale="85000" lnSpcReduction="20000"/>
+          </a:bodyPr>
+          <a:lstStyle/>
+          <a:p>
+            <a:pPr marL="0" indent="0">
+              <a:buNone/>
+            </a:pPr>
+            <a:r>
+              <a:rPr lang="en-GB" dirty="0">
+                <a:latin typeface="Consolas" panose="020B0609020204030204" pitchFamily="49" charset="0"/>
+                <a:cs typeface="Consolas" panose="020B0609020204030204" pitchFamily="49" charset="0"/>
+              </a:rPr>
+              <a:t>#!/bin/bash</a:t>
+            </a:r>
+          </a:p>
+          <a:p>
+            <a:pPr marL="0" indent="0">
+              <a:buNone/>
+            </a:pPr>
+            <a:endParaRPr lang="en-GB" dirty="0">
+              <a:latin typeface="Consolas" panose="020B0609020204030204" pitchFamily="49" charset="0"/>
+              <a:cs typeface="Consolas" panose="020B0609020204030204" pitchFamily="49" charset="0"/>
+            </a:endParaRPr>
+          </a:p>
+          <a:p>
+            <a:pPr marL="0" indent="0">
+              <a:buNone/>
+            </a:pPr>
+            <a:r>
+              <a:rPr lang="en-GB" dirty="0">
+                <a:latin typeface="Consolas" panose="020B0609020204030204" pitchFamily="49" charset="0"/>
+                <a:cs typeface="Consolas" panose="020B0609020204030204" pitchFamily="49" charset="0"/>
+              </a:rPr>
+              <a:t>if [ $# -</a:t>
+            </a:r>
+            <a:r>
+              <a:rPr lang="en-GB" dirty="0" err="1">
+                <a:latin typeface="Consolas" panose="020B0609020204030204" pitchFamily="49" charset="0"/>
+                <a:cs typeface="Consolas" panose="020B0609020204030204" pitchFamily="49" charset="0"/>
+              </a:rPr>
+              <a:t>lt</a:t>
+            </a:r>
+            <a:r>
+              <a:rPr lang="en-GB" dirty="0">
+                <a:latin typeface="Consolas" panose="020B0609020204030204" pitchFamily="49" charset="0"/>
+                <a:cs typeface="Consolas" panose="020B0609020204030204" pitchFamily="49" charset="0"/>
+              </a:rPr>
+              <a:t> 1 ]; then</a:t>
+            </a:r>
+          </a:p>
+          <a:p>
+            <a:pPr marL="0" indent="0">
+              <a:buNone/>
+            </a:pPr>
+            <a:r>
+              <a:rPr lang="en-GB" dirty="0">
+                <a:latin typeface="Consolas" panose="020B0609020204030204" pitchFamily="49" charset="0"/>
+                <a:cs typeface="Consolas" panose="020B0609020204030204" pitchFamily="49" charset="0"/>
+              </a:rPr>
+              <a:t>	echo "usage: $0 f1 .. </a:t>
+            </a:r>
+            <a:r>
+              <a:rPr lang="en-GB" dirty="0" err="1">
+                <a:latin typeface="Consolas" panose="020B0609020204030204" pitchFamily="49" charset="0"/>
+                <a:cs typeface="Consolas" panose="020B0609020204030204" pitchFamily="49" charset="0"/>
+              </a:rPr>
+              <a:t>fn</a:t>
+            </a:r>
+            <a:r>
+              <a:rPr lang="en-GB" dirty="0">
+                <a:latin typeface="Consolas" panose="020B0609020204030204" pitchFamily="49" charset="0"/>
+                <a:cs typeface="Consolas" panose="020B0609020204030204" pitchFamily="49" charset="0"/>
+              </a:rPr>
+              <a:t>"</a:t>
+            </a:r>
+          </a:p>
+          <a:p>
+            <a:pPr marL="0" indent="0">
+              <a:buNone/>
+            </a:pPr>
+            <a:r>
+              <a:rPr lang="en-GB" dirty="0">
+                <a:latin typeface="Consolas" panose="020B0609020204030204" pitchFamily="49" charset="0"/>
+                <a:cs typeface="Consolas" panose="020B0609020204030204" pitchFamily="49" charset="0"/>
+              </a:rPr>
+              <a:t>  exit 1</a:t>
+            </a:r>
+          </a:p>
+          <a:p>
+            <a:pPr marL="0" indent="0">
+              <a:buNone/>
+            </a:pPr>
+            <a:r>
+              <a:rPr lang="en-GB" dirty="0">
+                <a:latin typeface="Consolas" panose="020B0609020204030204" pitchFamily="49" charset="0"/>
+                <a:cs typeface="Consolas" panose="020B0609020204030204" pitchFamily="49" charset="0"/>
+              </a:rPr>
+              <a:t>fi</a:t>
+            </a:r>
+          </a:p>
+          <a:p>
+            <a:pPr marL="0" indent="0">
+              <a:buNone/>
+            </a:pPr>
+            <a:endParaRPr lang="en-GB" dirty="0">
+              <a:latin typeface="Consolas" panose="020B0609020204030204" pitchFamily="49" charset="0"/>
+              <a:cs typeface="Consolas" panose="020B0609020204030204" pitchFamily="49" charset="0"/>
+            </a:endParaRPr>
+          </a:p>
+          <a:p>
+            <a:pPr marL="0" indent="0">
+              <a:buNone/>
+            </a:pPr>
+            <a:r>
+              <a:rPr lang="en-GB" dirty="0">
+                <a:latin typeface="Consolas" panose="020B0609020204030204" pitchFamily="49" charset="0"/>
+                <a:cs typeface="Consolas" panose="020B0609020204030204" pitchFamily="49" charset="0"/>
+              </a:rPr>
+              <a:t>l=0</a:t>
+            </a:r>
+          </a:p>
+          <a:p>
+            <a:pPr marL="0" indent="0">
+              <a:buNone/>
+            </a:pPr>
+            <a:r>
+              <a:rPr lang="en-GB" dirty="0">
+                <a:latin typeface="Consolas" panose="020B0609020204030204" pitchFamily="49" charset="0"/>
+                <a:cs typeface="Consolas" panose="020B0609020204030204" pitchFamily="49" charset="0"/>
+              </a:rPr>
+              <a:t>for </a:t>
+            </a:r>
+            <a:r>
+              <a:rPr lang="en-GB" dirty="0" err="1">
+                <a:latin typeface="Consolas" panose="020B0609020204030204" pitchFamily="49" charset="0"/>
+                <a:cs typeface="Consolas" panose="020B0609020204030204" pitchFamily="49" charset="0"/>
+              </a:rPr>
+              <a:t>fname</a:t>
+            </a:r>
+            <a:r>
+              <a:rPr lang="en-GB" dirty="0">
+                <a:latin typeface="Consolas" panose="020B0609020204030204" pitchFamily="49" charset="0"/>
+                <a:cs typeface="Consolas" panose="020B0609020204030204" pitchFamily="49" charset="0"/>
+              </a:rPr>
+              <a:t> in $*; do</a:t>
+            </a:r>
+          </a:p>
+          <a:p>
+            <a:pPr marL="0" indent="0">
+              <a:buNone/>
+            </a:pPr>
+            <a:r>
+              <a:rPr lang="en-GB" dirty="0">
+                <a:latin typeface="Consolas" panose="020B0609020204030204" pitchFamily="49" charset="0"/>
+                <a:cs typeface="Consolas" panose="020B0609020204030204" pitchFamily="49" charset="0"/>
+              </a:rPr>
+              <a:t>	l=$(</a:t>
+            </a:r>
+            <a:r>
+              <a:rPr lang="en-GB" dirty="0" err="1">
+                <a:latin typeface="Consolas" panose="020B0609020204030204" pitchFamily="49" charset="0"/>
+                <a:cs typeface="Consolas" panose="020B0609020204030204" pitchFamily="49" charset="0"/>
+              </a:rPr>
+              <a:t>wc</a:t>
+            </a:r>
+            <a:r>
+              <a:rPr lang="en-GB" dirty="0">
+                <a:latin typeface="Consolas" panose="020B0609020204030204" pitchFamily="49" charset="0"/>
+                <a:cs typeface="Consolas" panose="020B0609020204030204" pitchFamily="49" charset="0"/>
+              </a:rPr>
+              <a:t> -l "$</a:t>
+            </a:r>
+            <a:r>
+              <a:rPr lang="en-GB" dirty="0" err="1">
+                <a:latin typeface="Consolas" panose="020B0609020204030204" pitchFamily="49" charset="0"/>
+                <a:cs typeface="Consolas" panose="020B0609020204030204" pitchFamily="49" charset="0"/>
+              </a:rPr>
+              <a:t>fname</a:t>
+            </a:r>
+            <a:r>
+              <a:rPr lang="en-GB" dirty="0">
+                <a:latin typeface="Consolas" panose="020B0609020204030204" pitchFamily="49" charset="0"/>
+                <a:cs typeface="Consolas" panose="020B0609020204030204" pitchFamily="49" charset="0"/>
+              </a:rPr>
+              <a:t>" | cut -d ' ' -f 1)</a:t>
+            </a:r>
+          </a:p>
+          <a:p>
+            <a:pPr marL="0" indent="0">
+              <a:buNone/>
+            </a:pPr>
+            <a:r>
+              <a:rPr lang="en-GB" dirty="0">
+                <a:latin typeface="Consolas" panose="020B0609020204030204" pitchFamily="49" charset="0"/>
+                <a:cs typeface="Consolas" panose="020B0609020204030204" pitchFamily="49" charset="0"/>
+              </a:rPr>
+              <a:t>	echo "$</a:t>
+            </a:r>
+            <a:r>
+              <a:rPr lang="en-GB" dirty="0" err="1">
+                <a:latin typeface="Consolas" panose="020B0609020204030204" pitchFamily="49" charset="0"/>
+                <a:cs typeface="Consolas" panose="020B0609020204030204" pitchFamily="49" charset="0"/>
+              </a:rPr>
+              <a:t>fname</a:t>
+            </a:r>
+            <a:r>
+              <a:rPr lang="en-GB" dirty="0">
+                <a:latin typeface="Consolas" panose="020B0609020204030204" pitchFamily="49" charset="0"/>
+                <a:cs typeface="Consolas" panose="020B0609020204030204" pitchFamily="49" charset="0"/>
+              </a:rPr>
+              <a:t>": "$l"</a:t>
+            </a:r>
+          </a:p>
+          <a:p>
+            <a:pPr marL="0" indent="0">
+              <a:buNone/>
+            </a:pPr>
+            <a:r>
+              <a:rPr lang="en-GB" dirty="0">
+                <a:latin typeface="Consolas" panose="020B0609020204030204" pitchFamily="49" charset="0"/>
+                <a:cs typeface="Consolas" panose="020B0609020204030204" pitchFamily="49" charset="0"/>
+              </a:rPr>
+              <a:t>done</a:t>
+            </a:r>
+          </a:p>
+          <a:p>
+            <a:pPr marL="0" indent="0">
+              <a:buNone/>
+            </a:pPr>
+            <a:endParaRPr lang="en-GB" dirty="0">
+              <a:latin typeface="Consolas" panose="020B0609020204030204" pitchFamily="49" charset="0"/>
+              <a:cs typeface="Consolas" panose="020B0609020204030204" pitchFamily="49" charset="0"/>
+            </a:endParaRPr>
+          </a:p>
+          <a:p>
+            <a:pPr marL="0" indent="0">
+              <a:buNone/>
+            </a:pPr>
+            <a:r>
+              <a:rPr lang="en-GB" dirty="0">
+                <a:latin typeface="Consolas" panose="020B0609020204030204" pitchFamily="49" charset="0"/>
+                <a:cs typeface="Consolas" panose="020B0609020204030204" pitchFamily="49" charset="0"/>
+              </a:rPr>
+              <a:t>exit 0</a:t>
+            </a:r>
+          </a:p>
+        </p:txBody>
+      </p:sp>
+      <p:sp>
+        <p:nvSpPr>
+          <p:cNvPr id="4" name="Slide Number Placeholder 3">
+            <a:extLst>
+              <a:ext uri="{FF2B5EF4-FFF2-40B4-BE49-F238E27FC236}">
+                <a16:creationId xmlns:a16="http://schemas.microsoft.com/office/drawing/2014/main" id="{B687DCC2-F272-5C4B-825F-A2D37C97E322}"/>
+              </a:ext>
+            </a:extLst>
+          </p:cNvPr>
+          <p:cNvSpPr>
+            <a:spLocks noGrp="1"/>
+          </p:cNvSpPr>
+          <p:nvPr>
+            <p:ph type="sldNum" sz="quarter" idx="12"/>
+          </p:nvPr>
+        </p:nvSpPr>
+        <p:spPr/>
+        <p:txBody>
+          <a:bodyPr/>
+          <a:lstStyle/>
+          <a:p>
+            <a:fld id="{D2040F39-7941-49A4-B48D-F201B18B6351}" type="slidenum">
+              <a:rPr lang="it-IT" smtClean="0"/>
+              <a:pPr/>
+              <a:t>42</a:t>
+            </a:fld>
+            <a:endParaRPr lang="it-IT" dirty="0"/>
+          </a:p>
+        </p:txBody>
+      </p:sp>
+    </p:spTree>
+    <p:extLst>
+      <p:ext uri="{BB962C8B-B14F-4D97-AF65-F5344CB8AC3E}">
+        <p14:creationId xmlns:p14="http://schemas.microsoft.com/office/powerpoint/2010/main" val="3407210449"/>
+      </p:ext>
+    </p:extLst>
+  </p:cSld>
+  <p:clrMapOvr>
+    <a:masterClrMapping/>
+  </p:clrMapOvr>
+</p:sld>
+</file>
+
+<file path=ppt/slides/slide43.xml><?xml version="1.0" encoding="utf-8"?>
+<p:sld xmlns:a="http://schemas.openxmlformats.org/drawingml/2006/main" xmlns:r="http://schemas.openxmlformats.org/officeDocument/2006/relationships" xmlns:p="http://schemas.openxmlformats.org/presentationml/2006/main">
+  <p:cSld>
+    <p:spTree>
+      <p:nvGrpSpPr>
+        <p:cNvPr id="1" name=""/>
+        <p:cNvGrpSpPr/>
+        <p:nvPr/>
+      </p:nvGrpSpPr>
+      <p:grpSpPr>
+        <a:xfrm>
+          <a:off x="0" y="0"/>
+          <a:ext cx="0" cy="0"/>
+          <a:chOff x="0" y="0"/>
+          <a:chExt cx="0" cy="0"/>
+        </a:xfrm>
+      </p:grpSpPr>
+      <p:sp>
+        <p:nvSpPr>
+          <p:cNvPr id="5" name="Title 4">
+            <a:extLst>
+              <a:ext uri="{FF2B5EF4-FFF2-40B4-BE49-F238E27FC236}">
+                <a16:creationId xmlns:a16="http://schemas.microsoft.com/office/drawing/2014/main" id="{CCD5C37D-7B15-F34F-B6CF-717074C8EA7B}"/>
+              </a:ext>
+            </a:extLst>
+          </p:cNvPr>
+          <p:cNvSpPr>
+            <a:spLocks noGrp="1"/>
+          </p:cNvSpPr>
+          <p:nvPr>
+            <p:ph type="title"/>
+          </p:nvPr>
+        </p:nvSpPr>
+        <p:spPr/>
+        <p:txBody>
+          <a:bodyPr/>
+          <a:lstStyle/>
+          <a:p>
+            <a:r>
               <a:rPr lang="en-GB" dirty="0" err="1"/>
               <a:t>Esempio</a:t>
             </a:r>
@@ -22418,7 +23499,7 @@
             <a:fld id="{D2040F39-7941-49A4-B48D-F201B18B6351}" type="slidenum">
               <a:rPr lang="it-IT" smtClean="0"/>
               <a:pPr/>
-              <a:t>41</a:t>
+              <a:t>43</a:t>
             </a:fld>
             <a:endParaRPr lang="it-IT" dirty="0"/>
           </a:p>
@@ -22437,7 +23518,7 @@
 </p:sld>
 </file>
 
-<file path=ppt/slides/slide42.xml><?xml version="1.0" encoding="utf-8"?>
+<file path=ppt/slides/slide44.xml><?xml version="1.0" encoding="utf-8"?>
 <p:sld xmlns:a="http://schemas.openxmlformats.org/drawingml/2006/main" xmlns:r="http://schemas.openxmlformats.org/officeDocument/2006/relationships" xmlns:p="http://schemas.openxmlformats.org/presentationml/2006/main">
   <p:cSld>
     <p:spTree>
@@ -22808,7 +23889,7 @@
             <a:fld id="{D2040F39-7941-49A4-B48D-F201B18B6351}" type="slidenum">
               <a:rPr lang="it-IT" smtClean="0"/>
               <a:pPr/>
-              <a:t>42</a:t>
+              <a:t>44</a:t>
             </a:fld>
             <a:endParaRPr lang="it-IT" dirty="0"/>
           </a:p>
